--- a/Version/Documentación/MDVRP.pptx
+++ b/Version/Documentación/MDVRP.pptx
@@ -7,19 +7,25 @@
   <p:sldIdLst>
     <p:sldId id="256" r:id="rId2"/>
     <p:sldId id="257" r:id="rId3"/>
-    <p:sldId id="259" r:id="rId4"/>
-    <p:sldId id="258" r:id="rId5"/>
-    <p:sldId id="260" r:id="rId6"/>
-    <p:sldId id="262" r:id="rId7"/>
-    <p:sldId id="263" r:id="rId8"/>
-    <p:sldId id="264" r:id="rId9"/>
-    <p:sldId id="261" r:id="rId10"/>
-    <p:sldId id="265" r:id="rId11"/>
-    <p:sldId id="266" r:id="rId12"/>
-    <p:sldId id="267" r:id="rId13"/>
-    <p:sldId id="268" r:id="rId14"/>
-    <p:sldId id="269" r:id="rId15"/>
-    <p:sldId id="270" r:id="rId16"/>
+    <p:sldId id="271" r:id="rId4"/>
+    <p:sldId id="272" r:id="rId5"/>
+    <p:sldId id="259" r:id="rId6"/>
+    <p:sldId id="258" r:id="rId7"/>
+    <p:sldId id="260" r:id="rId8"/>
+    <p:sldId id="262" r:id="rId9"/>
+    <p:sldId id="263" r:id="rId10"/>
+    <p:sldId id="274" r:id="rId11"/>
+    <p:sldId id="264" r:id="rId12"/>
+    <p:sldId id="273" r:id="rId13"/>
+    <p:sldId id="261" r:id="rId14"/>
+    <p:sldId id="265" r:id="rId15"/>
+    <p:sldId id="275" r:id="rId16"/>
+    <p:sldId id="276" r:id="rId17"/>
+    <p:sldId id="266" r:id="rId18"/>
+    <p:sldId id="267" r:id="rId19"/>
+    <p:sldId id="268" r:id="rId20"/>
+    <p:sldId id="269" r:id="rId21"/>
+    <p:sldId id="270" r:id="rId22"/>
   </p:sldIdLst>
   <p:sldSz cx="12192000" cy="6858000"/>
   <p:notesSz cx="6858000" cy="9144000"/>
@@ -252,7 +258,7 @@
           <a:p>
             <a:fld id="{12CBEF13-57F1-471C-ABF2-505306D08CB7}" type="datetimeFigureOut">
               <a:rPr lang="es-UY" smtClean="0"/>
-              <a:t>08/12/2015</a:t>
+              <a:t>8/12/2015</a:t>
             </a:fld>
             <a:endParaRPr lang="es-UY"/>
           </a:p>
@@ -294,7 +300,7 @@
           <a:p>
             <a:fld id="{D70CDD41-C5AA-403A-9E3F-13D09751A68A}" type="slidenum">
               <a:rPr lang="es-UY" smtClean="0"/>
-              <a:t>‹#›</a:t>
+              <a:t>‹Nº›</a:t>
             </a:fld>
             <a:endParaRPr lang="es-UY"/>
           </a:p>
@@ -422,7 +428,7 @@
           <a:p>
             <a:fld id="{12CBEF13-57F1-471C-ABF2-505306D08CB7}" type="datetimeFigureOut">
               <a:rPr lang="es-UY" smtClean="0"/>
-              <a:t>08/12/2015</a:t>
+              <a:t>8/12/2015</a:t>
             </a:fld>
             <a:endParaRPr lang="es-UY"/>
           </a:p>
@@ -464,7 +470,7 @@
           <a:p>
             <a:fld id="{D70CDD41-C5AA-403A-9E3F-13D09751A68A}" type="slidenum">
               <a:rPr lang="es-UY" smtClean="0"/>
-              <a:t>‹#›</a:t>
+              <a:t>‹Nº›</a:t>
             </a:fld>
             <a:endParaRPr lang="es-UY"/>
           </a:p>
@@ -602,7 +608,7 @@
           <a:p>
             <a:fld id="{12CBEF13-57F1-471C-ABF2-505306D08CB7}" type="datetimeFigureOut">
               <a:rPr lang="es-UY" smtClean="0"/>
-              <a:t>08/12/2015</a:t>
+              <a:t>8/12/2015</a:t>
             </a:fld>
             <a:endParaRPr lang="es-UY"/>
           </a:p>
@@ -644,7 +650,7 @@
           <a:p>
             <a:fld id="{D70CDD41-C5AA-403A-9E3F-13D09751A68A}" type="slidenum">
               <a:rPr lang="es-UY" smtClean="0"/>
-              <a:t>‹#›</a:t>
+              <a:t>‹Nº›</a:t>
             </a:fld>
             <a:endParaRPr lang="es-UY"/>
           </a:p>
@@ -772,7 +778,7 @@
           <a:p>
             <a:fld id="{12CBEF13-57F1-471C-ABF2-505306D08CB7}" type="datetimeFigureOut">
               <a:rPr lang="es-UY" smtClean="0"/>
-              <a:t>08/12/2015</a:t>
+              <a:t>8/12/2015</a:t>
             </a:fld>
             <a:endParaRPr lang="es-UY"/>
           </a:p>
@@ -814,7 +820,7 @@
           <a:p>
             <a:fld id="{D70CDD41-C5AA-403A-9E3F-13D09751A68A}" type="slidenum">
               <a:rPr lang="es-UY" smtClean="0"/>
-              <a:t>‹#›</a:t>
+              <a:t>‹Nº›</a:t>
             </a:fld>
             <a:endParaRPr lang="es-UY"/>
           </a:p>
@@ -1018,7 +1024,7 @@
           <a:p>
             <a:fld id="{12CBEF13-57F1-471C-ABF2-505306D08CB7}" type="datetimeFigureOut">
               <a:rPr lang="es-UY" smtClean="0"/>
-              <a:t>08/12/2015</a:t>
+              <a:t>8/12/2015</a:t>
             </a:fld>
             <a:endParaRPr lang="es-UY"/>
           </a:p>
@@ -1060,7 +1066,7 @@
           <a:p>
             <a:fld id="{D70CDD41-C5AA-403A-9E3F-13D09751A68A}" type="slidenum">
               <a:rPr lang="es-UY" smtClean="0"/>
-              <a:t>‹#›</a:t>
+              <a:t>‹Nº›</a:t>
             </a:fld>
             <a:endParaRPr lang="es-UY"/>
           </a:p>
@@ -1250,7 +1256,7 @@
           <a:p>
             <a:fld id="{12CBEF13-57F1-471C-ABF2-505306D08CB7}" type="datetimeFigureOut">
               <a:rPr lang="es-UY" smtClean="0"/>
-              <a:t>08/12/2015</a:t>
+              <a:t>8/12/2015</a:t>
             </a:fld>
             <a:endParaRPr lang="es-UY"/>
           </a:p>
@@ -1292,7 +1298,7 @@
           <a:p>
             <a:fld id="{D70CDD41-C5AA-403A-9E3F-13D09751A68A}" type="slidenum">
               <a:rPr lang="es-UY" smtClean="0"/>
-              <a:t>‹#›</a:t>
+              <a:t>‹Nº›</a:t>
             </a:fld>
             <a:endParaRPr lang="es-UY"/>
           </a:p>
@@ -1617,7 +1623,7 @@
           <a:p>
             <a:fld id="{12CBEF13-57F1-471C-ABF2-505306D08CB7}" type="datetimeFigureOut">
               <a:rPr lang="es-UY" smtClean="0"/>
-              <a:t>08/12/2015</a:t>
+              <a:t>8/12/2015</a:t>
             </a:fld>
             <a:endParaRPr lang="es-UY"/>
           </a:p>
@@ -1659,7 +1665,7 @@
           <a:p>
             <a:fld id="{D70CDD41-C5AA-403A-9E3F-13D09751A68A}" type="slidenum">
               <a:rPr lang="es-UY" smtClean="0"/>
-              <a:t>‹#›</a:t>
+              <a:t>‹Nº›</a:t>
             </a:fld>
             <a:endParaRPr lang="es-UY"/>
           </a:p>
@@ -1735,7 +1741,7 @@
           <a:p>
             <a:fld id="{12CBEF13-57F1-471C-ABF2-505306D08CB7}" type="datetimeFigureOut">
               <a:rPr lang="es-UY" smtClean="0"/>
-              <a:t>08/12/2015</a:t>
+              <a:t>8/12/2015</a:t>
             </a:fld>
             <a:endParaRPr lang="es-UY"/>
           </a:p>
@@ -1777,7 +1783,7 @@
           <a:p>
             <a:fld id="{D70CDD41-C5AA-403A-9E3F-13D09751A68A}" type="slidenum">
               <a:rPr lang="es-UY" smtClean="0"/>
-              <a:t>‹#›</a:t>
+              <a:t>‹Nº›</a:t>
             </a:fld>
             <a:endParaRPr lang="es-UY"/>
           </a:p>
@@ -1830,7 +1836,7 @@
           <a:p>
             <a:fld id="{12CBEF13-57F1-471C-ABF2-505306D08CB7}" type="datetimeFigureOut">
               <a:rPr lang="es-UY" smtClean="0"/>
-              <a:t>08/12/2015</a:t>
+              <a:t>8/12/2015</a:t>
             </a:fld>
             <a:endParaRPr lang="es-UY"/>
           </a:p>
@@ -1872,7 +1878,7 @@
           <a:p>
             <a:fld id="{D70CDD41-C5AA-403A-9E3F-13D09751A68A}" type="slidenum">
               <a:rPr lang="es-UY" smtClean="0"/>
-              <a:t>‹#›</a:t>
+              <a:t>‹Nº›</a:t>
             </a:fld>
             <a:endParaRPr lang="es-UY"/>
           </a:p>
@@ -2107,7 +2113,7 @@
           <a:p>
             <a:fld id="{12CBEF13-57F1-471C-ABF2-505306D08CB7}" type="datetimeFigureOut">
               <a:rPr lang="es-UY" smtClean="0"/>
-              <a:t>08/12/2015</a:t>
+              <a:t>8/12/2015</a:t>
             </a:fld>
             <a:endParaRPr lang="es-UY"/>
           </a:p>
@@ -2149,7 +2155,7 @@
           <a:p>
             <a:fld id="{D70CDD41-C5AA-403A-9E3F-13D09751A68A}" type="slidenum">
               <a:rPr lang="es-UY" smtClean="0"/>
-              <a:t>‹#›</a:t>
+              <a:t>‹Nº›</a:t>
             </a:fld>
             <a:endParaRPr lang="es-UY"/>
           </a:p>
@@ -2360,7 +2366,7 @@
           <a:p>
             <a:fld id="{12CBEF13-57F1-471C-ABF2-505306D08CB7}" type="datetimeFigureOut">
               <a:rPr lang="es-UY" smtClean="0"/>
-              <a:t>08/12/2015</a:t>
+              <a:t>8/12/2015</a:t>
             </a:fld>
             <a:endParaRPr lang="es-UY"/>
           </a:p>
@@ -2402,7 +2408,7 @@
           <a:p>
             <a:fld id="{D70CDD41-C5AA-403A-9E3F-13D09751A68A}" type="slidenum">
               <a:rPr lang="es-UY" smtClean="0"/>
-              <a:t>‹#›</a:t>
+              <a:t>‹Nº›</a:t>
             </a:fld>
             <a:endParaRPr lang="es-UY"/>
           </a:p>
@@ -2573,7 +2579,7 @@
           <a:p>
             <a:fld id="{12CBEF13-57F1-471C-ABF2-505306D08CB7}" type="datetimeFigureOut">
               <a:rPr lang="es-UY" smtClean="0"/>
-              <a:t>08/12/2015</a:t>
+              <a:t>8/12/2015</a:t>
             </a:fld>
             <a:endParaRPr lang="es-UY"/>
           </a:p>
@@ -2651,7 +2657,7 @@
           <a:p>
             <a:fld id="{D70CDD41-C5AA-403A-9E3F-13D09751A68A}" type="slidenum">
               <a:rPr lang="es-UY" smtClean="0"/>
-              <a:t>‹#›</a:t>
+              <a:t>‹Nº›</a:t>
             </a:fld>
             <a:endParaRPr lang="es-UY"/>
           </a:p>
@@ -2994,7 +3000,7 @@
           <a:lstStyle/>
           <a:p>
             <a:r>
-              <a:rPr lang="en-US" dirty="0" err="1" smtClean="0"/>
+              <a:rPr lang="en-US" dirty="0" smtClean="0"/>
               <a:t>MDVRP</a:t>
             </a:r>
             <a:endParaRPr lang="es-UY" dirty="0"/>
@@ -3066,9 +3072,7 @@
         </p:nvSpPr>
         <p:spPr/>
         <p:txBody>
-          <a:bodyPr>
-            <a:normAutofit/>
-          </a:bodyPr>
+          <a:bodyPr/>
           <a:lstStyle/>
           <a:p>
             <a:r>
@@ -3089,22 +3093,7 @@
             </a:r>
             <a:r>
               <a:rPr lang="en-US" dirty="0" err="1" smtClean="0"/>
-              <a:t>implementacion</a:t>
-            </a:r>
-            <a:r>
-              <a:rPr lang="en-US" dirty="0" smtClean="0"/>
-              <a:t>. </a:t>
-            </a:r>
-            <a:r>
-              <a:rPr lang="en-US" dirty="0"/>
-              <a:t/>
-            </a:r>
-            <a:br>
-              <a:rPr lang="en-US" dirty="0"/>
-            </a:br>
-            <a:r>
-              <a:rPr lang="en-US" dirty="0" err="1" smtClean="0"/>
-              <a:t>Aplicacion</a:t>
+              <a:t>Disenios</a:t>
             </a:r>
             <a:r>
               <a:rPr lang="en-US" dirty="0" smtClean="0"/>
@@ -3112,46 +3101,129 @@
             </a:r>
             <a:r>
               <a:rPr lang="en-US" dirty="0" err="1" smtClean="0"/>
-              <a:t>Micelaneos</a:t>
-            </a:r>
-            <a:r>
-              <a:rPr lang="en-US" dirty="0" smtClean="0"/>
-              <a:t>.</a:t>
+              <a:t>algoritmos</a:t>
+            </a:r>
+            <a:r>
+              <a:rPr lang="en-US" dirty="0" smtClean="0"/>
+              <a:t> </a:t>
+            </a:r>
+            <a:r>
+              <a:rPr lang="en-US" dirty="0" err="1" smtClean="0"/>
+              <a:t>Mejora</a:t>
+            </a:r>
+            <a:r>
+              <a:rPr lang="en-US" dirty="0" smtClean="0"/>
+              <a:t> de </a:t>
+            </a:r>
+            <a:r>
+              <a:rPr lang="en-US" dirty="0" err="1" smtClean="0"/>
+              <a:t>Asignacion</a:t>
             </a:r>
             <a:endParaRPr lang="es-UY" dirty="0"/>
           </a:p>
         </p:txBody>
       </p:sp>
-      <p:pic>
-        <p:nvPicPr>
-          <p:cNvPr id="4" name="2 Imagen" descr="Sin título2.png"/>
-          <p:cNvPicPr>
-            <a:picLocks noGrp="1"/>
-          </p:cNvPicPr>
+      <p:sp>
+        <p:nvSpPr>
+          <p:cNvPr id="3" name="Content Placeholder 2"/>
+          <p:cNvSpPr>
+            <a:spLocks noGrp="1"/>
+          </p:cNvSpPr>
           <p:nvPr>
             <p:ph idx="1"/>
           </p:nvPr>
-        </p:nvPicPr>
-        <p:blipFill>
-          <a:blip r:embed="rId2" cstate="print"/>
-          <a:stretch>
-            <a:fillRect/>
-          </a:stretch>
-        </p:blipFill>
+        </p:nvSpPr>
         <p:spPr>
           <a:xfrm>
-            <a:off x="838200" y="2147597"/>
-            <a:ext cx="5198537" cy="2862285"/>
+            <a:off x="838200" y="1851383"/>
+            <a:ext cx="10515600" cy="4351338"/>
           </a:xfrm>
-          <a:prstGeom prst="rect">
-            <a:avLst/>
-          </a:prstGeom>
         </p:spPr>
-      </p:pic>
+        <p:txBody>
+          <a:bodyPr/>
+          <a:lstStyle/>
+          <a:p>
+            <a:pPr lvl="0"/>
+            <a:r>
+              <a:rPr lang="es-UY" dirty="0" smtClean="0"/>
+              <a:t>Mejora de la asignación (Fase 2)</a:t>
+            </a:r>
+          </a:p>
+          <a:p>
+            <a:pPr lvl="1"/>
+            <a:r>
+              <a:rPr lang="es-UY" dirty="0" smtClean="0"/>
+              <a:t>Algoritmo Enajenado Rápido (</a:t>
+            </a:r>
+            <a:r>
+              <a:rPr lang="es-UY" dirty="0" err="1" smtClean="0"/>
+              <a:t>AER</a:t>
+            </a:r>
+            <a:r>
+              <a:rPr lang="es-UY" dirty="0" smtClean="0"/>
+              <a:t>)</a:t>
+            </a:r>
+          </a:p>
+          <a:p>
+            <a:pPr lvl="1"/>
+            <a:r>
+              <a:rPr lang="es-UY" dirty="0" smtClean="0"/>
+              <a:t>Algoritmo Enajenado Lento (</a:t>
+            </a:r>
+            <a:r>
+              <a:rPr lang="es-UY" dirty="0" err="1" smtClean="0"/>
+              <a:t>AEL</a:t>
+            </a:r>
+            <a:r>
+              <a:rPr lang="es-UY" dirty="0" smtClean="0"/>
+              <a:t>)</a:t>
+            </a:r>
+            <a:endParaRPr lang="en-US" dirty="0" smtClean="0"/>
+          </a:p>
+          <a:p>
+            <a:r>
+              <a:rPr lang="en-US" dirty="0" smtClean="0"/>
+              <a:t>…</a:t>
+            </a:r>
+          </a:p>
+          <a:p>
+            <a:r>
+              <a:rPr lang="en-US" dirty="0" smtClean="0"/>
+              <a:t>…</a:t>
+            </a:r>
+          </a:p>
+          <a:p>
+            <a:r>
+              <a:rPr lang="en-US" dirty="0" smtClean="0"/>
+              <a:t>…</a:t>
+            </a:r>
+            <a:r>
+              <a:rPr lang="en-US" dirty="0" smtClean="0">
+                <a:solidFill>
+                  <a:schemeClr val="accent1">
+                    <a:lumMod val="50000"/>
+                  </a:schemeClr>
+                </a:solidFill>
+              </a:rPr>
+              <a:t>Ale</a:t>
+            </a:r>
+            <a:endParaRPr lang="en-US" dirty="0" smtClean="0">
+              <a:solidFill>
+                <a:schemeClr val="accent1">
+                  <a:lumMod val="50000"/>
+                </a:schemeClr>
+              </a:solidFill>
+            </a:endParaRPr>
+          </a:p>
+          <a:p>
+            <a:endParaRPr lang="es-UY" dirty="0"/>
+          </a:p>
+        </p:txBody>
+      </p:sp>
     </p:spTree>
     <p:extLst>
       <p:ext uri="{BB962C8B-B14F-4D97-AF65-F5344CB8AC3E}">
-        <p14:creationId xmlns:p14="http://schemas.microsoft.com/office/powerpoint/2010/main" val="447812816"/>
+        <p14:creationId xmlns:p14="http://schemas.microsoft.com/office/powerpoint/2010/main" val="2486798970"/>
       </p:ext>
     </p:extLst>
   </p:cSld>
@@ -3211,31 +3283,36 @@
             </a:r>
             <a:r>
               <a:rPr lang="en-US" dirty="0" err="1" smtClean="0"/>
-              <a:t>Testeo</a:t>
+              <a:t>Disenios</a:t>
+            </a:r>
+            <a:r>
+              <a:rPr lang="en-US" dirty="0" smtClean="0"/>
+              <a:t> y </a:t>
+            </a:r>
+            <a:r>
+              <a:rPr lang="en-US" dirty="0" err="1" smtClean="0"/>
+              <a:t>algoritmos</a:t>
+            </a:r>
+            <a:r>
+              <a:rPr lang="en-US" dirty="0" smtClean="0"/>
+              <a:t> </a:t>
+            </a:r>
+            <a:r>
+              <a:rPr lang="en-US" dirty="0" err="1" smtClean="0"/>
+              <a:t>Ruteo</a:t>
+            </a:r>
+            <a:r>
+              <a:rPr lang="en-US" dirty="0" smtClean="0"/>
+              <a:t>  y </a:t>
+            </a:r>
+            <a:r>
+              <a:rPr lang="en-US" dirty="0" err="1" smtClean="0"/>
+              <a:t>Porstoptimizacion</a:t>
             </a:r>
             <a:r>
               <a:rPr lang="en-US" dirty="0" smtClean="0"/>
               <a:t>.</a:t>
             </a:r>
-            <a:br>
-              <a:rPr lang="en-US" dirty="0" smtClean="0"/>
-            </a:br>
-            <a:r>
-              <a:rPr lang="en-US" dirty="0" err="1" smtClean="0"/>
-              <a:t>Casos</a:t>
-            </a:r>
-            <a:r>
-              <a:rPr lang="en-US" dirty="0" smtClean="0"/>
-              <a:t> De </a:t>
-            </a:r>
-            <a:r>
-              <a:rPr lang="en-US" dirty="0" err="1" smtClean="0"/>
-              <a:t>Prueba</a:t>
-            </a:r>
-            <a:r>
-              <a:rPr lang="en-US" dirty="0" smtClean="0"/>
-              <a:t>.</a:t>
-            </a:r>
             <a:endParaRPr lang="es-UY" dirty="0"/>
           </a:p>
         </p:txBody>
@@ -3250,83 +3327,62 @@
             <p:ph idx="1"/>
           </p:nvPr>
         </p:nvSpPr>
-        <p:spPr/>
+        <p:spPr>
+          <a:xfrm>
+            <a:off x="838200" y="1851383"/>
+            <a:ext cx="10515600" cy="4351338"/>
+          </a:xfrm>
+        </p:spPr>
         <p:txBody>
           <a:bodyPr/>
           <a:lstStyle/>
           <a:p>
-            <a:r>
-              <a:rPr lang="en-US" dirty="0" smtClean="0"/>
-              <a:t>A</a:t>
-            </a:r>
-          </a:p>
-          <a:p>
-            <a:r>
-              <a:rPr lang="en-US" dirty="0" smtClean="0"/>
-              <a:t>B</a:t>
-            </a:r>
-            <a:endParaRPr lang="en-US" dirty="0" smtClean="0"/>
+            <a:pPr lvl="0"/>
+            <a:r>
+              <a:rPr lang="es-UY" dirty="0" smtClean="0"/>
+              <a:t>R</a:t>
+            </a:r>
+            <a:r>
+              <a:rPr lang="es-ES" dirty="0" err="1" smtClean="0"/>
+              <a:t>ute</a:t>
+            </a:r>
+            <a:r>
+              <a:rPr lang="es-UY" dirty="0" smtClean="0"/>
+              <a:t>o</a:t>
+            </a:r>
           </a:p>
           <a:p>
             <a:pPr lvl="1"/>
             <a:r>
-              <a:rPr lang="en-US" dirty="0" err="1" smtClean="0"/>
-              <a:t>B1</a:t>
-            </a:r>
-            <a:endParaRPr lang="en-US" dirty="0" smtClean="0"/>
-          </a:p>
-          <a:p>
-            <a:pPr lvl="1"/>
-            <a:r>
-              <a:rPr lang="en-US" dirty="0" err="1" smtClean="0"/>
-              <a:t>B2</a:t>
-            </a:r>
-            <a:endParaRPr lang="en-US" dirty="0" smtClean="0"/>
-          </a:p>
-          <a:p>
-            <a:pPr lvl="1"/>
-            <a:r>
-              <a:rPr lang="en-US" dirty="0" err="1" smtClean="0"/>
-              <a:t>B3</a:t>
-            </a:r>
-            <a:endParaRPr lang="en-US" dirty="0" smtClean="0"/>
-          </a:p>
-          <a:p>
-            <a:r>
-              <a:rPr lang="en-US" dirty="0" smtClean="0"/>
-              <a:t>C</a:t>
-            </a:r>
-          </a:p>
-          <a:p>
-            <a:pPr lvl="1"/>
-            <a:r>
-              <a:rPr lang="en-US" dirty="0" err="1" smtClean="0"/>
-              <a:t>C1</a:t>
-            </a:r>
-            <a:endParaRPr lang="en-US" dirty="0" smtClean="0"/>
-          </a:p>
-          <a:p>
-            <a:pPr lvl="1"/>
-            <a:r>
-              <a:rPr lang="en-US" dirty="0" err="1" smtClean="0"/>
-              <a:t>C2</a:t>
-            </a:r>
-            <a:endParaRPr lang="en-US" dirty="0"/>
-          </a:p>
-          <a:p>
-            <a:pPr lvl="1"/>
-            <a:r>
-              <a:rPr lang="en-US" dirty="0" err="1" smtClean="0"/>
-              <a:t>C3</a:t>
-            </a:r>
-            <a:endParaRPr lang="en-US" dirty="0" smtClean="0"/>
+              <a:rPr lang="es-UY" dirty="0" smtClean="0"/>
+              <a:t>Clarke &amp; Wright.</a:t>
+            </a:r>
+          </a:p>
+          <a:p>
+            <a:r>
+              <a:rPr lang="es-UY" dirty="0" smtClean="0">
+                <a:solidFill>
+                  <a:schemeClr val="accent1">
+                    <a:lumMod val="50000"/>
+                  </a:schemeClr>
+                </a:solidFill>
+              </a:rPr>
+              <a:t>Javier</a:t>
+            </a:r>
+            <a:endParaRPr lang="es-UY" dirty="0">
+              <a:solidFill>
+                <a:schemeClr val="accent1">
+                  <a:lumMod val="50000"/>
+                </a:schemeClr>
+              </a:solidFill>
+            </a:endParaRPr>
           </a:p>
         </p:txBody>
       </p:sp>
     </p:spTree>
     <p:extLst>
       <p:ext uri="{BB962C8B-B14F-4D97-AF65-F5344CB8AC3E}">
-        <p14:creationId xmlns:p14="http://schemas.microsoft.com/office/powerpoint/2010/main" val="456700873"/>
+        <p14:creationId xmlns:p14="http://schemas.microsoft.com/office/powerpoint/2010/main" val="343589520"/>
       </p:ext>
     </p:extLst>
   </p:cSld>
@@ -3386,6 +3442,907 @@
             </a:r>
             <a:r>
               <a:rPr lang="en-US" dirty="0" err="1" smtClean="0"/>
+              <a:t>Disenios</a:t>
+            </a:r>
+            <a:r>
+              <a:rPr lang="en-US" dirty="0" smtClean="0"/>
+              <a:t> y </a:t>
+            </a:r>
+            <a:r>
+              <a:rPr lang="en-US" dirty="0" err="1" smtClean="0"/>
+              <a:t>algoritmos</a:t>
+            </a:r>
+            <a:r>
+              <a:rPr lang="en-US" dirty="0" smtClean="0"/>
+              <a:t> </a:t>
+            </a:r>
+            <a:r>
+              <a:rPr lang="en-US" dirty="0" err="1" smtClean="0"/>
+              <a:t>Ruteo</a:t>
+            </a:r>
+            <a:r>
+              <a:rPr lang="en-US" dirty="0" smtClean="0"/>
+              <a:t>  y </a:t>
+            </a:r>
+            <a:r>
+              <a:rPr lang="en-US" dirty="0" err="1" smtClean="0"/>
+              <a:t>Porstoptimizacion</a:t>
+            </a:r>
+            <a:r>
+              <a:rPr lang="en-US" dirty="0" smtClean="0"/>
+              <a:t>.</a:t>
+            </a:r>
+            <a:endParaRPr lang="es-UY" dirty="0"/>
+          </a:p>
+        </p:txBody>
+      </p:sp>
+      <p:sp>
+        <p:nvSpPr>
+          <p:cNvPr id="3" name="Content Placeholder 2"/>
+          <p:cNvSpPr>
+            <a:spLocks noGrp="1"/>
+          </p:cNvSpPr>
+          <p:nvPr>
+            <p:ph idx="1"/>
+          </p:nvPr>
+        </p:nvSpPr>
+        <p:spPr>
+          <a:xfrm>
+            <a:off x="838200" y="1851383"/>
+            <a:ext cx="10515600" cy="4351338"/>
+          </a:xfrm>
+        </p:spPr>
+        <p:txBody>
+          <a:bodyPr/>
+          <a:lstStyle/>
+          <a:p>
+            <a:pPr lvl="0"/>
+            <a:r>
+              <a:rPr lang="es-UY" dirty="0" smtClean="0"/>
+              <a:t>Post-optimización</a:t>
+            </a:r>
+            <a:r>
+              <a:rPr lang="es-UY" dirty="0" smtClean="0"/>
+              <a:t>. </a:t>
+            </a:r>
+          </a:p>
+          <a:p>
+            <a:pPr lvl="1"/>
+            <a:r>
+              <a:rPr lang="es-UY" dirty="0" smtClean="0"/>
+              <a:t>λ-intercambio</a:t>
+            </a:r>
+          </a:p>
+          <a:p>
+            <a:pPr lvl="1"/>
+            <a:r>
+              <a:rPr lang="es-UY" dirty="0" smtClean="0"/>
+              <a:t>R-</a:t>
+            </a:r>
+            <a:r>
+              <a:rPr lang="es-UY" dirty="0" err="1" smtClean="0"/>
+              <a:t>iopt</a:t>
+            </a:r>
+            <a:endParaRPr lang="es-UY" dirty="0" smtClean="0"/>
+          </a:p>
+          <a:p>
+            <a:r>
+              <a:rPr lang="en-US" dirty="0" smtClean="0"/>
+              <a:t>…</a:t>
+            </a:r>
+          </a:p>
+          <a:p>
+            <a:r>
+              <a:rPr lang="en-US" dirty="0" smtClean="0"/>
+              <a:t>…</a:t>
+            </a:r>
+          </a:p>
+          <a:p>
+            <a:r>
+              <a:rPr lang="es-UY" dirty="0" smtClean="0">
+                <a:solidFill>
+                  <a:schemeClr val="accent1">
+                    <a:lumMod val="50000"/>
+                  </a:schemeClr>
+                </a:solidFill>
+              </a:rPr>
+              <a:t>Javier</a:t>
+            </a:r>
+            <a:endParaRPr lang="es-UY" dirty="0">
+              <a:solidFill>
+                <a:schemeClr val="accent1">
+                  <a:lumMod val="50000"/>
+                </a:schemeClr>
+              </a:solidFill>
+            </a:endParaRPr>
+          </a:p>
+        </p:txBody>
+      </p:sp>
+    </p:spTree>
+    <p:extLst>
+      <p:ext uri="{BB962C8B-B14F-4D97-AF65-F5344CB8AC3E}">
+        <p14:creationId xmlns:p14="http://schemas.microsoft.com/office/powerpoint/2010/main" val="3236116420"/>
+      </p:ext>
+    </p:extLst>
+  </p:cSld>
+  <p:clrMapOvr>
+    <a:masterClrMapping/>
+  </p:clrMapOvr>
+</p:sld>
+</file>
+
+<file path=ppt/slides/slide13.xml><?xml version="1.0" encoding="utf-8"?>
+<p:sld xmlns:a="http://schemas.openxmlformats.org/drawingml/2006/main" xmlns:r="http://schemas.openxmlformats.org/officeDocument/2006/relationships" xmlns:p="http://schemas.openxmlformats.org/presentationml/2006/main">
+  <p:cSld>
+    <p:spTree>
+      <p:nvGrpSpPr>
+        <p:cNvPr id="1" name=""/>
+        <p:cNvGrpSpPr/>
+        <p:nvPr/>
+      </p:nvGrpSpPr>
+      <p:grpSpPr>
+        <a:xfrm>
+          <a:off x="0" y="0"/>
+          <a:ext cx="0" cy="0"/>
+          <a:chOff x="0" y="0"/>
+          <a:chExt cx="0" cy="0"/>
+        </a:xfrm>
+      </p:grpSpPr>
+      <p:sp>
+        <p:nvSpPr>
+          <p:cNvPr id="2" name="Title 1"/>
+          <p:cNvSpPr>
+            <a:spLocks noGrp="1"/>
+          </p:cNvSpPr>
+          <p:nvPr>
+            <p:ph type="title"/>
+          </p:nvPr>
+        </p:nvSpPr>
+        <p:spPr/>
+        <p:txBody>
+          <a:bodyPr/>
+          <a:lstStyle/>
+          <a:p>
+            <a:r>
+              <a:rPr lang="en-US" dirty="0" smtClean="0"/>
+              <a:t>MDVRP- </a:t>
+            </a:r>
+            <a:r>
+              <a:rPr lang="es-UY" dirty="0" smtClean="0"/>
+              <a:t>Solución, implementación.</a:t>
+            </a:r>
+            <a:br>
+              <a:rPr lang="es-UY" dirty="0" smtClean="0"/>
+            </a:br>
+            <a:r>
+              <a:rPr lang="es-UY" dirty="0" smtClean="0"/>
+              <a:t>Características Generales</a:t>
+            </a:r>
+            <a:r>
+              <a:rPr lang="en-US" dirty="0" smtClean="0"/>
+              <a:t>.</a:t>
+            </a:r>
+            <a:endParaRPr lang="es-UY" dirty="0"/>
+          </a:p>
+        </p:txBody>
+      </p:sp>
+      <p:sp>
+        <p:nvSpPr>
+          <p:cNvPr id="3" name="Content Placeholder 2"/>
+          <p:cNvSpPr>
+            <a:spLocks noGrp="1"/>
+          </p:cNvSpPr>
+          <p:nvPr>
+            <p:ph idx="1"/>
+          </p:nvPr>
+        </p:nvSpPr>
+        <p:spPr/>
+        <p:txBody>
+          <a:bodyPr>
+            <a:normAutofit fontScale="92500" lnSpcReduction="20000"/>
+          </a:bodyPr>
+          <a:lstStyle/>
+          <a:p>
+            <a:pPr marL="0" indent="0">
+              <a:buNone/>
+            </a:pPr>
+            <a:r>
+              <a:rPr lang="es-ES" dirty="0"/>
+              <a:t> </a:t>
+            </a:r>
+            <a:endParaRPr lang="es-UY" dirty="0"/>
+          </a:p>
+          <a:p>
+            <a:r>
+              <a:rPr lang="es-ES" dirty="0"/>
+              <a:t>Para la implementación de la aplicación descrita en la sección anterior se eligió el lenguaje de programación Java </a:t>
+            </a:r>
+            <a:r>
+              <a:rPr lang="es-ES" dirty="0" smtClean="0"/>
+              <a:t>con swing y </a:t>
+            </a:r>
+            <a:r>
+              <a:rPr lang="es-ES" dirty="0" err="1" smtClean="0"/>
+              <a:t>awt</a:t>
+            </a:r>
+            <a:r>
+              <a:rPr lang="es-ES" dirty="0" smtClean="0"/>
+              <a:t>. La </a:t>
+            </a:r>
+            <a:r>
+              <a:rPr lang="es-ES" dirty="0"/>
+              <a:t>versión utilizada fue 1.8.0_45 con el entorno de desarrollo Eclipse Luna. La solución implementada consiste en una aplicación de escritorio donde se permite la ejecución de los distintos algoritmos y visualización en pantalla del resultado</a:t>
+            </a:r>
+            <a:r>
+              <a:rPr lang="es-ES" dirty="0" smtClean="0"/>
+              <a:t>.</a:t>
+            </a:r>
+            <a:endParaRPr lang="es-UY" dirty="0"/>
+          </a:p>
+          <a:p>
+            <a:r>
+              <a:rPr lang="es-ES" dirty="0" smtClean="0"/>
+              <a:t>Los </a:t>
+            </a:r>
+            <a:r>
+              <a:rPr lang="es-ES" dirty="0"/>
+              <a:t>archivos de datos de entrada respetaron los formatos de entrada de  </a:t>
+            </a:r>
+            <a:r>
+              <a:rPr lang="es-ES" dirty="0" err="1"/>
+              <a:t>TSPLib</a:t>
+            </a:r>
+            <a:r>
+              <a:rPr lang="es-ES" dirty="0"/>
+              <a:t> cumpliendo sus estándares. Dichos formatos se encuentran detallados en la documentación de la </a:t>
+            </a:r>
+            <a:r>
+              <a:rPr lang="es-ES" dirty="0" smtClean="0"/>
+              <a:t>librería. </a:t>
+            </a:r>
+            <a:endParaRPr lang="es-UY" dirty="0"/>
+          </a:p>
+          <a:p>
+            <a:r>
+              <a:rPr lang="en-US" dirty="0"/>
+              <a:t>L</a:t>
+            </a:r>
+            <a:r>
+              <a:rPr lang="es-ES" dirty="0" smtClean="0"/>
+              <a:t>as </a:t>
+            </a:r>
+            <a:r>
+              <a:rPr lang="es-ES" dirty="0"/>
+              <a:t>funcionalidades </a:t>
+            </a:r>
+            <a:r>
+              <a:rPr lang="es-ES" dirty="0" smtClean="0"/>
+              <a:t>y documentación de cada componente se </a:t>
+            </a:r>
+            <a:r>
+              <a:rPr lang="es-ES" dirty="0" smtClean="0"/>
+              <a:t>encuentra documentada </a:t>
+            </a:r>
+            <a:r>
+              <a:rPr lang="es-ES" dirty="0"/>
+              <a:t>en los </a:t>
+            </a:r>
+            <a:r>
+              <a:rPr lang="es-ES" dirty="0" err="1"/>
+              <a:t>javadocs</a:t>
+            </a:r>
+            <a:r>
+              <a:rPr lang="es-ES" dirty="0"/>
+              <a:t> de la </a:t>
+            </a:r>
+            <a:r>
+              <a:rPr lang="es-ES" dirty="0" smtClean="0"/>
+              <a:t>aplicación </a:t>
+            </a:r>
+            <a:r>
+              <a:rPr lang="es-ES" dirty="0" smtClean="0"/>
+              <a:t>así </a:t>
+            </a:r>
+            <a:r>
+              <a:rPr lang="es-ES" dirty="0" smtClean="0"/>
+              <a:t>como en el documento final.</a:t>
+            </a:r>
+            <a:endParaRPr lang="es-UY" dirty="0"/>
+          </a:p>
+        </p:txBody>
+      </p:sp>
+    </p:spTree>
+    <p:extLst>
+      <p:ext uri="{BB962C8B-B14F-4D97-AF65-F5344CB8AC3E}">
+        <p14:creationId xmlns:p14="http://schemas.microsoft.com/office/powerpoint/2010/main" val="65839140"/>
+      </p:ext>
+    </p:extLst>
+  </p:cSld>
+  <p:clrMapOvr>
+    <a:masterClrMapping/>
+  </p:clrMapOvr>
+</p:sld>
+</file>
+
+<file path=ppt/slides/slide14.xml><?xml version="1.0" encoding="utf-8"?>
+<p:sld xmlns:a="http://schemas.openxmlformats.org/drawingml/2006/main" xmlns:r="http://schemas.openxmlformats.org/officeDocument/2006/relationships" xmlns:p="http://schemas.openxmlformats.org/presentationml/2006/main">
+  <p:cSld>
+    <p:spTree>
+      <p:nvGrpSpPr>
+        <p:cNvPr id="1" name=""/>
+        <p:cNvGrpSpPr/>
+        <p:nvPr/>
+      </p:nvGrpSpPr>
+      <p:grpSpPr>
+        <a:xfrm>
+          <a:off x="0" y="0"/>
+          <a:ext cx="0" cy="0"/>
+          <a:chOff x="0" y="0"/>
+          <a:chExt cx="0" cy="0"/>
+        </a:xfrm>
+      </p:grpSpPr>
+      <p:sp>
+        <p:nvSpPr>
+          <p:cNvPr id="2" name="Title 1"/>
+          <p:cNvSpPr>
+            <a:spLocks noGrp="1"/>
+          </p:cNvSpPr>
+          <p:nvPr>
+            <p:ph type="title"/>
+          </p:nvPr>
+        </p:nvSpPr>
+        <p:spPr/>
+        <p:txBody>
+          <a:bodyPr>
+            <a:normAutofit/>
+          </a:bodyPr>
+          <a:lstStyle/>
+          <a:p>
+            <a:r>
+              <a:rPr lang="en-US" dirty="0" err="1" smtClean="0"/>
+              <a:t>MDVRP</a:t>
+            </a:r>
+            <a:r>
+              <a:rPr lang="en-US" dirty="0" smtClean="0"/>
+              <a:t>- </a:t>
+            </a:r>
+            <a:r>
+              <a:rPr lang="en-US" dirty="0" err="1" smtClean="0"/>
+              <a:t>Solucion</a:t>
+            </a:r>
+            <a:r>
+              <a:rPr lang="en-US" dirty="0" smtClean="0"/>
+              <a:t>, </a:t>
+            </a:r>
+            <a:r>
+              <a:rPr lang="en-US" dirty="0" err="1" smtClean="0"/>
+              <a:t>implementacion</a:t>
+            </a:r>
+            <a:r>
+              <a:rPr lang="en-US" dirty="0" smtClean="0"/>
+              <a:t>. </a:t>
+            </a:r>
+            <a:r>
+              <a:rPr lang="en-US" dirty="0"/>
+              <a:t/>
+            </a:r>
+            <a:br>
+              <a:rPr lang="en-US" dirty="0"/>
+            </a:br>
+            <a:r>
+              <a:rPr lang="en-US" dirty="0" err="1" smtClean="0"/>
+              <a:t>Aplicacion</a:t>
+            </a:r>
+            <a:r>
+              <a:rPr lang="en-US" dirty="0" smtClean="0"/>
+              <a:t> y </a:t>
+            </a:r>
+            <a:r>
+              <a:rPr lang="en-US" dirty="0" err="1" smtClean="0"/>
+              <a:t>Micelaneos</a:t>
+            </a:r>
+            <a:r>
+              <a:rPr lang="en-US" dirty="0" smtClean="0"/>
+              <a:t>.</a:t>
+            </a:r>
+            <a:endParaRPr lang="es-UY" dirty="0"/>
+          </a:p>
+        </p:txBody>
+      </p:sp>
+      <p:pic>
+        <p:nvPicPr>
+          <p:cNvPr id="4" name="2 Imagen" descr="Sin título2.png"/>
+          <p:cNvPicPr>
+            <a:picLocks noGrp="1"/>
+          </p:cNvPicPr>
+          <p:nvPr>
+            <p:ph idx="1"/>
+          </p:nvPr>
+        </p:nvPicPr>
+        <p:blipFill>
+          <a:blip r:embed="rId2" cstate="print"/>
+          <a:stretch>
+            <a:fillRect/>
+          </a:stretch>
+        </p:blipFill>
+        <p:spPr>
+          <a:xfrm>
+            <a:off x="838200" y="2147597"/>
+            <a:ext cx="10469451" cy="4227445"/>
+          </a:xfrm>
+          <a:prstGeom prst="rect">
+            <a:avLst/>
+          </a:prstGeom>
+        </p:spPr>
+      </p:pic>
+    </p:spTree>
+    <p:extLst>
+      <p:ext uri="{BB962C8B-B14F-4D97-AF65-F5344CB8AC3E}">
+        <p14:creationId xmlns:p14="http://schemas.microsoft.com/office/powerpoint/2010/main" val="447812816"/>
+      </p:ext>
+    </p:extLst>
+  </p:cSld>
+  <p:clrMapOvr>
+    <a:masterClrMapping/>
+  </p:clrMapOvr>
+</p:sld>
+</file>
+
+<file path=ppt/slides/slide15.xml><?xml version="1.0" encoding="utf-8"?>
+<p:sld xmlns:a="http://schemas.openxmlformats.org/drawingml/2006/main" xmlns:r="http://schemas.openxmlformats.org/officeDocument/2006/relationships" xmlns:p="http://schemas.openxmlformats.org/presentationml/2006/main">
+  <p:cSld>
+    <p:spTree>
+      <p:nvGrpSpPr>
+        <p:cNvPr id="1" name=""/>
+        <p:cNvGrpSpPr/>
+        <p:nvPr/>
+      </p:nvGrpSpPr>
+      <p:grpSpPr>
+        <a:xfrm>
+          <a:off x="0" y="0"/>
+          <a:ext cx="0" cy="0"/>
+          <a:chOff x="0" y="0"/>
+          <a:chExt cx="0" cy="0"/>
+        </a:xfrm>
+      </p:grpSpPr>
+      <p:sp>
+        <p:nvSpPr>
+          <p:cNvPr id="2" name="Title 1"/>
+          <p:cNvSpPr>
+            <a:spLocks noGrp="1"/>
+          </p:cNvSpPr>
+          <p:nvPr>
+            <p:ph type="title"/>
+          </p:nvPr>
+        </p:nvSpPr>
+        <p:spPr/>
+        <p:txBody>
+          <a:bodyPr>
+            <a:normAutofit/>
+          </a:bodyPr>
+          <a:lstStyle/>
+          <a:p>
+            <a:r>
+              <a:rPr lang="en-US" dirty="0" smtClean="0"/>
+              <a:t>MDVRP- </a:t>
+            </a:r>
+            <a:r>
+              <a:rPr lang="en-US" dirty="0" err="1" smtClean="0"/>
+              <a:t>Generación</a:t>
+            </a:r>
+            <a:r>
+              <a:rPr lang="en-US" dirty="0" smtClean="0"/>
+              <a:t> de </a:t>
+            </a:r>
+            <a:r>
+              <a:rPr lang="en-US" dirty="0" err="1" smtClean="0"/>
+              <a:t>mapa</a:t>
+            </a:r>
+            <a:r>
+              <a:rPr lang="en-US" dirty="0" smtClean="0"/>
+              <a:t>.</a:t>
+            </a:r>
+            <a:endParaRPr lang="es-UY" dirty="0"/>
+          </a:p>
+        </p:txBody>
+      </p:sp>
+      <p:sp>
+        <p:nvSpPr>
+          <p:cNvPr id="3" name="2 Marcador de contenido"/>
+          <p:cNvSpPr>
+            <a:spLocks noGrp="1"/>
+          </p:cNvSpPr>
+          <p:nvPr>
+            <p:ph idx="1"/>
+          </p:nvPr>
+        </p:nvSpPr>
+        <p:spPr/>
+        <p:txBody>
+          <a:bodyPr/>
+          <a:lstStyle/>
+          <a:p>
+            <a:r>
+              <a:rPr lang="es-UY" dirty="0" smtClean="0">
+                <a:solidFill>
+                  <a:schemeClr val="accent1">
+                    <a:lumMod val="50000"/>
+                  </a:schemeClr>
+                </a:solidFill>
+              </a:rPr>
+              <a:t>Javier</a:t>
+            </a:r>
+            <a:endParaRPr lang="es-UY" dirty="0">
+              <a:solidFill>
+                <a:schemeClr val="accent1">
+                  <a:lumMod val="50000"/>
+                </a:schemeClr>
+              </a:solidFill>
+            </a:endParaRPr>
+          </a:p>
+        </p:txBody>
+      </p:sp>
+    </p:spTree>
+    <p:extLst>
+      <p:ext uri="{BB962C8B-B14F-4D97-AF65-F5344CB8AC3E}">
+        <p14:creationId xmlns:p14="http://schemas.microsoft.com/office/powerpoint/2010/main" val="351678416"/>
+      </p:ext>
+    </p:extLst>
+  </p:cSld>
+  <p:clrMapOvr>
+    <a:masterClrMapping/>
+  </p:clrMapOvr>
+</p:sld>
+</file>
+
+<file path=ppt/slides/slide16.xml><?xml version="1.0" encoding="utf-8"?>
+<p:sld xmlns:a="http://schemas.openxmlformats.org/drawingml/2006/main" xmlns:r="http://schemas.openxmlformats.org/officeDocument/2006/relationships" xmlns:p="http://schemas.openxmlformats.org/presentationml/2006/main">
+  <p:cSld>
+    <p:spTree>
+      <p:nvGrpSpPr>
+        <p:cNvPr id="1" name=""/>
+        <p:cNvGrpSpPr/>
+        <p:nvPr/>
+      </p:nvGrpSpPr>
+      <p:grpSpPr>
+        <a:xfrm>
+          <a:off x="0" y="0"/>
+          <a:ext cx="0" cy="0"/>
+          <a:chOff x="0" y="0"/>
+          <a:chExt cx="0" cy="0"/>
+        </a:xfrm>
+      </p:grpSpPr>
+      <p:sp>
+        <p:nvSpPr>
+          <p:cNvPr id="2" name="Title 1"/>
+          <p:cNvSpPr>
+            <a:spLocks noGrp="1"/>
+          </p:cNvSpPr>
+          <p:nvPr>
+            <p:ph type="title"/>
+          </p:nvPr>
+        </p:nvSpPr>
+        <p:spPr/>
+        <p:txBody>
+          <a:bodyPr>
+            <a:normAutofit/>
+          </a:bodyPr>
+          <a:lstStyle/>
+          <a:p>
+            <a:r>
+              <a:rPr lang="en-US" dirty="0" smtClean="0"/>
+              <a:t>MDVRP- </a:t>
+            </a:r>
+            <a:r>
+              <a:rPr lang="en-US" dirty="0" err="1" smtClean="0"/>
+              <a:t>Generación</a:t>
+            </a:r>
+            <a:r>
+              <a:rPr lang="en-US" dirty="0" smtClean="0"/>
+              <a:t> </a:t>
+            </a:r>
+            <a:r>
+              <a:rPr lang="en-US" dirty="0" err="1" smtClean="0"/>
+              <a:t>randómica</a:t>
+            </a:r>
+            <a:r>
+              <a:rPr lang="en-US" dirty="0" smtClean="0"/>
+              <a:t> y </a:t>
+            </a:r>
+            <a:r>
+              <a:rPr lang="en-US" dirty="0" err="1" smtClean="0"/>
+              <a:t>otros</a:t>
+            </a:r>
+            <a:r>
+              <a:rPr lang="en-US" dirty="0" smtClean="0"/>
+              <a:t>...</a:t>
+            </a:r>
+            <a:endParaRPr lang="es-UY" dirty="0"/>
+          </a:p>
+        </p:txBody>
+      </p:sp>
+      <p:sp>
+        <p:nvSpPr>
+          <p:cNvPr id="3" name="2 Marcador de contenido"/>
+          <p:cNvSpPr>
+            <a:spLocks noGrp="1"/>
+          </p:cNvSpPr>
+          <p:nvPr>
+            <p:ph idx="1"/>
+          </p:nvPr>
+        </p:nvSpPr>
+        <p:spPr/>
+        <p:txBody>
+          <a:bodyPr/>
+          <a:lstStyle/>
+          <a:p>
+            <a:r>
+              <a:rPr lang="es-UY" dirty="0" smtClean="0">
+                <a:solidFill>
+                  <a:schemeClr val="accent1">
+                    <a:lumMod val="50000"/>
+                  </a:schemeClr>
+                </a:solidFill>
+              </a:rPr>
+              <a:t>Fran</a:t>
+            </a:r>
+            <a:endParaRPr lang="es-UY" dirty="0">
+              <a:solidFill>
+                <a:schemeClr val="accent1">
+                  <a:lumMod val="50000"/>
+                </a:schemeClr>
+              </a:solidFill>
+            </a:endParaRPr>
+          </a:p>
+        </p:txBody>
+      </p:sp>
+    </p:spTree>
+    <p:extLst>
+      <p:ext uri="{BB962C8B-B14F-4D97-AF65-F5344CB8AC3E}">
+        <p14:creationId xmlns:p14="http://schemas.microsoft.com/office/powerpoint/2010/main" val="2902674493"/>
+      </p:ext>
+    </p:extLst>
+  </p:cSld>
+  <p:clrMapOvr>
+    <a:masterClrMapping/>
+  </p:clrMapOvr>
+</p:sld>
+</file>
+
+<file path=ppt/slides/slide17.xml><?xml version="1.0" encoding="utf-8"?>
+<p:sld xmlns:a="http://schemas.openxmlformats.org/drawingml/2006/main" xmlns:r="http://schemas.openxmlformats.org/officeDocument/2006/relationships" xmlns:p="http://schemas.openxmlformats.org/presentationml/2006/main">
+  <p:cSld>
+    <p:spTree>
+      <p:nvGrpSpPr>
+        <p:cNvPr id="1" name=""/>
+        <p:cNvGrpSpPr/>
+        <p:nvPr/>
+      </p:nvGrpSpPr>
+      <p:grpSpPr>
+        <a:xfrm>
+          <a:off x="0" y="0"/>
+          <a:ext cx="0" cy="0"/>
+          <a:chOff x="0" y="0"/>
+          <a:chExt cx="0" cy="0"/>
+        </a:xfrm>
+      </p:grpSpPr>
+      <p:sp>
+        <p:nvSpPr>
+          <p:cNvPr id="2" name="Title 1"/>
+          <p:cNvSpPr>
+            <a:spLocks noGrp="1"/>
+          </p:cNvSpPr>
+          <p:nvPr>
+            <p:ph type="title"/>
+          </p:nvPr>
+        </p:nvSpPr>
+        <p:spPr/>
+        <p:txBody>
+          <a:bodyPr/>
+          <a:lstStyle/>
+          <a:p>
+            <a:r>
+              <a:rPr lang="en-US" dirty="0" err="1" smtClean="0"/>
+              <a:t>MDVRP</a:t>
+            </a:r>
+            <a:r>
+              <a:rPr lang="en-US" dirty="0" smtClean="0"/>
+              <a:t>- </a:t>
+            </a:r>
+            <a:r>
+              <a:rPr lang="en-US" dirty="0" err="1" smtClean="0"/>
+              <a:t>Solucion</a:t>
+            </a:r>
+            <a:r>
+              <a:rPr lang="en-US" dirty="0" smtClean="0"/>
+              <a:t>, </a:t>
+            </a:r>
+            <a:r>
+              <a:rPr lang="en-US" dirty="0" err="1" smtClean="0"/>
+              <a:t>Testeo</a:t>
+            </a:r>
+            <a:r>
+              <a:rPr lang="en-US" dirty="0" smtClean="0"/>
+              <a:t>.</a:t>
+            </a:r>
+            <a:br>
+              <a:rPr lang="en-US" dirty="0" smtClean="0"/>
+            </a:br>
+            <a:r>
+              <a:rPr lang="en-US" dirty="0" err="1" smtClean="0"/>
+              <a:t>Casos</a:t>
+            </a:r>
+            <a:r>
+              <a:rPr lang="en-US" dirty="0" smtClean="0"/>
+              <a:t> De </a:t>
+            </a:r>
+            <a:r>
+              <a:rPr lang="en-US" dirty="0" err="1" smtClean="0"/>
+              <a:t>Prueba</a:t>
+            </a:r>
+            <a:r>
+              <a:rPr lang="en-US" dirty="0" smtClean="0"/>
+              <a:t>.</a:t>
+            </a:r>
+            <a:endParaRPr lang="es-UY" dirty="0"/>
+          </a:p>
+        </p:txBody>
+      </p:sp>
+      <p:sp>
+        <p:nvSpPr>
+          <p:cNvPr id="3" name="Content Placeholder 2"/>
+          <p:cNvSpPr>
+            <a:spLocks noGrp="1"/>
+          </p:cNvSpPr>
+          <p:nvPr>
+            <p:ph idx="1"/>
+          </p:nvPr>
+        </p:nvSpPr>
+        <p:spPr/>
+        <p:txBody>
+          <a:bodyPr/>
+          <a:lstStyle/>
+          <a:p>
+            <a:r>
+              <a:rPr lang="en-US" dirty="0" smtClean="0"/>
+              <a:t>A</a:t>
+            </a:r>
+          </a:p>
+          <a:p>
+            <a:r>
+              <a:rPr lang="en-US" dirty="0" smtClean="0"/>
+              <a:t>B</a:t>
+            </a:r>
+          </a:p>
+          <a:p>
+            <a:pPr lvl="1"/>
+            <a:r>
+              <a:rPr lang="en-US" dirty="0" err="1" smtClean="0"/>
+              <a:t>B1</a:t>
+            </a:r>
+            <a:endParaRPr lang="en-US" dirty="0" smtClean="0"/>
+          </a:p>
+          <a:p>
+            <a:pPr lvl="1"/>
+            <a:r>
+              <a:rPr lang="en-US" dirty="0" err="1" smtClean="0"/>
+              <a:t>B2</a:t>
+            </a:r>
+            <a:endParaRPr lang="en-US" dirty="0" smtClean="0"/>
+          </a:p>
+          <a:p>
+            <a:pPr lvl="1"/>
+            <a:r>
+              <a:rPr lang="en-US" dirty="0" err="1" smtClean="0"/>
+              <a:t>B3</a:t>
+            </a:r>
+            <a:endParaRPr lang="en-US" dirty="0" smtClean="0"/>
+          </a:p>
+          <a:p>
+            <a:r>
+              <a:rPr lang="en-US" dirty="0" smtClean="0"/>
+              <a:t>C</a:t>
+            </a:r>
+            <a:r>
+              <a:rPr lang="es-UY" dirty="0">
+                <a:solidFill>
+                  <a:schemeClr val="accent1">
+                    <a:lumMod val="50000"/>
+                  </a:schemeClr>
+                </a:solidFill>
+              </a:rPr>
+              <a:t> Fran</a:t>
+            </a:r>
+            <a:endParaRPr lang="en-US" dirty="0" smtClean="0"/>
+          </a:p>
+          <a:p>
+            <a:pPr lvl="1"/>
+            <a:r>
+              <a:rPr lang="en-US" dirty="0" err="1" smtClean="0"/>
+              <a:t>C1</a:t>
+            </a:r>
+            <a:endParaRPr lang="en-US" dirty="0" smtClean="0"/>
+          </a:p>
+          <a:p>
+            <a:pPr lvl="1"/>
+            <a:r>
+              <a:rPr lang="en-US" dirty="0" err="1" smtClean="0"/>
+              <a:t>C2</a:t>
+            </a:r>
+            <a:endParaRPr lang="en-US" dirty="0"/>
+          </a:p>
+          <a:p>
+            <a:pPr lvl="1"/>
+            <a:r>
+              <a:rPr lang="en-US" dirty="0" err="1" smtClean="0"/>
+              <a:t>C3</a:t>
+            </a:r>
+            <a:endParaRPr lang="en-US" dirty="0" smtClean="0"/>
+          </a:p>
+        </p:txBody>
+      </p:sp>
+    </p:spTree>
+    <p:extLst>
+      <p:ext uri="{BB962C8B-B14F-4D97-AF65-F5344CB8AC3E}">
+        <p14:creationId xmlns:p14="http://schemas.microsoft.com/office/powerpoint/2010/main" val="456700873"/>
+      </p:ext>
+    </p:extLst>
+  </p:cSld>
+  <p:clrMapOvr>
+    <a:masterClrMapping/>
+  </p:clrMapOvr>
+</p:sld>
+</file>
+
+<file path=ppt/slides/slide18.xml><?xml version="1.0" encoding="utf-8"?>
+<p:sld xmlns:a="http://schemas.openxmlformats.org/drawingml/2006/main" xmlns:r="http://schemas.openxmlformats.org/officeDocument/2006/relationships" xmlns:p="http://schemas.openxmlformats.org/presentationml/2006/main">
+  <p:cSld>
+    <p:spTree>
+      <p:nvGrpSpPr>
+        <p:cNvPr id="1" name=""/>
+        <p:cNvGrpSpPr/>
+        <p:nvPr/>
+      </p:nvGrpSpPr>
+      <p:grpSpPr>
+        <a:xfrm>
+          <a:off x="0" y="0"/>
+          <a:ext cx="0" cy="0"/>
+          <a:chOff x="0" y="0"/>
+          <a:chExt cx="0" cy="0"/>
+        </a:xfrm>
+      </p:grpSpPr>
+      <p:sp>
+        <p:nvSpPr>
+          <p:cNvPr id="2" name="Title 1"/>
+          <p:cNvSpPr>
+            <a:spLocks noGrp="1"/>
+          </p:cNvSpPr>
+          <p:nvPr>
+            <p:ph type="title"/>
+          </p:nvPr>
+        </p:nvSpPr>
+        <p:spPr/>
+        <p:txBody>
+          <a:bodyPr/>
+          <a:lstStyle/>
+          <a:p>
+            <a:r>
+              <a:rPr lang="en-US" dirty="0" err="1" smtClean="0"/>
+              <a:t>MDVRP</a:t>
+            </a:r>
+            <a:r>
+              <a:rPr lang="en-US" dirty="0" smtClean="0"/>
+              <a:t>- </a:t>
+            </a:r>
+            <a:r>
+              <a:rPr lang="en-US" dirty="0" err="1" smtClean="0"/>
+              <a:t>Solucion</a:t>
+            </a:r>
+            <a:r>
+              <a:rPr lang="en-US" dirty="0" smtClean="0"/>
+              <a:t>, </a:t>
+            </a:r>
+            <a:r>
+              <a:rPr lang="en-US" dirty="0" err="1" smtClean="0"/>
               <a:t>Testeo</a:t>
             </a:r>
             <a:r>
@@ -3623,6 +4580,16 @@
           </a:p>
           <a:p>
             <a:pPr lvl="1"/>
+            <a:r>
+              <a:rPr lang="es-UY" dirty="0">
+                <a:solidFill>
+                  <a:schemeClr val="accent1">
+                    <a:lumMod val="50000"/>
+                  </a:schemeClr>
+                </a:solidFill>
+              </a:rPr>
+              <a:t>Fran</a:t>
+            </a:r>
             <a:endParaRPr lang="es-UY" dirty="0"/>
           </a:p>
         </p:txBody>
@@ -3640,7 +4607,7 @@
 </p:sld>
 </file>
 
-<file path=ppt/slides/slide13.xml><?xml version="1.0" encoding="utf-8"?>
+<file path=ppt/slides/slide19.xml><?xml version="1.0" encoding="utf-8"?>
 <p:sld xmlns:a="http://schemas.openxmlformats.org/drawingml/2006/main" xmlns:r="http://schemas.openxmlformats.org/officeDocument/2006/relationships" xmlns:p="http://schemas.openxmlformats.org/presentationml/2006/main">
   <p:cSld>
     <p:spTree>
@@ -5078,216 +6045,6 @@
 </p:sld>
 </file>
 
-<file path=ppt/slides/slide14.xml><?xml version="1.0" encoding="utf-8"?>
-<p:sld xmlns:a="http://schemas.openxmlformats.org/drawingml/2006/main" xmlns:r="http://schemas.openxmlformats.org/officeDocument/2006/relationships" xmlns:p="http://schemas.openxmlformats.org/presentationml/2006/main">
-  <p:cSld>
-    <p:spTree>
-      <p:nvGrpSpPr>
-        <p:cNvPr id="1" name=""/>
-        <p:cNvGrpSpPr/>
-        <p:nvPr/>
-      </p:nvGrpSpPr>
-      <p:grpSpPr>
-        <a:xfrm>
-          <a:off x="0" y="0"/>
-          <a:ext cx="0" cy="0"/>
-          <a:chOff x="0" y="0"/>
-          <a:chExt cx="0" cy="0"/>
-        </a:xfrm>
-      </p:grpSpPr>
-      <p:sp>
-        <p:nvSpPr>
-          <p:cNvPr id="2" name="Title 1"/>
-          <p:cNvSpPr>
-            <a:spLocks noGrp="1"/>
-          </p:cNvSpPr>
-          <p:nvPr>
-            <p:ph type="title"/>
-          </p:nvPr>
-        </p:nvSpPr>
-        <p:spPr/>
-        <p:txBody>
-          <a:bodyPr/>
-          <a:lstStyle/>
-          <a:p>
-            <a:r>
-              <a:rPr lang="en-US" dirty="0" err="1" smtClean="0"/>
-              <a:t>MDVRP</a:t>
-            </a:r>
-            <a:r>
-              <a:rPr lang="en-US" dirty="0" smtClean="0"/>
-              <a:t>- </a:t>
-            </a:r>
-            <a:r>
-              <a:rPr lang="en-US" dirty="0" err="1" smtClean="0"/>
-              <a:t>Solucion</a:t>
-            </a:r>
-            <a:r>
-              <a:rPr lang="en-US" dirty="0" smtClean="0"/>
-              <a:t>, </a:t>
-            </a:r>
-            <a:r>
-              <a:rPr lang="en-US" dirty="0" err="1" smtClean="0"/>
-              <a:t>Testeo</a:t>
-            </a:r>
-            <a:r>
-              <a:rPr lang="en-US" dirty="0" smtClean="0"/>
-              <a:t>.</a:t>
-            </a:r>
-            <a:br>
-              <a:rPr lang="en-US" dirty="0" smtClean="0"/>
-            </a:br>
-            <a:r>
-              <a:rPr lang="en-US" dirty="0" err="1" smtClean="0"/>
-              <a:t>Conclusiones</a:t>
-            </a:r>
-            <a:endParaRPr lang="es-UY" dirty="0"/>
-          </a:p>
-        </p:txBody>
-      </p:sp>
-      <p:sp>
-        <p:nvSpPr>
-          <p:cNvPr id="3" name="Content Placeholder 2"/>
-          <p:cNvSpPr>
-            <a:spLocks noGrp="1"/>
-          </p:cNvSpPr>
-          <p:nvPr>
-            <p:ph idx="1"/>
-          </p:nvPr>
-        </p:nvSpPr>
-        <p:spPr/>
-        <p:txBody>
-          <a:bodyPr/>
-          <a:lstStyle/>
-          <a:p>
-            <a:endParaRPr lang="es-UY"/>
-          </a:p>
-        </p:txBody>
-      </p:sp>
-    </p:spTree>
-    <p:extLst>
-      <p:ext uri="{BB962C8B-B14F-4D97-AF65-F5344CB8AC3E}">
-        <p14:creationId xmlns:p14="http://schemas.microsoft.com/office/powerpoint/2010/main" val="2516212354"/>
-      </p:ext>
-    </p:extLst>
-  </p:cSld>
-  <p:clrMapOvr>
-    <a:masterClrMapping/>
-  </p:clrMapOvr>
-</p:sld>
-</file>
-
-<file path=ppt/slides/slide15.xml><?xml version="1.0" encoding="utf-8"?>
-<p:sld xmlns:a="http://schemas.openxmlformats.org/drawingml/2006/main" xmlns:r="http://schemas.openxmlformats.org/officeDocument/2006/relationships" xmlns:p="http://schemas.openxmlformats.org/presentationml/2006/main">
-  <p:cSld>
-    <p:spTree>
-      <p:nvGrpSpPr>
-        <p:cNvPr id="1" name=""/>
-        <p:cNvGrpSpPr/>
-        <p:nvPr/>
-      </p:nvGrpSpPr>
-      <p:grpSpPr>
-        <a:xfrm>
-          <a:off x="0" y="0"/>
-          <a:ext cx="0" cy="0"/>
-          <a:chOff x="0" y="0"/>
-          <a:chExt cx="0" cy="0"/>
-        </a:xfrm>
-      </p:grpSpPr>
-      <p:sp>
-        <p:nvSpPr>
-          <p:cNvPr id="2" name="Title 1"/>
-          <p:cNvSpPr>
-            <a:spLocks noGrp="1"/>
-          </p:cNvSpPr>
-          <p:nvPr>
-            <p:ph type="title"/>
-          </p:nvPr>
-        </p:nvSpPr>
-        <p:spPr/>
-        <p:txBody>
-          <a:bodyPr/>
-          <a:lstStyle/>
-          <a:p>
-            <a:r>
-              <a:rPr lang="en-US" dirty="0" err="1" smtClean="0"/>
-              <a:t>MDVRP</a:t>
-            </a:r>
-            <a:r>
-              <a:rPr lang="en-US" dirty="0" smtClean="0"/>
-              <a:t>- </a:t>
-            </a:r>
-            <a:r>
-              <a:rPr lang="en-US" dirty="0" err="1" smtClean="0"/>
-              <a:t>Solucion</a:t>
-            </a:r>
-            <a:r>
-              <a:rPr lang="en-US" dirty="0" smtClean="0"/>
-              <a:t>, </a:t>
-            </a:r>
-            <a:r>
-              <a:rPr lang="en-US" dirty="0" err="1" smtClean="0"/>
-              <a:t>Testeo</a:t>
-            </a:r>
-            <a:r>
-              <a:rPr lang="en-US" dirty="0" smtClean="0"/>
-              <a:t>.</a:t>
-            </a:r>
-            <a:br>
-              <a:rPr lang="en-US" dirty="0" smtClean="0"/>
-            </a:br>
-            <a:r>
-              <a:rPr lang="en-US" dirty="0" err="1" smtClean="0"/>
-              <a:t>Trabajo</a:t>
-            </a:r>
-            <a:r>
-              <a:rPr lang="en-US" dirty="0" smtClean="0"/>
-              <a:t>  a </a:t>
-            </a:r>
-            <a:r>
-              <a:rPr lang="en-US" dirty="0" err="1" smtClean="0"/>
-              <a:t>Futuro</a:t>
-            </a:r>
-            <a:r>
-              <a:rPr lang="en-US" dirty="0" smtClean="0"/>
-              <a:t>.</a:t>
-            </a:r>
-            <a:endParaRPr lang="es-UY" dirty="0"/>
-          </a:p>
-        </p:txBody>
-      </p:sp>
-      <p:sp>
-        <p:nvSpPr>
-          <p:cNvPr id="3" name="Content Placeholder 2"/>
-          <p:cNvSpPr>
-            <a:spLocks noGrp="1"/>
-          </p:cNvSpPr>
-          <p:nvPr>
-            <p:ph idx="1"/>
-          </p:nvPr>
-        </p:nvSpPr>
-        <p:spPr/>
-        <p:txBody>
-          <a:bodyPr/>
-          <a:lstStyle/>
-          <a:p>
-            <a:endParaRPr lang="es-UY" dirty="0"/>
-          </a:p>
-        </p:txBody>
-      </p:sp>
-    </p:spTree>
-    <p:extLst>
-      <p:ext uri="{BB962C8B-B14F-4D97-AF65-F5344CB8AC3E}">
-        <p14:creationId xmlns:p14="http://schemas.microsoft.com/office/powerpoint/2010/main" val="2295583179"/>
-      </p:ext>
-    </p:extLst>
-  </p:cSld>
-  <p:clrMapOvr>
-    <a:masterClrMapping/>
-  </p:clrMapOvr>
-</p:sld>
-</file>
-
 <file path=ppt/slides/slide2.xml><?xml version="1.0" encoding="utf-8"?>
 <p:sld xmlns:a="http://schemas.openxmlformats.org/drawingml/2006/main" xmlns:r="http://schemas.openxmlformats.org/officeDocument/2006/relationships" xmlns:p="http://schemas.openxmlformats.org/presentationml/2006/main">
   <p:cSld>
@@ -5331,11 +6088,7 @@
             </a:r>
             <a:r>
               <a:rPr lang="en-US" dirty="0" smtClean="0"/>
-              <a:t> (</a:t>
-            </a:r>
-            <a:r>
-              <a:rPr lang="en-US" dirty="0" smtClean="0"/>
-              <a:t>El </a:t>
+              <a:t> (El </a:t>
             </a:r>
             <a:r>
               <a:rPr lang="en-US" dirty="0" err="1" smtClean="0"/>
@@ -5370,7 +6123,7 @@
         <p:spPr/>
         <p:txBody>
           <a:bodyPr>
-            <a:normAutofit fontScale="62500" lnSpcReduction="20000"/>
+            <a:normAutofit fontScale="55000" lnSpcReduction="20000"/>
           </a:bodyPr>
           <a:lstStyle/>
           <a:p>
@@ -5464,7 +6217,6 @@
               <a:rPr lang="en-US" dirty="0" smtClean="0"/>
               <a:t>)</a:t>
             </a:r>
-            <a:endParaRPr lang="en-US" dirty="0" smtClean="0"/>
           </a:p>
           <a:p>
             <a:pPr lvl="1"/>
@@ -5522,11 +6274,7 @@
             </a:r>
             <a:r>
               <a:rPr lang="en-US" sz="2800" dirty="0" smtClean="0"/>
-              <a:t> de papers</a:t>
-            </a:r>
-            <a:r>
-              <a:rPr lang="en-US" sz="2800" dirty="0" smtClean="0"/>
-              <a:t> y </a:t>
+              <a:t> de papers y </a:t>
             </a:r>
             <a:r>
               <a:rPr lang="en-US" sz="2800" dirty="0" err="1" smtClean="0"/>
@@ -5544,7 +6292,6 @@
               <a:rPr lang="en-US" sz="2800" dirty="0" smtClean="0"/>
               <a:t>…</a:t>
             </a:r>
-            <a:endParaRPr lang="en-US" sz="2800" dirty="0" smtClean="0"/>
           </a:p>
           <a:p>
             <a:pPr marL="228600" lvl="1">
@@ -5572,7 +6319,23 @@
                 <a:spcPts val="1000"/>
               </a:spcBef>
             </a:pPr>
-            <a:endParaRPr lang="en-US" sz="2800" dirty="0" smtClean="0"/>
+            <a:r>
+              <a:rPr lang="en-US" sz="2800" dirty="0" smtClean="0">
+                <a:solidFill>
+                  <a:schemeClr val="accent1">
+                    <a:lumMod val="50000"/>
+                  </a:schemeClr>
+                </a:solidFill>
+              </a:rPr>
+              <a:t>Ale</a:t>
+            </a:r>
+            <a:endParaRPr lang="en-US" sz="2800" dirty="0" smtClean="0">
+              <a:solidFill>
+                <a:schemeClr val="accent1">
+                  <a:lumMod val="50000"/>
+                </a:schemeClr>
+              </a:solidFill>
+            </a:endParaRPr>
           </a:p>
         </p:txBody>
       </p:sp>
@@ -5580,6 +6343,236 @@
     <p:extLst>
       <p:ext uri="{BB962C8B-B14F-4D97-AF65-F5344CB8AC3E}">
         <p14:creationId xmlns:p14="http://schemas.microsoft.com/office/powerpoint/2010/main" val="1616332234"/>
+      </p:ext>
+    </p:extLst>
+  </p:cSld>
+  <p:clrMapOvr>
+    <a:masterClrMapping/>
+  </p:clrMapOvr>
+</p:sld>
+</file>
+
+<file path=ppt/slides/slide20.xml><?xml version="1.0" encoding="utf-8"?>
+<p:sld xmlns:a="http://schemas.openxmlformats.org/drawingml/2006/main" xmlns:r="http://schemas.openxmlformats.org/officeDocument/2006/relationships" xmlns:p="http://schemas.openxmlformats.org/presentationml/2006/main">
+  <p:cSld>
+    <p:spTree>
+      <p:nvGrpSpPr>
+        <p:cNvPr id="1" name=""/>
+        <p:cNvGrpSpPr/>
+        <p:nvPr/>
+      </p:nvGrpSpPr>
+      <p:grpSpPr>
+        <a:xfrm>
+          <a:off x="0" y="0"/>
+          <a:ext cx="0" cy="0"/>
+          <a:chOff x="0" y="0"/>
+          <a:chExt cx="0" cy="0"/>
+        </a:xfrm>
+      </p:grpSpPr>
+      <p:sp>
+        <p:nvSpPr>
+          <p:cNvPr id="2" name="Title 1"/>
+          <p:cNvSpPr>
+            <a:spLocks noGrp="1"/>
+          </p:cNvSpPr>
+          <p:nvPr>
+            <p:ph type="title"/>
+          </p:nvPr>
+        </p:nvSpPr>
+        <p:spPr/>
+        <p:txBody>
+          <a:bodyPr/>
+          <a:lstStyle/>
+          <a:p>
+            <a:r>
+              <a:rPr lang="en-US" dirty="0" err="1" smtClean="0"/>
+              <a:t>MDVRP</a:t>
+            </a:r>
+            <a:r>
+              <a:rPr lang="en-US" dirty="0" smtClean="0"/>
+              <a:t>- </a:t>
+            </a:r>
+            <a:r>
+              <a:rPr lang="en-US" dirty="0" err="1" smtClean="0"/>
+              <a:t>Solucion</a:t>
+            </a:r>
+            <a:r>
+              <a:rPr lang="en-US" dirty="0" smtClean="0"/>
+              <a:t>, </a:t>
+            </a:r>
+            <a:r>
+              <a:rPr lang="en-US" dirty="0" err="1" smtClean="0"/>
+              <a:t>Testeo</a:t>
+            </a:r>
+            <a:r>
+              <a:rPr lang="en-US" dirty="0" smtClean="0"/>
+              <a:t>.</a:t>
+            </a:r>
+            <a:br>
+              <a:rPr lang="en-US" dirty="0" smtClean="0"/>
+            </a:br>
+            <a:r>
+              <a:rPr lang="en-US" dirty="0" err="1" smtClean="0"/>
+              <a:t>Conclusiones</a:t>
+            </a:r>
+            <a:endParaRPr lang="es-UY" dirty="0"/>
+          </a:p>
+        </p:txBody>
+      </p:sp>
+      <p:sp>
+        <p:nvSpPr>
+          <p:cNvPr id="3" name="Content Placeholder 2"/>
+          <p:cNvSpPr>
+            <a:spLocks noGrp="1"/>
+          </p:cNvSpPr>
+          <p:nvPr>
+            <p:ph idx="1"/>
+          </p:nvPr>
+        </p:nvSpPr>
+        <p:spPr/>
+        <p:txBody>
+          <a:bodyPr/>
+          <a:lstStyle/>
+          <a:p>
+            <a:r>
+              <a:rPr lang="es-UY" dirty="0">
+                <a:solidFill>
+                  <a:schemeClr val="accent1">
+                    <a:lumMod val="50000"/>
+                  </a:schemeClr>
+                </a:solidFill>
+              </a:rPr>
+              <a:t>Fran</a:t>
+            </a:r>
+            <a:endParaRPr lang="es-UY" dirty="0"/>
+          </a:p>
+        </p:txBody>
+      </p:sp>
+    </p:spTree>
+    <p:extLst>
+      <p:ext uri="{BB962C8B-B14F-4D97-AF65-F5344CB8AC3E}">
+        <p14:creationId xmlns:p14="http://schemas.microsoft.com/office/powerpoint/2010/main" val="2516212354"/>
+      </p:ext>
+    </p:extLst>
+  </p:cSld>
+  <p:clrMapOvr>
+    <a:masterClrMapping/>
+  </p:clrMapOvr>
+</p:sld>
+</file>
+
+<file path=ppt/slides/slide21.xml><?xml version="1.0" encoding="utf-8"?>
+<p:sld xmlns:a="http://schemas.openxmlformats.org/drawingml/2006/main" xmlns:r="http://schemas.openxmlformats.org/officeDocument/2006/relationships" xmlns:p="http://schemas.openxmlformats.org/presentationml/2006/main">
+  <p:cSld>
+    <p:spTree>
+      <p:nvGrpSpPr>
+        <p:cNvPr id="1" name=""/>
+        <p:cNvGrpSpPr/>
+        <p:nvPr/>
+      </p:nvGrpSpPr>
+      <p:grpSpPr>
+        <a:xfrm>
+          <a:off x="0" y="0"/>
+          <a:ext cx="0" cy="0"/>
+          <a:chOff x="0" y="0"/>
+          <a:chExt cx="0" cy="0"/>
+        </a:xfrm>
+      </p:grpSpPr>
+      <p:sp>
+        <p:nvSpPr>
+          <p:cNvPr id="2" name="Title 1"/>
+          <p:cNvSpPr>
+            <a:spLocks noGrp="1"/>
+          </p:cNvSpPr>
+          <p:nvPr>
+            <p:ph type="title"/>
+          </p:nvPr>
+        </p:nvSpPr>
+        <p:spPr/>
+        <p:txBody>
+          <a:bodyPr/>
+          <a:lstStyle/>
+          <a:p>
+            <a:r>
+              <a:rPr lang="en-US" dirty="0" err="1" smtClean="0"/>
+              <a:t>MDVRP</a:t>
+            </a:r>
+            <a:r>
+              <a:rPr lang="en-US" dirty="0" smtClean="0"/>
+              <a:t>- </a:t>
+            </a:r>
+            <a:r>
+              <a:rPr lang="en-US" dirty="0" err="1" smtClean="0"/>
+              <a:t>Solucion</a:t>
+            </a:r>
+            <a:r>
+              <a:rPr lang="en-US" dirty="0" smtClean="0"/>
+              <a:t>, </a:t>
+            </a:r>
+            <a:r>
+              <a:rPr lang="en-US" dirty="0" err="1" smtClean="0"/>
+              <a:t>Testeo</a:t>
+            </a:r>
+            <a:r>
+              <a:rPr lang="en-US" dirty="0" smtClean="0"/>
+              <a:t>.</a:t>
+            </a:r>
+            <a:br>
+              <a:rPr lang="en-US" dirty="0" smtClean="0"/>
+            </a:br>
+            <a:r>
+              <a:rPr lang="en-US" dirty="0" err="1" smtClean="0"/>
+              <a:t>Trabajo</a:t>
+            </a:r>
+            <a:r>
+              <a:rPr lang="en-US" dirty="0" smtClean="0"/>
+              <a:t>  a </a:t>
+            </a:r>
+            <a:r>
+              <a:rPr lang="en-US" dirty="0" err="1" smtClean="0"/>
+              <a:t>Futuro</a:t>
+            </a:r>
+            <a:r>
+              <a:rPr lang="en-US" dirty="0" smtClean="0"/>
+              <a:t>.</a:t>
+            </a:r>
+            <a:endParaRPr lang="es-UY" dirty="0"/>
+          </a:p>
+        </p:txBody>
+      </p:sp>
+      <p:sp>
+        <p:nvSpPr>
+          <p:cNvPr id="3" name="Content Placeholder 2"/>
+          <p:cNvSpPr>
+            <a:spLocks noGrp="1"/>
+          </p:cNvSpPr>
+          <p:nvPr>
+            <p:ph idx="1"/>
+          </p:nvPr>
+        </p:nvSpPr>
+        <p:spPr/>
+        <p:txBody>
+          <a:bodyPr/>
+          <a:lstStyle/>
+          <a:p>
+            <a:r>
+              <a:rPr lang="es-UY" dirty="0">
+                <a:solidFill>
+                  <a:schemeClr val="accent1">
+                    <a:lumMod val="50000"/>
+                  </a:schemeClr>
+                </a:solidFill>
+              </a:rPr>
+              <a:t>Fran</a:t>
+            </a:r>
+            <a:endParaRPr lang="es-UY" dirty="0"/>
+          </a:p>
+        </p:txBody>
+      </p:sp>
+    </p:spTree>
+    <p:extLst>
+      <p:ext uri="{BB962C8B-B14F-4D97-AF65-F5344CB8AC3E}">
+        <p14:creationId xmlns:p14="http://schemas.microsoft.com/office/powerpoint/2010/main" val="2295583179"/>
       </p:ext>
     </p:extLst>
   </p:cSld>
@@ -5616,157 +6609,87 @@
             <p:ph type="title"/>
           </p:nvPr>
         </p:nvSpPr>
-        <p:spPr/>
-        <p:txBody>
-          <a:bodyPr/>
-          <a:lstStyle/>
-          <a:p>
-            <a:r>
-              <a:rPr lang="en-US" dirty="0" err="1" smtClean="0"/>
-              <a:t>Introduccion</a:t>
-            </a:r>
-            <a:r>
-              <a:rPr lang="en-US" dirty="0" smtClean="0"/>
-              <a:t> I</a:t>
-            </a:r>
-            <a:endParaRPr lang="es-UY" dirty="0"/>
-          </a:p>
-        </p:txBody>
-      </p:sp>
-      <p:sp>
-        <p:nvSpPr>
-          <p:cNvPr id="3" name="Content Placeholder 2"/>
-          <p:cNvSpPr>
-            <a:spLocks noGrp="1"/>
-          </p:cNvSpPr>
-          <p:nvPr>
-            <p:ph idx="1"/>
-          </p:nvPr>
-        </p:nvSpPr>
         <p:spPr>
           <a:xfrm>
-            <a:off x="645017" y="1690688"/>
-            <a:ext cx="10515600" cy="4351338"/>
+            <a:off x="838200" y="403761"/>
+            <a:ext cx="10515600" cy="1325563"/>
           </a:xfrm>
         </p:spPr>
         <p:txBody>
+          <a:bodyPr/>
+          <a:lstStyle/>
+          <a:p>
+            <a:r>
+              <a:rPr lang="en-US" dirty="0" err="1" smtClean="0"/>
+              <a:t>Introduccion</a:t>
+            </a:r>
+            <a:r>
+              <a:rPr lang="en-US" dirty="0" smtClean="0"/>
+              <a:t> (El </a:t>
+            </a:r>
+            <a:r>
+              <a:rPr lang="en-US" dirty="0" err="1" smtClean="0"/>
+              <a:t>problema</a:t>
+            </a:r>
+            <a:r>
+              <a:rPr lang="en-US" dirty="0" smtClean="0"/>
+              <a:t> de </a:t>
+            </a:r>
+            <a:r>
+              <a:rPr lang="en-US" dirty="0" err="1" smtClean="0"/>
+              <a:t>MDVRP</a:t>
+            </a:r>
+            <a:r>
+              <a:rPr lang="en-US" dirty="0" smtClean="0"/>
+              <a:t>)</a:t>
+            </a:r>
+            <a:endParaRPr lang="es-UY" dirty="0"/>
+          </a:p>
+        </p:txBody>
+      </p:sp>
+      <p:sp>
+        <p:nvSpPr>
+          <p:cNvPr id="3" name="Content Placeholder 2"/>
+          <p:cNvSpPr>
+            <a:spLocks noGrp="1"/>
+          </p:cNvSpPr>
+          <p:nvPr>
+            <p:ph idx="1"/>
+          </p:nvPr>
+        </p:nvSpPr>
+        <p:spPr/>
+        <p:txBody>
           <a:bodyPr>
-            <a:normAutofit fontScale="92500" lnSpcReduction="10000"/>
+            <a:normAutofit/>
           </a:bodyPr>
           <a:lstStyle/>
           <a:p>
-            <a:r>
-              <a:rPr lang="es-ES" b="1" dirty="0"/>
-              <a:t>Definición del </a:t>
-            </a:r>
-            <a:r>
-              <a:rPr lang="es-ES" b="1" dirty="0" smtClean="0"/>
-              <a:t>problema</a:t>
-            </a:r>
-          </a:p>
-          <a:p>
-            <a:pPr lvl="1"/>
-            <a:r>
-              <a:rPr lang="es-ES" b="1" dirty="0" smtClean="0"/>
-              <a:t>Que es lo que queremos realizar y con que </a:t>
-            </a:r>
-            <a:r>
-              <a:rPr lang="es-ES" b="1" dirty="0" err="1" smtClean="0"/>
-              <a:t>proposito</a:t>
-            </a:r>
-            <a:r>
-              <a:rPr lang="es-ES" b="1" dirty="0" smtClean="0"/>
-              <a:t>?</a:t>
-            </a:r>
-            <a:endParaRPr lang="es-UY" b="1" dirty="0" smtClean="0"/>
-          </a:p>
-          <a:p>
-            <a:pPr lvl="1"/>
-            <a:r>
-              <a:rPr lang="es-ES" dirty="0" smtClean="0"/>
-              <a:t>Implementar una </a:t>
-            </a:r>
-            <a:r>
-              <a:rPr lang="es-ES" dirty="0"/>
-              <a:t>aplicación y algoritmos que solucionen el problema a partir de la información analizada en la etapa de investigación. Finalmente se sugirió crear distintas algoritmos que permitan mejorar la solución. </a:t>
-            </a:r>
             <a:endParaRPr lang="en-US" dirty="0" smtClean="0"/>
           </a:p>
           <a:p>
-            <a:r>
-              <a:rPr lang="en-US" dirty="0" err="1" smtClean="0"/>
-              <a:t>Aplicacion</a:t>
-            </a:r>
-            <a:r>
-              <a:rPr lang="en-US" dirty="0" smtClean="0"/>
-              <a:t> y </a:t>
-            </a:r>
-            <a:r>
-              <a:rPr lang="en-US" dirty="0" err="1" smtClean="0"/>
-              <a:t>caracteristicas</a:t>
-            </a:r>
-            <a:r>
-              <a:rPr lang="en-US" dirty="0" smtClean="0"/>
-              <a:t> </a:t>
-            </a:r>
-            <a:r>
-              <a:rPr lang="en-US" dirty="0" err="1" smtClean="0"/>
-              <a:t>deseadas</a:t>
-            </a:r>
-            <a:r>
-              <a:rPr lang="en-US" dirty="0" smtClean="0"/>
-              <a:t>…</a:t>
-            </a:r>
-          </a:p>
-          <a:p>
-            <a:pPr lvl="1"/>
-            <a:r>
-              <a:rPr lang="en-US" dirty="0" smtClean="0"/>
-              <a:t>1</a:t>
-            </a:r>
-          </a:p>
-          <a:p>
-            <a:pPr lvl="1"/>
-            <a:r>
-              <a:rPr lang="en-US" dirty="0" smtClean="0"/>
-              <a:t>2</a:t>
-            </a:r>
-          </a:p>
-          <a:p>
-            <a:pPr lvl="1"/>
-            <a:r>
-              <a:rPr lang="en-US" dirty="0" smtClean="0"/>
-              <a:t>3</a:t>
-            </a:r>
-          </a:p>
-          <a:p>
-            <a:pPr lvl="1"/>
-            <a:r>
-              <a:rPr lang="en-US" dirty="0" smtClean="0"/>
-              <a:t>4</a:t>
-            </a:r>
-          </a:p>
-          <a:p>
-            <a:pPr lvl="1"/>
-            <a:r>
-              <a:rPr lang="en-US" dirty="0" smtClean="0"/>
-              <a:t>5</a:t>
-            </a:r>
-          </a:p>
-          <a:p>
-            <a:pPr lvl="1"/>
-            <a:r>
-              <a:rPr lang="en-US" dirty="0" err="1" smtClean="0"/>
-              <a:t>etc</a:t>
-            </a:r>
-            <a:endParaRPr lang="en-US" dirty="0" smtClean="0"/>
+            <a:pPr marL="228600" lvl="1">
+              <a:spcBef>
+                <a:spcPts val="1000"/>
+              </a:spcBef>
+            </a:pPr>
+            <a:r>
+              <a:rPr lang="en-US" sz="2800" dirty="0">
+                <a:solidFill>
+                  <a:schemeClr val="accent1">
+                    <a:lumMod val="50000"/>
+                  </a:schemeClr>
+                </a:solidFill>
+              </a:rPr>
+              <a:t>Ale</a:t>
+            </a:r>
+            <a:endParaRPr lang="en-US" sz="2800" dirty="0" smtClean="0"/>
           </a:p>
         </p:txBody>
       </p:sp>
     </p:spTree>
     <p:extLst>
       <p:ext uri="{BB962C8B-B14F-4D97-AF65-F5344CB8AC3E}">
-        <p14:creationId xmlns:p14="http://schemas.microsoft.com/office/powerpoint/2010/main" val="3204008851"/>
+        <p14:creationId xmlns:p14="http://schemas.microsoft.com/office/powerpoint/2010/main" val="3809995992"/>
       </p:ext>
     </p:extLst>
   </p:cSld>
@@ -5805,6 +6728,356 @@
         </p:nvSpPr>
         <p:spPr>
           <a:xfrm>
+            <a:off x="838200" y="403761"/>
+            <a:ext cx="10515600" cy="1325563"/>
+          </a:xfrm>
+        </p:spPr>
+        <p:txBody>
+          <a:bodyPr/>
+          <a:lstStyle/>
+          <a:p>
+            <a:r>
+              <a:rPr lang="en-US" dirty="0" err="1" smtClean="0"/>
+              <a:t>Introduccion</a:t>
+            </a:r>
+            <a:r>
+              <a:rPr lang="en-US" dirty="0" smtClean="0"/>
+              <a:t> (El </a:t>
+            </a:r>
+            <a:r>
+              <a:rPr lang="en-US" dirty="0" err="1" smtClean="0"/>
+              <a:t>problema</a:t>
+            </a:r>
+            <a:r>
+              <a:rPr lang="en-US" dirty="0" smtClean="0"/>
+              <a:t> de </a:t>
+            </a:r>
+            <a:r>
+              <a:rPr lang="en-US" dirty="0" err="1" smtClean="0"/>
+              <a:t>MDVRP</a:t>
+            </a:r>
+            <a:r>
+              <a:rPr lang="en-US" dirty="0" smtClean="0"/>
+              <a:t>)</a:t>
+            </a:r>
+            <a:endParaRPr lang="es-UY" dirty="0"/>
+          </a:p>
+        </p:txBody>
+      </p:sp>
+      <p:sp>
+        <p:nvSpPr>
+          <p:cNvPr id="3" name="Content Placeholder 2"/>
+          <p:cNvSpPr>
+            <a:spLocks noGrp="1"/>
+          </p:cNvSpPr>
+          <p:nvPr>
+            <p:ph idx="1"/>
+          </p:nvPr>
+        </p:nvSpPr>
+        <p:spPr/>
+        <p:txBody>
+          <a:bodyPr>
+            <a:normAutofit/>
+          </a:bodyPr>
+          <a:lstStyle/>
+          <a:p>
+            <a:endParaRPr lang="en-US" dirty="0" smtClean="0"/>
+          </a:p>
+          <a:p>
+            <a:pPr marL="228600" lvl="1">
+              <a:spcBef>
+                <a:spcPts val="1000"/>
+              </a:spcBef>
+            </a:pPr>
+            <a:endParaRPr lang="en-US" sz="2800" dirty="0" smtClean="0"/>
+          </a:p>
+        </p:txBody>
+      </p:sp>
+      <p:sp>
+        <p:nvSpPr>
+          <p:cNvPr id="4" name="3 Rectángulo"/>
+          <p:cNvSpPr/>
+          <p:nvPr/>
+        </p:nvSpPr>
+        <p:spPr>
+          <a:xfrm>
+            <a:off x="5654212" y="3167390"/>
+            <a:ext cx="883575" cy="523220"/>
+          </a:xfrm>
+          <a:prstGeom prst="rect">
+            <a:avLst/>
+          </a:prstGeom>
+        </p:spPr>
+        <p:txBody>
+          <a:bodyPr wrap="none">
+            <a:spAutoFit/>
+          </a:bodyPr>
+          <a:lstStyle/>
+          <a:p>
+            <a:pPr marL="228600" lvl="1">
+              <a:spcBef>
+                <a:spcPts val="1000"/>
+              </a:spcBef>
+            </a:pPr>
+            <a:r>
+              <a:rPr lang="en-US" sz="2800" dirty="0">
+                <a:solidFill>
+                  <a:schemeClr val="accent1">
+                    <a:lumMod val="50000"/>
+                  </a:schemeClr>
+                </a:solidFill>
+              </a:rPr>
+              <a:t>Ale</a:t>
+            </a:r>
+            <a:endParaRPr lang="en-US" sz="2800" dirty="0"/>
+          </a:p>
+        </p:txBody>
+      </p:sp>
+    </p:spTree>
+    <p:extLst>
+      <p:ext uri="{BB962C8B-B14F-4D97-AF65-F5344CB8AC3E}">
+        <p14:creationId xmlns:p14="http://schemas.microsoft.com/office/powerpoint/2010/main" val="3030859268"/>
+      </p:ext>
+    </p:extLst>
+  </p:cSld>
+  <p:clrMapOvr>
+    <a:masterClrMapping/>
+  </p:clrMapOvr>
+</p:sld>
+</file>
+
+<file path=ppt/slides/slide5.xml><?xml version="1.0" encoding="utf-8"?>
+<p:sld xmlns:a="http://schemas.openxmlformats.org/drawingml/2006/main" xmlns:r="http://schemas.openxmlformats.org/officeDocument/2006/relationships" xmlns:p="http://schemas.openxmlformats.org/presentationml/2006/main">
+  <p:cSld>
+    <p:spTree>
+      <p:nvGrpSpPr>
+        <p:cNvPr id="1" name=""/>
+        <p:cNvGrpSpPr/>
+        <p:nvPr/>
+      </p:nvGrpSpPr>
+      <p:grpSpPr>
+        <a:xfrm>
+          <a:off x="0" y="0"/>
+          <a:ext cx="0" cy="0"/>
+          <a:chOff x="0" y="0"/>
+          <a:chExt cx="0" cy="0"/>
+        </a:xfrm>
+      </p:grpSpPr>
+      <p:sp>
+        <p:nvSpPr>
+          <p:cNvPr id="2" name="Title 1"/>
+          <p:cNvSpPr>
+            <a:spLocks noGrp="1"/>
+          </p:cNvSpPr>
+          <p:nvPr>
+            <p:ph type="title"/>
+          </p:nvPr>
+        </p:nvSpPr>
+        <p:spPr/>
+        <p:txBody>
+          <a:bodyPr/>
+          <a:lstStyle/>
+          <a:p>
+            <a:r>
+              <a:rPr lang="en-US" dirty="0" smtClean="0"/>
+              <a:t>OBJETIVOS</a:t>
+            </a:r>
+            <a:endParaRPr lang="es-UY" dirty="0"/>
+          </a:p>
+        </p:txBody>
+      </p:sp>
+      <p:sp>
+        <p:nvSpPr>
+          <p:cNvPr id="3" name="Content Placeholder 2"/>
+          <p:cNvSpPr>
+            <a:spLocks noGrp="1"/>
+          </p:cNvSpPr>
+          <p:nvPr>
+            <p:ph idx="1"/>
+          </p:nvPr>
+        </p:nvSpPr>
+        <p:spPr>
+          <a:xfrm>
+            <a:off x="645017" y="1690688"/>
+            <a:ext cx="10515600" cy="4351338"/>
+          </a:xfrm>
+        </p:spPr>
+        <p:txBody>
+          <a:bodyPr>
+            <a:normAutofit fontScale="92500" lnSpcReduction="10000"/>
+          </a:bodyPr>
+          <a:lstStyle/>
+          <a:p>
+            <a:r>
+              <a:rPr lang="es-ES" b="1" dirty="0"/>
+              <a:t>Definición del </a:t>
+            </a:r>
+            <a:r>
+              <a:rPr lang="es-ES" b="1" dirty="0" smtClean="0"/>
+              <a:t>problema</a:t>
+            </a:r>
+          </a:p>
+          <a:p>
+            <a:pPr lvl="1"/>
+            <a:r>
+              <a:rPr lang="es-ES" b="1" dirty="0" smtClean="0"/>
+              <a:t>Que es lo que queremos realizar y con que </a:t>
+            </a:r>
+            <a:r>
+              <a:rPr lang="es-ES" b="1" dirty="0" err="1" smtClean="0"/>
+              <a:t>proposito</a:t>
+            </a:r>
+            <a:r>
+              <a:rPr lang="es-ES" b="1" dirty="0" smtClean="0"/>
+              <a:t>?</a:t>
+            </a:r>
+            <a:endParaRPr lang="es-UY" b="1" dirty="0" smtClean="0"/>
+          </a:p>
+          <a:p>
+            <a:pPr lvl="1"/>
+            <a:r>
+              <a:rPr lang="es-ES" dirty="0" smtClean="0"/>
+              <a:t>Implementar una </a:t>
+            </a:r>
+            <a:r>
+              <a:rPr lang="es-ES" dirty="0"/>
+              <a:t>aplicación y algoritmos que solucionen el problema a partir de la información analizada en la etapa de investigación. Finalmente se sugirió crear distintas algoritmos que permitan mejorar la solución. </a:t>
+            </a:r>
+            <a:endParaRPr lang="en-US" dirty="0" smtClean="0"/>
+          </a:p>
+          <a:p>
+            <a:r>
+              <a:rPr lang="en-US" dirty="0" err="1" smtClean="0"/>
+              <a:t>Aplicacion</a:t>
+            </a:r>
+            <a:r>
+              <a:rPr lang="en-US" dirty="0" smtClean="0"/>
+              <a:t> y </a:t>
+            </a:r>
+            <a:r>
+              <a:rPr lang="en-US" dirty="0" err="1" smtClean="0"/>
+              <a:t>caracteristicas</a:t>
+            </a:r>
+            <a:r>
+              <a:rPr lang="en-US" dirty="0" smtClean="0"/>
+              <a:t> </a:t>
+            </a:r>
+            <a:r>
+              <a:rPr lang="en-US" dirty="0" err="1" smtClean="0"/>
+              <a:t>deseadas</a:t>
+            </a:r>
+            <a:r>
+              <a:rPr lang="en-US" dirty="0" smtClean="0"/>
+              <a:t>…</a:t>
+            </a:r>
+          </a:p>
+          <a:p>
+            <a:pPr lvl="1"/>
+            <a:r>
+              <a:rPr lang="en-US" dirty="0" smtClean="0"/>
+              <a:t>1</a:t>
+            </a:r>
+          </a:p>
+          <a:p>
+            <a:pPr lvl="1"/>
+            <a:r>
+              <a:rPr lang="en-US" dirty="0" smtClean="0"/>
+              <a:t>2</a:t>
+            </a:r>
+          </a:p>
+          <a:p>
+            <a:pPr lvl="1"/>
+            <a:r>
+              <a:rPr lang="en-US" dirty="0" smtClean="0"/>
+              <a:t>3</a:t>
+            </a:r>
+          </a:p>
+          <a:p>
+            <a:pPr lvl="1"/>
+            <a:r>
+              <a:rPr lang="en-US" dirty="0" smtClean="0"/>
+              <a:t>4</a:t>
+            </a:r>
+          </a:p>
+          <a:p>
+            <a:pPr lvl="1"/>
+            <a:r>
+              <a:rPr lang="en-US" dirty="0" smtClean="0"/>
+              <a:t>5</a:t>
+            </a:r>
+          </a:p>
+          <a:p>
+            <a:pPr lvl="1"/>
+            <a:r>
+              <a:rPr lang="en-US" dirty="0" err="1" smtClean="0"/>
+              <a:t>Etc</a:t>
+            </a:r>
+            <a:r>
+              <a:rPr lang="en-US" dirty="0" smtClean="0"/>
+              <a:t> </a:t>
+            </a:r>
+            <a:r>
+              <a:rPr lang="en-US" dirty="0" smtClean="0">
+                <a:solidFill>
+                  <a:schemeClr val="accent1">
+                    <a:lumMod val="50000"/>
+                  </a:schemeClr>
+                </a:solidFill>
+              </a:rPr>
+              <a:t>Fran</a:t>
+            </a:r>
+            <a:endParaRPr lang="en-US" dirty="0" smtClean="0">
+              <a:solidFill>
+                <a:schemeClr val="accent1">
+                  <a:lumMod val="50000"/>
+                </a:schemeClr>
+              </a:solidFill>
+            </a:endParaRPr>
+          </a:p>
+        </p:txBody>
+      </p:sp>
+    </p:spTree>
+    <p:extLst>
+      <p:ext uri="{BB962C8B-B14F-4D97-AF65-F5344CB8AC3E}">
+        <p14:creationId xmlns:p14="http://schemas.microsoft.com/office/powerpoint/2010/main" val="3204008851"/>
+      </p:ext>
+    </p:extLst>
+  </p:cSld>
+  <p:clrMapOvr>
+    <a:masterClrMapping/>
+  </p:clrMapOvr>
+</p:sld>
+</file>
+
+<file path=ppt/slides/slide6.xml><?xml version="1.0" encoding="utf-8"?>
+<p:sld xmlns:a="http://schemas.openxmlformats.org/drawingml/2006/main" xmlns:r="http://schemas.openxmlformats.org/officeDocument/2006/relationships" xmlns:p="http://schemas.openxmlformats.org/presentationml/2006/main">
+  <p:cSld>
+    <p:spTree>
+      <p:nvGrpSpPr>
+        <p:cNvPr id="1" name=""/>
+        <p:cNvGrpSpPr/>
+        <p:nvPr/>
+      </p:nvGrpSpPr>
+      <p:grpSpPr>
+        <a:xfrm>
+          <a:off x="0" y="0"/>
+          <a:ext cx="0" cy="0"/>
+          <a:chOff x="0" y="0"/>
+          <a:chExt cx="0" cy="0"/>
+        </a:xfrm>
+      </p:grpSpPr>
+      <p:sp>
+        <p:nvSpPr>
+          <p:cNvPr id="2" name="Title 1"/>
+          <p:cNvSpPr>
+            <a:spLocks noGrp="1"/>
+          </p:cNvSpPr>
+          <p:nvPr>
+            <p:ph type="title"/>
+          </p:nvPr>
+        </p:nvSpPr>
+        <p:spPr>
+          <a:xfrm>
             <a:off x="838200" y="429520"/>
             <a:ext cx="10515600" cy="1325563"/>
           </a:xfrm>
@@ -5814,31 +7087,31 @@
           <a:lstStyle/>
           <a:p>
             <a:r>
-              <a:rPr lang="en-US" dirty="0" err="1" smtClean="0"/>
-              <a:t>MDVRP</a:t>
-            </a:r>
-            <a:r>
-              <a:rPr lang="en-US" dirty="0" smtClean="0"/>
-              <a:t>- </a:t>
-            </a:r>
-            <a:r>
-              <a:rPr lang="en-US" dirty="0" err="1" smtClean="0"/>
-              <a:t>Solucion</a:t>
+              <a:rPr lang="en-US" dirty="0" smtClean="0"/>
+              <a:t>MDVRP- </a:t>
+            </a:r>
+            <a:r>
+              <a:rPr lang="es-UY" dirty="0" smtClean="0"/>
+              <a:t>Solución</a:t>
             </a:r>
             <a:r>
               <a:rPr lang="en-US" dirty="0" smtClean="0"/>
               <a:t>, </a:t>
             </a:r>
             <a:r>
-              <a:rPr lang="en-US" dirty="0" err="1" smtClean="0"/>
-              <a:t>Analisis</a:t>
-            </a:r>
-            <a:r>
-              <a:rPr lang="en-US" dirty="0" smtClean="0"/>
-              <a:t> del </a:t>
-            </a:r>
-            <a:r>
-              <a:rPr lang="en-US" dirty="0" err="1" smtClean="0"/>
+              <a:rPr lang="es-UY" dirty="0" smtClean="0"/>
+              <a:t>Análisis</a:t>
+            </a:r>
+            <a:r>
+              <a:rPr lang="en-US" dirty="0" smtClean="0"/>
+              <a:t> </a:t>
+            </a:r>
+            <a:r>
+              <a:rPr lang="en-US" dirty="0" smtClean="0"/>
+              <a:t>del </a:t>
+            </a:r>
+            <a:r>
+              <a:rPr lang="es-UY" dirty="0" smtClean="0"/>
               <a:t>problema</a:t>
             </a:r>
             <a:endParaRPr lang="es-UY" dirty="0"/>
@@ -5910,23 +7183,27 @@
           <a:p>
             <a:r>
               <a:rPr lang="es-ES" dirty="0" smtClean="0"/>
-              <a:t>Es estas 4 etapas se puede </a:t>
-            </a:r>
-            <a:r>
-              <a:rPr lang="es-ES" dirty="0" err="1" smtClean="0"/>
-              <a:t>realimenter</a:t>
+              <a:t>En </a:t>
             </a:r>
             <a:r>
               <a:rPr lang="es-ES" dirty="0" smtClean="0"/>
-              <a:t> a una etapa anterior o </a:t>
-            </a:r>
-            <a:r>
-              <a:rPr lang="es-ES" dirty="0" err="1" smtClean="0"/>
-              <a:t>usuar</a:t>
+              <a:t>estas 4 etapas se puede </a:t>
             </a:r>
             <a:r>
               <a:rPr lang="es-ES" dirty="0" smtClean="0"/>
-              <a:t> información para mejorar. (explicar con ejemplos … </a:t>
+              <a:t>realimentar </a:t>
+            </a:r>
+            <a:r>
+              <a:rPr lang="es-ES" dirty="0" smtClean="0"/>
+              <a:t>a una etapa anterior o </a:t>
+            </a:r>
+            <a:r>
+              <a:rPr lang="es-ES" dirty="0" smtClean="0"/>
+              <a:t>usar </a:t>
+            </a:r>
+            <a:r>
+              <a:rPr lang="es-ES" dirty="0" smtClean="0"/>
+              <a:t>información para mejorar. (explicar con ejemplos … </a:t>
             </a:r>
             <a:r>
               <a:rPr lang="es-ES" dirty="0" err="1" smtClean="0"/>
@@ -6013,8 +7290,29 @@
             </a:r>
             <a:r>
               <a:rPr lang="en-US" dirty="0" smtClean="0"/>
-              <a:t> …</a:t>
-            </a:r>
+              <a:t> </a:t>
+            </a:r>
+            <a:r>
+              <a:rPr lang="en-US" dirty="0" smtClean="0"/>
+              <a:t>… </a:t>
+            </a:r>
+            <a:r>
+              <a:rPr lang="en-US" dirty="0" smtClean="0">
+                <a:solidFill>
+                  <a:schemeClr val="accent1">
+                    <a:lumMod val="50000"/>
+                  </a:schemeClr>
+                </a:solidFill>
+              </a:rPr>
+              <a:t>Fran</a:t>
+            </a:r>
+            <a:endParaRPr lang="en-US" dirty="0" smtClean="0">
+              <a:solidFill>
+                <a:schemeClr val="accent1">
+                  <a:lumMod val="50000"/>
+                </a:schemeClr>
+              </a:solidFill>
+            </a:endParaRPr>
           </a:p>
           <a:p>
             <a:pPr marL="0" indent="0">
@@ -6062,377 +7360,6 @@
 </p:sld>
 </file>
 
-<file path=ppt/slides/slide5.xml><?xml version="1.0" encoding="utf-8"?>
-<p:sld xmlns:a="http://schemas.openxmlformats.org/drawingml/2006/main" xmlns:r="http://schemas.openxmlformats.org/officeDocument/2006/relationships" xmlns:p="http://schemas.openxmlformats.org/presentationml/2006/main">
-  <p:cSld>
-    <p:spTree>
-      <p:nvGrpSpPr>
-        <p:cNvPr id="1" name=""/>
-        <p:cNvGrpSpPr/>
-        <p:nvPr/>
-      </p:nvGrpSpPr>
-      <p:grpSpPr>
-        <a:xfrm>
-          <a:off x="0" y="0"/>
-          <a:ext cx="0" cy="0"/>
-          <a:chOff x="0" y="0"/>
-          <a:chExt cx="0" cy="0"/>
-        </a:xfrm>
-      </p:grpSpPr>
-      <p:sp>
-        <p:nvSpPr>
-          <p:cNvPr id="2" name="Title 1"/>
-          <p:cNvSpPr>
-            <a:spLocks noGrp="1"/>
-          </p:cNvSpPr>
-          <p:nvPr>
-            <p:ph type="title"/>
-          </p:nvPr>
-        </p:nvSpPr>
-        <p:spPr/>
-        <p:txBody>
-          <a:bodyPr/>
-          <a:lstStyle/>
-          <a:p>
-            <a:r>
-              <a:rPr lang="en-US" dirty="0" err="1" smtClean="0"/>
-              <a:t>MDVRP</a:t>
-            </a:r>
-            <a:r>
-              <a:rPr lang="en-US" dirty="0" smtClean="0"/>
-              <a:t>- </a:t>
-            </a:r>
-            <a:r>
-              <a:rPr lang="en-US" dirty="0" err="1" smtClean="0"/>
-              <a:t>Solucion</a:t>
-            </a:r>
-            <a:r>
-              <a:rPr lang="en-US" dirty="0" smtClean="0"/>
-              <a:t>, </a:t>
-            </a:r>
-            <a:r>
-              <a:rPr lang="en-US" dirty="0" err="1" smtClean="0"/>
-              <a:t>Disenio</a:t>
-            </a:r>
-            <a:r>
-              <a:rPr lang="en-US" dirty="0" smtClean="0"/>
-              <a:t> y </a:t>
-            </a:r>
-            <a:r>
-              <a:rPr lang="en-US" dirty="0" err="1" smtClean="0"/>
-              <a:t>algoritmos</a:t>
-            </a:r>
-            <a:endParaRPr lang="es-UY" dirty="0"/>
-          </a:p>
-        </p:txBody>
-      </p:sp>
-      <p:sp>
-        <p:nvSpPr>
-          <p:cNvPr id="3" name="Content Placeholder 2"/>
-          <p:cNvSpPr>
-            <a:spLocks noGrp="1"/>
-          </p:cNvSpPr>
-          <p:nvPr>
-            <p:ph idx="1"/>
-          </p:nvPr>
-        </p:nvSpPr>
-        <p:spPr>
-          <a:xfrm>
-            <a:off x="838200" y="1690688"/>
-            <a:ext cx="10515600" cy="4351338"/>
-          </a:xfrm>
-        </p:spPr>
-        <p:txBody>
-          <a:bodyPr>
-            <a:normAutofit fontScale="92500" lnSpcReduction="20000"/>
-          </a:bodyPr>
-          <a:lstStyle/>
-          <a:p>
-            <a:r>
-              <a:rPr lang="es-ES" dirty="0" smtClean="0"/>
-              <a:t>Los algoritmos utilizados son:</a:t>
-            </a:r>
-            <a:endParaRPr lang="es-UY" sz="2400" dirty="0" smtClean="0"/>
-          </a:p>
-          <a:p>
-            <a:pPr lvl="0"/>
-            <a:r>
-              <a:rPr lang="es-UY" dirty="0" smtClean="0"/>
-              <a:t>Asignación </a:t>
-            </a:r>
-          </a:p>
-          <a:p>
-            <a:pPr lvl="1"/>
-            <a:r>
-              <a:rPr lang="es-UY" dirty="0" smtClean="0"/>
-              <a:t> Asignación por Urgencia (no se considera la capacidad de los depósitos)</a:t>
-            </a:r>
-          </a:p>
-          <a:p>
-            <a:pPr lvl="1"/>
-            <a:r>
-              <a:rPr lang="es-UY" dirty="0" smtClean="0"/>
-              <a:t>Asignación por Urgencia (Fase 1, se considera la capacidad de los depósitos)</a:t>
-            </a:r>
-          </a:p>
-          <a:p>
-            <a:pPr lvl="0"/>
-            <a:r>
-              <a:rPr lang="es-UY" dirty="0" smtClean="0"/>
-              <a:t>Mejora de la asignación (Fase 2)</a:t>
-            </a:r>
-          </a:p>
-          <a:p>
-            <a:pPr lvl="1"/>
-            <a:r>
-              <a:rPr lang="es-UY" dirty="0" smtClean="0"/>
-              <a:t>Algoritmo Enajenado Rápido (</a:t>
-            </a:r>
-            <a:r>
-              <a:rPr lang="es-UY" dirty="0" err="1" smtClean="0"/>
-              <a:t>AER</a:t>
-            </a:r>
-            <a:r>
-              <a:rPr lang="es-UY" dirty="0" smtClean="0"/>
-              <a:t>)</a:t>
-            </a:r>
-          </a:p>
-          <a:p>
-            <a:pPr lvl="1"/>
-            <a:r>
-              <a:rPr lang="es-UY" dirty="0" smtClean="0"/>
-              <a:t>Algoritmo Enajenado Lento (</a:t>
-            </a:r>
-            <a:r>
-              <a:rPr lang="es-UY" dirty="0" err="1" smtClean="0"/>
-              <a:t>AEL</a:t>
-            </a:r>
-            <a:r>
-              <a:rPr lang="es-UY" dirty="0" smtClean="0"/>
-              <a:t>). </a:t>
-            </a:r>
-          </a:p>
-          <a:p>
-            <a:pPr lvl="0"/>
-            <a:r>
-              <a:rPr lang="es-UY" dirty="0" smtClean="0"/>
-              <a:t>R</a:t>
-            </a:r>
-            <a:r>
-              <a:rPr lang="es-ES" dirty="0" err="1" smtClean="0"/>
-              <a:t>ute</a:t>
-            </a:r>
-            <a:r>
-              <a:rPr lang="es-UY" dirty="0" smtClean="0"/>
-              <a:t>o</a:t>
-            </a:r>
-          </a:p>
-          <a:p>
-            <a:pPr lvl="1"/>
-            <a:r>
-              <a:rPr lang="es-UY" dirty="0" smtClean="0"/>
-              <a:t>Clarke &amp; Wright.</a:t>
-            </a:r>
-          </a:p>
-          <a:p>
-            <a:pPr lvl="0"/>
-            <a:r>
-              <a:rPr lang="es-UY" dirty="0" smtClean="0"/>
-              <a:t>Post-optimización. </a:t>
-            </a:r>
-          </a:p>
-          <a:p>
-            <a:pPr lvl="1"/>
-            <a:r>
-              <a:rPr lang="es-UY" dirty="0" smtClean="0"/>
-              <a:t>λ-intercambio</a:t>
-            </a:r>
-          </a:p>
-          <a:p>
-            <a:pPr lvl="1"/>
-            <a:r>
-              <a:rPr lang="es-UY" dirty="0" smtClean="0"/>
-              <a:t>R-</a:t>
-            </a:r>
-            <a:r>
-              <a:rPr lang="es-UY" dirty="0" err="1" smtClean="0"/>
-              <a:t>iopt</a:t>
-            </a:r>
-            <a:endParaRPr lang="es-UY" dirty="0" smtClean="0"/>
-          </a:p>
-          <a:p>
-            <a:endParaRPr lang="es-UY" dirty="0" smtClean="0"/>
-          </a:p>
-          <a:p>
-            <a:endParaRPr lang="es-UY" dirty="0" smtClean="0"/>
-          </a:p>
-          <a:p>
-            <a:endParaRPr lang="en-US" dirty="0" smtClean="0"/>
-          </a:p>
-        </p:txBody>
-      </p:sp>
-    </p:spTree>
-    <p:extLst>
-      <p:ext uri="{BB962C8B-B14F-4D97-AF65-F5344CB8AC3E}">
-        <p14:creationId xmlns:p14="http://schemas.microsoft.com/office/powerpoint/2010/main" val="3043282378"/>
-      </p:ext>
-    </p:extLst>
-  </p:cSld>
-  <p:clrMapOvr>
-    <a:masterClrMapping/>
-  </p:clrMapOvr>
-</p:sld>
-</file>
-
-<file path=ppt/slides/slide6.xml><?xml version="1.0" encoding="utf-8"?>
-<p:sld xmlns:a="http://schemas.openxmlformats.org/drawingml/2006/main" xmlns:r="http://schemas.openxmlformats.org/officeDocument/2006/relationships" xmlns:p="http://schemas.openxmlformats.org/presentationml/2006/main">
-  <p:cSld>
-    <p:spTree>
-      <p:nvGrpSpPr>
-        <p:cNvPr id="1" name=""/>
-        <p:cNvGrpSpPr/>
-        <p:nvPr/>
-      </p:nvGrpSpPr>
-      <p:grpSpPr>
-        <a:xfrm>
-          <a:off x="0" y="0"/>
-          <a:ext cx="0" cy="0"/>
-          <a:chOff x="0" y="0"/>
-          <a:chExt cx="0" cy="0"/>
-        </a:xfrm>
-      </p:grpSpPr>
-      <p:sp>
-        <p:nvSpPr>
-          <p:cNvPr id="2" name="Title 1"/>
-          <p:cNvSpPr>
-            <a:spLocks noGrp="1"/>
-          </p:cNvSpPr>
-          <p:nvPr>
-            <p:ph type="title"/>
-          </p:nvPr>
-        </p:nvSpPr>
-        <p:spPr/>
-        <p:txBody>
-          <a:bodyPr/>
-          <a:lstStyle/>
-          <a:p>
-            <a:r>
-              <a:rPr lang="en-US" dirty="0" err="1" smtClean="0"/>
-              <a:t>MDVRP</a:t>
-            </a:r>
-            <a:r>
-              <a:rPr lang="en-US" dirty="0" smtClean="0"/>
-              <a:t>- </a:t>
-            </a:r>
-            <a:r>
-              <a:rPr lang="en-US" dirty="0" err="1" smtClean="0"/>
-              <a:t>Solucion</a:t>
-            </a:r>
-            <a:r>
-              <a:rPr lang="en-US" dirty="0" smtClean="0"/>
-              <a:t>, </a:t>
-            </a:r>
-            <a:r>
-              <a:rPr lang="en-US" dirty="0" err="1" smtClean="0"/>
-              <a:t>Disenios</a:t>
-            </a:r>
-            <a:r>
-              <a:rPr lang="en-US" dirty="0" smtClean="0"/>
-              <a:t> y </a:t>
-            </a:r>
-            <a:r>
-              <a:rPr lang="en-US" dirty="0" err="1" smtClean="0"/>
-              <a:t>algoritmos</a:t>
-            </a:r>
-            <a:r>
-              <a:rPr lang="en-US" dirty="0" smtClean="0"/>
-              <a:t> </a:t>
-            </a:r>
-            <a:r>
-              <a:rPr lang="en-US" dirty="0" err="1" smtClean="0"/>
-              <a:t>Asignacion</a:t>
-            </a:r>
-            <a:endParaRPr lang="es-UY" dirty="0"/>
-          </a:p>
-        </p:txBody>
-      </p:sp>
-      <p:sp>
-        <p:nvSpPr>
-          <p:cNvPr id="3" name="Content Placeholder 2"/>
-          <p:cNvSpPr>
-            <a:spLocks noGrp="1"/>
-          </p:cNvSpPr>
-          <p:nvPr>
-            <p:ph idx="1"/>
-          </p:nvPr>
-        </p:nvSpPr>
-        <p:spPr/>
-        <p:txBody>
-          <a:bodyPr/>
-          <a:lstStyle/>
-          <a:p>
-            <a:pPr lvl="0"/>
-            <a:r>
-              <a:rPr lang="es-UY" dirty="0" smtClean="0"/>
-              <a:t>Asignación </a:t>
-            </a:r>
-          </a:p>
-          <a:p>
-            <a:pPr lvl="1"/>
-            <a:r>
-              <a:rPr lang="es-UY" dirty="0" smtClean="0"/>
-              <a:t> Asignación por Urgencia (no se considera la capacidad de los depósitos)</a:t>
-            </a:r>
-          </a:p>
-          <a:p>
-            <a:pPr lvl="1"/>
-            <a:r>
-              <a:rPr lang="es-UY" dirty="0" smtClean="0"/>
-              <a:t>Asignación por Urgencia (Fase 1, se considera la capacidad de los depósitos)</a:t>
-            </a:r>
-          </a:p>
-          <a:p>
-            <a:r>
-              <a:rPr lang="en-US" dirty="0" smtClean="0"/>
-              <a:t>…</a:t>
-            </a:r>
-          </a:p>
-          <a:p>
-            <a:r>
-              <a:rPr lang="en-US" dirty="0" smtClean="0"/>
-              <a:t>…</a:t>
-            </a:r>
-          </a:p>
-          <a:p>
-            <a:r>
-              <a:rPr lang="en-US" dirty="0" smtClean="0"/>
-              <a:t>…</a:t>
-            </a:r>
-          </a:p>
-          <a:p>
-            <a:r>
-              <a:rPr lang="en-US" dirty="0" smtClean="0"/>
-              <a:t>…</a:t>
-            </a:r>
-          </a:p>
-          <a:p>
-            <a:endParaRPr lang="es-UY" dirty="0"/>
-          </a:p>
-        </p:txBody>
-      </p:sp>
-    </p:spTree>
-    <p:extLst>
-      <p:ext uri="{BB962C8B-B14F-4D97-AF65-F5344CB8AC3E}">
-        <p14:creationId xmlns:p14="http://schemas.microsoft.com/office/powerpoint/2010/main" val="1073848894"/>
-      </p:ext>
-    </p:extLst>
-  </p:cSld>
-  <p:clrMapOvr>
-    <a:masterClrMapping/>
-  </p:clrMapOvr>
-</p:sld>
-</file>
-
 <file path=ppt/slides/slide7.xml><?xml version="1.0" encoding="utf-8"?>
 <p:sld xmlns:a="http://schemas.openxmlformats.org/drawingml/2006/main" xmlns:r="http://schemas.openxmlformats.org/officeDocument/2006/relationships" xmlns:p="http://schemas.openxmlformats.org/presentationml/2006/main">
   <p:cSld>
@@ -6466,48 +7393,12 @@
           <a:lstStyle/>
           <a:p>
             <a:r>
-              <a:rPr lang="en-US" dirty="0" err="1" smtClean="0"/>
-              <a:t>MDVRP</a:t>
-            </a:r>
-            <a:r>
-              <a:rPr lang="en-US" dirty="0" smtClean="0"/>
-              <a:t>- </a:t>
-            </a:r>
-            <a:r>
-              <a:rPr lang="en-US" dirty="0" err="1" smtClean="0"/>
-              <a:t>Solucion</a:t>
-            </a:r>
-            <a:r>
-              <a:rPr lang="en-US" dirty="0" smtClean="0"/>
-              <a:t>, </a:t>
-            </a:r>
-            <a:r>
-              <a:rPr lang="en-US" dirty="0" err="1" smtClean="0"/>
-              <a:t>Disenios</a:t>
-            </a:r>
-            <a:r>
-              <a:rPr lang="en-US" dirty="0" smtClean="0"/>
-              <a:t> y </a:t>
-            </a:r>
-            <a:r>
-              <a:rPr lang="en-US" dirty="0" err="1" smtClean="0"/>
-              <a:t>algoritmos</a:t>
-            </a:r>
-            <a:r>
-              <a:rPr lang="en-US" dirty="0" smtClean="0"/>
-              <a:t> </a:t>
-            </a:r>
-            <a:r>
-              <a:rPr lang="en-US" dirty="0" err="1" smtClean="0"/>
-              <a:t>Mejora</a:t>
-            </a:r>
-            <a:r>
-              <a:rPr lang="en-US" dirty="0" smtClean="0"/>
-              <a:t> de </a:t>
-            </a:r>
-            <a:r>
-              <a:rPr lang="en-US" dirty="0" err="1" smtClean="0"/>
-              <a:t>Asignacion</a:t>
+              <a:rPr lang="en-US" dirty="0" smtClean="0"/>
+              <a:t>MDVRP- </a:t>
+            </a:r>
+            <a:r>
+              <a:rPr lang="es-UY" dirty="0" smtClean="0"/>
+              <a:t>Solución, Diseño y algoritmos</a:t>
             </a:r>
             <a:endParaRPr lang="es-UY" dirty="0"/>
           </a:p>
@@ -6525,13 +7416,43 @@
         </p:nvSpPr>
         <p:spPr>
           <a:xfrm>
-            <a:off x="838200" y="1851383"/>
+            <a:off x="838200" y="1690688"/>
             <a:ext cx="10515600" cy="4351338"/>
           </a:xfrm>
         </p:spPr>
         <p:txBody>
-          <a:bodyPr/>
-          <a:lstStyle/>
+          <a:bodyPr>
+            <a:normAutofit fontScale="92500" lnSpcReduction="20000"/>
+          </a:bodyPr>
+          <a:lstStyle/>
+          <a:p>
+            <a:r>
+              <a:rPr lang="es-ES" dirty="0" smtClean="0"/>
+              <a:t>Los algoritmos utilizados son:</a:t>
+            </a:r>
+            <a:endParaRPr lang="es-UY" sz="2400" dirty="0" smtClean="0"/>
+          </a:p>
+          <a:p>
+            <a:pPr lvl="0"/>
+            <a:r>
+              <a:rPr lang="es-UY" dirty="0" smtClean="0"/>
+              <a:t>Asignación </a:t>
+            </a:r>
+          </a:p>
+          <a:p>
+            <a:pPr lvl="1"/>
+            <a:r>
+              <a:rPr lang="es-UY" dirty="0" smtClean="0"/>
+              <a:t> Asignación por Urgencia (no se considera la capacidad de los depósitos)</a:t>
+            </a:r>
+          </a:p>
+          <a:p>
+            <a:pPr lvl="1"/>
+            <a:r>
+              <a:rPr lang="es-UY" dirty="0" smtClean="0"/>
+              <a:t>Asignación por Urgencia (Fase 1, se considera la capacidad de los depósitos)</a:t>
+            </a:r>
+          </a:p>
           <a:p>
             <a:pPr lvl="0"/>
             <a:r>
@@ -6566,37 +7487,72 @@
             </a:r>
             <a:r>
               <a:rPr lang="es-UY" dirty="0" smtClean="0"/>
-              <a:t>)</a:t>
-            </a:r>
+              <a:t>). </a:t>
+            </a:r>
+          </a:p>
+          <a:p>
+            <a:pPr lvl="0"/>
+            <a:r>
+              <a:rPr lang="es-UY" dirty="0" smtClean="0"/>
+              <a:t>R</a:t>
+            </a:r>
+            <a:r>
+              <a:rPr lang="es-ES" dirty="0" err="1" smtClean="0"/>
+              <a:t>ute</a:t>
+            </a:r>
+            <a:r>
+              <a:rPr lang="es-UY" dirty="0" smtClean="0"/>
+              <a:t>o</a:t>
+            </a:r>
+          </a:p>
+          <a:p>
+            <a:pPr lvl="1"/>
+            <a:r>
+              <a:rPr lang="es-UY" dirty="0" smtClean="0"/>
+              <a:t>Clarke &amp; Wright.</a:t>
+            </a:r>
+          </a:p>
+          <a:p>
+            <a:pPr lvl="0"/>
+            <a:r>
+              <a:rPr lang="es-UY" dirty="0" smtClean="0"/>
+              <a:t>Post-optimización. </a:t>
+            </a:r>
+          </a:p>
+          <a:p>
+            <a:pPr lvl="1"/>
+            <a:r>
+              <a:rPr lang="es-UY" dirty="0" smtClean="0"/>
+              <a:t>λ-intercambio</a:t>
+            </a:r>
+          </a:p>
+          <a:p>
+            <a:pPr lvl="1"/>
+            <a:r>
+              <a:rPr lang="es-UY" dirty="0" smtClean="0"/>
+              <a:t>R-</a:t>
+            </a:r>
+            <a:r>
+              <a:rPr lang="es-UY" dirty="0" err="1" smtClean="0"/>
+              <a:t>iopt</a:t>
+            </a:r>
+            <a:endParaRPr lang="es-UY" dirty="0" smtClean="0"/>
+          </a:p>
+          <a:p>
+            <a:endParaRPr lang="es-UY" dirty="0" smtClean="0"/>
+          </a:p>
+          <a:p>
+            <a:endParaRPr lang="es-UY" dirty="0" smtClean="0"/>
+          </a:p>
+          <a:p>
             <a:endParaRPr lang="en-US" dirty="0" smtClean="0"/>
-          </a:p>
-          <a:p>
-            <a:r>
-              <a:rPr lang="en-US" dirty="0" smtClean="0"/>
-              <a:t>…</a:t>
-            </a:r>
-          </a:p>
-          <a:p>
-            <a:r>
-              <a:rPr lang="en-US" dirty="0" smtClean="0"/>
-              <a:t>…</a:t>
-            </a:r>
-          </a:p>
-          <a:p>
-            <a:r>
-              <a:rPr lang="en-US" dirty="0" smtClean="0"/>
-              <a:t>…</a:t>
-            </a:r>
-          </a:p>
-          <a:p>
-            <a:endParaRPr lang="es-UY" dirty="0"/>
           </a:p>
         </p:txBody>
       </p:sp>
     </p:spTree>
     <p:extLst>
       <p:ext uri="{BB962C8B-B14F-4D97-AF65-F5344CB8AC3E}">
-        <p14:creationId xmlns:p14="http://schemas.microsoft.com/office/powerpoint/2010/main" val="2766999817"/>
+        <p14:creationId xmlns:p14="http://schemas.microsoft.com/office/powerpoint/2010/main" val="3043282378"/>
       </p:ext>
     </p:extLst>
   </p:cSld>
@@ -6639,52 +7595,12 @@
           <a:lstStyle/>
           <a:p>
             <a:r>
-              <a:rPr lang="en-US" dirty="0" err="1" smtClean="0"/>
-              <a:t>MDVRP</a:t>
-            </a:r>
-            <a:r>
-              <a:rPr lang="en-US" dirty="0" smtClean="0"/>
-              <a:t>- </a:t>
-            </a:r>
-            <a:r>
-              <a:rPr lang="en-US" dirty="0" err="1" smtClean="0"/>
-              <a:t>Solucion</a:t>
-            </a:r>
-            <a:r>
-              <a:rPr lang="en-US" dirty="0" smtClean="0"/>
-              <a:t>, </a:t>
-            </a:r>
-            <a:r>
-              <a:rPr lang="en-US" dirty="0" err="1" smtClean="0"/>
-              <a:t>Disenios</a:t>
-            </a:r>
-            <a:r>
-              <a:rPr lang="en-US" dirty="0" smtClean="0"/>
-              <a:t> y </a:t>
-            </a:r>
-            <a:r>
-              <a:rPr lang="en-US" dirty="0" err="1" smtClean="0"/>
-              <a:t>algoritmos</a:t>
-            </a:r>
-            <a:r>
-              <a:rPr lang="en-US" dirty="0" smtClean="0"/>
-              <a:t> </a:t>
-            </a:r>
-            <a:r>
-              <a:rPr lang="en-US" dirty="0" err="1" smtClean="0"/>
-              <a:t>Ruteo</a:t>
-            </a:r>
-            <a:r>
-              <a:rPr lang="en-US" dirty="0" smtClean="0"/>
-              <a:t>  y </a:t>
-            </a:r>
-            <a:r>
-              <a:rPr lang="en-US" dirty="0" err="1" smtClean="0"/>
-              <a:t>Porstoptimizacion</a:t>
-            </a:r>
-            <a:r>
-              <a:rPr lang="en-US" dirty="0" smtClean="0"/>
-              <a:t>.</a:t>
+              <a:rPr lang="en-US" dirty="0" smtClean="0"/>
+              <a:t>MDVRP- </a:t>
+            </a:r>
+            <a:r>
+              <a:rPr lang="es-UY" dirty="0" smtClean="0"/>
+              <a:t>Solución, Diseños y algoritmos Asignación</a:t>
             </a:r>
             <a:endParaRPr lang="es-UY" dirty="0"/>
           </a:p>
@@ -6700,12 +7616,7 @@
             <p:ph idx="1"/>
           </p:nvPr>
         </p:nvSpPr>
-        <p:spPr>
-          <a:xfrm>
-            <a:off x="838200" y="1851383"/>
-            <a:ext cx="10515600" cy="4351338"/>
-          </a:xfrm>
-        </p:spPr>
+        <p:spPr/>
         <p:txBody>
           <a:bodyPr/>
           <a:lstStyle/>
@@ -6713,49 +7624,22 @@
             <a:pPr lvl="0"/>
             <a:r>
               <a:rPr lang="es-UY" dirty="0" smtClean="0"/>
-              <a:t>R</a:t>
-            </a:r>
-            <a:r>
-              <a:rPr lang="es-ES" dirty="0" err="1" smtClean="0"/>
-              <a:t>ute</a:t>
-            </a:r>
+              <a:t>Asignación </a:t>
+            </a:r>
+          </a:p>
+          <a:p>
+            <a:pPr lvl="1"/>
             <a:r>
               <a:rPr lang="es-UY" dirty="0" smtClean="0"/>
-              <a:t>o</a:t>
+              <a:t> Asignación por Urgencia (no se considera la capacidad de los depósitos)</a:t>
             </a:r>
           </a:p>
           <a:p>
             <a:pPr lvl="1"/>
             <a:r>
               <a:rPr lang="es-UY" dirty="0" smtClean="0"/>
-              <a:t>Clarke &amp; Wright.</a:t>
-            </a:r>
-          </a:p>
-          <a:p>
-            <a:pPr lvl="0"/>
-            <a:r>
-              <a:rPr lang="es-UY" dirty="0" smtClean="0"/>
-              <a:t>Post-optimización. </a:t>
-            </a:r>
-          </a:p>
-          <a:p>
-            <a:pPr lvl="1"/>
-            <a:r>
-              <a:rPr lang="es-UY" dirty="0" smtClean="0"/>
-              <a:t>λ-intercambio</a:t>
-            </a:r>
-          </a:p>
-          <a:p>
-            <a:pPr lvl="1"/>
-            <a:r>
-              <a:rPr lang="es-UY" dirty="0" smtClean="0"/>
-              <a:t>R-</a:t>
-            </a:r>
-            <a:r>
-              <a:rPr lang="es-UY" dirty="0" err="1" smtClean="0"/>
-              <a:t>iopt</a:t>
-            </a:r>
-            <a:endParaRPr lang="es-UY" dirty="0" smtClean="0"/>
+              <a:t>Asignación por Urgencia (Fase 1, se considera la capacidad de los depósitos)</a:t>
+            </a:r>
           </a:p>
           <a:p>
             <a:r>
@@ -6768,6 +7652,35 @@
               <a:rPr lang="en-US" dirty="0" smtClean="0"/>
               <a:t>…</a:t>
             </a:r>
+          </a:p>
+          <a:p>
+            <a:r>
+              <a:rPr lang="en-US" dirty="0" smtClean="0"/>
+              <a:t>…</a:t>
+            </a:r>
+          </a:p>
+          <a:p>
+            <a:r>
+              <a:rPr lang="en-US" dirty="0" smtClean="0"/>
+              <a:t>…</a:t>
+            </a:r>
+            <a:r>
+              <a:rPr lang="en-US" dirty="0" smtClean="0">
+                <a:solidFill>
+                  <a:schemeClr val="accent1">
+                    <a:lumMod val="50000"/>
+                  </a:schemeClr>
+                </a:solidFill>
+              </a:rPr>
+              <a:t>Javier</a:t>
+            </a:r>
+            <a:endParaRPr lang="en-US" dirty="0" smtClean="0">
+              <a:solidFill>
+                <a:schemeClr val="accent1">
+                  <a:lumMod val="50000"/>
+                </a:schemeClr>
+              </a:solidFill>
+            </a:endParaRPr>
           </a:p>
           <a:p>
             <a:endParaRPr lang="es-UY" dirty="0"/>
@@ -6777,7 +7690,7 @@
     </p:spTree>
     <p:extLst>
       <p:ext uri="{BB962C8B-B14F-4D97-AF65-F5344CB8AC3E}">
-        <p14:creationId xmlns:p14="http://schemas.microsoft.com/office/powerpoint/2010/main" val="343589520"/>
+        <p14:creationId xmlns:p14="http://schemas.microsoft.com/office/powerpoint/2010/main" val="1073848894"/>
       </p:ext>
     </p:extLst>
   </p:cSld>
@@ -6837,18 +7750,15 @@
             </a:r>
             <a:r>
               <a:rPr lang="en-US" dirty="0" err="1" smtClean="0"/>
-              <a:t>implementacion</a:t>
-            </a:r>
-            <a:r>
-              <a:rPr lang="en-US" dirty="0" smtClean="0"/>
-              <a:t>.</a:t>
-            </a:r>
-            <a:br>
-              <a:rPr lang="en-US" dirty="0" smtClean="0"/>
-            </a:br>
-            <a:r>
-              <a:rPr lang="en-US" dirty="0" err="1" smtClean="0"/>
-              <a:t>Caracteristicas</a:t>
+              <a:t>Disenios</a:t>
+            </a:r>
+            <a:r>
+              <a:rPr lang="en-US" dirty="0" smtClean="0"/>
+              <a:t> y </a:t>
+            </a:r>
+            <a:r>
+              <a:rPr lang="en-US" dirty="0" err="1" smtClean="0"/>
+              <a:t>algoritmos</a:t>
             </a:r>
             <a:r>
               <a:rPr lang="en-US" dirty="0" smtClean="0"/>
@@ -6856,11 +7766,15 @@
             </a:r>
             <a:r>
               <a:rPr lang="en-US" dirty="0" err="1" smtClean="0"/>
-              <a:t>Generales</a:t>
-            </a:r>
-            <a:r>
-              <a:rPr lang="en-US" dirty="0" smtClean="0"/>
-              <a:t>.</a:t>
+              <a:t>Mejora</a:t>
+            </a:r>
+            <a:r>
+              <a:rPr lang="en-US" dirty="0" smtClean="0"/>
+              <a:t> de </a:t>
+            </a:r>
+            <a:r>
+              <a:rPr lang="en-US" dirty="0" err="1" smtClean="0"/>
+              <a:t>Asignacion</a:t>
             </a:r>
             <a:endParaRPr lang="es-UY" dirty="0"/>
           </a:p>
@@ -6876,113 +7790,89 @@
             <p:ph idx="1"/>
           </p:nvPr>
         </p:nvSpPr>
-        <p:spPr/>
-        <p:txBody>
-          <a:bodyPr>
-            <a:normAutofit fontScale="92500" lnSpcReduction="20000"/>
-          </a:bodyPr>
-          <a:lstStyle/>
-          <a:p>
-            <a:pPr marL="0" indent="0">
-              <a:buNone/>
-            </a:pPr>
-            <a:r>
-              <a:rPr lang="es-ES" dirty="0"/>
-              <a:t> </a:t>
-            </a:r>
-            <a:endParaRPr lang="es-UY" dirty="0"/>
-          </a:p>
-          <a:p>
-            <a:r>
-              <a:rPr lang="es-ES" dirty="0"/>
-              <a:t>Para la implementación de la aplicación descrita en la sección anterior se eligió el lenguaje de programación Java </a:t>
-            </a:r>
-            <a:r>
-              <a:rPr lang="es-ES" dirty="0" smtClean="0"/>
-              <a:t>con swing y </a:t>
-            </a:r>
-            <a:r>
-              <a:rPr lang="es-ES" dirty="0" err="1" smtClean="0"/>
-              <a:t>awt</a:t>
-            </a:r>
-            <a:r>
-              <a:rPr lang="es-ES" dirty="0" smtClean="0"/>
-              <a:t>. La </a:t>
-            </a:r>
-            <a:r>
-              <a:rPr lang="es-ES" dirty="0"/>
-              <a:t>versión utilizada fue 1.8.0_45 con el entorno de desarrollo Eclipse Luna. La solución implementada consiste en una aplicación de escritorio donde se permite la ejecución de los distintos algoritmos y visualización en pantalla del resultado</a:t>
-            </a:r>
-            <a:r>
-              <a:rPr lang="es-ES" dirty="0" smtClean="0"/>
-              <a:t>.</a:t>
-            </a:r>
-            <a:endParaRPr lang="es-UY" dirty="0"/>
-          </a:p>
-          <a:p>
-            <a:r>
-              <a:rPr lang="es-ES" dirty="0" smtClean="0"/>
-              <a:t>Los </a:t>
-            </a:r>
-            <a:r>
-              <a:rPr lang="es-ES" dirty="0"/>
-              <a:t>archivos de datos de entrada respetaron los formatos de entrada de  </a:t>
-            </a:r>
-            <a:r>
-              <a:rPr lang="es-ES" dirty="0" err="1"/>
-              <a:t>TSPLib</a:t>
-            </a:r>
-            <a:r>
-              <a:rPr lang="es-ES" dirty="0"/>
-              <a:t> cumpliendo sus estándares. Dichos formatos se encuentran detallados en la documentación de la </a:t>
-            </a:r>
-            <a:r>
-              <a:rPr lang="es-ES" dirty="0" smtClean="0"/>
-              <a:t>librería. </a:t>
-            </a:r>
-            <a:endParaRPr lang="es-UY" dirty="0"/>
-          </a:p>
-          <a:p>
-            <a:r>
-              <a:rPr lang="en-US" dirty="0"/>
-              <a:t>L</a:t>
-            </a:r>
-            <a:r>
-              <a:rPr lang="es-ES" dirty="0" smtClean="0"/>
-              <a:t>as </a:t>
-            </a:r>
-            <a:r>
-              <a:rPr lang="es-ES" dirty="0"/>
-              <a:t>funcionalidades </a:t>
-            </a:r>
-            <a:r>
-              <a:rPr lang="es-ES" dirty="0" smtClean="0"/>
-              <a:t>y documentación de cada componente se </a:t>
-            </a:r>
-            <a:r>
-              <a:rPr lang="es-ES" dirty="0"/>
-              <a:t>encuentran documentadas en los </a:t>
-            </a:r>
-            <a:r>
-              <a:rPr lang="es-ES" dirty="0" err="1"/>
-              <a:t>javadocs</a:t>
-            </a:r>
-            <a:r>
-              <a:rPr lang="es-ES" dirty="0"/>
-              <a:t> de la </a:t>
-            </a:r>
-            <a:r>
-              <a:rPr lang="es-ES" dirty="0" smtClean="0"/>
-              <a:t>aplicación </a:t>
-            </a:r>
-            <a:r>
-              <a:rPr lang="es-ES" dirty="0" err="1" smtClean="0"/>
-              <a:t>asi</a:t>
-            </a:r>
-            <a:r>
-              <a:rPr lang="es-ES" dirty="0" smtClean="0"/>
-              <a:t> como en el documento final.</a:t>
-            </a:r>
+        <p:spPr>
+          <a:xfrm>
+            <a:off x="838200" y="1851383"/>
+            <a:ext cx="10515600" cy="4351338"/>
+          </a:xfrm>
+        </p:spPr>
+        <p:txBody>
+          <a:bodyPr/>
+          <a:lstStyle/>
+          <a:p>
+            <a:pPr lvl="0"/>
+            <a:r>
+              <a:rPr lang="es-UY" dirty="0" smtClean="0"/>
+              <a:t>Mejora de la asignación (Fase 2)</a:t>
+            </a:r>
+          </a:p>
+          <a:p>
+            <a:pPr lvl="1"/>
+            <a:r>
+              <a:rPr lang="es-UY" dirty="0" smtClean="0"/>
+              <a:t>Algoritmo Enajenado Rápido (</a:t>
+            </a:r>
+            <a:r>
+              <a:rPr lang="es-UY" dirty="0" err="1" smtClean="0"/>
+              <a:t>AER</a:t>
+            </a:r>
+            <a:r>
+              <a:rPr lang="es-UY" dirty="0" smtClean="0"/>
+              <a:t>)</a:t>
+            </a:r>
+          </a:p>
+          <a:p>
+            <a:pPr lvl="1"/>
+            <a:r>
+              <a:rPr lang="es-UY" dirty="0" smtClean="0"/>
+              <a:t>Algoritmo Enajenado Lento (</a:t>
+            </a:r>
+            <a:r>
+              <a:rPr lang="es-UY" dirty="0" err="1" smtClean="0"/>
+              <a:t>AEL</a:t>
+            </a:r>
+            <a:r>
+              <a:rPr lang="es-UY" dirty="0" smtClean="0"/>
+              <a:t>)</a:t>
+            </a:r>
+            <a:endParaRPr lang="en-US" dirty="0" smtClean="0"/>
+          </a:p>
+          <a:p>
+            <a:r>
+              <a:rPr lang="en-US" dirty="0" smtClean="0"/>
+              <a:t>…</a:t>
+            </a:r>
+          </a:p>
+          <a:p>
+            <a:r>
+              <a:rPr lang="en-US" dirty="0" smtClean="0"/>
+              <a:t>…</a:t>
+            </a:r>
+          </a:p>
+          <a:p>
+            <a:r>
+              <a:rPr lang="en-US" dirty="0" smtClean="0"/>
+              <a:t>…</a:t>
+            </a:r>
+            <a:r>
+              <a:rPr lang="en-US" dirty="0" smtClean="0">
+                <a:solidFill>
+                  <a:schemeClr val="accent1">
+                    <a:lumMod val="50000"/>
+                  </a:schemeClr>
+                </a:solidFill>
+              </a:rPr>
+              <a:t>Ale</a:t>
+            </a:r>
+            <a:endParaRPr lang="en-US" dirty="0" smtClean="0">
+              <a:solidFill>
+                <a:schemeClr val="accent1">
+                  <a:lumMod val="50000"/>
+                </a:schemeClr>
+              </a:solidFill>
+            </a:endParaRPr>
+          </a:p>
+          <a:p>
             <a:endParaRPr lang="es-UY" dirty="0"/>
           </a:p>
         </p:txBody>
@@ -6990,7 +7880,7 @@
     </p:spTree>
     <p:extLst>
       <p:ext uri="{BB962C8B-B14F-4D97-AF65-F5344CB8AC3E}">
-        <p14:creationId xmlns:p14="http://schemas.microsoft.com/office/powerpoint/2010/main" val="65839140"/>
+        <p14:creationId xmlns:p14="http://schemas.microsoft.com/office/powerpoint/2010/main" val="2766999817"/>
       </p:ext>
     </p:extLst>
   </p:cSld>
@@ -7255,7 +8145,7 @@
   <a:extraClrSchemeLst/>
   <a:extLst>
     <a:ext uri="{05A4C25C-085E-4340-85A3-A5531E510DB2}">
-      <thm15:themeFamily xmlns:thm15="http://schemas.microsoft.com/office/thememl/2012/main" name="Office Theme" id="{62F939B6-93AF-4DB8-9C6B-D6C7DFDC589F}" vid="{4A3C46E8-61CC-4603-A589-7422A47A8E4A}"/>
+      <thm15:themeFamily xmlns:thm15="http://schemas.microsoft.com/office/thememl/2012/main" xmlns="" name="Office Theme" id="{62F939B6-93AF-4DB8-9C6B-D6C7DFDC589F}" vid="{4A3C46E8-61CC-4603-A589-7422A47A8E4A}"/>
     </a:ext>
   </a:extLst>
 </a:theme>

--- a/Version/Documentación/MDVRP.pptx
+++ b/Version/Documentación/MDVRP.pptx
@@ -12,7 +12,7 @@
     <p:sldId id="259" r:id="rId6"/>
     <p:sldId id="258" r:id="rId7"/>
     <p:sldId id="260" r:id="rId8"/>
-    <p:sldId id="262" r:id="rId9"/>
+    <p:sldId id="277" r:id="rId9"/>
     <p:sldId id="263" r:id="rId10"/>
     <p:sldId id="274" r:id="rId11"/>
     <p:sldId id="264" r:id="rId12"/>
@@ -258,7 +258,7 @@
           <a:p>
             <a:fld id="{12CBEF13-57F1-471C-ABF2-505306D08CB7}" type="datetimeFigureOut">
               <a:rPr lang="es-UY" smtClean="0"/>
-              <a:t>8/12/2015</a:t>
+              <a:t>9/12/2015</a:t>
             </a:fld>
             <a:endParaRPr lang="es-UY"/>
           </a:p>
@@ -428,7 +428,7 @@
           <a:p>
             <a:fld id="{12CBEF13-57F1-471C-ABF2-505306D08CB7}" type="datetimeFigureOut">
               <a:rPr lang="es-UY" smtClean="0"/>
-              <a:t>8/12/2015</a:t>
+              <a:t>9/12/2015</a:t>
             </a:fld>
             <a:endParaRPr lang="es-UY"/>
           </a:p>
@@ -608,7 +608,7 @@
           <a:p>
             <a:fld id="{12CBEF13-57F1-471C-ABF2-505306D08CB7}" type="datetimeFigureOut">
               <a:rPr lang="es-UY" smtClean="0"/>
-              <a:t>8/12/2015</a:t>
+              <a:t>9/12/2015</a:t>
             </a:fld>
             <a:endParaRPr lang="es-UY"/>
           </a:p>
@@ -778,7 +778,7 @@
           <a:p>
             <a:fld id="{12CBEF13-57F1-471C-ABF2-505306D08CB7}" type="datetimeFigureOut">
               <a:rPr lang="es-UY" smtClean="0"/>
-              <a:t>8/12/2015</a:t>
+              <a:t>9/12/2015</a:t>
             </a:fld>
             <a:endParaRPr lang="es-UY"/>
           </a:p>
@@ -1024,7 +1024,7 @@
           <a:p>
             <a:fld id="{12CBEF13-57F1-471C-ABF2-505306D08CB7}" type="datetimeFigureOut">
               <a:rPr lang="es-UY" smtClean="0"/>
-              <a:t>8/12/2015</a:t>
+              <a:t>9/12/2015</a:t>
             </a:fld>
             <a:endParaRPr lang="es-UY"/>
           </a:p>
@@ -1256,7 +1256,7 @@
           <a:p>
             <a:fld id="{12CBEF13-57F1-471C-ABF2-505306D08CB7}" type="datetimeFigureOut">
               <a:rPr lang="es-UY" smtClean="0"/>
-              <a:t>8/12/2015</a:t>
+              <a:t>9/12/2015</a:t>
             </a:fld>
             <a:endParaRPr lang="es-UY"/>
           </a:p>
@@ -1623,7 +1623,7 @@
           <a:p>
             <a:fld id="{12CBEF13-57F1-471C-ABF2-505306D08CB7}" type="datetimeFigureOut">
               <a:rPr lang="es-UY" smtClean="0"/>
-              <a:t>8/12/2015</a:t>
+              <a:t>9/12/2015</a:t>
             </a:fld>
             <a:endParaRPr lang="es-UY"/>
           </a:p>
@@ -1741,7 +1741,7 @@
           <a:p>
             <a:fld id="{12CBEF13-57F1-471C-ABF2-505306D08CB7}" type="datetimeFigureOut">
               <a:rPr lang="es-UY" smtClean="0"/>
-              <a:t>8/12/2015</a:t>
+              <a:t>9/12/2015</a:t>
             </a:fld>
             <a:endParaRPr lang="es-UY"/>
           </a:p>
@@ -1836,7 +1836,7 @@
           <a:p>
             <a:fld id="{12CBEF13-57F1-471C-ABF2-505306D08CB7}" type="datetimeFigureOut">
               <a:rPr lang="es-UY" smtClean="0"/>
-              <a:t>8/12/2015</a:t>
+              <a:t>9/12/2015</a:t>
             </a:fld>
             <a:endParaRPr lang="es-UY"/>
           </a:p>
@@ -2113,7 +2113,7 @@
           <a:p>
             <a:fld id="{12CBEF13-57F1-471C-ABF2-505306D08CB7}" type="datetimeFigureOut">
               <a:rPr lang="es-UY" smtClean="0"/>
-              <a:t>8/12/2015</a:t>
+              <a:t>9/12/2015</a:t>
             </a:fld>
             <a:endParaRPr lang="es-UY"/>
           </a:p>
@@ -2366,7 +2366,7 @@
           <a:p>
             <a:fld id="{12CBEF13-57F1-471C-ABF2-505306D08CB7}" type="datetimeFigureOut">
               <a:rPr lang="es-UY" smtClean="0"/>
-              <a:t>8/12/2015</a:t>
+              <a:t>9/12/2015</a:t>
             </a:fld>
             <a:endParaRPr lang="es-UY"/>
           </a:p>
@@ -2579,7 +2579,7 @@
           <a:p>
             <a:fld id="{12CBEF13-57F1-471C-ABF2-505306D08CB7}" type="datetimeFigureOut">
               <a:rPr lang="es-UY" smtClean="0"/>
-              <a:t>8/12/2015</a:t>
+              <a:t>9/12/2015</a:t>
             </a:fld>
             <a:endParaRPr lang="es-UY"/>
           </a:p>
@@ -3207,13 +3207,6 @@
               </a:rPr>
               <a:t>Ale</a:t>
             </a:r>
-            <a:endParaRPr lang="en-US" dirty="0" smtClean="0">
-              <a:solidFill>
-                <a:schemeClr val="accent1">
-                  <a:lumMod val="50000"/>
-                </a:schemeClr>
-              </a:solidFill>
-            </a:endParaRPr>
           </a:p>
           <a:p>
             <a:endParaRPr lang="es-UY" dirty="0"/>
@@ -3499,11 +3492,7 @@
             <a:pPr lvl="0"/>
             <a:r>
               <a:rPr lang="es-UY" dirty="0" smtClean="0"/>
-              <a:t>Post-optimización</a:t>
-            </a:r>
-            <a:r>
-              <a:rPr lang="es-UY" dirty="0" smtClean="0"/>
-              <a:t>. </a:t>
+              <a:t>Post-optimización. </a:t>
             </a:r>
           </a:p>
           <a:p>
@@ -3717,11 +3706,7 @@
             </a:r>
             <a:r>
               <a:rPr lang="es-ES" dirty="0" smtClean="0"/>
-              <a:t>y documentación de cada componente se </a:t>
-            </a:r>
-            <a:r>
-              <a:rPr lang="es-ES" dirty="0" smtClean="0"/>
-              <a:t>encuentra documentada </a:t>
+              <a:t>y documentación de cada componente se encuentra documentada </a:t>
             </a:r>
             <a:r>
               <a:rPr lang="es-ES" dirty="0"/>
@@ -3737,15 +3722,7 @@
             </a:r>
             <a:r>
               <a:rPr lang="es-ES" dirty="0" smtClean="0"/>
-              <a:t>aplicación </a:t>
-            </a:r>
-            <a:r>
-              <a:rPr lang="es-ES" dirty="0" smtClean="0"/>
-              <a:t>así </a:t>
-            </a:r>
-            <a:r>
-              <a:rPr lang="es-ES" dirty="0" smtClean="0"/>
-              <a:t>como en el documento final.</a:t>
+              <a:t>aplicación así como en el documento final.</a:t>
             </a:r>
             <a:endParaRPr lang="es-UY" dirty="0"/>
           </a:p>
@@ -6329,13 +6306,6 @@
               </a:rPr>
               <a:t>Ale</a:t>
             </a:r>
-            <a:endParaRPr lang="en-US" sz="2800" dirty="0" smtClean="0">
-              <a:solidFill>
-                <a:schemeClr val="accent1">
-                  <a:lumMod val="50000"/>
-                </a:schemeClr>
-              </a:solidFill>
-            </a:endParaRPr>
           </a:p>
         </p:txBody>
       </p:sp>
@@ -7026,13 +6996,6 @@
               </a:rPr>
               <a:t>Fran</a:t>
             </a:r>
-            <a:endParaRPr lang="en-US" dirty="0" smtClean="0">
-              <a:solidFill>
-                <a:schemeClr val="accent1">
-                  <a:lumMod val="50000"/>
-                </a:schemeClr>
-              </a:solidFill>
-            </a:endParaRPr>
           </a:p>
         </p:txBody>
       </p:sp>
@@ -7104,11 +7067,7 @@
             </a:r>
             <a:r>
               <a:rPr lang="en-US" dirty="0" smtClean="0"/>
-              <a:t> </a:t>
-            </a:r>
-            <a:r>
-              <a:rPr lang="en-US" dirty="0" smtClean="0"/>
-              <a:t>del </a:t>
+              <a:t> del </a:t>
             </a:r>
             <a:r>
               <a:rPr lang="es-UY" dirty="0" smtClean="0"/>
@@ -7183,27 +7142,7 @@
           <a:p>
             <a:r>
               <a:rPr lang="es-ES" dirty="0" smtClean="0"/>
-              <a:t>En </a:t>
-            </a:r>
-            <a:r>
-              <a:rPr lang="es-ES" dirty="0" smtClean="0"/>
-              <a:t>estas 4 etapas se puede </a:t>
-            </a:r>
-            <a:r>
-              <a:rPr lang="es-ES" dirty="0" smtClean="0"/>
-              <a:t>realimentar </a:t>
-            </a:r>
-            <a:r>
-              <a:rPr lang="es-ES" dirty="0" smtClean="0"/>
-              <a:t>a una etapa anterior o </a:t>
-            </a:r>
-            <a:r>
-              <a:rPr lang="es-ES" dirty="0" smtClean="0"/>
-              <a:t>usar </a:t>
-            </a:r>
-            <a:r>
-              <a:rPr lang="es-ES" dirty="0" smtClean="0"/>
-              <a:t>información para mejorar. (explicar con ejemplos … </a:t>
+              <a:t>En estas 4 etapas se puede realimentar a una etapa anterior o usar información para mejorar. (explicar con ejemplos … </a:t>
             </a:r>
             <a:r>
               <a:rPr lang="es-ES" dirty="0" err="1" smtClean="0"/>
@@ -7290,11 +7229,7 @@
             </a:r>
             <a:r>
               <a:rPr lang="en-US" dirty="0" smtClean="0"/>
-              <a:t> </a:t>
-            </a:r>
-            <a:r>
-              <a:rPr lang="en-US" dirty="0" smtClean="0"/>
-              <a:t>… </a:t>
+              <a:t> … </a:t>
             </a:r>
             <a:r>
               <a:rPr lang="en-US" dirty="0" smtClean="0">
@@ -7306,13 +7241,6 @@
               </a:rPr>
               <a:t>Fran</a:t>
             </a:r>
-            <a:endParaRPr lang="en-US" dirty="0" smtClean="0">
-              <a:solidFill>
-                <a:schemeClr val="accent1">
-                  <a:lumMod val="50000"/>
-                </a:schemeClr>
-              </a:solidFill>
-            </a:endParaRPr>
           </a:p>
           <a:p>
             <a:pPr marL="0" indent="0">
@@ -7422,7 +7350,7 @@
         </p:spPr>
         <p:txBody>
           <a:bodyPr>
-            <a:normAutofit fontScale="92500" lnSpcReduction="20000"/>
+            <a:normAutofit fontScale="92500" lnSpcReduction="10000"/>
           </a:bodyPr>
           <a:lstStyle/>
           <a:p>
@@ -7443,14 +7371,23 @@
             <a:pPr lvl="1"/>
             <a:r>
               <a:rPr lang="es-UY" dirty="0" smtClean="0"/>
-              <a:t> Asignación por Urgencia (no se considera la capacidad de los depósitos)</a:t>
-            </a:r>
-          </a:p>
-          <a:p>
-            <a:pPr lvl="1"/>
+              <a:t>Asignación </a:t>
+            </a:r>
             <a:r>
               <a:rPr lang="es-UY" dirty="0" smtClean="0"/>
-              <a:t>Asignación por Urgencia (Fase 1, se considera la capacidad de los depósitos)</a:t>
+              <a:t>por </a:t>
+            </a:r>
+            <a:r>
+              <a:rPr lang="es-UY" dirty="0" smtClean="0"/>
+              <a:t>Urgencia (</a:t>
+            </a:r>
+            <a:r>
+              <a:rPr lang="es-UY" sz="2800" dirty="0"/>
+              <a:t>F</a:t>
+            </a:r>
+            <a:r>
+              <a:rPr lang="es-UY" sz="2800" dirty="0"/>
+              <a:t>ase 1)</a:t>
             </a:r>
           </a:p>
           <a:p>
@@ -7589,7 +7526,12 @@
             <p:ph type="title"/>
           </p:nvPr>
         </p:nvSpPr>
-        <p:spPr/>
+        <p:spPr>
+          <a:xfrm>
+            <a:off x="838200" y="365125"/>
+            <a:ext cx="10515600" cy="871247"/>
+          </a:xfrm>
+        </p:spPr>
         <p:txBody>
           <a:bodyPr/>
           <a:lstStyle/>
@@ -7600,97 +7542,482 @@
             </a:r>
             <a:r>
               <a:rPr lang="es-UY" dirty="0" smtClean="0"/>
-              <a:t>Solución, Diseños y algoritmos Asignación</a:t>
+              <a:t>Solución, Diseños y </a:t>
+            </a:r>
+            <a:r>
+              <a:rPr lang="es-UY" dirty="0" smtClean="0"/>
+              <a:t>algoritmos</a:t>
             </a:r>
             <a:endParaRPr lang="es-UY" dirty="0"/>
           </a:p>
         </p:txBody>
       </p:sp>
-      <p:sp>
-        <p:nvSpPr>
-          <p:cNvPr id="3" name="Content Placeholder 2"/>
-          <p:cNvSpPr>
-            <a:spLocks noGrp="1"/>
-          </p:cNvSpPr>
-          <p:nvPr>
-            <p:ph idx="1"/>
-          </p:nvPr>
-        </p:nvSpPr>
-        <p:spPr/>
-        <p:txBody>
-          <a:bodyPr/>
-          <a:lstStyle/>
-          <a:p>
-            <a:pPr lvl="0"/>
-            <a:r>
-              <a:rPr lang="es-UY" dirty="0" smtClean="0"/>
-              <a:t>Asignación </a:t>
-            </a:r>
-          </a:p>
-          <a:p>
-            <a:pPr lvl="1"/>
-            <a:r>
-              <a:rPr lang="es-UY" dirty="0" smtClean="0"/>
-              <a:t> Asignación por Urgencia (no se considera la capacidad de los depósitos)</a:t>
-            </a:r>
-          </a:p>
-          <a:p>
-            <a:pPr lvl="1"/>
-            <a:r>
-              <a:rPr lang="es-UY" dirty="0" smtClean="0"/>
-              <a:t>Asignación por Urgencia (Fase 1, se considera la capacidad de los depósitos)</a:t>
-            </a:r>
-          </a:p>
-          <a:p>
-            <a:r>
-              <a:rPr lang="en-US" dirty="0" smtClean="0"/>
-              <a:t>…</a:t>
-            </a:r>
-          </a:p>
-          <a:p>
-            <a:r>
-              <a:rPr lang="en-US" dirty="0" smtClean="0"/>
-              <a:t>…</a:t>
-            </a:r>
-          </a:p>
-          <a:p>
-            <a:r>
-              <a:rPr lang="en-US" dirty="0" smtClean="0"/>
-              <a:t>…</a:t>
-            </a:r>
-          </a:p>
-          <a:p>
-            <a:r>
-              <a:rPr lang="en-US" dirty="0" smtClean="0"/>
-              <a:t>…</a:t>
-            </a:r>
-            <a:r>
-              <a:rPr lang="en-US" dirty="0" smtClean="0">
-                <a:solidFill>
-                  <a:schemeClr val="accent1">
-                    <a:lumMod val="50000"/>
-                  </a:schemeClr>
-                </a:solidFill>
-              </a:rPr>
-              <a:t>Javier</a:t>
-            </a:r>
-            <a:endParaRPr lang="en-US" dirty="0" smtClean="0">
-              <a:solidFill>
-                <a:schemeClr val="accent1">
-                  <a:lumMod val="50000"/>
-                </a:schemeClr>
-              </a:solidFill>
-            </a:endParaRPr>
-          </a:p>
-          <a:p>
-            <a:endParaRPr lang="es-UY" dirty="0"/>
-          </a:p>
-        </p:txBody>
-      </p:sp>
+      <mc:AlternateContent xmlns:mc="http://schemas.openxmlformats.org/markup-compatibility/2006">
+        <mc:Choice xmlns:a14="http://schemas.microsoft.com/office/drawing/2010/main" Requires="a14">
+          <p:sp>
+            <p:nvSpPr>
+              <p:cNvPr id="3" name="Content Placeholder 2"/>
+              <p:cNvSpPr>
+                <a:spLocks noGrp="1"/>
+              </p:cNvSpPr>
+              <p:nvPr>
+                <p:ph idx="1"/>
+              </p:nvPr>
+            </p:nvSpPr>
+            <p:spPr>
+              <a:xfrm>
+                <a:off x="838200" y="1365161"/>
+                <a:ext cx="10515600" cy="4811802"/>
+              </a:xfrm>
+            </p:spPr>
+            <p:txBody>
+              <a:bodyPr>
+                <a:normAutofit/>
+              </a:bodyPr>
+              <a:lstStyle/>
+              <a:p>
+                <a:pPr lvl="0"/>
+                <a:r>
+                  <a:rPr lang="es-UY" dirty="0" smtClean="0"/>
+                  <a:t>Asignación </a:t>
+                </a:r>
+              </a:p>
+              <a:p>
+                <a:pPr lvl="1"/>
+                <a:r>
+                  <a:rPr lang="es-UY" dirty="0" smtClean="0"/>
+                  <a:t> Asignación por Urgencia </a:t>
+                </a:r>
+                <a:endParaRPr lang="es-UY" dirty="0" smtClean="0"/>
+              </a:p>
+              <a:p>
+                <a:pPr marL="457200" lvl="1" indent="0">
+                  <a:buNone/>
+                </a:pPr>
+                <a14:m>
+                  <m:oMathPara xmlns:m="http://schemas.openxmlformats.org/officeDocument/2006/math">
+                    <m:oMathParaPr>
+                      <m:jc m:val="centerGroup"/>
+                    </m:oMathParaPr>
+                    <m:oMath xmlns:m="http://schemas.openxmlformats.org/officeDocument/2006/math">
+                      <m:sSub>
+                        <m:sSubPr>
+                          <m:ctrlPr>
+                            <a:rPr lang="es-UY" i="1"/>
+                          </m:ctrlPr>
+                        </m:sSubPr>
+                        <m:e>
+                          <m:r>
+                            <a:rPr lang="es-UY" i="1"/>
+                            <m:t>𝜇</m:t>
+                          </m:r>
+                        </m:e>
+                        <m:sub>
+                          <m:r>
+                            <a:rPr lang="es-UY" i="1"/>
+                            <m:t>𝑐</m:t>
+                          </m:r>
+                        </m:sub>
+                      </m:sSub>
+                      <m:r>
+                        <a:rPr lang="es-UY" i="1"/>
+                        <m:t>=</m:t>
+                      </m:r>
+                      <m:d>
+                        <m:dPr>
+                          <m:ctrlPr>
+                            <a:rPr lang="es-UY" i="1"/>
+                          </m:ctrlPr>
+                        </m:dPr>
+                        <m:e>
+                          <m:nary>
+                            <m:naryPr>
+                              <m:chr m:val="∑"/>
+                              <m:limLoc m:val="undOvr"/>
+                              <m:supHide m:val="on"/>
+                              <m:ctrlPr>
+                                <a:rPr lang="es-UY" i="1"/>
+                              </m:ctrlPr>
+                            </m:naryPr>
+                            <m:sub>
+                              <m:r>
+                                <a:rPr lang="es-UY" i="1"/>
+                                <m:t>𝑑𝑒𝑝</m:t>
+                              </m:r>
+                              <m:r>
+                                <a:rPr lang="es-UY" i="1"/>
+                                <m:t> </m:t>
+                              </m:r>
+                              <m:r>
+                                <a:rPr lang="es-UY" i="1"/>
+                                <m:t>𝜖</m:t>
+                              </m:r>
+                              <m:r>
+                                <a:rPr lang="es-UY" i="1"/>
+                                <m:t> </m:t>
+                              </m:r>
+                              <m:r>
+                                <a:rPr lang="es-UY" i="1"/>
+                                <m:t>𝐷</m:t>
+                              </m:r>
+                            </m:sub>
+                            <m:sup/>
+                            <m:e>
+                              <m:r>
+                                <a:rPr lang="es-UY" i="1"/>
+                                <m:t>𝑑</m:t>
+                              </m:r>
+                              <m:d>
+                                <m:dPr>
+                                  <m:ctrlPr>
+                                    <a:rPr lang="es-UY" i="1"/>
+                                  </m:ctrlPr>
+                                </m:dPr>
+                                <m:e>
+                                  <m:r>
+                                    <a:rPr lang="es-UY" i="1"/>
+                                    <m:t>𝑐</m:t>
+                                  </m:r>
+                                  <m:r>
+                                    <a:rPr lang="es-UY" i="1"/>
+                                    <m:t>,</m:t>
+                                  </m:r>
+                                  <m:r>
+                                    <a:rPr lang="es-UY" i="1"/>
+                                    <m:t>𝑑𝑒𝑝</m:t>
+                                  </m:r>
+                                </m:e>
+                              </m:d>
+                            </m:e>
+                          </m:nary>
+                        </m:e>
+                      </m:d>
+                      <m:r>
+                        <a:rPr lang="es-UY" i="1"/>
+                        <m:t>− </m:t>
+                      </m:r>
+                      <m:r>
+                        <a:rPr lang="es-UY" i="1"/>
+                        <m:t>𝑑</m:t>
+                      </m:r>
+                      <m:d>
+                        <m:dPr>
+                          <m:ctrlPr>
+                            <a:rPr lang="es-UY" i="1"/>
+                          </m:ctrlPr>
+                        </m:dPr>
+                        <m:e>
+                          <m:r>
+                            <a:rPr lang="es-UY" i="1"/>
+                            <m:t>𝑐</m:t>
+                          </m:r>
+                          <m:r>
+                            <a:rPr lang="es-UY" i="1"/>
+                            <m:t>, </m:t>
+                          </m:r>
+                          <m:r>
+                            <a:rPr lang="es-UY" i="1"/>
+                            <m:t>𝑑𝑒𝑝</m:t>
+                          </m:r>
+                          <m:r>
+                            <a:rPr lang="es-UY" i="1"/>
+                            <m:t>′</m:t>
+                          </m:r>
+                        </m:e>
+                      </m:d>
+                    </m:oMath>
+                  </m:oMathPara>
+                </a14:m>
+                <a:endParaRPr lang="es-UY" dirty="0"/>
+              </a:p>
+              <a:p>
+                <a:pPr marL="457200" lvl="1" indent="0">
+                  <a:buNone/>
+                </a:pPr>
+                <a:r>
+                  <a:rPr lang="es-UY" sz="2000" dirty="0"/>
+                  <a:t>Donde </a:t>
+                </a:r>
+                <a14:m>
+                  <m:oMath xmlns:m="http://schemas.openxmlformats.org/officeDocument/2006/math">
+                    <m:r>
+                      <a:rPr lang="es-UY" sz="2000" i="1"/>
+                      <m:t>𝑑</m:t>
+                    </m:r>
+                    <m:d>
+                      <m:dPr>
+                        <m:ctrlPr>
+                          <a:rPr lang="es-UY" sz="2000" i="1"/>
+                        </m:ctrlPr>
+                      </m:dPr>
+                      <m:e>
+                        <m:r>
+                          <a:rPr lang="es-UY" sz="2000" i="1"/>
+                          <m:t>𝑐</m:t>
+                        </m:r>
+                        <m:r>
+                          <a:rPr lang="es-UY" sz="2000" i="1"/>
+                          <m:t>,</m:t>
+                        </m:r>
+                        <m:r>
+                          <a:rPr lang="es-UY" sz="2000" i="1"/>
+                          <m:t>𝑑𝑒𝑝</m:t>
+                        </m:r>
+                      </m:e>
+                    </m:d>
+                  </m:oMath>
+                </a14:m>
+                <a:r>
+                  <a:rPr lang="es-UY" sz="2000" dirty="0"/>
+                  <a:t> es la distancia entre el cliente </a:t>
+                </a:r>
+                <a14:m>
+                  <m:oMath xmlns:m="http://schemas.openxmlformats.org/officeDocument/2006/math">
+                    <m:r>
+                      <a:rPr lang="es-UY" sz="2000" i="1"/>
+                      <m:t>𝑐</m:t>
+                    </m:r>
+                  </m:oMath>
+                </a14:m>
+                <a:r>
+                  <a:rPr lang="es-UY" sz="2000" dirty="0"/>
+                  <a:t> y el depósito </a:t>
+                </a:r>
+                <a14:m>
+                  <m:oMath xmlns:m="http://schemas.openxmlformats.org/officeDocument/2006/math">
+                    <m:r>
+                      <a:rPr lang="es-UY" sz="2000" i="1"/>
+                      <m:t>𝑑𝑒𝑝</m:t>
+                    </m:r>
+                  </m:oMath>
+                </a14:m>
+                <a:r>
+                  <a:rPr lang="es-UY" sz="2000" dirty="0"/>
+                  <a:t>, </a:t>
+                </a:r>
+                <a14:m>
+                  <m:oMath xmlns:m="http://schemas.openxmlformats.org/officeDocument/2006/math">
+                    <m:r>
+                      <a:rPr lang="es-UY" sz="2000" i="1"/>
+                      <m:t>𝐷</m:t>
+                    </m:r>
+                  </m:oMath>
+                </a14:m>
+                <a:r>
+                  <a:rPr lang="es-UY" sz="2000" dirty="0"/>
+                  <a:t> es el conjunto de depósitos y </a:t>
+                </a:r>
+                <a14:m>
+                  <m:oMath xmlns:m="http://schemas.openxmlformats.org/officeDocument/2006/math">
+                    <m:r>
+                      <a:rPr lang="es-UY" sz="2000" i="1"/>
+                      <m:t>𝑑</m:t>
+                    </m:r>
+                    <m:d>
+                      <m:dPr>
+                        <m:ctrlPr>
+                          <a:rPr lang="es-UY" sz="2000" i="1"/>
+                        </m:ctrlPr>
+                      </m:dPr>
+                      <m:e>
+                        <m:r>
+                          <a:rPr lang="es-UY" sz="2000" i="1"/>
+                          <m:t>𝑐</m:t>
+                        </m:r>
+                        <m:r>
+                          <a:rPr lang="es-UY" sz="2000" i="1"/>
+                          <m:t>,</m:t>
+                        </m:r>
+                        <m:r>
+                          <a:rPr lang="es-UY" sz="2000" i="1"/>
+                          <m:t>𝑑𝑒𝑝</m:t>
+                        </m:r>
+                        <m:r>
+                          <a:rPr lang="es-UY" sz="2000" i="1"/>
+                          <m:t>′</m:t>
+                        </m:r>
+                      </m:e>
+                    </m:d>
+                  </m:oMath>
+                </a14:m>
+                <a:r>
+                  <a:rPr lang="es-UY" sz="2000" dirty="0"/>
+                  <a:t> es la distancia entre el cliente </a:t>
+                </a:r>
+                <a14:m>
+                  <m:oMath xmlns:m="http://schemas.openxmlformats.org/officeDocument/2006/math">
+                    <m:r>
+                      <a:rPr lang="es-UY" sz="2000" i="1"/>
+                      <m:t>𝑐</m:t>
+                    </m:r>
+                  </m:oMath>
+                </a14:m>
+                <a:r>
+                  <a:rPr lang="es-UY" sz="2000" dirty="0"/>
+                  <a:t> y el depósito más cercano </a:t>
+                </a:r>
+                <a14:m>
+                  <m:oMath xmlns:m="http://schemas.openxmlformats.org/officeDocument/2006/math">
+                    <m:r>
+                      <a:rPr lang="es-UY" sz="2000" i="1"/>
+                      <m:t>𝑑𝑒𝑝</m:t>
+                    </m:r>
+                    <m:r>
+                      <a:rPr lang="es-UY" sz="2000" i="1"/>
+                      <m:t>′</m:t>
+                    </m:r>
+                  </m:oMath>
+                </a14:m>
+                <a:r>
+                  <a:rPr lang="es-UY" sz="2000" dirty="0"/>
+                  <a:t>. </a:t>
+                </a:r>
+              </a:p>
+              <a:p>
+                <a:r>
+                  <a:rPr lang="es-ES" sz="2000" dirty="0"/>
+                  <a:t>El cliente con mayor valor de </a:t>
+                </a:r>
+                <a14:m>
+                  <m:oMath xmlns:m="http://schemas.openxmlformats.org/officeDocument/2006/math">
+                    <m:sSub>
+                      <m:sSubPr>
+                        <m:ctrlPr>
+                          <a:rPr lang="es-UY" sz="2000" i="1"/>
+                        </m:ctrlPr>
+                      </m:sSubPr>
+                      <m:e>
+                        <m:r>
+                          <a:rPr lang="es-ES" sz="2000" i="1"/>
+                          <m:t>𝜇</m:t>
+                        </m:r>
+                      </m:e>
+                      <m:sub>
+                        <m:r>
+                          <a:rPr lang="es-ES" sz="2000" i="1"/>
+                          <m:t>𝑐</m:t>
+                        </m:r>
+                      </m:sub>
+                    </m:sSub>
+                  </m:oMath>
+                </a14:m>
+                <a:r>
+                  <a:rPr lang="es-ES" sz="2000" dirty="0"/>
+                  <a:t> será asignado al depósito más cercano. A medida que los depósitos se van quedando sin lugar, los clientes se irían agregando al depósito más cercano con lugar disponible.</a:t>
+                </a:r>
+                <a:endParaRPr lang="en-US" sz="2000" dirty="0" smtClean="0"/>
+              </a:p>
+              <a:p>
+                <a:r>
+                  <a:rPr lang="en-US" dirty="0" smtClean="0"/>
+                  <a:t>¿</a:t>
+                </a:r>
+                <a:r>
+                  <a:rPr lang="es-UY" dirty="0" smtClean="0"/>
+                  <a:t>Se recalcula </a:t>
+                </a:r>
+                <a14:m>
+                  <m:oMath xmlns:m="http://schemas.openxmlformats.org/officeDocument/2006/math">
+                    <m:sSub>
+                      <m:sSubPr>
+                        <m:ctrlPr>
+                          <a:rPr lang="es-UY" i="1">
+                            <a:latin typeface="Cambria Math"/>
+                          </a:rPr>
+                        </m:ctrlPr>
+                      </m:sSubPr>
+                      <m:e>
+                        <m:r>
+                          <a:rPr lang="es-UY" i="1">
+                            <a:latin typeface="Cambria Math"/>
+                          </a:rPr>
+                          <m:t>𝜇</m:t>
+                        </m:r>
+                      </m:e>
+                      <m:sub>
+                        <m:r>
+                          <a:rPr lang="es-UY" i="1">
+                            <a:latin typeface="Cambria Math"/>
+                          </a:rPr>
+                          <m:t>𝑐</m:t>
+                        </m:r>
+                      </m:sub>
+                    </m:sSub>
+                    <m:r>
+                      <a:rPr lang="es-UY" i="1">
+                        <a:latin typeface="Cambria Math"/>
+                      </a:rPr>
+                      <m:t> </m:t>
+                    </m:r>
+                  </m:oMath>
+                </a14:m>
+                <a:r>
+                  <a:rPr lang="en-US" dirty="0" smtClean="0"/>
+                  <a:t> </a:t>
+                </a:r>
+                <a:r>
+                  <a:rPr lang="es-UY" dirty="0" smtClean="0"/>
+                  <a:t>durante el algoritmo</a:t>
+                </a:r>
+                <a:r>
+                  <a:rPr lang="en-US" dirty="0" smtClean="0"/>
+                  <a:t>?</a:t>
+                </a:r>
+              </a:p>
+              <a:p>
+                <a:r>
+                  <a:rPr lang="es-UY" sz="2000" dirty="0" smtClean="0"/>
+                  <a:t>Si se recalcula teniendo en cuenta solo a los depósitos con capacidad  disponible, el algoritmo demora más y los resultados generalmente mejoran.</a:t>
+                </a:r>
+              </a:p>
+              <a:p>
+                <a:endParaRPr lang="es-UY" dirty="0"/>
+              </a:p>
+            </p:txBody>
+          </p:sp>
+        </mc:Choice>
+        <mc:Fallback>
+          <p:sp>
+            <p:nvSpPr>
+              <p:cNvPr id="3" name="Content Placeholder 2"/>
+              <p:cNvSpPr>
+                <a:spLocks noGrp="1" noRot="1" noChangeAspect="1" noMove="1" noResize="1" noEditPoints="1" noAdjustHandles="1" noChangeArrowheads="1" noChangeShapeType="1" noTextEdit="1"/>
+              </p:cNvSpPr>
+              <p:nvPr>
+                <p:ph idx="1"/>
+              </p:nvPr>
+            </p:nvSpPr>
+            <p:spPr>
+              <a:xfrm>
+                <a:off x="838200" y="1365161"/>
+                <a:ext cx="10515600" cy="4811802"/>
+              </a:xfrm>
+              <a:blipFill rotWithShape="1">
+                <a:blip r:embed="rId2"/>
+                <a:stretch>
+                  <a:fillRect l="-1043" t="-2028"/>
+                </a:stretch>
+              </a:blipFill>
+            </p:spPr>
+            <p:txBody>
+              <a:bodyPr/>
+              <a:lstStyle/>
+              <a:p>
+                <a:r>
+                  <a:rPr lang="es-UY">
+                    <a:noFill/>
+                  </a:rPr>
+                  <a:t> </a:t>
+                </a:r>
+              </a:p>
+            </p:txBody>
+          </p:sp>
+        </mc:Fallback>
+      </mc:AlternateContent>
     </p:spTree>
     <p:extLst>
       <p:ext uri="{BB962C8B-B14F-4D97-AF65-F5344CB8AC3E}">
-        <p14:creationId xmlns:p14="http://schemas.microsoft.com/office/powerpoint/2010/main" val="1073848894"/>
+        <p14:creationId xmlns:p14="http://schemas.microsoft.com/office/powerpoint/2010/main" val="1412467103"/>
       </p:ext>
     </p:extLst>
   </p:cSld>
@@ -7864,13 +8191,6 @@
               </a:rPr>
               <a:t>Ale</a:t>
             </a:r>
-            <a:endParaRPr lang="en-US" dirty="0" smtClean="0">
-              <a:solidFill>
-                <a:schemeClr val="accent1">
-                  <a:lumMod val="50000"/>
-                </a:schemeClr>
-              </a:solidFill>
-            </a:endParaRPr>
           </a:p>
           <a:p>
             <a:endParaRPr lang="es-UY" dirty="0"/>
@@ -8145,7 +8465,7 @@
   <a:extraClrSchemeLst/>
   <a:extLst>
     <a:ext uri="{05A4C25C-085E-4340-85A3-A5531E510DB2}">
-      <thm15:themeFamily xmlns:thm15="http://schemas.microsoft.com/office/thememl/2012/main" xmlns="" name="Office Theme" id="{62F939B6-93AF-4DB8-9C6B-D6C7DFDC589F}" vid="{4A3C46E8-61CC-4603-A589-7422A47A8E4A}"/>
+      <thm15:themeFamily xmlns="" xmlns:thm15="http://schemas.microsoft.com/office/thememl/2012/main" name="Office Theme" id="{62F939B6-93AF-4DB8-9C6B-D6C7DFDC589F}" vid="{4A3C46E8-61CC-4603-A589-7422A47A8E4A}"/>
     </a:ext>
   </a:extLst>
 </a:theme>

--- a/Version/Documentación/MDVRP.pptx
+++ b/Version/Documentación/MDVRP.pptx
@@ -15,8 +15,8 @@
     <p:sldId id="277" r:id="rId9"/>
     <p:sldId id="263" r:id="rId10"/>
     <p:sldId id="274" r:id="rId11"/>
-    <p:sldId id="264" r:id="rId12"/>
-    <p:sldId id="273" r:id="rId13"/>
+    <p:sldId id="278" r:id="rId12"/>
+    <p:sldId id="279" r:id="rId13"/>
     <p:sldId id="261" r:id="rId14"/>
     <p:sldId id="265" r:id="rId15"/>
     <p:sldId id="275" r:id="rId16"/>
@@ -3259,52 +3259,19 @@
           <a:lstStyle/>
           <a:p>
             <a:r>
-              <a:rPr lang="en-US" dirty="0" err="1" smtClean="0"/>
-              <a:t>MDVRP</a:t>
-            </a:r>
-            <a:r>
-              <a:rPr lang="en-US" dirty="0" smtClean="0"/>
-              <a:t>- </a:t>
-            </a:r>
-            <a:r>
-              <a:rPr lang="en-US" dirty="0" err="1" smtClean="0"/>
-              <a:t>Solucion</a:t>
-            </a:r>
-            <a:r>
-              <a:rPr lang="en-US" dirty="0" smtClean="0"/>
-              <a:t>, </a:t>
-            </a:r>
-            <a:r>
-              <a:rPr lang="en-US" dirty="0" err="1" smtClean="0"/>
-              <a:t>Disenios</a:t>
-            </a:r>
-            <a:r>
-              <a:rPr lang="en-US" dirty="0" smtClean="0"/>
-              <a:t> y </a:t>
-            </a:r>
-            <a:r>
-              <a:rPr lang="en-US" dirty="0" err="1" smtClean="0"/>
-              <a:t>algoritmos</a:t>
-            </a:r>
-            <a:r>
-              <a:rPr lang="en-US" dirty="0" smtClean="0"/>
-              <a:t> </a:t>
-            </a:r>
-            <a:r>
-              <a:rPr lang="en-US" dirty="0" err="1" smtClean="0"/>
-              <a:t>Ruteo</a:t>
-            </a:r>
-            <a:r>
-              <a:rPr lang="en-US" dirty="0" smtClean="0"/>
-              <a:t>  y </a:t>
-            </a:r>
-            <a:r>
-              <a:rPr lang="en-US" dirty="0" err="1" smtClean="0"/>
-              <a:t>Porstoptimizacion</a:t>
-            </a:r>
-            <a:r>
-              <a:rPr lang="en-US" dirty="0" smtClean="0"/>
-              <a:t>.</a:t>
+              <a:rPr lang="en-US" dirty="0" smtClean="0"/>
+              <a:t>MDVRP- </a:t>
+            </a:r>
+            <a:r>
+              <a:rPr lang="es-UY" dirty="0" smtClean="0"/>
+              <a:t>Solución, Diseños y algoritmos</a:t>
+            </a:r>
+            <a:br>
+              <a:rPr lang="es-UY" dirty="0" smtClean="0"/>
+            </a:br>
+            <a:r>
+              <a:rPr lang="es-UY" dirty="0" smtClean="0"/>
+              <a:t> Ruteo</a:t>
             </a:r>
             <a:endParaRPr lang="es-UY" dirty="0"/>
           </a:p>
@@ -3327,7 +3294,9 @@
           </a:xfrm>
         </p:spPr>
         <p:txBody>
-          <a:bodyPr/>
+          <a:bodyPr>
+            <a:normAutofit fontScale="92500"/>
+          </a:bodyPr>
           <a:lstStyle/>
           <a:p>
             <a:pPr lvl="0"/>
@@ -3352,16 +3321,54 @@
             </a:r>
           </a:p>
           <a:p>
-            <a:r>
-              <a:rPr lang="es-UY" dirty="0" smtClean="0">
-                <a:solidFill>
-                  <a:schemeClr val="accent1">
-                    <a:lumMod val="50000"/>
-                  </a:schemeClr>
-                </a:solidFill>
-              </a:rPr>
-              <a:t>Javier</a:t>
-            </a:r>
+            <a:pPr lvl="3"/>
+            <a:r>
+              <a:rPr lang="es-UY" sz="1800" dirty="0" smtClean="0"/>
+              <a:t>Ahorros-</a:t>
+            </a:r>
+            <a:r>
+              <a:rPr lang="es-UY" sz="1800" dirty="0"/>
+              <a:t>&gt;</a:t>
+            </a:r>
+          </a:p>
+          <a:p>
+            <a:endParaRPr lang="es-UY" dirty="0" smtClean="0">
+              <a:solidFill>
+                <a:schemeClr val="accent1">
+                  <a:lumMod val="50000"/>
+                </a:schemeClr>
+              </a:solidFill>
+            </a:endParaRPr>
+          </a:p>
+          <a:p>
+            <a:endParaRPr lang="es-UY" dirty="0" smtClean="0">
+              <a:solidFill>
+                <a:schemeClr val="accent1">
+                  <a:lumMod val="50000"/>
+                </a:schemeClr>
+              </a:solidFill>
+            </a:endParaRPr>
+          </a:p>
+          <a:p>
+            <a:r>
+              <a:rPr lang="es-ES" dirty="0"/>
+              <a:t>Se parte de una solución inicial que implica una ruta por cada cliente. O sea que la ruta va del depósito al cliente y luego vuelve al depósito. Luego se calcula una lista de ahorros, para todas las combinaciones de pares de clientes, y se ordena en orden descendente.  Y luego, se recorre la lista de ahorros, y a medida que sea factible (por la capacidad de los vehículos), se van uniendo las rutas</a:t>
+            </a:r>
+            <a:r>
+              <a:rPr lang="es-ES" dirty="0" smtClean="0"/>
+              <a:t>. (se implementó </a:t>
+            </a:r>
+            <a:r>
+              <a:rPr lang="es-ES" smtClean="0"/>
+              <a:t>la versión paralela</a:t>
+            </a:r>
+            <a:r>
+              <a:rPr lang="es-ES" dirty="0" smtClean="0"/>
+              <a:t>)</a:t>
+            </a:r>
+            <a:endParaRPr lang="es-UY" dirty="0"/>
+          </a:p>
+          <a:p>
             <a:endParaRPr lang="es-UY" dirty="0">
               <a:solidFill>
                 <a:schemeClr val="accent1">
@@ -3372,10 +3379,43 @@
           </a:p>
         </p:txBody>
       </p:sp>
+      <p:pic>
+        <p:nvPicPr>
+          <p:cNvPr id="4" name="3 Imagen"/>
+          <p:cNvPicPr/>
+          <p:nvPr/>
+        </p:nvPicPr>
+        <p:blipFill>
+          <a:blip r:embed="rId2" cstate="print">
+            <a:extLst>
+              <a:ext uri="{28A0092B-C50C-407E-A947-70E740481C1C}">
+                <a14:useLocalDpi xmlns:a14="http://schemas.microsoft.com/office/drawing/2010/main" val="0"/>
+              </a:ext>
+            </a:extLst>
+          </a:blip>
+          <a:srcRect/>
+          <a:stretch>
+            <a:fillRect/>
+          </a:stretch>
+        </p:blipFill>
+        <p:spPr bwMode="auto">
+          <a:xfrm>
+            <a:off x="4051300" y="1992183"/>
+            <a:ext cx="4089400" cy="1894840"/>
+          </a:xfrm>
+          <a:prstGeom prst="rect">
+            <a:avLst/>
+          </a:prstGeom>
+          <a:noFill/>
+          <a:ln>
+            <a:noFill/>
+          </a:ln>
+        </p:spPr>
+      </p:pic>
     </p:spTree>
     <p:extLst>
       <p:ext uri="{BB962C8B-B14F-4D97-AF65-F5344CB8AC3E}">
-        <p14:creationId xmlns:p14="http://schemas.microsoft.com/office/powerpoint/2010/main" val="343589520"/>
+        <p14:creationId xmlns:p14="http://schemas.microsoft.com/office/powerpoint/2010/main" val="2225859691"/>
       </p:ext>
     </p:extLst>
   </p:cSld>
@@ -3418,51 +3458,27 @@
           <a:lstStyle/>
           <a:p>
             <a:r>
-              <a:rPr lang="en-US" dirty="0" err="1" smtClean="0"/>
-              <a:t>MDVRP</a:t>
-            </a:r>
-            <a:r>
-              <a:rPr lang="en-US" dirty="0" smtClean="0"/>
-              <a:t>- </a:t>
-            </a:r>
-            <a:r>
-              <a:rPr lang="en-US" dirty="0" err="1" smtClean="0"/>
-              <a:t>Solucion</a:t>
+              <a:rPr lang="en-US" dirty="0" smtClean="0"/>
+              <a:t>MDVRP- </a:t>
+            </a:r>
+            <a:r>
+              <a:rPr lang="es-UY" dirty="0" smtClean="0"/>
+              <a:t>Solución</a:t>
             </a:r>
             <a:r>
               <a:rPr lang="en-US" dirty="0" smtClean="0"/>
               <a:t>, </a:t>
             </a:r>
             <a:r>
-              <a:rPr lang="en-US" dirty="0" err="1" smtClean="0"/>
-              <a:t>Disenios</a:t>
-            </a:r>
-            <a:r>
-              <a:rPr lang="en-US" dirty="0" smtClean="0"/>
-              <a:t> y </a:t>
-            </a:r>
-            <a:r>
-              <a:rPr lang="en-US" dirty="0" err="1" smtClean="0"/>
-              <a:t>algoritmos</a:t>
-            </a:r>
-            <a:r>
-              <a:rPr lang="en-US" dirty="0" smtClean="0"/>
-              <a:t> </a:t>
-            </a:r>
-            <a:r>
-              <a:rPr lang="en-US" dirty="0" err="1" smtClean="0"/>
-              <a:t>Ruteo</a:t>
-            </a:r>
-            <a:r>
-              <a:rPr lang="en-US" dirty="0" smtClean="0"/>
-              <a:t>  y </a:t>
-            </a:r>
-            <a:r>
-              <a:rPr lang="en-US" dirty="0" err="1" smtClean="0"/>
-              <a:t>Porstoptimizacion</a:t>
-            </a:r>
-            <a:r>
-              <a:rPr lang="en-US" dirty="0" smtClean="0"/>
+              <a:rPr lang="es-UY" dirty="0" smtClean="0"/>
+              <a:t>Diseños y algoritmos </a:t>
+            </a:r>
+            <a:r>
+              <a:rPr lang="es-UY" dirty="0" err="1" smtClean="0"/>
+              <a:t>Postoptimizacion</a:t>
+            </a:r>
+            <a:r>
+              <a:rPr lang="es-UY" dirty="0" smtClean="0"/>
               <a:t>.</a:t>
             </a:r>
             <a:endParaRPr lang="es-UY" dirty="0"/>
@@ -3550,7 +3566,7 @@
     </p:spTree>
     <p:extLst>
       <p:ext uri="{BB962C8B-B14F-4D97-AF65-F5344CB8AC3E}">
-        <p14:creationId xmlns:p14="http://schemas.microsoft.com/office/powerpoint/2010/main" val="3236116420"/>
+        <p14:creationId xmlns:p14="http://schemas.microsoft.com/office/powerpoint/2010/main" val="144818206"/>
       </p:ext>
     </p:extLst>
   </p:cSld>
@@ -7371,23 +7387,11 @@
             <a:pPr lvl="1"/>
             <a:r>
               <a:rPr lang="es-UY" dirty="0" smtClean="0"/>
-              <a:t>Asignación </a:t>
-            </a:r>
-            <a:r>
-              <a:rPr lang="es-UY" dirty="0" smtClean="0"/>
-              <a:t>por </a:t>
-            </a:r>
-            <a:r>
-              <a:rPr lang="es-UY" dirty="0" smtClean="0"/>
-              <a:t>Urgencia (</a:t>
+              <a:t>Asignación por Urgencia (</a:t>
             </a:r>
             <a:r>
               <a:rPr lang="es-UY" sz="2800" dirty="0"/>
-              <a:t>F</a:t>
-            </a:r>
-            <a:r>
-              <a:rPr lang="es-UY" sz="2800" dirty="0"/>
-              <a:t>ase 1)</a:t>
+              <a:t>Fase 1)</a:t>
             </a:r>
           </a:p>
           <a:p>
@@ -7542,18 +7546,14 @@
             </a:r>
             <a:r>
               <a:rPr lang="es-UY" dirty="0" smtClean="0"/>
-              <a:t>Solución, Diseños y </a:t>
-            </a:r>
-            <a:r>
-              <a:rPr lang="es-UY" dirty="0" smtClean="0"/>
-              <a:t>algoritmos</a:t>
+              <a:t>Solución, Diseños y algoritmos</a:t>
             </a:r>
             <a:endParaRPr lang="es-UY" dirty="0"/>
           </a:p>
         </p:txBody>
       </p:sp>
-      <mc:AlternateContent xmlns:mc="http://schemas.openxmlformats.org/markup-compatibility/2006">
-        <mc:Choice xmlns:a14="http://schemas.microsoft.com/office/drawing/2010/main" Requires="a14">
+      <mc:AlternateContent xmlns:mc="http://schemas.openxmlformats.org/markup-compatibility/2006" xmlns:a14="http://schemas.microsoft.com/office/drawing/2010/main">
+        <mc:Choice Requires="a14">
           <p:sp>
             <p:nvSpPr>
               <p:cNvPr id="3" name="Content Placeholder 2"/>
@@ -7588,7 +7588,6 @@
                   <a:rPr lang="es-UY" dirty="0" smtClean="0"/>
                   <a:t> Asignación por Urgencia </a:t>
                 </a:r>
-                <a:endParaRPr lang="es-UY" dirty="0" smtClean="0"/>
               </a:p>
               <a:p>
                 <a:pPr marL="457200" lvl="1" indent="0">
@@ -7603,30 +7602,40 @@
                       <m:sSub>
                         <m:sSubPr>
                           <m:ctrlPr>
-                            <a:rPr lang="es-UY" i="1"/>
+                            <a:rPr lang="es-UY" i="1">
+                              <a:latin typeface="Cambria Math"/>
+                            </a:rPr>
                           </m:ctrlPr>
                         </m:sSubPr>
                         <m:e>
                           <m:r>
-                            <a:rPr lang="es-UY" i="1"/>
+                            <a:rPr lang="es-UY" i="1">
+                              <a:latin typeface="Cambria Math"/>
+                            </a:rPr>
                             <m:t>𝜇</m:t>
                           </m:r>
                         </m:e>
                         <m:sub>
                           <m:r>
-                            <a:rPr lang="es-UY" i="1"/>
+                            <a:rPr lang="es-UY" i="1">
+                              <a:latin typeface="Cambria Math"/>
+                            </a:rPr>
                             <m:t>𝑐</m:t>
                           </m:r>
                         </m:sub>
                       </m:sSub>
                       <m:r>
-                        <a:rPr lang="es-UY" i="1"/>
+                        <a:rPr lang="es-UY" i="1">
+                          <a:latin typeface="Cambria Math"/>
+                        </a:rPr>
                         <m:t>=</m:t>
                       </m:r>
                       <m:d>
                         <m:dPr>
                           <m:ctrlPr>
-                            <a:rPr lang="es-UY" i="1"/>
+                            <a:rPr lang="es-UY" i="1">
+                              <a:latin typeface="Cambria Math"/>
+                            </a:rPr>
                           </m:ctrlPr>
                         </m:dPr>
                         <m:e>
@@ -7636,54 +7645,76 @@
                               <m:limLoc m:val="undOvr"/>
                               <m:supHide m:val="on"/>
                               <m:ctrlPr>
-                                <a:rPr lang="es-UY" i="1"/>
+                                <a:rPr lang="es-UY" i="1">
+                                  <a:latin typeface="Cambria Math"/>
+                                </a:rPr>
                               </m:ctrlPr>
                             </m:naryPr>
                             <m:sub>
                               <m:r>
-                                <a:rPr lang="es-UY" i="1"/>
+                                <a:rPr lang="es-UY" i="1">
+                                  <a:latin typeface="Cambria Math"/>
+                                </a:rPr>
                                 <m:t>𝑑𝑒𝑝</m:t>
                               </m:r>
                               <m:r>
-                                <a:rPr lang="es-UY" i="1"/>
+                                <a:rPr lang="es-UY" i="1">
+                                  <a:latin typeface="Cambria Math"/>
+                                </a:rPr>
                                 <m:t> </m:t>
                               </m:r>
                               <m:r>
-                                <a:rPr lang="es-UY" i="1"/>
+                                <a:rPr lang="es-UY" i="1">
+                                  <a:latin typeface="Cambria Math"/>
+                                </a:rPr>
                                 <m:t>𝜖</m:t>
                               </m:r>
                               <m:r>
-                                <a:rPr lang="es-UY" i="1"/>
+                                <a:rPr lang="es-UY" i="1">
+                                  <a:latin typeface="Cambria Math"/>
+                                </a:rPr>
                                 <m:t> </m:t>
                               </m:r>
                               <m:r>
-                                <a:rPr lang="es-UY" i="1"/>
+                                <a:rPr lang="es-UY" i="1">
+                                  <a:latin typeface="Cambria Math"/>
+                                </a:rPr>
                                 <m:t>𝐷</m:t>
                               </m:r>
                             </m:sub>
                             <m:sup/>
                             <m:e>
                               <m:r>
-                                <a:rPr lang="es-UY" i="1"/>
+                                <a:rPr lang="es-UY" i="1">
+                                  <a:latin typeface="Cambria Math"/>
+                                </a:rPr>
                                 <m:t>𝑑</m:t>
                               </m:r>
                               <m:d>
                                 <m:dPr>
                                   <m:ctrlPr>
-                                    <a:rPr lang="es-UY" i="1"/>
+                                    <a:rPr lang="es-UY" i="1">
+                                      <a:latin typeface="Cambria Math"/>
+                                    </a:rPr>
                                   </m:ctrlPr>
                                 </m:dPr>
                                 <m:e>
                                   <m:r>
-                                    <a:rPr lang="es-UY" i="1"/>
+                                    <a:rPr lang="es-UY" i="1">
+                                      <a:latin typeface="Cambria Math"/>
+                                    </a:rPr>
                                     <m:t>𝑐</m:t>
                                   </m:r>
                                   <m:r>
-                                    <a:rPr lang="es-UY" i="1"/>
+                                    <a:rPr lang="es-UY" i="1">
+                                      <a:latin typeface="Cambria Math"/>
+                                    </a:rPr>
                                     <m:t>,</m:t>
                                   </m:r>
                                   <m:r>
-                                    <a:rPr lang="es-UY" i="1"/>
+                                    <a:rPr lang="es-UY" i="1">
+                                      <a:latin typeface="Cambria Math"/>
+                                    </a:rPr>
                                     <m:t>𝑑𝑒𝑝</m:t>
                                   </m:r>
                                 </m:e>
@@ -7693,34 +7724,48 @@
                         </m:e>
                       </m:d>
                       <m:r>
-                        <a:rPr lang="es-UY" i="1"/>
+                        <a:rPr lang="es-UY" i="1">
+                          <a:latin typeface="Cambria Math"/>
+                        </a:rPr>
                         <m:t>− </m:t>
                       </m:r>
                       <m:r>
-                        <a:rPr lang="es-UY" i="1"/>
+                        <a:rPr lang="es-UY" i="1">
+                          <a:latin typeface="Cambria Math"/>
+                        </a:rPr>
                         <m:t>𝑑</m:t>
                       </m:r>
                       <m:d>
                         <m:dPr>
                           <m:ctrlPr>
-                            <a:rPr lang="es-UY" i="1"/>
+                            <a:rPr lang="es-UY" i="1">
+                              <a:latin typeface="Cambria Math"/>
+                            </a:rPr>
                           </m:ctrlPr>
                         </m:dPr>
                         <m:e>
                           <m:r>
-                            <a:rPr lang="es-UY" i="1"/>
+                            <a:rPr lang="es-UY" i="1">
+                              <a:latin typeface="Cambria Math"/>
+                            </a:rPr>
                             <m:t>𝑐</m:t>
                           </m:r>
                           <m:r>
-                            <a:rPr lang="es-UY" i="1"/>
+                            <a:rPr lang="es-UY" i="1">
+                              <a:latin typeface="Cambria Math"/>
+                            </a:rPr>
                             <m:t>, </m:t>
                           </m:r>
                           <m:r>
-                            <a:rPr lang="es-UY" i="1"/>
+                            <a:rPr lang="es-UY" i="1">
+                              <a:latin typeface="Cambria Math"/>
+                            </a:rPr>
                             <m:t>𝑑𝑒𝑝</m:t>
                           </m:r>
                           <m:r>
-                            <a:rPr lang="es-UY" i="1"/>
+                            <a:rPr lang="es-UY" i="1">
+                              <a:latin typeface="Cambria Math"/>
+                            </a:rPr>
                             <m:t>′</m:t>
                           </m:r>
                         </m:e>
@@ -7741,26 +7786,36 @@
                 <a14:m>
                   <m:oMath xmlns:m="http://schemas.openxmlformats.org/officeDocument/2006/math">
                     <m:r>
-                      <a:rPr lang="es-UY" sz="2000" i="1"/>
+                      <a:rPr lang="es-UY" sz="2000" i="1">
+                        <a:latin typeface="Cambria Math"/>
+                      </a:rPr>
                       <m:t>𝑑</m:t>
                     </m:r>
                     <m:d>
                       <m:dPr>
                         <m:ctrlPr>
-                          <a:rPr lang="es-UY" sz="2000" i="1"/>
+                          <a:rPr lang="es-UY" sz="2000" i="1">
+                            <a:latin typeface="Cambria Math"/>
+                          </a:rPr>
                         </m:ctrlPr>
                       </m:dPr>
                       <m:e>
                         <m:r>
-                          <a:rPr lang="es-UY" sz="2000" i="1"/>
+                          <a:rPr lang="es-UY" sz="2000" i="1">
+                            <a:latin typeface="Cambria Math"/>
+                          </a:rPr>
                           <m:t>𝑐</m:t>
                         </m:r>
                         <m:r>
-                          <a:rPr lang="es-UY" sz="2000" i="1"/>
+                          <a:rPr lang="es-UY" sz="2000" i="1">
+                            <a:latin typeface="Cambria Math"/>
+                          </a:rPr>
                           <m:t>,</m:t>
                         </m:r>
                         <m:r>
-                          <a:rPr lang="es-UY" sz="2000" i="1"/>
+                          <a:rPr lang="es-UY" sz="2000" i="1">
+                            <a:latin typeface="Cambria Math"/>
+                          </a:rPr>
                           <m:t>𝑑𝑒𝑝</m:t>
                         </m:r>
                       </m:e>
@@ -7774,7 +7829,9 @@
                 <a14:m>
                   <m:oMath xmlns:m="http://schemas.openxmlformats.org/officeDocument/2006/math">
                     <m:r>
-                      <a:rPr lang="es-UY" sz="2000" i="1"/>
+                      <a:rPr lang="es-UY" sz="2000" i="1">
+                        <a:latin typeface="Cambria Math"/>
+                      </a:rPr>
                       <m:t>𝑐</m:t>
                     </m:r>
                   </m:oMath>
@@ -7786,7 +7843,9 @@
                 <a14:m>
                   <m:oMath xmlns:m="http://schemas.openxmlformats.org/officeDocument/2006/math">
                     <m:r>
-                      <a:rPr lang="es-UY" sz="2000" i="1"/>
+                      <a:rPr lang="es-UY" sz="2000" i="1">
+                        <a:latin typeface="Cambria Math"/>
+                      </a:rPr>
                       <m:t>𝑑𝑒𝑝</m:t>
                     </m:r>
                   </m:oMath>
@@ -7798,7 +7857,9 @@
                 <a14:m>
                   <m:oMath xmlns:m="http://schemas.openxmlformats.org/officeDocument/2006/math">
                     <m:r>
-                      <a:rPr lang="es-UY" sz="2000" i="1"/>
+                      <a:rPr lang="es-UY" sz="2000" i="1">
+                        <a:latin typeface="Cambria Math"/>
+                      </a:rPr>
                       <m:t>𝐷</m:t>
                     </m:r>
                   </m:oMath>
@@ -7810,30 +7871,42 @@
                 <a14:m>
                   <m:oMath xmlns:m="http://schemas.openxmlformats.org/officeDocument/2006/math">
                     <m:r>
-                      <a:rPr lang="es-UY" sz="2000" i="1"/>
+                      <a:rPr lang="es-UY" sz="2000" i="1">
+                        <a:latin typeface="Cambria Math"/>
+                      </a:rPr>
                       <m:t>𝑑</m:t>
                     </m:r>
                     <m:d>
                       <m:dPr>
                         <m:ctrlPr>
-                          <a:rPr lang="es-UY" sz="2000" i="1"/>
+                          <a:rPr lang="es-UY" sz="2000" i="1">
+                            <a:latin typeface="Cambria Math"/>
+                          </a:rPr>
                         </m:ctrlPr>
                       </m:dPr>
                       <m:e>
                         <m:r>
-                          <a:rPr lang="es-UY" sz="2000" i="1"/>
+                          <a:rPr lang="es-UY" sz="2000" i="1">
+                            <a:latin typeface="Cambria Math"/>
+                          </a:rPr>
                           <m:t>𝑐</m:t>
                         </m:r>
                         <m:r>
-                          <a:rPr lang="es-UY" sz="2000" i="1"/>
+                          <a:rPr lang="es-UY" sz="2000" i="1">
+                            <a:latin typeface="Cambria Math"/>
+                          </a:rPr>
                           <m:t>,</m:t>
                         </m:r>
                         <m:r>
-                          <a:rPr lang="es-UY" sz="2000" i="1"/>
+                          <a:rPr lang="es-UY" sz="2000" i="1">
+                            <a:latin typeface="Cambria Math"/>
+                          </a:rPr>
                           <m:t>𝑑𝑒𝑝</m:t>
                         </m:r>
                         <m:r>
-                          <a:rPr lang="es-UY" sz="2000" i="1"/>
+                          <a:rPr lang="es-UY" sz="2000" i="1">
+                            <a:latin typeface="Cambria Math"/>
+                          </a:rPr>
                           <m:t>′</m:t>
                         </m:r>
                       </m:e>
@@ -7847,7 +7920,9 @@
                 <a14:m>
                   <m:oMath xmlns:m="http://schemas.openxmlformats.org/officeDocument/2006/math">
                     <m:r>
-                      <a:rPr lang="es-UY" sz="2000" i="1"/>
+                      <a:rPr lang="es-UY" sz="2000" i="1">
+                        <a:latin typeface="Cambria Math"/>
+                      </a:rPr>
                       <m:t>𝑐</m:t>
                     </m:r>
                   </m:oMath>
@@ -7859,11 +7934,15 @@
                 <a14:m>
                   <m:oMath xmlns:m="http://schemas.openxmlformats.org/officeDocument/2006/math">
                     <m:r>
-                      <a:rPr lang="es-UY" sz="2000" i="1"/>
+                      <a:rPr lang="es-UY" sz="2000" i="1">
+                        <a:latin typeface="Cambria Math"/>
+                      </a:rPr>
                       <m:t>𝑑𝑒𝑝</m:t>
                     </m:r>
                     <m:r>
-                      <a:rPr lang="es-UY" sz="2000" i="1"/>
+                      <a:rPr lang="es-UY" sz="2000" i="1">
+                        <a:latin typeface="Cambria Math"/>
+                      </a:rPr>
                       <m:t>′</m:t>
                     </m:r>
                   </m:oMath>
@@ -7883,18 +7962,24 @@
                     <m:sSub>
                       <m:sSubPr>
                         <m:ctrlPr>
-                          <a:rPr lang="es-UY" sz="2000" i="1"/>
+                          <a:rPr lang="es-UY" sz="2000" i="1">
+                            <a:latin typeface="Cambria Math"/>
+                          </a:rPr>
                         </m:ctrlPr>
                       </m:sSubPr>
                       <m:e>
                         <m:r>
-                          <a:rPr lang="es-ES" sz="2000" i="1"/>
+                          <a:rPr lang="es-ES" sz="2000" i="1">
+                            <a:latin typeface="Cambria Math"/>
+                          </a:rPr>
                           <m:t>𝜇</m:t>
                         </m:r>
                       </m:e>
                       <m:sub>
                         <m:r>
-                          <a:rPr lang="es-ES" sz="2000" i="1"/>
+                          <a:rPr lang="es-ES" sz="2000" i="1">
+                            <a:latin typeface="Cambria Math"/>
+                          </a:rPr>
                           <m:t>𝑐</m:t>
                         </m:r>
                       </m:sub>
@@ -7976,7 +8061,7 @@
             </p:txBody>
           </p:sp>
         </mc:Choice>
-        <mc:Fallback>
+        <mc:Fallback xmlns="">
           <p:sp>
             <p:nvSpPr>
               <p:cNvPr id="3" name="Content Placeholder 2"/>
@@ -8465,7 +8550,7 @@
   <a:extraClrSchemeLst/>
   <a:extLst>
     <a:ext uri="{05A4C25C-085E-4340-85A3-A5531E510DB2}">
-      <thm15:themeFamily xmlns="" xmlns:thm15="http://schemas.microsoft.com/office/thememl/2012/main" name="Office Theme" id="{62F939B6-93AF-4DB8-9C6B-D6C7DFDC589F}" vid="{4A3C46E8-61CC-4603-A589-7422A47A8E4A}"/>
+      <thm15:themeFamily xmlns:thm15="http://schemas.microsoft.com/office/thememl/2012/main" xmlns="" name="Office Theme" id="{62F939B6-93AF-4DB8-9C6B-D6C7DFDC589F}" vid="{4A3C46E8-61CC-4603-A589-7422A47A8E4A}"/>
     </a:ext>
   </a:extLst>
 </a:theme>

--- a/Version/Documentación/MDVRP.pptx
+++ b/Version/Documentación/MDVRP.pptx
@@ -3485,84 +3485,939 @@
           </a:p>
         </p:txBody>
       </p:sp>
-      <p:sp>
-        <p:nvSpPr>
-          <p:cNvPr id="3" name="Content Placeholder 2"/>
-          <p:cNvSpPr>
-            <a:spLocks noGrp="1"/>
-          </p:cNvSpPr>
-          <p:nvPr>
-            <p:ph idx="1"/>
-          </p:nvPr>
-        </p:nvSpPr>
-        <p:spPr>
-          <a:xfrm>
-            <a:off x="838200" y="1851383"/>
-            <a:ext cx="10515600" cy="4351338"/>
-          </a:xfrm>
-        </p:spPr>
-        <p:txBody>
-          <a:bodyPr/>
-          <a:lstStyle/>
-          <a:p>
-            <a:pPr lvl="0"/>
-            <a:r>
-              <a:rPr lang="es-UY" dirty="0" smtClean="0"/>
-              <a:t>Post-optimización. </a:t>
-            </a:r>
-          </a:p>
-          <a:p>
-            <a:pPr lvl="1"/>
-            <a:r>
-              <a:rPr lang="es-UY" dirty="0" smtClean="0"/>
-              <a:t>λ-intercambio</a:t>
-            </a:r>
-          </a:p>
-          <a:p>
-            <a:pPr lvl="1"/>
-            <a:r>
-              <a:rPr lang="es-UY" dirty="0" smtClean="0"/>
-              <a:t>R-</a:t>
-            </a:r>
-            <a:r>
-              <a:rPr lang="es-UY" dirty="0" err="1" smtClean="0"/>
-              <a:t>iopt</a:t>
-            </a:r>
-            <a:endParaRPr lang="es-UY" dirty="0" smtClean="0"/>
-          </a:p>
-          <a:p>
-            <a:r>
-              <a:rPr lang="en-US" dirty="0" smtClean="0"/>
-              <a:t>…</a:t>
-            </a:r>
-          </a:p>
-          <a:p>
-            <a:r>
-              <a:rPr lang="en-US" dirty="0" smtClean="0"/>
-              <a:t>…</a:t>
-            </a:r>
-          </a:p>
-          <a:p>
-            <a:r>
-              <a:rPr lang="es-UY" dirty="0" smtClean="0">
-                <a:solidFill>
-                  <a:schemeClr val="accent1">
-                    <a:lumMod val="50000"/>
-                  </a:schemeClr>
-                </a:solidFill>
-              </a:rPr>
-              <a:t>Javier</a:t>
-            </a:r>
-            <a:endParaRPr lang="es-UY" dirty="0">
-              <a:solidFill>
-                <a:schemeClr val="accent1">
-                  <a:lumMod val="50000"/>
-                </a:schemeClr>
-              </a:solidFill>
-            </a:endParaRPr>
-          </a:p>
-        </p:txBody>
-      </p:sp>
+      <mc:AlternateContent xmlns:mc="http://schemas.openxmlformats.org/markup-compatibility/2006">
+        <mc:Choice xmlns:a14="http://schemas.microsoft.com/office/drawing/2010/main" Requires="a14">
+          <p:sp>
+            <p:nvSpPr>
+              <p:cNvPr id="3" name="Content Placeholder 2"/>
+              <p:cNvSpPr>
+                <a:spLocks noGrp="1"/>
+              </p:cNvSpPr>
+              <p:nvPr>
+                <p:ph idx="1"/>
+              </p:nvPr>
+            </p:nvSpPr>
+            <p:spPr>
+              <a:xfrm>
+                <a:off x="838200" y="1851383"/>
+                <a:ext cx="10515600" cy="4351338"/>
+              </a:xfrm>
+            </p:spPr>
+            <p:txBody>
+              <a:bodyPr>
+                <a:normAutofit fontScale="77500" lnSpcReduction="20000"/>
+              </a:bodyPr>
+              <a:lstStyle/>
+              <a:p>
+                <a:pPr lvl="0"/>
+                <a:r>
+                  <a:rPr lang="es-UY" dirty="0" smtClean="0"/>
+                  <a:t>Post-optimización. </a:t>
+                </a:r>
+              </a:p>
+              <a:p>
+                <a:pPr lvl="1"/>
+                <a:r>
+                  <a:rPr lang="es-UY" dirty="0" smtClean="0"/>
+                  <a:t>λ-intercambio</a:t>
+                </a:r>
+              </a:p>
+              <a:p>
+                <a:pPr marL="457200" lvl="1" indent="0">
+                  <a:buNone/>
+                </a:pPr>
+                <a:r>
+                  <a:rPr lang="es-ES" dirty="0"/>
+                  <a:t>Consiste en eliminar λ arcos (camino entre dos clientes consecutivos) de la solución (λ &gt; 1) y reconectar los λ segmentos restantes. Una solución se dice λ-óptima si no puede ser mejorada utilizando λ-intercambios. La solución permite configurar el parámetro “Lambda-</a:t>
+                </a:r>
+                <a:r>
+                  <a:rPr lang="es-ES" dirty="0" err="1"/>
+                  <a:t>Opt</a:t>
+                </a:r>
+                <a:r>
+                  <a:rPr lang="es-ES" dirty="0"/>
+                  <a:t>” que por defecto viene con el valor 3.</a:t>
+                </a:r>
+                <a:endParaRPr lang="es-UY" dirty="0"/>
+              </a:p>
+              <a:p>
+                <a:pPr lvl="1"/>
+                <a:endParaRPr lang="es-UY" dirty="0" smtClean="0"/>
+              </a:p>
+              <a:p>
+                <a:pPr lvl="1"/>
+                <a:r>
+                  <a:rPr lang="es-UY" dirty="0" smtClean="0"/>
+                  <a:t>R-</a:t>
+                </a:r>
+                <a:r>
+                  <a:rPr lang="es-UY" dirty="0" err="1" smtClean="0"/>
+                  <a:t>iopt</a:t>
+                </a:r>
+                <a:endParaRPr lang="es-UY" dirty="0" smtClean="0"/>
+              </a:p>
+              <a:p>
+                <a:pPr marL="457200" lvl="1" indent="0">
+                  <a:buNone/>
+                </a:pPr>
+                <a:r>
+                  <a:rPr lang="es-ES" dirty="0" smtClean="0"/>
+                  <a:t>Probar </a:t>
+                </a:r>
+                <a:r>
+                  <a:rPr lang="es-ES" dirty="0"/>
+                  <a:t>con todas las </a:t>
+                </a:r>
+                <a:r>
+                  <a:rPr lang="es-ES" dirty="0" smtClean="0"/>
+                  <a:t>posibilidades de variación entre dos rutas </a:t>
+                </a:r>
+                <a:r>
+                  <a:rPr lang="es-ES" dirty="0"/>
+                  <a:t>no sería factible. Tomando cuatro clientes consecutivos en dos </a:t>
+                </a:r>
+                <a:r>
+                  <a:rPr lang="es-ES" dirty="0" smtClean="0"/>
+                  <a:t>rutas </a:t>
+                </a:r>
+                <a14:m>
+                  <m:oMath xmlns:m="http://schemas.openxmlformats.org/officeDocument/2006/math">
+                    <m:sSub>
+                      <m:sSubPr>
+                        <m:ctrlPr>
+                          <a:rPr lang="es-UY" i="1"/>
+                        </m:ctrlPr>
+                      </m:sSubPr>
+                      <m:e>
+                        <m:r>
+                          <a:rPr lang="es-ES" i="1"/>
+                          <m:t>(</m:t>
+                        </m:r>
+                        <m:r>
+                          <a:rPr lang="es-ES" i="1"/>
+                          <m:t>𝑣</m:t>
+                        </m:r>
+                      </m:e>
+                      <m:sub>
+                        <m:r>
+                          <a:rPr lang="es-ES" i="1"/>
+                          <m:t>𝑖h</m:t>
+                        </m:r>
+                      </m:sub>
+                    </m:sSub>
+                    <m:r>
+                      <a:rPr lang="es-ES" i="1"/>
+                      <m:t>, </m:t>
+                    </m:r>
+                    <m:sSub>
+                      <m:sSubPr>
+                        <m:ctrlPr>
+                          <a:rPr lang="es-UY" i="1"/>
+                        </m:ctrlPr>
+                      </m:sSubPr>
+                      <m:e>
+                        <m:r>
+                          <a:rPr lang="es-ES" i="1"/>
+                          <m:t>𝑣</m:t>
+                        </m:r>
+                      </m:e>
+                      <m:sub>
+                        <m:r>
+                          <a:rPr lang="es-ES" i="1"/>
+                          <m:t>𝑗h</m:t>
+                        </m:r>
+                      </m:sub>
+                    </m:sSub>
+                    <m:r>
+                      <a:rPr lang="es-ES" i="1"/>
+                      <m:t>, </m:t>
+                    </m:r>
+                    <m:sSub>
+                      <m:sSubPr>
+                        <m:ctrlPr>
+                          <a:rPr lang="es-UY" i="1"/>
+                        </m:ctrlPr>
+                      </m:sSubPr>
+                      <m:e>
+                        <m:r>
+                          <a:rPr lang="es-ES" i="1"/>
+                          <m:t>𝑣</m:t>
+                        </m:r>
+                      </m:e>
+                      <m:sub>
+                        <m:r>
+                          <a:rPr lang="es-ES" i="1"/>
+                          <m:t>𝑘h</m:t>
+                        </m:r>
+                      </m:sub>
+                    </m:sSub>
+                    <m:r>
+                      <a:rPr lang="es-ES" i="1"/>
+                      <m:t>, </m:t>
+                    </m:r>
+                    <m:sSub>
+                      <m:sSubPr>
+                        <m:ctrlPr>
+                          <a:rPr lang="es-UY" i="1"/>
+                        </m:ctrlPr>
+                      </m:sSubPr>
+                      <m:e>
+                        <m:r>
+                          <a:rPr lang="es-ES" i="1"/>
+                          <m:t>𝑣</m:t>
+                        </m:r>
+                      </m:e>
+                      <m:sub>
+                        <m:r>
+                          <a:rPr lang="es-ES" i="1"/>
+                          <m:t>𝑙h</m:t>
+                        </m:r>
+                      </m:sub>
+                    </m:sSub>
+                    <m:r>
+                      <a:rPr lang="es-ES" i="1"/>
+                      <m:t>)</m:t>
+                    </m:r>
+                  </m:oMath>
+                </a14:m>
+                <a:r>
+                  <a:rPr lang="es-ES" dirty="0"/>
+                  <a:t>, </a:t>
+                </a:r>
+                <a14:m>
+                  <m:oMath xmlns:m="http://schemas.openxmlformats.org/officeDocument/2006/math">
+                    <m:r>
+                      <a:rPr lang="es-ES" i="1"/>
+                      <m:t>h</m:t>
+                    </m:r>
+                    <m:r>
+                      <a:rPr lang="es-ES" i="1"/>
+                      <m:t>=1,2</m:t>
+                    </m:r>
+                  </m:oMath>
+                </a14:m>
+                <a:r>
+                  <a:rPr lang="es-ES" dirty="0"/>
+                  <a:t>. </a:t>
+                </a:r>
+                <a:endParaRPr lang="es-ES" dirty="0" smtClean="0"/>
+              </a:p>
+              <a:p>
+                <a:pPr lvl="1"/>
+                <a:r>
+                  <a:rPr lang="es-UY" dirty="0"/>
+                  <a:t>Insertar </a:t>
+                </a:r>
+                <a14:m>
+                  <m:oMath xmlns:m="http://schemas.openxmlformats.org/officeDocument/2006/math">
+                    <m:sSub>
+                      <m:sSubPr>
+                        <m:ctrlPr>
+                          <a:rPr lang="es-UY" i="1"/>
+                        </m:ctrlPr>
+                      </m:sSubPr>
+                      <m:e>
+                        <m:r>
+                          <a:rPr lang="es-UY" i="1"/>
+                          <m:t>𝑣</m:t>
+                        </m:r>
+                      </m:e>
+                      <m:sub>
+                        <m:r>
+                          <a:rPr lang="es-UY" i="1"/>
+                          <m:t>𝑗</m:t>
+                        </m:r>
+                        <m:r>
+                          <a:rPr lang="es-UY" i="1"/>
+                          <m:t>1</m:t>
+                        </m:r>
+                      </m:sub>
+                    </m:sSub>
+                  </m:oMath>
+                </a14:m>
+                <a:r>
+                  <a:rPr lang="es-ES" dirty="0"/>
+                  <a:t> </a:t>
+                </a:r>
+                <a:r>
+                  <a:rPr lang="es-UY" dirty="0"/>
+                  <a:t>entre </a:t>
+                </a:r>
+                <a14:m>
+                  <m:oMath xmlns:m="http://schemas.openxmlformats.org/officeDocument/2006/math">
+                    <m:sSub>
+                      <m:sSubPr>
+                        <m:ctrlPr>
+                          <a:rPr lang="es-UY" i="1"/>
+                        </m:ctrlPr>
+                      </m:sSubPr>
+                      <m:e>
+                        <m:r>
+                          <a:rPr lang="es-UY" i="1"/>
+                          <m:t>𝑣</m:t>
+                        </m:r>
+                      </m:e>
+                      <m:sub>
+                        <m:r>
+                          <a:rPr lang="es-UY" i="1"/>
+                          <m:t>𝑖</m:t>
+                        </m:r>
+                        <m:r>
+                          <a:rPr lang="es-UY" i="1"/>
+                          <m:t>2</m:t>
+                        </m:r>
+                      </m:sub>
+                    </m:sSub>
+                  </m:oMath>
+                </a14:m>
+                <a:r>
+                  <a:rPr lang="es-UY" dirty="0"/>
+                  <a:t> y </a:t>
+                </a:r>
+                <a14:m>
+                  <m:oMath xmlns:m="http://schemas.openxmlformats.org/officeDocument/2006/math">
+                    <m:sSub>
+                      <m:sSubPr>
+                        <m:ctrlPr>
+                          <a:rPr lang="es-UY" i="1"/>
+                        </m:ctrlPr>
+                      </m:sSubPr>
+                      <m:e>
+                        <m:r>
+                          <a:rPr lang="es-UY" i="1"/>
+                          <m:t>𝑣</m:t>
+                        </m:r>
+                      </m:e>
+                      <m:sub>
+                        <m:r>
+                          <a:rPr lang="es-UY" i="1"/>
+                          <m:t>𝑗</m:t>
+                        </m:r>
+                        <m:r>
+                          <a:rPr lang="es-UY" i="1"/>
+                          <m:t>2</m:t>
+                        </m:r>
+                      </m:sub>
+                    </m:sSub>
+                  </m:oMath>
+                </a14:m>
+                <a:endParaRPr lang="es-UY" dirty="0"/>
+              </a:p>
+              <a:p>
+                <a:pPr lvl="1"/>
+                <a:r>
+                  <a:rPr lang="es-UY" dirty="0"/>
+                  <a:t>Insertar </a:t>
+                </a:r>
+                <a14:m>
+                  <m:oMath xmlns:m="http://schemas.openxmlformats.org/officeDocument/2006/math">
+                    <m:sSub>
+                      <m:sSubPr>
+                        <m:ctrlPr>
+                          <a:rPr lang="es-UY" i="1"/>
+                        </m:ctrlPr>
+                      </m:sSubPr>
+                      <m:e>
+                        <m:r>
+                          <a:rPr lang="es-UY" i="1"/>
+                          <m:t>𝑣</m:t>
+                        </m:r>
+                      </m:e>
+                      <m:sub>
+                        <m:r>
+                          <a:rPr lang="es-UY" i="1"/>
+                          <m:t>𝑗</m:t>
+                        </m:r>
+                        <m:r>
+                          <a:rPr lang="es-UY" i="1"/>
+                          <m:t>2</m:t>
+                        </m:r>
+                      </m:sub>
+                    </m:sSub>
+                  </m:oMath>
+                </a14:m>
+                <a:r>
+                  <a:rPr lang="es-ES" dirty="0"/>
+                  <a:t> </a:t>
+                </a:r>
+                <a:r>
+                  <a:rPr lang="es-UY" dirty="0"/>
+                  <a:t>entre </a:t>
+                </a:r>
+                <a14:m>
+                  <m:oMath xmlns:m="http://schemas.openxmlformats.org/officeDocument/2006/math">
+                    <m:sSub>
+                      <m:sSubPr>
+                        <m:ctrlPr>
+                          <a:rPr lang="es-UY" i="1"/>
+                        </m:ctrlPr>
+                      </m:sSubPr>
+                      <m:e>
+                        <m:r>
+                          <a:rPr lang="es-UY" i="1"/>
+                          <m:t>𝑣</m:t>
+                        </m:r>
+                      </m:e>
+                      <m:sub>
+                        <m:r>
+                          <a:rPr lang="es-UY" i="1"/>
+                          <m:t>𝑖</m:t>
+                        </m:r>
+                        <m:r>
+                          <a:rPr lang="es-UY" i="1"/>
+                          <m:t>1</m:t>
+                        </m:r>
+                      </m:sub>
+                    </m:sSub>
+                  </m:oMath>
+                </a14:m>
+                <a:r>
+                  <a:rPr lang="es-UY" dirty="0"/>
+                  <a:t> y </a:t>
+                </a:r>
+                <a14:m>
+                  <m:oMath xmlns:m="http://schemas.openxmlformats.org/officeDocument/2006/math">
+                    <m:sSub>
+                      <m:sSubPr>
+                        <m:ctrlPr>
+                          <a:rPr lang="es-UY" i="1"/>
+                        </m:ctrlPr>
+                      </m:sSubPr>
+                      <m:e>
+                        <m:r>
+                          <a:rPr lang="es-UY" i="1"/>
+                          <m:t>𝑣</m:t>
+                        </m:r>
+                      </m:e>
+                      <m:sub>
+                        <m:r>
+                          <a:rPr lang="es-UY" i="1"/>
+                          <m:t>𝑗</m:t>
+                        </m:r>
+                        <m:r>
+                          <a:rPr lang="es-UY" i="1"/>
+                          <m:t>1</m:t>
+                        </m:r>
+                      </m:sub>
+                    </m:sSub>
+                  </m:oMath>
+                </a14:m>
+                <a:endParaRPr lang="es-UY" dirty="0"/>
+              </a:p>
+              <a:p>
+                <a:pPr lvl="1"/>
+                <a:r>
+                  <a:rPr lang="es-UY" dirty="0"/>
+                  <a:t>Intercambiar </a:t>
+                </a:r>
+                <a14:m>
+                  <m:oMath xmlns:m="http://schemas.openxmlformats.org/officeDocument/2006/math">
+                    <m:sSub>
+                      <m:sSubPr>
+                        <m:ctrlPr>
+                          <a:rPr lang="es-UY" i="1"/>
+                        </m:ctrlPr>
+                      </m:sSubPr>
+                      <m:e>
+                        <m:r>
+                          <a:rPr lang="es-UY" i="1"/>
+                          <m:t>𝑣</m:t>
+                        </m:r>
+                      </m:e>
+                      <m:sub>
+                        <m:r>
+                          <a:rPr lang="es-UY" i="1"/>
+                          <m:t>𝑗</m:t>
+                        </m:r>
+                        <m:r>
+                          <a:rPr lang="es-UY" i="1"/>
+                          <m:t>1</m:t>
+                        </m:r>
+                      </m:sub>
+                    </m:sSub>
+                  </m:oMath>
+                </a14:m>
+                <a:r>
+                  <a:rPr lang="es-UY" dirty="0"/>
+                  <a:t> y </a:t>
+                </a:r>
+                <a14:m>
+                  <m:oMath xmlns:m="http://schemas.openxmlformats.org/officeDocument/2006/math">
+                    <m:sSub>
+                      <m:sSubPr>
+                        <m:ctrlPr>
+                          <a:rPr lang="es-UY" i="1"/>
+                        </m:ctrlPr>
+                      </m:sSubPr>
+                      <m:e>
+                        <m:r>
+                          <a:rPr lang="es-UY" i="1"/>
+                          <m:t>𝑣</m:t>
+                        </m:r>
+                      </m:e>
+                      <m:sub>
+                        <m:r>
+                          <a:rPr lang="es-UY" i="1"/>
+                          <m:t>𝑗</m:t>
+                        </m:r>
+                        <m:r>
+                          <a:rPr lang="es-UY" i="1"/>
+                          <m:t>2</m:t>
+                        </m:r>
+                      </m:sub>
+                    </m:sSub>
+                  </m:oMath>
+                </a14:m>
+                <a:endParaRPr lang="es-UY" dirty="0"/>
+              </a:p>
+              <a:p>
+                <a:pPr lvl="1"/>
+                <a:r>
+                  <a:rPr lang="es-UY" dirty="0"/>
+                  <a:t>Insertar (</a:t>
+                </a:r>
+                <a14:m>
+                  <m:oMath xmlns:m="http://schemas.openxmlformats.org/officeDocument/2006/math">
+                    <m:sSub>
+                      <m:sSubPr>
+                        <m:ctrlPr>
+                          <a:rPr lang="es-UY" i="1"/>
+                        </m:ctrlPr>
+                      </m:sSubPr>
+                      <m:e>
+                        <m:r>
+                          <a:rPr lang="es-UY" i="1"/>
+                          <m:t>𝑣</m:t>
+                        </m:r>
+                      </m:e>
+                      <m:sub>
+                        <m:r>
+                          <a:rPr lang="es-UY" i="1"/>
+                          <m:t>𝑗</m:t>
+                        </m:r>
+                        <m:r>
+                          <a:rPr lang="es-UY" i="1"/>
+                          <m:t>1</m:t>
+                        </m:r>
+                      </m:sub>
+                    </m:sSub>
+                  </m:oMath>
+                </a14:m>
+                <a:r>
+                  <a:rPr lang="es-UY" dirty="0"/>
+                  <a:t>,</a:t>
+                </a:r>
+                <a14:m>
+                  <m:oMath xmlns:m="http://schemas.openxmlformats.org/officeDocument/2006/math">
+                    <m:r>
+                      <a:rPr lang="es-UY" i="1"/>
+                      <m:t> </m:t>
+                    </m:r>
+                    <m:sSub>
+                      <m:sSubPr>
+                        <m:ctrlPr>
+                          <a:rPr lang="es-UY" i="1"/>
+                        </m:ctrlPr>
+                      </m:sSubPr>
+                      <m:e>
+                        <m:r>
+                          <a:rPr lang="es-UY" i="1"/>
+                          <m:t>𝑣</m:t>
+                        </m:r>
+                      </m:e>
+                      <m:sub>
+                        <m:r>
+                          <a:rPr lang="es-UY" i="1"/>
+                          <m:t>𝑘</m:t>
+                        </m:r>
+                        <m:r>
+                          <a:rPr lang="es-UY" i="1"/>
+                          <m:t>1</m:t>
+                        </m:r>
+                      </m:sub>
+                    </m:sSub>
+                  </m:oMath>
+                </a14:m>
+                <a:r>
+                  <a:rPr lang="es-UY" dirty="0"/>
+                  <a:t>) entre </a:t>
+                </a:r>
+                <a14:m>
+                  <m:oMath xmlns:m="http://schemas.openxmlformats.org/officeDocument/2006/math">
+                    <m:sSub>
+                      <m:sSubPr>
+                        <m:ctrlPr>
+                          <a:rPr lang="es-UY" i="1"/>
+                        </m:ctrlPr>
+                      </m:sSubPr>
+                      <m:e>
+                        <m:r>
+                          <a:rPr lang="es-UY" i="1"/>
+                          <m:t>𝑣</m:t>
+                        </m:r>
+                      </m:e>
+                      <m:sub>
+                        <m:r>
+                          <a:rPr lang="es-UY" i="1"/>
+                          <m:t>𝑖</m:t>
+                        </m:r>
+                        <m:r>
+                          <a:rPr lang="es-UY" i="1"/>
+                          <m:t>2</m:t>
+                        </m:r>
+                      </m:sub>
+                    </m:sSub>
+                  </m:oMath>
+                </a14:m>
+                <a:r>
+                  <a:rPr lang="es-UY" dirty="0"/>
+                  <a:t> y </a:t>
+                </a:r>
+                <a14:m>
+                  <m:oMath xmlns:m="http://schemas.openxmlformats.org/officeDocument/2006/math">
+                    <m:sSub>
+                      <m:sSubPr>
+                        <m:ctrlPr>
+                          <a:rPr lang="es-UY" i="1"/>
+                        </m:ctrlPr>
+                      </m:sSubPr>
+                      <m:e>
+                        <m:r>
+                          <a:rPr lang="es-UY" i="1"/>
+                          <m:t>𝑣</m:t>
+                        </m:r>
+                      </m:e>
+                      <m:sub>
+                        <m:r>
+                          <a:rPr lang="es-UY" i="1"/>
+                          <m:t>𝑗</m:t>
+                        </m:r>
+                        <m:r>
+                          <a:rPr lang="es-UY" i="1"/>
+                          <m:t>2</m:t>
+                        </m:r>
+                      </m:sub>
+                    </m:sSub>
+                  </m:oMath>
+                </a14:m>
+                <a:endParaRPr lang="es-UY" dirty="0"/>
+              </a:p>
+              <a:p>
+                <a:pPr lvl="1"/>
+                <a:r>
+                  <a:rPr lang="es-UY" dirty="0"/>
+                  <a:t>Insertar (</a:t>
+                </a:r>
+                <a14:m>
+                  <m:oMath xmlns:m="http://schemas.openxmlformats.org/officeDocument/2006/math">
+                    <m:sSub>
+                      <m:sSubPr>
+                        <m:ctrlPr>
+                          <a:rPr lang="es-UY" i="1"/>
+                        </m:ctrlPr>
+                      </m:sSubPr>
+                      <m:e>
+                        <m:r>
+                          <a:rPr lang="es-UY" i="1"/>
+                          <m:t>𝑣</m:t>
+                        </m:r>
+                      </m:e>
+                      <m:sub>
+                        <m:r>
+                          <a:rPr lang="es-UY" i="1"/>
+                          <m:t>𝑗</m:t>
+                        </m:r>
+                        <m:r>
+                          <a:rPr lang="es-UY" i="1"/>
+                          <m:t>2</m:t>
+                        </m:r>
+                      </m:sub>
+                    </m:sSub>
+                  </m:oMath>
+                </a14:m>
+                <a:r>
+                  <a:rPr lang="es-UY" dirty="0"/>
+                  <a:t>,</a:t>
+                </a:r>
+                <a14:m>
+                  <m:oMath xmlns:m="http://schemas.openxmlformats.org/officeDocument/2006/math">
+                    <m:r>
+                      <a:rPr lang="es-UY" i="1"/>
+                      <m:t> </m:t>
+                    </m:r>
+                    <m:sSub>
+                      <m:sSubPr>
+                        <m:ctrlPr>
+                          <a:rPr lang="es-UY" i="1"/>
+                        </m:ctrlPr>
+                      </m:sSubPr>
+                      <m:e>
+                        <m:r>
+                          <a:rPr lang="es-UY" i="1"/>
+                          <m:t>𝑣</m:t>
+                        </m:r>
+                      </m:e>
+                      <m:sub>
+                        <m:r>
+                          <a:rPr lang="es-UY" i="1"/>
+                          <m:t>𝑘</m:t>
+                        </m:r>
+                        <m:r>
+                          <a:rPr lang="es-UY" i="1"/>
+                          <m:t>2</m:t>
+                        </m:r>
+                      </m:sub>
+                    </m:sSub>
+                  </m:oMath>
+                </a14:m>
+                <a:r>
+                  <a:rPr lang="es-ES" dirty="0"/>
+                  <a:t>)</a:t>
+                </a:r>
+                <a:r>
+                  <a:rPr lang="es-UY" dirty="0"/>
+                  <a:t> entre </a:t>
+                </a:r>
+                <a14:m>
+                  <m:oMath xmlns:m="http://schemas.openxmlformats.org/officeDocument/2006/math">
+                    <m:sSub>
+                      <m:sSubPr>
+                        <m:ctrlPr>
+                          <a:rPr lang="es-UY" i="1"/>
+                        </m:ctrlPr>
+                      </m:sSubPr>
+                      <m:e>
+                        <m:r>
+                          <a:rPr lang="es-UY" i="1"/>
+                          <m:t>𝑣</m:t>
+                        </m:r>
+                      </m:e>
+                      <m:sub>
+                        <m:r>
+                          <a:rPr lang="es-UY" i="1"/>
+                          <m:t>𝑖</m:t>
+                        </m:r>
+                        <m:r>
+                          <a:rPr lang="es-UY" i="1"/>
+                          <m:t>1</m:t>
+                        </m:r>
+                      </m:sub>
+                    </m:sSub>
+                  </m:oMath>
+                </a14:m>
+                <a:r>
+                  <a:rPr lang="es-UY" dirty="0"/>
+                  <a:t> y </a:t>
+                </a:r>
+                <a14:m>
+                  <m:oMath xmlns:m="http://schemas.openxmlformats.org/officeDocument/2006/math">
+                    <m:sSub>
+                      <m:sSubPr>
+                        <m:ctrlPr>
+                          <a:rPr lang="es-UY" i="1"/>
+                        </m:ctrlPr>
+                      </m:sSubPr>
+                      <m:e>
+                        <m:r>
+                          <a:rPr lang="es-UY" i="1"/>
+                          <m:t>𝑣</m:t>
+                        </m:r>
+                      </m:e>
+                      <m:sub>
+                        <m:r>
+                          <a:rPr lang="es-UY" i="1"/>
+                          <m:t>𝑗</m:t>
+                        </m:r>
+                        <m:r>
+                          <a:rPr lang="es-UY" i="1"/>
+                          <m:t>1</m:t>
+                        </m:r>
+                      </m:sub>
+                    </m:sSub>
+                  </m:oMath>
+                </a14:m>
+                <a:endParaRPr lang="es-UY" dirty="0"/>
+              </a:p>
+              <a:p>
+                <a:pPr lvl="1"/>
+                <a:r>
+                  <a:rPr lang="es-UY" dirty="0"/>
+                  <a:t>Intercambiar (</a:t>
+                </a:r>
+                <a14:m>
+                  <m:oMath xmlns:m="http://schemas.openxmlformats.org/officeDocument/2006/math">
+                    <m:sSub>
+                      <m:sSubPr>
+                        <m:ctrlPr>
+                          <a:rPr lang="es-UY" i="1"/>
+                        </m:ctrlPr>
+                      </m:sSubPr>
+                      <m:e>
+                        <m:r>
+                          <a:rPr lang="es-UY" i="1"/>
+                          <m:t>𝑣</m:t>
+                        </m:r>
+                      </m:e>
+                      <m:sub>
+                        <m:r>
+                          <a:rPr lang="es-UY" i="1"/>
+                          <m:t>𝑗</m:t>
+                        </m:r>
+                        <m:r>
+                          <a:rPr lang="es-UY" i="1"/>
+                          <m:t>1</m:t>
+                        </m:r>
+                      </m:sub>
+                    </m:sSub>
+                  </m:oMath>
+                </a14:m>
+                <a:r>
+                  <a:rPr lang="es-UY" dirty="0"/>
+                  <a:t>,</a:t>
+                </a:r>
+                <a14:m>
+                  <m:oMath xmlns:m="http://schemas.openxmlformats.org/officeDocument/2006/math">
+                    <m:r>
+                      <a:rPr lang="es-UY" i="1"/>
+                      <m:t> </m:t>
+                    </m:r>
+                    <m:sSub>
+                      <m:sSubPr>
+                        <m:ctrlPr>
+                          <a:rPr lang="es-UY" i="1"/>
+                        </m:ctrlPr>
+                      </m:sSubPr>
+                      <m:e>
+                        <m:r>
+                          <a:rPr lang="es-UY" i="1"/>
+                          <m:t>𝑣</m:t>
+                        </m:r>
+                      </m:e>
+                      <m:sub>
+                        <m:r>
+                          <a:rPr lang="es-UY" i="1"/>
+                          <m:t>𝑘</m:t>
+                        </m:r>
+                        <m:r>
+                          <a:rPr lang="es-UY" i="1"/>
+                          <m:t>1</m:t>
+                        </m:r>
+                      </m:sub>
+                    </m:sSub>
+                  </m:oMath>
+                </a14:m>
+                <a:r>
+                  <a:rPr lang="es-UY" dirty="0"/>
+                  <a:t>) con (</a:t>
+                </a:r>
+                <a14:m>
+                  <m:oMath xmlns:m="http://schemas.openxmlformats.org/officeDocument/2006/math">
+                    <m:sSub>
+                      <m:sSubPr>
+                        <m:ctrlPr>
+                          <a:rPr lang="es-UY" i="1"/>
+                        </m:ctrlPr>
+                      </m:sSubPr>
+                      <m:e>
+                        <m:r>
+                          <a:rPr lang="es-UY" i="1"/>
+                          <m:t>𝑣</m:t>
+                        </m:r>
+                      </m:e>
+                      <m:sub>
+                        <m:r>
+                          <a:rPr lang="es-UY" i="1"/>
+                          <m:t>𝑗</m:t>
+                        </m:r>
+                        <m:r>
+                          <a:rPr lang="es-UY" i="1"/>
+                          <m:t>2</m:t>
+                        </m:r>
+                      </m:sub>
+                    </m:sSub>
+                  </m:oMath>
+                </a14:m>
+                <a:r>
+                  <a:rPr lang="es-UY" dirty="0"/>
+                  <a:t>,</a:t>
+                </a:r>
+                <a14:m>
+                  <m:oMath xmlns:m="http://schemas.openxmlformats.org/officeDocument/2006/math">
+                    <m:r>
+                      <a:rPr lang="es-UY" i="1"/>
+                      <m:t> </m:t>
+                    </m:r>
+                    <m:sSub>
+                      <m:sSubPr>
+                        <m:ctrlPr>
+                          <a:rPr lang="es-UY" i="1"/>
+                        </m:ctrlPr>
+                      </m:sSubPr>
+                      <m:e>
+                        <m:r>
+                          <a:rPr lang="es-UY" i="1"/>
+                          <m:t>𝑣</m:t>
+                        </m:r>
+                      </m:e>
+                      <m:sub>
+                        <m:r>
+                          <a:rPr lang="es-UY" i="1"/>
+                          <m:t>𝑘</m:t>
+                        </m:r>
+                        <m:r>
+                          <a:rPr lang="es-UY" i="1"/>
+                          <m:t>2</m:t>
+                        </m:r>
+                      </m:sub>
+                    </m:sSub>
+                  </m:oMath>
+                </a14:m>
+                <a:r>
+                  <a:rPr lang="es-UY" dirty="0"/>
+                  <a:t>)</a:t>
+                </a:r>
+              </a:p>
+            </p:txBody>
+          </p:sp>
+        </mc:Choice>
+        <mc:Fallback>
+          <p:sp>
+            <p:nvSpPr>
+              <p:cNvPr id="3" name="Content Placeholder 2"/>
+              <p:cNvSpPr>
+                <a:spLocks noGrp="1" noRot="1" noChangeAspect="1" noMove="1" noResize="1" noEditPoints="1" noAdjustHandles="1" noChangeArrowheads="1" noChangeShapeType="1" noTextEdit="1"/>
+              </p:cNvSpPr>
+              <p:nvPr>
+                <p:ph idx="1"/>
+              </p:nvPr>
+            </p:nvSpPr>
+            <p:spPr>
+              <a:xfrm>
+                <a:off x="838200" y="1851383"/>
+                <a:ext cx="10515600" cy="4351338"/>
+              </a:xfrm>
+              <a:blipFill rotWithShape="1">
+                <a:blip r:embed="rId2"/>
+                <a:stretch>
+                  <a:fillRect l="-696" t="-2801"/>
+                </a:stretch>
+              </a:blipFill>
+            </p:spPr>
+            <p:txBody>
+              <a:bodyPr/>
+              <a:lstStyle/>
+              <a:p>
+                <a:r>
+                  <a:rPr lang="es-UY">
+                    <a:noFill/>
+                  </a:rPr>
+                  <a:t> </a:t>
+                </a:r>
+              </a:p>
+            </p:txBody>
+          </p:sp>
+        </mc:Fallback>
+      </mc:AlternateContent>
     </p:spTree>
     <p:extLst>
       <p:ext uri="{BB962C8B-B14F-4D97-AF65-F5344CB8AC3E}">
@@ -8550,7 +9405,7 @@
   <a:extraClrSchemeLst/>
   <a:extLst>
     <a:ext uri="{05A4C25C-085E-4340-85A3-A5531E510DB2}">
-      <thm15:themeFamily xmlns:thm15="http://schemas.microsoft.com/office/thememl/2012/main" xmlns="" name="Office Theme" id="{62F939B6-93AF-4DB8-9C6B-D6C7DFDC589F}" vid="{4A3C46E8-61CC-4603-A589-7422A47A8E4A}"/>
+      <thm15:themeFamily xmlns="" xmlns:thm15="http://schemas.microsoft.com/office/thememl/2012/main" name="Office Theme" id="{62F939B6-93AF-4DB8-9C6B-D6C7DFDC589F}" vid="{4A3C46E8-61CC-4603-A589-7422A47A8E4A}"/>
     </a:ext>
   </a:extLst>
 </a:theme>

--- a/Version/Documentación/MDVRP.pptx
+++ b/Version/Documentación/MDVRP.pptx
@@ -20,12 +20,13 @@
     <p:sldId id="261" r:id="rId14"/>
     <p:sldId id="265" r:id="rId15"/>
     <p:sldId id="275" r:id="rId16"/>
-    <p:sldId id="276" r:id="rId17"/>
-    <p:sldId id="266" r:id="rId18"/>
-    <p:sldId id="267" r:id="rId19"/>
-    <p:sldId id="268" r:id="rId20"/>
-    <p:sldId id="269" r:id="rId21"/>
-    <p:sldId id="270" r:id="rId22"/>
+    <p:sldId id="280" r:id="rId17"/>
+    <p:sldId id="276" r:id="rId18"/>
+    <p:sldId id="266" r:id="rId19"/>
+    <p:sldId id="267" r:id="rId20"/>
+    <p:sldId id="268" r:id="rId21"/>
+    <p:sldId id="269" r:id="rId22"/>
+    <p:sldId id="270" r:id="rId23"/>
   </p:sldIdLst>
   <p:sldSz cx="12192000" cy="6858000"/>
   <p:notesSz cx="6858000" cy="9144000"/>
@@ -3485,8 +3486,8 @@
           </a:p>
         </p:txBody>
       </p:sp>
-      <mc:AlternateContent xmlns:mc="http://schemas.openxmlformats.org/markup-compatibility/2006">
-        <mc:Choice xmlns:a14="http://schemas.microsoft.com/office/drawing/2010/main" Requires="a14">
+      <mc:AlternateContent xmlns:mc="http://schemas.openxmlformats.org/markup-compatibility/2006" xmlns:a14="http://schemas.microsoft.com/office/drawing/2010/main">
+        <mc:Choice Requires="a14">
           <p:sp>
             <p:nvSpPr>
               <p:cNvPr id="3" name="Content Placeholder 2"/>
@@ -3585,97 +3586,131 @@
                     <m:sSub>
                       <m:sSubPr>
                         <m:ctrlPr>
-                          <a:rPr lang="es-UY" i="1"/>
+                          <a:rPr lang="es-UY" i="1">
+                            <a:latin typeface="Cambria Math"/>
+                          </a:rPr>
                         </m:ctrlPr>
                       </m:sSubPr>
                       <m:e>
                         <m:r>
-                          <a:rPr lang="es-ES" i="1"/>
+                          <a:rPr lang="es-ES" i="1">
+                            <a:latin typeface="Cambria Math"/>
+                          </a:rPr>
                           <m:t>(</m:t>
                         </m:r>
                         <m:r>
-                          <a:rPr lang="es-ES" i="1"/>
+                          <a:rPr lang="es-ES" i="1">
+                            <a:latin typeface="Cambria Math"/>
+                          </a:rPr>
                           <m:t>𝑣</m:t>
                         </m:r>
                       </m:e>
                       <m:sub>
                         <m:r>
-                          <a:rPr lang="es-ES" i="1"/>
+                          <a:rPr lang="es-ES" i="1">
+                            <a:latin typeface="Cambria Math"/>
+                          </a:rPr>
                           <m:t>𝑖h</m:t>
                         </m:r>
                       </m:sub>
                     </m:sSub>
                     <m:r>
-                      <a:rPr lang="es-ES" i="1"/>
+                      <a:rPr lang="es-ES" i="1">
+                        <a:latin typeface="Cambria Math"/>
+                      </a:rPr>
                       <m:t>, </m:t>
                     </m:r>
                     <m:sSub>
                       <m:sSubPr>
                         <m:ctrlPr>
-                          <a:rPr lang="es-UY" i="1"/>
+                          <a:rPr lang="es-UY" i="1">
+                            <a:latin typeface="Cambria Math"/>
+                          </a:rPr>
                         </m:ctrlPr>
                       </m:sSubPr>
                       <m:e>
                         <m:r>
-                          <a:rPr lang="es-ES" i="1"/>
+                          <a:rPr lang="es-ES" i="1">
+                            <a:latin typeface="Cambria Math"/>
+                          </a:rPr>
                           <m:t>𝑣</m:t>
                         </m:r>
                       </m:e>
                       <m:sub>
                         <m:r>
-                          <a:rPr lang="es-ES" i="1"/>
+                          <a:rPr lang="es-ES" i="1">
+                            <a:latin typeface="Cambria Math"/>
+                          </a:rPr>
                           <m:t>𝑗h</m:t>
                         </m:r>
                       </m:sub>
                     </m:sSub>
                     <m:r>
-                      <a:rPr lang="es-ES" i="1"/>
+                      <a:rPr lang="es-ES" i="1">
+                        <a:latin typeface="Cambria Math"/>
+                      </a:rPr>
                       <m:t>, </m:t>
                     </m:r>
                     <m:sSub>
                       <m:sSubPr>
                         <m:ctrlPr>
-                          <a:rPr lang="es-UY" i="1"/>
+                          <a:rPr lang="es-UY" i="1">
+                            <a:latin typeface="Cambria Math"/>
+                          </a:rPr>
                         </m:ctrlPr>
                       </m:sSubPr>
                       <m:e>
                         <m:r>
-                          <a:rPr lang="es-ES" i="1"/>
+                          <a:rPr lang="es-ES" i="1">
+                            <a:latin typeface="Cambria Math"/>
+                          </a:rPr>
                           <m:t>𝑣</m:t>
                         </m:r>
                       </m:e>
                       <m:sub>
                         <m:r>
-                          <a:rPr lang="es-ES" i="1"/>
+                          <a:rPr lang="es-ES" i="1">
+                            <a:latin typeface="Cambria Math"/>
+                          </a:rPr>
                           <m:t>𝑘h</m:t>
                         </m:r>
                       </m:sub>
                     </m:sSub>
                     <m:r>
-                      <a:rPr lang="es-ES" i="1"/>
+                      <a:rPr lang="es-ES" i="1">
+                        <a:latin typeface="Cambria Math"/>
+                      </a:rPr>
                       <m:t>, </m:t>
                     </m:r>
                     <m:sSub>
                       <m:sSubPr>
                         <m:ctrlPr>
-                          <a:rPr lang="es-UY" i="1"/>
+                          <a:rPr lang="es-UY" i="1">
+                            <a:latin typeface="Cambria Math"/>
+                          </a:rPr>
                         </m:ctrlPr>
                       </m:sSubPr>
                       <m:e>
                         <m:r>
-                          <a:rPr lang="es-ES" i="1"/>
+                          <a:rPr lang="es-ES" i="1">
+                            <a:latin typeface="Cambria Math"/>
+                          </a:rPr>
                           <m:t>𝑣</m:t>
                         </m:r>
                       </m:e>
                       <m:sub>
                         <m:r>
-                          <a:rPr lang="es-ES" i="1"/>
+                          <a:rPr lang="es-ES" i="1">
+                            <a:latin typeface="Cambria Math"/>
+                          </a:rPr>
                           <m:t>𝑙h</m:t>
                         </m:r>
                       </m:sub>
                     </m:sSub>
                     <m:r>
-                      <a:rPr lang="es-ES" i="1"/>
+                      <a:rPr lang="es-ES" i="1">
+                        <a:latin typeface="Cambria Math"/>
+                      </a:rPr>
                       <m:t>)</m:t>
                     </m:r>
                   </m:oMath>
@@ -3687,11 +3722,15 @@
                 <a14:m>
                   <m:oMath xmlns:m="http://schemas.openxmlformats.org/officeDocument/2006/math">
                     <m:r>
-                      <a:rPr lang="es-ES" i="1"/>
+                      <a:rPr lang="es-ES" i="1">
+                        <a:latin typeface="Cambria Math"/>
+                      </a:rPr>
                       <m:t>h</m:t>
                     </m:r>
                     <m:r>
-                      <a:rPr lang="es-ES" i="1"/>
+                      <a:rPr lang="es-ES" i="1">
+                        <a:latin typeface="Cambria Math"/>
+                      </a:rPr>
                       <m:t>=1,2</m:t>
                     </m:r>
                   </m:oMath>
@@ -3713,22 +3752,30 @@
                     <m:sSub>
                       <m:sSubPr>
                         <m:ctrlPr>
-                          <a:rPr lang="es-UY" i="1"/>
+                          <a:rPr lang="es-UY" i="1">
+                            <a:latin typeface="Cambria Math"/>
+                          </a:rPr>
                         </m:ctrlPr>
                       </m:sSubPr>
                       <m:e>
                         <m:r>
-                          <a:rPr lang="es-UY" i="1"/>
+                          <a:rPr lang="es-UY" i="1">
+                            <a:latin typeface="Cambria Math"/>
+                          </a:rPr>
                           <m:t>𝑣</m:t>
                         </m:r>
                       </m:e>
                       <m:sub>
                         <m:r>
-                          <a:rPr lang="es-UY" i="1"/>
+                          <a:rPr lang="es-UY" i="1">
+                            <a:latin typeface="Cambria Math"/>
+                          </a:rPr>
                           <m:t>𝑗</m:t>
                         </m:r>
                         <m:r>
-                          <a:rPr lang="es-UY" i="1"/>
+                          <a:rPr lang="es-UY" i="1">
+                            <a:latin typeface="Cambria Math"/>
+                          </a:rPr>
                           <m:t>1</m:t>
                         </m:r>
                       </m:sub>
@@ -3748,22 +3795,30 @@
                     <m:sSub>
                       <m:sSubPr>
                         <m:ctrlPr>
-                          <a:rPr lang="es-UY" i="1"/>
+                          <a:rPr lang="es-UY" i="1">
+                            <a:latin typeface="Cambria Math"/>
+                          </a:rPr>
                         </m:ctrlPr>
                       </m:sSubPr>
                       <m:e>
                         <m:r>
-                          <a:rPr lang="es-UY" i="1"/>
+                          <a:rPr lang="es-UY" i="1">
+                            <a:latin typeface="Cambria Math"/>
+                          </a:rPr>
                           <m:t>𝑣</m:t>
                         </m:r>
                       </m:e>
                       <m:sub>
                         <m:r>
-                          <a:rPr lang="es-UY" i="1"/>
+                          <a:rPr lang="es-UY" i="1">
+                            <a:latin typeface="Cambria Math"/>
+                          </a:rPr>
                           <m:t>𝑖</m:t>
                         </m:r>
                         <m:r>
-                          <a:rPr lang="es-UY" i="1"/>
+                          <a:rPr lang="es-UY" i="1">
+                            <a:latin typeface="Cambria Math"/>
+                          </a:rPr>
                           <m:t>2</m:t>
                         </m:r>
                       </m:sub>
@@ -3779,22 +3834,30 @@
                     <m:sSub>
                       <m:sSubPr>
                         <m:ctrlPr>
-                          <a:rPr lang="es-UY" i="1"/>
+                          <a:rPr lang="es-UY" i="1">
+                            <a:latin typeface="Cambria Math"/>
+                          </a:rPr>
                         </m:ctrlPr>
                       </m:sSubPr>
                       <m:e>
                         <m:r>
-                          <a:rPr lang="es-UY" i="1"/>
+                          <a:rPr lang="es-UY" i="1">
+                            <a:latin typeface="Cambria Math"/>
+                          </a:rPr>
                           <m:t>𝑣</m:t>
                         </m:r>
                       </m:e>
                       <m:sub>
                         <m:r>
-                          <a:rPr lang="es-UY" i="1"/>
+                          <a:rPr lang="es-UY" i="1">
+                            <a:latin typeface="Cambria Math"/>
+                          </a:rPr>
                           <m:t>𝑗</m:t>
                         </m:r>
                         <m:r>
-                          <a:rPr lang="es-UY" i="1"/>
+                          <a:rPr lang="es-UY" i="1">
+                            <a:latin typeface="Cambria Math"/>
+                          </a:rPr>
                           <m:t>2</m:t>
                         </m:r>
                       </m:sub>
@@ -3814,22 +3877,30 @@
                     <m:sSub>
                       <m:sSubPr>
                         <m:ctrlPr>
-                          <a:rPr lang="es-UY" i="1"/>
+                          <a:rPr lang="es-UY" i="1">
+                            <a:latin typeface="Cambria Math"/>
+                          </a:rPr>
                         </m:ctrlPr>
                       </m:sSubPr>
                       <m:e>
                         <m:r>
-                          <a:rPr lang="es-UY" i="1"/>
+                          <a:rPr lang="es-UY" i="1">
+                            <a:latin typeface="Cambria Math"/>
+                          </a:rPr>
                           <m:t>𝑣</m:t>
                         </m:r>
                       </m:e>
                       <m:sub>
                         <m:r>
-                          <a:rPr lang="es-UY" i="1"/>
+                          <a:rPr lang="es-UY" i="1">
+                            <a:latin typeface="Cambria Math"/>
+                          </a:rPr>
                           <m:t>𝑗</m:t>
                         </m:r>
                         <m:r>
-                          <a:rPr lang="es-UY" i="1"/>
+                          <a:rPr lang="es-UY" i="1">
+                            <a:latin typeface="Cambria Math"/>
+                          </a:rPr>
                           <m:t>2</m:t>
                         </m:r>
                       </m:sub>
@@ -3849,22 +3920,30 @@
                     <m:sSub>
                       <m:sSubPr>
                         <m:ctrlPr>
-                          <a:rPr lang="es-UY" i="1"/>
+                          <a:rPr lang="es-UY" i="1">
+                            <a:latin typeface="Cambria Math"/>
+                          </a:rPr>
                         </m:ctrlPr>
                       </m:sSubPr>
                       <m:e>
                         <m:r>
-                          <a:rPr lang="es-UY" i="1"/>
+                          <a:rPr lang="es-UY" i="1">
+                            <a:latin typeface="Cambria Math"/>
+                          </a:rPr>
                           <m:t>𝑣</m:t>
                         </m:r>
                       </m:e>
                       <m:sub>
                         <m:r>
-                          <a:rPr lang="es-UY" i="1"/>
+                          <a:rPr lang="es-UY" i="1">
+                            <a:latin typeface="Cambria Math"/>
+                          </a:rPr>
                           <m:t>𝑖</m:t>
                         </m:r>
                         <m:r>
-                          <a:rPr lang="es-UY" i="1"/>
+                          <a:rPr lang="es-UY" i="1">
+                            <a:latin typeface="Cambria Math"/>
+                          </a:rPr>
                           <m:t>1</m:t>
                         </m:r>
                       </m:sub>
@@ -3880,22 +3959,30 @@
                     <m:sSub>
                       <m:sSubPr>
                         <m:ctrlPr>
-                          <a:rPr lang="es-UY" i="1"/>
+                          <a:rPr lang="es-UY" i="1">
+                            <a:latin typeface="Cambria Math"/>
+                          </a:rPr>
                         </m:ctrlPr>
                       </m:sSubPr>
                       <m:e>
                         <m:r>
-                          <a:rPr lang="es-UY" i="1"/>
+                          <a:rPr lang="es-UY" i="1">
+                            <a:latin typeface="Cambria Math"/>
+                          </a:rPr>
                           <m:t>𝑣</m:t>
                         </m:r>
                       </m:e>
                       <m:sub>
                         <m:r>
-                          <a:rPr lang="es-UY" i="1"/>
+                          <a:rPr lang="es-UY" i="1">
+                            <a:latin typeface="Cambria Math"/>
+                          </a:rPr>
                           <m:t>𝑗</m:t>
                         </m:r>
                         <m:r>
-                          <a:rPr lang="es-UY" i="1"/>
+                          <a:rPr lang="es-UY" i="1">
+                            <a:latin typeface="Cambria Math"/>
+                          </a:rPr>
                           <m:t>1</m:t>
                         </m:r>
                       </m:sub>
@@ -3915,22 +4002,30 @@
                     <m:sSub>
                       <m:sSubPr>
                         <m:ctrlPr>
-                          <a:rPr lang="es-UY" i="1"/>
+                          <a:rPr lang="es-UY" i="1">
+                            <a:latin typeface="Cambria Math"/>
+                          </a:rPr>
                         </m:ctrlPr>
                       </m:sSubPr>
                       <m:e>
                         <m:r>
-                          <a:rPr lang="es-UY" i="1"/>
+                          <a:rPr lang="es-UY" i="1">
+                            <a:latin typeface="Cambria Math"/>
+                          </a:rPr>
                           <m:t>𝑣</m:t>
                         </m:r>
                       </m:e>
                       <m:sub>
                         <m:r>
-                          <a:rPr lang="es-UY" i="1"/>
+                          <a:rPr lang="es-UY" i="1">
+                            <a:latin typeface="Cambria Math"/>
+                          </a:rPr>
                           <m:t>𝑗</m:t>
                         </m:r>
                         <m:r>
-                          <a:rPr lang="es-UY" i="1"/>
+                          <a:rPr lang="es-UY" i="1">
+                            <a:latin typeface="Cambria Math"/>
+                          </a:rPr>
                           <m:t>1</m:t>
                         </m:r>
                       </m:sub>
@@ -3946,22 +4041,30 @@
                     <m:sSub>
                       <m:sSubPr>
                         <m:ctrlPr>
-                          <a:rPr lang="es-UY" i="1"/>
+                          <a:rPr lang="es-UY" i="1">
+                            <a:latin typeface="Cambria Math"/>
+                          </a:rPr>
                         </m:ctrlPr>
                       </m:sSubPr>
                       <m:e>
                         <m:r>
-                          <a:rPr lang="es-UY" i="1"/>
+                          <a:rPr lang="es-UY" i="1">
+                            <a:latin typeface="Cambria Math"/>
+                          </a:rPr>
                           <m:t>𝑣</m:t>
                         </m:r>
                       </m:e>
                       <m:sub>
                         <m:r>
-                          <a:rPr lang="es-UY" i="1"/>
+                          <a:rPr lang="es-UY" i="1">
+                            <a:latin typeface="Cambria Math"/>
+                          </a:rPr>
                           <m:t>𝑗</m:t>
                         </m:r>
                         <m:r>
-                          <a:rPr lang="es-UY" i="1"/>
+                          <a:rPr lang="es-UY" i="1">
+                            <a:latin typeface="Cambria Math"/>
+                          </a:rPr>
                           <m:t>2</m:t>
                         </m:r>
                       </m:sub>
@@ -3981,22 +4084,30 @@
                     <m:sSub>
                       <m:sSubPr>
                         <m:ctrlPr>
-                          <a:rPr lang="es-UY" i="1"/>
+                          <a:rPr lang="es-UY" i="1">
+                            <a:latin typeface="Cambria Math"/>
+                          </a:rPr>
                         </m:ctrlPr>
                       </m:sSubPr>
                       <m:e>
                         <m:r>
-                          <a:rPr lang="es-UY" i="1"/>
+                          <a:rPr lang="es-UY" i="1">
+                            <a:latin typeface="Cambria Math"/>
+                          </a:rPr>
                           <m:t>𝑣</m:t>
                         </m:r>
                       </m:e>
                       <m:sub>
                         <m:r>
-                          <a:rPr lang="es-UY" i="1"/>
+                          <a:rPr lang="es-UY" i="1">
+                            <a:latin typeface="Cambria Math"/>
+                          </a:rPr>
                           <m:t>𝑗</m:t>
                         </m:r>
                         <m:r>
-                          <a:rPr lang="es-UY" i="1"/>
+                          <a:rPr lang="es-UY" i="1">
+                            <a:latin typeface="Cambria Math"/>
+                          </a:rPr>
                           <m:t>1</m:t>
                         </m:r>
                       </m:sub>
@@ -4010,28 +4121,38 @@
                 <a14:m>
                   <m:oMath xmlns:m="http://schemas.openxmlformats.org/officeDocument/2006/math">
                     <m:r>
-                      <a:rPr lang="es-UY" i="1"/>
+                      <a:rPr lang="es-UY" i="1">
+                        <a:latin typeface="Cambria Math"/>
+                      </a:rPr>
                       <m:t> </m:t>
                     </m:r>
                     <m:sSub>
                       <m:sSubPr>
                         <m:ctrlPr>
-                          <a:rPr lang="es-UY" i="1"/>
+                          <a:rPr lang="es-UY" i="1">
+                            <a:latin typeface="Cambria Math"/>
+                          </a:rPr>
                         </m:ctrlPr>
                       </m:sSubPr>
                       <m:e>
                         <m:r>
-                          <a:rPr lang="es-UY" i="1"/>
+                          <a:rPr lang="es-UY" i="1">
+                            <a:latin typeface="Cambria Math"/>
+                          </a:rPr>
                           <m:t>𝑣</m:t>
                         </m:r>
                       </m:e>
                       <m:sub>
                         <m:r>
-                          <a:rPr lang="es-UY" i="1"/>
+                          <a:rPr lang="es-UY" i="1">
+                            <a:latin typeface="Cambria Math"/>
+                          </a:rPr>
                           <m:t>𝑘</m:t>
                         </m:r>
                         <m:r>
-                          <a:rPr lang="es-UY" i="1"/>
+                          <a:rPr lang="es-UY" i="1">
+                            <a:latin typeface="Cambria Math"/>
+                          </a:rPr>
                           <m:t>1</m:t>
                         </m:r>
                       </m:sub>
@@ -4047,22 +4168,30 @@
                     <m:sSub>
                       <m:sSubPr>
                         <m:ctrlPr>
-                          <a:rPr lang="es-UY" i="1"/>
+                          <a:rPr lang="es-UY" i="1">
+                            <a:latin typeface="Cambria Math"/>
+                          </a:rPr>
                         </m:ctrlPr>
                       </m:sSubPr>
                       <m:e>
                         <m:r>
-                          <a:rPr lang="es-UY" i="1"/>
+                          <a:rPr lang="es-UY" i="1">
+                            <a:latin typeface="Cambria Math"/>
+                          </a:rPr>
                           <m:t>𝑣</m:t>
                         </m:r>
                       </m:e>
                       <m:sub>
                         <m:r>
-                          <a:rPr lang="es-UY" i="1"/>
+                          <a:rPr lang="es-UY" i="1">
+                            <a:latin typeface="Cambria Math"/>
+                          </a:rPr>
                           <m:t>𝑖</m:t>
                         </m:r>
                         <m:r>
-                          <a:rPr lang="es-UY" i="1"/>
+                          <a:rPr lang="es-UY" i="1">
+                            <a:latin typeface="Cambria Math"/>
+                          </a:rPr>
                           <m:t>2</m:t>
                         </m:r>
                       </m:sub>
@@ -4078,22 +4207,30 @@
                     <m:sSub>
                       <m:sSubPr>
                         <m:ctrlPr>
-                          <a:rPr lang="es-UY" i="1"/>
+                          <a:rPr lang="es-UY" i="1">
+                            <a:latin typeface="Cambria Math"/>
+                          </a:rPr>
                         </m:ctrlPr>
                       </m:sSubPr>
                       <m:e>
                         <m:r>
-                          <a:rPr lang="es-UY" i="1"/>
+                          <a:rPr lang="es-UY" i="1">
+                            <a:latin typeface="Cambria Math"/>
+                          </a:rPr>
                           <m:t>𝑣</m:t>
                         </m:r>
                       </m:e>
                       <m:sub>
                         <m:r>
-                          <a:rPr lang="es-UY" i="1"/>
+                          <a:rPr lang="es-UY" i="1">
+                            <a:latin typeface="Cambria Math"/>
+                          </a:rPr>
                           <m:t>𝑗</m:t>
                         </m:r>
                         <m:r>
-                          <a:rPr lang="es-UY" i="1"/>
+                          <a:rPr lang="es-UY" i="1">
+                            <a:latin typeface="Cambria Math"/>
+                          </a:rPr>
                           <m:t>2</m:t>
                         </m:r>
                       </m:sub>
@@ -4113,22 +4250,30 @@
                     <m:sSub>
                       <m:sSubPr>
                         <m:ctrlPr>
-                          <a:rPr lang="es-UY" i="1"/>
+                          <a:rPr lang="es-UY" i="1">
+                            <a:latin typeface="Cambria Math"/>
+                          </a:rPr>
                         </m:ctrlPr>
                       </m:sSubPr>
                       <m:e>
                         <m:r>
-                          <a:rPr lang="es-UY" i="1"/>
+                          <a:rPr lang="es-UY" i="1">
+                            <a:latin typeface="Cambria Math"/>
+                          </a:rPr>
                           <m:t>𝑣</m:t>
                         </m:r>
                       </m:e>
                       <m:sub>
                         <m:r>
-                          <a:rPr lang="es-UY" i="1"/>
+                          <a:rPr lang="es-UY" i="1">
+                            <a:latin typeface="Cambria Math"/>
+                          </a:rPr>
                           <m:t>𝑗</m:t>
                         </m:r>
                         <m:r>
-                          <a:rPr lang="es-UY" i="1"/>
+                          <a:rPr lang="es-UY" i="1">
+                            <a:latin typeface="Cambria Math"/>
+                          </a:rPr>
                           <m:t>2</m:t>
                         </m:r>
                       </m:sub>
@@ -4142,28 +4287,38 @@
                 <a14:m>
                   <m:oMath xmlns:m="http://schemas.openxmlformats.org/officeDocument/2006/math">
                     <m:r>
-                      <a:rPr lang="es-UY" i="1"/>
+                      <a:rPr lang="es-UY" i="1">
+                        <a:latin typeface="Cambria Math"/>
+                      </a:rPr>
                       <m:t> </m:t>
                     </m:r>
                     <m:sSub>
                       <m:sSubPr>
                         <m:ctrlPr>
-                          <a:rPr lang="es-UY" i="1"/>
+                          <a:rPr lang="es-UY" i="1">
+                            <a:latin typeface="Cambria Math"/>
+                          </a:rPr>
                         </m:ctrlPr>
                       </m:sSubPr>
                       <m:e>
                         <m:r>
-                          <a:rPr lang="es-UY" i="1"/>
+                          <a:rPr lang="es-UY" i="1">
+                            <a:latin typeface="Cambria Math"/>
+                          </a:rPr>
                           <m:t>𝑣</m:t>
                         </m:r>
                       </m:e>
                       <m:sub>
                         <m:r>
-                          <a:rPr lang="es-UY" i="1"/>
+                          <a:rPr lang="es-UY" i="1">
+                            <a:latin typeface="Cambria Math"/>
+                          </a:rPr>
                           <m:t>𝑘</m:t>
                         </m:r>
                         <m:r>
-                          <a:rPr lang="es-UY" i="1"/>
+                          <a:rPr lang="es-UY" i="1">
+                            <a:latin typeface="Cambria Math"/>
+                          </a:rPr>
                           <m:t>2</m:t>
                         </m:r>
                       </m:sub>
@@ -4183,22 +4338,30 @@
                     <m:sSub>
                       <m:sSubPr>
                         <m:ctrlPr>
-                          <a:rPr lang="es-UY" i="1"/>
+                          <a:rPr lang="es-UY" i="1">
+                            <a:latin typeface="Cambria Math"/>
+                          </a:rPr>
                         </m:ctrlPr>
                       </m:sSubPr>
                       <m:e>
                         <m:r>
-                          <a:rPr lang="es-UY" i="1"/>
+                          <a:rPr lang="es-UY" i="1">
+                            <a:latin typeface="Cambria Math"/>
+                          </a:rPr>
                           <m:t>𝑣</m:t>
                         </m:r>
                       </m:e>
                       <m:sub>
                         <m:r>
-                          <a:rPr lang="es-UY" i="1"/>
+                          <a:rPr lang="es-UY" i="1">
+                            <a:latin typeface="Cambria Math"/>
+                          </a:rPr>
                           <m:t>𝑖</m:t>
                         </m:r>
                         <m:r>
-                          <a:rPr lang="es-UY" i="1"/>
+                          <a:rPr lang="es-UY" i="1">
+                            <a:latin typeface="Cambria Math"/>
+                          </a:rPr>
                           <m:t>1</m:t>
                         </m:r>
                       </m:sub>
@@ -4214,22 +4377,30 @@
                     <m:sSub>
                       <m:sSubPr>
                         <m:ctrlPr>
-                          <a:rPr lang="es-UY" i="1"/>
+                          <a:rPr lang="es-UY" i="1">
+                            <a:latin typeface="Cambria Math"/>
+                          </a:rPr>
                         </m:ctrlPr>
                       </m:sSubPr>
                       <m:e>
                         <m:r>
-                          <a:rPr lang="es-UY" i="1"/>
+                          <a:rPr lang="es-UY" i="1">
+                            <a:latin typeface="Cambria Math"/>
+                          </a:rPr>
                           <m:t>𝑣</m:t>
                         </m:r>
                       </m:e>
                       <m:sub>
                         <m:r>
-                          <a:rPr lang="es-UY" i="1"/>
+                          <a:rPr lang="es-UY" i="1">
+                            <a:latin typeface="Cambria Math"/>
+                          </a:rPr>
                           <m:t>𝑗</m:t>
                         </m:r>
                         <m:r>
-                          <a:rPr lang="es-UY" i="1"/>
+                          <a:rPr lang="es-UY" i="1">
+                            <a:latin typeface="Cambria Math"/>
+                          </a:rPr>
                           <m:t>1</m:t>
                         </m:r>
                       </m:sub>
@@ -4249,22 +4420,30 @@
                     <m:sSub>
                       <m:sSubPr>
                         <m:ctrlPr>
-                          <a:rPr lang="es-UY" i="1"/>
+                          <a:rPr lang="es-UY" i="1">
+                            <a:latin typeface="Cambria Math"/>
+                          </a:rPr>
                         </m:ctrlPr>
                       </m:sSubPr>
                       <m:e>
                         <m:r>
-                          <a:rPr lang="es-UY" i="1"/>
+                          <a:rPr lang="es-UY" i="1">
+                            <a:latin typeface="Cambria Math"/>
+                          </a:rPr>
                           <m:t>𝑣</m:t>
                         </m:r>
                       </m:e>
                       <m:sub>
                         <m:r>
-                          <a:rPr lang="es-UY" i="1"/>
+                          <a:rPr lang="es-UY" i="1">
+                            <a:latin typeface="Cambria Math"/>
+                          </a:rPr>
                           <m:t>𝑗</m:t>
                         </m:r>
                         <m:r>
-                          <a:rPr lang="es-UY" i="1"/>
+                          <a:rPr lang="es-UY" i="1">
+                            <a:latin typeface="Cambria Math"/>
+                          </a:rPr>
                           <m:t>1</m:t>
                         </m:r>
                       </m:sub>
@@ -4278,28 +4457,38 @@
                 <a14:m>
                   <m:oMath xmlns:m="http://schemas.openxmlformats.org/officeDocument/2006/math">
                     <m:r>
-                      <a:rPr lang="es-UY" i="1"/>
+                      <a:rPr lang="es-UY" i="1">
+                        <a:latin typeface="Cambria Math"/>
+                      </a:rPr>
                       <m:t> </m:t>
                     </m:r>
                     <m:sSub>
                       <m:sSubPr>
                         <m:ctrlPr>
-                          <a:rPr lang="es-UY" i="1"/>
+                          <a:rPr lang="es-UY" i="1">
+                            <a:latin typeface="Cambria Math"/>
+                          </a:rPr>
                         </m:ctrlPr>
                       </m:sSubPr>
                       <m:e>
                         <m:r>
-                          <a:rPr lang="es-UY" i="1"/>
+                          <a:rPr lang="es-UY" i="1">
+                            <a:latin typeface="Cambria Math"/>
+                          </a:rPr>
                           <m:t>𝑣</m:t>
                         </m:r>
                       </m:e>
                       <m:sub>
                         <m:r>
-                          <a:rPr lang="es-UY" i="1"/>
+                          <a:rPr lang="es-UY" i="1">
+                            <a:latin typeface="Cambria Math"/>
+                          </a:rPr>
                           <m:t>𝑘</m:t>
                         </m:r>
                         <m:r>
-                          <a:rPr lang="es-UY" i="1"/>
+                          <a:rPr lang="es-UY" i="1">
+                            <a:latin typeface="Cambria Math"/>
+                          </a:rPr>
                           <m:t>1</m:t>
                         </m:r>
                       </m:sub>
@@ -4315,22 +4504,30 @@
                     <m:sSub>
                       <m:sSubPr>
                         <m:ctrlPr>
-                          <a:rPr lang="es-UY" i="1"/>
+                          <a:rPr lang="es-UY" i="1">
+                            <a:latin typeface="Cambria Math"/>
+                          </a:rPr>
                         </m:ctrlPr>
                       </m:sSubPr>
                       <m:e>
                         <m:r>
-                          <a:rPr lang="es-UY" i="1"/>
+                          <a:rPr lang="es-UY" i="1">
+                            <a:latin typeface="Cambria Math"/>
+                          </a:rPr>
                           <m:t>𝑣</m:t>
                         </m:r>
                       </m:e>
                       <m:sub>
                         <m:r>
-                          <a:rPr lang="es-UY" i="1"/>
+                          <a:rPr lang="es-UY" i="1">
+                            <a:latin typeface="Cambria Math"/>
+                          </a:rPr>
                           <m:t>𝑗</m:t>
                         </m:r>
                         <m:r>
-                          <a:rPr lang="es-UY" i="1"/>
+                          <a:rPr lang="es-UY" i="1">
+                            <a:latin typeface="Cambria Math"/>
+                          </a:rPr>
                           <m:t>2</m:t>
                         </m:r>
                       </m:sub>
@@ -4344,28 +4541,38 @@
                 <a14:m>
                   <m:oMath xmlns:m="http://schemas.openxmlformats.org/officeDocument/2006/math">
                     <m:r>
-                      <a:rPr lang="es-UY" i="1"/>
+                      <a:rPr lang="es-UY" i="1">
+                        <a:latin typeface="Cambria Math"/>
+                      </a:rPr>
                       <m:t> </m:t>
                     </m:r>
                     <m:sSub>
                       <m:sSubPr>
                         <m:ctrlPr>
-                          <a:rPr lang="es-UY" i="1"/>
+                          <a:rPr lang="es-UY" i="1">
+                            <a:latin typeface="Cambria Math"/>
+                          </a:rPr>
                         </m:ctrlPr>
                       </m:sSubPr>
                       <m:e>
                         <m:r>
-                          <a:rPr lang="es-UY" i="1"/>
+                          <a:rPr lang="es-UY" i="1">
+                            <a:latin typeface="Cambria Math"/>
+                          </a:rPr>
                           <m:t>𝑣</m:t>
                         </m:r>
                       </m:e>
                       <m:sub>
                         <m:r>
-                          <a:rPr lang="es-UY" i="1"/>
+                          <a:rPr lang="es-UY" i="1">
+                            <a:latin typeface="Cambria Math"/>
+                          </a:rPr>
                           <m:t>𝑘</m:t>
                         </m:r>
                         <m:r>
-                          <a:rPr lang="es-UY" i="1"/>
+                          <a:rPr lang="es-UY" i="1">
+                            <a:latin typeface="Cambria Math"/>
+                          </a:rPr>
                           <m:t>2</m:t>
                         </m:r>
                       </m:sub>
@@ -4380,7 +4587,7 @@
             </p:txBody>
           </p:sp>
         </mc:Choice>
-        <mc:Fallback>
+        <mc:Fallback xmlns="">
           <p:sp>
             <p:nvSpPr>
               <p:cNvPr id="3" name="Content Placeholder 2"/>
@@ -4775,16 +4982,8 @@
               <a:t>MDVRP- </a:t>
             </a:r>
             <a:r>
-              <a:rPr lang="en-US" dirty="0" err="1" smtClean="0"/>
-              <a:t>Generación</a:t>
-            </a:r>
-            <a:r>
-              <a:rPr lang="en-US" dirty="0" smtClean="0"/>
-              <a:t> de </a:t>
-            </a:r>
-            <a:r>
-              <a:rPr lang="en-US" dirty="0" err="1" smtClean="0"/>
-              <a:t>mapa</a:t>
+              <a:rPr lang="es-UY" dirty="0" smtClean="0"/>
+              <a:t>Generación de mapa a partir de una matriz de distancias</a:t>
             </a:r>
             <a:r>
               <a:rPr lang="en-US" dirty="0" smtClean="0"/>
@@ -4804,21 +5003,31 @@
             <p:ph idx="1"/>
           </p:nvPr>
         </p:nvSpPr>
-        <p:spPr/>
+        <p:spPr>
+          <a:xfrm>
+            <a:off x="782392" y="2603945"/>
+            <a:ext cx="10515600" cy="3560138"/>
+          </a:xfrm>
+        </p:spPr>
         <p:txBody>
           <a:bodyPr/>
           <a:lstStyle/>
           <a:p>
-            <a:r>
-              <a:rPr lang="es-UY" dirty="0" smtClean="0">
-                <a:solidFill>
-                  <a:schemeClr val="accent1">
-                    <a:lumMod val="50000"/>
-                  </a:schemeClr>
-                </a:solidFill>
-              </a:rPr>
-              <a:t>Javier</a:t>
-            </a:r>
+            <a:pPr marL="0" indent="0">
+              <a:buNone/>
+            </a:pPr>
+            <a:endParaRPr lang="es-UY" dirty="0" smtClean="0">
+              <a:solidFill>
+                <a:schemeClr val="accent1">
+                  <a:lumMod val="50000"/>
+                </a:schemeClr>
+              </a:solidFill>
+            </a:endParaRPr>
+          </a:p>
+          <a:p>
+            <a:pPr marL="0" indent="0">
+              <a:buNone/>
+            </a:pPr>
             <a:endParaRPr lang="es-UY" dirty="0">
               <a:solidFill>
                 <a:schemeClr val="accent1">
@@ -4826,6 +5035,151 @@
                 </a:schemeClr>
               </a:solidFill>
             </a:endParaRPr>
+          </a:p>
+        </p:txBody>
+      </p:sp>
+      <p:pic>
+        <p:nvPicPr>
+          <p:cNvPr id="1026" name="Picture 2"/>
+          <p:cNvPicPr>
+            <a:picLocks noChangeAspect="1" noChangeArrowheads="1"/>
+          </p:cNvPicPr>
+          <p:nvPr/>
+        </p:nvPicPr>
+        <p:blipFill>
+          <a:blip r:embed="rId2">
+            <a:extLst>
+              <a:ext uri="{28A0092B-C50C-407E-A947-70E740481C1C}">
+                <a14:useLocalDpi xmlns:a14="http://schemas.microsoft.com/office/drawing/2010/main" val="0"/>
+              </a:ext>
+            </a:extLst>
+          </a:blip>
+          <a:srcRect/>
+          <a:stretch>
+            <a:fillRect/>
+          </a:stretch>
+        </p:blipFill>
+        <p:spPr bwMode="auto">
+          <a:xfrm>
+            <a:off x="1026016" y="3181082"/>
+            <a:ext cx="9616261" cy="2871986"/>
+          </a:xfrm>
+          <a:prstGeom prst="rect">
+            <a:avLst/>
+          </a:prstGeom>
+          <a:noFill/>
+          <a:ln>
+            <a:noFill/>
+          </a:ln>
+          <a:extLst>
+            <a:ext uri="{909E8E84-426E-40DD-AFC4-6F175D3DCCD1}">
+              <a14:hiddenFill xmlns:a14="http://schemas.microsoft.com/office/drawing/2010/main">
+                <a:solidFill>
+                  <a:schemeClr val="accent1"/>
+                </a:solidFill>
+              </a14:hiddenFill>
+            </a:ext>
+            <a:ext uri="{91240B29-F687-4F45-9708-019B960494DF}">
+              <a14:hiddenLine xmlns:a14="http://schemas.microsoft.com/office/drawing/2010/main" w="9525">
+                <a:solidFill>
+                  <a:schemeClr val="tx1"/>
+                </a:solidFill>
+                <a:miter lim="800000"/>
+                <a:headEnd/>
+                <a:tailEnd/>
+              </a14:hiddenLine>
+            </a:ext>
+          </a:extLst>
+        </p:spPr>
+      </p:pic>
+      <p:pic>
+        <p:nvPicPr>
+          <p:cNvPr id="1029" name="Picture 5"/>
+          <p:cNvPicPr>
+            <a:picLocks noChangeAspect="1" noChangeArrowheads="1"/>
+          </p:cNvPicPr>
+          <p:nvPr/>
+        </p:nvPicPr>
+        <p:blipFill>
+          <a:blip r:embed="rId3">
+            <a:extLst>
+              <a:ext uri="{28A0092B-C50C-407E-A947-70E740481C1C}">
+                <a14:useLocalDpi xmlns:a14="http://schemas.microsoft.com/office/drawing/2010/main" val="0"/>
+              </a:ext>
+            </a:extLst>
+          </a:blip>
+          <a:srcRect/>
+          <a:stretch>
+            <a:fillRect/>
+          </a:stretch>
+        </p:blipFill>
+        <p:spPr bwMode="auto">
+          <a:xfrm>
+            <a:off x="5585959" y="6210836"/>
+            <a:ext cx="876300" cy="523875"/>
+          </a:xfrm>
+          <a:prstGeom prst="rect">
+            <a:avLst/>
+          </a:prstGeom>
+          <a:noFill/>
+          <a:ln>
+            <a:noFill/>
+          </a:ln>
+          <a:extLst>
+            <a:ext uri="{909E8E84-426E-40DD-AFC4-6F175D3DCCD1}">
+              <a14:hiddenFill xmlns:a14="http://schemas.microsoft.com/office/drawing/2010/main">
+                <a:solidFill>
+                  <a:schemeClr val="accent1"/>
+                </a:solidFill>
+              </a14:hiddenFill>
+            </a:ext>
+            <a:ext uri="{91240B29-F687-4F45-9708-019B960494DF}">
+              <a14:hiddenLine xmlns:a14="http://schemas.microsoft.com/office/drawing/2010/main" w="9525">
+                <a:solidFill>
+                  <a:schemeClr val="tx1"/>
+                </a:solidFill>
+                <a:miter lim="800000"/>
+                <a:headEnd/>
+                <a:tailEnd/>
+              </a14:hiddenLine>
+            </a:ext>
+          </a:extLst>
+        </p:spPr>
+      </p:pic>
+      <p:sp>
+        <p:nvSpPr>
+          <p:cNvPr id="4" name="3 Rectángulo"/>
+          <p:cNvSpPr/>
+          <p:nvPr/>
+        </p:nvSpPr>
+        <p:spPr>
+          <a:xfrm>
+            <a:off x="1026016" y="1771276"/>
+            <a:ext cx="9174051" cy="1200329"/>
+          </a:xfrm>
+          <a:prstGeom prst="rect">
+            <a:avLst/>
+          </a:prstGeom>
+        </p:spPr>
+        <p:txBody>
+          <a:bodyPr wrap="square">
+            <a:spAutoFit/>
+          </a:bodyPr>
+          <a:lstStyle/>
+          <a:p>
+            <a:r>
+              <a:rPr lang="es-ES" dirty="0" smtClean="0"/>
+              <a:t>	El </a:t>
+            </a:r>
+            <a:r>
+              <a:rPr lang="es-ES" dirty="0"/>
+              <a:t>algoritmo de transformación consiste en seleccionar un nodo inicial,  y luego a través de la generación de números aleatorios, seleccionar los que cumplen más cercanamente con la matriz de distancias. De esta forma se agregan uno a uno los clientes hasta obtener el grafo </a:t>
+            </a:r>
+            <a:r>
+              <a:rPr lang="es-ES" dirty="0" smtClean="0"/>
+              <a:t>completo.</a:t>
+            </a:r>
+            <a:endParaRPr lang="es-UY" dirty="0"/>
           </a:p>
         </p:txBody>
       </p:sp>
@@ -4859,94 +5213,64 @@
           <a:chExt cx="0" cy="0"/>
         </a:xfrm>
       </p:grpSpPr>
-      <p:sp>
-        <p:nvSpPr>
-          <p:cNvPr id="2" name="Title 1"/>
-          <p:cNvSpPr>
-            <a:spLocks noGrp="1"/>
-          </p:cNvSpPr>
-          <p:nvPr>
-            <p:ph type="title"/>
-          </p:nvPr>
-        </p:nvSpPr>
-        <p:spPr/>
-        <p:txBody>
-          <a:bodyPr>
-            <a:normAutofit/>
-          </a:bodyPr>
-          <a:lstStyle/>
-          <a:p>
-            <a:r>
-              <a:rPr lang="en-US" dirty="0" smtClean="0"/>
-              <a:t>MDVRP- </a:t>
-            </a:r>
-            <a:r>
-              <a:rPr lang="en-US" dirty="0" err="1" smtClean="0"/>
-              <a:t>Generación</a:t>
-            </a:r>
-            <a:r>
-              <a:rPr lang="en-US" dirty="0" smtClean="0"/>
-              <a:t> </a:t>
-            </a:r>
-            <a:r>
-              <a:rPr lang="en-US" dirty="0" err="1" smtClean="0"/>
-              <a:t>randómica</a:t>
-            </a:r>
-            <a:r>
-              <a:rPr lang="en-US" dirty="0" smtClean="0"/>
-              <a:t> y </a:t>
-            </a:r>
-            <a:r>
-              <a:rPr lang="en-US" dirty="0" err="1" smtClean="0"/>
-              <a:t>otros</a:t>
-            </a:r>
-            <a:r>
-              <a:rPr lang="en-US" dirty="0" smtClean="0"/>
-              <a:t>...</a:t>
-            </a:r>
-            <a:endParaRPr lang="es-UY" dirty="0"/>
-          </a:p>
-        </p:txBody>
-      </p:sp>
-      <p:sp>
-        <p:nvSpPr>
-          <p:cNvPr id="3" name="2 Marcador de contenido"/>
-          <p:cNvSpPr>
-            <a:spLocks noGrp="1"/>
-          </p:cNvSpPr>
-          <p:nvPr>
-            <p:ph idx="1"/>
-          </p:nvPr>
-        </p:nvSpPr>
-        <p:spPr/>
-        <p:txBody>
-          <a:bodyPr/>
-          <a:lstStyle/>
-          <a:p>
-            <a:r>
-              <a:rPr lang="es-UY" dirty="0" smtClean="0">
+      <p:pic>
+        <p:nvPicPr>
+          <p:cNvPr id="4" name="Picture 4"/>
+          <p:cNvPicPr>
+            <a:picLocks noChangeAspect="1" noChangeArrowheads="1"/>
+          </p:cNvPicPr>
+          <p:nvPr/>
+        </p:nvPicPr>
+        <p:blipFill>
+          <a:blip r:embed="rId2">
+            <a:extLst>
+              <a:ext uri="{28A0092B-C50C-407E-A947-70E740481C1C}">
+                <a14:useLocalDpi xmlns:a14="http://schemas.microsoft.com/office/drawing/2010/main" val="0"/>
+              </a:ext>
+            </a:extLst>
+          </a:blip>
+          <a:srcRect/>
+          <a:stretch>
+            <a:fillRect/>
+          </a:stretch>
+        </p:blipFill>
+        <p:spPr bwMode="auto">
+          <a:xfrm>
+            <a:off x="1377735" y="553793"/>
+            <a:ext cx="9132499" cy="5821582"/>
+          </a:xfrm>
+          <a:prstGeom prst="rect">
+            <a:avLst/>
+          </a:prstGeom>
+          <a:noFill/>
+          <a:ln>
+            <a:noFill/>
+          </a:ln>
+          <a:extLst>
+            <a:ext uri="{909E8E84-426E-40DD-AFC4-6F175D3DCCD1}">
+              <a14:hiddenFill xmlns:a14="http://schemas.microsoft.com/office/drawing/2010/main">
                 <a:solidFill>
-                  <a:schemeClr val="accent1">
-                    <a:lumMod val="50000"/>
-                  </a:schemeClr>
+                  <a:schemeClr val="accent1"/>
                 </a:solidFill>
-              </a:rPr>
-              <a:t>Fran</a:t>
-            </a:r>
-            <a:endParaRPr lang="es-UY" dirty="0">
-              <a:solidFill>
-                <a:schemeClr val="accent1">
-                  <a:lumMod val="50000"/>
-                </a:schemeClr>
-              </a:solidFill>
-            </a:endParaRPr>
-          </a:p>
-        </p:txBody>
-      </p:sp>
+              </a14:hiddenFill>
+            </a:ext>
+            <a:ext uri="{91240B29-F687-4F45-9708-019B960494DF}">
+              <a14:hiddenLine xmlns:a14="http://schemas.microsoft.com/office/drawing/2010/main" w="9525">
+                <a:solidFill>
+                  <a:schemeClr val="tx1"/>
+                </a:solidFill>
+                <a:miter lim="800000"/>
+                <a:headEnd/>
+                <a:tailEnd/>
+              </a14:hiddenLine>
+            </a:ext>
+          </a:extLst>
+        </p:spPr>
+      </p:pic>
     </p:spTree>
     <p:extLst>
       <p:ext uri="{BB962C8B-B14F-4D97-AF65-F5344CB8AC3E}">
-        <p14:creationId xmlns:p14="http://schemas.microsoft.com/office/powerpoint/2010/main" val="2902674493"/>
+        <p14:creationId xmlns:p14="http://schemas.microsoft.com/office/powerpoint/2010/main" val="4262687040"/>
       </p:ext>
     </p:extLst>
   </p:cSld>
@@ -4985,153 +5309,82 @@
         </p:nvSpPr>
         <p:spPr/>
         <p:txBody>
+          <a:bodyPr>
+            <a:normAutofit/>
+          </a:bodyPr>
+          <a:lstStyle/>
+          <a:p>
+            <a:r>
+              <a:rPr lang="en-US" dirty="0" smtClean="0"/>
+              <a:t>MDVRP- </a:t>
+            </a:r>
+            <a:r>
+              <a:rPr lang="en-US" dirty="0" err="1" smtClean="0"/>
+              <a:t>Generación</a:t>
+            </a:r>
+            <a:r>
+              <a:rPr lang="en-US" dirty="0" smtClean="0"/>
+              <a:t> </a:t>
+            </a:r>
+            <a:r>
+              <a:rPr lang="en-US" dirty="0" err="1" smtClean="0"/>
+              <a:t>randómica</a:t>
+            </a:r>
+            <a:r>
+              <a:rPr lang="en-US" dirty="0" smtClean="0"/>
+              <a:t> y </a:t>
+            </a:r>
+            <a:r>
+              <a:rPr lang="en-US" dirty="0" err="1" smtClean="0"/>
+              <a:t>otros</a:t>
+            </a:r>
+            <a:r>
+              <a:rPr lang="en-US" dirty="0" smtClean="0"/>
+              <a:t>...</a:t>
+            </a:r>
+            <a:endParaRPr lang="es-UY" dirty="0"/>
+          </a:p>
+        </p:txBody>
+      </p:sp>
+      <p:sp>
+        <p:nvSpPr>
+          <p:cNvPr id="3" name="2 Marcador de contenido"/>
+          <p:cNvSpPr>
+            <a:spLocks noGrp="1"/>
+          </p:cNvSpPr>
+          <p:nvPr>
+            <p:ph idx="1"/>
+          </p:nvPr>
+        </p:nvSpPr>
+        <p:spPr/>
+        <p:txBody>
           <a:bodyPr/>
           <a:lstStyle/>
           <a:p>
             <a:r>
-              <a:rPr lang="en-US" dirty="0" err="1" smtClean="0"/>
-              <a:t>MDVRP</a:t>
-            </a:r>
-            <a:r>
-              <a:rPr lang="en-US" dirty="0" smtClean="0"/>
-              <a:t>- </a:t>
-            </a:r>
-            <a:r>
-              <a:rPr lang="en-US" dirty="0" err="1" smtClean="0"/>
-              <a:t>Solucion</a:t>
-            </a:r>
-            <a:r>
-              <a:rPr lang="en-US" dirty="0" smtClean="0"/>
-              <a:t>, </a:t>
-            </a:r>
-            <a:r>
-              <a:rPr lang="en-US" dirty="0" err="1" smtClean="0"/>
-              <a:t>Testeo</a:t>
-            </a:r>
-            <a:r>
-              <a:rPr lang="en-US" dirty="0" smtClean="0"/>
-              <a:t>.</a:t>
-            </a:r>
-            <a:br>
-              <a:rPr lang="en-US" dirty="0" smtClean="0"/>
-            </a:br>
-            <a:r>
-              <a:rPr lang="en-US" dirty="0" err="1" smtClean="0"/>
-              <a:t>Casos</a:t>
-            </a:r>
-            <a:r>
-              <a:rPr lang="en-US" dirty="0" smtClean="0"/>
-              <a:t> De </a:t>
-            </a:r>
-            <a:r>
-              <a:rPr lang="en-US" dirty="0" err="1" smtClean="0"/>
-              <a:t>Prueba</a:t>
-            </a:r>
-            <a:r>
-              <a:rPr lang="en-US" dirty="0" smtClean="0"/>
-              <a:t>.</a:t>
-            </a:r>
-            <a:endParaRPr lang="es-UY" dirty="0"/>
-          </a:p>
-        </p:txBody>
-      </p:sp>
-      <p:sp>
-        <p:nvSpPr>
-          <p:cNvPr id="3" name="Content Placeholder 2"/>
-          <p:cNvSpPr>
-            <a:spLocks noGrp="1"/>
-          </p:cNvSpPr>
-          <p:nvPr>
-            <p:ph idx="1"/>
-          </p:nvPr>
-        </p:nvSpPr>
-        <p:spPr/>
-        <p:txBody>
-          <a:bodyPr/>
-          <a:lstStyle/>
-          <a:p>
-            <a:r>
-              <a:rPr lang="en-US" dirty="0" smtClean="0"/>
-              <a:t>A</a:t>
-            </a:r>
-          </a:p>
-          <a:p>
-            <a:r>
-              <a:rPr lang="en-US" dirty="0" smtClean="0"/>
-              <a:t>B</a:t>
-            </a:r>
-          </a:p>
-          <a:p>
-            <a:pPr lvl="1"/>
-            <a:r>
-              <a:rPr lang="en-US" dirty="0" err="1" smtClean="0"/>
-              <a:t>B1</a:t>
-            </a:r>
-            <a:endParaRPr lang="en-US" dirty="0" smtClean="0"/>
-          </a:p>
-          <a:p>
-            <a:pPr lvl="1"/>
-            <a:r>
-              <a:rPr lang="en-US" dirty="0" err="1" smtClean="0"/>
-              <a:t>B2</a:t>
-            </a:r>
-            <a:endParaRPr lang="en-US" dirty="0" smtClean="0"/>
-          </a:p>
-          <a:p>
-            <a:pPr lvl="1"/>
-            <a:r>
-              <a:rPr lang="en-US" dirty="0" err="1" smtClean="0"/>
-              <a:t>B3</a:t>
-            </a:r>
-            <a:endParaRPr lang="en-US" dirty="0" smtClean="0"/>
-          </a:p>
-          <a:p>
-            <a:r>
-              <a:rPr lang="en-US" dirty="0" smtClean="0"/>
-              <a:t>C</a:t>
-            </a:r>
-            <a:r>
-              <a:rPr lang="es-UY" dirty="0">
+              <a:rPr lang="es-UY" dirty="0" smtClean="0">
                 <a:solidFill>
                   <a:schemeClr val="accent1">
                     <a:lumMod val="50000"/>
                   </a:schemeClr>
                 </a:solidFill>
               </a:rPr>
-              <a:t> Fran</a:t>
-            </a:r>
-            <a:endParaRPr lang="en-US" dirty="0" smtClean="0"/>
-          </a:p>
-          <a:p>
-            <a:pPr lvl="1"/>
-            <a:r>
-              <a:rPr lang="en-US" dirty="0" err="1" smtClean="0"/>
-              <a:t>C1</a:t>
-            </a:r>
-            <a:endParaRPr lang="en-US" dirty="0" smtClean="0"/>
-          </a:p>
-          <a:p>
-            <a:pPr lvl="1"/>
-            <a:r>
-              <a:rPr lang="en-US" dirty="0" err="1" smtClean="0"/>
-              <a:t>C2</a:t>
-            </a:r>
-            <a:endParaRPr lang="en-US" dirty="0"/>
-          </a:p>
-          <a:p>
-            <a:pPr lvl="1"/>
-            <a:r>
-              <a:rPr lang="en-US" dirty="0" err="1" smtClean="0"/>
-              <a:t>C3</a:t>
-            </a:r>
-            <a:endParaRPr lang="en-US" dirty="0" smtClean="0"/>
+              <a:t>Fran</a:t>
+            </a:r>
+            <a:endParaRPr lang="es-UY" dirty="0">
+              <a:solidFill>
+                <a:schemeClr val="accent1">
+                  <a:lumMod val="50000"/>
+                </a:schemeClr>
+              </a:solidFill>
+            </a:endParaRPr>
           </a:p>
         </p:txBody>
       </p:sp>
     </p:spTree>
     <p:extLst>
       <p:ext uri="{BB962C8B-B14F-4D97-AF65-F5344CB8AC3E}">
-        <p14:creationId xmlns:p14="http://schemas.microsoft.com/office/powerpoint/2010/main" val="456700873"/>
+        <p14:creationId xmlns:p14="http://schemas.microsoft.com/office/powerpoint/2010/main" val="2902674493"/>
       </p:ext>
     </p:extLst>
   </p:cSld>
@@ -5202,6 +5455,191 @@
             </a:br>
             <a:r>
               <a:rPr lang="en-US" dirty="0" err="1" smtClean="0"/>
+              <a:t>Casos</a:t>
+            </a:r>
+            <a:r>
+              <a:rPr lang="en-US" dirty="0" smtClean="0"/>
+              <a:t> De </a:t>
+            </a:r>
+            <a:r>
+              <a:rPr lang="en-US" dirty="0" err="1" smtClean="0"/>
+              <a:t>Prueba</a:t>
+            </a:r>
+            <a:r>
+              <a:rPr lang="en-US" dirty="0" smtClean="0"/>
+              <a:t>.</a:t>
+            </a:r>
+            <a:endParaRPr lang="es-UY" dirty="0"/>
+          </a:p>
+        </p:txBody>
+      </p:sp>
+      <p:sp>
+        <p:nvSpPr>
+          <p:cNvPr id="3" name="Content Placeholder 2"/>
+          <p:cNvSpPr>
+            <a:spLocks noGrp="1"/>
+          </p:cNvSpPr>
+          <p:nvPr>
+            <p:ph idx="1"/>
+          </p:nvPr>
+        </p:nvSpPr>
+        <p:spPr/>
+        <p:txBody>
+          <a:bodyPr/>
+          <a:lstStyle/>
+          <a:p>
+            <a:r>
+              <a:rPr lang="en-US" dirty="0" smtClean="0"/>
+              <a:t>A</a:t>
+            </a:r>
+          </a:p>
+          <a:p>
+            <a:r>
+              <a:rPr lang="en-US" dirty="0" smtClean="0"/>
+              <a:t>B</a:t>
+            </a:r>
+          </a:p>
+          <a:p>
+            <a:pPr lvl="1"/>
+            <a:r>
+              <a:rPr lang="en-US" dirty="0" err="1" smtClean="0"/>
+              <a:t>B1</a:t>
+            </a:r>
+            <a:endParaRPr lang="en-US" dirty="0" smtClean="0"/>
+          </a:p>
+          <a:p>
+            <a:pPr lvl="1"/>
+            <a:r>
+              <a:rPr lang="en-US" dirty="0" err="1" smtClean="0"/>
+              <a:t>B2</a:t>
+            </a:r>
+            <a:endParaRPr lang="en-US" dirty="0" smtClean="0"/>
+          </a:p>
+          <a:p>
+            <a:pPr lvl="1"/>
+            <a:r>
+              <a:rPr lang="en-US" dirty="0" err="1" smtClean="0"/>
+              <a:t>B3</a:t>
+            </a:r>
+            <a:endParaRPr lang="en-US" dirty="0" smtClean="0"/>
+          </a:p>
+          <a:p>
+            <a:r>
+              <a:rPr lang="en-US" dirty="0" smtClean="0"/>
+              <a:t>C</a:t>
+            </a:r>
+            <a:r>
+              <a:rPr lang="es-UY" dirty="0">
+                <a:solidFill>
+                  <a:schemeClr val="accent1">
+                    <a:lumMod val="50000"/>
+                  </a:schemeClr>
+                </a:solidFill>
+              </a:rPr>
+              <a:t> Fran</a:t>
+            </a:r>
+            <a:endParaRPr lang="en-US" dirty="0" smtClean="0"/>
+          </a:p>
+          <a:p>
+            <a:pPr lvl="1"/>
+            <a:r>
+              <a:rPr lang="en-US" dirty="0" err="1" smtClean="0"/>
+              <a:t>C1</a:t>
+            </a:r>
+            <a:endParaRPr lang="en-US" dirty="0" smtClean="0"/>
+          </a:p>
+          <a:p>
+            <a:pPr lvl="1"/>
+            <a:r>
+              <a:rPr lang="en-US" dirty="0" err="1" smtClean="0"/>
+              <a:t>C2</a:t>
+            </a:r>
+            <a:endParaRPr lang="en-US" dirty="0"/>
+          </a:p>
+          <a:p>
+            <a:pPr lvl="1"/>
+            <a:r>
+              <a:rPr lang="en-US" dirty="0" err="1" smtClean="0"/>
+              <a:t>C3</a:t>
+            </a:r>
+            <a:endParaRPr lang="en-US" dirty="0" smtClean="0"/>
+          </a:p>
+        </p:txBody>
+      </p:sp>
+    </p:spTree>
+    <p:extLst>
+      <p:ext uri="{BB962C8B-B14F-4D97-AF65-F5344CB8AC3E}">
+        <p14:creationId xmlns:p14="http://schemas.microsoft.com/office/powerpoint/2010/main" val="456700873"/>
+      </p:ext>
+    </p:extLst>
+  </p:cSld>
+  <p:clrMapOvr>
+    <a:masterClrMapping/>
+  </p:clrMapOvr>
+</p:sld>
+</file>
+
+<file path=ppt/slides/slide19.xml><?xml version="1.0" encoding="utf-8"?>
+<p:sld xmlns:a="http://schemas.openxmlformats.org/drawingml/2006/main" xmlns:r="http://schemas.openxmlformats.org/officeDocument/2006/relationships" xmlns:p="http://schemas.openxmlformats.org/presentationml/2006/main">
+  <p:cSld>
+    <p:spTree>
+      <p:nvGrpSpPr>
+        <p:cNvPr id="1" name=""/>
+        <p:cNvGrpSpPr/>
+        <p:nvPr/>
+      </p:nvGrpSpPr>
+      <p:grpSpPr>
+        <a:xfrm>
+          <a:off x="0" y="0"/>
+          <a:ext cx="0" cy="0"/>
+          <a:chOff x="0" y="0"/>
+          <a:chExt cx="0" cy="0"/>
+        </a:xfrm>
+      </p:grpSpPr>
+      <p:sp>
+        <p:nvSpPr>
+          <p:cNvPr id="2" name="Title 1"/>
+          <p:cNvSpPr>
+            <a:spLocks noGrp="1"/>
+          </p:cNvSpPr>
+          <p:nvPr>
+            <p:ph type="title"/>
+          </p:nvPr>
+        </p:nvSpPr>
+        <p:spPr/>
+        <p:txBody>
+          <a:bodyPr/>
+          <a:lstStyle/>
+          <a:p>
+            <a:r>
+              <a:rPr lang="en-US" dirty="0" err="1" smtClean="0"/>
+              <a:t>MDVRP</a:t>
+            </a:r>
+            <a:r>
+              <a:rPr lang="en-US" dirty="0" smtClean="0"/>
+              <a:t>- </a:t>
+            </a:r>
+            <a:r>
+              <a:rPr lang="en-US" dirty="0" err="1" smtClean="0"/>
+              <a:t>Solucion</a:t>
+            </a:r>
+            <a:r>
+              <a:rPr lang="en-US" dirty="0" smtClean="0"/>
+              <a:t>, </a:t>
+            </a:r>
+            <a:r>
+              <a:rPr lang="en-US" dirty="0" err="1" smtClean="0"/>
+              <a:t>Testeo</a:t>
+            </a:r>
+            <a:r>
+              <a:rPr lang="en-US" dirty="0" smtClean="0"/>
+              <a:t>.</a:t>
+            </a:r>
+            <a:br>
+              <a:rPr lang="en-US" dirty="0" smtClean="0"/>
+            </a:br>
+            <a:r>
+              <a:rPr lang="en-US" dirty="0" err="1" smtClean="0"/>
               <a:t>Metricas</a:t>
             </a:r>
             <a:endParaRPr lang="es-UY" dirty="0"/>
@@ -5455,7 +5893,307 @@
 </p:sld>
 </file>
 
-<file path=ppt/slides/slide19.xml><?xml version="1.0" encoding="utf-8"?>
+<file path=ppt/slides/slide2.xml><?xml version="1.0" encoding="utf-8"?>
+<p:sld xmlns:a="http://schemas.openxmlformats.org/drawingml/2006/main" xmlns:r="http://schemas.openxmlformats.org/officeDocument/2006/relationships" xmlns:p="http://schemas.openxmlformats.org/presentationml/2006/main">
+  <p:cSld>
+    <p:spTree>
+      <p:nvGrpSpPr>
+        <p:cNvPr id="1" name=""/>
+        <p:cNvGrpSpPr/>
+        <p:nvPr/>
+      </p:nvGrpSpPr>
+      <p:grpSpPr>
+        <a:xfrm>
+          <a:off x="0" y="0"/>
+          <a:ext cx="0" cy="0"/>
+          <a:chOff x="0" y="0"/>
+          <a:chExt cx="0" cy="0"/>
+        </a:xfrm>
+      </p:grpSpPr>
+      <p:sp>
+        <p:nvSpPr>
+          <p:cNvPr id="2" name="Title 1"/>
+          <p:cNvSpPr>
+            <a:spLocks noGrp="1"/>
+          </p:cNvSpPr>
+          <p:nvPr>
+            <p:ph type="title"/>
+          </p:nvPr>
+        </p:nvSpPr>
+        <p:spPr>
+          <a:xfrm>
+            <a:off x="838200" y="403761"/>
+            <a:ext cx="10515600" cy="1325563"/>
+          </a:xfrm>
+        </p:spPr>
+        <p:txBody>
+          <a:bodyPr/>
+          <a:lstStyle/>
+          <a:p>
+            <a:r>
+              <a:rPr lang="en-US" dirty="0" err="1" smtClean="0"/>
+              <a:t>Introduccion</a:t>
+            </a:r>
+            <a:r>
+              <a:rPr lang="en-US" dirty="0" smtClean="0"/>
+              <a:t> (El </a:t>
+            </a:r>
+            <a:r>
+              <a:rPr lang="en-US" dirty="0" err="1" smtClean="0"/>
+              <a:t>problema</a:t>
+            </a:r>
+            <a:r>
+              <a:rPr lang="en-US" dirty="0" smtClean="0"/>
+              <a:t> de </a:t>
+            </a:r>
+            <a:r>
+              <a:rPr lang="en-US" dirty="0" err="1" smtClean="0"/>
+              <a:t>MDVRP</a:t>
+            </a:r>
+            <a:r>
+              <a:rPr lang="en-US" dirty="0" smtClean="0"/>
+              <a:t>)</a:t>
+            </a:r>
+            <a:endParaRPr lang="es-UY" dirty="0"/>
+          </a:p>
+        </p:txBody>
+      </p:sp>
+      <p:sp>
+        <p:nvSpPr>
+          <p:cNvPr id="3" name="Content Placeholder 2"/>
+          <p:cNvSpPr>
+            <a:spLocks noGrp="1"/>
+          </p:cNvSpPr>
+          <p:nvPr>
+            <p:ph idx="1"/>
+          </p:nvPr>
+        </p:nvSpPr>
+        <p:spPr/>
+        <p:txBody>
+          <a:bodyPr>
+            <a:normAutofit fontScale="55000" lnSpcReduction="20000"/>
+          </a:bodyPr>
+          <a:lstStyle/>
+          <a:p>
+            <a:endParaRPr lang="en-US" dirty="0" smtClean="0"/>
+          </a:p>
+          <a:p>
+            <a:r>
+              <a:rPr lang="en-US" dirty="0" err="1" smtClean="0"/>
+              <a:t>Contexto</a:t>
+            </a:r>
+            <a:r>
+              <a:rPr lang="es-UY" sz="2800" dirty="0" smtClean="0"/>
+              <a:t> …. </a:t>
+            </a:r>
+            <a:r>
+              <a:rPr lang="es-UY" dirty="0" smtClean="0"/>
+              <a:t>La </a:t>
+            </a:r>
+            <a:r>
+              <a:rPr lang="es-UY" dirty="0"/>
+              <a:t>gestión logística es un elemento clave en la estrategia empresarial, siendo una de sus funciones principales la distribución, y dentro de ella la capacidad para optimizar las rutas de transporte. En este contexto, las empresas deben analizar los factores más relevantes en el diseño de sus rutas vehiculares así como las metodologías más adecuadas para tal optimización. La optimización de una ruta engloba todas las acciones que contribuyen a la mejora de la función de distribución en términos de nivel de servicio, calidad y costos a través de decisiones de carácter estratégico, táctico y operativo. </a:t>
+            </a:r>
+          </a:p>
+          <a:p>
+            <a:endParaRPr lang="en-US" sz="2800" dirty="0"/>
+          </a:p>
+          <a:p>
+            <a:r>
+              <a:rPr lang="en-US" dirty="0" smtClean="0"/>
+              <a:t>Marco </a:t>
+            </a:r>
+            <a:r>
+              <a:rPr lang="en-US" dirty="0" err="1" smtClean="0"/>
+              <a:t>Historico</a:t>
+            </a:r>
+            <a:endParaRPr lang="en-US" dirty="0" smtClean="0"/>
+          </a:p>
+          <a:p>
+            <a:pPr lvl="1"/>
+            <a:r>
+              <a:rPr lang="en-US" dirty="0" smtClean="0"/>
+              <a:t>TSP (</a:t>
+            </a:r>
+            <a:r>
+              <a:rPr lang="en-US" dirty="0" err="1" smtClean="0"/>
+              <a:t>año</a:t>
+            </a:r>
+            <a:r>
+              <a:rPr lang="en-US" dirty="0" smtClean="0"/>
+              <a:t>)</a:t>
+            </a:r>
+          </a:p>
+          <a:p>
+            <a:pPr lvl="1"/>
+            <a:r>
+              <a:rPr lang="en-US" dirty="0" err="1" smtClean="0"/>
+              <a:t>VRP</a:t>
+            </a:r>
+            <a:r>
+              <a:rPr lang="en-US" dirty="0" smtClean="0"/>
+              <a:t> </a:t>
+            </a:r>
+            <a:r>
+              <a:rPr lang="en-US" dirty="0"/>
+              <a:t>(</a:t>
+            </a:r>
+            <a:r>
+              <a:rPr lang="en-US" dirty="0" err="1" smtClean="0"/>
+              <a:t>año</a:t>
+            </a:r>
+            <a:r>
+              <a:rPr lang="en-US" dirty="0" smtClean="0"/>
+              <a:t>)</a:t>
+            </a:r>
+          </a:p>
+          <a:p>
+            <a:pPr lvl="1"/>
+            <a:r>
+              <a:rPr lang="en-US" dirty="0" err="1" smtClean="0"/>
+              <a:t>MDVRP</a:t>
+            </a:r>
+            <a:r>
+              <a:rPr lang="en-US" dirty="0" smtClean="0"/>
+              <a:t> (</a:t>
+            </a:r>
+            <a:r>
+              <a:rPr lang="en-US" dirty="0" err="1" smtClean="0"/>
+              <a:t>año</a:t>
+            </a:r>
+            <a:r>
+              <a:rPr lang="en-US" dirty="0" smtClean="0"/>
+              <a:t>)</a:t>
+            </a:r>
+          </a:p>
+          <a:p>
+            <a:pPr lvl="1"/>
+            <a:r>
+              <a:rPr lang="en-US" dirty="0" err="1" smtClean="0"/>
+              <a:t>Dificultad</a:t>
+            </a:r>
+            <a:r>
+              <a:rPr lang="en-US" dirty="0" smtClean="0"/>
+              <a:t> del problem (NP –</a:t>
+            </a:r>
+            <a:r>
+              <a:rPr lang="en-US" dirty="0" err="1" smtClean="0"/>
+              <a:t>Duro</a:t>
+            </a:r>
+            <a:r>
+              <a:rPr lang="en-US" dirty="0" smtClean="0"/>
+              <a:t>)</a:t>
+            </a:r>
+            <a:r>
+              <a:rPr lang="es-UY" dirty="0" smtClean="0"/>
+              <a:t>.</a:t>
+            </a:r>
+            <a:endParaRPr lang="en-US" sz="2800" dirty="0"/>
+          </a:p>
+          <a:p>
+            <a:pPr marL="228600" lvl="1">
+              <a:spcBef>
+                <a:spcPts val="1000"/>
+              </a:spcBef>
+            </a:pPr>
+            <a:r>
+              <a:rPr lang="en-US" sz="2800" dirty="0" err="1" smtClean="0"/>
+              <a:t>Variantes</a:t>
+            </a:r>
+            <a:r>
+              <a:rPr lang="en-US" sz="2800" dirty="0" smtClean="0"/>
+              <a:t> de </a:t>
+            </a:r>
+            <a:r>
+              <a:rPr lang="en-US" sz="2800" dirty="0" err="1" smtClean="0"/>
+              <a:t>MDVRP</a:t>
+            </a:r>
+            <a:endParaRPr lang="en-US" sz="2800" dirty="0" smtClean="0"/>
+          </a:p>
+          <a:p>
+            <a:pPr marL="228600" lvl="1">
+              <a:spcBef>
+                <a:spcPts val="1000"/>
+              </a:spcBef>
+            </a:pPr>
+            <a:r>
+              <a:rPr lang="en-US" sz="2800" dirty="0" err="1" smtClean="0"/>
+              <a:t>Publicaciones</a:t>
+            </a:r>
+            <a:r>
+              <a:rPr lang="en-US" sz="2800" dirty="0" smtClean="0"/>
+              <a:t> de papers y </a:t>
+            </a:r>
+            <a:r>
+              <a:rPr lang="en-US" sz="2800" dirty="0" err="1" smtClean="0"/>
+              <a:t>cosas</a:t>
+            </a:r>
+            <a:r>
+              <a:rPr lang="en-US" sz="2800" dirty="0" smtClean="0"/>
+              <a:t> de </a:t>
+            </a:r>
+            <a:r>
+              <a:rPr lang="en-US" sz="2800" dirty="0" err="1" smtClean="0"/>
+              <a:t>Montolla</a:t>
+            </a:r>
+            <a:r>
+              <a:rPr lang="en-US" sz="2800" dirty="0" smtClean="0"/>
+              <a:t>…</a:t>
+            </a:r>
+          </a:p>
+          <a:p>
+            <a:pPr marL="228600" lvl="1">
+              <a:spcBef>
+                <a:spcPts val="1000"/>
+              </a:spcBef>
+            </a:pPr>
+            <a:r>
+              <a:rPr lang="en-US" sz="2800" dirty="0" err="1" smtClean="0"/>
+              <a:t>Metodos</a:t>
+            </a:r>
+            <a:r>
+              <a:rPr lang="en-US" sz="2800" dirty="0" smtClean="0"/>
+              <a:t> de </a:t>
+            </a:r>
+            <a:r>
+              <a:rPr lang="en-US" sz="2800" dirty="0" err="1" smtClean="0"/>
+              <a:t>Solucion</a:t>
+            </a:r>
+            <a:endParaRPr lang="en-US" sz="2800" dirty="0"/>
+          </a:p>
+          <a:p>
+            <a:pPr marL="228600" lvl="1">
+              <a:spcBef>
+                <a:spcPts val="1000"/>
+              </a:spcBef>
+            </a:pPr>
+            <a:r>
+              <a:rPr lang="en-US" sz="2800" dirty="0" smtClean="0">
+                <a:solidFill>
+                  <a:schemeClr val="accent1">
+                    <a:lumMod val="50000"/>
+                  </a:schemeClr>
+                </a:solidFill>
+              </a:rPr>
+              <a:t>Ale</a:t>
+            </a:r>
+          </a:p>
+        </p:txBody>
+      </p:sp>
+    </p:spTree>
+    <p:extLst>
+      <p:ext uri="{BB962C8B-B14F-4D97-AF65-F5344CB8AC3E}">
+        <p14:creationId xmlns:p14="http://schemas.microsoft.com/office/powerpoint/2010/main" val="1616332234"/>
+      </p:ext>
+    </p:extLst>
+  </p:cSld>
+  <p:clrMapOvr>
+    <a:masterClrMapping/>
+  </p:clrMapOvr>
+</p:sld>
+</file>
+
+<file path=ppt/slides/slide20.xml><?xml version="1.0" encoding="utf-8"?>
 <p:sld xmlns:a="http://schemas.openxmlformats.org/drawingml/2006/main" xmlns:r="http://schemas.openxmlformats.org/officeDocument/2006/relationships" xmlns:p="http://schemas.openxmlformats.org/presentationml/2006/main">
   <p:cSld>
     <p:spTree>
@@ -6893,7 +7631,7 @@
 </p:sld>
 </file>
 
-<file path=ppt/slides/slide2.xml><?xml version="1.0" encoding="utf-8"?>
+<file path=ppt/slides/slide21.xml><?xml version="1.0" encoding="utf-8"?>
 <p:sld xmlns:a="http://schemas.openxmlformats.org/drawingml/2006/main" xmlns:r="http://schemas.openxmlformats.org/officeDocument/2006/relationships" xmlns:p="http://schemas.openxmlformats.org/presentationml/2006/main">
   <p:cSld>
     <p:spTree>
@@ -6920,306 +7658,6 @@
             <p:ph type="title"/>
           </p:nvPr>
         </p:nvSpPr>
-        <p:spPr>
-          <a:xfrm>
-            <a:off x="838200" y="403761"/>
-            <a:ext cx="10515600" cy="1325563"/>
-          </a:xfrm>
-        </p:spPr>
-        <p:txBody>
-          <a:bodyPr/>
-          <a:lstStyle/>
-          <a:p>
-            <a:r>
-              <a:rPr lang="en-US" dirty="0" err="1" smtClean="0"/>
-              <a:t>Introduccion</a:t>
-            </a:r>
-            <a:r>
-              <a:rPr lang="en-US" dirty="0" smtClean="0"/>
-              <a:t> (El </a:t>
-            </a:r>
-            <a:r>
-              <a:rPr lang="en-US" dirty="0" err="1" smtClean="0"/>
-              <a:t>problema</a:t>
-            </a:r>
-            <a:r>
-              <a:rPr lang="en-US" dirty="0" smtClean="0"/>
-              <a:t> de </a:t>
-            </a:r>
-            <a:r>
-              <a:rPr lang="en-US" dirty="0" err="1" smtClean="0"/>
-              <a:t>MDVRP</a:t>
-            </a:r>
-            <a:r>
-              <a:rPr lang="en-US" dirty="0" smtClean="0"/>
-              <a:t>)</a:t>
-            </a:r>
-            <a:endParaRPr lang="es-UY" dirty="0"/>
-          </a:p>
-        </p:txBody>
-      </p:sp>
-      <p:sp>
-        <p:nvSpPr>
-          <p:cNvPr id="3" name="Content Placeholder 2"/>
-          <p:cNvSpPr>
-            <a:spLocks noGrp="1"/>
-          </p:cNvSpPr>
-          <p:nvPr>
-            <p:ph idx="1"/>
-          </p:nvPr>
-        </p:nvSpPr>
-        <p:spPr/>
-        <p:txBody>
-          <a:bodyPr>
-            <a:normAutofit fontScale="55000" lnSpcReduction="20000"/>
-          </a:bodyPr>
-          <a:lstStyle/>
-          <a:p>
-            <a:endParaRPr lang="en-US" dirty="0" smtClean="0"/>
-          </a:p>
-          <a:p>
-            <a:r>
-              <a:rPr lang="en-US" dirty="0" err="1" smtClean="0"/>
-              <a:t>Contexto</a:t>
-            </a:r>
-            <a:r>
-              <a:rPr lang="es-UY" sz="2800" dirty="0" smtClean="0"/>
-              <a:t> …. </a:t>
-            </a:r>
-            <a:r>
-              <a:rPr lang="es-UY" dirty="0" smtClean="0"/>
-              <a:t>La </a:t>
-            </a:r>
-            <a:r>
-              <a:rPr lang="es-UY" dirty="0"/>
-              <a:t>gestión logística es un elemento clave en la estrategia empresarial, siendo una de sus funciones principales la distribución, y dentro de ella la capacidad para optimizar las rutas de transporte. En este contexto, las empresas deben analizar los factores más relevantes en el diseño de sus rutas vehiculares así como las metodologías más adecuadas para tal optimización. La optimización de una ruta engloba todas las acciones que contribuyen a la mejora de la función de distribución en términos de nivel de servicio, calidad y costos a través de decisiones de carácter estratégico, táctico y operativo. </a:t>
-            </a:r>
-          </a:p>
-          <a:p>
-            <a:endParaRPr lang="en-US" sz="2800" dirty="0"/>
-          </a:p>
-          <a:p>
-            <a:r>
-              <a:rPr lang="en-US" dirty="0" smtClean="0"/>
-              <a:t>Marco </a:t>
-            </a:r>
-            <a:r>
-              <a:rPr lang="en-US" dirty="0" err="1" smtClean="0"/>
-              <a:t>Historico</a:t>
-            </a:r>
-            <a:endParaRPr lang="en-US" dirty="0" smtClean="0"/>
-          </a:p>
-          <a:p>
-            <a:pPr lvl="1"/>
-            <a:r>
-              <a:rPr lang="en-US" dirty="0" smtClean="0"/>
-              <a:t>TSP (</a:t>
-            </a:r>
-            <a:r>
-              <a:rPr lang="en-US" dirty="0" err="1" smtClean="0"/>
-              <a:t>año</a:t>
-            </a:r>
-            <a:r>
-              <a:rPr lang="en-US" dirty="0" smtClean="0"/>
-              <a:t>)</a:t>
-            </a:r>
-          </a:p>
-          <a:p>
-            <a:pPr lvl="1"/>
-            <a:r>
-              <a:rPr lang="en-US" dirty="0" err="1" smtClean="0"/>
-              <a:t>VRP</a:t>
-            </a:r>
-            <a:r>
-              <a:rPr lang="en-US" dirty="0" smtClean="0"/>
-              <a:t> </a:t>
-            </a:r>
-            <a:r>
-              <a:rPr lang="en-US" dirty="0"/>
-              <a:t>(</a:t>
-            </a:r>
-            <a:r>
-              <a:rPr lang="en-US" dirty="0" err="1" smtClean="0"/>
-              <a:t>año</a:t>
-            </a:r>
-            <a:r>
-              <a:rPr lang="en-US" dirty="0" smtClean="0"/>
-              <a:t>)</a:t>
-            </a:r>
-          </a:p>
-          <a:p>
-            <a:pPr lvl="1"/>
-            <a:r>
-              <a:rPr lang="en-US" dirty="0" err="1" smtClean="0"/>
-              <a:t>MDVRP</a:t>
-            </a:r>
-            <a:r>
-              <a:rPr lang="en-US" dirty="0" smtClean="0"/>
-              <a:t> (</a:t>
-            </a:r>
-            <a:r>
-              <a:rPr lang="en-US" dirty="0" err="1" smtClean="0"/>
-              <a:t>año</a:t>
-            </a:r>
-            <a:r>
-              <a:rPr lang="en-US" dirty="0" smtClean="0"/>
-              <a:t>)</a:t>
-            </a:r>
-          </a:p>
-          <a:p>
-            <a:pPr lvl="1"/>
-            <a:r>
-              <a:rPr lang="en-US" dirty="0" err="1" smtClean="0"/>
-              <a:t>Dificultad</a:t>
-            </a:r>
-            <a:r>
-              <a:rPr lang="en-US" dirty="0" smtClean="0"/>
-              <a:t> del problem (NP –</a:t>
-            </a:r>
-            <a:r>
-              <a:rPr lang="en-US" dirty="0" err="1" smtClean="0"/>
-              <a:t>Duro</a:t>
-            </a:r>
-            <a:r>
-              <a:rPr lang="en-US" dirty="0" smtClean="0"/>
-              <a:t>)</a:t>
-            </a:r>
-            <a:r>
-              <a:rPr lang="es-UY" dirty="0" smtClean="0"/>
-              <a:t>.</a:t>
-            </a:r>
-            <a:endParaRPr lang="en-US" sz="2800" dirty="0"/>
-          </a:p>
-          <a:p>
-            <a:pPr marL="228600" lvl="1">
-              <a:spcBef>
-                <a:spcPts val="1000"/>
-              </a:spcBef>
-            </a:pPr>
-            <a:r>
-              <a:rPr lang="en-US" sz="2800" dirty="0" err="1" smtClean="0"/>
-              <a:t>Variantes</a:t>
-            </a:r>
-            <a:r>
-              <a:rPr lang="en-US" sz="2800" dirty="0" smtClean="0"/>
-              <a:t> de </a:t>
-            </a:r>
-            <a:r>
-              <a:rPr lang="en-US" sz="2800" dirty="0" err="1" smtClean="0"/>
-              <a:t>MDVRP</a:t>
-            </a:r>
-            <a:endParaRPr lang="en-US" sz="2800" dirty="0" smtClean="0"/>
-          </a:p>
-          <a:p>
-            <a:pPr marL="228600" lvl="1">
-              <a:spcBef>
-                <a:spcPts val="1000"/>
-              </a:spcBef>
-            </a:pPr>
-            <a:r>
-              <a:rPr lang="en-US" sz="2800" dirty="0" err="1" smtClean="0"/>
-              <a:t>Publicaciones</a:t>
-            </a:r>
-            <a:r>
-              <a:rPr lang="en-US" sz="2800" dirty="0" smtClean="0"/>
-              <a:t> de papers y </a:t>
-            </a:r>
-            <a:r>
-              <a:rPr lang="en-US" sz="2800" dirty="0" err="1" smtClean="0"/>
-              <a:t>cosas</a:t>
-            </a:r>
-            <a:r>
-              <a:rPr lang="en-US" sz="2800" dirty="0" smtClean="0"/>
-              <a:t> de </a:t>
-            </a:r>
-            <a:r>
-              <a:rPr lang="en-US" sz="2800" dirty="0" err="1" smtClean="0"/>
-              <a:t>Montolla</a:t>
-            </a:r>
-            <a:r>
-              <a:rPr lang="en-US" sz="2800" dirty="0" smtClean="0"/>
-              <a:t>…</a:t>
-            </a:r>
-          </a:p>
-          <a:p>
-            <a:pPr marL="228600" lvl="1">
-              <a:spcBef>
-                <a:spcPts val="1000"/>
-              </a:spcBef>
-            </a:pPr>
-            <a:r>
-              <a:rPr lang="en-US" sz="2800" dirty="0" err="1" smtClean="0"/>
-              <a:t>Metodos</a:t>
-            </a:r>
-            <a:r>
-              <a:rPr lang="en-US" sz="2800" dirty="0" smtClean="0"/>
-              <a:t> de </a:t>
-            </a:r>
-            <a:r>
-              <a:rPr lang="en-US" sz="2800" dirty="0" err="1" smtClean="0"/>
-              <a:t>Solucion</a:t>
-            </a:r>
-            <a:endParaRPr lang="en-US" sz="2800" dirty="0"/>
-          </a:p>
-          <a:p>
-            <a:pPr marL="228600" lvl="1">
-              <a:spcBef>
-                <a:spcPts val="1000"/>
-              </a:spcBef>
-            </a:pPr>
-            <a:r>
-              <a:rPr lang="en-US" sz="2800" dirty="0" smtClean="0">
-                <a:solidFill>
-                  <a:schemeClr val="accent1">
-                    <a:lumMod val="50000"/>
-                  </a:schemeClr>
-                </a:solidFill>
-              </a:rPr>
-              <a:t>Ale</a:t>
-            </a:r>
-          </a:p>
-        </p:txBody>
-      </p:sp>
-    </p:spTree>
-    <p:extLst>
-      <p:ext uri="{BB962C8B-B14F-4D97-AF65-F5344CB8AC3E}">
-        <p14:creationId xmlns:p14="http://schemas.microsoft.com/office/powerpoint/2010/main" val="1616332234"/>
-      </p:ext>
-    </p:extLst>
-  </p:cSld>
-  <p:clrMapOvr>
-    <a:masterClrMapping/>
-  </p:clrMapOvr>
-</p:sld>
-</file>
-
-<file path=ppt/slides/slide20.xml><?xml version="1.0" encoding="utf-8"?>
-<p:sld xmlns:a="http://schemas.openxmlformats.org/drawingml/2006/main" xmlns:r="http://schemas.openxmlformats.org/officeDocument/2006/relationships" xmlns:p="http://schemas.openxmlformats.org/presentationml/2006/main">
-  <p:cSld>
-    <p:spTree>
-      <p:nvGrpSpPr>
-        <p:cNvPr id="1" name=""/>
-        <p:cNvGrpSpPr/>
-        <p:nvPr/>
-      </p:nvGrpSpPr>
-      <p:grpSpPr>
-        <a:xfrm>
-          <a:off x="0" y="0"/>
-          <a:ext cx="0" cy="0"/>
-          <a:chOff x="0" y="0"/>
-          <a:chExt cx="0" cy="0"/>
-        </a:xfrm>
-      </p:grpSpPr>
-      <p:sp>
-        <p:nvSpPr>
-          <p:cNvPr id="2" name="Title 1"/>
-          <p:cNvSpPr>
-            <a:spLocks noGrp="1"/>
-          </p:cNvSpPr>
-          <p:nvPr>
-            <p:ph type="title"/>
-          </p:nvPr>
-        </p:nvSpPr>
         <p:spPr/>
         <p:txBody>
           <a:bodyPr/>
@@ -7302,7 +7740,7 @@
 </p:sld>
 </file>
 
-<file path=ppt/slides/slide21.xml><?xml version="1.0" encoding="utf-8"?>
+<file path=ppt/slides/slide22.xml><?xml version="1.0" encoding="utf-8"?>
 <p:sld xmlns:a="http://schemas.openxmlformats.org/drawingml/2006/main" xmlns:r="http://schemas.openxmlformats.org/officeDocument/2006/relationships" xmlns:p="http://schemas.openxmlformats.org/presentationml/2006/main">
   <p:cSld>
     <p:spTree>
@@ -9405,7 +9843,7 @@
   <a:extraClrSchemeLst/>
   <a:extLst>
     <a:ext uri="{05A4C25C-085E-4340-85A3-A5531E510DB2}">
-      <thm15:themeFamily xmlns="" xmlns:thm15="http://schemas.microsoft.com/office/thememl/2012/main" name="Office Theme" id="{62F939B6-93AF-4DB8-9C6B-D6C7DFDC589F}" vid="{4A3C46E8-61CC-4603-A589-7422A47A8E4A}"/>
+      <thm15:themeFamily xmlns:thm15="http://schemas.microsoft.com/office/thememl/2012/main" xmlns="" name="Office Theme" id="{62F939B6-93AF-4DB8-9C6B-D6C7DFDC589F}" vid="{4A3C46E8-61CC-4603-A589-7422A47A8E4A}"/>
     </a:ext>
   </a:extLst>
 </a:theme>

--- a/Version/Documentación/MDVRP.pptx
+++ b/Version/Documentación/MDVRP.pptx
@@ -24,9 +24,10 @@
     <p:sldId id="276" r:id="rId18"/>
     <p:sldId id="266" r:id="rId19"/>
     <p:sldId id="267" r:id="rId20"/>
-    <p:sldId id="268" r:id="rId21"/>
-    <p:sldId id="269" r:id="rId22"/>
-    <p:sldId id="270" r:id="rId23"/>
+    <p:sldId id="281" r:id="rId21"/>
+    <p:sldId id="283" r:id="rId22"/>
+    <p:sldId id="269" r:id="rId23"/>
+    <p:sldId id="270" r:id="rId24"/>
   </p:sldIdLst>
   <p:sldSz cx="12192000" cy="6858000"/>
   <p:notesSz cx="6858000" cy="9144000"/>
@@ -125,6 +126,22 @@
       </a:defRPr>
     </a:lvl9pPr>
   </p:defaultTextStyle>
+  <p:extLst>
+    <p:ext uri="{EFAFB233-063F-42B5-8137-9DF3F51BA10A}">
+      <p15:sldGuideLst xmlns:p15="http://schemas.microsoft.com/office/powerpoint/2012/main">
+        <p15:guide id="1" orient="horz" pos="2160">
+          <p15:clr>
+            <a:srgbClr val="A4A3A4"/>
+          </p15:clr>
+        </p15:guide>
+        <p15:guide id="2" pos="3840">
+          <p15:clr>
+            <a:srgbClr val="A4A3A4"/>
+          </p15:clr>
+        </p15:guide>
+      </p15:sldGuideLst>
+    </p:ext>
+  </p:extLst>
 </p:presentation>
 </file>
 
@@ -259,7 +276,7 @@
           <a:p>
             <a:fld id="{12CBEF13-57F1-471C-ABF2-505306D08CB7}" type="datetimeFigureOut">
               <a:rPr lang="es-UY" smtClean="0"/>
-              <a:t>9/12/2015</a:t>
+              <a:t>11/12/2015</a:t>
             </a:fld>
             <a:endParaRPr lang="es-UY"/>
           </a:p>
@@ -301,7 +318,7 @@
           <a:p>
             <a:fld id="{D70CDD41-C5AA-403A-9E3F-13D09751A68A}" type="slidenum">
               <a:rPr lang="es-UY" smtClean="0"/>
-              <a:t>‹Nº›</a:t>
+              <a:t>‹#›</a:t>
             </a:fld>
             <a:endParaRPr lang="es-UY"/>
           </a:p>
@@ -429,7 +446,7 @@
           <a:p>
             <a:fld id="{12CBEF13-57F1-471C-ABF2-505306D08CB7}" type="datetimeFigureOut">
               <a:rPr lang="es-UY" smtClean="0"/>
-              <a:t>9/12/2015</a:t>
+              <a:t>11/12/2015</a:t>
             </a:fld>
             <a:endParaRPr lang="es-UY"/>
           </a:p>
@@ -471,7 +488,7 @@
           <a:p>
             <a:fld id="{D70CDD41-C5AA-403A-9E3F-13D09751A68A}" type="slidenum">
               <a:rPr lang="es-UY" smtClean="0"/>
-              <a:t>‹Nº›</a:t>
+              <a:t>‹#›</a:t>
             </a:fld>
             <a:endParaRPr lang="es-UY"/>
           </a:p>
@@ -609,7 +626,7 @@
           <a:p>
             <a:fld id="{12CBEF13-57F1-471C-ABF2-505306D08CB7}" type="datetimeFigureOut">
               <a:rPr lang="es-UY" smtClean="0"/>
-              <a:t>9/12/2015</a:t>
+              <a:t>11/12/2015</a:t>
             </a:fld>
             <a:endParaRPr lang="es-UY"/>
           </a:p>
@@ -651,7 +668,7 @@
           <a:p>
             <a:fld id="{D70CDD41-C5AA-403A-9E3F-13D09751A68A}" type="slidenum">
               <a:rPr lang="es-UY" smtClean="0"/>
-              <a:t>‹Nº›</a:t>
+              <a:t>‹#›</a:t>
             </a:fld>
             <a:endParaRPr lang="es-UY"/>
           </a:p>
@@ -779,7 +796,7 @@
           <a:p>
             <a:fld id="{12CBEF13-57F1-471C-ABF2-505306D08CB7}" type="datetimeFigureOut">
               <a:rPr lang="es-UY" smtClean="0"/>
-              <a:t>9/12/2015</a:t>
+              <a:t>11/12/2015</a:t>
             </a:fld>
             <a:endParaRPr lang="es-UY"/>
           </a:p>
@@ -821,7 +838,7 @@
           <a:p>
             <a:fld id="{D70CDD41-C5AA-403A-9E3F-13D09751A68A}" type="slidenum">
               <a:rPr lang="es-UY" smtClean="0"/>
-              <a:t>‹Nº›</a:t>
+              <a:t>‹#›</a:t>
             </a:fld>
             <a:endParaRPr lang="es-UY"/>
           </a:p>
@@ -1025,7 +1042,7 @@
           <a:p>
             <a:fld id="{12CBEF13-57F1-471C-ABF2-505306D08CB7}" type="datetimeFigureOut">
               <a:rPr lang="es-UY" smtClean="0"/>
-              <a:t>9/12/2015</a:t>
+              <a:t>11/12/2015</a:t>
             </a:fld>
             <a:endParaRPr lang="es-UY"/>
           </a:p>
@@ -1067,7 +1084,7 @@
           <a:p>
             <a:fld id="{D70CDD41-C5AA-403A-9E3F-13D09751A68A}" type="slidenum">
               <a:rPr lang="es-UY" smtClean="0"/>
-              <a:t>‹Nº›</a:t>
+              <a:t>‹#›</a:t>
             </a:fld>
             <a:endParaRPr lang="es-UY"/>
           </a:p>
@@ -1257,7 +1274,7 @@
           <a:p>
             <a:fld id="{12CBEF13-57F1-471C-ABF2-505306D08CB7}" type="datetimeFigureOut">
               <a:rPr lang="es-UY" smtClean="0"/>
-              <a:t>9/12/2015</a:t>
+              <a:t>11/12/2015</a:t>
             </a:fld>
             <a:endParaRPr lang="es-UY"/>
           </a:p>
@@ -1299,7 +1316,7 @@
           <a:p>
             <a:fld id="{D70CDD41-C5AA-403A-9E3F-13D09751A68A}" type="slidenum">
               <a:rPr lang="es-UY" smtClean="0"/>
-              <a:t>‹Nº›</a:t>
+              <a:t>‹#›</a:t>
             </a:fld>
             <a:endParaRPr lang="es-UY"/>
           </a:p>
@@ -1624,7 +1641,7 @@
           <a:p>
             <a:fld id="{12CBEF13-57F1-471C-ABF2-505306D08CB7}" type="datetimeFigureOut">
               <a:rPr lang="es-UY" smtClean="0"/>
-              <a:t>9/12/2015</a:t>
+              <a:t>11/12/2015</a:t>
             </a:fld>
             <a:endParaRPr lang="es-UY"/>
           </a:p>
@@ -1666,7 +1683,7 @@
           <a:p>
             <a:fld id="{D70CDD41-C5AA-403A-9E3F-13D09751A68A}" type="slidenum">
               <a:rPr lang="es-UY" smtClean="0"/>
-              <a:t>‹Nº›</a:t>
+              <a:t>‹#›</a:t>
             </a:fld>
             <a:endParaRPr lang="es-UY"/>
           </a:p>
@@ -1742,7 +1759,7 @@
           <a:p>
             <a:fld id="{12CBEF13-57F1-471C-ABF2-505306D08CB7}" type="datetimeFigureOut">
               <a:rPr lang="es-UY" smtClean="0"/>
-              <a:t>9/12/2015</a:t>
+              <a:t>11/12/2015</a:t>
             </a:fld>
             <a:endParaRPr lang="es-UY"/>
           </a:p>
@@ -1784,7 +1801,7 @@
           <a:p>
             <a:fld id="{D70CDD41-C5AA-403A-9E3F-13D09751A68A}" type="slidenum">
               <a:rPr lang="es-UY" smtClean="0"/>
-              <a:t>‹Nº›</a:t>
+              <a:t>‹#›</a:t>
             </a:fld>
             <a:endParaRPr lang="es-UY"/>
           </a:p>
@@ -1837,7 +1854,7 @@
           <a:p>
             <a:fld id="{12CBEF13-57F1-471C-ABF2-505306D08CB7}" type="datetimeFigureOut">
               <a:rPr lang="es-UY" smtClean="0"/>
-              <a:t>9/12/2015</a:t>
+              <a:t>11/12/2015</a:t>
             </a:fld>
             <a:endParaRPr lang="es-UY"/>
           </a:p>
@@ -1879,7 +1896,7 @@
           <a:p>
             <a:fld id="{D70CDD41-C5AA-403A-9E3F-13D09751A68A}" type="slidenum">
               <a:rPr lang="es-UY" smtClean="0"/>
-              <a:t>‹Nº›</a:t>
+              <a:t>‹#›</a:t>
             </a:fld>
             <a:endParaRPr lang="es-UY"/>
           </a:p>
@@ -2114,7 +2131,7 @@
           <a:p>
             <a:fld id="{12CBEF13-57F1-471C-ABF2-505306D08CB7}" type="datetimeFigureOut">
               <a:rPr lang="es-UY" smtClean="0"/>
-              <a:t>9/12/2015</a:t>
+              <a:t>11/12/2015</a:t>
             </a:fld>
             <a:endParaRPr lang="es-UY"/>
           </a:p>
@@ -2156,7 +2173,7 @@
           <a:p>
             <a:fld id="{D70CDD41-C5AA-403A-9E3F-13D09751A68A}" type="slidenum">
               <a:rPr lang="es-UY" smtClean="0"/>
-              <a:t>‹Nº›</a:t>
+              <a:t>‹#›</a:t>
             </a:fld>
             <a:endParaRPr lang="es-UY"/>
           </a:p>
@@ -2367,7 +2384,7 @@
           <a:p>
             <a:fld id="{12CBEF13-57F1-471C-ABF2-505306D08CB7}" type="datetimeFigureOut">
               <a:rPr lang="es-UY" smtClean="0"/>
-              <a:t>9/12/2015</a:t>
+              <a:t>11/12/2015</a:t>
             </a:fld>
             <a:endParaRPr lang="es-UY"/>
           </a:p>
@@ -2409,7 +2426,7 @@
           <a:p>
             <a:fld id="{D70CDD41-C5AA-403A-9E3F-13D09751A68A}" type="slidenum">
               <a:rPr lang="es-UY" smtClean="0"/>
-              <a:t>‹Nº›</a:t>
+              <a:t>‹#›</a:t>
             </a:fld>
             <a:endParaRPr lang="es-UY"/>
           </a:p>
@@ -2580,7 +2597,7 @@
           <a:p>
             <a:fld id="{12CBEF13-57F1-471C-ABF2-505306D08CB7}" type="datetimeFigureOut">
               <a:rPr lang="es-UY" smtClean="0"/>
-              <a:t>9/12/2015</a:t>
+              <a:t>11/12/2015</a:t>
             </a:fld>
             <a:endParaRPr lang="es-UY"/>
           </a:p>
@@ -2658,7 +2675,7 @@
           <a:p>
             <a:fld id="{D70CDD41-C5AA-403A-9E3F-13D09751A68A}" type="slidenum">
               <a:rPr lang="es-UY" smtClean="0"/>
-              <a:t>‹Nº›</a:t>
+              <a:t>‹#›</a:t>
             </a:fld>
             <a:endParaRPr lang="es-UY"/>
           </a:p>
@@ -3024,8 +3041,8 @@
           <a:lstStyle/>
           <a:p>
             <a:r>
-              <a:rPr lang="en-US" dirty="0" err="1" smtClean="0"/>
-              <a:t>Introduccion</a:t>
+              <a:rPr lang="es-UY" dirty="0" smtClean="0"/>
+              <a:t>Introducción</a:t>
             </a:r>
             <a:endParaRPr lang="es-UY" dirty="0"/>
           </a:p>
@@ -3587,7 +3604,7 @@
                       <m:sSubPr>
                         <m:ctrlPr>
                           <a:rPr lang="es-UY" i="1">
-                            <a:latin typeface="Cambria Math"/>
+                            <a:latin typeface="Cambria Math" panose="02040503050406030204" pitchFamily="18" charset="0"/>
                           </a:rPr>
                         </m:ctrlPr>
                       </m:sSubPr>
@@ -3624,7 +3641,7 @@
                       <m:sSubPr>
                         <m:ctrlPr>
                           <a:rPr lang="es-UY" i="1">
-                            <a:latin typeface="Cambria Math"/>
+                            <a:latin typeface="Cambria Math" panose="02040503050406030204" pitchFamily="18" charset="0"/>
                           </a:rPr>
                         </m:ctrlPr>
                       </m:sSubPr>
@@ -3655,7 +3672,7 @@
                       <m:sSubPr>
                         <m:ctrlPr>
                           <a:rPr lang="es-UY" i="1">
-                            <a:latin typeface="Cambria Math"/>
+                            <a:latin typeface="Cambria Math" panose="02040503050406030204" pitchFamily="18" charset="0"/>
                           </a:rPr>
                         </m:ctrlPr>
                       </m:sSubPr>
@@ -3686,7 +3703,7 @@
                       <m:sSubPr>
                         <m:ctrlPr>
                           <a:rPr lang="es-UY" i="1">
-                            <a:latin typeface="Cambria Math"/>
+                            <a:latin typeface="Cambria Math" panose="02040503050406030204" pitchFamily="18" charset="0"/>
                           </a:rPr>
                         </m:ctrlPr>
                       </m:sSubPr>
@@ -3753,7 +3770,7 @@
                       <m:sSubPr>
                         <m:ctrlPr>
                           <a:rPr lang="es-UY" i="1">
-                            <a:latin typeface="Cambria Math"/>
+                            <a:latin typeface="Cambria Math" panose="02040503050406030204" pitchFamily="18" charset="0"/>
                           </a:rPr>
                         </m:ctrlPr>
                       </m:sSubPr>
@@ -3796,7 +3813,7 @@
                       <m:sSubPr>
                         <m:ctrlPr>
                           <a:rPr lang="es-UY" i="1">
-                            <a:latin typeface="Cambria Math"/>
+                            <a:latin typeface="Cambria Math" panose="02040503050406030204" pitchFamily="18" charset="0"/>
                           </a:rPr>
                         </m:ctrlPr>
                       </m:sSubPr>
@@ -3835,7 +3852,7 @@
                       <m:sSubPr>
                         <m:ctrlPr>
                           <a:rPr lang="es-UY" i="1">
-                            <a:latin typeface="Cambria Math"/>
+                            <a:latin typeface="Cambria Math" panose="02040503050406030204" pitchFamily="18" charset="0"/>
                           </a:rPr>
                         </m:ctrlPr>
                       </m:sSubPr>
@@ -3878,7 +3895,7 @@
                       <m:sSubPr>
                         <m:ctrlPr>
                           <a:rPr lang="es-UY" i="1">
-                            <a:latin typeface="Cambria Math"/>
+                            <a:latin typeface="Cambria Math" panose="02040503050406030204" pitchFamily="18" charset="0"/>
                           </a:rPr>
                         </m:ctrlPr>
                       </m:sSubPr>
@@ -3921,7 +3938,7 @@
                       <m:sSubPr>
                         <m:ctrlPr>
                           <a:rPr lang="es-UY" i="1">
-                            <a:latin typeface="Cambria Math"/>
+                            <a:latin typeface="Cambria Math" panose="02040503050406030204" pitchFamily="18" charset="0"/>
                           </a:rPr>
                         </m:ctrlPr>
                       </m:sSubPr>
@@ -3960,7 +3977,7 @@
                       <m:sSubPr>
                         <m:ctrlPr>
                           <a:rPr lang="es-UY" i="1">
-                            <a:latin typeface="Cambria Math"/>
+                            <a:latin typeface="Cambria Math" panose="02040503050406030204" pitchFamily="18" charset="0"/>
                           </a:rPr>
                         </m:ctrlPr>
                       </m:sSubPr>
@@ -4003,7 +4020,7 @@
                       <m:sSubPr>
                         <m:ctrlPr>
                           <a:rPr lang="es-UY" i="1">
-                            <a:latin typeface="Cambria Math"/>
+                            <a:latin typeface="Cambria Math" panose="02040503050406030204" pitchFamily="18" charset="0"/>
                           </a:rPr>
                         </m:ctrlPr>
                       </m:sSubPr>
@@ -4042,7 +4059,7 @@
                       <m:sSubPr>
                         <m:ctrlPr>
                           <a:rPr lang="es-UY" i="1">
-                            <a:latin typeface="Cambria Math"/>
+                            <a:latin typeface="Cambria Math" panose="02040503050406030204" pitchFamily="18" charset="0"/>
                           </a:rPr>
                         </m:ctrlPr>
                       </m:sSubPr>
@@ -4085,7 +4102,7 @@
                       <m:sSubPr>
                         <m:ctrlPr>
                           <a:rPr lang="es-UY" i="1">
-                            <a:latin typeface="Cambria Math"/>
+                            <a:latin typeface="Cambria Math" panose="02040503050406030204" pitchFamily="18" charset="0"/>
                           </a:rPr>
                         </m:ctrlPr>
                       </m:sSubPr>
@@ -4130,7 +4147,7 @@
                       <m:sSubPr>
                         <m:ctrlPr>
                           <a:rPr lang="es-UY" i="1">
-                            <a:latin typeface="Cambria Math"/>
+                            <a:latin typeface="Cambria Math" panose="02040503050406030204" pitchFamily="18" charset="0"/>
                           </a:rPr>
                         </m:ctrlPr>
                       </m:sSubPr>
@@ -4169,7 +4186,7 @@
                       <m:sSubPr>
                         <m:ctrlPr>
                           <a:rPr lang="es-UY" i="1">
-                            <a:latin typeface="Cambria Math"/>
+                            <a:latin typeface="Cambria Math" panose="02040503050406030204" pitchFamily="18" charset="0"/>
                           </a:rPr>
                         </m:ctrlPr>
                       </m:sSubPr>
@@ -4208,7 +4225,7 @@
                       <m:sSubPr>
                         <m:ctrlPr>
                           <a:rPr lang="es-UY" i="1">
-                            <a:latin typeface="Cambria Math"/>
+                            <a:latin typeface="Cambria Math" panose="02040503050406030204" pitchFamily="18" charset="0"/>
                           </a:rPr>
                         </m:ctrlPr>
                       </m:sSubPr>
@@ -4251,7 +4268,7 @@
                       <m:sSubPr>
                         <m:ctrlPr>
                           <a:rPr lang="es-UY" i="1">
-                            <a:latin typeface="Cambria Math"/>
+                            <a:latin typeface="Cambria Math" panose="02040503050406030204" pitchFamily="18" charset="0"/>
                           </a:rPr>
                         </m:ctrlPr>
                       </m:sSubPr>
@@ -4296,7 +4313,7 @@
                       <m:sSubPr>
                         <m:ctrlPr>
                           <a:rPr lang="es-UY" i="1">
-                            <a:latin typeface="Cambria Math"/>
+                            <a:latin typeface="Cambria Math" panose="02040503050406030204" pitchFamily="18" charset="0"/>
                           </a:rPr>
                         </m:ctrlPr>
                       </m:sSubPr>
@@ -4339,7 +4356,7 @@
                       <m:sSubPr>
                         <m:ctrlPr>
                           <a:rPr lang="es-UY" i="1">
-                            <a:latin typeface="Cambria Math"/>
+                            <a:latin typeface="Cambria Math" panose="02040503050406030204" pitchFamily="18" charset="0"/>
                           </a:rPr>
                         </m:ctrlPr>
                       </m:sSubPr>
@@ -4378,7 +4395,7 @@
                       <m:sSubPr>
                         <m:ctrlPr>
                           <a:rPr lang="es-UY" i="1">
-                            <a:latin typeface="Cambria Math"/>
+                            <a:latin typeface="Cambria Math" panose="02040503050406030204" pitchFamily="18" charset="0"/>
                           </a:rPr>
                         </m:ctrlPr>
                       </m:sSubPr>
@@ -4421,7 +4438,7 @@
                       <m:sSubPr>
                         <m:ctrlPr>
                           <a:rPr lang="es-UY" i="1">
-                            <a:latin typeface="Cambria Math"/>
+                            <a:latin typeface="Cambria Math" panose="02040503050406030204" pitchFamily="18" charset="0"/>
                           </a:rPr>
                         </m:ctrlPr>
                       </m:sSubPr>
@@ -4466,7 +4483,7 @@
                       <m:sSubPr>
                         <m:ctrlPr>
                           <a:rPr lang="es-UY" i="1">
-                            <a:latin typeface="Cambria Math"/>
+                            <a:latin typeface="Cambria Math" panose="02040503050406030204" pitchFamily="18" charset="0"/>
                           </a:rPr>
                         </m:ctrlPr>
                       </m:sSubPr>
@@ -4505,7 +4522,7 @@
                       <m:sSubPr>
                         <m:ctrlPr>
                           <a:rPr lang="es-UY" i="1">
-                            <a:latin typeface="Cambria Math"/>
+                            <a:latin typeface="Cambria Math" panose="02040503050406030204" pitchFamily="18" charset="0"/>
                           </a:rPr>
                         </m:ctrlPr>
                       </m:sSubPr>
@@ -4550,7 +4567,7 @@
                       <m:sSubPr>
                         <m:ctrlPr>
                           <a:rPr lang="es-UY" i="1">
-                            <a:latin typeface="Cambria Math"/>
+                            <a:latin typeface="Cambria Math" panose="02040503050406030204" pitchFamily="18" charset="0"/>
                           </a:rPr>
                         </m:ctrlPr>
                       </m:sSubPr>
@@ -4940,6 +4957,13 @@
   <p:clrMapOvr>
     <a:masterClrMapping/>
   </p:clrMapOvr>
+  <p:timing>
+    <p:tnLst>
+      <p:par>
+        <p:cTn id="1" dur="indefinite" restart="never" nodeType="tmRoot"/>
+      </p:par>
+    </p:tnLst>
+  </p:timing>
 </p:sld>
 </file>
 
@@ -4973,14 +4997,25 @@
         <p:spPr/>
         <p:txBody>
           <a:bodyPr>
-            <a:normAutofit/>
+            <a:normAutofit fontScale="90000"/>
           </a:bodyPr>
           <a:lstStyle/>
           <a:p>
             <a:r>
+              <a:rPr lang="es-UY" dirty="0" err="1" smtClean="0"/>
+              <a:t>MDVRP</a:t>
+            </a:r>
+            <a:r>
+              <a:rPr lang="es-UY" dirty="0" smtClean="0"/>
+              <a:t>-  Solución, implementación. </a:t>
+            </a:r>
+            <a:r>
               <a:rPr lang="en-US" dirty="0" smtClean="0"/>
-              <a:t>MDVRP- </a:t>
-            </a:r>
+              <a:t/>
+            </a:r>
+            <a:br>
+              <a:rPr lang="en-US" dirty="0" smtClean="0"/>
+            </a:br>
             <a:r>
               <a:rPr lang="es-UY" dirty="0" smtClean="0"/>
               <a:t>Generación de mapa a partir de una matriz de distancias</a:t>
@@ -5193,6 +5228,13 @@
   <p:clrMapOvr>
     <a:masterClrMapping/>
   </p:clrMapOvr>
+  <p:timing>
+    <p:tnLst>
+      <p:par>
+        <p:cTn id="1" dur="indefinite" restart="never" nodeType="tmRoot"/>
+      </p:par>
+    </p:tnLst>
+  </p:timing>
 </p:sld>
 </file>
 
@@ -5315,32 +5357,27 @@
           <a:lstStyle/>
           <a:p>
             <a:r>
-              <a:rPr lang="en-US" dirty="0" smtClean="0"/>
-              <a:t>MDVRP- </a:t>
-            </a:r>
-            <a:r>
-              <a:rPr lang="en-US" dirty="0" err="1" smtClean="0"/>
-              <a:t>Generación</a:t>
-            </a:r>
-            <a:r>
-              <a:rPr lang="en-US" dirty="0" smtClean="0"/>
-              <a:t> </a:t>
-            </a:r>
-            <a:r>
-              <a:rPr lang="en-US" dirty="0" err="1" smtClean="0"/>
-              <a:t>randómica</a:t>
-            </a:r>
-            <a:r>
-              <a:rPr lang="en-US" dirty="0" smtClean="0"/>
-              <a:t> y </a:t>
-            </a:r>
-            <a:r>
-              <a:rPr lang="en-US" dirty="0" err="1" smtClean="0"/>
-              <a:t>otros</a:t>
-            </a:r>
-            <a:r>
-              <a:rPr lang="en-US" dirty="0" smtClean="0"/>
-              <a:t>...</a:t>
+              <a:rPr lang="es-UY" dirty="0" err="1" smtClean="0"/>
+              <a:t>MDVRP</a:t>
+            </a:r>
+            <a:r>
+              <a:rPr lang="es-UY" dirty="0" smtClean="0"/>
+              <a:t>-  </a:t>
+            </a:r>
+            <a:r>
+              <a:rPr lang="es-UY" dirty="0"/>
+              <a:t>Solución, implementación. </a:t>
+            </a:r>
+            <a:r>
+              <a:rPr lang="es-UY" dirty="0" smtClean="0"/>
+              <a:t/>
+            </a:r>
+            <a:br>
+              <a:rPr lang="es-UY" dirty="0" smtClean="0"/>
+            </a:br>
+            <a:r>
+              <a:rPr lang="es-UY" dirty="0" smtClean="0"/>
+              <a:t>Generación de casos de prueba aleatorios.</a:t>
             </a:r>
             <a:endParaRPr lang="es-UY" dirty="0"/>
           </a:p>
@@ -5358,26 +5395,119 @@
         </p:nvSpPr>
         <p:spPr/>
         <p:txBody>
-          <a:bodyPr/>
+          <a:bodyPr>
+            <a:normAutofit fontScale="92500" lnSpcReduction="10000"/>
+          </a:bodyPr>
           <a:lstStyle/>
           <a:p>
             <a:r>
-              <a:rPr lang="es-UY" dirty="0" smtClean="0">
-                <a:solidFill>
-                  <a:schemeClr val="accent1">
-                    <a:lumMod val="50000"/>
-                  </a:schemeClr>
-                </a:solidFill>
-              </a:rPr>
-              <a:t>Fran</a:t>
-            </a:r>
-            <a:endParaRPr lang="es-UY" dirty="0">
-              <a:solidFill>
-                <a:schemeClr val="accent1">
-                  <a:lumMod val="50000"/>
-                </a:schemeClr>
-              </a:solidFill>
-            </a:endParaRPr>
+              <a:rPr lang="es-ES" dirty="0" smtClean="0"/>
+              <a:t>El proceso de generación de escenarios aleatorios permite generar clientes, depósitos y sus capacidades de forma aleatoria. De este modo se tienen juegos de datos para 1000 clientes o mas. </a:t>
+            </a:r>
+          </a:p>
+          <a:p>
+            <a:r>
+              <a:rPr lang="es-ES" dirty="0" smtClean="0"/>
+              <a:t>Características:</a:t>
+            </a:r>
+          </a:p>
+          <a:p>
+            <a:pPr lvl="1"/>
+            <a:r>
+              <a:rPr lang="es-ES" dirty="0" smtClean="0"/>
+              <a:t>El formato del mismo corresponde con el formato de </a:t>
+            </a:r>
+            <a:r>
+              <a:rPr lang="es-ES" dirty="0" err="1" smtClean="0"/>
+              <a:t>TSPLib</a:t>
+            </a:r>
+            <a:r>
+              <a:rPr lang="es-ES" dirty="0" smtClean="0"/>
+              <a:t>.  </a:t>
+            </a:r>
+          </a:p>
+          <a:p>
+            <a:pPr lvl="1"/>
+            <a:r>
+              <a:rPr lang="es-ES" dirty="0" smtClean="0"/>
+              <a:t>Permitiendo parametrizar el numero de clientes y depósitos.</a:t>
+            </a:r>
+          </a:p>
+          <a:p>
+            <a:pPr lvl="1"/>
+            <a:r>
+              <a:rPr lang="es-ES" dirty="0" smtClean="0"/>
+              <a:t>Demanda de clientes (</a:t>
+            </a:r>
+            <a:r>
+              <a:rPr lang="es-ES" dirty="0" err="1" smtClean="0"/>
+              <a:t>v.a.</a:t>
+            </a:r>
+            <a:r>
+              <a:rPr lang="es-ES" dirty="0" smtClean="0"/>
+              <a:t> uniforme en un Intervalo (</a:t>
+            </a:r>
+            <a:r>
+              <a:rPr lang="es-ES" dirty="0" err="1" smtClean="0"/>
+              <a:t>a,b</a:t>
+            </a:r>
+            <a:r>
+              <a:rPr lang="es-ES" dirty="0" smtClean="0"/>
+              <a:t>))</a:t>
+            </a:r>
+          </a:p>
+          <a:p>
+            <a:pPr lvl="1"/>
+            <a:r>
+              <a:rPr lang="es-ES" dirty="0" smtClean="0"/>
+              <a:t>Oferta de los depósitos:</a:t>
+            </a:r>
+          </a:p>
+          <a:p>
+            <a:pPr lvl="2"/>
+            <a:r>
+              <a:rPr lang="es-ES" dirty="0"/>
+              <a:t>P</a:t>
+            </a:r>
+            <a:r>
+              <a:rPr lang="es-ES" dirty="0" smtClean="0"/>
+              <a:t>uede ser igual o distinta en todos los depósitos.</a:t>
+            </a:r>
+          </a:p>
+          <a:p>
+            <a:pPr lvl="2"/>
+            <a:r>
+              <a:rPr lang="es-ES" dirty="0" smtClean="0"/>
+              <a:t>Puede sobrepasar la demanda de los clientes en un porcentaje dado (10%, 20%... </a:t>
+            </a:r>
+            <a:r>
+              <a:rPr lang="es-ES" dirty="0" err="1" smtClean="0"/>
+              <a:t>Etc</a:t>
+            </a:r>
+            <a:r>
+              <a:rPr lang="es-ES" dirty="0" smtClean="0"/>
+              <a:t>).</a:t>
+            </a:r>
+          </a:p>
+          <a:p>
+            <a:pPr lvl="1"/>
+            <a:r>
+              <a:rPr lang="es-ES" dirty="0" smtClean="0"/>
+              <a:t>Con la misma semilla, pueden existir varios juegos de datos que solo varia la demanda de los depósitos para el análisis de este comportamiento.</a:t>
+            </a:r>
+          </a:p>
+          <a:p>
+            <a:pPr lvl="1"/>
+            <a:r>
+              <a:rPr lang="es-ES" dirty="0" smtClean="0"/>
+              <a:t>Se probo con 10.000 clientes y 500 depósitos.</a:t>
+            </a:r>
+          </a:p>
+          <a:p>
+            <a:pPr marL="457200" lvl="1" indent="0">
+              <a:buNone/>
+            </a:pPr>
+            <a:endParaRPr lang="es-UY" dirty="0"/>
           </a:p>
         </p:txBody>
       </p:sp>
@@ -5391,6 +5521,13 @@
   <p:clrMapOvr>
     <a:masterClrMapping/>
   </p:clrMapOvr>
+  <p:timing>
+    <p:tnLst>
+      <p:par>
+        <p:cTn id="1" dur="indefinite" restart="never" nodeType="tmRoot"/>
+      </p:par>
+    </p:tnLst>
+  </p:timing>
 </p:sld>
 </file>
 
@@ -5427,47 +5564,19 @@
           <a:lstStyle/>
           <a:p>
             <a:r>
-              <a:rPr lang="en-US" dirty="0" err="1" smtClean="0"/>
+              <a:rPr lang="es-UY" dirty="0" err="1" smtClean="0"/>
               <a:t>MDVRP</a:t>
             </a:r>
             <a:r>
-              <a:rPr lang="en-US" dirty="0" smtClean="0"/>
-              <a:t>- </a:t>
-            </a:r>
-            <a:r>
-              <a:rPr lang="en-US" dirty="0" err="1" smtClean="0"/>
-              <a:t>Solucion</a:t>
-            </a:r>
-            <a:r>
-              <a:rPr lang="en-US" dirty="0" smtClean="0"/>
-              <a:t>, </a:t>
-            </a:r>
-            <a:r>
-              <a:rPr lang="en-US" dirty="0" err="1" smtClean="0"/>
-              <a:t>Testeo</a:t>
-            </a:r>
-            <a:r>
-              <a:rPr lang="en-US" dirty="0" smtClean="0"/>
-              <a:t>.</a:t>
+              <a:rPr lang="es-UY" dirty="0" smtClean="0"/>
+              <a:t>- Solución, Testeo.</a:t>
             </a:r>
             <a:br>
-              <a:rPr lang="en-US" dirty="0" smtClean="0"/>
+              <a:rPr lang="es-UY" dirty="0" smtClean="0"/>
             </a:br>
             <a:r>
-              <a:rPr lang="en-US" dirty="0" err="1" smtClean="0"/>
-              <a:t>Casos</a:t>
-            </a:r>
-            <a:r>
-              <a:rPr lang="en-US" dirty="0" smtClean="0"/>
-              <a:t> De </a:t>
-            </a:r>
-            <a:r>
-              <a:rPr lang="en-US" dirty="0" err="1" smtClean="0"/>
-              <a:t>Prueba</a:t>
-            </a:r>
-            <a:r>
-              <a:rPr lang="en-US" dirty="0" smtClean="0"/>
-              <a:t>.</a:t>
+              <a:rPr lang="es-UY" dirty="0" smtClean="0"/>
+              <a:t>Casos De Prueba.</a:t>
             </a:r>
             <a:endParaRPr lang="es-UY" dirty="0"/>
           </a:p>
@@ -5483,89 +5592,213 @@
             <p:ph idx="1"/>
           </p:nvPr>
         </p:nvSpPr>
-        <p:spPr/>
+        <p:spPr>
+          <a:xfrm>
+            <a:off x="838200" y="1839693"/>
+            <a:ext cx="10515600" cy="4351338"/>
+          </a:xfrm>
+        </p:spPr>
         <p:txBody>
           <a:bodyPr/>
           <a:lstStyle/>
           <a:p>
             <a:r>
+              <a:rPr lang="es-UY" dirty="0" smtClean="0"/>
+              <a:t>A:  Ejemplo de </a:t>
+            </a:r>
+            <a:r>
+              <a:rPr lang="es-UY" dirty="0" err="1" smtClean="0"/>
+              <a:t>TSPLib</a:t>
+            </a:r>
+            <a:r>
+              <a:rPr lang="es-UY" dirty="0" smtClean="0"/>
+              <a:t> (cap. de depósitos modificada) </a:t>
+            </a:r>
+          </a:p>
+          <a:p>
+            <a:r>
+              <a:rPr lang="es-UY" dirty="0" smtClean="0"/>
+              <a:t>B:  Depósitos con = </a:t>
+            </a:r>
+            <a:r>
+              <a:rPr lang="es-UY" dirty="0" err="1" smtClean="0"/>
+              <a:t>cap</a:t>
+            </a:r>
+            <a:endParaRPr lang="es-UY" dirty="0" smtClean="0"/>
+          </a:p>
+          <a:p>
+            <a:pPr lvl="1"/>
+            <a:r>
+              <a:rPr lang="es-UY" dirty="0" err="1" smtClean="0"/>
+              <a:t>B1</a:t>
+            </a:r>
+            <a:r>
+              <a:rPr lang="es-UY" dirty="0" smtClean="0"/>
+              <a:t> 0%</a:t>
+            </a:r>
+          </a:p>
+          <a:p>
+            <a:pPr lvl="1"/>
+            <a:r>
+              <a:rPr lang="es-UY" dirty="0" err="1" smtClean="0"/>
+              <a:t>B2</a:t>
+            </a:r>
+            <a:r>
+              <a:rPr lang="es-UY" dirty="0" smtClean="0"/>
+              <a:t> 10%</a:t>
+            </a:r>
+          </a:p>
+          <a:p>
+            <a:pPr lvl="1"/>
+            <a:r>
+              <a:rPr lang="es-UY" dirty="0" err="1" smtClean="0"/>
+              <a:t>B3</a:t>
+            </a:r>
+            <a:r>
+              <a:rPr lang="es-UY" dirty="0" smtClean="0"/>
+              <a:t> 20%</a:t>
+            </a:r>
+          </a:p>
+          <a:p>
+            <a:r>
               <a:rPr lang="en-US" dirty="0" smtClean="0"/>
-              <a:t>A</a:t>
-            </a:r>
-          </a:p>
-          <a:p>
-            <a:r>
-              <a:rPr lang="en-US" dirty="0" smtClean="0"/>
-              <a:t>B</a:t>
-            </a:r>
-          </a:p>
-          <a:p>
-            <a:pPr lvl="1"/>
-            <a:r>
-              <a:rPr lang="en-US" dirty="0" err="1" smtClean="0"/>
-              <a:t>B1</a:t>
-            </a:r>
-            <a:endParaRPr lang="en-US" dirty="0" smtClean="0"/>
-          </a:p>
-          <a:p>
-            <a:pPr lvl="1"/>
-            <a:r>
-              <a:rPr lang="en-US" dirty="0" err="1" smtClean="0"/>
-              <a:t>B2</a:t>
-            </a:r>
-            <a:endParaRPr lang="en-US" dirty="0" smtClean="0"/>
-          </a:p>
-          <a:p>
-            <a:pPr lvl="1"/>
-            <a:r>
-              <a:rPr lang="en-US" dirty="0" err="1" smtClean="0"/>
-              <a:t>B3</a:t>
-            </a:r>
-            <a:endParaRPr lang="en-US" dirty="0" smtClean="0"/>
-          </a:p>
-          <a:p>
-            <a:r>
-              <a:rPr lang="en-US" dirty="0" smtClean="0"/>
-              <a:t>C</a:t>
-            </a:r>
-            <a:r>
-              <a:rPr lang="es-UY" dirty="0">
+              <a:t>C:</a:t>
+            </a:r>
+            <a:r>
+              <a:rPr lang="es-UY" dirty="0" smtClean="0">
                 <a:solidFill>
                   <a:schemeClr val="accent1">
                     <a:lumMod val="50000"/>
                   </a:schemeClr>
                 </a:solidFill>
               </a:rPr>
-              <a:t> Fran</a:t>
-            </a:r>
-            <a:endParaRPr lang="en-US" dirty="0" smtClean="0"/>
+              <a:t> </a:t>
+            </a:r>
+            <a:r>
+              <a:rPr lang="es-UY" dirty="0" smtClean="0"/>
+              <a:t>Depósitos con </a:t>
+            </a:r>
+            <a:r>
+              <a:rPr lang="en-US" dirty="0" smtClean="0"/>
+              <a:t>≠</a:t>
+            </a:r>
+            <a:r>
+              <a:rPr lang="es-UY" dirty="0" smtClean="0"/>
+              <a:t> </a:t>
+            </a:r>
+            <a:r>
+              <a:rPr lang="es-UY" dirty="0" err="1" smtClean="0"/>
+              <a:t>cap</a:t>
+            </a:r>
+            <a:endParaRPr lang="en-US" dirty="0"/>
           </a:p>
           <a:p>
             <a:pPr lvl="1"/>
             <a:r>
-              <a:rPr lang="en-US" dirty="0" err="1" smtClean="0"/>
+              <a:rPr lang="es-UY" dirty="0" err="1" smtClean="0"/>
               <a:t>C1</a:t>
             </a:r>
-            <a:endParaRPr lang="en-US" dirty="0" smtClean="0"/>
+            <a:r>
+              <a:rPr lang="es-UY" dirty="0" smtClean="0"/>
+              <a:t> 0%</a:t>
+            </a:r>
           </a:p>
           <a:p>
             <a:pPr lvl="1"/>
             <a:r>
-              <a:rPr lang="en-US" dirty="0" err="1" smtClean="0"/>
+              <a:rPr lang="es-UY" dirty="0" err="1" smtClean="0"/>
               <a:t>C2</a:t>
             </a:r>
-            <a:endParaRPr lang="en-US" dirty="0"/>
+            <a:r>
+              <a:rPr lang="es-UY" dirty="0" smtClean="0"/>
+              <a:t> 10%</a:t>
+            </a:r>
           </a:p>
           <a:p>
             <a:pPr lvl="1"/>
             <a:r>
-              <a:rPr lang="en-US" dirty="0" err="1" smtClean="0"/>
+              <a:rPr lang="es-UY" dirty="0" err="1" smtClean="0"/>
               <a:t>C3</a:t>
             </a:r>
-            <a:endParaRPr lang="en-US" dirty="0" smtClean="0"/>
-          </a:p>
-        </p:txBody>
-      </p:sp>
+            <a:r>
+              <a:rPr lang="es-UY" dirty="0" smtClean="0"/>
+              <a:t> 20%</a:t>
+            </a:r>
+          </a:p>
+        </p:txBody>
+      </p:sp>
+      <p:pic>
+        <p:nvPicPr>
+          <p:cNvPr id="4" name="Picture 3"/>
+          <p:cNvPicPr>
+            <a:picLocks noChangeAspect="1"/>
+          </p:cNvPicPr>
+          <p:nvPr/>
+        </p:nvPicPr>
+        <p:blipFill>
+          <a:blip r:embed="rId2"/>
+          <a:stretch>
+            <a:fillRect/>
+          </a:stretch>
+        </p:blipFill>
+        <p:spPr>
+          <a:xfrm>
+            <a:off x="8792749" y="734742"/>
+            <a:ext cx="1924050" cy="1743075"/>
+          </a:xfrm>
+          <a:prstGeom prst="rect">
+            <a:avLst/>
+          </a:prstGeom>
+        </p:spPr>
+      </p:pic>
+      <p:pic>
+        <p:nvPicPr>
+          <p:cNvPr id="6" name="Picture 5"/>
+          <p:cNvPicPr>
+            <a:picLocks noChangeAspect="1"/>
+          </p:cNvPicPr>
+          <p:nvPr/>
+        </p:nvPicPr>
+        <p:blipFill>
+          <a:blip r:embed="rId3"/>
+          <a:stretch>
+            <a:fillRect/>
+          </a:stretch>
+        </p:blipFill>
+        <p:spPr>
+          <a:xfrm>
+            <a:off x="5207245" y="2438437"/>
+            <a:ext cx="5467350" cy="1704975"/>
+          </a:xfrm>
+          <a:prstGeom prst="rect">
+            <a:avLst/>
+          </a:prstGeom>
+        </p:spPr>
+      </p:pic>
+      <p:pic>
+        <p:nvPicPr>
+          <p:cNvPr id="7" name="Picture 6"/>
+          <p:cNvPicPr>
+            <a:picLocks noChangeAspect="1"/>
+          </p:cNvPicPr>
+          <p:nvPr/>
+        </p:nvPicPr>
+        <p:blipFill>
+          <a:blip r:embed="rId4"/>
+          <a:stretch>
+            <a:fillRect/>
+          </a:stretch>
+        </p:blipFill>
+        <p:spPr>
+          <a:xfrm>
+            <a:off x="5207245" y="4157480"/>
+            <a:ext cx="5467350" cy="1914525"/>
+          </a:xfrm>
+          <a:prstGeom prst="rect">
+            <a:avLst/>
+          </a:prstGeom>
+        </p:spPr>
+      </p:pic>
     </p:spTree>
     <p:extLst>
       <p:ext uri="{BB962C8B-B14F-4D97-AF65-F5344CB8AC3E}">
@@ -5576,6 +5809,13 @@
   <p:clrMapOvr>
     <a:masterClrMapping/>
   </p:clrMapOvr>
+  <p:timing>
+    <p:tnLst>
+      <p:par>
+        <p:cTn id="1" dur="indefinite" restart="never" nodeType="tmRoot"/>
+      </p:par>
+    </p:tnLst>
+  </p:timing>
 </p:sld>
 </file>
 
@@ -5612,35 +5852,19 @@
           <a:lstStyle/>
           <a:p>
             <a:r>
-              <a:rPr lang="en-US" dirty="0" err="1" smtClean="0"/>
+              <a:rPr lang="es-UY" dirty="0" err="1" smtClean="0"/>
               <a:t>MDVRP</a:t>
             </a:r>
             <a:r>
-              <a:rPr lang="en-US" dirty="0" smtClean="0"/>
-              <a:t>- </a:t>
-            </a:r>
-            <a:r>
-              <a:rPr lang="en-US" dirty="0" err="1" smtClean="0"/>
-              <a:t>Solucion</a:t>
-            </a:r>
-            <a:r>
-              <a:rPr lang="en-US" dirty="0" smtClean="0"/>
-              <a:t>, </a:t>
-            </a:r>
-            <a:r>
-              <a:rPr lang="en-US" dirty="0" err="1" smtClean="0"/>
-              <a:t>Testeo</a:t>
-            </a:r>
-            <a:r>
-              <a:rPr lang="en-US" dirty="0" smtClean="0"/>
-              <a:t>.</a:t>
+              <a:rPr lang="es-UY" dirty="0" smtClean="0"/>
+              <a:t>- Solución, Testeo.</a:t>
             </a:r>
             <a:br>
-              <a:rPr lang="en-US" dirty="0" smtClean="0"/>
+              <a:rPr lang="es-UY" dirty="0" smtClean="0"/>
             </a:br>
             <a:r>
-              <a:rPr lang="en-US" dirty="0" err="1" smtClean="0"/>
-              <a:t>Metricas</a:t>
+              <a:rPr lang="es-UY" dirty="0" smtClean="0"/>
+              <a:t>Métricas Utilizadas.</a:t>
             </a:r>
             <a:endParaRPr lang="es-UY" dirty="0"/>
           </a:p>
@@ -5663,219 +5887,104 @@
           <a:p>
             <a:pPr lvl="1"/>
             <a:r>
-              <a:rPr lang="en-US" dirty="0" err="1" smtClean="0"/>
-              <a:t>Tiempo</a:t>
-            </a:r>
-            <a:r>
-              <a:rPr lang="en-US" dirty="0" smtClean="0"/>
-              <a:t> de </a:t>
-            </a:r>
-            <a:r>
-              <a:rPr lang="en-US" dirty="0" err="1" smtClean="0"/>
-              <a:t>ejecucion</a:t>
+              <a:rPr lang="es-UY" dirty="0" smtClean="0"/>
+              <a:t>Tiempo de ejecución.</a:t>
+            </a:r>
+          </a:p>
+          <a:p>
+            <a:pPr lvl="2"/>
+            <a:r>
+              <a:rPr lang="es-ES" dirty="0" smtClean="0"/>
+              <a:t>El </a:t>
+            </a:r>
+            <a:r>
+              <a:rPr lang="es-ES" dirty="0"/>
+              <a:t>mismo consiste en el tiempo que demora en correr el </a:t>
+            </a:r>
+            <a:r>
+              <a:rPr lang="es-ES" dirty="0" smtClean="0"/>
+              <a:t>algoritmo.</a:t>
+            </a:r>
+          </a:p>
+          <a:p>
+            <a:pPr lvl="2"/>
+            <a:r>
+              <a:rPr lang="es-UY" dirty="0" smtClean="0"/>
+              <a:t>Permite comparar los tiempos de los distintos algoritmos.</a:t>
+            </a:r>
+          </a:p>
+          <a:p>
+            <a:pPr lvl="1"/>
+            <a:r>
+              <a:rPr lang="es-UY" dirty="0" smtClean="0"/>
+              <a:t>Costo (Distancia recorrida)</a:t>
+            </a:r>
+          </a:p>
+          <a:p>
+            <a:pPr lvl="2"/>
+            <a:r>
+              <a:rPr lang="es-ES" dirty="0" smtClean="0"/>
+              <a:t>Es </a:t>
+            </a:r>
+            <a:r>
+              <a:rPr lang="es-ES" dirty="0"/>
+              <a:t>la suma de los recorridos de todos los  vehículos para todos los depósitos</a:t>
+            </a:r>
+            <a:r>
+              <a:rPr lang="es-ES" dirty="0" smtClean="0"/>
+              <a:t>.</a:t>
             </a:r>
             <a:endParaRPr lang="en-US" dirty="0" smtClean="0"/>
           </a:p>
           <a:p>
             <a:pPr lvl="2"/>
             <a:r>
-              <a:rPr lang="en-US" dirty="0" err="1" smtClean="0"/>
-              <a:t>Permite</a:t>
-            </a:r>
-            <a:r>
-              <a:rPr lang="en-US" dirty="0" smtClean="0"/>
-              <a:t> comparer </a:t>
-            </a:r>
-            <a:r>
-              <a:rPr lang="en-US" dirty="0" err="1" smtClean="0"/>
-              <a:t>los</a:t>
-            </a:r>
-            <a:r>
-              <a:rPr lang="en-US" dirty="0" smtClean="0"/>
-              <a:t> </a:t>
-            </a:r>
-            <a:r>
-              <a:rPr lang="en-US" dirty="0" err="1" smtClean="0"/>
-              <a:t>distintos</a:t>
-            </a:r>
-            <a:r>
-              <a:rPr lang="en-US" dirty="0" smtClean="0"/>
-              <a:t> </a:t>
-            </a:r>
-            <a:r>
-              <a:rPr lang="en-US" dirty="0" err="1" smtClean="0"/>
-              <a:t>algoritmos</a:t>
+              <a:rPr lang="es-UY" dirty="0" smtClean="0"/>
+              <a:t>Permite comparar los costos de los distintos algoritmos.</a:t>
+            </a:r>
+          </a:p>
+          <a:p>
+            <a:pPr lvl="1"/>
+            <a:r>
+              <a:rPr lang="es-UY" dirty="0" smtClean="0"/>
+              <a:t>Penalidad </a:t>
+            </a:r>
+          </a:p>
+          <a:p>
+            <a:pPr lvl="2"/>
+            <a:r>
+              <a:rPr lang="es-UY" dirty="0" smtClean="0"/>
+              <a:t>Se calcula a partir de la demanda de los clientes y la oferta de los depósitos</a:t>
             </a:r>
             <a:r>
               <a:rPr lang="en-US" dirty="0" smtClean="0"/>
               <a:t>.</a:t>
             </a:r>
-          </a:p>
-          <a:p>
-            <a:pPr lvl="1"/>
-            <a:r>
-              <a:rPr lang="en-US" dirty="0" err="1" smtClean="0"/>
-              <a:t>Penalidad</a:t>
-            </a:r>
-            <a:r>
-              <a:rPr lang="en-US" dirty="0" smtClean="0"/>
-              <a:t> (</a:t>
-            </a:r>
-            <a:r>
-              <a:rPr lang="en-US" dirty="0" err="1" smtClean="0"/>
-              <a:t>principalemnte</a:t>
-            </a:r>
-            <a:r>
-              <a:rPr lang="en-US" dirty="0" smtClean="0"/>
-              <a:t> para el </a:t>
-            </a:r>
-            <a:r>
-              <a:rPr lang="en-US" dirty="0" err="1" smtClean="0"/>
-              <a:t>caso</a:t>
-            </a:r>
-            <a:r>
-              <a:rPr lang="en-US" dirty="0" smtClean="0"/>
-              <a:t> de DI) ????</a:t>
-            </a:r>
-          </a:p>
-          <a:p>
-            <a:pPr marL="914400" lvl="2" indent="0">
+            <a:endParaRPr lang="es-UY" dirty="0" smtClean="0"/>
+          </a:p>
+          <a:p>
+            <a:pPr lvl="2"/>
+            <a:r>
+              <a:rPr lang="es-UY" dirty="0" smtClean="0"/>
+              <a:t>Permite analizar el problema del algoritmo por Urgencia y su carencia al no manejar capacidades. </a:t>
+            </a:r>
+            <a:endParaRPr lang="es-UY" dirty="0" smtClean="0"/>
+          </a:p>
+          <a:p>
+            <a:pPr lvl="2"/>
+            <a:r>
+              <a:rPr lang="es-UY" dirty="0" smtClean="0"/>
+              <a:t>Permite </a:t>
+            </a:r>
+            <a:r>
+              <a:rPr lang="es-UY" dirty="0" smtClean="0"/>
+              <a:t>cuantificar el impacto cuando los depósitos no pueden cubrir las demandas de los clientes.</a:t>
+            </a:r>
+          </a:p>
+          <a:p>
+            <a:pPr marL="457200" lvl="1" indent="0">
               <a:buNone/>
             </a:pPr>
-            <a:r>
-              <a:rPr lang="en-US" dirty="0" err="1" smtClean="0"/>
-              <a:t>Permite</a:t>
-            </a:r>
-            <a:r>
-              <a:rPr lang="en-US" dirty="0" smtClean="0"/>
-              <a:t> </a:t>
-            </a:r>
-            <a:r>
-              <a:rPr lang="en-US" dirty="0" err="1" smtClean="0"/>
-              <a:t>analizar</a:t>
-            </a:r>
-            <a:r>
-              <a:rPr lang="en-US" dirty="0" smtClean="0"/>
-              <a:t> el </a:t>
-            </a:r>
-            <a:r>
-              <a:rPr lang="en-US" dirty="0" err="1" smtClean="0"/>
-              <a:t>problema</a:t>
-            </a:r>
-            <a:r>
-              <a:rPr lang="en-US" dirty="0" smtClean="0"/>
-              <a:t> del </a:t>
-            </a:r>
-            <a:r>
-              <a:rPr lang="en-US" dirty="0" err="1" smtClean="0"/>
-              <a:t>algoritmo</a:t>
-            </a:r>
-            <a:r>
-              <a:rPr lang="en-US" dirty="0" smtClean="0"/>
-              <a:t> </a:t>
-            </a:r>
-            <a:r>
-              <a:rPr lang="en-US" dirty="0" err="1" smtClean="0"/>
-              <a:t>por</a:t>
-            </a:r>
-            <a:r>
-              <a:rPr lang="en-US" dirty="0" smtClean="0"/>
-              <a:t> </a:t>
-            </a:r>
-            <a:r>
-              <a:rPr lang="en-US" dirty="0" err="1" smtClean="0"/>
-              <a:t>Urgencia</a:t>
-            </a:r>
-            <a:r>
-              <a:rPr lang="en-US" dirty="0" smtClean="0"/>
-              <a:t> y </a:t>
-            </a:r>
-            <a:r>
-              <a:rPr lang="en-US" dirty="0" err="1" smtClean="0"/>
-              <a:t>su</a:t>
-            </a:r>
-            <a:r>
-              <a:rPr lang="en-US" dirty="0" smtClean="0"/>
-              <a:t> </a:t>
-            </a:r>
-            <a:r>
-              <a:rPr lang="en-US" dirty="0" err="1" smtClean="0"/>
-              <a:t>penalidad</a:t>
-            </a:r>
-            <a:r>
-              <a:rPr lang="en-US" dirty="0" smtClean="0"/>
-              <a:t> con </a:t>
-            </a:r>
-            <a:r>
-              <a:rPr lang="en-US" dirty="0" err="1" smtClean="0"/>
-              <a:t>als</a:t>
-            </a:r>
-            <a:r>
-              <a:rPr lang="en-US" dirty="0" smtClean="0"/>
-              <a:t> </a:t>
-            </a:r>
-            <a:r>
-              <a:rPr lang="en-US" dirty="0" err="1" smtClean="0"/>
-              <a:t>capacidades</a:t>
-            </a:r>
-            <a:r>
-              <a:rPr lang="en-US" dirty="0" smtClean="0"/>
-              <a:t>. (primer </a:t>
-            </a:r>
-            <a:r>
-              <a:rPr lang="en-US" dirty="0" err="1" smtClean="0"/>
-              <a:t>algoritmo</a:t>
-            </a:r>
-            <a:r>
-              <a:rPr lang="en-US" dirty="0"/>
-              <a:t>)</a:t>
-            </a:r>
-            <a:endParaRPr lang="en-US" dirty="0" smtClean="0"/>
-          </a:p>
-          <a:p>
-            <a:pPr lvl="1"/>
-            <a:r>
-              <a:rPr lang="en-US" dirty="0" err="1" smtClean="0"/>
-              <a:t>Costo</a:t>
-            </a:r>
-            <a:endParaRPr lang="en-US" dirty="0" smtClean="0"/>
-          </a:p>
-          <a:p>
-            <a:pPr lvl="2"/>
-            <a:r>
-              <a:rPr lang="en-US" dirty="0" err="1" smtClean="0"/>
-              <a:t>Permite</a:t>
-            </a:r>
-            <a:r>
-              <a:rPr lang="en-US" dirty="0" smtClean="0"/>
-              <a:t> comparer ls </a:t>
-            </a:r>
-            <a:r>
-              <a:rPr lang="en-US" dirty="0" err="1" smtClean="0"/>
-              <a:t>distintos</a:t>
-            </a:r>
-            <a:r>
-              <a:rPr lang="en-US" dirty="0" smtClean="0"/>
-              <a:t> </a:t>
-            </a:r>
-            <a:r>
-              <a:rPr lang="en-US" dirty="0" err="1" smtClean="0"/>
-              <a:t>algortitmos</a:t>
-            </a:r>
-            <a:endParaRPr lang="en-US" dirty="0" smtClean="0"/>
-          </a:p>
-          <a:p>
-            <a:pPr lvl="1"/>
-            <a:r>
-              <a:rPr lang="es-UY" dirty="0">
-                <a:solidFill>
-                  <a:schemeClr val="accent1">
-                    <a:lumMod val="50000"/>
-                  </a:schemeClr>
-                </a:solidFill>
-              </a:rPr>
-              <a:t>Fran</a:t>
-            </a:r>
             <a:endParaRPr lang="es-UY" dirty="0"/>
           </a:p>
         </p:txBody>
@@ -5890,6 +5999,13 @@
   <p:clrMapOvr>
     <a:masterClrMapping/>
   </p:clrMapOvr>
+  <p:timing>
+    <p:tnLst>
+      <p:par>
+        <p:cTn id="1" dur="indefinite" restart="never" nodeType="tmRoot"/>
+      </p:par>
+    </p:tnLst>
+  </p:timing>
 </p:sld>
 </file>
 
@@ -6226,46 +6342,50 @@
           <a:lstStyle/>
           <a:p>
             <a:r>
-              <a:rPr lang="en-US" dirty="0" err="1" smtClean="0"/>
+              <a:rPr lang="es-UY" dirty="0" err="1" smtClean="0"/>
               <a:t>MDVRP</a:t>
             </a:r>
             <a:r>
-              <a:rPr lang="en-US" dirty="0" smtClean="0"/>
+              <a:rPr lang="es-UY" dirty="0" smtClean="0"/>
               <a:t>- </a:t>
             </a:r>
             <a:r>
-              <a:rPr lang="en-US" dirty="0" err="1" smtClean="0"/>
-              <a:t>Solucion</a:t>
-            </a:r>
-            <a:r>
-              <a:rPr lang="en-US" dirty="0" smtClean="0"/>
-              <a:t>, </a:t>
-            </a:r>
-            <a:r>
-              <a:rPr lang="en-US" dirty="0" err="1" smtClean="0"/>
-              <a:t>Testeo</a:t>
-            </a:r>
-            <a:r>
-              <a:rPr lang="en-US" dirty="0" smtClean="0"/>
-              <a:t>.</a:t>
+              <a:rPr lang="es-UY" dirty="0" smtClean="0"/>
+              <a:t>Solución, </a:t>
+            </a:r>
+            <a:r>
+              <a:rPr lang="es-UY" dirty="0" smtClean="0"/>
+              <a:t>Testeo.</a:t>
             </a:r>
             <a:br>
-              <a:rPr lang="en-US" dirty="0" smtClean="0"/>
+              <a:rPr lang="es-UY" dirty="0" smtClean="0"/>
             </a:br>
             <a:r>
-              <a:rPr lang="en-US" dirty="0" err="1" smtClean="0"/>
-              <a:t>Analicis</a:t>
-            </a:r>
-            <a:r>
-              <a:rPr lang="en-US" dirty="0" smtClean="0"/>
-              <a:t> de </a:t>
-            </a:r>
-            <a:r>
-              <a:rPr lang="en-US" dirty="0" err="1" smtClean="0"/>
-              <a:t>Resultados</a:t>
-            </a:r>
-            <a:r>
-              <a:rPr lang="en-US" dirty="0" smtClean="0"/>
+              <a:rPr lang="es-UY" dirty="0" smtClean="0"/>
+              <a:t>Análisis </a:t>
+            </a:r>
+            <a:r>
+              <a:rPr lang="es-UY" dirty="0" smtClean="0"/>
+              <a:t>de </a:t>
+            </a:r>
+            <a:r>
+              <a:rPr lang="es-UY" dirty="0" smtClean="0"/>
+              <a:t>Resultados </a:t>
+            </a:r>
+            <a:r>
+              <a:rPr lang="es-UY" dirty="0" err="1" smtClean="0"/>
+              <a:t>AER</a:t>
+            </a:r>
+            <a:r>
+              <a:rPr lang="es-UY" dirty="0" smtClean="0"/>
+              <a:t> Y </a:t>
+            </a:r>
+            <a:r>
+              <a:rPr lang="es-UY" dirty="0" err="1" smtClean="0"/>
+              <a:t>AEL</a:t>
+            </a:r>
+            <a:r>
+              <a:rPr lang="es-UY" dirty="0" smtClean="0"/>
               <a:t>.</a:t>
             </a:r>
             <a:endParaRPr lang="es-UY" dirty="0"/>
@@ -6319,23 +6439,23 @@
                         </a:spcAft>
                       </a:pPr>
                       <a:r>
-                        <a:rPr lang="es-ES" sz="1100">
+                        <a:rPr lang="es-ES" sz="1100" dirty="0">
                           <a:effectLst/>
                         </a:rPr>
                         <a:t>Caso de </a:t>
                       </a:r>
                       <a:br>
-                        <a:rPr lang="es-ES" sz="1100">
+                        <a:rPr lang="es-ES" sz="1100" dirty="0">
                           <a:effectLst/>
                         </a:rPr>
                       </a:br>
                       <a:r>
-                        <a:rPr lang="es-ES" sz="1100">
+                        <a:rPr lang="es-ES" sz="1100" dirty="0">
                           <a:effectLst/>
                         </a:rPr>
                         <a:t>Estudio</a:t>
                       </a:r>
-                      <a:endParaRPr lang="es-UY" sz="1100">
+                      <a:endParaRPr lang="es-UY" sz="1100" dirty="0">
                         <a:effectLst/>
                         <a:latin typeface="Times New Roman" panose="02020603050405020304" pitchFamily="18" charset="0"/>
                         <a:ea typeface="Times New Roman" panose="02020603050405020304" pitchFamily="18" charset="0"/>
@@ -6948,12 +7068,12 @@
                         </a:spcAft>
                       </a:pPr>
                       <a:r>
-                        <a:rPr lang="es-ES" sz="1100">
+                        <a:rPr lang="es-ES" sz="1100" dirty="0">
                           <a:effectLst/>
                         </a:rPr>
                         <a:t>39,88</a:t>
                       </a:r>
-                      <a:endParaRPr lang="es-UY" sz="1100">
+                      <a:endParaRPr lang="es-UY" sz="1100" dirty="0">
                         <a:effectLst/>
                         <a:latin typeface="Times New Roman" panose="02020603050405020304" pitchFamily="18" charset="0"/>
                         <a:ea typeface="Times New Roman" panose="02020603050405020304" pitchFamily="18" charset="0"/>
@@ -7507,12 +7627,12 @@
                         </a:spcAft>
                       </a:pPr>
                       <a:r>
-                        <a:rPr lang="es-ES" sz="1100">
+                        <a:rPr lang="es-ES" sz="1100" dirty="0">
                           <a:effectLst/>
                         </a:rPr>
                         <a:t>3,87</a:t>
                       </a:r>
-                      <a:endParaRPr lang="es-UY" sz="1100">
+                      <a:endParaRPr lang="es-UY" sz="1100" dirty="0">
                         <a:effectLst/>
                         <a:latin typeface="Times New Roman" panose="02020603050405020304" pitchFamily="18" charset="0"/>
                         <a:ea typeface="Times New Roman" panose="02020603050405020304" pitchFamily="18" charset="0"/>
@@ -7607,12 +7727,12 @@
           <a:lstStyle/>
           <a:p>
             <a:r>
-              <a:rPr lang="es-ES" dirty="0" smtClean="0">
+              <a:rPr lang="es-UY" dirty="0" smtClean="0">
                 <a:effectLst/>
                 <a:latin typeface="Times New Roman" panose="02020603050405020304" pitchFamily="18" charset="0"/>
                 <a:ea typeface="Times New Roman" panose="02020603050405020304" pitchFamily="18" charset="0"/>
               </a:rPr>
-              <a:t>Representaremos el porcentaje de mejora a través de la siguiente tabla, se toma como base el algoritmo de urgencia con capacidades.</a:t>
+              <a:t>Representaremos el porcentaje de mejora de los algoritmos implementados a través de la siguiente tabla, se toma como base el algoritmo de urgencia con capacidades.</a:t>
             </a:r>
             <a:endParaRPr lang="es-UY" dirty="0"/>
           </a:p>
@@ -7621,13 +7741,20 @@
     </p:spTree>
     <p:extLst>
       <p:ext uri="{BB962C8B-B14F-4D97-AF65-F5344CB8AC3E}">
-        <p14:creationId xmlns:p14="http://schemas.microsoft.com/office/powerpoint/2010/main" val="3089067586"/>
+        <p14:creationId xmlns:p14="http://schemas.microsoft.com/office/powerpoint/2010/main" val="3046759313"/>
       </p:ext>
     </p:extLst>
   </p:cSld>
   <p:clrMapOvr>
     <a:masterClrMapping/>
   </p:clrMapOvr>
+  <p:timing>
+    <p:tnLst>
+      <p:par>
+        <p:cTn id="1" dur="indefinite" restart="never" nodeType="tmRoot"/>
+      </p:par>
+    </p:tnLst>
+  </p:timing>
 </p:sld>
 </file>
 
@@ -7664,35 +7791,23 @@
           <a:lstStyle/>
           <a:p>
             <a:r>
-              <a:rPr lang="en-US" dirty="0" err="1" smtClean="0"/>
+              <a:rPr lang="es-UY" dirty="0" err="1"/>
               <a:t>MDVRP</a:t>
             </a:r>
             <a:r>
-              <a:rPr lang="en-US" dirty="0" smtClean="0"/>
-              <a:t>- </a:t>
-            </a:r>
-            <a:r>
-              <a:rPr lang="en-US" dirty="0" err="1" smtClean="0"/>
-              <a:t>Solucion</a:t>
-            </a:r>
-            <a:r>
-              <a:rPr lang="en-US" dirty="0" smtClean="0"/>
-              <a:t>, </a:t>
-            </a:r>
-            <a:r>
-              <a:rPr lang="en-US" dirty="0" err="1" smtClean="0"/>
-              <a:t>Testeo</a:t>
-            </a:r>
-            <a:r>
-              <a:rPr lang="en-US" dirty="0" smtClean="0"/>
-              <a:t>.</a:t>
+              <a:rPr lang="es-UY" dirty="0"/>
+              <a:t>- Solución, Testeo.</a:t>
             </a:r>
             <a:br>
-              <a:rPr lang="en-US" dirty="0" smtClean="0"/>
+              <a:rPr lang="es-UY" dirty="0"/>
             </a:br>
             <a:r>
-              <a:rPr lang="en-US" dirty="0" err="1" smtClean="0"/>
-              <a:t>Conclusiones</a:t>
+              <a:rPr lang="es-UY" dirty="0"/>
+              <a:t>Análisis de </a:t>
+            </a:r>
+            <a:r>
+              <a:rPr lang="es-UY" dirty="0" smtClean="0"/>
+              <a:t>Resultados</a:t>
             </a:r>
             <a:endParaRPr lang="es-UY" dirty="0"/>
           </a:p>
@@ -7710,19 +7825,72 @@
         </p:nvSpPr>
         <p:spPr/>
         <p:txBody>
-          <a:bodyPr/>
+          <a:bodyPr>
+            <a:normAutofit fontScale="77500" lnSpcReduction="20000"/>
+          </a:bodyPr>
           <a:lstStyle/>
           <a:p>
             <a:r>
-              <a:rPr lang="es-UY" dirty="0">
-                <a:solidFill>
-                  <a:schemeClr val="accent1">
-                    <a:lumMod val="50000"/>
-                  </a:schemeClr>
-                </a:solidFill>
-              </a:rPr>
-              <a:t>Fran</a:t>
-            </a:r>
+              <a:rPr lang="es-ES" dirty="0"/>
+              <a:t>El costo del caso A es mayor que el resultado de </a:t>
+            </a:r>
+            <a:r>
+              <a:rPr lang="es-ES" dirty="0" err="1"/>
+              <a:t>TSPLib</a:t>
+            </a:r>
+            <a:r>
+              <a:rPr lang="es-ES" dirty="0"/>
+              <a:t> para el algoritmo de asignación básico, pero recordemos que </a:t>
+            </a:r>
+            <a:r>
+              <a:rPr lang="es-ES" dirty="0" err="1"/>
+              <a:t>TSPLib</a:t>
+            </a:r>
+            <a:r>
+              <a:rPr lang="es-ES" dirty="0"/>
+              <a:t> no considera las capacidades, y las mismas fueron agregadas. </a:t>
+            </a:r>
+          </a:p>
+          <a:p>
+            <a:r>
+              <a:rPr lang="es-ES" dirty="0"/>
+              <a:t>El </a:t>
+            </a:r>
+            <a:r>
+              <a:rPr lang="es-ES" dirty="0" err="1"/>
+              <a:t>AER</a:t>
+            </a:r>
+            <a:r>
+              <a:rPr lang="es-ES" dirty="0"/>
+              <a:t> corrió en un tiempo relativamente corto y mejoro la solución respecto a los métodos de asignación por urgencia. </a:t>
+            </a:r>
+          </a:p>
+          <a:p>
+            <a:r>
+              <a:rPr lang="es-ES" dirty="0"/>
+              <a:t>El algoritmo de asignación Enajenados Lento (con intercambio entre depósitos) demoro un tiempo considerable pero llego a una solución mejor que todas las otras formas de asignación implementadas.</a:t>
+            </a:r>
+          </a:p>
+          <a:p>
+            <a:r>
+              <a:rPr lang="es-ES" dirty="0"/>
+              <a:t>El problema de la mejora de los clientes enajenados produjo mejores rutas en todos los casos que se probaron.</a:t>
+            </a:r>
+          </a:p>
+          <a:p>
+            <a:r>
+              <a:rPr lang="es-ES" dirty="0"/>
+              <a:t>El algoritmo de Ruteo finalizo  su  ejecución en pocos segundos, y los algoritmos de post optimización, al ser locales para cada deposito también fueron ejecutados en segundos.</a:t>
+            </a:r>
+          </a:p>
+          <a:p>
+            <a:r>
+              <a:rPr lang="es-ES" dirty="0"/>
+              <a:t> Los algoritmos de post optimización produciendo siempre mejoras en los casos con muchos clientes.</a:t>
+            </a:r>
+            <a:endParaRPr lang="es-UY" dirty="0"/>
+          </a:p>
+          <a:p>
             <a:endParaRPr lang="es-UY" dirty="0"/>
           </a:p>
         </p:txBody>
@@ -7730,7 +7898,7 @@
     </p:spTree>
     <p:extLst>
       <p:ext uri="{BB962C8B-B14F-4D97-AF65-F5344CB8AC3E}">
-        <p14:creationId xmlns:p14="http://schemas.microsoft.com/office/powerpoint/2010/main" val="2516212354"/>
+        <p14:creationId xmlns:p14="http://schemas.microsoft.com/office/powerpoint/2010/main" val="3364224153"/>
       </p:ext>
     </p:extLst>
   </p:cSld>
@@ -7773,47 +7941,16 @@
           <a:lstStyle/>
           <a:p>
             <a:r>
-              <a:rPr lang="en-US" dirty="0" err="1" smtClean="0"/>
+              <a:rPr lang="es-UY" dirty="0" err="1" smtClean="0"/>
               <a:t>MDVRP</a:t>
             </a:r>
             <a:r>
-              <a:rPr lang="en-US" dirty="0" smtClean="0"/>
-              <a:t>- </a:t>
-            </a:r>
-            <a:r>
-              <a:rPr lang="en-US" dirty="0" err="1" smtClean="0"/>
-              <a:t>Solucion</a:t>
-            </a:r>
-            <a:r>
-              <a:rPr lang="en-US" dirty="0" smtClean="0"/>
-              <a:t>, </a:t>
-            </a:r>
-            <a:r>
-              <a:rPr lang="en-US" dirty="0" err="1" smtClean="0"/>
-              <a:t>Testeo</a:t>
-            </a:r>
-            <a:r>
-              <a:rPr lang="en-US" dirty="0" smtClean="0"/>
-              <a:t>.</a:t>
-            </a:r>
-            <a:br>
-              <a:rPr lang="en-US" dirty="0" smtClean="0"/>
-            </a:br>
-            <a:r>
-              <a:rPr lang="en-US" dirty="0" err="1" smtClean="0"/>
-              <a:t>Trabajo</a:t>
-            </a:r>
-            <a:r>
-              <a:rPr lang="en-US" dirty="0" smtClean="0"/>
-              <a:t>  a </a:t>
-            </a:r>
-            <a:r>
-              <a:rPr lang="en-US" dirty="0" err="1" smtClean="0"/>
-              <a:t>Futuro</a:t>
-            </a:r>
-            <a:r>
-              <a:rPr lang="en-US" dirty="0" smtClean="0"/>
-              <a:t>.</a:t>
+              <a:rPr lang="es-UY" dirty="0"/>
+              <a:t> </a:t>
+            </a:r>
+            <a:r>
+              <a:rPr lang="es-UY" dirty="0" smtClean="0"/>
+              <a:t>Conclusiones</a:t>
             </a:r>
             <a:endParaRPr lang="es-UY" dirty="0"/>
           </a:p>
@@ -7831,20 +7968,260 @@
         </p:nvSpPr>
         <p:spPr/>
         <p:txBody>
+          <a:bodyPr>
+            <a:normAutofit fontScale="92500" lnSpcReduction="10000"/>
+          </a:bodyPr>
+          <a:lstStyle/>
+          <a:p>
+            <a:r>
+              <a:rPr lang="es-ES" dirty="0"/>
+              <a:t>La implementación y mejoras de algoritmos de solución de </a:t>
+            </a:r>
+            <a:r>
+              <a:rPr lang="es-ES" dirty="0" err="1"/>
+              <a:t>MDVRP</a:t>
+            </a:r>
+            <a:r>
+              <a:rPr lang="es-ES" dirty="0"/>
+              <a:t>, es un problema abierto y de continuo crecimiento, donde todos los meses se pueden encontrar nuevas publicaciones académicas con algoritmos y mejoras. </a:t>
+            </a:r>
+            <a:endParaRPr lang="es-ES" dirty="0" smtClean="0"/>
+          </a:p>
+          <a:p>
+            <a:r>
+              <a:rPr lang="es-ES" dirty="0" smtClean="0"/>
+              <a:t>A través de este Proyecto de Grado se brinda </a:t>
+            </a:r>
+            <a:r>
+              <a:rPr lang="es-ES" dirty="0"/>
+              <a:t>una solución informática para la implementación de nuevos algoritmos y de esta forma proveer un ambiente amigable para ejecutar, </a:t>
+            </a:r>
+            <a:r>
+              <a:rPr lang="es-ES" dirty="0" smtClean="0"/>
+              <a:t>parametrización y validación de algoritmos de </a:t>
+            </a:r>
+            <a:r>
+              <a:rPr lang="es-ES" dirty="0"/>
+              <a:t>resolución del problema de </a:t>
+            </a:r>
+            <a:r>
+              <a:rPr lang="es-ES" dirty="0" err="1"/>
+              <a:t>MDVRP</a:t>
+            </a:r>
+            <a:r>
+              <a:rPr lang="es-ES" dirty="0" smtClean="0"/>
+              <a:t>. Así como permitir la comparación de ejecuciones.</a:t>
+            </a:r>
+          </a:p>
+          <a:p>
+            <a:r>
+              <a:rPr lang="es-ES" dirty="0" smtClean="0"/>
+              <a:t>Por otro lado se detecto, analizo y se trabajo en algoritmos para un problema particular en la asignación. Los clientes enajenados en la etapa de asignación.</a:t>
+            </a:r>
+          </a:p>
+          <a:p>
+            <a:pPr marL="0" indent="0">
+              <a:buNone/>
+            </a:pPr>
+            <a:endParaRPr lang="es-UY" dirty="0"/>
+          </a:p>
+          <a:p>
+            <a:endParaRPr lang="es-UY" dirty="0"/>
+          </a:p>
+        </p:txBody>
+      </p:sp>
+    </p:spTree>
+    <p:extLst>
+      <p:ext uri="{BB962C8B-B14F-4D97-AF65-F5344CB8AC3E}">
+        <p14:creationId xmlns:p14="http://schemas.microsoft.com/office/powerpoint/2010/main" val="2516212354"/>
+      </p:ext>
+    </p:extLst>
+  </p:cSld>
+  <p:clrMapOvr>
+    <a:masterClrMapping/>
+  </p:clrMapOvr>
+  <p:timing>
+    <p:tnLst>
+      <p:par>
+        <p:cTn id="1" dur="indefinite" restart="never" nodeType="tmRoot"/>
+      </p:par>
+    </p:tnLst>
+  </p:timing>
+</p:sld>
+</file>
+
+<file path=ppt/slides/slide23.xml><?xml version="1.0" encoding="utf-8"?>
+<p:sld xmlns:a="http://schemas.openxmlformats.org/drawingml/2006/main" xmlns:r="http://schemas.openxmlformats.org/officeDocument/2006/relationships" xmlns:p="http://schemas.openxmlformats.org/presentationml/2006/main">
+  <p:cSld>
+    <p:spTree>
+      <p:nvGrpSpPr>
+        <p:cNvPr id="1" name=""/>
+        <p:cNvGrpSpPr/>
+        <p:nvPr/>
+      </p:nvGrpSpPr>
+      <p:grpSpPr>
+        <a:xfrm>
+          <a:off x="0" y="0"/>
+          <a:ext cx="0" cy="0"/>
+          <a:chOff x="0" y="0"/>
+          <a:chExt cx="0" cy="0"/>
+        </a:xfrm>
+      </p:grpSpPr>
+      <p:sp>
+        <p:nvSpPr>
+          <p:cNvPr id="2" name="Title 1"/>
+          <p:cNvSpPr>
+            <a:spLocks noGrp="1"/>
+          </p:cNvSpPr>
+          <p:nvPr>
+            <p:ph type="title"/>
+          </p:nvPr>
+        </p:nvSpPr>
+        <p:spPr/>
+        <p:txBody>
           <a:bodyPr/>
           <a:lstStyle/>
           <a:p>
             <a:r>
-              <a:rPr lang="es-UY" dirty="0">
-                <a:solidFill>
-                  <a:schemeClr val="accent1">
-                    <a:lumMod val="50000"/>
-                  </a:schemeClr>
-                </a:solidFill>
-              </a:rPr>
-              <a:t>Fran</a:t>
+              <a:rPr lang="es-UY" dirty="0" err="1" smtClean="0"/>
+              <a:t>MDVRP</a:t>
+            </a:r>
+            <a:r>
+              <a:rPr lang="es-UY" dirty="0" smtClean="0"/>
+              <a:t>- Solución, Testeo.</a:t>
+            </a:r>
+            <a:br>
+              <a:rPr lang="es-UY" dirty="0" smtClean="0"/>
+            </a:br>
+            <a:r>
+              <a:rPr lang="es-UY" dirty="0" smtClean="0"/>
+              <a:t>Trabajo  a Futuro.</a:t>
             </a:r>
             <a:endParaRPr lang="es-UY" dirty="0"/>
+          </a:p>
+        </p:txBody>
+      </p:sp>
+      <p:sp>
+        <p:nvSpPr>
+          <p:cNvPr id="3" name="Content Placeholder 2"/>
+          <p:cNvSpPr>
+            <a:spLocks noGrp="1"/>
+          </p:cNvSpPr>
+          <p:nvPr>
+            <p:ph idx="1"/>
+          </p:nvPr>
+        </p:nvSpPr>
+        <p:spPr/>
+        <p:txBody>
+          <a:bodyPr>
+            <a:normAutofit fontScale="92500" lnSpcReduction="10000"/>
+          </a:bodyPr>
+          <a:lstStyle/>
+          <a:p>
+            <a:r>
+              <a:rPr lang="es-ES" dirty="0" smtClean="0"/>
+              <a:t>Algunos posibles trabajos a futuro que fueron detectados.</a:t>
+            </a:r>
+          </a:p>
+          <a:p>
+            <a:r>
+              <a:rPr lang="es-ES" dirty="0" smtClean="0"/>
+              <a:t>A Nivel de la aplicación</a:t>
+            </a:r>
+          </a:p>
+          <a:p>
+            <a:pPr lvl="1"/>
+            <a:r>
+              <a:rPr lang="es-ES" dirty="0" smtClean="0"/>
+              <a:t>El proyecto se enfoco en </a:t>
+            </a:r>
+            <a:r>
+              <a:rPr lang="es-ES" dirty="0" err="1" smtClean="0"/>
+              <a:t>MDVRP</a:t>
+            </a:r>
+            <a:r>
+              <a:rPr lang="es-ES" dirty="0" smtClean="0"/>
+              <a:t> con capacidades siendo necesario efectuar ciertas modificaciones para otras variantes de </a:t>
+            </a:r>
+            <a:r>
+              <a:rPr lang="es-ES" dirty="0" err="1" smtClean="0"/>
+              <a:t>MDVRP</a:t>
+            </a:r>
+            <a:r>
+              <a:rPr lang="es-ES" dirty="0" smtClean="0"/>
+              <a:t> (con ventanas de tiempo, periodicidad, flota heterogénea).</a:t>
+            </a:r>
+          </a:p>
+          <a:p>
+            <a:pPr lvl="1"/>
+            <a:r>
+              <a:rPr lang="es-ES" dirty="0" smtClean="0"/>
+              <a:t>Utilización de coordenadas geográficas para otros problemas de </a:t>
+            </a:r>
+            <a:r>
+              <a:rPr lang="es-ES" dirty="0" err="1" smtClean="0"/>
+              <a:t>MDVRP</a:t>
+            </a:r>
+            <a:r>
+              <a:rPr lang="es-ES" dirty="0" smtClean="0"/>
+              <a:t>. Permitiendo nuevos formatos de entrada que no sean los del standard de </a:t>
+            </a:r>
+            <a:r>
+              <a:rPr lang="es-ES" dirty="0" err="1" smtClean="0"/>
+              <a:t>TSPLIB</a:t>
+            </a:r>
+            <a:r>
+              <a:rPr lang="es-ES" dirty="0" smtClean="0"/>
+              <a:t>.</a:t>
+            </a:r>
+          </a:p>
+          <a:p>
+            <a:r>
+              <a:rPr lang="es-ES" dirty="0" smtClean="0"/>
+              <a:t>Algoritmo</a:t>
+            </a:r>
+          </a:p>
+          <a:p>
+            <a:pPr lvl="1"/>
+            <a:r>
+              <a:rPr lang="es-ES" dirty="0" smtClean="0"/>
+              <a:t>El problema de enajenados es uno de los problemas detectados y pueden existir otras particularidades en los clientes cuyo análisis incida en mejores rutas.</a:t>
+            </a:r>
+          </a:p>
+          <a:p>
+            <a:pPr lvl="1"/>
+            <a:r>
+              <a:rPr lang="es-ES" dirty="0" smtClean="0"/>
+              <a:t>Profundizar en la retroalimentación entre etapas para encontrar mejores rutas (En nuestra implementación, </a:t>
+            </a:r>
+            <a:r>
+              <a:rPr lang="es-ES" dirty="0" err="1" smtClean="0"/>
+              <a:t>unicamente</a:t>
+            </a:r>
+            <a:r>
+              <a:rPr lang="es-ES" dirty="0" smtClean="0"/>
+              <a:t> </a:t>
+            </a:r>
+            <a:r>
+              <a:rPr lang="es-ES" dirty="0" err="1" smtClean="0"/>
+              <a:t>AEL</a:t>
+            </a:r>
+            <a:r>
+              <a:rPr lang="es-ES" dirty="0" smtClean="0"/>
+              <a:t> utiliza un algoritmo de ruteo para evaluar la mejora en cada iteración). </a:t>
+            </a:r>
+          </a:p>
+          <a:p>
+            <a:endParaRPr lang="es-ES" dirty="0"/>
+          </a:p>
+          <a:p>
+            <a:endParaRPr lang="es-ES" dirty="0" smtClean="0"/>
+          </a:p>
+          <a:p>
+            <a:endParaRPr lang="es-ES" dirty="0"/>
+          </a:p>
+          <a:p>
+            <a:endParaRPr lang="es-ES" dirty="0" smtClean="0"/>
           </a:p>
         </p:txBody>
       </p:sp>
@@ -8183,34 +8560,14 @@
         </p:spPr>
         <p:txBody>
           <a:bodyPr>
-            <a:normAutofit fontScale="92500" lnSpcReduction="10000"/>
+            <a:normAutofit fontScale="85000" lnSpcReduction="20000"/>
           </a:bodyPr>
           <a:lstStyle/>
           <a:p>
             <a:r>
-              <a:rPr lang="es-ES" b="1" dirty="0"/>
-              <a:t>Definición del </a:t>
-            </a:r>
-            <a:r>
               <a:rPr lang="es-ES" b="1" dirty="0" smtClean="0"/>
-              <a:t>problema</a:t>
-            </a:r>
-          </a:p>
-          <a:p>
-            <a:pPr lvl="1"/>
-            <a:r>
-              <a:rPr lang="es-ES" b="1" dirty="0" smtClean="0"/>
-              <a:t>Que es lo que queremos realizar y con que </a:t>
-            </a:r>
-            <a:r>
-              <a:rPr lang="es-ES" b="1" dirty="0" err="1" smtClean="0"/>
-              <a:t>proposito</a:t>
-            </a:r>
-            <a:r>
-              <a:rPr lang="es-ES" b="1" dirty="0" smtClean="0"/>
-              <a:t>?</a:t>
-            </a:r>
-            <a:endParaRPr lang="es-UY" b="1" dirty="0" smtClean="0"/>
+              <a:t>Objetivo del Proyecto. </a:t>
+            </a:r>
           </a:p>
           <a:p>
             <a:pPr lvl="1"/>
@@ -8220,91 +8577,194 @@
             </a:r>
             <a:r>
               <a:rPr lang="es-ES" dirty="0"/>
-              <a:t>aplicación y algoritmos que solucionen el problema a partir de la información analizada en la etapa de investigación. Finalmente se sugirió crear distintas algoritmos que permitan mejorar la solución. </a:t>
+              <a:t>aplicación y </a:t>
+            </a:r>
+            <a:r>
+              <a:rPr lang="es-ES" dirty="0" smtClean="0"/>
+              <a:t>algoritmos </a:t>
+            </a:r>
+            <a:r>
+              <a:rPr lang="es-ES" dirty="0"/>
+              <a:t>que solucionen el problema </a:t>
+            </a:r>
+            <a:r>
+              <a:rPr lang="es-ES" dirty="0" smtClean="0"/>
+              <a:t>de </a:t>
+            </a:r>
+            <a:r>
+              <a:rPr lang="es-ES" dirty="0" err="1" smtClean="0"/>
+              <a:t>MDVRP</a:t>
+            </a:r>
+            <a:r>
+              <a:rPr lang="es-ES" dirty="0" smtClean="0"/>
+              <a:t> a </a:t>
+            </a:r>
+            <a:r>
+              <a:rPr lang="es-ES" dirty="0"/>
+              <a:t>partir de la información analizada en la etapa de investigación. </a:t>
+            </a:r>
+            <a:endParaRPr lang="es-ES" dirty="0" smtClean="0"/>
+          </a:p>
+          <a:p>
+            <a:pPr lvl="1"/>
+            <a:r>
+              <a:rPr lang="es-ES" dirty="0" smtClean="0"/>
+              <a:t>Crear </a:t>
+            </a:r>
+            <a:r>
+              <a:rPr lang="es-ES" dirty="0"/>
+              <a:t>distintas algoritmos que permitan mejorar la </a:t>
+            </a:r>
+            <a:r>
+              <a:rPr lang="es-ES" dirty="0" smtClean="0"/>
+              <a:t>solución.</a:t>
             </a:r>
             <a:endParaRPr lang="en-US" dirty="0" smtClean="0"/>
           </a:p>
           <a:p>
             <a:r>
-              <a:rPr lang="en-US" dirty="0" err="1" smtClean="0"/>
-              <a:t>Aplicacion</a:t>
-            </a:r>
-            <a:r>
               <a:rPr lang="en-US" dirty="0" smtClean="0"/>
-              <a:t> y </a:t>
-            </a:r>
-            <a:r>
-              <a:rPr lang="en-US" dirty="0" err="1" smtClean="0"/>
-              <a:t>caracteristicas</a:t>
+              <a:t>Characteristics </a:t>
+            </a:r>
+            <a:r>
+              <a:rPr lang="es-UY" dirty="0" smtClean="0"/>
+              <a:t>deseadas</a:t>
             </a:r>
             <a:r>
               <a:rPr lang="en-US" dirty="0" smtClean="0"/>
+              <a:t> en el </a:t>
+            </a:r>
+            <a:r>
+              <a:rPr lang="es-UY" dirty="0" smtClean="0"/>
+              <a:t>programa:</a:t>
+            </a:r>
+            <a:endParaRPr lang="en-US" dirty="0" smtClean="0"/>
+          </a:p>
+          <a:p>
+            <a:pPr lvl="1"/>
+            <a:r>
+              <a:rPr lang="es-ES" dirty="0" smtClean="0"/>
+              <a:t>Compatibilidad de datos de entrada con los formatos de </a:t>
+            </a:r>
+            <a:r>
+              <a:rPr lang="es-ES" dirty="0" err="1" smtClean="0"/>
+              <a:t>TSPLib</a:t>
+            </a:r>
+            <a:r>
+              <a:rPr lang="es-ES" dirty="0" smtClean="0"/>
+              <a:t>.</a:t>
+            </a:r>
+            <a:endParaRPr lang="en-US" dirty="0" smtClean="0"/>
+          </a:p>
+          <a:p>
+            <a:pPr lvl="1"/>
+            <a:r>
+              <a:rPr lang="es-UY" dirty="0" smtClean="0"/>
+              <a:t>Permitir agregar </a:t>
+            </a:r>
+            <a:r>
+              <a:rPr lang="es-UY" dirty="0"/>
+              <a:t>o </a:t>
+            </a:r>
+            <a:r>
+              <a:rPr lang="es-UY" dirty="0" smtClean="0"/>
+              <a:t>modificar implementación de algoritmos</a:t>
+            </a:r>
+            <a:r>
+              <a:rPr lang="es-UY" dirty="0"/>
               <a:t> </a:t>
             </a:r>
             <a:r>
-              <a:rPr lang="en-US" dirty="0" err="1" smtClean="0"/>
-              <a:t>deseadas</a:t>
-            </a:r>
-            <a:r>
-              <a:rPr lang="en-US" dirty="0" smtClean="0"/>
-              <a:t>…</a:t>
-            </a:r>
+              <a:rPr lang="es-UY" dirty="0" smtClean="0"/>
+              <a:t>de solución de </a:t>
+            </a:r>
+            <a:r>
+              <a:rPr lang="es-UY" dirty="0" err="1" smtClean="0"/>
+              <a:t>MDVRP</a:t>
+            </a:r>
+            <a:r>
+              <a:rPr lang="es-UY" dirty="0" smtClean="0"/>
+              <a:t>.</a:t>
+            </a:r>
+            <a:endParaRPr lang="en-US" dirty="0" smtClean="0"/>
           </a:p>
           <a:p>
             <a:pPr lvl="1"/>
             <a:r>
-              <a:rPr lang="en-US" dirty="0" smtClean="0"/>
-              <a:t>1</a:t>
-            </a:r>
+              <a:rPr lang="es-UY" dirty="0"/>
+              <a:t>Los algoritmos y soluciones deben ser parametrizables permitiendo restringir el número de iteraciones, tiempo de corrida o rango de mejoras</a:t>
+            </a:r>
+            <a:r>
+              <a:rPr lang="es-UY" dirty="0" smtClean="0"/>
+              <a:t>.</a:t>
+            </a:r>
+            <a:endParaRPr lang="en-US" dirty="0" smtClean="0"/>
           </a:p>
           <a:p>
             <a:pPr lvl="1"/>
             <a:r>
-              <a:rPr lang="en-US" dirty="0" smtClean="0"/>
-              <a:t>2</a:t>
+              <a:rPr lang="es-UY" dirty="0"/>
+              <a:t>Se debe manejar una holgura en los depósitos que permita cierta flexibilidad en la capacidad máxima del depósito (oferta del depósito</a:t>
+            </a:r>
+            <a:r>
+              <a:rPr lang="es-UY" dirty="0" smtClean="0"/>
+              <a:t>).</a:t>
             </a:r>
           </a:p>
           <a:p>
             <a:pPr lvl="1"/>
             <a:r>
-              <a:rPr lang="en-US" dirty="0" smtClean="0"/>
-              <a:t>3</a:t>
-            </a:r>
+              <a:rPr lang="es-ES" dirty="0"/>
+              <a:t>E</a:t>
+            </a:r>
+            <a:r>
+              <a:rPr lang="es-ES" dirty="0" smtClean="0"/>
+              <a:t>ntorno grafico</a:t>
+            </a:r>
+          </a:p>
+          <a:p>
+            <a:pPr lvl="2"/>
+            <a:r>
+              <a:rPr lang="es-ES" dirty="0" smtClean="0"/>
+              <a:t>Resultado: la </a:t>
+            </a:r>
+            <a:r>
+              <a:rPr lang="es-ES" dirty="0"/>
+              <a:t>visualización de los clientes, depósitos y rutas luego de ejecutar un </a:t>
+            </a:r>
+            <a:r>
+              <a:rPr lang="es-ES" dirty="0" smtClean="0"/>
+              <a:t>algoritmo</a:t>
+            </a:r>
+          </a:p>
+          <a:p>
+            <a:pPr lvl="2"/>
+            <a:r>
+              <a:rPr lang="es-ES" dirty="0" smtClean="0"/>
+              <a:t>Zonificación: Delimitar las zonas de cada deposito.</a:t>
+            </a:r>
+          </a:p>
+          <a:p>
+            <a:pPr lvl="2"/>
+            <a:r>
+              <a:rPr lang="es-ES" dirty="0" smtClean="0"/>
+              <a:t>Visibilidad: Resaltar objetos y permitir zoom.</a:t>
+            </a:r>
+            <a:endParaRPr lang="en-US" dirty="0" smtClean="0"/>
           </a:p>
           <a:p>
             <a:pPr lvl="1"/>
             <a:r>
-              <a:rPr lang="en-US" dirty="0" smtClean="0"/>
-              <a:t>4</a:t>
-            </a:r>
-          </a:p>
-          <a:p>
-            <a:pPr lvl="1"/>
-            <a:r>
-              <a:rPr lang="en-US" dirty="0" smtClean="0"/>
-              <a:t>5</a:t>
-            </a:r>
-          </a:p>
-          <a:p>
-            <a:pPr lvl="1"/>
-            <a:r>
-              <a:rPr lang="en-US" dirty="0" err="1" smtClean="0"/>
-              <a:t>Etc</a:t>
-            </a:r>
-            <a:r>
-              <a:rPr lang="en-US" dirty="0" smtClean="0"/>
-              <a:t> </a:t>
-            </a:r>
-            <a:r>
-              <a:rPr lang="en-US" dirty="0" smtClean="0">
-                <a:solidFill>
-                  <a:schemeClr val="accent1">
-                    <a:lumMod val="50000"/>
-                  </a:schemeClr>
-                </a:solidFill>
-              </a:rPr>
-              <a:t>Fran</a:t>
-            </a:r>
+              <a:rPr lang="es-UY" dirty="0" smtClean="0"/>
+              <a:t>Permitir ver los cambios en cada iteración para analizar el algoritmo.</a:t>
+            </a:r>
+            <a:endParaRPr lang="es-UY" dirty="0" smtClean="0">
+              <a:solidFill>
+                <a:schemeClr val="accent1">
+                  <a:lumMod val="50000"/>
+                </a:schemeClr>
+              </a:solidFill>
+            </a:endParaRPr>
           </a:p>
         </p:txBody>
       </p:sp>
@@ -8318,6 +8778,13 @@
   <p:clrMapOvr>
     <a:masterClrMapping/>
   </p:clrMapOvr>
+  <p:timing>
+    <p:tnLst>
+      <p:par>
+        <p:cTn id="1" dur="indefinite" restart="never" nodeType="tmRoot"/>
+      </p:par>
+    </p:tnLst>
+  </p:timing>
 </p:sld>
 </file>
 
@@ -8396,28 +8863,55 @@
             <p:ph idx="1"/>
           </p:nvPr>
         </p:nvSpPr>
-        <p:spPr/>
+        <p:spPr>
+          <a:xfrm>
+            <a:off x="838200" y="1825625"/>
+            <a:ext cx="10515600" cy="3210609"/>
+          </a:xfrm>
+        </p:spPr>
         <p:txBody>
           <a:bodyPr>
-            <a:normAutofit fontScale="92500"/>
+            <a:normAutofit lnSpcReduction="10000"/>
           </a:bodyPr>
           <a:lstStyle/>
           <a:p>
             <a:r>
               <a:rPr lang="es-ES" dirty="0" smtClean="0"/>
-              <a:t>Analizando </a:t>
+              <a:t>La solución del problema de </a:t>
+            </a:r>
+            <a:r>
+              <a:rPr lang="es-ES" dirty="0" err="1" smtClean="0"/>
+              <a:t>MDVRP</a:t>
+            </a:r>
+            <a:r>
+              <a:rPr lang="es-ES" dirty="0" smtClean="0"/>
+              <a:t> se </a:t>
             </a:r>
             <a:r>
               <a:rPr lang="es-ES" dirty="0"/>
-              <a:t>el problema con los tutores y basado principalmente en las </a:t>
+              <a:t>baso en </a:t>
             </a:r>
             <a:r>
               <a:rPr lang="es-ES" dirty="0" smtClean="0"/>
-              <a:t>heurísticas </a:t>
+              <a:t>una heurísticas </a:t>
             </a:r>
             <a:r>
               <a:rPr lang="es-ES" dirty="0"/>
-              <a:t>de dos fases para la  </a:t>
+              <a:t>de dos </a:t>
+            </a:r>
+            <a:r>
+              <a:rPr lang="es-ES" dirty="0" smtClean="0"/>
+              <a:t>fases, una etapa de asignación o zonificación y una etapa de ruteo.</a:t>
+            </a:r>
+          </a:p>
+          <a:p>
+            <a:r>
+              <a:rPr lang="es-ES" dirty="0" smtClean="0"/>
+              <a:t>Basados en las publicaciones, se identificaron 4 </a:t>
+            </a:r>
+            <a:r>
+              <a:rPr lang="es-ES" dirty="0"/>
+              <a:t>posibles etapas en la </a:t>
             </a:r>
             <a:r>
               <a:rPr lang="es-ES" dirty="0" smtClean="0"/>
@@ -8425,22 +8919,6 @@
             </a:r>
             <a:r>
               <a:rPr lang="es-ES" dirty="0"/>
-              <a:t>de </a:t>
-            </a:r>
-            <a:r>
-              <a:rPr lang="es-ES" dirty="0" err="1"/>
-              <a:t>MDVRP</a:t>
-            </a:r>
-            <a:r>
-              <a:rPr lang="es-ES" dirty="0"/>
-              <a:t> se llegó a identificar 4 posibles etapas en la </a:t>
-            </a:r>
-            <a:r>
-              <a:rPr lang="es-ES" dirty="0" smtClean="0"/>
-              <a:t>resolución </a:t>
-            </a:r>
-            <a:r>
-              <a:rPr lang="es-ES" dirty="0"/>
               <a:t>de este tipo de problemas: Asignación, Mejora de la asignación, Ruteo, </a:t>
             </a:r>
             <a:r>
@@ -8451,105 +8929,9 @@
           <a:p>
             <a:r>
               <a:rPr lang="es-ES" dirty="0" smtClean="0"/>
-              <a:t>En estas 4 etapas se puede realimentar a una etapa anterior o usar información para mejorar. (explicar con ejemplos … </a:t>
-            </a:r>
-            <a:r>
-              <a:rPr lang="es-ES" dirty="0" err="1" smtClean="0"/>
-              <a:t>AEL</a:t>
-            </a:r>
-            <a:r>
-              <a:rPr lang="es-ES" dirty="0" smtClean="0"/>
-              <a:t>).</a:t>
+              <a:t>En la etapa de mejora de asignación se puede ejecutar algoritmos para estimar la menor ruta posible en base a algoritmos de ruteo. </a:t>
             </a:r>
             <a:endParaRPr lang="es-UY" dirty="0" smtClean="0"/>
-          </a:p>
-          <a:p>
-            <a:pPr marL="0" indent="0">
-              <a:buNone/>
-            </a:pPr>
-            <a:endParaRPr lang="es-UY" dirty="0" smtClean="0"/>
-          </a:p>
-          <a:p>
-            <a:r>
-              <a:rPr lang="en-US" dirty="0" err="1" smtClean="0"/>
-              <a:t>Dibujo</a:t>
-            </a:r>
-            <a:r>
-              <a:rPr lang="en-US" dirty="0" smtClean="0"/>
-              <a:t> …. </a:t>
-            </a:r>
-            <a:r>
-              <a:rPr lang="en-US" dirty="0" err="1" smtClean="0"/>
-              <a:t>Algo</a:t>
-            </a:r>
-            <a:r>
-              <a:rPr lang="en-US" dirty="0" smtClean="0"/>
-              <a:t> </a:t>
-            </a:r>
-            <a:r>
-              <a:rPr lang="en-US" dirty="0" err="1" smtClean="0"/>
-              <a:t>asi</a:t>
-            </a:r>
-            <a:r>
-              <a:rPr lang="en-US" dirty="0" smtClean="0"/>
-              <a:t> </a:t>
-            </a:r>
-          </a:p>
-          <a:p>
-            <a:pPr marL="0" indent="0">
-              <a:buNone/>
-            </a:pPr>
-            <a:r>
-              <a:rPr lang="en-US" dirty="0" err="1" smtClean="0"/>
-              <a:t>pero</a:t>
-            </a:r>
-            <a:r>
-              <a:rPr lang="en-US" dirty="0" smtClean="0"/>
-              <a:t> con las 4 </a:t>
-            </a:r>
-            <a:r>
-              <a:rPr lang="en-US" dirty="0" err="1" smtClean="0"/>
-              <a:t>etapas</a:t>
-            </a:r>
-            <a:r>
-              <a:rPr lang="en-US" dirty="0" smtClean="0"/>
-              <a:t>.</a:t>
-            </a:r>
-          </a:p>
-          <a:p>
-            <a:pPr marL="0" indent="0">
-              <a:buNone/>
-            </a:pPr>
-            <a:r>
-              <a:rPr lang="en-US" dirty="0" smtClean="0"/>
-              <a:t>… </a:t>
-            </a:r>
-            <a:r>
-              <a:rPr lang="en-US" dirty="0" err="1" smtClean="0"/>
-              <a:t>flujo</a:t>
-            </a:r>
-            <a:r>
-              <a:rPr lang="en-US" dirty="0" smtClean="0"/>
-              <a:t> y </a:t>
-            </a:r>
-            <a:r>
-              <a:rPr lang="en-US" dirty="0" err="1" smtClean="0"/>
-              <a:t>eso</a:t>
-            </a:r>
-            <a:r>
-              <a:rPr lang="en-US" dirty="0" smtClean="0"/>
-              <a:t> … </a:t>
-            </a:r>
-            <a:r>
-              <a:rPr lang="en-US" dirty="0" smtClean="0">
-                <a:solidFill>
-                  <a:schemeClr val="accent1">
-                    <a:lumMod val="50000"/>
-                  </a:schemeClr>
-                </a:solidFill>
-              </a:rPr>
-              <a:t>Fran</a:t>
-            </a:r>
           </a:p>
           <a:p>
             <a:pPr marL="0" indent="0">
@@ -8564,20 +8946,22 @@
       </p:sp>
       <p:pic>
         <p:nvPicPr>
-          <p:cNvPr id="5" name="Imagen 35"/>
-          <p:cNvPicPr/>
+          <p:cNvPr id="7" name="Picture 6"/>
+          <p:cNvPicPr>
+            <a:picLocks noChangeAspect="1"/>
+          </p:cNvPicPr>
           <p:nvPr/>
         </p:nvPicPr>
         <p:blipFill>
-          <a:blip r:embed="rId2" cstate="print"/>
+          <a:blip r:embed="rId2"/>
           <a:stretch>
             <a:fillRect/>
           </a:stretch>
         </p:blipFill>
         <p:spPr>
           <a:xfrm>
-            <a:off x="4216184" y="4477846"/>
-            <a:ext cx="7137615" cy="2064622"/>
+            <a:off x="1169931" y="5200253"/>
+            <a:ext cx="9852137" cy="1657747"/>
           </a:xfrm>
           <a:prstGeom prst="rect">
             <a:avLst/>
@@ -8594,6 +8978,13 @@
   <p:clrMapOvr>
     <a:masterClrMapping/>
   </p:clrMapOvr>
+  <p:timing>
+    <p:tnLst>
+      <p:par>
+        <p:cTn id="1" dur="indefinite" restart="never" nodeType="tmRoot"/>
+      </p:par>
+    </p:tnLst>
+  </p:timing>
 </p:sld>
 </file>
 
@@ -8896,7 +9287,7 @@
                         <m:sSubPr>
                           <m:ctrlPr>
                             <a:rPr lang="es-UY" i="1">
-                              <a:latin typeface="Cambria Math"/>
+                              <a:latin typeface="Cambria Math" panose="02040503050406030204" pitchFamily="18" charset="0"/>
                             </a:rPr>
                           </m:ctrlPr>
                         </m:sSubPr>
@@ -8927,7 +9318,7 @@
                         <m:dPr>
                           <m:ctrlPr>
                             <a:rPr lang="es-UY" i="1">
-                              <a:latin typeface="Cambria Math"/>
+                              <a:latin typeface="Cambria Math" panose="02040503050406030204" pitchFamily="18" charset="0"/>
                             </a:rPr>
                           </m:ctrlPr>
                         </m:dPr>
@@ -8939,7 +9330,7 @@
                               <m:supHide m:val="on"/>
                               <m:ctrlPr>
                                 <a:rPr lang="es-UY" i="1">
-                                  <a:latin typeface="Cambria Math"/>
+                                  <a:latin typeface="Cambria Math" panose="02040503050406030204" pitchFamily="18" charset="0"/>
                                 </a:rPr>
                               </m:ctrlPr>
                             </m:naryPr>
@@ -8987,7 +9378,7 @@
                                 <m:dPr>
                                   <m:ctrlPr>
                                     <a:rPr lang="es-UY" i="1">
-                                      <a:latin typeface="Cambria Math"/>
+                                      <a:latin typeface="Cambria Math" panose="02040503050406030204" pitchFamily="18" charset="0"/>
                                     </a:rPr>
                                   </m:ctrlPr>
                                 </m:dPr>
@@ -9032,7 +9423,7 @@
                         <m:dPr>
                           <m:ctrlPr>
                             <a:rPr lang="es-UY" i="1">
-                              <a:latin typeface="Cambria Math"/>
+                              <a:latin typeface="Cambria Math" panose="02040503050406030204" pitchFamily="18" charset="0"/>
                             </a:rPr>
                           </m:ctrlPr>
                         </m:dPr>
@@ -9088,7 +9479,7 @@
                       <m:dPr>
                         <m:ctrlPr>
                           <a:rPr lang="es-UY" sz="2000" i="1">
-                            <a:latin typeface="Cambria Math"/>
+                            <a:latin typeface="Cambria Math" panose="02040503050406030204" pitchFamily="18" charset="0"/>
                           </a:rPr>
                         </m:ctrlPr>
                       </m:dPr>
@@ -9173,7 +9564,7 @@
                       <m:dPr>
                         <m:ctrlPr>
                           <a:rPr lang="es-UY" sz="2000" i="1">
-                            <a:latin typeface="Cambria Math"/>
+                            <a:latin typeface="Cambria Math" panose="02040503050406030204" pitchFamily="18" charset="0"/>
                           </a:rPr>
                         </m:ctrlPr>
                       </m:dPr>
@@ -9256,7 +9647,7 @@
                       <m:sSubPr>
                         <m:ctrlPr>
                           <a:rPr lang="es-UY" sz="2000" i="1">
-                            <a:latin typeface="Cambria Math"/>
+                            <a:latin typeface="Cambria Math" panose="02040503050406030204" pitchFamily="18" charset="0"/>
                           </a:rPr>
                         </m:ctrlPr>
                       </m:sSubPr>
@@ -9300,7 +9691,7 @@
                       <m:sSubPr>
                         <m:ctrlPr>
                           <a:rPr lang="es-UY" i="1">
-                            <a:latin typeface="Cambria Math"/>
+                            <a:latin typeface="Cambria Math" panose="02040503050406030204" pitchFamily="18" charset="0"/>
                           </a:rPr>
                         </m:ctrlPr>
                       </m:sSubPr>
@@ -9843,7 +10234,7 @@
   <a:extraClrSchemeLst/>
   <a:extLst>
     <a:ext uri="{05A4C25C-085E-4340-85A3-A5531E510DB2}">
-      <thm15:themeFamily xmlns:thm15="http://schemas.microsoft.com/office/thememl/2012/main" xmlns="" name="Office Theme" id="{62F939B6-93AF-4DB8-9C6B-D6C7DFDC589F}" vid="{4A3C46E8-61CC-4603-A589-7422A47A8E4A}"/>
+      <thm15:themeFamily xmlns:thm15="http://schemas.microsoft.com/office/thememl/2012/main" name="Office Theme" id="{62F939B6-93AF-4DB8-9C6B-D6C7DFDC589F}" vid="{4A3C46E8-61CC-4603-A589-7422A47A8E4A}"/>
     </a:ext>
   </a:extLst>
 </a:theme>

--- a/Version/Documentación/MDVRP.pptx
+++ b/Version/Documentación/MDVRP.pptx
@@ -6,15 +6,15 @@
   </p:sldMasterIdLst>
   <p:sldIdLst>
     <p:sldId id="256" r:id="rId2"/>
-    <p:sldId id="257" r:id="rId3"/>
-    <p:sldId id="271" r:id="rId4"/>
-    <p:sldId id="272" r:id="rId5"/>
+    <p:sldId id="284" r:id="rId3"/>
+    <p:sldId id="285" r:id="rId4"/>
+    <p:sldId id="286" r:id="rId5"/>
     <p:sldId id="259" r:id="rId6"/>
     <p:sldId id="258" r:id="rId7"/>
     <p:sldId id="260" r:id="rId8"/>
     <p:sldId id="277" r:id="rId9"/>
-    <p:sldId id="263" r:id="rId10"/>
-    <p:sldId id="274" r:id="rId11"/>
+    <p:sldId id="287" r:id="rId10"/>
+    <p:sldId id="288" r:id="rId11"/>
     <p:sldId id="278" r:id="rId12"/>
     <p:sldId id="279" r:id="rId13"/>
     <p:sldId id="261" r:id="rId14"/>
@@ -128,7 +128,7 @@
   </p:defaultTextStyle>
   <p:extLst>
     <p:ext uri="{EFAFB233-063F-42B5-8137-9DF3F51BA10A}">
-      <p15:sldGuideLst xmlns:p15="http://schemas.microsoft.com/office/powerpoint/2012/main">
+      <p15:sldGuideLst xmlns:p15="http://schemas.microsoft.com/office/powerpoint/2012/main" xmlns="">
         <p15:guide id="1" orient="horz" pos="2160">
           <p15:clr>
             <a:srgbClr val="A4A3A4"/>
@@ -276,6 +276,7 @@
           <a:p>
             <a:fld id="{12CBEF13-57F1-471C-ABF2-505306D08CB7}" type="datetimeFigureOut">
               <a:rPr lang="es-UY" smtClean="0"/>
+              <a:pPr/>
               <a:t>11/12/2015</a:t>
             </a:fld>
             <a:endParaRPr lang="es-UY"/>
@@ -318,7 +319,8 @@
           <a:p>
             <a:fld id="{D70CDD41-C5AA-403A-9E3F-13D09751A68A}" type="slidenum">
               <a:rPr lang="es-UY" smtClean="0"/>
-              <a:t>‹#›</a:t>
+              <a:pPr/>
+              <a:t>‹Nº›</a:t>
             </a:fld>
             <a:endParaRPr lang="es-UY"/>
           </a:p>
@@ -327,7 +329,7 @@
     </p:spTree>
     <p:extLst>
       <p:ext uri="{BB962C8B-B14F-4D97-AF65-F5344CB8AC3E}">
-        <p14:creationId xmlns:p14="http://schemas.microsoft.com/office/powerpoint/2010/main" val="1800324636"/>
+        <p14:creationId xmlns:p14="http://schemas.microsoft.com/office/powerpoint/2010/main" xmlns="" val="1800324636"/>
       </p:ext>
     </p:extLst>
   </p:cSld>
@@ -446,6 +448,7 @@
           <a:p>
             <a:fld id="{12CBEF13-57F1-471C-ABF2-505306D08CB7}" type="datetimeFigureOut">
               <a:rPr lang="es-UY" smtClean="0"/>
+              <a:pPr/>
               <a:t>11/12/2015</a:t>
             </a:fld>
             <a:endParaRPr lang="es-UY"/>
@@ -488,7 +491,8 @@
           <a:p>
             <a:fld id="{D70CDD41-C5AA-403A-9E3F-13D09751A68A}" type="slidenum">
               <a:rPr lang="es-UY" smtClean="0"/>
-              <a:t>‹#›</a:t>
+              <a:pPr/>
+              <a:t>‹Nº›</a:t>
             </a:fld>
             <a:endParaRPr lang="es-UY"/>
           </a:p>
@@ -497,7 +501,7 @@
     </p:spTree>
     <p:extLst>
       <p:ext uri="{BB962C8B-B14F-4D97-AF65-F5344CB8AC3E}">
-        <p14:creationId xmlns:p14="http://schemas.microsoft.com/office/powerpoint/2010/main" val="1940323932"/>
+        <p14:creationId xmlns:p14="http://schemas.microsoft.com/office/powerpoint/2010/main" xmlns="" val="1940323932"/>
       </p:ext>
     </p:extLst>
   </p:cSld>
@@ -626,6 +630,7 @@
           <a:p>
             <a:fld id="{12CBEF13-57F1-471C-ABF2-505306D08CB7}" type="datetimeFigureOut">
               <a:rPr lang="es-UY" smtClean="0"/>
+              <a:pPr/>
               <a:t>11/12/2015</a:t>
             </a:fld>
             <a:endParaRPr lang="es-UY"/>
@@ -668,7 +673,8 @@
           <a:p>
             <a:fld id="{D70CDD41-C5AA-403A-9E3F-13D09751A68A}" type="slidenum">
               <a:rPr lang="es-UY" smtClean="0"/>
-              <a:t>‹#›</a:t>
+              <a:pPr/>
+              <a:t>‹Nº›</a:t>
             </a:fld>
             <a:endParaRPr lang="es-UY"/>
           </a:p>
@@ -677,7 +683,7 @@
     </p:spTree>
     <p:extLst>
       <p:ext uri="{BB962C8B-B14F-4D97-AF65-F5344CB8AC3E}">
-        <p14:creationId xmlns:p14="http://schemas.microsoft.com/office/powerpoint/2010/main" val="1548632625"/>
+        <p14:creationId xmlns:p14="http://schemas.microsoft.com/office/powerpoint/2010/main" xmlns="" val="1548632625"/>
       </p:ext>
     </p:extLst>
   </p:cSld>
@@ -796,6 +802,7 @@
           <a:p>
             <a:fld id="{12CBEF13-57F1-471C-ABF2-505306D08CB7}" type="datetimeFigureOut">
               <a:rPr lang="es-UY" smtClean="0"/>
+              <a:pPr/>
               <a:t>11/12/2015</a:t>
             </a:fld>
             <a:endParaRPr lang="es-UY"/>
@@ -838,7 +845,8 @@
           <a:p>
             <a:fld id="{D70CDD41-C5AA-403A-9E3F-13D09751A68A}" type="slidenum">
               <a:rPr lang="es-UY" smtClean="0"/>
-              <a:t>‹#›</a:t>
+              <a:pPr/>
+              <a:t>‹Nº›</a:t>
             </a:fld>
             <a:endParaRPr lang="es-UY"/>
           </a:p>
@@ -847,7 +855,7 @@
     </p:spTree>
     <p:extLst>
       <p:ext uri="{BB962C8B-B14F-4D97-AF65-F5344CB8AC3E}">
-        <p14:creationId xmlns:p14="http://schemas.microsoft.com/office/powerpoint/2010/main" val="2145894211"/>
+        <p14:creationId xmlns:p14="http://schemas.microsoft.com/office/powerpoint/2010/main" xmlns="" val="2145894211"/>
       </p:ext>
     </p:extLst>
   </p:cSld>
@@ -1042,6 +1050,7 @@
           <a:p>
             <a:fld id="{12CBEF13-57F1-471C-ABF2-505306D08CB7}" type="datetimeFigureOut">
               <a:rPr lang="es-UY" smtClean="0"/>
+              <a:pPr/>
               <a:t>11/12/2015</a:t>
             </a:fld>
             <a:endParaRPr lang="es-UY"/>
@@ -1084,7 +1093,8 @@
           <a:p>
             <a:fld id="{D70CDD41-C5AA-403A-9E3F-13D09751A68A}" type="slidenum">
               <a:rPr lang="es-UY" smtClean="0"/>
-              <a:t>‹#›</a:t>
+              <a:pPr/>
+              <a:t>‹Nº›</a:t>
             </a:fld>
             <a:endParaRPr lang="es-UY"/>
           </a:p>
@@ -1093,7 +1103,7 @@
     </p:spTree>
     <p:extLst>
       <p:ext uri="{BB962C8B-B14F-4D97-AF65-F5344CB8AC3E}">
-        <p14:creationId xmlns:p14="http://schemas.microsoft.com/office/powerpoint/2010/main" val="1855487141"/>
+        <p14:creationId xmlns:p14="http://schemas.microsoft.com/office/powerpoint/2010/main" xmlns="" val="1855487141"/>
       </p:ext>
     </p:extLst>
   </p:cSld>
@@ -1274,6 +1284,7 @@
           <a:p>
             <a:fld id="{12CBEF13-57F1-471C-ABF2-505306D08CB7}" type="datetimeFigureOut">
               <a:rPr lang="es-UY" smtClean="0"/>
+              <a:pPr/>
               <a:t>11/12/2015</a:t>
             </a:fld>
             <a:endParaRPr lang="es-UY"/>
@@ -1316,7 +1327,8 @@
           <a:p>
             <a:fld id="{D70CDD41-C5AA-403A-9E3F-13D09751A68A}" type="slidenum">
               <a:rPr lang="es-UY" smtClean="0"/>
-              <a:t>‹#›</a:t>
+              <a:pPr/>
+              <a:t>‹Nº›</a:t>
             </a:fld>
             <a:endParaRPr lang="es-UY"/>
           </a:p>
@@ -1325,7 +1337,7 @@
     </p:spTree>
     <p:extLst>
       <p:ext uri="{BB962C8B-B14F-4D97-AF65-F5344CB8AC3E}">
-        <p14:creationId xmlns:p14="http://schemas.microsoft.com/office/powerpoint/2010/main" val="342578913"/>
+        <p14:creationId xmlns:p14="http://schemas.microsoft.com/office/powerpoint/2010/main" xmlns="" val="342578913"/>
       </p:ext>
     </p:extLst>
   </p:cSld>
@@ -1641,6 +1653,7 @@
           <a:p>
             <a:fld id="{12CBEF13-57F1-471C-ABF2-505306D08CB7}" type="datetimeFigureOut">
               <a:rPr lang="es-UY" smtClean="0"/>
+              <a:pPr/>
               <a:t>11/12/2015</a:t>
             </a:fld>
             <a:endParaRPr lang="es-UY"/>
@@ -1683,7 +1696,8 @@
           <a:p>
             <a:fld id="{D70CDD41-C5AA-403A-9E3F-13D09751A68A}" type="slidenum">
               <a:rPr lang="es-UY" smtClean="0"/>
-              <a:t>‹#›</a:t>
+              <a:pPr/>
+              <a:t>‹Nº›</a:t>
             </a:fld>
             <a:endParaRPr lang="es-UY"/>
           </a:p>
@@ -1692,7 +1706,7 @@
     </p:spTree>
     <p:extLst>
       <p:ext uri="{BB962C8B-B14F-4D97-AF65-F5344CB8AC3E}">
-        <p14:creationId xmlns:p14="http://schemas.microsoft.com/office/powerpoint/2010/main" val="1368018162"/>
+        <p14:creationId xmlns:p14="http://schemas.microsoft.com/office/powerpoint/2010/main" xmlns="" val="1368018162"/>
       </p:ext>
     </p:extLst>
   </p:cSld>
@@ -1759,6 +1773,7 @@
           <a:p>
             <a:fld id="{12CBEF13-57F1-471C-ABF2-505306D08CB7}" type="datetimeFigureOut">
               <a:rPr lang="es-UY" smtClean="0"/>
+              <a:pPr/>
               <a:t>11/12/2015</a:t>
             </a:fld>
             <a:endParaRPr lang="es-UY"/>
@@ -1801,7 +1816,8 @@
           <a:p>
             <a:fld id="{D70CDD41-C5AA-403A-9E3F-13D09751A68A}" type="slidenum">
               <a:rPr lang="es-UY" smtClean="0"/>
-              <a:t>‹#›</a:t>
+              <a:pPr/>
+              <a:t>‹Nº›</a:t>
             </a:fld>
             <a:endParaRPr lang="es-UY"/>
           </a:p>
@@ -1810,7 +1826,7 @@
     </p:spTree>
     <p:extLst>
       <p:ext uri="{BB962C8B-B14F-4D97-AF65-F5344CB8AC3E}">
-        <p14:creationId xmlns:p14="http://schemas.microsoft.com/office/powerpoint/2010/main" val="1041575951"/>
+        <p14:creationId xmlns:p14="http://schemas.microsoft.com/office/powerpoint/2010/main" xmlns="" val="1041575951"/>
       </p:ext>
     </p:extLst>
   </p:cSld>
@@ -1854,6 +1870,7 @@
           <a:p>
             <a:fld id="{12CBEF13-57F1-471C-ABF2-505306D08CB7}" type="datetimeFigureOut">
               <a:rPr lang="es-UY" smtClean="0"/>
+              <a:pPr/>
               <a:t>11/12/2015</a:t>
             </a:fld>
             <a:endParaRPr lang="es-UY"/>
@@ -1896,7 +1913,8 @@
           <a:p>
             <a:fld id="{D70CDD41-C5AA-403A-9E3F-13D09751A68A}" type="slidenum">
               <a:rPr lang="es-UY" smtClean="0"/>
-              <a:t>‹#›</a:t>
+              <a:pPr/>
+              <a:t>‹Nº›</a:t>
             </a:fld>
             <a:endParaRPr lang="es-UY"/>
           </a:p>
@@ -1905,7 +1923,7 @@
     </p:spTree>
     <p:extLst>
       <p:ext uri="{BB962C8B-B14F-4D97-AF65-F5344CB8AC3E}">
-        <p14:creationId xmlns:p14="http://schemas.microsoft.com/office/powerpoint/2010/main" val="1665225720"/>
+        <p14:creationId xmlns:p14="http://schemas.microsoft.com/office/powerpoint/2010/main" xmlns="" val="1665225720"/>
       </p:ext>
     </p:extLst>
   </p:cSld>
@@ -2131,6 +2149,7 @@
           <a:p>
             <a:fld id="{12CBEF13-57F1-471C-ABF2-505306D08CB7}" type="datetimeFigureOut">
               <a:rPr lang="es-UY" smtClean="0"/>
+              <a:pPr/>
               <a:t>11/12/2015</a:t>
             </a:fld>
             <a:endParaRPr lang="es-UY"/>
@@ -2173,7 +2192,8 @@
           <a:p>
             <a:fld id="{D70CDD41-C5AA-403A-9E3F-13D09751A68A}" type="slidenum">
               <a:rPr lang="es-UY" smtClean="0"/>
-              <a:t>‹#›</a:t>
+              <a:pPr/>
+              <a:t>‹Nº›</a:t>
             </a:fld>
             <a:endParaRPr lang="es-UY"/>
           </a:p>
@@ -2182,7 +2202,7 @@
     </p:spTree>
     <p:extLst>
       <p:ext uri="{BB962C8B-B14F-4D97-AF65-F5344CB8AC3E}">
-        <p14:creationId xmlns:p14="http://schemas.microsoft.com/office/powerpoint/2010/main" val="3001086387"/>
+        <p14:creationId xmlns:p14="http://schemas.microsoft.com/office/powerpoint/2010/main" xmlns="" val="3001086387"/>
       </p:ext>
     </p:extLst>
   </p:cSld>
@@ -2384,6 +2404,7 @@
           <a:p>
             <a:fld id="{12CBEF13-57F1-471C-ABF2-505306D08CB7}" type="datetimeFigureOut">
               <a:rPr lang="es-UY" smtClean="0"/>
+              <a:pPr/>
               <a:t>11/12/2015</a:t>
             </a:fld>
             <a:endParaRPr lang="es-UY"/>
@@ -2426,7 +2447,8 @@
           <a:p>
             <a:fld id="{D70CDD41-C5AA-403A-9E3F-13D09751A68A}" type="slidenum">
               <a:rPr lang="es-UY" smtClean="0"/>
-              <a:t>‹#›</a:t>
+              <a:pPr/>
+              <a:t>‹Nº›</a:t>
             </a:fld>
             <a:endParaRPr lang="es-UY"/>
           </a:p>
@@ -2435,7 +2457,7 @@
     </p:spTree>
     <p:extLst>
       <p:ext uri="{BB962C8B-B14F-4D97-AF65-F5344CB8AC3E}">
-        <p14:creationId xmlns:p14="http://schemas.microsoft.com/office/powerpoint/2010/main" val="2981024950"/>
+        <p14:creationId xmlns:p14="http://schemas.microsoft.com/office/powerpoint/2010/main" xmlns="" val="2981024950"/>
       </p:ext>
     </p:extLst>
   </p:cSld>
@@ -2597,6 +2619,7 @@
           <a:p>
             <a:fld id="{12CBEF13-57F1-471C-ABF2-505306D08CB7}" type="datetimeFigureOut">
               <a:rPr lang="es-UY" smtClean="0"/>
+              <a:pPr/>
               <a:t>11/12/2015</a:t>
             </a:fld>
             <a:endParaRPr lang="es-UY"/>
@@ -2675,7 +2698,8 @@
           <a:p>
             <a:fld id="{D70CDD41-C5AA-403A-9E3F-13D09751A68A}" type="slidenum">
               <a:rPr lang="es-UY" smtClean="0"/>
-              <a:t>‹#›</a:t>
+              <a:pPr/>
+              <a:t>‹Nº›</a:t>
             </a:fld>
             <a:endParaRPr lang="es-UY"/>
           </a:p>
@@ -2684,7 +2708,7 @@
     </p:spTree>
     <p:extLst>
       <p:ext uri="{BB962C8B-B14F-4D97-AF65-F5344CB8AC3E}">
-        <p14:creationId xmlns:p14="http://schemas.microsoft.com/office/powerpoint/2010/main" val="3792479199"/>
+        <p14:creationId xmlns:p14="http://schemas.microsoft.com/office/powerpoint/2010/main" xmlns="" val="3792479199"/>
       </p:ext>
     </p:extLst>
   </p:cSld>
@@ -3051,7 +3075,7 @@
     </p:spTree>
     <p:extLst>
       <p:ext uri="{BB962C8B-B14F-4D97-AF65-F5344CB8AC3E}">
-        <p14:creationId xmlns:p14="http://schemas.microsoft.com/office/powerpoint/2010/main" val="3082453553"/>
+        <p14:creationId xmlns:p14="http://schemas.microsoft.com/office/powerpoint/2010/main" xmlns="" val="3082453553"/>
       </p:ext>
     </p:extLst>
   </p:cSld>
@@ -3094,48 +3118,8 @@
           <a:lstStyle/>
           <a:p>
             <a:r>
-              <a:rPr lang="en-US" dirty="0" err="1" smtClean="0"/>
-              <a:t>MDVRP</a:t>
-            </a:r>
-            <a:r>
-              <a:rPr lang="en-US" dirty="0" smtClean="0"/>
-              <a:t>- </a:t>
-            </a:r>
-            <a:r>
-              <a:rPr lang="en-US" dirty="0" err="1" smtClean="0"/>
-              <a:t>Solucion</a:t>
-            </a:r>
-            <a:r>
-              <a:rPr lang="en-US" dirty="0" smtClean="0"/>
-              <a:t>, </a:t>
-            </a:r>
-            <a:r>
-              <a:rPr lang="en-US" dirty="0" err="1" smtClean="0"/>
-              <a:t>Disenios</a:t>
-            </a:r>
-            <a:r>
-              <a:rPr lang="en-US" dirty="0" smtClean="0"/>
-              <a:t> y </a:t>
-            </a:r>
-            <a:r>
-              <a:rPr lang="en-US" dirty="0" err="1" smtClean="0"/>
-              <a:t>algoritmos</a:t>
-            </a:r>
-            <a:r>
-              <a:rPr lang="en-US" dirty="0" smtClean="0"/>
-              <a:t> </a:t>
-            </a:r>
-            <a:r>
-              <a:rPr lang="en-US" dirty="0" err="1" smtClean="0"/>
-              <a:t>Mejora</a:t>
-            </a:r>
-            <a:r>
-              <a:rPr lang="en-US" dirty="0" smtClean="0"/>
-              <a:t> de </a:t>
-            </a:r>
-            <a:r>
-              <a:rPr lang="en-US" dirty="0" err="1" smtClean="0"/>
-              <a:t>Asignacion</a:t>
+              <a:rPr lang="es-ES" dirty="0" smtClean="0"/>
+              <a:t>MDVRP- Solución, Diseños y algoritmos Mejora de Asignación</a:t>
             </a:r>
             <a:endParaRPr lang="es-UY" dirty="0"/>
           </a:p>
@@ -3161,69 +3145,34 @@
           <a:bodyPr/>
           <a:lstStyle/>
           <a:p>
-            <a:pPr lvl="0"/>
+            <a:pPr marL="685800" lvl="2">
+              <a:spcBef>
+                <a:spcPts val="1000"/>
+              </a:spcBef>
+            </a:pPr>
             <a:r>
               <a:rPr lang="es-UY" dirty="0" smtClean="0"/>
-              <a:t>Mejora de la asignación (Fase 2)</a:t>
-            </a:r>
-          </a:p>
-          <a:p>
-            <a:pPr lvl="1"/>
+              <a:t>Algoritmo Enajenado Lento (AEL) </a:t>
+            </a:r>
+            <a:r>
+              <a:rPr lang="es-UY" dirty="0" err="1" smtClean="0"/>
+              <a:t>Cont</a:t>
+            </a:r>
             <a:r>
               <a:rPr lang="es-UY" dirty="0" smtClean="0"/>
-              <a:t>Algoritmo Enajenado Rápido (</a:t>
-            </a:r>
-            <a:r>
-              <a:rPr lang="es-UY" dirty="0" err="1" smtClean="0"/>
-              <a:t>AER</a:t>
-            </a:r>
+              <a:t>…</a:t>
+            </a:r>
+          </a:p>
+          <a:p>
+            <a:pPr marL="685800" lvl="2">
+              <a:spcBef>
+                <a:spcPts val="1000"/>
+              </a:spcBef>
+              <a:buNone/>
+            </a:pPr>
             <a:r>
               <a:rPr lang="es-UY" dirty="0" smtClean="0"/>
-              <a:t>)</a:t>
-            </a:r>
-          </a:p>
-          <a:p>
-            <a:pPr lvl="1"/>
-            <a:r>
-              <a:rPr lang="es-UY" dirty="0" smtClean="0"/>
-              <a:t>Algoritmo Enajenado Lento (</a:t>
-            </a:r>
-            <a:r>
-              <a:rPr lang="es-UY" dirty="0" err="1" smtClean="0"/>
-              <a:t>AEL</a:t>
-            </a:r>
-            <a:r>
-              <a:rPr lang="es-UY" dirty="0" smtClean="0"/>
-              <a:t>)</a:t>
-            </a:r>
-            <a:endParaRPr lang="en-US" dirty="0" smtClean="0"/>
-          </a:p>
-          <a:p>
-            <a:r>
-              <a:rPr lang="en-US" dirty="0" smtClean="0"/>
-              <a:t>…</a:t>
-            </a:r>
-          </a:p>
-          <a:p>
-            <a:r>
-              <a:rPr lang="en-US" dirty="0" smtClean="0"/>
-              <a:t>…</a:t>
-            </a:r>
-          </a:p>
-          <a:p>
-            <a:r>
-              <a:rPr lang="en-US" dirty="0" smtClean="0"/>
-              <a:t>…</a:t>
-            </a:r>
-            <a:r>
-              <a:rPr lang="en-US" dirty="0" smtClean="0">
-                <a:solidFill>
-                  <a:schemeClr val="accent1">
-                    <a:lumMod val="50000"/>
-                  </a:schemeClr>
-                </a:solidFill>
-              </a:rPr>
-              <a:t>Ale</a:t>
+              <a:t>		Antes:					Después:</a:t>
             </a:r>
           </a:p>
           <a:p>
@@ -3231,10 +3180,76 @@
           </a:p>
         </p:txBody>
       </p:sp>
+      <p:pic>
+        <p:nvPicPr>
+          <p:cNvPr id="4" name="3 Imagen"/>
+          <p:cNvPicPr/>
+          <p:nvPr/>
+        </p:nvPicPr>
+        <p:blipFill>
+          <a:blip r:embed="rId2" cstate="print">
+            <a:extLst>
+              <a:ext uri="{28A0092B-C50C-407E-A947-70E740481C1C}">
+                <a14:useLocalDpi xmlns:ve="http://schemas.openxmlformats.org/markup-compatibility/2006" xmlns:m="http://schemas.openxmlformats.org/officeDocument/2006/math" xmlns:wp="http://schemas.openxmlformats.org/drawingml/2006/wordprocessingDrawing" xmlns:wne="http://schemas.microsoft.com/office/word/2006/wordml" xmlns:a14="http://schemas.microsoft.com/office/drawing/2010/main" xmlns:wps="http://schemas.microsoft.com/office/word/2010/wordprocessingShape" xmlns:wpi="http://schemas.microsoft.com/office/word/2010/wordprocessingInk" xmlns:wpg="http://schemas.microsoft.com/office/word/2010/wordprocessingGroup" xmlns:w14="http://schemas.microsoft.com/office/word/2010/wordml" xmlns:w="http://schemas.openxmlformats.org/wordprocessingml/2006/main" xmlns:w10="urn:schemas-microsoft-com:office:word" xmlns:wp14="http://schemas.microsoft.com/office/word/2010/wordprocessingDrawing" xmlns:v="urn:schemas-microsoft-com:vml" xmlns:o="urn:schemas-microsoft-com:office:office" xmlns:mc="http://schemas.openxmlformats.org/markup-compatibility/2006" xmlns:wpc="http://schemas.microsoft.com/office/word/2010/wordprocessingCanvas" xmlns="" xmlns:pic="http://schemas.openxmlformats.org/drawingml/2006/picture" xmlns:lc="http://schemas.openxmlformats.org/drawingml/2006/lockedCanvas" val="0"/>
+              </a:ext>
+            </a:extLst>
+          </a:blip>
+          <a:srcRect/>
+          <a:stretch>
+            <a:fillRect/>
+          </a:stretch>
+        </p:blipFill>
+        <p:spPr bwMode="auto">
+          <a:xfrm>
+            <a:off x="1632856" y="2847702"/>
+            <a:ext cx="3936954" cy="3248297"/>
+          </a:xfrm>
+          <a:prstGeom prst="rect">
+            <a:avLst/>
+          </a:prstGeom>
+          <a:noFill/>
+          <a:ln>
+            <a:noFill/>
+          </a:ln>
+        </p:spPr>
+      </p:pic>
+      <p:pic>
+        <p:nvPicPr>
+          <p:cNvPr id="5" name="4 Imagen"/>
+          <p:cNvPicPr/>
+          <p:nvPr/>
+        </p:nvPicPr>
+        <p:blipFill>
+          <a:blip r:embed="rId3" cstate="print">
+            <a:extLst>
+              <a:ext uri="{28A0092B-C50C-407E-A947-70E740481C1C}">
+                <a14:useLocalDpi xmlns:ve="http://schemas.openxmlformats.org/markup-compatibility/2006" xmlns:m="http://schemas.openxmlformats.org/officeDocument/2006/math" xmlns:wp="http://schemas.openxmlformats.org/drawingml/2006/wordprocessingDrawing" xmlns:wne="http://schemas.microsoft.com/office/word/2006/wordml" xmlns:a14="http://schemas.microsoft.com/office/drawing/2010/main" xmlns:wps="http://schemas.microsoft.com/office/word/2010/wordprocessingShape" xmlns:wpi="http://schemas.microsoft.com/office/word/2010/wordprocessingInk" xmlns:wpg="http://schemas.microsoft.com/office/word/2010/wordprocessingGroup" xmlns:w14="http://schemas.microsoft.com/office/word/2010/wordml" xmlns:w="http://schemas.openxmlformats.org/wordprocessingml/2006/main" xmlns:w10="urn:schemas-microsoft-com:office:word" xmlns:wp14="http://schemas.microsoft.com/office/word/2010/wordprocessingDrawing" xmlns:v="urn:schemas-microsoft-com:vml" xmlns:o="urn:schemas-microsoft-com:office:office" xmlns:mc="http://schemas.openxmlformats.org/markup-compatibility/2006" xmlns:wpc="http://schemas.microsoft.com/office/word/2010/wordprocessingCanvas" xmlns="" xmlns:pic="http://schemas.openxmlformats.org/drawingml/2006/picture" xmlns:lc="http://schemas.openxmlformats.org/drawingml/2006/lockedCanvas" val="0"/>
+              </a:ext>
+            </a:extLst>
+          </a:blip>
+          <a:srcRect/>
+          <a:stretch>
+            <a:fillRect/>
+          </a:stretch>
+        </p:blipFill>
+        <p:spPr bwMode="auto">
+          <a:xfrm>
+            <a:off x="6152605" y="2847702"/>
+            <a:ext cx="3918857" cy="3239589"/>
+          </a:xfrm>
+          <a:prstGeom prst="rect">
+            <a:avLst/>
+          </a:prstGeom>
+          <a:noFill/>
+          <a:ln>
+            <a:noFill/>
+          </a:ln>
+        </p:spPr>
+      </p:pic>
     </p:spTree>
     <p:extLst>
       <p:ext uri="{BB962C8B-B14F-4D97-AF65-F5344CB8AC3E}">
-        <p14:creationId xmlns:p14="http://schemas.microsoft.com/office/powerpoint/2010/main" val="2486798970"/>
+        <p14:creationId xmlns:p14="http://schemas.microsoft.com/office/powerpoint/2010/main" xmlns="" val="2486798970"/>
       </p:ext>
     </p:extLst>
   </p:cSld>
@@ -3407,7 +3422,7 @@
           <a:blip r:embed="rId2" cstate="print">
             <a:extLst>
               <a:ext uri="{28A0092B-C50C-407E-A947-70E740481C1C}">
-                <a14:useLocalDpi xmlns:a14="http://schemas.microsoft.com/office/drawing/2010/main" val="0"/>
+                <a14:useLocalDpi xmlns:a14="http://schemas.microsoft.com/office/drawing/2010/main" xmlns="" val="0"/>
               </a:ext>
             </a:extLst>
           </a:blip>
@@ -3433,7 +3448,7 @@
     </p:spTree>
     <p:extLst>
       <p:ext uri="{BB962C8B-B14F-4D97-AF65-F5344CB8AC3E}">
-        <p14:creationId xmlns:p14="http://schemas.microsoft.com/office/powerpoint/2010/main" val="2225859691"/>
+        <p14:creationId xmlns:p14="http://schemas.microsoft.com/office/powerpoint/2010/main" xmlns="" val="2225859691"/>
       </p:ext>
     </p:extLst>
   </p:cSld>
@@ -3503,8 +3518,8 @@
           </a:p>
         </p:txBody>
       </p:sp>
-      <mc:AlternateContent xmlns:mc="http://schemas.openxmlformats.org/markup-compatibility/2006" xmlns:a14="http://schemas.microsoft.com/office/drawing/2010/main">
-        <mc:Choice Requires="a14">
+      <mc:AlternateContent xmlns:mc="http://schemas.openxmlformats.org/markup-compatibility/2006">
+        <mc:Choice xmlns:a14="http://schemas.microsoft.com/office/drawing/2010/main" xmlns="" Requires="a14">
           <p:sp>
             <p:nvSpPr>
               <p:cNvPr id="3" name="Content Placeholder 2"/>
@@ -4604,7 +4619,7 @@
             </p:txBody>
           </p:sp>
         </mc:Choice>
-        <mc:Fallback xmlns="">
+        <mc:Fallback>
           <p:sp>
             <p:nvSpPr>
               <p:cNvPr id="3" name="Content Placeholder 2"/>
@@ -4621,7 +4636,7 @@
                 <a:ext cx="10515600" cy="4351338"/>
               </a:xfrm>
               <a:blipFill rotWithShape="1">
-                <a:blip r:embed="rId2"/>
+                <a:blip r:embed="rId2" cstate="print"/>
                 <a:stretch>
                   <a:fillRect l="-696" t="-2801"/>
                 </a:stretch>
@@ -4645,7 +4660,7 @@
     </p:spTree>
     <p:extLst>
       <p:ext uri="{BB962C8B-B14F-4D97-AF65-F5344CB8AC3E}">
-        <p14:creationId xmlns:p14="http://schemas.microsoft.com/office/powerpoint/2010/main" val="144818206"/>
+        <p14:creationId xmlns:p14="http://schemas.microsoft.com/office/powerpoint/2010/main" xmlns="" val="144818206"/>
       </p:ext>
     </p:extLst>
   </p:cSld>
@@ -4826,7 +4841,7 @@
     </p:spTree>
     <p:extLst>
       <p:ext uri="{BB962C8B-B14F-4D97-AF65-F5344CB8AC3E}">
-        <p14:creationId xmlns:p14="http://schemas.microsoft.com/office/powerpoint/2010/main" val="65839140"/>
+        <p14:creationId xmlns:p14="http://schemas.microsoft.com/office/powerpoint/2010/main" xmlns="" val="65839140"/>
       </p:ext>
     </p:extLst>
   </p:cSld>
@@ -4950,7 +4965,7 @@
     </p:spTree>
     <p:extLst>
       <p:ext uri="{BB962C8B-B14F-4D97-AF65-F5344CB8AC3E}">
-        <p14:creationId xmlns:p14="http://schemas.microsoft.com/office/powerpoint/2010/main" val="447812816"/>
+        <p14:creationId xmlns:p14="http://schemas.microsoft.com/office/powerpoint/2010/main" xmlns="" val="447812816"/>
       </p:ext>
     </p:extLst>
   </p:cSld>
@@ -5082,10 +5097,10 @@
           <p:nvPr/>
         </p:nvPicPr>
         <p:blipFill>
-          <a:blip r:embed="rId2">
+          <a:blip r:embed="rId2" cstate="print">
             <a:extLst>
               <a:ext uri="{28A0092B-C50C-407E-A947-70E740481C1C}">
-                <a14:useLocalDpi xmlns:a14="http://schemas.microsoft.com/office/drawing/2010/main" val="0"/>
+                <a14:useLocalDpi xmlns:a14="http://schemas.microsoft.com/office/drawing/2010/main" xmlns="" val="0"/>
               </a:ext>
             </a:extLst>
           </a:blip>
@@ -5108,14 +5123,14 @@
           </a:ln>
           <a:extLst>
             <a:ext uri="{909E8E84-426E-40DD-AFC4-6F175D3DCCD1}">
-              <a14:hiddenFill xmlns:a14="http://schemas.microsoft.com/office/drawing/2010/main">
+              <a14:hiddenFill xmlns:a14="http://schemas.microsoft.com/office/drawing/2010/main" xmlns="">
                 <a:solidFill>
                   <a:schemeClr val="accent1"/>
                 </a:solidFill>
               </a14:hiddenFill>
             </a:ext>
             <a:ext uri="{91240B29-F687-4F45-9708-019B960494DF}">
-              <a14:hiddenLine xmlns:a14="http://schemas.microsoft.com/office/drawing/2010/main" w="9525">
+              <a14:hiddenLine xmlns:a14="http://schemas.microsoft.com/office/drawing/2010/main" xmlns="" w="9525">
                 <a:solidFill>
                   <a:schemeClr val="tx1"/>
                 </a:solidFill>
@@ -5136,10 +5151,10 @@
           <p:nvPr/>
         </p:nvPicPr>
         <p:blipFill>
-          <a:blip r:embed="rId3">
+          <a:blip r:embed="rId3" cstate="print">
             <a:extLst>
               <a:ext uri="{28A0092B-C50C-407E-A947-70E740481C1C}">
-                <a14:useLocalDpi xmlns:a14="http://schemas.microsoft.com/office/drawing/2010/main" val="0"/>
+                <a14:useLocalDpi xmlns:a14="http://schemas.microsoft.com/office/drawing/2010/main" xmlns="" val="0"/>
               </a:ext>
             </a:extLst>
           </a:blip>
@@ -5162,14 +5177,14 @@
           </a:ln>
           <a:extLst>
             <a:ext uri="{909E8E84-426E-40DD-AFC4-6F175D3DCCD1}">
-              <a14:hiddenFill xmlns:a14="http://schemas.microsoft.com/office/drawing/2010/main">
+              <a14:hiddenFill xmlns:a14="http://schemas.microsoft.com/office/drawing/2010/main" xmlns="">
                 <a:solidFill>
                   <a:schemeClr val="accent1"/>
                 </a:solidFill>
               </a14:hiddenFill>
             </a:ext>
             <a:ext uri="{91240B29-F687-4F45-9708-019B960494DF}">
-              <a14:hiddenLine xmlns:a14="http://schemas.microsoft.com/office/drawing/2010/main" w="9525">
+              <a14:hiddenLine xmlns:a14="http://schemas.microsoft.com/office/drawing/2010/main" xmlns="" w="9525">
                 <a:solidFill>
                   <a:schemeClr val="tx1"/>
                 </a:solidFill>
@@ -5221,7 +5236,7 @@
     </p:spTree>
     <p:extLst>
       <p:ext uri="{BB962C8B-B14F-4D97-AF65-F5344CB8AC3E}">
-        <p14:creationId xmlns:p14="http://schemas.microsoft.com/office/powerpoint/2010/main" val="351678416"/>
+        <p14:creationId xmlns:p14="http://schemas.microsoft.com/office/powerpoint/2010/main" xmlns="" val="351678416"/>
       </p:ext>
     </p:extLst>
   </p:cSld>
@@ -5264,10 +5279,10 @@
           <p:nvPr/>
         </p:nvPicPr>
         <p:blipFill>
-          <a:blip r:embed="rId2">
+          <a:blip r:embed="rId2" cstate="print">
             <a:extLst>
               <a:ext uri="{28A0092B-C50C-407E-A947-70E740481C1C}">
-                <a14:useLocalDpi xmlns:a14="http://schemas.microsoft.com/office/drawing/2010/main" val="0"/>
+                <a14:useLocalDpi xmlns:a14="http://schemas.microsoft.com/office/drawing/2010/main" xmlns="" val="0"/>
               </a:ext>
             </a:extLst>
           </a:blip>
@@ -5290,14 +5305,14 @@
           </a:ln>
           <a:extLst>
             <a:ext uri="{909E8E84-426E-40DD-AFC4-6F175D3DCCD1}">
-              <a14:hiddenFill xmlns:a14="http://schemas.microsoft.com/office/drawing/2010/main">
+              <a14:hiddenFill xmlns:a14="http://schemas.microsoft.com/office/drawing/2010/main" xmlns="">
                 <a:solidFill>
                   <a:schemeClr val="accent1"/>
                 </a:solidFill>
               </a14:hiddenFill>
             </a:ext>
             <a:ext uri="{91240B29-F687-4F45-9708-019B960494DF}">
-              <a14:hiddenLine xmlns:a14="http://schemas.microsoft.com/office/drawing/2010/main" w="9525">
+              <a14:hiddenLine xmlns:a14="http://schemas.microsoft.com/office/drawing/2010/main" xmlns="" w="9525">
                 <a:solidFill>
                   <a:schemeClr val="tx1"/>
                 </a:solidFill>
@@ -5312,7 +5327,7 @@
     </p:spTree>
     <p:extLst>
       <p:ext uri="{BB962C8B-B14F-4D97-AF65-F5344CB8AC3E}">
-        <p14:creationId xmlns:p14="http://schemas.microsoft.com/office/powerpoint/2010/main" val="4262687040"/>
+        <p14:creationId xmlns:p14="http://schemas.microsoft.com/office/powerpoint/2010/main" xmlns="" val="4262687040"/>
       </p:ext>
     </p:extLst>
   </p:cSld>
@@ -5514,7 +5529,7 @@
     </p:spTree>
     <p:extLst>
       <p:ext uri="{BB962C8B-B14F-4D97-AF65-F5344CB8AC3E}">
-        <p14:creationId xmlns:p14="http://schemas.microsoft.com/office/powerpoint/2010/main" val="2902674493"/>
+        <p14:creationId xmlns:p14="http://schemas.microsoft.com/office/powerpoint/2010/main" xmlns="" val="2902674493"/>
       </p:ext>
     </p:extLst>
   </p:cSld>
@@ -5736,7 +5751,7 @@
           <p:nvPr/>
         </p:nvPicPr>
         <p:blipFill>
-          <a:blip r:embed="rId2"/>
+          <a:blip r:embed="rId2" cstate="print"/>
           <a:stretch>
             <a:fillRect/>
           </a:stretch>
@@ -5760,7 +5775,7 @@
           <p:nvPr/>
         </p:nvPicPr>
         <p:blipFill>
-          <a:blip r:embed="rId3"/>
+          <a:blip r:embed="rId3" cstate="print"/>
           <a:stretch>
             <a:fillRect/>
           </a:stretch>
@@ -5784,7 +5799,7 @@
           <p:nvPr/>
         </p:nvPicPr>
         <p:blipFill>
-          <a:blip r:embed="rId4"/>
+          <a:blip r:embed="rId4" cstate="print"/>
           <a:stretch>
             <a:fillRect/>
           </a:stretch>
@@ -5802,7 +5817,7 @@
     </p:spTree>
     <p:extLst>
       <p:ext uri="{BB962C8B-B14F-4D97-AF65-F5344CB8AC3E}">
-        <p14:creationId xmlns:p14="http://schemas.microsoft.com/office/powerpoint/2010/main" val="456700873"/>
+        <p14:creationId xmlns:p14="http://schemas.microsoft.com/office/powerpoint/2010/main" xmlns="" val="456700873"/>
       </p:ext>
     </p:extLst>
   </p:cSld>
@@ -5968,17 +5983,12 @@
               <a:rPr lang="es-UY" dirty="0" smtClean="0"/>
               <a:t>Permite analizar el problema del algoritmo por Urgencia y su carencia al no manejar capacidades. </a:t>
             </a:r>
-            <a:endParaRPr lang="es-UY" dirty="0" smtClean="0"/>
           </a:p>
           <a:p>
             <a:pPr lvl="2"/>
             <a:r>
               <a:rPr lang="es-UY" dirty="0" smtClean="0"/>
-              <a:t>Permite </a:t>
-            </a:r>
-            <a:r>
-              <a:rPr lang="es-UY" dirty="0" smtClean="0"/>
-              <a:t>cuantificar el impacto cuando los depósitos no pueden cubrir las demandas de los clientes.</a:t>
+              <a:t>Permite cuantificar el impacto cuando los depósitos no pueden cubrir las demandas de los clientes.</a:t>
             </a:r>
           </a:p>
           <a:p>
@@ -5992,7 +6002,7 @@
     </p:spTree>
     <p:extLst>
       <p:ext uri="{BB962C8B-B14F-4D97-AF65-F5344CB8AC3E}">
-        <p14:creationId xmlns:p14="http://schemas.microsoft.com/office/powerpoint/2010/main" val="480149947"/>
+        <p14:creationId xmlns:p14="http://schemas.microsoft.com/office/powerpoint/2010/main" xmlns="" val="480149947"/>
       </p:ext>
     </p:extLst>
   </p:cSld>
@@ -6047,30 +6057,10 @@
           <a:lstStyle/>
           <a:p>
             <a:r>
-              <a:rPr lang="en-US" dirty="0" err="1" smtClean="0"/>
-              <a:t>Introduccion</a:t>
-            </a:r>
-            <a:r>
-              <a:rPr lang="en-US" dirty="0" smtClean="0"/>
-              <a:t> (El </a:t>
-            </a:r>
-            <a:r>
-              <a:rPr lang="en-US" dirty="0" err="1" smtClean="0"/>
-              <a:t>problema</a:t>
-            </a:r>
-            <a:r>
-              <a:rPr lang="en-US" dirty="0" smtClean="0"/>
-              <a:t> de </a:t>
-            </a:r>
-            <a:r>
-              <a:rPr lang="en-US" dirty="0" err="1" smtClean="0"/>
-              <a:t>MDVRP</a:t>
-            </a:r>
-            <a:r>
-              <a:rPr lang="en-US" dirty="0" smtClean="0"/>
-              <a:t>)</a:t>
-            </a:r>
-            <a:endParaRPr lang="es-UY" dirty="0"/>
+              <a:rPr lang="es-ES" dirty="0" smtClean="0"/>
+              <a:t>Introducción (Problema MDVRP)</a:t>
+            </a:r>
+            <a:endParaRPr lang="es-ES" dirty="0"/>
           </a:p>
         </p:txBody>
       </p:sp>
@@ -6087,24 +6077,26 @@
         <p:spPr/>
         <p:txBody>
           <a:bodyPr>
-            <a:normAutofit fontScale="55000" lnSpcReduction="20000"/>
+            <a:normAutofit lnSpcReduction="10000"/>
           </a:bodyPr>
           <a:lstStyle/>
           <a:p>
             <a:endParaRPr lang="en-US" dirty="0" smtClean="0"/>
           </a:p>
           <a:p>
-            <a:r>
-              <a:rPr lang="en-US" dirty="0" err="1" smtClean="0"/>
+            <a:pPr algn="just"/>
+            <a:r>
+              <a:rPr lang="es-ES" dirty="0" smtClean="0"/>
               <a:t>Contexto</a:t>
             </a:r>
-            <a:r>
-              <a:rPr lang="es-UY" sz="2800" dirty="0" smtClean="0"/>
-              <a:t> …. </a:t>
-            </a:r>
+          </a:p>
+          <a:p>
+            <a:pPr algn="just">
+              <a:buNone/>
+            </a:pPr>
             <a:r>
               <a:rPr lang="es-UY" dirty="0" smtClean="0"/>
-              <a:t>La </a:t>
+              <a:t>	La </a:t>
             </a:r>
             <a:r>
               <a:rPr lang="es-UY" dirty="0"/>
@@ -6113,193 +6105,13 @@
           </a:p>
           <a:p>
             <a:endParaRPr lang="en-US" sz="2800" dirty="0"/>
-          </a:p>
-          <a:p>
-            <a:r>
-              <a:rPr lang="en-US" dirty="0" smtClean="0"/>
-              <a:t>Marco </a:t>
-            </a:r>
-            <a:r>
-              <a:rPr lang="en-US" dirty="0" err="1" smtClean="0"/>
-              <a:t>Historico</a:t>
-            </a:r>
-            <a:endParaRPr lang="en-US" dirty="0" smtClean="0"/>
-          </a:p>
-          <a:p>
-            <a:pPr lvl="1"/>
-            <a:r>
-              <a:rPr lang="en-US" dirty="0" smtClean="0"/>
-              <a:t>TSP (</a:t>
-            </a:r>
-            <a:r>
-              <a:rPr lang="en-US" dirty="0" err="1" smtClean="0"/>
-              <a:t>año</a:t>
-            </a:r>
-            <a:r>
-              <a:rPr lang="en-US" dirty="0" smtClean="0"/>
-              <a:t>)</a:t>
-            </a:r>
-          </a:p>
-          <a:p>
-            <a:pPr lvl="1"/>
-            <a:r>
-              <a:rPr lang="en-US" dirty="0" err="1" smtClean="0"/>
-              <a:t>VRP</a:t>
-            </a:r>
-            <a:r>
-              <a:rPr lang="en-US" dirty="0" smtClean="0"/>
-              <a:t> </a:t>
-            </a:r>
-            <a:r>
-              <a:rPr lang="en-US" dirty="0"/>
-              <a:t>(</a:t>
-            </a:r>
-            <a:r>
-              <a:rPr lang="en-US" dirty="0" err="1" smtClean="0"/>
-              <a:t>año</a:t>
-            </a:r>
-            <a:r>
-              <a:rPr lang="en-US" dirty="0" smtClean="0"/>
-              <a:t>)</a:t>
-            </a:r>
-          </a:p>
-          <a:p>
-            <a:pPr lvl="1"/>
-            <a:r>
-              <a:rPr lang="en-US" dirty="0" err="1" smtClean="0"/>
-              <a:t>MDVRP</a:t>
-            </a:r>
-            <a:r>
-              <a:rPr lang="en-US" dirty="0" smtClean="0"/>
-              <a:t> (</a:t>
-            </a:r>
-            <a:r>
-              <a:rPr lang="en-US" dirty="0" err="1" smtClean="0"/>
-              <a:t>año</a:t>
-            </a:r>
-            <a:r>
-              <a:rPr lang="en-US" dirty="0" smtClean="0"/>
-              <a:t>)</a:t>
-            </a:r>
-          </a:p>
-          <a:p>
-            <a:pPr lvl="1"/>
-            <a:r>
-              <a:rPr lang="en-US" dirty="0" err="1" smtClean="0"/>
-              <a:t>Dificultad</a:t>
-            </a:r>
-            <a:r>
-              <a:rPr lang="en-US" dirty="0" smtClean="0"/>
-              <a:t> del problem (NP –</a:t>
-            </a:r>
-            <a:r>
-              <a:rPr lang="en-US" dirty="0" err="1" smtClean="0"/>
-              <a:t>Duro</a:t>
-            </a:r>
-            <a:r>
-              <a:rPr lang="en-US" dirty="0" smtClean="0"/>
-              <a:t>)</a:t>
-            </a:r>
-            <a:r>
-              <a:rPr lang="es-UY" dirty="0" smtClean="0"/>
-              <a:t>.</a:t>
-            </a:r>
-            <a:endParaRPr lang="en-US" sz="2800" dirty="0"/>
-          </a:p>
-          <a:p>
-            <a:pPr marL="228600" lvl="1">
-              <a:spcBef>
-                <a:spcPts val="1000"/>
-              </a:spcBef>
-            </a:pPr>
-            <a:r>
-              <a:rPr lang="en-US" sz="2800" dirty="0" err="1" smtClean="0"/>
-              <a:t>Variantes</a:t>
-            </a:r>
-            <a:r>
-              <a:rPr lang="en-US" sz="2800" dirty="0" smtClean="0"/>
-              <a:t> de </a:t>
-            </a:r>
-            <a:r>
-              <a:rPr lang="en-US" sz="2800" dirty="0" err="1" smtClean="0"/>
-              <a:t>MDVRP</a:t>
-            </a:r>
-            <a:endParaRPr lang="en-US" sz="2800" dirty="0" smtClean="0"/>
-          </a:p>
-          <a:p>
-            <a:pPr marL="228600" lvl="1">
-              <a:spcBef>
-                <a:spcPts val="1000"/>
-              </a:spcBef>
-            </a:pPr>
-            <a:r>
-              <a:rPr lang="en-US" sz="2800" dirty="0" err="1" smtClean="0"/>
-              <a:t>Publicaciones</a:t>
-            </a:r>
-            <a:r>
-              <a:rPr lang="en-US" sz="2800" dirty="0" smtClean="0"/>
-              <a:t> de papers y </a:t>
-            </a:r>
-            <a:r>
-              <a:rPr lang="en-US" sz="2800" dirty="0" err="1" smtClean="0"/>
-              <a:t>cosas</a:t>
-            </a:r>
-            <a:r>
-              <a:rPr lang="en-US" sz="2800" dirty="0" smtClean="0"/>
-              <a:t> de </a:t>
-            </a:r>
-            <a:r>
-              <a:rPr lang="en-US" sz="2800" dirty="0" err="1" smtClean="0"/>
-              <a:t>Montolla</a:t>
-            </a:r>
-            <a:r>
-              <a:rPr lang="en-US" sz="2800" dirty="0" smtClean="0"/>
-              <a:t>…</a:t>
-            </a:r>
-          </a:p>
-          <a:p>
-            <a:pPr marL="228600" lvl="1">
-              <a:spcBef>
-                <a:spcPts val="1000"/>
-              </a:spcBef>
-            </a:pPr>
-            <a:r>
-              <a:rPr lang="en-US" sz="2800" dirty="0" err="1" smtClean="0"/>
-              <a:t>Metodos</a:t>
-            </a:r>
-            <a:r>
-              <a:rPr lang="en-US" sz="2800" dirty="0" smtClean="0"/>
-              <a:t> de </a:t>
-            </a:r>
-            <a:r>
-              <a:rPr lang="en-US" sz="2800" dirty="0" err="1" smtClean="0"/>
-              <a:t>Solucion</a:t>
-            </a:r>
-            <a:endParaRPr lang="en-US" sz="2800" dirty="0"/>
-          </a:p>
-          <a:p>
-            <a:pPr marL="228600" lvl="1">
-              <a:spcBef>
-                <a:spcPts val="1000"/>
-              </a:spcBef>
-            </a:pPr>
-            <a:r>
-              <a:rPr lang="en-US" sz="2800" dirty="0" smtClean="0">
-                <a:solidFill>
-                  <a:schemeClr val="accent1">
-                    <a:lumMod val="50000"/>
-                  </a:schemeClr>
-                </a:solidFill>
-              </a:rPr>
-              <a:t>Ale</a:t>
-            </a:r>
           </a:p>
         </p:txBody>
       </p:sp>
     </p:spTree>
     <p:extLst>
       <p:ext uri="{BB962C8B-B14F-4D97-AF65-F5344CB8AC3E}">
-        <p14:creationId xmlns:p14="http://schemas.microsoft.com/office/powerpoint/2010/main" val="1616332234"/>
+        <p14:creationId xmlns:p14="http://schemas.microsoft.com/office/powerpoint/2010/main" xmlns="" val="1616332234"/>
       </p:ext>
     </p:extLst>
   </p:cSld>
@@ -6347,30 +6159,14 @@
             </a:r>
             <a:r>
               <a:rPr lang="es-UY" dirty="0" smtClean="0"/>
-              <a:t>- </a:t>
-            </a:r>
-            <a:r>
-              <a:rPr lang="es-UY" dirty="0" smtClean="0"/>
-              <a:t>Solución, </a:t>
-            </a:r>
-            <a:r>
-              <a:rPr lang="es-UY" dirty="0" smtClean="0"/>
-              <a:t>Testeo.</a:t>
+              <a:t>- Solución, Testeo.</a:t>
             </a:r>
             <a:br>
               <a:rPr lang="es-UY" dirty="0" smtClean="0"/>
             </a:br>
             <a:r>
               <a:rPr lang="es-UY" dirty="0" smtClean="0"/>
-              <a:t>Análisis </a:t>
-            </a:r>
-            <a:r>
-              <a:rPr lang="es-UY" dirty="0" smtClean="0"/>
-              <a:t>de </a:t>
-            </a:r>
-            <a:r>
-              <a:rPr lang="es-UY" dirty="0" smtClean="0"/>
-              <a:t>Resultados </a:t>
+              <a:t>Análisis de Resultados </a:t>
             </a:r>
             <a:r>
               <a:rPr lang="es-UY" dirty="0" err="1" smtClean="0"/>
@@ -6402,7 +6198,7 @@
             <p:ph idx="1"/>
             <p:extLst>
               <p:ext uri="{D42A27DB-BD31-4B8C-83A1-F6EECF244321}">
-                <p14:modId xmlns:p14="http://schemas.microsoft.com/office/powerpoint/2010/main" val="744842571"/>
+                <p14:modId xmlns:p14="http://schemas.microsoft.com/office/powerpoint/2010/main" xmlns="" val="744842571"/>
               </p:ext>
             </p:extLst>
           </p:nvPr>
@@ -7741,7 +7537,7 @@
     </p:spTree>
     <p:extLst>
       <p:ext uri="{BB962C8B-B14F-4D97-AF65-F5344CB8AC3E}">
-        <p14:creationId xmlns:p14="http://schemas.microsoft.com/office/powerpoint/2010/main" val="3046759313"/>
+        <p14:creationId xmlns:p14="http://schemas.microsoft.com/office/powerpoint/2010/main" xmlns="" val="3046759313"/>
       </p:ext>
     </p:extLst>
   </p:cSld>
@@ -7898,7 +7694,7 @@
     </p:spTree>
     <p:extLst>
       <p:ext uri="{BB962C8B-B14F-4D97-AF65-F5344CB8AC3E}">
-        <p14:creationId xmlns:p14="http://schemas.microsoft.com/office/powerpoint/2010/main" val="3364224153"/>
+        <p14:creationId xmlns:p14="http://schemas.microsoft.com/office/powerpoint/2010/main" xmlns="" val="3364224153"/>
       </p:ext>
     </p:extLst>
   </p:cSld>
@@ -8033,7 +7829,7 @@
     </p:spTree>
     <p:extLst>
       <p:ext uri="{BB962C8B-B14F-4D97-AF65-F5344CB8AC3E}">
-        <p14:creationId xmlns:p14="http://schemas.microsoft.com/office/powerpoint/2010/main" val="2516212354"/>
+        <p14:creationId xmlns:p14="http://schemas.microsoft.com/office/powerpoint/2010/main" xmlns="" val="2516212354"/>
       </p:ext>
     </p:extLst>
   </p:cSld>
@@ -8228,7 +8024,7 @@
     </p:spTree>
     <p:extLst>
       <p:ext uri="{BB962C8B-B14F-4D97-AF65-F5344CB8AC3E}">
-        <p14:creationId xmlns:p14="http://schemas.microsoft.com/office/powerpoint/2010/main" val="2295583179"/>
+        <p14:creationId xmlns:p14="http://schemas.microsoft.com/office/powerpoint/2010/main" xmlns="" val="2295583179"/>
       </p:ext>
     </p:extLst>
   </p:cSld>
@@ -8276,30 +8072,10 @@
           <a:lstStyle/>
           <a:p>
             <a:r>
-              <a:rPr lang="en-US" dirty="0" err="1" smtClean="0"/>
-              <a:t>Introduccion</a:t>
-            </a:r>
-            <a:r>
-              <a:rPr lang="en-US" dirty="0" smtClean="0"/>
-              <a:t> (El </a:t>
-            </a:r>
-            <a:r>
-              <a:rPr lang="en-US" dirty="0" err="1" smtClean="0"/>
-              <a:t>problema</a:t>
-            </a:r>
-            <a:r>
-              <a:rPr lang="en-US" dirty="0" smtClean="0"/>
-              <a:t> de </a:t>
-            </a:r>
-            <a:r>
-              <a:rPr lang="en-US" dirty="0" err="1" smtClean="0"/>
-              <a:t>MDVRP</a:t>
-            </a:r>
-            <a:r>
-              <a:rPr lang="en-US" dirty="0" smtClean="0"/>
-              <a:t>)</a:t>
-            </a:r>
-            <a:endParaRPr lang="es-UY" dirty="0"/>
+              <a:rPr lang="es-ES" dirty="0" smtClean="0"/>
+              <a:t>Introducción (Problema MDVRP)</a:t>
+            </a:r>
+            <a:endParaRPr lang="es-ES" dirty="0"/>
           </a:p>
         </p:txBody>
       </p:sp>
@@ -8316,11 +8092,46 @@
         <p:spPr/>
         <p:txBody>
           <a:bodyPr>
-            <a:normAutofit/>
+            <a:normAutofit fontScale="92500" lnSpcReduction="10000"/>
           </a:bodyPr>
           <a:lstStyle/>
           <a:p>
             <a:endParaRPr lang="en-US" dirty="0" smtClean="0"/>
+          </a:p>
+          <a:p>
+            <a:r>
+              <a:rPr lang="es-ES" dirty="0" smtClean="0"/>
+              <a:t>Marco Histórico</a:t>
+            </a:r>
+          </a:p>
+          <a:p>
+            <a:pPr lvl="1"/>
+            <a:r>
+              <a:rPr lang="es-ES" dirty="0" smtClean="0"/>
+              <a:t>TSP</a:t>
+            </a:r>
+          </a:p>
+          <a:p>
+            <a:pPr lvl="1"/>
+            <a:r>
+              <a:rPr lang="es-ES" dirty="0" smtClean="0"/>
+              <a:t>VRP</a:t>
+            </a:r>
+          </a:p>
+          <a:p>
+            <a:pPr lvl="1"/>
+            <a:r>
+              <a:rPr lang="es-ES" dirty="0" smtClean="0"/>
+              <a:t>MDVRP</a:t>
+            </a:r>
+          </a:p>
+          <a:p>
+            <a:pPr lvl="1"/>
+            <a:r>
+              <a:rPr lang="es-ES" dirty="0" smtClean="0"/>
+              <a:t>Complejidad de los problemas NP –Duros.</a:t>
+            </a:r>
+            <a:endParaRPr lang="es-ES" sz="2800" dirty="0" smtClean="0"/>
           </a:p>
           <a:p>
             <a:pPr marL="228600" lvl="1">
@@ -8329,23 +8140,60 @@
               </a:spcBef>
             </a:pPr>
             <a:r>
-              <a:rPr lang="en-US" sz="2800" dirty="0">
-                <a:solidFill>
-                  <a:schemeClr val="accent1">
-                    <a:lumMod val="50000"/>
-                  </a:schemeClr>
-                </a:solidFill>
-              </a:rPr>
-              <a:t>Ale</a:t>
-            </a:r>
-            <a:endParaRPr lang="en-US" sz="2800" dirty="0" smtClean="0"/>
+              <a:rPr lang="es-ES" sz="2800" dirty="0" smtClean="0"/>
+              <a:t>Variantes en los problemas de ruteo de vehículos</a:t>
+            </a:r>
+          </a:p>
+          <a:p>
+            <a:pPr marL="685800" lvl="2">
+              <a:spcBef>
+                <a:spcPts val="1000"/>
+              </a:spcBef>
+            </a:pPr>
+            <a:r>
+              <a:rPr lang="es-ES" dirty="0" smtClean="0"/>
+              <a:t>Ventanas de tiempo</a:t>
+            </a:r>
+          </a:p>
+          <a:p>
+            <a:pPr marL="685800" lvl="2">
+              <a:spcBef>
+                <a:spcPts val="1000"/>
+              </a:spcBef>
+            </a:pPr>
+            <a:r>
+              <a:rPr lang="es-ES" dirty="0" smtClean="0"/>
+              <a:t>Tipos de flota disponible</a:t>
+            </a:r>
+          </a:p>
+          <a:p>
+            <a:pPr marL="685800" lvl="2">
+              <a:spcBef>
+                <a:spcPts val="1000"/>
+              </a:spcBef>
+            </a:pPr>
+            <a:r>
+              <a:rPr lang="es-ES" dirty="0" smtClean="0"/>
+              <a:t>Periodicidad</a:t>
+            </a:r>
+          </a:p>
+          <a:p>
+            <a:pPr marL="685800" lvl="2">
+              <a:spcBef>
+                <a:spcPts val="1000"/>
+              </a:spcBef>
+            </a:pPr>
+            <a:r>
+              <a:rPr lang="es-ES" dirty="0" smtClean="0"/>
+              <a:t>Otras variantes en los problemas de vehículos</a:t>
+            </a:r>
           </a:p>
         </p:txBody>
       </p:sp>
     </p:spTree>
     <p:extLst>
       <p:ext uri="{BB962C8B-B14F-4D97-AF65-F5344CB8AC3E}">
-        <p14:creationId xmlns:p14="http://schemas.microsoft.com/office/powerpoint/2010/main" val="3809995992"/>
+        <p14:creationId xmlns:p14="http://schemas.microsoft.com/office/powerpoint/2010/main" xmlns="" val="3809995992"/>
       </p:ext>
     </p:extLst>
   </p:cSld>
@@ -8393,28 +8241,8 @@
           <a:lstStyle/>
           <a:p>
             <a:r>
-              <a:rPr lang="en-US" dirty="0" err="1" smtClean="0"/>
-              <a:t>Introduccion</a:t>
-            </a:r>
-            <a:r>
-              <a:rPr lang="en-US" dirty="0" smtClean="0"/>
-              <a:t> (El </a:t>
-            </a:r>
-            <a:r>
-              <a:rPr lang="en-US" dirty="0" err="1" smtClean="0"/>
-              <a:t>problema</a:t>
-            </a:r>
-            <a:r>
-              <a:rPr lang="en-US" dirty="0" smtClean="0"/>
-              <a:t> de </a:t>
-            </a:r>
-            <a:r>
-              <a:rPr lang="en-US" dirty="0" err="1" smtClean="0"/>
-              <a:t>MDVRP</a:t>
-            </a:r>
-            <a:r>
-              <a:rPr lang="en-US" dirty="0" smtClean="0"/>
-              <a:t>)</a:t>
+              <a:rPr lang="es-ES" dirty="0" smtClean="0"/>
+              <a:t>Introducción (Problema MDVRP)</a:t>
             </a:r>
             <a:endParaRPr lang="es-UY" dirty="0"/>
           </a:p>
@@ -8451,48 +8279,284 @@
       </p:sp>
       <p:sp>
         <p:nvSpPr>
-          <p:cNvPr id="4" name="3 Rectángulo"/>
-          <p:cNvSpPr/>
+          <p:cNvPr id="5" name="Content Placeholder 2"/>
+          <p:cNvSpPr txBox="1">
+            <a:spLocks/>
+          </p:cNvSpPr>
           <p:nvPr/>
         </p:nvSpPr>
         <p:spPr>
           <a:xfrm>
-            <a:off x="5654212" y="3167390"/>
-            <a:ext cx="883575" cy="523220"/>
+            <a:off x="990600" y="1978025"/>
+            <a:ext cx="10515600" cy="4351338"/>
           </a:xfrm>
           <a:prstGeom prst="rect">
             <a:avLst/>
           </a:prstGeom>
         </p:spPr>
         <p:txBody>
-          <a:bodyPr wrap="none">
-            <a:spAutoFit/>
+          <a:bodyPr vert="horz" lIns="91440" tIns="45720" rIns="91440" bIns="45720" rtlCol="0">
+            <a:normAutofit fontScale="85000" lnSpcReduction="20000"/>
           </a:bodyPr>
           <a:lstStyle/>
           <a:p>
-            <a:pPr marL="228600" lvl="1">
+            <a:pPr marL="228600" marR="0" lvl="0" indent="-228600" algn="l" defTabSz="914400" rtl="0" eaLnBrk="1" fontAlgn="auto" latinLnBrk="0" hangingPunct="1">
+              <a:lnSpc>
+                <a:spcPct val="90000"/>
+              </a:lnSpc>
               <a:spcBef>
                 <a:spcPts val="1000"/>
               </a:spcBef>
+              <a:spcAft>
+                <a:spcPts val="0"/>
+              </a:spcAft>
+              <a:buClrTx/>
+              <a:buSzTx/>
+              <a:buFont typeface="Arial" panose="020B0604020202020204" pitchFamily="34" charset="0"/>
+              <a:buChar char="•"/>
+              <a:tabLst/>
+              <a:defRPr/>
             </a:pPr>
-            <a:r>
-              <a:rPr lang="en-US" sz="2800" dirty="0">
-                <a:solidFill>
-                  <a:schemeClr val="accent1">
-                    <a:lumMod val="50000"/>
-                  </a:schemeClr>
-                </a:solidFill>
-              </a:rPr>
-              <a:t>Ale</a:t>
-            </a:r>
-            <a:endParaRPr lang="en-US" sz="2800" dirty="0"/>
+            <a:endParaRPr kumimoji="0" lang="en-US" sz="2800" b="0" i="0" u="none" strike="noStrike" kern="1200" cap="none" spc="0" normalizeH="0" baseline="0" noProof="0" dirty="0" smtClean="0">
+              <a:ln>
+                <a:noFill/>
+              </a:ln>
+              <a:solidFill>
+                <a:schemeClr val="tx1"/>
+              </a:solidFill>
+              <a:effectLst/>
+              <a:uLnTx/>
+              <a:uFillTx/>
+              <a:latin typeface="+mn-lt"/>
+              <a:ea typeface="+mn-ea"/>
+              <a:cs typeface="+mn-cs"/>
+            </a:endParaRPr>
+          </a:p>
+          <a:p>
+            <a:pPr marL="228600" lvl="1" indent="-228600">
+              <a:lnSpc>
+                <a:spcPct val="90000"/>
+              </a:lnSpc>
+              <a:spcBef>
+                <a:spcPts val="1000"/>
+              </a:spcBef>
+              <a:buFont typeface="Arial" panose="020B0604020202020204" pitchFamily="34" charset="0"/>
+              <a:buChar char="•"/>
+            </a:pPr>
+            <a:r>
+              <a:rPr lang="es-ES" sz="2800" dirty="0" smtClean="0"/>
+              <a:t>Revisión de publicaciones</a:t>
+            </a:r>
+          </a:p>
+          <a:p>
+            <a:pPr marL="228600" lvl="1" indent="-228600">
+              <a:lnSpc>
+                <a:spcPct val="90000"/>
+              </a:lnSpc>
+              <a:spcBef>
+                <a:spcPts val="1000"/>
+              </a:spcBef>
+              <a:buFont typeface="Arial" panose="020B0604020202020204" pitchFamily="34" charset="0"/>
+              <a:buChar char="•"/>
+            </a:pPr>
+            <a:r>
+              <a:rPr lang="es-ES" sz="2800" dirty="0" smtClean="0"/>
+              <a:t>Métodos de Solución</a:t>
+            </a:r>
+          </a:p>
+          <a:p>
+            <a:pPr marL="685800" lvl="2" indent="-228600">
+              <a:lnSpc>
+                <a:spcPct val="90000"/>
+              </a:lnSpc>
+              <a:spcBef>
+                <a:spcPts val="1000"/>
+              </a:spcBef>
+              <a:buFont typeface="Arial" panose="020B0604020202020204" pitchFamily="34" charset="0"/>
+              <a:buChar char="•"/>
+            </a:pPr>
+            <a:r>
+              <a:rPr lang="es-ES" sz="2800" dirty="0" smtClean="0"/>
+              <a:t>Métodos Exactos</a:t>
+            </a:r>
+          </a:p>
+          <a:p>
+            <a:pPr marL="685800" lvl="2" indent="-228600">
+              <a:lnSpc>
+                <a:spcPct val="90000"/>
+              </a:lnSpc>
+              <a:spcBef>
+                <a:spcPts val="1000"/>
+              </a:spcBef>
+              <a:buFont typeface="Arial" panose="020B0604020202020204" pitchFamily="34" charset="0"/>
+              <a:buChar char="•"/>
+            </a:pPr>
+            <a:r>
+              <a:rPr lang="es-ES" sz="2800" dirty="0" smtClean="0"/>
+              <a:t>Métodos Heurísticos</a:t>
+            </a:r>
+          </a:p>
+          <a:p>
+            <a:pPr marL="685800" lvl="2" indent="-228600">
+              <a:lnSpc>
+                <a:spcPct val="90000"/>
+              </a:lnSpc>
+              <a:spcBef>
+                <a:spcPts val="1000"/>
+              </a:spcBef>
+              <a:buFont typeface="Arial" panose="020B0604020202020204" pitchFamily="34" charset="0"/>
+              <a:buChar char="•"/>
+            </a:pPr>
+            <a:r>
+              <a:rPr lang="es-ES" sz="2800" dirty="0" smtClean="0"/>
+              <a:t>Heurísticas para VRP</a:t>
+            </a:r>
+          </a:p>
+          <a:p>
+            <a:pPr marL="685800" lvl="2" indent="-228600">
+              <a:lnSpc>
+                <a:spcPct val="90000"/>
+              </a:lnSpc>
+              <a:spcBef>
+                <a:spcPts val="1000"/>
+              </a:spcBef>
+              <a:buFont typeface="Arial" panose="020B0604020202020204" pitchFamily="34" charset="0"/>
+              <a:buChar char="•"/>
+            </a:pPr>
+            <a:r>
+              <a:rPr lang="es-ES" sz="2800" dirty="0" smtClean="0"/>
+              <a:t>Heurísticas para MDVRP</a:t>
+            </a:r>
+          </a:p>
+          <a:p>
+            <a:pPr marL="685800" lvl="2" indent="-228600">
+              <a:lnSpc>
+                <a:spcPct val="90000"/>
+              </a:lnSpc>
+              <a:spcBef>
+                <a:spcPts val="1000"/>
+              </a:spcBef>
+              <a:buFont typeface="Arial" panose="020B0604020202020204" pitchFamily="34" charset="0"/>
+              <a:buChar char="•"/>
+            </a:pPr>
+            <a:r>
+              <a:rPr lang="es-ES" sz="2800" dirty="0" smtClean="0"/>
+              <a:t>Heurísticas para MDVRP</a:t>
+            </a:r>
+          </a:p>
+          <a:p>
+            <a:pPr marL="685800" lvl="2" indent="-228600">
+              <a:lnSpc>
+                <a:spcPct val="90000"/>
+              </a:lnSpc>
+              <a:spcBef>
+                <a:spcPts val="1000"/>
+              </a:spcBef>
+              <a:buFont typeface="Arial" panose="020B0604020202020204" pitchFamily="34" charset="0"/>
+              <a:buChar char="•"/>
+            </a:pPr>
+            <a:r>
+              <a:rPr lang="es-ES" sz="2800" dirty="0" smtClean="0"/>
+              <a:t>Meta-Heurísticas para VRP</a:t>
+            </a:r>
+          </a:p>
+          <a:p>
+            <a:pPr marL="685800" lvl="2" indent="-228600">
+              <a:lnSpc>
+                <a:spcPct val="90000"/>
+              </a:lnSpc>
+              <a:spcBef>
+                <a:spcPts val="1000"/>
+              </a:spcBef>
+              <a:buFont typeface="Arial" panose="020B0604020202020204" pitchFamily="34" charset="0"/>
+              <a:buChar char="•"/>
+            </a:pPr>
+            <a:r>
+              <a:rPr lang="es-ES" sz="2800" dirty="0" smtClean="0"/>
+              <a:t>Meta-Heurísticas para MDVRP</a:t>
+            </a:r>
+          </a:p>
+          <a:p>
+            <a:pPr marL="228600" lvl="1" indent="-228600">
+              <a:lnSpc>
+                <a:spcPct val="90000"/>
+              </a:lnSpc>
+              <a:spcBef>
+                <a:spcPts val="1000"/>
+              </a:spcBef>
+              <a:buFont typeface="Arial" panose="020B0604020202020204" pitchFamily="34" charset="0"/>
+              <a:buChar char="•"/>
+            </a:pPr>
+            <a:r>
+              <a:rPr lang="es-ES" sz="2800" dirty="0" smtClean="0"/>
+              <a:t>Post Optimización y mejoras</a:t>
+            </a:r>
+          </a:p>
+          <a:p>
+            <a:pPr marL="685800" lvl="2" indent="-228600">
+              <a:lnSpc>
+                <a:spcPct val="90000"/>
+              </a:lnSpc>
+              <a:spcBef>
+                <a:spcPts val="1000"/>
+              </a:spcBef>
+              <a:buFont typeface="Arial" panose="020B0604020202020204" pitchFamily="34" charset="0"/>
+              <a:buChar char="•"/>
+            </a:pPr>
+            <a:endParaRPr lang="es-ES" sz="2800" dirty="0" smtClean="0"/>
+          </a:p>
+          <a:p>
+            <a:pPr marL="685800" lvl="2" indent="-228600">
+              <a:lnSpc>
+                <a:spcPct val="90000"/>
+              </a:lnSpc>
+              <a:spcBef>
+                <a:spcPts val="1000"/>
+              </a:spcBef>
+              <a:buFont typeface="Arial" panose="020B0604020202020204" pitchFamily="34" charset="0"/>
+              <a:buChar char="•"/>
+            </a:pPr>
+            <a:endParaRPr lang="es-ES" sz="2800" dirty="0" smtClean="0"/>
+          </a:p>
+          <a:p>
+            <a:pPr marL="228600" marR="0" lvl="1" indent="-228600" algn="l" defTabSz="914400" rtl="0" eaLnBrk="1" fontAlgn="auto" latinLnBrk="0" hangingPunct="1">
+              <a:lnSpc>
+                <a:spcPct val="90000"/>
+              </a:lnSpc>
+              <a:spcBef>
+                <a:spcPts val="1000"/>
+              </a:spcBef>
+              <a:spcAft>
+                <a:spcPts val="0"/>
+              </a:spcAft>
+              <a:buClrTx/>
+              <a:buSzTx/>
+              <a:buFont typeface="Arial" panose="020B0604020202020204" pitchFamily="34" charset="0"/>
+              <a:buChar char="•"/>
+              <a:tabLst/>
+              <a:defRPr/>
+            </a:pPr>
+            <a:endParaRPr kumimoji="0" lang="en-US" sz="2800" b="0" i="0" u="none" strike="noStrike" kern="1200" cap="none" spc="0" normalizeH="0" baseline="0" noProof="0" dirty="0" smtClean="0">
+              <a:ln>
+                <a:noFill/>
+              </a:ln>
+              <a:solidFill>
+                <a:schemeClr val="tx1"/>
+              </a:solidFill>
+              <a:effectLst/>
+              <a:uLnTx/>
+              <a:uFillTx/>
+              <a:latin typeface="+mn-lt"/>
+              <a:ea typeface="+mn-ea"/>
+              <a:cs typeface="+mn-cs"/>
+            </a:endParaRPr>
           </a:p>
         </p:txBody>
       </p:sp>
     </p:spTree>
     <p:extLst>
       <p:ext uri="{BB962C8B-B14F-4D97-AF65-F5344CB8AC3E}">
-        <p14:creationId xmlns:p14="http://schemas.microsoft.com/office/powerpoint/2010/main" val="3030859268"/>
+        <p14:creationId xmlns:p14="http://schemas.microsoft.com/office/powerpoint/2010/main" xmlns="" val="3030859268"/>
       </p:ext>
     </p:extLst>
   </p:cSld>
@@ -8771,7 +8835,7 @@
     </p:spTree>
     <p:extLst>
       <p:ext uri="{BB962C8B-B14F-4D97-AF65-F5344CB8AC3E}">
-        <p14:creationId xmlns:p14="http://schemas.microsoft.com/office/powerpoint/2010/main" val="3204008851"/>
+        <p14:creationId xmlns:p14="http://schemas.microsoft.com/office/powerpoint/2010/main" xmlns="" val="3204008851"/>
       </p:ext>
     </p:extLst>
   </p:cSld>
@@ -8953,7 +9017,7 @@
           <p:nvPr/>
         </p:nvPicPr>
         <p:blipFill>
-          <a:blip r:embed="rId2"/>
+          <a:blip r:embed="rId2" cstate="print"/>
           <a:stretch>
             <a:fillRect/>
           </a:stretch>
@@ -8971,7 +9035,7 @@
     </p:spTree>
     <p:extLst>
       <p:ext uri="{BB962C8B-B14F-4D97-AF65-F5344CB8AC3E}">
-        <p14:creationId xmlns:p14="http://schemas.microsoft.com/office/powerpoint/2010/main" val="4281177176"/>
+        <p14:creationId xmlns:p14="http://schemas.microsoft.com/office/powerpoint/2010/main" xmlns="" val="4281177176"/>
       </p:ext>
     </p:extLst>
   </p:cSld>
@@ -9177,7 +9241,7 @@
     </p:spTree>
     <p:extLst>
       <p:ext uri="{BB962C8B-B14F-4D97-AF65-F5344CB8AC3E}">
-        <p14:creationId xmlns:p14="http://schemas.microsoft.com/office/powerpoint/2010/main" val="3043282378"/>
+        <p14:creationId xmlns:p14="http://schemas.microsoft.com/office/powerpoint/2010/main" xmlns="" val="3043282378"/>
       </p:ext>
     </p:extLst>
   </p:cSld>
@@ -9236,8 +9300,8 @@
           </a:p>
         </p:txBody>
       </p:sp>
-      <mc:AlternateContent xmlns:mc="http://schemas.openxmlformats.org/markup-compatibility/2006" xmlns:a14="http://schemas.microsoft.com/office/drawing/2010/main">
-        <mc:Choice Requires="a14">
+      <mc:AlternateContent xmlns:mc="http://schemas.openxmlformats.org/markup-compatibility/2006">
+        <mc:Choice xmlns:a14="http://schemas.microsoft.com/office/drawing/2010/main" xmlns="" Requires="a14">
           <p:sp>
             <p:nvSpPr>
               <p:cNvPr id="3" name="Content Placeholder 2"/>
@@ -9745,7 +9809,7 @@
             </p:txBody>
           </p:sp>
         </mc:Choice>
-        <mc:Fallback xmlns="">
+        <mc:Fallback>
           <p:sp>
             <p:nvSpPr>
               <p:cNvPr id="3" name="Content Placeholder 2"/>
@@ -9762,7 +9826,7 @@
                 <a:ext cx="10515600" cy="4811802"/>
               </a:xfrm>
               <a:blipFill rotWithShape="1">
-                <a:blip r:embed="rId2"/>
+                <a:blip r:embed="rId2" cstate="print"/>
                 <a:stretch>
                   <a:fillRect l="-1043" t="-2028"/>
                 </a:stretch>
@@ -9786,7 +9850,7 @@
     </p:spTree>
     <p:extLst>
       <p:ext uri="{BB962C8B-B14F-4D97-AF65-F5344CB8AC3E}">
-        <p14:creationId xmlns:p14="http://schemas.microsoft.com/office/powerpoint/2010/main" val="1412467103"/>
+        <p14:creationId xmlns:p14="http://schemas.microsoft.com/office/powerpoint/2010/main" xmlns="" val="1412467103"/>
       </p:ext>
     </p:extLst>
   </p:cSld>
@@ -9829,50 +9893,10 @@
           <a:lstStyle/>
           <a:p>
             <a:r>
-              <a:rPr lang="en-US" dirty="0" err="1" smtClean="0"/>
-              <a:t>MDVRP</a:t>
-            </a:r>
-            <a:r>
-              <a:rPr lang="en-US" dirty="0" smtClean="0"/>
-              <a:t>- </a:t>
-            </a:r>
-            <a:r>
-              <a:rPr lang="en-US" dirty="0" err="1" smtClean="0"/>
-              <a:t>Solucion</a:t>
-            </a:r>
-            <a:r>
-              <a:rPr lang="en-US" dirty="0" smtClean="0"/>
-              <a:t>, </a:t>
-            </a:r>
-            <a:r>
-              <a:rPr lang="en-US" dirty="0" err="1" smtClean="0"/>
-              <a:t>Disenios</a:t>
-            </a:r>
-            <a:r>
-              <a:rPr lang="en-US" dirty="0" smtClean="0"/>
-              <a:t> y </a:t>
-            </a:r>
-            <a:r>
-              <a:rPr lang="en-US" dirty="0" err="1" smtClean="0"/>
-              <a:t>algoritmos</a:t>
-            </a:r>
-            <a:r>
-              <a:rPr lang="en-US" dirty="0" smtClean="0"/>
-              <a:t> </a:t>
-            </a:r>
-            <a:r>
-              <a:rPr lang="en-US" dirty="0" err="1" smtClean="0"/>
-              <a:t>Mejora</a:t>
-            </a:r>
-            <a:r>
-              <a:rPr lang="en-US" dirty="0" smtClean="0"/>
-              <a:t> de </a:t>
-            </a:r>
-            <a:r>
-              <a:rPr lang="en-US" dirty="0" err="1" smtClean="0"/>
-              <a:t>Asignacion</a:t>
-            </a:r>
-            <a:endParaRPr lang="es-UY" dirty="0"/>
+              <a:rPr lang="es-ES" dirty="0" smtClean="0"/>
+              <a:t>MDVRP- Solución, Diseños y algoritmos Mejora de Asignación</a:t>
+            </a:r>
+            <a:endParaRPr lang="es-ES" dirty="0"/>
           </a:p>
         </p:txBody>
       </p:sp>
@@ -9893,7 +9917,9 @@
           </a:xfrm>
         </p:spPr>
         <p:txBody>
-          <a:bodyPr/>
+          <a:bodyPr>
+            <a:normAutofit/>
+          </a:bodyPr>
           <a:lstStyle/>
           <a:p>
             <a:pPr lvl="0"/>
@@ -9903,73 +9929,68 @@
             </a:r>
           </a:p>
           <a:p>
+            <a:pPr lvl="0"/>
+            <a:endParaRPr lang="es-UY" dirty="0" smtClean="0"/>
+          </a:p>
+          <a:p>
             <a:pPr lvl="1"/>
             <a:r>
               <a:rPr lang="es-UY" dirty="0" smtClean="0"/>
-              <a:t>Algoritmo Enajenado Rápido (</a:t>
-            </a:r>
-            <a:r>
-              <a:rPr lang="es-UY" dirty="0" err="1" smtClean="0"/>
-              <a:t>AER</a:t>
-            </a:r>
+              <a:t>Algoritmo Enajenado Rápido (AER)</a:t>
+            </a:r>
+          </a:p>
+          <a:p>
+            <a:pPr lvl="1" algn="just">
+              <a:buNone/>
+            </a:pPr>
+            <a:r>
+              <a:rPr lang="es-ES" dirty="0" smtClean="0"/>
+              <a:t>	</a:t>
+            </a:r>
+            <a:r>
+              <a:rPr lang="es-ES" sz="2000" dirty="0" smtClean="0"/>
+              <a:t>Como una mejora del algoritmo de urgencia con capacidades se planteó el algoritmo AER. El mismo, inicialmente corre el algoritmo de urgencias con capacidades para luego cambiar los clientes donde sus dos vecinos más cercanos pertenecen a otro depósito.</a:t>
+            </a:r>
+          </a:p>
+          <a:p>
+            <a:pPr lvl="1"/>
             <a:r>
               <a:rPr lang="es-UY" dirty="0" smtClean="0"/>
-              <a:t>)</a:t>
-            </a:r>
-          </a:p>
-          <a:p>
-            <a:pPr lvl="1"/>
-            <a:r>
-              <a:rPr lang="es-UY" dirty="0" smtClean="0"/>
-              <a:t>Algoritmo Enajenado Lento (</a:t>
-            </a:r>
-            <a:r>
-              <a:rPr lang="es-UY" dirty="0" err="1" smtClean="0"/>
-              <a:t>AEL</a:t>
-            </a:r>
-            <a:r>
-              <a:rPr lang="es-UY" dirty="0" smtClean="0"/>
-              <a:t>)</a:t>
-            </a:r>
-            <a:endParaRPr lang="en-US" dirty="0" smtClean="0"/>
-          </a:p>
-          <a:p>
-            <a:r>
-              <a:rPr lang="en-US" dirty="0" smtClean="0"/>
-              <a:t>…</a:t>
-            </a:r>
-          </a:p>
-          <a:p>
-            <a:r>
-              <a:rPr lang="en-US" dirty="0" smtClean="0"/>
-              <a:t>…</a:t>
-            </a:r>
-          </a:p>
-          <a:p>
-            <a:r>
-              <a:rPr lang="en-US" dirty="0" smtClean="0"/>
-              <a:t>…</a:t>
-            </a:r>
-            <a:r>
-              <a:rPr lang="en-US" dirty="0" smtClean="0">
-                <a:solidFill>
-                  <a:schemeClr val="accent1">
-                    <a:lumMod val="50000"/>
-                  </a:schemeClr>
-                </a:solidFill>
-              </a:rPr>
-              <a:t>Ale</a:t>
-            </a:r>
-          </a:p>
-          <a:p>
-            <a:endParaRPr lang="es-UY" dirty="0"/>
+              <a:t>Algoritmo Enajenado Lento (AEL)</a:t>
+            </a:r>
+          </a:p>
+          <a:p>
+            <a:pPr lvl="1" algn="just">
+              <a:buNone/>
+            </a:pPr>
+            <a:r>
+              <a:rPr lang="es-ES" sz="2000" dirty="0" smtClean="0"/>
+              <a:t>	A partir de una solución inicial (Fase 1), busca mejoras en la asignación de clientes a depósitos. En comparación al algoritmo Fase 2 -Rápido (AER), este algoritmo en cada iteración realiza un cálculo del costo de las rutas aplicando C&amp;W para saber si se logró una mejora en la asignación de clientes a depósitos</a:t>
+            </a:r>
+            <a:endParaRPr lang="en-US" sz="2000" dirty="0" smtClean="0"/>
+          </a:p>
+          <a:p>
+            <a:pPr lvl="1">
+              <a:buNone/>
+            </a:pPr>
+            <a:r>
+              <a:rPr lang="es-ES" sz="2000" dirty="0" smtClean="0"/>
+              <a:t> </a:t>
+            </a:r>
+            <a:endParaRPr lang="es-ES" dirty="0" smtClean="0"/>
+          </a:p>
+          <a:p>
+            <a:pPr lvl="1">
+              <a:buNone/>
+            </a:pPr>
+            <a:endParaRPr lang="es-UY" dirty="0" smtClean="0"/>
           </a:p>
         </p:txBody>
       </p:sp>
     </p:spTree>
     <p:extLst>
       <p:ext uri="{BB962C8B-B14F-4D97-AF65-F5344CB8AC3E}">
-        <p14:creationId xmlns:p14="http://schemas.microsoft.com/office/powerpoint/2010/main" val="2766999817"/>
+        <p14:creationId xmlns:p14="http://schemas.microsoft.com/office/powerpoint/2010/main" xmlns="" val="2766999817"/>
       </p:ext>
     </p:extLst>
   </p:cSld>
@@ -10022,7 +10043,7 @@
     </a:clrScheme>
     <a:fontScheme name="Office">
       <a:majorFont>
-        <a:latin typeface="Calibri Light" panose="020F0302020204030204"/>
+        <a:latin typeface="Calibri Light"/>
         <a:ea typeface=""/>
         <a:cs typeface=""/>
         <a:font script="Jpan" typeface="ＭＳ Ｐゴシック"/>
@@ -10057,7 +10078,7 @@
         <a:font script="Geor" typeface="Sylfaen"/>
       </a:majorFont>
       <a:minorFont>
-        <a:latin typeface="Calibri" panose="020F0502020204030204"/>
+        <a:latin typeface="Calibri"/>
         <a:ea typeface=""/>
         <a:cs typeface=""/>
         <a:font script="Jpan" typeface="ＭＳ Ｐゴシック"/>
@@ -10234,7 +10255,7 @@
   <a:extraClrSchemeLst/>
   <a:extLst>
     <a:ext uri="{05A4C25C-085E-4340-85A3-A5531E510DB2}">
-      <thm15:themeFamily xmlns:thm15="http://schemas.microsoft.com/office/thememl/2012/main" name="Office Theme" id="{62F939B6-93AF-4DB8-9C6B-D6C7DFDC589F}" vid="{4A3C46E8-61CC-4603-A589-7422A47A8E4A}"/>
+      <thm15:themeFamily xmlns:thm15="http://schemas.microsoft.com/office/thememl/2012/main" xmlns="" name="Office Theme" id="{62F939B6-93AF-4DB8-9C6B-D6C7DFDC589F}" vid="{4A3C46E8-61CC-4603-A589-7422A47A8E4A}"/>
     </a:ext>
   </a:extLst>
 </a:theme>

--- a/Version/Documentación/MDVRP.pptx
+++ b/Version/Documentación/MDVRP.pptx
@@ -128,7 +128,7 @@
   </p:defaultTextStyle>
   <p:extLst>
     <p:ext uri="{EFAFB233-063F-42B5-8137-9DF3F51BA10A}">
-      <p15:sldGuideLst xmlns:p15="http://schemas.microsoft.com/office/powerpoint/2012/main" xmlns="">
+      <p15:sldGuideLst xmlns="" xmlns:p15="http://schemas.microsoft.com/office/powerpoint/2012/main">
         <p15:guide id="1" orient="horz" pos="2160">
           <p15:clr>
             <a:srgbClr val="A4A3A4"/>
@@ -279,7 +279,7 @@
               <a:pPr/>
               <a:t>11/12/2015</a:t>
             </a:fld>
-            <a:endParaRPr lang="es-UY"/>
+            <a:endParaRPr lang="es-UY" dirty="0"/>
           </a:p>
         </p:txBody>
       </p:sp>
@@ -298,7 +298,7 @@
           <a:bodyPr/>
           <a:lstStyle/>
           <a:p>
-            <a:endParaRPr lang="es-UY"/>
+            <a:endParaRPr lang="es-UY" dirty="0"/>
           </a:p>
         </p:txBody>
       </p:sp>
@@ -322,14 +322,14 @@
               <a:pPr/>
               <a:t>‹Nº›</a:t>
             </a:fld>
-            <a:endParaRPr lang="es-UY"/>
+            <a:endParaRPr lang="es-UY" dirty="0"/>
           </a:p>
         </p:txBody>
       </p:sp>
     </p:spTree>
     <p:extLst>
       <p:ext uri="{BB962C8B-B14F-4D97-AF65-F5344CB8AC3E}">
-        <p14:creationId xmlns:p14="http://schemas.microsoft.com/office/powerpoint/2010/main" xmlns="" val="1800324636"/>
+        <p14:creationId xmlns:p14="http://schemas.microsoft.com/office/powerpoint/2010/main" val="1800324636"/>
       </p:ext>
     </p:extLst>
   </p:cSld>
@@ -451,7 +451,7 @@
               <a:pPr/>
               <a:t>11/12/2015</a:t>
             </a:fld>
-            <a:endParaRPr lang="es-UY"/>
+            <a:endParaRPr lang="es-UY" dirty="0"/>
           </a:p>
         </p:txBody>
       </p:sp>
@@ -470,7 +470,7 @@
           <a:bodyPr/>
           <a:lstStyle/>
           <a:p>
-            <a:endParaRPr lang="es-UY"/>
+            <a:endParaRPr lang="es-UY" dirty="0"/>
           </a:p>
         </p:txBody>
       </p:sp>
@@ -494,14 +494,14 @@
               <a:pPr/>
               <a:t>‹Nº›</a:t>
             </a:fld>
-            <a:endParaRPr lang="es-UY"/>
+            <a:endParaRPr lang="es-UY" dirty="0"/>
           </a:p>
         </p:txBody>
       </p:sp>
     </p:spTree>
     <p:extLst>
       <p:ext uri="{BB962C8B-B14F-4D97-AF65-F5344CB8AC3E}">
-        <p14:creationId xmlns:p14="http://schemas.microsoft.com/office/powerpoint/2010/main" xmlns="" val="1940323932"/>
+        <p14:creationId xmlns:p14="http://schemas.microsoft.com/office/powerpoint/2010/main" val="1940323932"/>
       </p:ext>
     </p:extLst>
   </p:cSld>
@@ -633,7 +633,7 @@
               <a:pPr/>
               <a:t>11/12/2015</a:t>
             </a:fld>
-            <a:endParaRPr lang="es-UY"/>
+            <a:endParaRPr lang="es-UY" dirty="0"/>
           </a:p>
         </p:txBody>
       </p:sp>
@@ -652,7 +652,7 @@
           <a:bodyPr/>
           <a:lstStyle/>
           <a:p>
-            <a:endParaRPr lang="es-UY"/>
+            <a:endParaRPr lang="es-UY" dirty="0"/>
           </a:p>
         </p:txBody>
       </p:sp>
@@ -676,14 +676,14 @@
               <a:pPr/>
               <a:t>‹Nº›</a:t>
             </a:fld>
-            <a:endParaRPr lang="es-UY"/>
+            <a:endParaRPr lang="es-UY" dirty="0"/>
           </a:p>
         </p:txBody>
       </p:sp>
     </p:spTree>
     <p:extLst>
       <p:ext uri="{BB962C8B-B14F-4D97-AF65-F5344CB8AC3E}">
-        <p14:creationId xmlns:p14="http://schemas.microsoft.com/office/powerpoint/2010/main" xmlns="" val="1548632625"/>
+        <p14:creationId xmlns:p14="http://schemas.microsoft.com/office/powerpoint/2010/main" val="1548632625"/>
       </p:ext>
     </p:extLst>
   </p:cSld>
@@ -805,7 +805,7 @@
               <a:pPr/>
               <a:t>11/12/2015</a:t>
             </a:fld>
-            <a:endParaRPr lang="es-UY"/>
+            <a:endParaRPr lang="es-UY" dirty="0"/>
           </a:p>
         </p:txBody>
       </p:sp>
@@ -824,7 +824,7 @@
           <a:bodyPr/>
           <a:lstStyle/>
           <a:p>
-            <a:endParaRPr lang="es-UY"/>
+            <a:endParaRPr lang="es-UY" dirty="0"/>
           </a:p>
         </p:txBody>
       </p:sp>
@@ -848,14 +848,14 @@
               <a:pPr/>
               <a:t>‹Nº›</a:t>
             </a:fld>
-            <a:endParaRPr lang="es-UY"/>
+            <a:endParaRPr lang="es-UY" dirty="0"/>
           </a:p>
         </p:txBody>
       </p:sp>
     </p:spTree>
     <p:extLst>
       <p:ext uri="{BB962C8B-B14F-4D97-AF65-F5344CB8AC3E}">
-        <p14:creationId xmlns:p14="http://schemas.microsoft.com/office/powerpoint/2010/main" xmlns="" val="2145894211"/>
+        <p14:creationId xmlns:p14="http://schemas.microsoft.com/office/powerpoint/2010/main" val="2145894211"/>
       </p:ext>
     </p:extLst>
   </p:cSld>
@@ -1053,7 +1053,7 @@
               <a:pPr/>
               <a:t>11/12/2015</a:t>
             </a:fld>
-            <a:endParaRPr lang="es-UY"/>
+            <a:endParaRPr lang="es-UY" dirty="0"/>
           </a:p>
         </p:txBody>
       </p:sp>
@@ -1072,7 +1072,7 @@
           <a:bodyPr/>
           <a:lstStyle/>
           <a:p>
-            <a:endParaRPr lang="es-UY"/>
+            <a:endParaRPr lang="es-UY" dirty="0"/>
           </a:p>
         </p:txBody>
       </p:sp>
@@ -1096,14 +1096,14 @@
               <a:pPr/>
               <a:t>‹Nº›</a:t>
             </a:fld>
-            <a:endParaRPr lang="es-UY"/>
+            <a:endParaRPr lang="es-UY" dirty="0"/>
           </a:p>
         </p:txBody>
       </p:sp>
     </p:spTree>
     <p:extLst>
       <p:ext uri="{BB962C8B-B14F-4D97-AF65-F5344CB8AC3E}">
-        <p14:creationId xmlns:p14="http://schemas.microsoft.com/office/powerpoint/2010/main" xmlns="" val="1855487141"/>
+        <p14:creationId xmlns:p14="http://schemas.microsoft.com/office/powerpoint/2010/main" val="1855487141"/>
       </p:ext>
     </p:extLst>
   </p:cSld>
@@ -1287,7 +1287,7 @@
               <a:pPr/>
               <a:t>11/12/2015</a:t>
             </a:fld>
-            <a:endParaRPr lang="es-UY"/>
+            <a:endParaRPr lang="es-UY" dirty="0"/>
           </a:p>
         </p:txBody>
       </p:sp>
@@ -1306,7 +1306,7 @@
           <a:bodyPr/>
           <a:lstStyle/>
           <a:p>
-            <a:endParaRPr lang="es-UY"/>
+            <a:endParaRPr lang="es-UY" dirty="0"/>
           </a:p>
         </p:txBody>
       </p:sp>
@@ -1330,14 +1330,14 @@
               <a:pPr/>
               <a:t>‹Nº›</a:t>
             </a:fld>
-            <a:endParaRPr lang="es-UY"/>
+            <a:endParaRPr lang="es-UY" dirty="0"/>
           </a:p>
         </p:txBody>
       </p:sp>
     </p:spTree>
     <p:extLst>
       <p:ext uri="{BB962C8B-B14F-4D97-AF65-F5344CB8AC3E}">
-        <p14:creationId xmlns:p14="http://schemas.microsoft.com/office/powerpoint/2010/main" xmlns="" val="342578913"/>
+        <p14:creationId xmlns:p14="http://schemas.microsoft.com/office/powerpoint/2010/main" val="342578913"/>
       </p:ext>
     </p:extLst>
   </p:cSld>
@@ -1656,7 +1656,7 @@
               <a:pPr/>
               <a:t>11/12/2015</a:t>
             </a:fld>
-            <a:endParaRPr lang="es-UY"/>
+            <a:endParaRPr lang="es-UY" dirty="0"/>
           </a:p>
         </p:txBody>
       </p:sp>
@@ -1675,7 +1675,7 @@
           <a:bodyPr/>
           <a:lstStyle/>
           <a:p>
-            <a:endParaRPr lang="es-UY"/>
+            <a:endParaRPr lang="es-UY" dirty="0"/>
           </a:p>
         </p:txBody>
       </p:sp>
@@ -1699,14 +1699,14 @@
               <a:pPr/>
               <a:t>‹Nº›</a:t>
             </a:fld>
-            <a:endParaRPr lang="es-UY"/>
+            <a:endParaRPr lang="es-UY" dirty="0"/>
           </a:p>
         </p:txBody>
       </p:sp>
     </p:spTree>
     <p:extLst>
       <p:ext uri="{BB962C8B-B14F-4D97-AF65-F5344CB8AC3E}">
-        <p14:creationId xmlns:p14="http://schemas.microsoft.com/office/powerpoint/2010/main" xmlns="" val="1368018162"/>
+        <p14:creationId xmlns:p14="http://schemas.microsoft.com/office/powerpoint/2010/main" val="1368018162"/>
       </p:ext>
     </p:extLst>
   </p:cSld>
@@ -1776,7 +1776,7 @@
               <a:pPr/>
               <a:t>11/12/2015</a:t>
             </a:fld>
-            <a:endParaRPr lang="es-UY"/>
+            <a:endParaRPr lang="es-UY" dirty="0"/>
           </a:p>
         </p:txBody>
       </p:sp>
@@ -1795,7 +1795,7 @@
           <a:bodyPr/>
           <a:lstStyle/>
           <a:p>
-            <a:endParaRPr lang="es-UY"/>
+            <a:endParaRPr lang="es-UY" dirty="0"/>
           </a:p>
         </p:txBody>
       </p:sp>
@@ -1819,14 +1819,14 @@
               <a:pPr/>
               <a:t>‹Nº›</a:t>
             </a:fld>
-            <a:endParaRPr lang="es-UY"/>
+            <a:endParaRPr lang="es-UY" dirty="0"/>
           </a:p>
         </p:txBody>
       </p:sp>
     </p:spTree>
     <p:extLst>
       <p:ext uri="{BB962C8B-B14F-4D97-AF65-F5344CB8AC3E}">
-        <p14:creationId xmlns:p14="http://schemas.microsoft.com/office/powerpoint/2010/main" xmlns="" val="1041575951"/>
+        <p14:creationId xmlns:p14="http://schemas.microsoft.com/office/powerpoint/2010/main" val="1041575951"/>
       </p:ext>
     </p:extLst>
   </p:cSld>
@@ -1873,7 +1873,7 @@
               <a:pPr/>
               <a:t>11/12/2015</a:t>
             </a:fld>
-            <a:endParaRPr lang="es-UY"/>
+            <a:endParaRPr lang="es-UY" dirty="0"/>
           </a:p>
         </p:txBody>
       </p:sp>
@@ -1892,7 +1892,7 @@
           <a:bodyPr/>
           <a:lstStyle/>
           <a:p>
-            <a:endParaRPr lang="es-UY"/>
+            <a:endParaRPr lang="es-UY" dirty="0"/>
           </a:p>
         </p:txBody>
       </p:sp>
@@ -1916,14 +1916,14 @@
               <a:pPr/>
               <a:t>‹Nº›</a:t>
             </a:fld>
-            <a:endParaRPr lang="es-UY"/>
+            <a:endParaRPr lang="es-UY" dirty="0"/>
           </a:p>
         </p:txBody>
       </p:sp>
     </p:spTree>
     <p:extLst>
       <p:ext uri="{BB962C8B-B14F-4D97-AF65-F5344CB8AC3E}">
-        <p14:creationId xmlns:p14="http://schemas.microsoft.com/office/powerpoint/2010/main" xmlns="" val="1665225720"/>
+        <p14:creationId xmlns:p14="http://schemas.microsoft.com/office/powerpoint/2010/main" val="1665225720"/>
       </p:ext>
     </p:extLst>
   </p:cSld>
@@ -2152,7 +2152,7 @@
               <a:pPr/>
               <a:t>11/12/2015</a:t>
             </a:fld>
-            <a:endParaRPr lang="es-UY"/>
+            <a:endParaRPr lang="es-UY" dirty="0"/>
           </a:p>
         </p:txBody>
       </p:sp>
@@ -2171,7 +2171,7 @@
           <a:bodyPr/>
           <a:lstStyle/>
           <a:p>
-            <a:endParaRPr lang="es-UY"/>
+            <a:endParaRPr lang="es-UY" dirty="0"/>
           </a:p>
         </p:txBody>
       </p:sp>
@@ -2195,14 +2195,14 @@
               <a:pPr/>
               <a:t>‹Nº›</a:t>
             </a:fld>
-            <a:endParaRPr lang="es-UY"/>
+            <a:endParaRPr lang="es-UY" dirty="0"/>
           </a:p>
         </p:txBody>
       </p:sp>
     </p:spTree>
     <p:extLst>
       <p:ext uri="{BB962C8B-B14F-4D97-AF65-F5344CB8AC3E}">
-        <p14:creationId xmlns:p14="http://schemas.microsoft.com/office/powerpoint/2010/main" xmlns="" val="3001086387"/>
+        <p14:creationId xmlns:p14="http://schemas.microsoft.com/office/powerpoint/2010/main" val="3001086387"/>
       </p:ext>
     </p:extLst>
   </p:cSld>
@@ -2318,7 +2318,7 @@
             </a:lvl9pPr>
           </a:lstStyle>
           <a:p>
-            <a:endParaRPr lang="es-UY"/>
+            <a:endParaRPr lang="es-UY" dirty="0"/>
           </a:p>
         </p:txBody>
       </p:sp>
@@ -2407,7 +2407,7 @@
               <a:pPr/>
               <a:t>11/12/2015</a:t>
             </a:fld>
-            <a:endParaRPr lang="es-UY"/>
+            <a:endParaRPr lang="es-UY" dirty="0"/>
           </a:p>
         </p:txBody>
       </p:sp>
@@ -2426,7 +2426,7 @@
           <a:bodyPr/>
           <a:lstStyle/>
           <a:p>
-            <a:endParaRPr lang="es-UY"/>
+            <a:endParaRPr lang="es-UY" dirty="0"/>
           </a:p>
         </p:txBody>
       </p:sp>
@@ -2450,14 +2450,14 @@
               <a:pPr/>
               <a:t>‹Nº›</a:t>
             </a:fld>
-            <a:endParaRPr lang="es-UY"/>
+            <a:endParaRPr lang="es-UY" dirty="0"/>
           </a:p>
         </p:txBody>
       </p:sp>
     </p:spTree>
     <p:extLst>
       <p:ext uri="{BB962C8B-B14F-4D97-AF65-F5344CB8AC3E}">
-        <p14:creationId xmlns:p14="http://schemas.microsoft.com/office/powerpoint/2010/main" xmlns="" val="2981024950"/>
+        <p14:creationId xmlns:p14="http://schemas.microsoft.com/office/powerpoint/2010/main" val="2981024950"/>
       </p:ext>
     </p:extLst>
   </p:cSld>
@@ -2622,7 +2622,7 @@
               <a:pPr/>
               <a:t>11/12/2015</a:t>
             </a:fld>
-            <a:endParaRPr lang="es-UY"/>
+            <a:endParaRPr lang="es-UY" dirty="0"/>
           </a:p>
         </p:txBody>
       </p:sp>
@@ -2659,7 +2659,7 @@
             </a:lvl1pPr>
           </a:lstStyle>
           <a:p>
-            <a:endParaRPr lang="es-UY"/>
+            <a:endParaRPr lang="es-UY" dirty="0"/>
           </a:p>
         </p:txBody>
       </p:sp>
@@ -2701,14 +2701,14 @@
               <a:pPr/>
               <a:t>‹Nº›</a:t>
             </a:fld>
-            <a:endParaRPr lang="es-UY"/>
+            <a:endParaRPr lang="es-UY" dirty="0"/>
           </a:p>
         </p:txBody>
       </p:sp>
     </p:spTree>
     <p:extLst>
       <p:ext uri="{BB962C8B-B14F-4D97-AF65-F5344CB8AC3E}">
-        <p14:creationId xmlns:p14="http://schemas.microsoft.com/office/powerpoint/2010/main" xmlns="" val="3792479199"/>
+        <p14:creationId xmlns:p14="http://schemas.microsoft.com/office/powerpoint/2010/main" val="3792479199"/>
       </p:ext>
     </p:extLst>
   </p:cSld>
@@ -3026,56 +3026,74 @@
           <a:chExt cx="0" cy="0"/>
         </a:xfrm>
       </p:grpSpPr>
-      <p:sp>
-        <p:nvSpPr>
-          <p:cNvPr id="2" name="Title 1"/>
-          <p:cNvSpPr>
-            <a:spLocks noGrp="1"/>
-          </p:cNvSpPr>
-          <p:nvPr>
-            <p:ph type="ctrTitle"/>
-          </p:nvPr>
-        </p:nvSpPr>
-        <p:spPr/>
-        <p:txBody>
-          <a:bodyPr/>
-          <a:lstStyle/>
-          <a:p>
-            <a:r>
-              <a:rPr lang="en-US" dirty="0" smtClean="0"/>
-              <a:t>MDVRP</a:t>
-            </a:r>
-            <a:endParaRPr lang="es-UY" dirty="0"/>
-          </a:p>
-        </p:txBody>
-      </p:sp>
-      <p:sp>
-        <p:nvSpPr>
-          <p:cNvPr id="3" name="Subtitle 2"/>
-          <p:cNvSpPr>
-            <a:spLocks noGrp="1"/>
-          </p:cNvSpPr>
-          <p:nvPr>
-            <p:ph type="subTitle" idx="1"/>
-          </p:nvPr>
-        </p:nvSpPr>
-        <p:spPr/>
-        <p:txBody>
-          <a:bodyPr/>
-          <a:lstStyle/>
-          <a:p>
-            <a:r>
-              <a:rPr lang="es-UY" dirty="0" smtClean="0"/>
-              <a:t>Introducción</a:t>
-            </a:r>
-            <a:endParaRPr lang="es-UY" dirty="0"/>
-          </a:p>
-        </p:txBody>
-      </p:sp>
+      <p:pic>
+        <p:nvPicPr>
+          <p:cNvPr id="1027" name="Picture 3"/>
+          <p:cNvPicPr>
+            <a:picLocks noChangeAspect="1" noChangeArrowheads="1"/>
+          </p:cNvPicPr>
+          <p:nvPr/>
+        </p:nvPicPr>
+        <p:blipFill>
+          <a:blip r:embed="rId2" cstate="print">
+            <a:extLst>
+              <a:ext uri="{28A0092B-C50C-407E-A947-70E740481C1C}">
+                <a14:useLocalDpi xmlns:a14="http://schemas.microsoft.com/office/drawing/2010/main" val="0"/>
+              </a:ext>
+            </a:extLst>
+          </a:blip>
+          <a:srcRect/>
+          <a:stretch>
+            <a:fillRect/>
+          </a:stretch>
+        </p:blipFill>
+        <p:spPr bwMode="auto">
+          <a:xfrm>
+            <a:off x="2678806" y="285750"/>
+            <a:ext cx="6774287" cy="6291263"/>
+          </a:xfrm>
+          <a:prstGeom prst="rect">
+            <a:avLst/>
+          </a:prstGeom>
+          <a:noFill/>
+          <a:ln>
+            <a:noFill/>
+          </a:ln>
+          <a:effectLst/>
+          <a:extLst>
+            <a:ext uri="{909E8E84-426E-40DD-AFC4-6F175D3DCCD1}">
+              <a14:hiddenFill xmlns:a14="http://schemas.microsoft.com/office/drawing/2010/main">
+                <a:solidFill>
+                  <a:schemeClr val="accent1"/>
+                </a:solidFill>
+              </a14:hiddenFill>
+            </a:ext>
+            <a:ext uri="{91240B29-F687-4F45-9708-019B960494DF}">
+              <a14:hiddenLine xmlns:a14="http://schemas.microsoft.com/office/drawing/2010/main" w="9525">
+                <a:solidFill>
+                  <a:schemeClr val="tx1"/>
+                </a:solidFill>
+                <a:miter lim="800000"/>
+                <a:headEnd/>
+                <a:tailEnd/>
+              </a14:hiddenLine>
+            </a:ext>
+            <a:ext uri="{AF507438-7753-43E0-B8FC-AC1667EBCBE1}">
+              <a14:hiddenEffects xmlns:a14="http://schemas.microsoft.com/office/drawing/2010/main">
+                <a:effectLst>
+                  <a:outerShdw dist="35921" dir="2700000" algn="ctr" rotWithShape="0">
+                    <a:schemeClr val="bg2"/>
+                  </a:outerShdw>
+                </a:effectLst>
+              </a14:hiddenEffects>
+            </a:ext>
+          </a:extLst>
+        </p:spPr>
+      </p:pic>
     </p:spTree>
     <p:extLst>
       <p:ext uri="{BB962C8B-B14F-4D97-AF65-F5344CB8AC3E}">
-        <p14:creationId xmlns:p14="http://schemas.microsoft.com/office/powerpoint/2010/main" xmlns="" val="3082453553"/>
+        <p14:creationId xmlns:p14="http://schemas.microsoft.com/office/powerpoint/2010/main" val="3082453553"/>
       </p:ext>
     </p:extLst>
   </p:cSld>
@@ -3154,14 +3172,6 @@
               <a:rPr lang="es-UY" dirty="0" smtClean="0"/>
               <a:t>Algoritmo Enajenado Lento (AEL) </a:t>
             </a:r>
-            <a:r>
-              <a:rPr lang="es-UY" dirty="0" err="1" smtClean="0"/>
-              <a:t>Cont</a:t>
-            </a:r>
-            <a:r>
-              <a:rPr lang="es-UY" dirty="0" smtClean="0"/>
-              <a:t>…</a:t>
-            </a:r>
           </a:p>
           <a:p>
             <a:pPr marL="685800" lvl="2">
@@ -3190,7 +3200,7 @@
           <a:blip r:embed="rId2" cstate="print">
             <a:extLst>
               <a:ext uri="{28A0092B-C50C-407E-A947-70E740481C1C}">
-                <a14:useLocalDpi xmlns:ve="http://schemas.openxmlformats.org/markup-compatibility/2006" xmlns:m="http://schemas.openxmlformats.org/officeDocument/2006/math" xmlns:wp="http://schemas.openxmlformats.org/drawingml/2006/wordprocessingDrawing" xmlns:wne="http://schemas.microsoft.com/office/word/2006/wordml" xmlns:a14="http://schemas.microsoft.com/office/drawing/2010/main" xmlns:wps="http://schemas.microsoft.com/office/word/2010/wordprocessingShape" xmlns:wpi="http://schemas.microsoft.com/office/word/2010/wordprocessingInk" xmlns:wpg="http://schemas.microsoft.com/office/word/2010/wordprocessingGroup" xmlns:w14="http://schemas.microsoft.com/office/word/2010/wordml" xmlns:w="http://schemas.openxmlformats.org/wordprocessingml/2006/main" xmlns:w10="urn:schemas-microsoft-com:office:word" xmlns:wp14="http://schemas.microsoft.com/office/word/2010/wordprocessingDrawing" xmlns:v="urn:schemas-microsoft-com:vml" xmlns:o="urn:schemas-microsoft-com:office:office" xmlns:mc="http://schemas.openxmlformats.org/markup-compatibility/2006" xmlns:wpc="http://schemas.microsoft.com/office/word/2010/wordprocessingCanvas" xmlns="" xmlns:pic="http://schemas.openxmlformats.org/drawingml/2006/picture" xmlns:lc="http://schemas.openxmlformats.org/drawingml/2006/lockedCanvas" val="0"/>
+                <a14:useLocalDpi xmlns:a14="http://schemas.microsoft.com/office/drawing/2010/main" val="0"/>
               </a:ext>
             </a:extLst>
           </a:blip>
@@ -3223,7 +3233,7 @@
           <a:blip r:embed="rId3" cstate="print">
             <a:extLst>
               <a:ext uri="{28A0092B-C50C-407E-A947-70E740481C1C}">
-                <a14:useLocalDpi xmlns:ve="http://schemas.openxmlformats.org/markup-compatibility/2006" xmlns:m="http://schemas.openxmlformats.org/officeDocument/2006/math" xmlns:wp="http://schemas.openxmlformats.org/drawingml/2006/wordprocessingDrawing" xmlns:wne="http://schemas.microsoft.com/office/word/2006/wordml" xmlns:a14="http://schemas.microsoft.com/office/drawing/2010/main" xmlns:wps="http://schemas.microsoft.com/office/word/2010/wordprocessingShape" xmlns:wpi="http://schemas.microsoft.com/office/word/2010/wordprocessingInk" xmlns:wpg="http://schemas.microsoft.com/office/word/2010/wordprocessingGroup" xmlns:w14="http://schemas.microsoft.com/office/word/2010/wordml" xmlns:w="http://schemas.openxmlformats.org/wordprocessingml/2006/main" xmlns:w10="urn:schemas-microsoft-com:office:word" xmlns:wp14="http://schemas.microsoft.com/office/word/2010/wordprocessingDrawing" xmlns:v="urn:schemas-microsoft-com:vml" xmlns:o="urn:schemas-microsoft-com:office:office" xmlns:mc="http://schemas.openxmlformats.org/markup-compatibility/2006" xmlns:wpc="http://schemas.microsoft.com/office/word/2010/wordprocessingCanvas" xmlns="" xmlns:pic="http://schemas.openxmlformats.org/drawingml/2006/picture" xmlns:lc="http://schemas.openxmlformats.org/drawingml/2006/lockedCanvas" val="0"/>
+                <a14:useLocalDpi xmlns:a14="http://schemas.microsoft.com/office/drawing/2010/main" val="0"/>
               </a:ext>
             </a:extLst>
           </a:blip>
@@ -3249,7 +3259,7 @@
     </p:spTree>
     <p:extLst>
       <p:ext uri="{BB962C8B-B14F-4D97-AF65-F5344CB8AC3E}">
-        <p14:creationId xmlns:p14="http://schemas.microsoft.com/office/powerpoint/2010/main" xmlns="" val="2486798970"/>
+        <p14:creationId xmlns:p14="http://schemas.microsoft.com/office/powerpoint/2010/main" val="2486798970"/>
       </p:ext>
     </p:extLst>
   </p:cSld>
@@ -3338,7 +3348,7 @@
               <a:t>R</a:t>
             </a:r>
             <a:r>
-              <a:rPr lang="es-ES" dirty="0" err="1" smtClean="0"/>
+              <a:rPr lang="es-ES" dirty="0" smtClean="0"/>
               <a:t>ute</a:t>
             </a:r>
             <a:r>
@@ -3389,15 +3399,7 @@
             </a:r>
             <a:r>
               <a:rPr lang="es-ES" dirty="0" smtClean="0"/>
-              <a:t>. (se implementó </a:t>
-            </a:r>
-            <a:r>
-              <a:rPr lang="es-ES" smtClean="0"/>
-              <a:t>la versión paralela</a:t>
-            </a:r>
-            <a:r>
-              <a:rPr lang="es-ES" dirty="0" smtClean="0"/>
-              <a:t>)</a:t>
+              <a:t>. (se implementó la versión paralela)</a:t>
             </a:r>
             <a:endParaRPr lang="es-UY" dirty="0"/>
           </a:p>
@@ -3422,7 +3424,7 @@
           <a:blip r:embed="rId2" cstate="print">
             <a:extLst>
               <a:ext uri="{28A0092B-C50C-407E-A947-70E740481C1C}">
-                <a14:useLocalDpi xmlns:a14="http://schemas.microsoft.com/office/drawing/2010/main" xmlns="" val="0"/>
+                <a14:useLocalDpi xmlns:a14="http://schemas.microsoft.com/office/drawing/2010/main" val="0"/>
               </a:ext>
             </a:extLst>
           </a:blip>
@@ -3448,7 +3450,7 @@
     </p:spTree>
     <p:extLst>
       <p:ext uri="{BB962C8B-B14F-4D97-AF65-F5344CB8AC3E}">
-        <p14:creationId xmlns:p14="http://schemas.microsoft.com/office/powerpoint/2010/main" xmlns="" val="2225859691"/>
+        <p14:creationId xmlns:p14="http://schemas.microsoft.com/office/powerpoint/2010/main" val="2225859691"/>
       </p:ext>
     </p:extLst>
   </p:cSld>
@@ -3507,8 +3509,8 @@
               <a:t>Diseños y algoritmos </a:t>
             </a:r>
             <a:r>
-              <a:rPr lang="es-UY" dirty="0" err="1" smtClean="0"/>
-              <a:t>Postoptimizacion</a:t>
+              <a:rPr lang="es-UY" dirty="0" smtClean="0"/>
+              <a:t>Postoptimización</a:t>
             </a:r>
             <a:r>
               <a:rPr lang="es-UY" dirty="0" smtClean="0"/>
@@ -3519,7 +3521,7 @@
         </p:txBody>
       </p:sp>
       <mc:AlternateContent xmlns:mc="http://schemas.openxmlformats.org/markup-compatibility/2006">
-        <mc:Choice xmlns:a14="http://schemas.microsoft.com/office/drawing/2010/main" xmlns="" Requires="a14">
+        <mc:Choice xmlns:a14="http://schemas.microsoft.com/office/drawing/2010/main" Requires="a14">
           <p:sp>
             <p:nvSpPr>
               <p:cNvPr id="3" name="Content Placeholder 2"/>
@@ -3564,7 +3566,7 @@
                   <a:t>Consiste en eliminar λ arcos (camino entre dos clientes consecutivos) de la solución (λ &gt; 1) y reconectar los λ segmentos restantes. Una solución se dice λ-óptima si no puede ser mejorada utilizando λ-intercambios. La solución permite configurar el parámetro “Lambda-</a:t>
                 </a:r>
                 <a:r>
-                  <a:rPr lang="es-ES" dirty="0" err="1"/>
+                  <a:rPr lang="es-ES" dirty="0"/>
                   <a:t>Opt</a:t>
                 </a:r>
                 <a:r>
@@ -3581,13 +3583,8 @@
                 <a:pPr lvl="1"/>
                 <a:r>
                   <a:rPr lang="es-UY" dirty="0" smtClean="0"/>
-                  <a:t>R-</a:t>
+                  <a:t>R-iopt</a:t>
                 </a:r>
-                <a:r>
-                  <a:rPr lang="es-UY" dirty="0" err="1" smtClean="0"/>
-                  <a:t>iopt</a:t>
-                </a:r>
-                <a:endParaRPr lang="es-UY" dirty="0" smtClean="0"/>
               </a:p>
               <a:p>
                 <a:pPr marL="457200" lvl="1" indent="0">
@@ -3619,7 +3616,7 @@
                       <m:sSubPr>
                         <m:ctrlPr>
                           <a:rPr lang="es-UY" i="1">
-                            <a:latin typeface="Cambria Math" panose="02040503050406030204" pitchFamily="18" charset="0"/>
+                            <a:latin typeface="Cambria Math"/>
                           </a:rPr>
                         </m:ctrlPr>
                       </m:sSubPr>
@@ -3656,7 +3653,7 @@
                       <m:sSubPr>
                         <m:ctrlPr>
                           <a:rPr lang="es-UY" i="1">
-                            <a:latin typeface="Cambria Math" panose="02040503050406030204" pitchFamily="18" charset="0"/>
+                            <a:latin typeface="Cambria Math"/>
                           </a:rPr>
                         </m:ctrlPr>
                       </m:sSubPr>
@@ -3687,7 +3684,7 @@
                       <m:sSubPr>
                         <m:ctrlPr>
                           <a:rPr lang="es-UY" i="1">
-                            <a:latin typeface="Cambria Math" panose="02040503050406030204" pitchFamily="18" charset="0"/>
+                            <a:latin typeface="Cambria Math"/>
                           </a:rPr>
                         </m:ctrlPr>
                       </m:sSubPr>
@@ -3718,7 +3715,7 @@
                       <m:sSubPr>
                         <m:ctrlPr>
                           <a:rPr lang="es-UY" i="1">
-                            <a:latin typeface="Cambria Math" panose="02040503050406030204" pitchFamily="18" charset="0"/>
+                            <a:latin typeface="Cambria Math"/>
                           </a:rPr>
                         </m:ctrlPr>
                       </m:sSubPr>
@@ -3785,7 +3782,7 @@
                       <m:sSubPr>
                         <m:ctrlPr>
                           <a:rPr lang="es-UY" i="1">
-                            <a:latin typeface="Cambria Math" panose="02040503050406030204" pitchFamily="18" charset="0"/>
+                            <a:latin typeface="Cambria Math"/>
                           </a:rPr>
                         </m:ctrlPr>
                       </m:sSubPr>
@@ -3828,7 +3825,7 @@
                       <m:sSubPr>
                         <m:ctrlPr>
                           <a:rPr lang="es-UY" i="1">
-                            <a:latin typeface="Cambria Math" panose="02040503050406030204" pitchFamily="18" charset="0"/>
+                            <a:latin typeface="Cambria Math"/>
                           </a:rPr>
                         </m:ctrlPr>
                       </m:sSubPr>
@@ -3867,7 +3864,7 @@
                       <m:sSubPr>
                         <m:ctrlPr>
                           <a:rPr lang="es-UY" i="1">
-                            <a:latin typeface="Cambria Math" panose="02040503050406030204" pitchFamily="18" charset="0"/>
+                            <a:latin typeface="Cambria Math"/>
                           </a:rPr>
                         </m:ctrlPr>
                       </m:sSubPr>
@@ -3910,7 +3907,7 @@
                       <m:sSubPr>
                         <m:ctrlPr>
                           <a:rPr lang="es-UY" i="1">
-                            <a:latin typeface="Cambria Math" panose="02040503050406030204" pitchFamily="18" charset="0"/>
+                            <a:latin typeface="Cambria Math"/>
                           </a:rPr>
                         </m:ctrlPr>
                       </m:sSubPr>
@@ -3953,7 +3950,7 @@
                       <m:sSubPr>
                         <m:ctrlPr>
                           <a:rPr lang="es-UY" i="1">
-                            <a:latin typeface="Cambria Math" panose="02040503050406030204" pitchFamily="18" charset="0"/>
+                            <a:latin typeface="Cambria Math"/>
                           </a:rPr>
                         </m:ctrlPr>
                       </m:sSubPr>
@@ -3992,7 +3989,7 @@
                       <m:sSubPr>
                         <m:ctrlPr>
                           <a:rPr lang="es-UY" i="1">
-                            <a:latin typeface="Cambria Math" panose="02040503050406030204" pitchFamily="18" charset="0"/>
+                            <a:latin typeface="Cambria Math"/>
                           </a:rPr>
                         </m:ctrlPr>
                       </m:sSubPr>
@@ -4035,7 +4032,7 @@
                       <m:sSubPr>
                         <m:ctrlPr>
                           <a:rPr lang="es-UY" i="1">
-                            <a:latin typeface="Cambria Math" panose="02040503050406030204" pitchFamily="18" charset="0"/>
+                            <a:latin typeface="Cambria Math"/>
                           </a:rPr>
                         </m:ctrlPr>
                       </m:sSubPr>
@@ -4074,7 +4071,7 @@
                       <m:sSubPr>
                         <m:ctrlPr>
                           <a:rPr lang="es-UY" i="1">
-                            <a:latin typeface="Cambria Math" panose="02040503050406030204" pitchFamily="18" charset="0"/>
+                            <a:latin typeface="Cambria Math"/>
                           </a:rPr>
                         </m:ctrlPr>
                       </m:sSubPr>
@@ -4117,7 +4114,7 @@
                       <m:sSubPr>
                         <m:ctrlPr>
                           <a:rPr lang="es-UY" i="1">
-                            <a:latin typeface="Cambria Math" panose="02040503050406030204" pitchFamily="18" charset="0"/>
+                            <a:latin typeface="Cambria Math"/>
                           </a:rPr>
                         </m:ctrlPr>
                       </m:sSubPr>
@@ -4162,7 +4159,7 @@
                       <m:sSubPr>
                         <m:ctrlPr>
                           <a:rPr lang="es-UY" i="1">
-                            <a:latin typeface="Cambria Math" panose="02040503050406030204" pitchFamily="18" charset="0"/>
+                            <a:latin typeface="Cambria Math"/>
                           </a:rPr>
                         </m:ctrlPr>
                       </m:sSubPr>
@@ -4201,7 +4198,7 @@
                       <m:sSubPr>
                         <m:ctrlPr>
                           <a:rPr lang="es-UY" i="1">
-                            <a:latin typeface="Cambria Math" panose="02040503050406030204" pitchFamily="18" charset="0"/>
+                            <a:latin typeface="Cambria Math"/>
                           </a:rPr>
                         </m:ctrlPr>
                       </m:sSubPr>
@@ -4240,7 +4237,7 @@
                       <m:sSubPr>
                         <m:ctrlPr>
                           <a:rPr lang="es-UY" i="1">
-                            <a:latin typeface="Cambria Math" panose="02040503050406030204" pitchFamily="18" charset="0"/>
+                            <a:latin typeface="Cambria Math"/>
                           </a:rPr>
                         </m:ctrlPr>
                       </m:sSubPr>
@@ -4283,7 +4280,7 @@
                       <m:sSubPr>
                         <m:ctrlPr>
                           <a:rPr lang="es-UY" i="1">
-                            <a:latin typeface="Cambria Math" panose="02040503050406030204" pitchFamily="18" charset="0"/>
+                            <a:latin typeface="Cambria Math"/>
                           </a:rPr>
                         </m:ctrlPr>
                       </m:sSubPr>
@@ -4328,7 +4325,7 @@
                       <m:sSubPr>
                         <m:ctrlPr>
                           <a:rPr lang="es-UY" i="1">
-                            <a:latin typeface="Cambria Math" panose="02040503050406030204" pitchFamily="18" charset="0"/>
+                            <a:latin typeface="Cambria Math"/>
                           </a:rPr>
                         </m:ctrlPr>
                       </m:sSubPr>
@@ -4371,7 +4368,7 @@
                       <m:sSubPr>
                         <m:ctrlPr>
                           <a:rPr lang="es-UY" i="1">
-                            <a:latin typeface="Cambria Math" panose="02040503050406030204" pitchFamily="18" charset="0"/>
+                            <a:latin typeface="Cambria Math"/>
                           </a:rPr>
                         </m:ctrlPr>
                       </m:sSubPr>
@@ -4410,7 +4407,7 @@
                       <m:sSubPr>
                         <m:ctrlPr>
                           <a:rPr lang="es-UY" i="1">
-                            <a:latin typeface="Cambria Math" panose="02040503050406030204" pitchFamily="18" charset="0"/>
+                            <a:latin typeface="Cambria Math"/>
                           </a:rPr>
                         </m:ctrlPr>
                       </m:sSubPr>
@@ -4453,7 +4450,7 @@
                       <m:sSubPr>
                         <m:ctrlPr>
                           <a:rPr lang="es-UY" i="1">
-                            <a:latin typeface="Cambria Math" panose="02040503050406030204" pitchFamily="18" charset="0"/>
+                            <a:latin typeface="Cambria Math"/>
                           </a:rPr>
                         </m:ctrlPr>
                       </m:sSubPr>
@@ -4498,7 +4495,7 @@
                       <m:sSubPr>
                         <m:ctrlPr>
                           <a:rPr lang="es-UY" i="1">
-                            <a:latin typeface="Cambria Math" panose="02040503050406030204" pitchFamily="18" charset="0"/>
+                            <a:latin typeface="Cambria Math"/>
                           </a:rPr>
                         </m:ctrlPr>
                       </m:sSubPr>
@@ -4537,7 +4534,7 @@
                       <m:sSubPr>
                         <m:ctrlPr>
                           <a:rPr lang="es-UY" i="1">
-                            <a:latin typeface="Cambria Math" panose="02040503050406030204" pitchFamily="18" charset="0"/>
+                            <a:latin typeface="Cambria Math"/>
                           </a:rPr>
                         </m:ctrlPr>
                       </m:sSubPr>
@@ -4582,7 +4579,7 @@
                       <m:sSubPr>
                         <m:ctrlPr>
                           <a:rPr lang="es-UY" i="1">
-                            <a:latin typeface="Cambria Math" panose="02040503050406030204" pitchFamily="18" charset="0"/>
+                            <a:latin typeface="Cambria Math"/>
                           </a:rPr>
                         </m:ctrlPr>
                       </m:sSubPr>
@@ -4636,7 +4633,7 @@
                 <a:ext cx="10515600" cy="4351338"/>
               </a:xfrm>
               <a:blipFill rotWithShape="1">
-                <a:blip r:embed="rId2" cstate="print"/>
+                <a:blip r:embed="rId2"/>
                 <a:stretch>
                   <a:fillRect l="-696" t="-2801"/>
                 </a:stretch>
@@ -4660,7 +4657,7 @@
     </p:spTree>
     <p:extLst>
       <p:ext uri="{BB962C8B-B14F-4D97-AF65-F5344CB8AC3E}">
-        <p14:creationId xmlns:p14="http://schemas.microsoft.com/office/powerpoint/2010/main" xmlns="" val="144818206"/>
+        <p14:creationId xmlns:p14="http://schemas.microsoft.com/office/powerpoint/2010/main" val="144818206"/>
       </p:ext>
     </p:extLst>
   </p:cSld>
@@ -4761,7 +4758,7 @@
               <a:t>con swing y </a:t>
             </a:r>
             <a:r>
-              <a:rPr lang="es-ES" dirty="0" err="1" smtClean="0"/>
+              <a:rPr lang="es-ES" dirty="0" smtClean="0"/>
               <a:t>awt</a:t>
             </a:r>
             <a:r>
@@ -4785,15 +4782,7 @@
             </a:r>
             <a:r>
               <a:rPr lang="es-ES" dirty="0"/>
-              <a:t>archivos de datos de entrada respetaron los formatos de entrada de  </a:t>
-            </a:r>
-            <a:r>
-              <a:rPr lang="es-ES" dirty="0" err="1"/>
-              <a:t>TSPLib</a:t>
-            </a:r>
-            <a:r>
-              <a:rPr lang="es-ES" dirty="0"/>
-              <a:t> cumpliendo sus estándares. Dichos formatos se encuentran detallados en la documentación de la </a:t>
+              <a:t>archivos de datos de entrada respetaron los formatos de entrada de  TSPLib cumpliendo sus estándares. Dichos formatos se encuentran detallados en la documentación de la </a:t>
             </a:r>
             <a:r>
               <a:rPr lang="es-ES" dirty="0" smtClean="0"/>
@@ -4823,7 +4812,7 @@
               <a:t>en los </a:t>
             </a:r>
             <a:r>
-              <a:rPr lang="es-ES" dirty="0" err="1"/>
+              <a:rPr lang="es-ES" dirty="0"/>
               <a:t>javadocs</a:t>
             </a:r>
             <a:r>
@@ -4841,7 +4830,7 @@
     </p:spTree>
     <p:extLst>
       <p:ext uri="{BB962C8B-B14F-4D97-AF65-F5344CB8AC3E}">
-        <p14:creationId xmlns:p14="http://schemas.microsoft.com/office/powerpoint/2010/main" xmlns="" val="65839140"/>
+        <p14:creationId xmlns:p14="http://schemas.microsoft.com/office/powerpoint/2010/main" val="65839140"/>
       </p:ext>
     </p:extLst>
   </p:cSld>
@@ -4886,24 +4875,20 @@
           <a:lstStyle/>
           <a:p>
             <a:r>
-              <a:rPr lang="en-US" dirty="0" err="1" smtClean="0"/>
-              <a:t>MDVRP</a:t>
-            </a:r>
-            <a:r>
               <a:rPr lang="en-US" dirty="0" smtClean="0"/>
-              <a:t>- </a:t>
-            </a:r>
-            <a:r>
-              <a:rPr lang="en-US" dirty="0" err="1" smtClean="0"/>
-              <a:t>Solucion</a:t>
+              <a:t>MDVRP- </a:t>
+            </a:r>
+            <a:r>
+              <a:rPr lang="en-US" dirty="0" smtClean="0"/>
+              <a:t>Solución</a:t>
             </a:r>
             <a:r>
               <a:rPr lang="en-US" dirty="0" smtClean="0"/>
               <a:t>, </a:t>
             </a:r>
             <a:r>
-              <a:rPr lang="en-US" dirty="0" err="1" smtClean="0"/>
-              <a:t>implementacion</a:t>
+              <a:rPr lang="en-US" dirty="0" smtClean="0"/>
+              <a:t>implementación</a:t>
             </a:r>
             <a:r>
               <a:rPr lang="en-US" dirty="0" smtClean="0"/>
@@ -4917,15 +4902,19 @@
               <a:rPr lang="en-US" dirty="0"/>
             </a:br>
             <a:r>
-              <a:rPr lang="en-US" dirty="0" err="1" smtClean="0"/>
-              <a:t>Aplicacion</a:t>
-            </a:r>
-            <a:r>
               <a:rPr lang="en-US" dirty="0" smtClean="0"/>
-              <a:t> y </a:t>
-            </a:r>
-            <a:r>
-              <a:rPr lang="en-US" dirty="0" err="1" smtClean="0"/>
+              <a:t>Aplicación</a:t>
+            </a:r>
+            <a:r>
+              <a:rPr lang="en-US" dirty="0" smtClean="0"/>
+              <a:t> </a:t>
+            </a:r>
+            <a:r>
+              <a:rPr lang="en-US" dirty="0" smtClean="0"/>
+              <a:t>y </a:t>
+            </a:r>
+            <a:r>
+              <a:rPr lang="en-US" dirty="0" smtClean="0"/>
               <a:t>Micelaneos</a:t>
             </a:r>
             <a:r>
@@ -4965,7 +4954,7 @@
     </p:spTree>
     <p:extLst>
       <p:ext uri="{BB962C8B-B14F-4D97-AF65-F5344CB8AC3E}">
-        <p14:creationId xmlns:p14="http://schemas.microsoft.com/office/powerpoint/2010/main" xmlns="" val="447812816"/>
+        <p14:creationId xmlns:p14="http://schemas.microsoft.com/office/powerpoint/2010/main" val="447812816"/>
       </p:ext>
     </p:extLst>
   </p:cSld>
@@ -5017,12 +5006,8 @@
           <a:lstStyle/>
           <a:p>
             <a:r>
-              <a:rPr lang="es-UY" dirty="0" err="1" smtClean="0"/>
-              <a:t>MDVRP</a:t>
-            </a:r>
-            <a:r>
               <a:rPr lang="es-UY" dirty="0" smtClean="0"/>
-              <a:t>-  Solución, implementación. </a:t>
+              <a:t>MDVRP-  Solución, implementación. </a:t>
             </a:r>
             <a:r>
               <a:rPr lang="en-US" dirty="0" smtClean="0"/>
@@ -5100,7 +5085,7 @@
           <a:blip r:embed="rId2" cstate="print">
             <a:extLst>
               <a:ext uri="{28A0092B-C50C-407E-A947-70E740481C1C}">
-                <a14:useLocalDpi xmlns:a14="http://schemas.microsoft.com/office/drawing/2010/main" xmlns="" val="0"/>
+                <a14:useLocalDpi xmlns:a14="http://schemas.microsoft.com/office/drawing/2010/main" val="0"/>
               </a:ext>
             </a:extLst>
           </a:blip>
@@ -5123,14 +5108,14 @@
           </a:ln>
           <a:extLst>
             <a:ext uri="{909E8E84-426E-40DD-AFC4-6F175D3DCCD1}">
-              <a14:hiddenFill xmlns:a14="http://schemas.microsoft.com/office/drawing/2010/main" xmlns="">
+              <a14:hiddenFill xmlns:a14="http://schemas.microsoft.com/office/drawing/2010/main">
                 <a:solidFill>
                   <a:schemeClr val="accent1"/>
                 </a:solidFill>
               </a14:hiddenFill>
             </a:ext>
             <a:ext uri="{91240B29-F687-4F45-9708-019B960494DF}">
-              <a14:hiddenLine xmlns:a14="http://schemas.microsoft.com/office/drawing/2010/main" xmlns="" w="9525">
+              <a14:hiddenLine xmlns:a14="http://schemas.microsoft.com/office/drawing/2010/main" w="9525">
                 <a:solidFill>
                   <a:schemeClr val="tx1"/>
                 </a:solidFill>
@@ -5154,7 +5139,7 @@
           <a:blip r:embed="rId3" cstate="print">
             <a:extLst>
               <a:ext uri="{28A0092B-C50C-407E-A947-70E740481C1C}">
-                <a14:useLocalDpi xmlns:a14="http://schemas.microsoft.com/office/drawing/2010/main" xmlns="" val="0"/>
+                <a14:useLocalDpi xmlns:a14="http://schemas.microsoft.com/office/drawing/2010/main" val="0"/>
               </a:ext>
             </a:extLst>
           </a:blip>
@@ -5177,14 +5162,14 @@
           </a:ln>
           <a:extLst>
             <a:ext uri="{909E8E84-426E-40DD-AFC4-6F175D3DCCD1}">
-              <a14:hiddenFill xmlns:a14="http://schemas.microsoft.com/office/drawing/2010/main" xmlns="">
+              <a14:hiddenFill xmlns:a14="http://schemas.microsoft.com/office/drawing/2010/main">
                 <a:solidFill>
                   <a:schemeClr val="accent1"/>
                 </a:solidFill>
               </a14:hiddenFill>
             </a:ext>
             <a:ext uri="{91240B29-F687-4F45-9708-019B960494DF}">
-              <a14:hiddenLine xmlns:a14="http://schemas.microsoft.com/office/drawing/2010/main" xmlns="" w="9525">
+              <a14:hiddenLine xmlns:a14="http://schemas.microsoft.com/office/drawing/2010/main" w="9525">
                 <a:solidFill>
                   <a:schemeClr val="tx1"/>
                 </a:solidFill>
@@ -5236,7 +5221,7 @@
     </p:spTree>
     <p:extLst>
       <p:ext uri="{BB962C8B-B14F-4D97-AF65-F5344CB8AC3E}">
-        <p14:creationId xmlns:p14="http://schemas.microsoft.com/office/powerpoint/2010/main" xmlns="" val="351678416"/>
+        <p14:creationId xmlns:p14="http://schemas.microsoft.com/office/powerpoint/2010/main" val="351678416"/>
       </p:ext>
     </p:extLst>
   </p:cSld>
@@ -5282,7 +5267,7 @@
           <a:blip r:embed="rId2" cstate="print">
             <a:extLst>
               <a:ext uri="{28A0092B-C50C-407E-A947-70E740481C1C}">
-                <a14:useLocalDpi xmlns:a14="http://schemas.microsoft.com/office/drawing/2010/main" xmlns="" val="0"/>
+                <a14:useLocalDpi xmlns:a14="http://schemas.microsoft.com/office/drawing/2010/main" val="0"/>
               </a:ext>
             </a:extLst>
           </a:blip>
@@ -5305,14 +5290,14 @@
           </a:ln>
           <a:extLst>
             <a:ext uri="{909E8E84-426E-40DD-AFC4-6F175D3DCCD1}">
-              <a14:hiddenFill xmlns:a14="http://schemas.microsoft.com/office/drawing/2010/main" xmlns="">
+              <a14:hiddenFill xmlns:a14="http://schemas.microsoft.com/office/drawing/2010/main">
                 <a:solidFill>
                   <a:schemeClr val="accent1"/>
                 </a:solidFill>
               </a14:hiddenFill>
             </a:ext>
             <a:ext uri="{91240B29-F687-4F45-9708-019B960494DF}">
-              <a14:hiddenLine xmlns:a14="http://schemas.microsoft.com/office/drawing/2010/main" xmlns="" w="9525">
+              <a14:hiddenLine xmlns:a14="http://schemas.microsoft.com/office/drawing/2010/main" w="9525">
                 <a:solidFill>
                   <a:schemeClr val="tx1"/>
                 </a:solidFill>
@@ -5327,7 +5312,7 @@
     </p:spTree>
     <p:extLst>
       <p:ext uri="{BB962C8B-B14F-4D97-AF65-F5344CB8AC3E}">
-        <p14:creationId xmlns:p14="http://schemas.microsoft.com/office/powerpoint/2010/main" xmlns="" val="4262687040"/>
+        <p14:creationId xmlns:p14="http://schemas.microsoft.com/office/powerpoint/2010/main" val="4262687040"/>
       </p:ext>
     </p:extLst>
   </p:cSld>
@@ -5372,12 +5357,8 @@
           <a:lstStyle/>
           <a:p>
             <a:r>
-              <a:rPr lang="es-UY" dirty="0" err="1" smtClean="0"/>
-              <a:t>MDVRP</a:t>
-            </a:r>
-            <a:r>
               <a:rPr lang="es-UY" dirty="0" smtClean="0"/>
-              <a:t>-  </a:t>
+              <a:t>MDVRP-  </a:t>
             </a:r>
             <a:r>
               <a:rPr lang="es-UY" dirty="0"/>
@@ -5430,22 +5411,18 @@
             <a:pPr lvl="1"/>
             <a:r>
               <a:rPr lang="es-ES" dirty="0" smtClean="0"/>
-              <a:t>El formato del mismo corresponde con el formato de </a:t>
-            </a:r>
-            <a:r>
-              <a:rPr lang="es-ES" dirty="0" err="1" smtClean="0"/>
-              <a:t>TSPLib</a:t>
-            </a:r>
-            <a:r>
-              <a:rPr lang="es-ES" dirty="0" smtClean="0"/>
-              <a:t>.  </a:t>
+              <a:t>El formato del mismo corresponde con el formato de TSPLib.  </a:t>
             </a:r>
           </a:p>
           <a:p>
             <a:pPr lvl="1"/>
             <a:r>
               <a:rPr lang="es-ES" dirty="0" smtClean="0"/>
-              <a:t>Permitiendo parametrizar el numero de clientes y depósitos.</a:t>
+              <a:t>Permite </a:t>
+            </a:r>
+            <a:r>
+              <a:rPr lang="es-ES" dirty="0" smtClean="0"/>
+              <a:t>parametrizar el numero de clientes y depósitos.</a:t>
             </a:r>
           </a:p>
           <a:p>
@@ -5455,7 +5432,7 @@
               <a:t>Demanda de clientes (</a:t>
             </a:r>
             <a:r>
-              <a:rPr lang="es-ES" dirty="0" err="1" smtClean="0"/>
+              <a:rPr lang="es-ES" dirty="0" smtClean="0"/>
               <a:t>v.a.</a:t>
             </a:r>
             <a:r>
@@ -5463,7 +5440,7 @@
               <a:t> uniforme en un Intervalo (</a:t>
             </a:r>
             <a:r>
-              <a:rPr lang="es-ES" dirty="0" err="1" smtClean="0"/>
+              <a:rPr lang="es-ES" dirty="0" smtClean="0"/>
               <a:t>a,b</a:t>
             </a:r>
             <a:r>
@@ -5496,7 +5473,7 @@
               <a:t>Puede sobrepasar la demanda de los clientes en un porcentaje dado (10%, 20%... </a:t>
             </a:r>
             <a:r>
-              <a:rPr lang="es-ES" dirty="0" err="1" smtClean="0"/>
+              <a:rPr lang="es-ES" dirty="0" smtClean="0"/>
               <a:t>Etc</a:t>
             </a:r>
             <a:r>
@@ -5508,8 +5485,29 @@
             <a:pPr lvl="1"/>
             <a:r>
               <a:rPr lang="es-ES" dirty="0" smtClean="0"/>
-              <a:t>Con la misma semilla, pueden existir varios juegos de datos que solo varia la demanda de los depósitos para el análisis de este comportamiento.</a:t>
-            </a:r>
+              <a:t>Con la misma </a:t>
+            </a:r>
+            <a:r>
+              <a:rPr lang="es-ES" dirty="0" smtClean="0"/>
+              <a:t>semilla </a:t>
+            </a:r>
+            <a:r>
+              <a:rPr lang="es-ES" dirty="0" smtClean="0"/>
+              <a:t>pueden existir varios juegos de datos </a:t>
+            </a:r>
+            <a:r>
+              <a:rPr lang="es-ES" dirty="0" smtClean="0"/>
+              <a:t>donde solo </a:t>
+            </a:r>
+            <a:r>
+              <a:rPr lang="es-ES" dirty="0" smtClean="0"/>
+              <a:t>varia la demanda de los </a:t>
+            </a:r>
+            <a:r>
+              <a:rPr lang="es-ES" dirty="0" smtClean="0"/>
+              <a:t>depósitos.</a:t>
+            </a:r>
+            <a:endParaRPr lang="es-ES" dirty="0" smtClean="0"/>
           </a:p>
           <a:p>
             <a:pPr lvl="1"/>
@@ -5529,7 +5527,7 @@
     </p:spTree>
     <p:extLst>
       <p:ext uri="{BB962C8B-B14F-4D97-AF65-F5344CB8AC3E}">
-        <p14:creationId xmlns:p14="http://schemas.microsoft.com/office/powerpoint/2010/main" xmlns="" val="2902674493"/>
+        <p14:creationId xmlns:p14="http://schemas.microsoft.com/office/powerpoint/2010/main" val="2902674493"/>
       </p:ext>
     </p:extLst>
   </p:cSld>
@@ -5579,12 +5577,8 @@
           <a:lstStyle/>
           <a:p>
             <a:r>
-              <a:rPr lang="es-UY" dirty="0" err="1" smtClean="0"/>
-              <a:t>MDVRP</a:t>
-            </a:r>
-            <a:r>
               <a:rPr lang="es-UY" dirty="0" smtClean="0"/>
-              <a:t>- Solución, Testeo.</a:t>
+              <a:t>MDVRP- Solución, Testeo.</a:t>
             </a:r>
             <a:br>
               <a:rPr lang="es-UY" dirty="0" smtClean="0"/>
@@ -5622,7 +5616,7 @@
               <a:t>A:  Ejemplo de </a:t>
             </a:r>
             <a:r>
-              <a:rPr lang="es-UY" dirty="0" err="1" smtClean="0"/>
+              <a:rPr lang="es-UY" dirty="0" smtClean="0"/>
               <a:t>TSPLib</a:t>
             </a:r>
             <a:r>
@@ -5636,7 +5630,7 @@
               <a:t>B:  Depósitos con = </a:t>
             </a:r>
             <a:r>
-              <a:rPr lang="es-UY" dirty="0" err="1" smtClean="0"/>
+              <a:rPr lang="es-UY" dirty="0" smtClean="0"/>
               <a:t>cap</a:t>
             </a:r>
             <a:endParaRPr lang="es-UY" dirty="0" smtClean="0"/>
@@ -5644,34 +5638,22 @@
           <a:p>
             <a:pPr lvl="1"/>
             <a:r>
-              <a:rPr lang="es-UY" dirty="0" err="1" smtClean="0"/>
-              <a:t>B1</a:t>
-            </a:r>
-            <a:r>
               <a:rPr lang="es-UY" dirty="0" smtClean="0"/>
-              <a:t> 0%</a:t>
+              <a:t>B1 0%</a:t>
             </a:r>
           </a:p>
           <a:p>
             <a:pPr lvl="1"/>
             <a:r>
-              <a:rPr lang="es-UY" dirty="0" err="1" smtClean="0"/>
-              <a:t>B2</a:t>
-            </a:r>
-            <a:r>
               <a:rPr lang="es-UY" dirty="0" smtClean="0"/>
-              <a:t> 10%</a:t>
+              <a:t>B2 10%</a:t>
             </a:r>
           </a:p>
           <a:p>
             <a:pPr lvl="1"/>
             <a:r>
-              <a:rPr lang="es-UY" dirty="0" err="1" smtClean="0"/>
-              <a:t>B3</a:t>
-            </a:r>
-            <a:r>
               <a:rPr lang="es-UY" dirty="0" smtClean="0"/>
-              <a:t> 20%</a:t>
+              <a:t>B3 20%</a:t>
             </a:r>
           </a:p>
           <a:p>
@@ -5702,7 +5684,7 @@
               <a:t> </a:t>
             </a:r>
             <a:r>
-              <a:rPr lang="es-UY" dirty="0" err="1" smtClean="0"/>
+              <a:rPr lang="es-UY" dirty="0" smtClean="0"/>
               <a:t>cap</a:t>
             </a:r>
             <a:endParaRPr lang="en-US" dirty="0"/>
@@ -5710,34 +5692,22 @@
           <a:p>
             <a:pPr lvl="1"/>
             <a:r>
-              <a:rPr lang="es-UY" dirty="0" err="1" smtClean="0"/>
-              <a:t>C1</a:t>
-            </a:r>
-            <a:r>
               <a:rPr lang="es-UY" dirty="0" smtClean="0"/>
-              <a:t> 0%</a:t>
+              <a:t>C1 0%</a:t>
             </a:r>
           </a:p>
           <a:p>
             <a:pPr lvl="1"/>
             <a:r>
-              <a:rPr lang="es-UY" dirty="0" err="1" smtClean="0"/>
-              <a:t>C2</a:t>
-            </a:r>
-            <a:r>
               <a:rPr lang="es-UY" dirty="0" smtClean="0"/>
-              <a:t> 10%</a:t>
+              <a:t>C2 10%</a:t>
             </a:r>
           </a:p>
           <a:p>
             <a:pPr lvl="1"/>
             <a:r>
-              <a:rPr lang="es-UY" dirty="0" err="1" smtClean="0"/>
-              <a:t>C3</a:t>
-            </a:r>
-            <a:r>
               <a:rPr lang="es-UY" dirty="0" smtClean="0"/>
-              <a:t> 20%</a:t>
+              <a:t>C3 20%</a:t>
             </a:r>
           </a:p>
         </p:txBody>
@@ -5817,7 +5787,7 @@
     </p:spTree>
     <p:extLst>
       <p:ext uri="{BB962C8B-B14F-4D97-AF65-F5344CB8AC3E}">
-        <p14:creationId xmlns:p14="http://schemas.microsoft.com/office/powerpoint/2010/main" xmlns="" val="456700873"/>
+        <p14:creationId xmlns:p14="http://schemas.microsoft.com/office/powerpoint/2010/main" val="456700873"/>
       </p:ext>
     </p:extLst>
   </p:cSld>
@@ -5867,12 +5837,8 @@
           <a:lstStyle/>
           <a:p>
             <a:r>
-              <a:rPr lang="es-UY" dirty="0" err="1" smtClean="0"/>
-              <a:t>MDVRP</a:t>
-            </a:r>
-            <a:r>
               <a:rPr lang="es-UY" dirty="0" smtClean="0"/>
-              <a:t>- Solución, Testeo.</a:t>
+              <a:t>MDVRP- Solución, Testeo.</a:t>
             </a:r>
             <a:br>
               <a:rPr lang="es-UY" dirty="0" smtClean="0"/>
@@ -5981,14 +5947,11 @@
             <a:pPr lvl="2"/>
             <a:r>
               <a:rPr lang="es-UY" dirty="0" smtClean="0"/>
-              <a:t>Permite analizar el problema del algoritmo por Urgencia y su carencia al no manejar capacidades. </a:t>
-            </a:r>
-          </a:p>
-          <a:p>
-            <a:pPr lvl="2"/>
+              <a:t>Permite </a:t>
+            </a:r>
             <a:r>
               <a:rPr lang="es-UY" dirty="0" smtClean="0"/>
-              <a:t>Permite cuantificar el impacto cuando los depósitos no pueden cubrir las demandas de los clientes.</a:t>
+              <a:t>cuantificar el impacto cuando los depósitos no pueden cubrir las demandas de los clientes.</a:t>
             </a:r>
           </a:p>
           <a:p>
@@ -6002,7 +5965,7 @@
     </p:spTree>
     <p:extLst>
       <p:ext uri="{BB962C8B-B14F-4D97-AF65-F5344CB8AC3E}">
-        <p14:creationId xmlns:p14="http://schemas.microsoft.com/office/powerpoint/2010/main" xmlns="" val="480149947"/>
+        <p14:creationId xmlns:p14="http://schemas.microsoft.com/office/powerpoint/2010/main" val="480149947"/>
       </p:ext>
     </p:extLst>
   </p:cSld>
@@ -6111,7 +6074,7 @@
     </p:spTree>
     <p:extLst>
       <p:ext uri="{BB962C8B-B14F-4D97-AF65-F5344CB8AC3E}">
-        <p14:creationId xmlns:p14="http://schemas.microsoft.com/office/powerpoint/2010/main" xmlns="" val="1616332234"/>
+        <p14:creationId xmlns:p14="http://schemas.microsoft.com/office/powerpoint/2010/main" val="1616332234"/>
       </p:ext>
     </p:extLst>
   </p:cSld>
@@ -6148,41 +6111,26 @@
             <p:ph type="title"/>
           </p:nvPr>
         </p:nvSpPr>
-        <p:spPr/>
+        <p:spPr>
+          <a:xfrm>
+            <a:off x="941231" y="374448"/>
+            <a:ext cx="10515600" cy="1325563"/>
+          </a:xfrm>
+        </p:spPr>
         <p:txBody>
           <a:bodyPr/>
           <a:lstStyle/>
           <a:p>
             <a:r>
-              <a:rPr lang="es-UY" dirty="0" err="1" smtClean="0"/>
-              <a:t>MDVRP</a:t>
-            </a:r>
-            <a:r>
               <a:rPr lang="es-UY" dirty="0" smtClean="0"/>
-              <a:t>- Solución, Testeo.</a:t>
+              <a:t>MDVRP- Solución, Testeo.</a:t>
             </a:r>
             <a:br>
               <a:rPr lang="es-UY" dirty="0" smtClean="0"/>
             </a:br>
             <a:r>
               <a:rPr lang="es-UY" dirty="0" smtClean="0"/>
-              <a:t>Análisis de Resultados </a:t>
-            </a:r>
-            <a:r>
-              <a:rPr lang="es-UY" dirty="0" err="1" smtClean="0"/>
-              <a:t>AER</a:t>
-            </a:r>
-            <a:r>
-              <a:rPr lang="es-UY" dirty="0" smtClean="0"/>
-              <a:t> Y </a:t>
-            </a:r>
-            <a:r>
-              <a:rPr lang="es-UY" dirty="0" err="1" smtClean="0"/>
-              <a:t>AEL</a:t>
-            </a:r>
-            <a:r>
-              <a:rPr lang="es-UY" dirty="0" smtClean="0"/>
-              <a:t>.</a:t>
+              <a:t>Análisis de Resultados AER Y AEL.</a:t>
             </a:r>
             <a:endParaRPr lang="es-UY" dirty="0"/>
           </a:p>
@@ -6198,7 +6146,7 @@
             <p:ph idx="1"/>
             <p:extLst>
               <p:ext uri="{D42A27DB-BD31-4B8C-83A1-F6EECF244321}">
-                <p14:modId xmlns:p14="http://schemas.microsoft.com/office/powerpoint/2010/main" xmlns="" val="744842571"/>
+                <p14:modId xmlns:p14="http://schemas.microsoft.com/office/powerpoint/2010/main" val="744842571"/>
               </p:ext>
             </p:extLst>
           </p:nvPr>
@@ -6275,12 +6223,12 @@
                         </a:spcAft>
                       </a:pPr>
                       <a:r>
-                        <a:rPr lang="es-ES" sz="1100">
+                        <a:rPr lang="es-ES" sz="1100" dirty="0">
                           <a:effectLst/>
                         </a:rPr>
                         <a:t>AEL</a:t>
                       </a:r>
-                      <a:endParaRPr lang="es-UY" sz="1100">
+                      <a:endParaRPr lang="es-UY" sz="1100" dirty="0">
                         <a:effectLst/>
                         <a:latin typeface="Times New Roman" panose="02020603050405020304" pitchFamily="18" charset="0"/>
                         <a:ea typeface="Times New Roman" panose="02020603050405020304" pitchFamily="18" charset="0"/>
@@ -6314,12 +6262,12 @@
                         </a:spcAft>
                       </a:pPr>
                       <a:r>
-                        <a:rPr lang="es-ES" sz="1100">
+                        <a:rPr lang="es-ES" sz="1100" dirty="0">
                           <a:effectLst/>
                         </a:rPr>
                         <a:t>AER</a:t>
                       </a:r>
-                      <a:endParaRPr lang="es-UY" sz="1100">
+                      <a:endParaRPr lang="es-UY" sz="1100" dirty="0">
                         <a:effectLst/>
                         <a:latin typeface="Times New Roman" panose="02020603050405020304" pitchFamily="18" charset="0"/>
                         <a:ea typeface="Times New Roman" panose="02020603050405020304" pitchFamily="18" charset="0"/>
@@ -6365,12 +6313,12 @@
                         </a:spcAft>
                       </a:pPr>
                       <a:r>
-                        <a:rPr lang="es-ES" sz="1100">
+                        <a:rPr lang="es-ES" sz="1100" dirty="0">
                           <a:effectLst/>
                         </a:rPr>
                         <a:t>% Incremento del Tiempo </a:t>
                       </a:r>
-                      <a:endParaRPr lang="es-UY" sz="1100">
+                      <a:endParaRPr lang="es-UY" sz="1100" dirty="0">
                         <a:effectLst/>
                         <a:latin typeface="Times New Roman" panose="02020603050405020304" pitchFamily="18" charset="0"/>
                         <a:ea typeface="Times New Roman" panose="02020603050405020304" pitchFamily="18" charset="0"/>
@@ -6394,12 +6342,12 @@
                         </a:spcAft>
                       </a:pPr>
                       <a:r>
-                        <a:rPr lang="es-ES" sz="1100">
+                        <a:rPr lang="es-ES" sz="1100" dirty="0">
                           <a:effectLst/>
                         </a:rPr>
                         <a:t>% Mejora</a:t>
                       </a:r>
-                      <a:endParaRPr lang="es-UY" sz="1100">
+                      <a:endParaRPr lang="es-UY" sz="1100" dirty="0">
                         <a:effectLst/>
                         <a:latin typeface="Times New Roman" panose="02020603050405020304" pitchFamily="18" charset="0"/>
                         <a:ea typeface="Times New Roman" panose="02020603050405020304" pitchFamily="18" charset="0"/>
@@ -6423,12 +6371,12 @@
                         </a:spcAft>
                       </a:pPr>
                       <a:r>
-                        <a:rPr lang="es-ES" sz="1100">
+                        <a:rPr lang="es-ES" sz="1100" dirty="0">
                           <a:effectLst/>
                         </a:rPr>
                         <a:t>% Incremento de Tiempo </a:t>
                       </a:r>
-                      <a:endParaRPr lang="es-UY" sz="1100">
+                      <a:endParaRPr lang="es-UY" sz="1100" dirty="0">
                         <a:effectLst/>
                         <a:latin typeface="Times New Roman" panose="02020603050405020304" pitchFamily="18" charset="0"/>
                         <a:ea typeface="Times New Roman" panose="02020603050405020304" pitchFamily="18" charset="0"/>
@@ -6452,12 +6400,12 @@
                         </a:spcAft>
                       </a:pPr>
                       <a:r>
-                        <a:rPr lang="es-ES" sz="1100">
+                        <a:rPr lang="es-ES" sz="1100" dirty="0">
                           <a:effectLst/>
                         </a:rPr>
                         <a:t>% Mejora</a:t>
                       </a:r>
-                      <a:endParaRPr lang="es-UY" sz="1100">
+                      <a:endParaRPr lang="es-UY" sz="1100" dirty="0">
                         <a:effectLst/>
                         <a:latin typeface="Times New Roman" panose="02020603050405020304" pitchFamily="18" charset="0"/>
                         <a:ea typeface="Times New Roman" panose="02020603050405020304" pitchFamily="18" charset="0"/>
@@ -6483,12 +6431,12 @@
                         </a:spcAft>
                       </a:pPr>
                       <a:r>
-                        <a:rPr lang="es-ES" sz="1100">
+                        <a:rPr lang="es-ES" sz="1100" dirty="0">
                           <a:effectLst/>
                         </a:rPr>
                         <a:t>A</a:t>
                       </a:r>
-                      <a:endParaRPr lang="es-UY" sz="1100">
+                      <a:endParaRPr lang="es-UY" sz="1100" dirty="0">
                         <a:effectLst/>
                         <a:latin typeface="Times New Roman" panose="02020603050405020304" pitchFamily="18" charset="0"/>
                         <a:ea typeface="Times New Roman" panose="02020603050405020304" pitchFamily="18" charset="0"/>
@@ -6512,12 +6460,12 @@
                         </a:spcAft>
                       </a:pPr>
                       <a:r>
-                        <a:rPr lang="es-ES" sz="1100">
+                        <a:rPr lang="es-ES" sz="1100" dirty="0">
                           <a:effectLst/>
                         </a:rPr>
                         <a:t>7268,65</a:t>
                       </a:r>
-                      <a:endParaRPr lang="es-UY" sz="1100">
+                      <a:endParaRPr lang="es-UY" sz="1100" dirty="0">
                         <a:effectLst/>
                         <a:latin typeface="Times New Roman" panose="02020603050405020304" pitchFamily="18" charset="0"/>
                         <a:ea typeface="Times New Roman" panose="02020603050405020304" pitchFamily="18" charset="0"/>
@@ -6541,12 +6489,12 @@
                         </a:spcAft>
                       </a:pPr>
                       <a:r>
-                        <a:rPr lang="es-ES" sz="1100">
+                        <a:rPr lang="es-ES" sz="1100" dirty="0">
                           <a:effectLst/>
                         </a:rPr>
                         <a:t>3,46</a:t>
                       </a:r>
-                      <a:endParaRPr lang="es-UY" sz="1100">
+                      <a:endParaRPr lang="es-UY" sz="1100" dirty="0">
                         <a:effectLst/>
                         <a:latin typeface="Times New Roman" panose="02020603050405020304" pitchFamily="18" charset="0"/>
                         <a:ea typeface="Times New Roman" panose="02020603050405020304" pitchFamily="18" charset="0"/>
@@ -6570,12 +6518,12 @@
                         </a:spcAft>
                       </a:pPr>
                       <a:r>
-                        <a:rPr lang="es-ES" sz="1100">
+                        <a:rPr lang="es-ES" sz="1100" dirty="0">
                           <a:effectLst/>
                         </a:rPr>
                         <a:t>123,38</a:t>
                       </a:r>
-                      <a:endParaRPr lang="es-UY" sz="1100">
+                      <a:endParaRPr lang="es-UY" sz="1100" dirty="0">
                         <a:effectLst/>
                         <a:latin typeface="Times New Roman" panose="02020603050405020304" pitchFamily="18" charset="0"/>
                         <a:ea typeface="Times New Roman" panose="02020603050405020304" pitchFamily="18" charset="0"/>
@@ -6599,12 +6547,12 @@
                         </a:spcAft>
                       </a:pPr>
                       <a:r>
-                        <a:rPr lang="es-ES" sz="1100">
+                        <a:rPr lang="es-ES" sz="1100" dirty="0">
                           <a:effectLst/>
                         </a:rPr>
                         <a:t>3,18</a:t>
                       </a:r>
-                      <a:endParaRPr lang="es-UY" sz="1100">
+                      <a:endParaRPr lang="es-UY" sz="1100" dirty="0">
                         <a:effectLst/>
                         <a:latin typeface="Times New Roman" panose="02020603050405020304" pitchFamily="18" charset="0"/>
                         <a:ea typeface="Times New Roman" panose="02020603050405020304" pitchFamily="18" charset="0"/>
@@ -6630,12 +6578,12 @@
                         </a:spcAft>
                       </a:pPr>
                       <a:r>
-                        <a:rPr lang="es-ES" sz="1100">
+                        <a:rPr lang="es-ES" sz="1100" dirty="0">
                           <a:effectLst/>
                         </a:rPr>
                         <a:t>B.1</a:t>
                       </a:r>
-                      <a:endParaRPr lang="es-UY" sz="1100">
+                      <a:endParaRPr lang="es-UY" sz="1100" dirty="0">
                         <a:effectLst/>
                         <a:latin typeface="Times New Roman" panose="02020603050405020304" pitchFamily="18" charset="0"/>
                         <a:ea typeface="Times New Roman" panose="02020603050405020304" pitchFamily="18" charset="0"/>
@@ -6659,12 +6607,12 @@
                         </a:spcAft>
                       </a:pPr>
                       <a:r>
-                        <a:rPr lang="es-ES" sz="1100">
+                        <a:rPr lang="es-ES" sz="1100" dirty="0">
                           <a:effectLst/>
                         </a:rPr>
                         <a:t>1314,80</a:t>
                       </a:r>
-                      <a:endParaRPr lang="es-UY" sz="1100">
+                      <a:endParaRPr lang="es-UY" sz="1100" dirty="0">
                         <a:effectLst/>
                         <a:latin typeface="Times New Roman" panose="02020603050405020304" pitchFamily="18" charset="0"/>
                         <a:ea typeface="Times New Roman" panose="02020603050405020304" pitchFamily="18" charset="0"/>
@@ -6688,12 +6636,12 @@
                         </a:spcAft>
                       </a:pPr>
                       <a:r>
-                        <a:rPr lang="es-ES" sz="1100">
+                        <a:rPr lang="es-ES" sz="1100" dirty="0">
                           <a:effectLst/>
                         </a:rPr>
                         <a:t>0,27</a:t>
                       </a:r>
-                      <a:endParaRPr lang="es-UY" sz="1100">
+                      <a:endParaRPr lang="es-UY" sz="1100" dirty="0">
                         <a:effectLst/>
                         <a:latin typeface="Times New Roman" panose="02020603050405020304" pitchFamily="18" charset="0"/>
                         <a:ea typeface="Times New Roman" panose="02020603050405020304" pitchFamily="18" charset="0"/>
@@ -6717,12 +6665,12 @@
                         </a:spcAft>
                       </a:pPr>
                       <a:r>
-                        <a:rPr lang="es-ES" sz="1100">
+                        <a:rPr lang="es-ES" sz="1100" dirty="0">
                           <a:effectLst/>
                         </a:rPr>
                         <a:t>46,34</a:t>
                       </a:r>
-                      <a:endParaRPr lang="es-UY" sz="1100">
+                      <a:endParaRPr lang="es-UY" sz="1100" dirty="0">
                         <a:effectLst/>
                         <a:latin typeface="Times New Roman" panose="02020603050405020304" pitchFamily="18" charset="0"/>
                         <a:ea typeface="Times New Roman" panose="02020603050405020304" pitchFamily="18" charset="0"/>
@@ -6746,12 +6694,12 @@
                         </a:spcAft>
                       </a:pPr>
                       <a:r>
-                        <a:rPr lang="es-ES" sz="1100">
+                        <a:rPr lang="es-ES" sz="1100" dirty="0">
                           <a:effectLst/>
                         </a:rPr>
                         <a:t>0,30</a:t>
                       </a:r>
-                      <a:endParaRPr lang="es-UY" sz="1100">
+                      <a:endParaRPr lang="es-UY" sz="1100" dirty="0">
                         <a:effectLst/>
                         <a:latin typeface="Times New Roman" panose="02020603050405020304" pitchFamily="18" charset="0"/>
                         <a:ea typeface="Times New Roman" panose="02020603050405020304" pitchFamily="18" charset="0"/>
@@ -6777,12 +6725,12 @@
                         </a:spcAft>
                       </a:pPr>
                       <a:r>
-                        <a:rPr lang="es-ES" sz="1100">
+                        <a:rPr lang="es-ES" sz="1100" dirty="0">
                           <a:effectLst/>
                         </a:rPr>
                         <a:t>B.2</a:t>
                       </a:r>
-                      <a:endParaRPr lang="es-UY" sz="1100">
+                      <a:endParaRPr lang="es-UY" sz="1100" dirty="0">
                         <a:effectLst/>
                         <a:latin typeface="Times New Roman" panose="02020603050405020304" pitchFamily="18" charset="0"/>
                         <a:ea typeface="Times New Roman" panose="02020603050405020304" pitchFamily="18" charset="0"/>
@@ -6806,12 +6754,12 @@
                         </a:spcAft>
                       </a:pPr>
                       <a:r>
-                        <a:rPr lang="es-ES" sz="1100">
+                        <a:rPr lang="es-ES" sz="1100" dirty="0">
                           <a:effectLst/>
                         </a:rPr>
                         <a:t>3958,89</a:t>
                       </a:r>
-                      <a:endParaRPr lang="es-UY" sz="1100">
+                      <a:endParaRPr lang="es-UY" sz="1100" dirty="0">
                         <a:effectLst/>
                         <a:latin typeface="Times New Roman" panose="02020603050405020304" pitchFamily="18" charset="0"/>
                         <a:ea typeface="Times New Roman" panose="02020603050405020304" pitchFamily="18" charset="0"/>
@@ -6835,12 +6783,12 @@
                         </a:spcAft>
                       </a:pPr>
                       <a:r>
-                        <a:rPr lang="es-ES" sz="1100">
+                        <a:rPr lang="es-ES" sz="1100" dirty="0">
                           <a:effectLst/>
                         </a:rPr>
                         <a:t>1,69</a:t>
                       </a:r>
-                      <a:endParaRPr lang="es-UY" sz="1100">
+                      <a:endParaRPr lang="es-UY" sz="1100" dirty="0">
                         <a:effectLst/>
                         <a:latin typeface="Times New Roman" panose="02020603050405020304" pitchFamily="18" charset="0"/>
                         <a:ea typeface="Times New Roman" panose="02020603050405020304" pitchFamily="18" charset="0"/>
@@ -6893,12 +6841,12 @@
                         </a:spcAft>
                       </a:pPr>
                       <a:r>
-                        <a:rPr lang="es-ES" sz="1100">
+                        <a:rPr lang="es-ES" sz="1100" dirty="0">
                           <a:effectLst/>
                         </a:rPr>
                         <a:t>0,61</a:t>
                       </a:r>
-                      <a:endParaRPr lang="es-UY" sz="1100">
+                      <a:endParaRPr lang="es-UY" sz="1100" dirty="0">
                         <a:effectLst/>
                         <a:latin typeface="Times New Roman" panose="02020603050405020304" pitchFamily="18" charset="0"/>
                         <a:ea typeface="Times New Roman" panose="02020603050405020304" pitchFamily="18" charset="0"/>
@@ -6924,12 +6872,12 @@
                         </a:spcAft>
                       </a:pPr>
                       <a:r>
-                        <a:rPr lang="es-ES" sz="1100">
+                        <a:rPr lang="es-ES" sz="1100" dirty="0">
                           <a:effectLst/>
                         </a:rPr>
                         <a:t>B.3</a:t>
                       </a:r>
-                      <a:endParaRPr lang="es-UY" sz="1100">
+                      <a:endParaRPr lang="es-UY" sz="1100" dirty="0">
                         <a:effectLst/>
                         <a:latin typeface="Times New Roman" panose="02020603050405020304" pitchFamily="18" charset="0"/>
                         <a:ea typeface="Times New Roman" panose="02020603050405020304" pitchFamily="18" charset="0"/>
@@ -6953,12 +6901,12 @@
                         </a:spcAft>
                       </a:pPr>
                       <a:r>
-                        <a:rPr lang="es-ES" sz="1100">
+                        <a:rPr lang="es-ES" sz="1100" dirty="0">
                           <a:effectLst/>
                         </a:rPr>
                         <a:t>6832,08</a:t>
                       </a:r>
-                      <a:endParaRPr lang="es-UY" sz="1100">
+                      <a:endParaRPr lang="es-UY" sz="1100" dirty="0">
                         <a:effectLst/>
                         <a:latin typeface="Times New Roman" panose="02020603050405020304" pitchFamily="18" charset="0"/>
                         <a:ea typeface="Times New Roman" panose="02020603050405020304" pitchFamily="18" charset="0"/>
@@ -6982,12 +6930,12 @@
                         </a:spcAft>
                       </a:pPr>
                       <a:r>
-                        <a:rPr lang="es-ES" sz="1100">
+                        <a:rPr lang="es-ES" sz="1100" dirty="0">
                           <a:effectLst/>
                         </a:rPr>
                         <a:t>4,20</a:t>
                       </a:r>
-                      <a:endParaRPr lang="es-UY" sz="1100">
+                      <a:endParaRPr lang="es-UY" sz="1100" dirty="0">
                         <a:effectLst/>
                         <a:latin typeface="Times New Roman" panose="02020603050405020304" pitchFamily="18" charset="0"/>
                         <a:ea typeface="Times New Roman" panose="02020603050405020304" pitchFamily="18" charset="0"/>
@@ -7011,12 +6959,12 @@
                         </a:spcAft>
                       </a:pPr>
                       <a:r>
-                        <a:rPr lang="es-ES" sz="1100">
+                        <a:rPr lang="es-ES" sz="1100" dirty="0">
                           <a:effectLst/>
                         </a:rPr>
                         <a:t>46,88</a:t>
                       </a:r>
-                      <a:endParaRPr lang="es-UY" sz="1100">
+                      <a:endParaRPr lang="es-UY" sz="1100" dirty="0">
                         <a:effectLst/>
                         <a:latin typeface="Times New Roman" panose="02020603050405020304" pitchFamily="18" charset="0"/>
                         <a:ea typeface="Times New Roman" panose="02020603050405020304" pitchFamily="18" charset="0"/>
@@ -7040,12 +6988,12 @@
                         </a:spcAft>
                       </a:pPr>
                       <a:r>
-                        <a:rPr lang="es-ES" sz="1100">
+                        <a:rPr lang="es-ES" sz="1100" dirty="0">
                           <a:effectLst/>
                         </a:rPr>
                         <a:t>1,76</a:t>
                       </a:r>
-                      <a:endParaRPr lang="es-UY" sz="1100">
+                      <a:endParaRPr lang="es-UY" sz="1100" dirty="0">
                         <a:effectLst/>
                         <a:latin typeface="Times New Roman" panose="02020603050405020304" pitchFamily="18" charset="0"/>
                         <a:ea typeface="Times New Roman" panose="02020603050405020304" pitchFamily="18" charset="0"/>
@@ -7071,12 +7019,12 @@
                         </a:spcAft>
                       </a:pPr>
                       <a:r>
-                        <a:rPr lang="es-ES" sz="1100">
+                        <a:rPr lang="es-ES" sz="1100" dirty="0">
                           <a:effectLst/>
                         </a:rPr>
                         <a:t>C.1</a:t>
                       </a:r>
-                      <a:endParaRPr lang="es-UY" sz="1100">
+                      <a:endParaRPr lang="es-UY" sz="1100" dirty="0">
                         <a:effectLst/>
                         <a:latin typeface="Times New Roman" panose="02020603050405020304" pitchFamily="18" charset="0"/>
                         <a:ea typeface="Times New Roman" panose="02020603050405020304" pitchFamily="18" charset="0"/>
@@ -7100,12 +7048,12 @@
                         </a:spcAft>
                       </a:pPr>
                       <a:r>
-                        <a:rPr lang="es-ES" sz="1100">
+                        <a:rPr lang="es-ES" sz="1100" dirty="0">
                           <a:effectLst/>
                         </a:rPr>
                         <a:t>2417,50</a:t>
                       </a:r>
-                      <a:endParaRPr lang="es-UY" sz="1100">
+                      <a:endParaRPr lang="es-UY" sz="1100" dirty="0">
                         <a:effectLst/>
                         <a:latin typeface="Times New Roman" panose="02020603050405020304" pitchFamily="18" charset="0"/>
                         <a:ea typeface="Times New Roman" panose="02020603050405020304" pitchFamily="18" charset="0"/>
@@ -7129,12 +7077,12 @@
                         </a:spcAft>
                       </a:pPr>
                       <a:r>
-                        <a:rPr lang="es-ES" sz="1100">
+                        <a:rPr lang="es-ES" sz="1100" dirty="0">
                           <a:effectLst/>
                         </a:rPr>
                         <a:t>1,32</a:t>
                       </a:r>
-                      <a:endParaRPr lang="es-UY" sz="1100">
+                      <a:endParaRPr lang="es-UY" sz="1100" dirty="0">
                         <a:effectLst/>
                         <a:latin typeface="Times New Roman" panose="02020603050405020304" pitchFamily="18" charset="0"/>
                         <a:ea typeface="Times New Roman" panose="02020603050405020304" pitchFamily="18" charset="0"/>
@@ -7158,12 +7106,12 @@
                         </a:spcAft>
                       </a:pPr>
                       <a:r>
-                        <a:rPr lang="es-ES" sz="1100">
+                        <a:rPr lang="es-ES" sz="1100" dirty="0">
                           <a:effectLst/>
                         </a:rPr>
                         <a:t>55,18</a:t>
                       </a:r>
-                      <a:endParaRPr lang="es-UY" sz="1100">
+                      <a:endParaRPr lang="es-UY" sz="1100" dirty="0">
                         <a:effectLst/>
                         <a:latin typeface="Times New Roman" panose="02020603050405020304" pitchFamily="18" charset="0"/>
                         <a:ea typeface="Times New Roman" panose="02020603050405020304" pitchFamily="18" charset="0"/>
@@ -7187,12 +7135,12 @@
                         </a:spcAft>
                       </a:pPr>
                       <a:r>
-                        <a:rPr lang="es-ES" sz="1100">
+                        <a:rPr lang="es-ES" sz="1100" dirty="0">
                           <a:effectLst/>
                         </a:rPr>
                         <a:t>0,08</a:t>
                       </a:r>
-                      <a:endParaRPr lang="es-UY" sz="1100">
+                      <a:endParaRPr lang="es-UY" sz="1100" dirty="0">
                         <a:effectLst/>
                         <a:latin typeface="Times New Roman" panose="02020603050405020304" pitchFamily="18" charset="0"/>
                         <a:ea typeface="Times New Roman" panose="02020603050405020304" pitchFamily="18" charset="0"/>
@@ -7218,12 +7166,12 @@
                         </a:spcAft>
                       </a:pPr>
                       <a:r>
-                        <a:rPr lang="es-ES" sz="1100">
+                        <a:rPr lang="es-ES" sz="1100" dirty="0">
                           <a:effectLst/>
                         </a:rPr>
                         <a:t>C.2</a:t>
                       </a:r>
-                      <a:endParaRPr lang="es-UY" sz="1100">
+                      <a:endParaRPr lang="es-UY" sz="1100" dirty="0">
                         <a:effectLst/>
                         <a:latin typeface="Times New Roman" panose="02020603050405020304" pitchFamily="18" charset="0"/>
                         <a:ea typeface="Times New Roman" panose="02020603050405020304" pitchFamily="18" charset="0"/>
@@ -7247,12 +7195,12 @@
                         </a:spcAft>
                       </a:pPr>
                       <a:r>
-                        <a:rPr lang="es-ES" sz="1100">
+                        <a:rPr lang="es-ES" sz="1100" dirty="0">
                           <a:effectLst/>
                         </a:rPr>
                         <a:t>6070,88</a:t>
                       </a:r>
-                      <a:endParaRPr lang="es-UY" sz="1100">
+                      <a:endParaRPr lang="es-UY" sz="1100" dirty="0">
                         <a:effectLst/>
                         <a:latin typeface="Times New Roman" panose="02020603050405020304" pitchFamily="18" charset="0"/>
                         <a:ea typeface="Times New Roman" panose="02020603050405020304" pitchFamily="18" charset="0"/>
@@ -7276,12 +7224,12 @@
                         </a:spcAft>
                       </a:pPr>
                       <a:r>
-                        <a:rPr lang="es-ES" sz="1100">
+                        <a:rPr lang="es-ES" sz="1100" dirty="0">
                           <a:effectLst/>
                         </a:rPr>
                         <a:t>1,88</a:t>
                       </a:r>
-                      <a:endParaRPr lang="es-UY" sz="1100">
+                      <a:endParaRPr lang="es-UY" sz="1100" dirty="0">
                         <a:effectLst/>
                         <a:latin typeface="Times New Roman" panose="02020603050405020304" pitchFamily="18" charset="0"/>
                         <a:ea typeface="Times New Roman" panose="02020603050405020304" pitchFamily="18" charset="0"/>
@@ -7305,12 +7253,12 @@
                         </a:spcAft>
                       </a:pPr>
                       <a:r>
-                        <a:rPr lang="es-ES" sz="1100">
+                        <a:rPr lang="es-ES" sz="1100" dirty="0">
                           <a:effectLst/>
                         </a:rPr>
                         <a:t>51,03</a:t>
                       </a:r>
-                      <a:endParaRPr lang="es-UY" sz="1100">
+                      <a:endParaRPr lang="es-UY" sz="1100" dirty="0">
                         <a:effectLst/>
                         <a:latin typeface="Times New Roman" panose="02020603050405020304" pitchFamily="18" charset="0"/>
                         <a:ea typeface="Times New Roman" panose="02020603050405020304" pitchFamily="18" charset="0"/>
@@ -7334,12 +7282,12 @@
                         </a:spcAft>
                       </a:pPr>
                       <a:r>
-                        <a:rPr lang="es-ES" sz="1100">
+                        <a:rPr lang="es-ES" sz="1100" dirty="0">
                           <a:effectLst/>
                         </a:rPr>
                         <a:t>1,03</a:t>
                       </a:r>
-                      <a:endParaRPr lang="es-UY" sz="1100">
+                      <a:endParaRPr lang="es-UY" sz="1100" dirty="0">
                         <a:effectLst/>
                         <a:latin typeface="Times New Roman" panose="02020603050405020304" pitchFamily="18" charset="0"/>
                         <a:ea typeface="Times New Roman" panose="02020603050405020304" pitchFamily="18" charset="0"/>
@@ -7365,12 +7313,12 @@
                         </a:spcAft>
                       </a:pPr>
                       <a:r>
-                        <a:rPr lang="es-ES" sz="1100">
+                        <a:rPr lang="es-ES" sz="1100" dirty="0">
                           <a:effectLst/>
                         </a:rPr>
                         <a:t>C.3</a:t>
                       </a:r>
-                      <a:endParaRPr lang="es-UY" sz="1100">
+                      <a:endParaRPr lang="es-UY" sz="1100" dirty="0">
                         <a:effectLst/>
                         <a:latin typeface="Times New Roman" panose="02020603050405020304" pitchFamily="18" charset="0"/>
                         <a:ea typeface="Times New Roman" panose="02020603050405020304" pitchFamily="18" charset="0"/>
@@ -7394,12 +7342,12 @@
                         </a:spcAft>
                       </a:pPr>
                       <a:r>
-                        <a:rPr lang="es-ES" sz="1100">
+                        <a:rPr lang="es-ES" sz="1100" dirty="0">
                           <a:effectLst/>
                         </a:rPr>
                         <a:t>8974,97</a:t>
                       </a:r>
-                      <a:endParaRPr lang="es-UY" sz="1100">
+                      <a:endParaRPr lang="es-UY" sz="1100" dirty="0">
                         <a:effectLst/>
                         <a:latin typeface="Times New Roman" panose="02020603050405020304" pitchFamily="18" charset="0"/>
                         <a:ea typeface="Times New Roman" panose="02020603050405020304" pitchFamily="18" charset="0"/>
@@ -7452,12 +7400,12 @@
                         </a:spcAft>
                       </a:pPr>
                       <a:r>
-                        <a:rPr lang="es-ES" sz="1100">
+                        <a:rPr lang="es-ES" sz="1100" dirty="0">
                           <a:effectLst/>
                         </a:rPr>
                         <a:t>38,80</a:t>
                       </a:r>
-                      <a:endParaRPr lang="es-UY" sz="1100">
+                      <a:endParaRPr lang="es-UY" sz="1100" dirty="0">
                         <a:effectLst/>
                         <a:latin typeface="Times New Roman" panose="02020603050405020304" pitchFamily="18" charset="0"/>
                         <a:ea typeface="Times New Roman" panose="02020603050405020304" pitchFamily="18" charset="0"/>
@@ -7509,8 +7457,8 @@
         </p:nvSpPr>
         <p:spPr>
           <a:xfrm>
-            <a:off x="1068945" y="1957588"/>
-            <a:ext cx="8075055" cy="646331"/>
+            <a:off x="1455312" y="1738648"/>
+            <a:ext cx="8075055" cy="1107996"/>
           </a:xfrm>
           <a:prstGeom prst="rect">
             <a:avLst/>
@@ -7523,21 +7471,29 @@
           <a:lstStyle/>
           <a:p>
             <a:r>
-              <a:rPr lang="es-UY" dirty="0" smtClean="0">
-                <a:effectLst/>
-                <a:latin typeface="Times New Roman" panose="02020603050405020304" pitchFamily="18" charset="0"/>
-                <a:ea typeface="Times New Roman" panose="02020603050405020304" pitchFamily="18" charset="0"/>
-              </a:rPr>
-              <a:t>Representaremos el porcentaje de mejora de los algoritmos implementados a través de la siguiente tabla, se toma como base el algoritmo de urgencia con capacidades.</a:t>
-            </a:r>
-            <a:endParaRPr lang="es-UY" dirty="0"/>
+              <a:rPr lang="es-UY" sz="2200" dirty="0" smtClean="0"/>
+              <a:t>Representa </a:t>
+            </a:r>
+            <a:r>
+              <a:rPr lang="es-UY" sz="2200" dirty="0"/>
+              <a:t>el porcentaje de mejora de los algoritmos </a:t>
+            </a:r>
+            <a:r>
+              <a:rPr lang="es-UY" sz="2200" dirty="0" smtClean="0"/>
+              <a:t>implementados. Se </a:t>
+            </a:r>
+            <a:r>
+              <a:rPr lang="es-UY" sz="2200" dirty="0"/>
+              <a:t>toma como base el algoritmo de urgencia con capacidades.</a:t>
+            </a:r>
+            <a:endParaRPr lang="es-UY" sz="2200" dirty="0"/>
           </a:p>
         </p:txBody>
       </p:sp>
     </p:spTree>
     <p:extLst>
       <p:ext uri="{BB962C8B-B14F-4D97-AF65-F5344CB8AC3E}">
-        <p14:creationId xmlns:p14="http://schemas.microsoft.com/office/powerpoint/2010/main" xmlns="" val="3046759313"/>
+        <p14:creationId xmlns:p14="http://schemas.microsoft.com/office/powerpoint/2010/main" val="3046759313"/>
       </p:ext>
     </p:extLst>
   </p:cSld>
@@ -7587,12 +7543,8 @@
           <a:lstStyle/>
           <a:p>
             <a:r>
-              <a:rPr lang="es-UY" dirty="0" err="1"/>
-              <a:t>MDVRP</a:t>
-            </a:r>
-            <a:r>
               <a:rPr lang="es-UY" dirty="0"/>
-              <a:t>- Solución, Testeo.</a:t>
+              <a:t>MDVRP- Solución, Testeo.</a:t>
             </a:r>
             <a:br>
               <a:rPr lang="es-UY" dirty="0"/>
@@ -7628,61 +7580,90 @@
           <a:p>
             <a:r>
               <a:rPr lang="es-ES" dirty="0"/>
-              <a:t>El costo del caso A es mayor que el resultado de </a:t>
-            </a:r>
-            <a:r>
-              <a:rPr lang="es-ES" dirty="0" err="1"/>
-              <a:t>TSPLib</a:t>
-            </a:r>
+              <a:t>El costo del caso A es mayor que el resultado de TSPLib para el algoritmo de asignación básico, pero recordemos que TSPLib no considera las capacidades, y las mismas fueron agregadas. </a:t>
+            </a:r>
+          </a:p>
+          <a:p>
             <a:r>
               <a:rPr lang="es-ES" dirty="0"/>
-              <a:t> para el algoritmo de asignación básico, pero recordemos que </a:t>
-            </a:r>
-            <a:r>
-              <a:rPr lang="es-ES" dirty="0" err="1"/>
-              <a:t>TSPLib</a:t>
+              <a:t>El AER corrió en un tiempo relativamente corto y </a:t>
+            </a:r>
+            <a:r>
+              <a:rPr lang="es-ES" dirty="0" smtClean="0"/>
+              <a:t>mejoró </a:t>
             </a:r>
             <a:r>
               <a:rPr lang="es-ES" dirty="0"/>
-              <a:t> no considera las capacidades, y las mismas fueron agregadas. </a:t>
+              <a:t>la solución respecto a los métodos de asignación por urgencia. </a:t>
             </a:r>
           </a:p>
           <a:p>
             <a:r>
               <a:rPr lang="es-ES" dirty="0"/>
-              <a:t>El </a:t>
-            </a:r>
-            <a:r>
-              <a:rPr lang="es-ES" dirty="0" err="1"/>
-              <a:t>AER</a:t>
+              <a:t>El algoritmo de asignación Enajenados Lento </a:t>
+            </a:r>
+            <a:r>
+              <a:rPr lang="es-ES" dirty="0" smtClean="0"/>
+              <a:t>AEL(con </a:t>
             </a:r>
             <a:r>
               <a:rPr lang="es-ES" dirty="0"/>
-              <a:t> corrió en un tiempo relativamente corto y mejoro la solución respecto a los métodos de asignación por urgencia. </a:t>
-            </a:r>
-          </a:p>
-          <a:p>
+              <a:t>intercambio entre depósitos) </a:t>
+            </a:r>
+            <a:r>
+              <a:rPr lang="es-ES" dirty="0" smtClean="0"/>
+              <a:t>demoró </a:t>
+            </a:r>
             <a:r>
               <a:rPr lang="es-ES" dirty="0"/>
-              <a:t>El algoritmo de asignación Enajenados Lento (con intercambio entre depósitos) demoro un tiempo considerable pero llego a una solución mejor que todas las otras formas de asignación implementadas.</a:t>
-            </a:r>
-          </a:p>
-          <a:p>
+              <a:t>un tiempo considerable pero </a:t>
+            </a:r>
+            <a:r>
+              <a:rPr lang="es-ES" dirty="0" smtClean="0"/>
+              <a:t>llegó </a:t>
+            </a:r>
             <a:r>
               <a:rPr lang="es-ES" dirty="0"/>
-              <a:t>El problema de la mejora de los clientes enajenados produjo mejores rutas en todos los casos que se probaron.</a:t>
+              <a:t>a una solución mejor que todas las otras formas de asignación implementadas.</a:t>
             </a:r>
           </a:p>
           <a:p>
             <a:r>
               <a:rPr lang="es-ES" dirty="0"/>
-              <a:t>El algoritmo de Ruteo finalizo  su  ejecución en pocos segundos, y los algoritmos de post optimización, al ser locales para cada deposito también fueron ejecutados en segundos.</a:t>
-            </a:r>
+              <a:t>El problema de la mejora de los clientes enajenados produjo mejores rutas en todos los casos </a:t>
+            </a:r>
+            <a:r>
+              <a:rPr lang="es-ES" dirty="0" smtClean="0"/>
+              <a:t>de prueba.</a:t>
+            </a:r>
+            <a:endParaRPr lang="es-ES" dirty="0"/>
           </a:p>
           <a:p>
             <a:r>
               <a:rPr lang="es-ES" dirty="0"/>
-              <a:t> Los algoritmos de post optimización produciendo siempre mejoras en los casos con muchos clientes.</a:t>
+              <a:t>El algoritmo de Ruteo </a:t>
+            </a:r>
+            <a:r>
+              <a:rPr lang="es-ES" dirty="0" smtClean="0"/>
+              <a:t>finalizó  </a:t>
+            </a:r>
+            <a:r>
+              <a:rPr lang="es-ES" dirty="0"/>
+              <a:t>su  ejecución en pocos segundos, y los algoritmos de post optimización, al ser locales para cada deposito también fueron ejecutados en segundos.</a:t>
+            </a:r>
+          </a:p>
+          <a:p>
+            <a:r>
+              <a:rPr lang="es-ES" dirty="0"/>
+              <a:t> Los algoritmos de post optimización </a:t>
+            </a:r>
+            <a:r>
+              <a:rPr lang="es-ES" dirty="0" smtClean="0"/>
+              <a:t>produjeron </a:t>
+            </a:r>
+            <a:r>
+              <a:rPr lang="es-ES" dirty="0"/>
+              <a:t>siempre mejoras en los casos con muchos clientes.</a:t>
             </a:r>
             <a:endParaRPr lang="es-UY" dirty="0"/>
           </a:p>
@@ -7694,7 +7675,7 @@
     </p:spTree>
     <p:extLst>
       <p:ext uri="{BB962C8B-B14F-4D97-AF65-F5344CB8AC3E}">
-        <p14:creationId xmlns:p14="http://schemas.microsoft.com/office/powerpoint/2010/main" xmlns="" val="3364224153"/>
+        <p14:creationId xmlns:p14="http://schemas.microsoft.com/office/powerpoint/2010/main" val="3364224153"/>
       </p:ext>
     </p:extLst>
   </p:cSld>
@@ -7737,7 +7718,7 @@
           <a:lstStyle/>
           <a:p>
             <a:r>
-              <a:rPr lang="es-UY" dirty="0" err="1" smtClean="0"/>
+              <a:rPr lang="es-UY" dirty="0" smtClean="0"/>
               <a:t>MDVRP</a:t>
             </a:r>
             <a:r>
@@ -7765,55 +7746,68 @@
         <p:spPr/>
         <p:txBody>
           <a:bodyPr>
-            <a:normAutofit fontScale="92500" lnSpcReduction="10000"/>
+            <a:normAutofit lnSpcReduction="10000"/>
           </a:bodyPr>
           <a:lstStyle/>
           <a:p>
             <a:r>
               <a:rPr lang="es-ES" dirty="0"/>
-              <a:t>La implementación y mejoras de algoritmos de solución de </a:t>
-            </a:r>
-            <a:r>
-              <a:rPr lang="es-ES" dirty="0" err="1"/>
-              <a:t>MDVRP</a:t>
+              <a:t>La implementación y mejoras de algoritmos de solución de MDVRP, es un problema abierto y de continuo crecimiento, donde todos los meses se pueden encontrar nuevas publicaciones académicas con algoritmos y mejoras. </a:t>
+            </a:r>
+            <a:endParaRPr lang="es-ES" dirty="0" smtClean="0"/>
+          </a:p>
+          <a:p>
+            <a:r>
+              <a:rPr lang="es-ES" dirty="0" smtClean="0"/>
+              <a:t>A través de este Proyecto de Grado se brinda </a:t>
             </a:r>
             <a:r>
               <a:rPr lang="es-ES" dirty="0"/>
-              <a:t>, es un problema abierto y de continuo crecimiento, donde todos los meses se pueden encontrar nuevas publicaciones académicas con algoritmos y mejoras. </a:t>
+              <a:t>una solución informática para la implementación de nuevos algoritmos y de esta forma proveer un ambiente amigable para </a:t>
+            </a:r>
+            <a:r>
+              <a:rPr lang="es-ES" dirty="0" smtClean="0"/>
+              <a:t>ejecutar algoritmos </a:t>
+            </a:r>
+            <a:r>
+              <a:rPr lang="es-ES" dirty="0" smtClean="0"/>
+              <a:t>de </a:t>
+            </a:r>
+            <a:r>
+              <a:rPr lang="es-ES" dirty="0"/>
+              <a:t>resolución del problema de MDVRP</a:t>
+            </a:r>
+            <a:r>
+              <a:rPr lang="es-ES" dirty="0" smtClean="0"/>
+              <a:t>. Así como permitir la comparación de ejecuciones.</a:t>
+            </a:r>
+          </a:p>
+          <a:p>
+            <a:r>
+              <a:rPr lang="es-ES" dirty="0" smtClean="0"/>
+              <a:t>Por otro lado se </a:t>
+            </a:r>
+            <a:r>
+              <a:rPr lang="es-ES" dirty="0" smtClean="0"/>
+              <a:t>detectó, analizó </a:t>
+            </a:r>
+            <a:r>
+              <a:rPr lang="es-ES" dirty="0" smtClean="0"/>
+              <a:t>y se </a:t>
+            </a:r>
+            <a:r>
+              <a:rPr lang="es-ES" dirty="0" smtClean="0"/>
+              <a:t>trabajó </a:t>
+            </a:r>
+            <a:r>
+              <a:rPr lang="es-ES" dirty="0" smtClean="0"/>
+              <a:t>en algoritmos para un problema particular en la asignación. Los clientes </a:t>
+            </a:r>
+            <a:r>
+              <a:rPr lang="es-ES" dirty="0" smtClean="0"/>
+              <a:t>enajenados.</a:t>
             </a:r>
             <a:endParaRPr lang="es-ES" dirty="0" smtClean="0"/>
-          </a:p>
-          <a:p>
-            <a:r>
-              <a:rPr lang="es-ES" dirty="0" smtClean="0"/>
-              <a:t>A través de este Proyecto de Grado se brinda </a:t>
-            </a:r>
-            <a:r>
-              <a:rPr lang="es-ES" dirty="0"/>
-              <a:t>una solución informática para la implementación de nuevos algoritmos y de esta forma proveer un ambiente amigable para ejecutar, </a:t>
-            </a:r>
-            <a:r>
-              <a:rPr lang="es-ES" dirty="0" smtClean="0"/>
-              <a:t>parametrización y validación de algoritmos de </a:t>
-            </a:r>
-            <a:r>
-              <a:rPr lang="es-ES" dirty="0"/>
-              <a:t>resolución del problema de </a:t>
-            </a:r>
-            <a:r>
-              <a:rPr lang="es-ES" dirty="0" err="1"/>
-              <a:t>MDVRP</a:t>
-            </a:r>
-            <a:r>
-              <a:rPr lang="es-ES" dirty="0" smtClean="0"/>
-              <a:t>. Así como permitir la comparación de ejecuciones.</a:t>
-            </a:r>
-          </a:p>
-          <a:p>
-            <a:r>
-              <a:rPr lang="es-ES" dirty="0" smtClean="0"/>
-              <a:t>Por otro lado se detecto, analizo y se trabajo en algoritmos para un problema particular en la asignación. Los clientes enajenados en la etapa de asignación.</a:t>
-            </a:r>
           </a:p>
           <a:p>
             <a:pPr marL="0" indent="0">
@@ -7829,7 +7823,7 @@
     </p:spTree>
     <p:extLst>
       <p:ext uri="{BB962C8B-B14F-4D97-AF65-F5344CB8AC3E}">
-        <p14:creationId xmlns:p14="http://schemas.microsoft.com/office/powerpoint/2010/main" xmlns="" val="2516212354"/>
+        <p14:creationId xmlns:p14="http://schemas.microsoft.com/office/powerpoint/2010/main" val="2516212354"/>
       </p:ext>
     </p:extLst>
   </p:cSld>
@@ -7879,12 +7873,8 @@
           <a:lstStyle/>
           <a:p>
             <a:r>
-              <a:rPr lang="es-UY" dirty="0" err="1" smtClean="0"/>
-              <a:t>MDVRP</a:t>
-            </a:r>
-            <a:r>
               <a:rPr lang="es-UY" dirty="0" smtClean="0"/>
-              <a:t>- Solución, Testeo.</a:t>
+              <a:t>MDVRP- Solución, Testeo.</a:t>
             </a:r>
             <a:br>
               <a:rPr lang="es-UY" dirty="0" smtClean="0"/>
@@ -7910,7 +7900,7 @@
         <p:spPr/>
         <p:txBody>
           <a:bodyPr>
-            <a:normAutofit fontScale="92500" lnSpcReduction="10000"/>
+            <a:normAutofit fontScale="92500"/>
           </a:bodyPr>
           <a:lstStyle/>
           <a:p>
@@ -7929,23 +7919,15 @@
             <a:pPr lvl="1"/>
             <a:r>
               <a:rPr lang="es-ES" dirty="0" smtClean="0"/>
-              <a:t>El proyecto se enfoco en </a:t>
-            </a:r>
-            <a:r>
-              <a:rPr lang="es-ES" dirty="0" err="1" smtClean="0"/>
-              <a:t>MDVRP</a:t>
-            </a:r>
-            <a:r>
-              <a:rPr lang="es-ES" dirty="0" smtClean="0"/>
-              <a:t> con capacidades siendo necesario efectuar ciertas modificaciones para otras variantes de </a:t>
-            </a:r>
-            <a:r>
-              <a:rPr lang="es-ES" dirty="0" err="1" smtClean="0"/>
-              <a:t>MDVRP</a:t>
-            </a:r>
-            <a:r>
-              <a:rPr lang="es-ES" dirty="0" smtClean="0"/>
-              <a:t> (con ventanas de tiempo, periodicidad, flota heterogénea).</a:t>
+              <a:t>El proyecto se </a:t>
+            </a:r>
+            <a:r>
+              <a:rPr lang="es-ES" dirty="0" smtClean="0"/>
+              <a:t>enfocó </a:t>
+            </a:r>
+            <a:r>
+              <a:rPr lang="es-ES" dirty="0" smtClean="0"/>
+              <a:t>en MDVRP con capacidades siendo necesario efectuar ciertas modificaciones para otras variantes de MDVRP (con ventanas de tiempo, periodicidad, flota heterogénea).</a:t>
             </a:r>
           </a:p>
           <a:p>
@@ -7955,20 +7937,12 @@
               <a:t>Utilización de coordenadas geográficas para otros problemas de </a:t>
             </a:r>
             <a:r>
-              <a:rPr lang="es-ES" dirty="0" err="1" smtClean="0"/>
-              <a:t>MDVRP</a:t>
-            </a:r>
-            <a:r>
-              <a:rPr lang="es-ES" dirty="0" smtClean="0"/>
-              <a:t>. Permitiendo nuevos formatos de entrada que no sean los del standard de </a:t>
-            </a:r>
-            <a:r>
-              <a:rPr lang="es-ES" dirty="0" err="1" smtClean="0"/>
-              <a:t>TSPLIB</a:t>
-            </a:r>
-            <a:r>
-              <a:rPr lang="es-ES" dirty="0" smtClean="0"/>
-              <a:t>.</a:t>
+              <a:rPr lang="es-ES" dirty="0" smtClean="0"/>
+              <a:t>MDVRP permitiendo </a:t>
+            </a:r>
+            <a:r>
+              <a:rPr lang="es-ES" dirty="0" smtClean="0"/>
+              <a:t>nuevos formatos de entrada que no sean los del standard de TSPLIB.</a:t>
             </a:r>
           </a:p>
           <a:p>
@@ -7988,24 +7962,13 @@
             <a:pPr lvl="1"/>
             <a:r>
               <a:rPr lang="es-ES" dirty="0" smtClean="0"/>
-              <a:t>Profundizar en la retroalimentación entre etapas para encontrar mejores rutas (En nuestra implementación, </a:t>
-            </a:r>
-            <a:r>
-              <a:rPr lang="es-ES" dirty="0" err="1" smtClean="0"/>
-              <a:t>unicamente</a:t>
-            </a:r>
-            <a:r>
-              <a:rPr lang="es-ES" dirty="0" smtClean="0"/>
-              <a:t> </a:t>
-            </a:r>
-            <a:r>
-              <a:rPr lang="es-ES" dirty="0" err="1" smtClean="0"/>
-              <a:t>AEL</a:t>
-            </a:r>
-            <a:r>
-              <a:rPr lang="es-ES" dirty="0" smtClean="0"/>
-              <a:t> utiliza un algoritmo de ruteo para evaluar la mejora en cada iteración). </a:t>
-            </a:r>
+              <a:t>Profundizar en la retroalimentación entre etapas para encontrar mejores </a:t>
+            </a:r>
+            <a:r>
+              <a:rPr lang="es-ES" dirty="0" smtClean="0"/>
+              <a:t>rutas.</a:t>
+            </a:r>
+            <a:endParaRPr lang="es-ES" dirty="0" smtClean="0"/>
           </a:p>
           <a:p>
             <a:endParaRPr lang="es-ES" dirty="0"/>
@@ -8024,7 +7987,7 @@
     </p:spTree>
     <p:extLst>
       <p:ext uri="{BB962C8B-B14F-4D97-AF65-F5344CB8AC3E}">
-        <p14:creationId xmlns:p14="http://schemas.microsoft.com/office/powerpoint/2010/main" xmlns="" val="2295583179"/>
+        <p14:creationId xmlns:p14="http://schemas.microsoft.com/office/powerpoint/2010/main" val="2295583179"/>
       </p:ext>
     </p:extLst>
   </p:cSld>
@@ -8193,7 +8156,7 @@
     </p:spTree>
     <p:extLst>
       <p:ext uri="{BB962C8B-B14F-4D97-AF65-F5344CB8AC3E}">
-        <p14:creationId xmlns:p14="http://schemas.microsoft.com/office/powerpoint/2010/main" xmlns="" val="3809995992"/>
+        <p14:creationId xmlns:p14="http://schemas.microsoft.com/office/powerpoint/2010/main" val="3809995992"/>
       </p:ext>
     </p:extLst>
   </p:cSld>
@@ -8556,7 +8519,7 @@
     </p:spTree>
     <p:extLst>
       <p:ext uri="{BB962C8B-B14F-4D97-AF65-F5344CB8AC3E}">
-        <p14:creationId xmlns:p14="http://schemas.microsoft.com/office/powerpoint/2010/main" xmlns="" val="3030859268"/>
+        <p14:creationId xmlns:p14="http://schemas.microsoft.com/office/powerpoint/2010/main" val="3030859268"/>
       </p:ext>
     </p:extLst>
   </p:cSld>
@@ -8653,15 +8616,7 @@
             </a:r>
             <a:r>
               <a:rPr lang="es-ES" dirty="0" smtClean="0"/>
-              <a:t>de </a:t>
-            </a:r>
-            <a:r>
-              <a:rPr lang="es-ES" dirty="0" err="1" smtClean="0"/>
-              <a:t>MDVRP</a:t>
-            </a:r>
-            <a:r>
-              <a:rPr lang="es-ES" dirty="0" smtClean="0"/>
-              <a:t> a </a:t>
+              <a:t>de MDVRP a </a:t>
             </a:r>
             <a:r>
               <a:rPr lang="es-ES" dirty="0"/>
@@ -8687,8 +8642,12 @@
           </a:p>
           <a:p>
             <a:r>
+              <a:rPr lang="es-UY" dirty="0" smtClean="0"/>
+              <a:t>Características</a:t>
+            </a:r>
+            <a:r>
               <a:rPr lang="en-US" dirty="0" smtClean="0"/>
-              <a:t>Characteristics </a:t>
+              <a:t> </a:t>
             </a:r>
             <a:r>
               <a:rPr lang="es-UY" dirty="0" smtClean="0"/>
@@ -8708,15 +8667,7 @@
             <a:pPr lvl="1"/>
             <a:r>
               <a:rPr lang="es-ES" dirty="0" smtClean="0"/>
-              <a:t>Compatibilidad de datos de entrada con los formatos de </a:t>
-            </a:r>
-            <a:r>
-              <a:rPr lang="es-ES" dirty="0" err="1" smtClean="0"/>
-              <a:t>TSPLib</a:t>
-            </a:r>
-            <a:r>
-              <a:rPr lang="es-ES" dirty="0" smtClean="0"/>
-              <a:t>.</a:t>
+              <a:t>Compatibilidad de datos de entrada con los formatos de TSPLib.</a:t>
             </a:r>
             <a:endParaRPr lang="en-US" dirty="0" smtClean="0"/>
           </a:p>
@@ -8740,15 +8691,7 @@
             </a:r>
             <a:r>
               <a:rPr lang="es-UY" dirty="0" smtClean="0"/>
-              <a:t>de solución de </a:t>
-            </a:r>
-            <a:r>
-              <a:rPr lang="es-UY" dirty="0" err="1" smtClean="0"/>
-              <a:t>MDVRP</a:t>
-            </a:r>
-            <a:r>
-              <a:rPr lang="es-UY" dirty="0" smtClean="0"/>
-              <a:t>.</a:t>
+              <a:t>de solución de MDVRP.</a:t>
             </a:r>
             <a:endParaRPr lang="en-US" dirty="0" smtClean="0"/>
           </a:p>
@@ -8835,7 +8778,7 @@
     </p:spTree>
     <p:extLst>
       <p:ext uri="{BB962C8B-B14F-4D97-AF65-F5344CB8AC3E}">
-        <p14:creationId xmlns:p14="http://schemas.microsoft.com/office/powerpoint/2010/main" xmlns="" val="3204008851"/>
+        <p14:creationId xmlns:p14="http://schemas.microsoft.com/office/powerpoint/2010/main" val="3204008851"/>
       </p:ext>
     </p:extLst>
   </p:cSld>
@@ -8935,25 +8878,21 @@
         </p:spPr>
         <p:txBody>
           <a:bodyPr>
-            <a:normAutofit lnSpcReduction="10000"/>
+            <a:normAutofit/>
           </a:bodyPr>
           <a:lstStyle/>
           <a:p>
             <a:r>
               <a:rPr lang="es-ES" dirty="0" smtClean="0"/>
-              <a:t>La solución del problema de </a:t>
-            </a:r>
-            <a:r>
-              <a:rPr lang="es-ES" dirty="0" err="1" smtClean="0"/>
-              <a:t>MDVRP</a:t>
-            </a:r>
-            <a:r>
-              <a:rPr lang="es-ES" dirty="0" smtClean="0"/>
-              <a:t> se </a:t>
+              <a:t>La solución del problema de MDVRP se </a:t>
+            </a:r>
+            <a:r>
+              <a:rPr lang="es-ES" dirty="0" smtClean="0"/>
+              <a:t>basó </a:t>
             </a:r>
             <a:r>
               <a:rPr lang="es-ES" dirty="0"/>
-              <a:t>baso en </a:t>
+              <a:t>en </a:t>
             </a:r>
             <a:r>
               <a:rPr lang="es-ES" dirty="0" smtClean="0"/>
@@ -8989,13 +8928,6 @@
               <a:rPr lang="es-ES" dirty="0" smtClean="0"/>
               <a:t>Post-optimización.</a:t>
             </a:r>
-          </a:p>
-          <a:p>
-            <a:r>
-              <a:rPr lang="es-ES" dirty="0" smtClean="0"/>
-              <a:t>En la etapa de mejora de asignación se puede ejecutar algoritmos para estimar la menor ruta posible en base a algoritmos de ruteo. </a:t>
-            </a:r>
-            <a:endParaRPr lang="es-UY" dirty="0" smtClean="0"/>
           </a:p>
           <a:p>
             <a:pPr marL="0" indent="0">
@@ -9035,7 +8967,7 @@
     </p:spTree>
     <p:extLst>
       <p:ext uri="{BB962C8B-B14F-4D97-AF65-F5344CB8AC3E}">
-        <p14:creationId xmlns:p14="http://schemas.microsoft.com/office/powerpoint/2010/main" xmlns="" val="4281177176"/>
+        <p14:creationId xmlns:p14="http://schemas.microsoft.com/office/powerpoint/2010/main" val="4281177176"/>
       </p:ext>
     </p:extLst>
   </p:cSld>
@@ -9153,30 +9085,14 @@
             <a:pPr lvl="1"/>
             <a:r>
               <a:rPr lang="es-UY" dirty="0" smtClean="0"/>
-              <a:t>Algoritmo Enajenado Rápido (</a:t>
-            </a:r>
-            <a:r>
-              <a:rPr lang="es-UY" dirty="0" err="1" smtClean="0"/>
-              <a:t>AER</a:t>
-            </a:r>
+              <a:t>Algoritmo Enajenado Rápido (AER)</a:t>
+            </a:r>
+          </a:p>
+          <a:p>
+            <a:pPr lvl="1"/>
             <a:r>
               <a:rPr lang="es-UY" dirty="0" smtClean="0"/>
-              <a:t>)</a:t>
-            </a:r>
-          </a:p>
-          <a:p>
-            <a:pPr lvl="1"/>
-            <a:r>
-              <a:rPr lang="es-UY" dirty="0" smtClean="0"/>
-              <a:t>Algoritmo Enajenado Lento (</a:t>
-            </a:r>
-            <a:r>
-              <a:rPr lang="es-UY" dirty="0" err="1" smtClean="0"/>
-              <a:t>AEL</a:t>
-            </a:r>
-            <a:r>
-              <a:rPr lang="es-UY" dirty="0" smtClean="0"/>
-              <a:t>). </a:t>
+              <a:t>Algoritmo Enajenado Lento (AEL). </a:t>
             </a:r>
           </a:p>
           <a:p>
@@ -9186,7 +9102,7 @@
               <a:t>R</a:t>
             </a:r>
             <a:r>
-              <a:rPr lang="es-ES" dirty="0" err="1" smtClean="0"/>
+              <a:rPr lang="es-ES" dirty="0" smtClean="0"/>
               <a:t>ute</a:t>
             </a:r>
             <a:r>
@@ -9219,13 +9135,8 @@
             <a:pPr lvl="1"/>
             <a:r>
               <a:rPr lang="es-UY" dirty="0" smtClean="0"/>
-              <a:t>R-</a:t>
-            </a:r>
-            <a:r>
-              <a:rPr lang="es-UY" dirty="0" err="1" smtClean="0"/>
-              <a:t>iopt</a:t>
-            </a:r>
-            <a:endParaRPr lang="es-UY" dirty="0" smtClean="0"/>
+              <a:t>R-iopt</a:t>
+            </a:r>
           </a:p>
           <a:p>
             <a:endParaRPr lang="es-UY" dirty="0" smtClean="0"/>
@@ -9241,7 +9152,7 @@
     </p:spTree>
     <p:extLst>
       <p:ext uri="{BB962C8B-B14F-4D97-AF65-F5344CB8AC3E}">
-        <p14:creationId xmlns:p14="http://schemas.microsoft.com/office/powerpoint/2010/main" xmlns="" val="3043282378"/>
+        <p14:creationId xmlns:p14="http://schemas.microsoft.com/office/powerpoint/2010/main" val="3043282378"/>
       </p:ext>
     </p:extLst>
   </p:cSld>
@@ -9300,8 +9211,8 @@
           </a:p>
         </p:txBody>
       </p:sp>
-      <mc:AlternateContent xmlns:mc="http://schemas.openxmlformats.org/markup-compatibility/2006">
-        <mc:Choice xmlns:a14="http://schemas.microsoft.com/office/drawing/2010/main" xmlns="" Requires="a14">
+      <mc:AlternateContent xmlns:mc="http://schemas.openxmlformats.org/markup-compatibility/2006" xmlns:a14="http://schemas.microsoft.com/office/drawing/2010/main">
+        <mc:Choice Requires="a14">
           <p:sp>
             <p:nvSpPr>
               <p:cNvPr id="3" name="Content Placeholder 2"/>
@@ -9351,7 +9262,7 @@
                         <m:sSubPr>
                           <m:ctrlPr>
                             <a:rPr lang="es-UY" i="1">
-                              <a:latin typeface="Cambria Math" panose="02040503050406030204" pitchFamily="18" charset="0"/>
+                              <a:latin typeface="Cambria Math"/>
                             </a:rPr>
                           </m:ctrlPr>
                         </m:sSubPr>
@@ -9382,7 +9293,7 @@
                         <m:dPr>
                           <m:ctrlPr>
                             <a:rPr lang="es-UY" i="1">
-                              <a:latin typeface="Cambria Math" panose="02040503050406030204" pitchFamily="18" charset="0"/>
+                              <a:latin typeface="Cambria Math"/>
                             </a:rPr>
                           </m:ctrlPr>
                         </m:dPr>
@@ -9394,7 +9305,7 @@
                               <m:supHide m:val="on"/>
                               <m:ctrlPr>
                                 <a:rPr lang="es-UY" i="1">
-                                  <a:latin typeface="Cambria Math" panose="02040503050406030204" pitchFamily="18" charset="0"/>
+                                  <a:latin typeface="Cambria Math"/>
                                 </a:rPr>
                               </m:ctrlPr>
                             </m:naryPr>
@@ -9442,7 +9353,7 @@
                                 <m:dPr>
                                   <m:ctrlPr>
                                     <a:rPr lang="es-UY" i="1">
-                                      <a:latin typeface="Cambria Math" panose="02040503050406030204" pitchFamily="18" charset="0"/>
+                                      <a:latin typeface="Cambria Math"/>
                                     </a:rPr>
                                   </m:ctrlPr>
                                 </m:dPr>
@@ -9487,7 +9398,7 @@
                         <m:dPr>
                           <m:ctrlPr>
                             <a:rPr lang="es-UY" i="1">
-                              <a:latin typeface="Cambria Math" panose="02040503050406030204" pitchFamily="18" charset="0"/>
+                              <a:latin typeface="Cambria Math"/>
                             </a:rPr>
                           </m:ctrlPr>
                         </m:dPr>
@@ -9543,7 +9454,7 @@
                       <m:dPr>
                         <m:ctrlPr>
                           <a:rPr lang="es-UY" sz="2000" i="1">
-                            <a:latin typeface="Cambria Math" panose="02040503050406030204" pitchFamily="18" charset="0"/>
+                            <a:latin typeface="Cambria Math"/>
                           </a:rPr>
                         </m:ctrlPr>
                       </m:dPr>
@@ -9628,7 +9539,7 @@
                       <m:dPr>
                         <m:ctrlPr>
                           <a:rPr lang="es-UY" sz="2000" i="1">
-                            <a:latin typeface="Cambria Math" panose="02040503050406030204" pitchFamily="18" charset="0"/>
+                            <a:latin typeface="Cambria Math"/>
                           </a:rPr>
                         </m:ctrlPr>
                       </m:dPr>
@@ -9711,7 +9622,7 @@
                       <m:sSubPr>
                         <m:ctrlPr>
                           <a:rPr lang="es-UY" sz="2000" i="1">
-                            <a:latin typeface="Cambria Math" panose="02040503050406030204" pitchFamily="18" charset="0"/>
+                            <a:latin typeface="Cambria Math"/>
                           </a:rPr>
                         </m:ctrlPr>
                       </m:sSubPr>
@@ -9755,7 +9666,7 @@
                       <m:sSubPr>
                         <m:ctrlPr>
                           <a:rPr lang="es-UY" i="1">
-                            <a:latin typeface="Cambria Math" panose="02040503050406030204" pitchFamily="18" charset="0"/>
+                            <a:latin typeface="Cambria Math"/>
                           </a:rPr>
                         </m:ctrlPr>
                       </m:sSubPr>
@@ -9809,7 +9720,7 @@
             </p:txBody>
           </p:sp>
         </mc:Choice>
-        <mc:Fallback>
+        <mc:Fallback xmlns="">
           <p:sp>
             <p:nvSpPr>
               <p:cNvPr id="3" name="Content Placeholder 2"/>
@@ -9850,7 +9761,7 @@
     </p:spTree>
     <p:extLst>
       <p:ext uri="{BB962C8B-B14F-4D97-AF65-F5344CB8AC3E}">
-        <p14:creationId xmlns:p14="http://schemas.microsoft.com/office/powerpoint/2010/main" xmlns="" val="1412467103"/>
+        <p14:creationId xmlns:p14="http://schemas.microsoft.com/office/powerpoint/2010/main" val="1412467103"/>
       </p:ext>
     </p:extLst>
   </p:cSld>
@@ -9990,7 +9901,7 @@
     </p:spTree>
     <p:extLst>
       <p:ext uri="{BB962C8B-B14F-4D97-AF65-F5344CB8AC3E}">
-        <p14:creationId xmlns:p14="http://schemas.microsoft.com/office/powerpoint/2010/main" xmlns="" val="2766999817"/>
+        <p14:creationId xmlns:p14="http://schemas.microsoft.com/office/powerpoint/2010/main" val="2766999817"/>
       </p:ext>
     </p:extLst>
   </p:cSld>
@@ -10255,7 +10166,7 @@
   <a:extraClrSchemeLst/>
   <a:extLst>
     <a:ext uri="{05A4C25C-085E-4340-85A3-A5531E510DB2}">
-      <thm15:themeFamily xmlns:thm15="http://schemas.microsoft.com/office/thememl/2012/main" xmlns="" name="Office Theme" id="{62F939B6-93AF-4DB8-9C6B-D6C7DFDC589F}" vid="{4A3C46E8-61CC-4603-A589-7422A47A8E4A}"/>
+      <thm15:themeFamily xmlns="" xmlns:thm15="http://schemas.microsoft.com/office/thememl/2012/main" name="Office Theme" id="{62F939B6-93AF-4DB8-9C6B-D6C7DFDC589F}" vid="{4A3C46E8-61CC-4603-A589-7422A47A8E4A}"/>
     </a:ext>
   </a:extLst>
 </a:theme>

--- a/Version/Documentación/MDVRP.pptx
+++ b/Version/Documentación/MDVRP.pptx
@@ -1,9 +1,12 @@
 
 <file path=ppt/presentation.xml><?xml version="1.0" encoding="utf-8"?>
-<p:presentation xmlns:a="http://schemas.openxmlformats.org/drawingml/2006/main" xmlns:r="http://schemas.openxmlformats.org/officeDocument/2006/relationships" xmlns:p="http://schemas.openxmlformats.org/presentationml/2006/main" saveSubsetFonts="1">
+<p:presentation xmlns:a="http://schemas.openxmlformats.org/drawingml/2006/main" xmlns:r="http://schemas.openxmlformats.org/officeDocument/2006/relationships" xmlns:p="http://schemas.openxmlformats.org/presentationml/2006/main" showSpecialPlsOnTitleSld="0" saveSubsetFonts="1">
   <p:sldMasterIdLst>
     <p:sldMasterId id="2147483648" r:id="rId1"/>
   </p:sldMasterIdLst>
+  <p:notesMasterIdLst>
+    <p:notesMasterId r:id="rId25"/>
+  </p:notesMasterIdLst>
   <p:sldIdLst>
     <p:sldId id="256" r:id="rId2"/>
     <p:sldId id="284" r:id="rId3"/>
@@ -128,7 +131,7 @@
   </p:defaultTextStyle>
   <p:extLst>
     <p:ext uri="{EFAFB233-063F-42B5-8137-9DF3F51BA10A}">
-      <p15:sldGuideLst xmlns="" xmlns:p15="http://schemas.microsoft.com/office/powerpoint/2012/main">
+      <p15:sldGuideLst xmlns:p15="http://schemas.microsoft.com/office/powerpoint/2012/main" xmlns="">
         <p15:guide id="1" orient="horz" pos="2160">
           <p15:clr>
             <a:srgbClr val="A4A3A4"/>
@@ -143,6 +146,356 @@
     </p:ext>
   </p:extLst>
 </p:presentation>
+</file>
+
+<file path=ppt/notesMasters/notesMaster1.xml><?xml version="1.0" encoding="utf-8"?>
+<p:notesMaster xmlns:a="http://schemas.openxmlformats.org/drawingml/2006/main" xmlns:r="http://schemas.openxmlformats.org/officeDocument/2006/relationships" xmlns:p="http://schemas.openxmlformats.org/presentationml/2006/main">
+  <p:cSld>
+    <p:bg>
+      <p:bgRef idx="1001">
+        <a:schemeClr val="bg1"/>
+      </p:bgRef>
+    </p:bg>
+    <p:spTree>
+      <p:nvGrpSpPr>
+        <p:cNvPr id="1" name=""/>
+        <p:cNvGrpSpPr/>
+        <p:nvPr/>
+      </p:nvGrpSpPr>
+      <p:grpSpPr>
+        <a:xfrm>
+          <a:off x="0" y="0"/>
+          <a:ext cx="0" cy="0"/>
+          <a:chOff x="0" y="0"/>
+          <a:chExt cx="0" cy="0"/>
+        </a:xfrm>
+      </p:grpSpPr>
+      <p:sp>
+        <p:nvSpPr>
+          <p:cNvPr id="2" name="1 Marcador de encabezado"/>
+          <p:cNvSpPr>
+            <a:spLocks noGrp="1"/>
+          </p:cNvSpPr>
+          <p:nvPr>
+            <p:ph type="hdr" sz="quarter"/>
+          </p:nvPr>
+        </p:nvSpPr>
+        <p:spPr>
+          <a:xfrm>
+            <a:off x="0" y="0"/>
+            <a:ext cx="2971800" cy="457200"/>
+          </a:xfrm>
+          <a:prstGeom prst="rect">
+            <a:avLst/>
+          </a:prstGeom>
+        </p:spPr>
+        <p:txBody>
+          <a:bodyPr vert="horz" lIns="91440" tIns="45720" rIns="91440" bIns="45720" rtlCol="0"/>
+          <a:lstStyle>
+            <a:lvl1pPr algn="l">
+              <a:defRPr sz="1200"/>
+            </a:lvl1pPr>
+          </a:lstStyle>
+          <a:p>
+            <a:endParaRPr lang="es-UY"/>
+          </a:p>
+        </p:txBody>
+      </p:sp>
+      <p:sp>
+        <p:nvSpPr>
+          <p:cNvPr id="3" name="2 Marcador de fecha"/>
+          <p:cNvSpPr>
+            <a:spLocks noGrp="1"/>
+          </p:cNvSpPr>
+          <p:nvPr>
+            <p:ph type="dt" idx="1"/>
+          </p:nvPr>
+        </p:nvSpPr>
+        <p:spPr>
+          <a:xfrm>
+            <a:off x="3884613" y="0"/>
+            <a:ext cx="2971800" cy="457200"/>
+          </a:xfrm>
+          <a:prstGeom prst="rect">
+            <a:avLst/>
+          </a:prstGeom>
+        </p:spPr>
+        <p:txBody>
+          <a:bodyPr vert="horz" lIns="91440" tIns="45720" rIns="91440" bIns="45720" rtlCol="0"/>
+          <a:lstStyle>
+            <a:lvl1pPr algn="r">
+              <a:defRPr sz="1200"/>
+            </a:lvl1pPr>
+          </a:lstStyle>
+          <a:p>
+            <a:fld id="{E441C709-FB2F-4CC7-81C5-61B9A29F5D38}" type="datetimeFigureOut">
+              <a:rPr lang="es-UY" smtClean="0"/>
+              <a:t>2/3/2016</a:t>
+            </a:fld>
+            <a:endParaRPr lang="es-UY"/>
+          </a:p>
+        </p:txBody>
+      </p:sp>
+      <p:sp>
+        <p:nvSpPr>
+          <p:cNvPr id="4" name="3 Marcador de imagen de diapositiva"/>
+          <p:cNvSpPr>
+            <a:spLocks noGrp="1" noRot="1" noChangeAspect="1"/>
+          </p:cNvSpPr>
+          <p:nvPr>
+            <p:ph type="sldImg" idx="2"/>
+          </p:nvPr>
+        </p:nvSpPr>
+        <p:spPr>
+          <a:xfrm>
+            <a:off x="381000" y="685800"/>
+            <a:ext cx="6096000" cy="3429000"/>
+          </a:xfrm>
+          <a:prstGeom prst="rect">
+            <a:avLst/>
+          </a:prstGeom>
+          <a:noFill/>
+          <a:ln w="12700">
+            <a:solidFill>
+              <a:prstClr val="black"/>
+            </a:solidFill>
+          </a:ln>
+        </p:spPr>
+        <p:txBody>
+          <a:bodyPr vert="horz" lIns="91440" tIns="45720" rIns="91440" bIns="45720" rtlCol="0" anchor="ctr"/>
+          <a:lstStyle/>
+          <a:p>
+            <a:endParaRPr lang="es-UY"/>
+          </a:p>
+        </p:txBody>
+      </p:sp>
+      <p:sp>
+        <p:nvSpPr>
+          <p:cNvPr id="5" name="4 Marcador de notas"/>
+          <p:cNvSpPr>
+            <a:spLocks noGrp="1"/>
+          </p:cNvSpPr>
+          <p:nvPr>
+            <p:ph type="body" sz="quarter" idx="3"/>
+          </p:nvPr>
+        </p:nvSpPr>
+        <p:spPr>
+          <a:xfrm>
+            <a:off x="685800" y="4343400"/>
+            <a:ext cx="5486400" cy="4114800"/>
+          </a:xfrm>
+          <a:prstGeom prst="rect">
+            <a:avLst/>
+          </a:prstGeom>
+        </p:spPr>
+        <p:txBody>
+          <a:bodyPr vert="horz" lIns="91440" tIns="45720" rIns="91440" bIns="45720" rtlCol="0"/>
+          <a:lstStyle/>
+          <a:p>
+            <a:pPr lvl="0"/>
+            <a:r>
+              <a:rPr lang="es-ES" smtClean="0"/>
+              <a:t>Haga clic para modificar el estilo de texto del patrón</a:t>
+            </a:r>
+          </a:p>
+          <a:p>
+            <a:pPr lvl="1"/>
+            <a:r>
+              <a:rPr lang="es-ES" smtClean="0"/>
+              <a:t>Segundo nivel</a:t>
+            </a:r>
+          </a:p>
+          <a:p>
+            <a:pPr lvl="2"/>
+            <a:r>
+              <a:rPr lang="es-ES" smtClean="0"/>
+              <a:t>Tercer nivel</a:t>
+            </a:r>
+          </a:p>
+          <a:p>
+            <a:pPr lvl="3"/>
+            <a:r>
+              <a:rPr lang="es-ES" smtClean="0"/>
+              <a:t>Cuarto nivel</a:t>
+            </a:r>
+          </a:p>
+          <a:p>
+            <a:pPr lvl="4"/>
+            <a:r>
+              <a:rPr lang="es-ES" smtClean="0"/>
+              <a:t>Quinto nivel</a:t>
+            </a:r>
+            <a:endParaRPr lang="es-UY"/>
+          </a:p>
+        </p:txBody>
+      </p:sp>
+      <p:sp>
+        <p:nvSpPr>
+          <p:cNvPr id="6" name="5 Marcador de pie de página"/>
+          <p:cNvSpPr>
+            <a:spLocks noGrp="1"/>
+          </p:cNvSpPr>
+          <p:nvPr>
+            <p:ph type="ftr" sz="quarter" idx="4"/>
+          </p:nvPr>
+        </p:nvSpPr>
+        <p:spPr>
+          <a:xfrm>
+            <a:off x="0" y="8685213"/>
+            <a:ext cx="2971800" cy="457200"/>
+          </a:xfrm>
+          <a:prstGeom prst="rect">
+            <a:avLst/>
+          </a:prstGeom>
+        </p:spPr>
+        <p:txBody>
+          <a:bodyPr vert="horz" lIns="91440" tIns="45720" rIns="91440" bIns="45720" rtlCol="0" anchor="b"/>
+          <a:lstStyle>
+            <a:lvl1pPr algn="l">
+              <a:defRPr sz="1200"/>
+            </a:lvl1pPr>
+          </a:lstStyle>
+          <a:p>
+            <a:endParaRPr lang="es-UY"/>
+          </a:p>
+        </p:txBody>
+      </p:sp>
+      <p:sp>
+        <p:nvSpPr>
+          <p:cNvPr id="7" name="6 Marcador de número de diapositiva"/>
+          <p:cNvSpPr>
+            <a:spLocks noGrp="1"/>
+          </p:cNvSpPr>
+          <p:nvPr>
+            <p:ph type="sldNum" sz="quarter" idx="5"/>
+          </p:nvPr>
+        </p:nvSpPr>
+        <p:spPr>
+          <a:xfrm>
+            <a:off x="3884613" y="8685213"/>
+            <a:ext cx="2971800" cy="457200"/>
+          </a:xfrm>
+          <a:prstGeom prst="rect">
+            <a:avLst/>
+          </a:prstGeom>
+        </p:spPr>
+        <p:txBody>
+          <a:bodyPr vert="horz" lIns="91440" tIns="45720" rIns="91440" bIns="45720" rtlCol="0" anchor="b"/>
+          <a:lstStyle>
+            <a:lvl1pPr algn="r">
+              <a:defRPr sz="1200"/>
+            </a:lvl1pPr>
+          </a:lstStyle>
+          <a:p>
+            <a:fld id="{1F49CF60-DD61-4562-908C-64BBF29FBEEB}" type="slidenum">
+              <a:rPr lang="es-UY" smtClean="0"/>
+              <a:t>‹Nº›</a:t>
+            </a:fld>
+            <a:endParaRPr lang="es-UY"/>
+          </a:p>
+        </p:txBody>
+      </p:sp>
+    </p:spTree>
+    <p:extLst>
+      <p:ext uri="{BB962C8B-B14F-4D97-AF65-F5344CB8AC3E}">
+        <p14:creationId xmlns:p14="http://schemas.microsoft.com/office/powerpoint/2010/main" val="3317011497"/>
+      </p:ext>
+    </p:extLst>
+  </p:cSld>
+  <p:clrMap bg1="lt1" tx1="dk1" bg2="lt2" tx2="dk2" accent1="accent1" accent2="accent2" accent3="accent3" accent4="accent4" accent5="accent5" accent6="accent6" hlink="hlink" folHlink="folHlink"/>
+  <p:notesStyle>
+    <a:lvl1pPr marL="0" algn="l" defTabSz="914400" rtl="0" eaLnBrk="1" latinLnBrk="0" hangingPunct="1">
+      <a:defRPr sz="1200" kern="1200">
+        <a:solidFill>
+          <a:schemeClr val="tx1"/>
+        </a:solidFill>
+        <a:latin typeface="+mn-lt"/>
+        <a:ea typeface="+mn-ea"/>
+        <a:cs typeface="+mn-cs"/>
+      </a:defRPr>
+    </a:lvl1pPr>
+    <a:lvl2pPr marL="457200" algn="l" defTabSz="914400" rtl="0" eaLnBrk="1" latinLnBrk="0" hangingPunct="1">
+      <a:defRPr sz="1200" kern="1200">
+        <a:solidFill>
+          <a:schemeClr val="tx1"/>
+        </a:solidFill>
+        <a:latin typeface="+mn-lt"/>
+        <a:ea typeface="+mn-ea"/>
+        <a:cs typeface="+mn-cs"/>
+      </a:defRPr>
+    </a:lvl2pPr>
+    <a:lvl3pPr marL="914400" algn="l" defTabSz="914400" rtl="0" eaLnBrk="1" latinLnBrk="0" hangingPunct="1">
+      <a:defRPr sz="1200" kern="1200">
+        <a:solidFill>
+          <a:schemeClr val="tx1"/>
+        </a:solidFill>
+        <a:latin typeface="+mn-lt"/>
+        <a:ea typeface="+mn-ea"/>
+        <a:cs typeface="+mn-cs"/>
+      </a:defRPr>
+    </a:lvl3pPr>
+    <a:lvl4pPr marL="1371600" algn="l" defTabSz="914400" rtl="0" eaLnBrk="1" latinLnBrk="0" hangingPunct="1">
+      <a:defRPr sz="1200" kern="1200">
+        <a:solidFill>
+          <a:schemeClr val="tx1"/>
+        </a:solidFill>
+        <a:latin typeface="+mn-lt"/>
+        <a:ea typeface="+mn-ea"/>
+        <a:cs typeface="+mn-cs"/>
+      </a:defRPr>
+    </a:lvl4pPr>
+    <a:lvl5pPr marL="1828800" algn="l" defTabSz="914400" rtl="0" eaLnBrk="1" latinLnBrk="0" hangingPunct="1">
+      <a:defRPr sz="1200" kern="1200">
+        <a:solidFill>
+          <a:schemeClr val="tx1"/>
+        </a:solidFill>
+        <a:latin typeface="+mn-lt"/>
+        <a:ea typeface="+mn-ea"/>
+        <a:cs typeface="+mn-cs"/>
+      </a:defRPr>
+    </a:lvl5pPr>
+    <a:lvl6pPr marL="2286000" algn="l" defTabSz="914400" rtl="0" eaLnBrk="1" latinLnBrk="0" hangingPunct="1">
+      <a:defRPr sz="1200" kern="1200">
+        <a:solidFill>
+          <a:schemeClr val="tx1"/>
+        </a:solidFill>
+        <a:latin typeface="+mn-lt"/>
+        <a:ea typeface="+mn-ea"/>
+        <a:cs typeface="+mn-cs"/>
+      </a:defRPr>
+    </a:lvl6pPr>
+    <a:lvl7pPr marL="2743200" algn="l" defTabSz="914400" rtl="0" eaLnBrk="1" latinLnBrk="0" hangingPunct="1">
+      <a:defRPr sz="1200" kern="1200">
+        <a:solidFill>
+          <a:schemeClr val="tx1"/>
+        </a:solidFill>
+        <a:latin typeface="+mn-lt"/>
+        <a:ea typeface="+mn-ea"/>
+        <a:cs typeface="+mn-cs"/>
+      </a:defRPr>
+    </a:lvl7pPr>
+    <a:lvl8pPr marL="3200400" algn="l" defTabSz="914400" rtl="0" eaLnBrk="1" latinLnBrk="0" hangingPunct="1">
+      <a:defRPr sz="1200" kern="1200">
+        <a:solidFill>
+          <a:schemeClr val="tx1"/>
+        </a:solidFill>
+        <a:latin typeface="+mn-lt"/>
+        <a:ea typeface="+mn-ea"/>
+        <a:cs typeface="+mn-cs"/>
+      </a:defRPr>
+    </a:lvl8pPr>
+    <a:lvl9pPr marL="3657600" algn="l" defTabSz="914400" rtl="0" eaLnBrk="1" latinLnBrk="0" hangingPunct="1">
+      <a:defRPr sz="1200" kern="1200">
+        <a:solidFill>
+          <a:schemeClr val="tx1"/>
+        </a:solidFill>
+        <a:latin typeface="+mn-lt"/>
+        <a:ea typeface="+mn-ea"/>
+        <a:cs typeface="+mn-cs"/>
+      </a:defRPr>
+    </a:lvl9pPr>
+  </p:notesStyle>
+</p:notesMaster>
 </file>
 
 <file path=ppt/slideLayouts/slideLayout1.xml><?xml version="1.0" encoding="utf-8"?>
@@ -274,10 +627,9 @@
           <a:bodyPr/>
           <a:lstStyle/>
           <a:p>
-            <a:fld id="{12CBEF13-57F1-471C-ABF2-505306D08CB7}" type="datetimeFigureOut">
+            <a:fld id="{E2BCF013-7104-4F97-A548-A8F54504BD42}" type="datetime1">
               <a:rPr lang="es-UY" smtClean="0"/>
-              <a:pPr/>
-              <a:t>11/12/2015</a:t>
+              <a:t>2/3/2016</a:t>
             </a:fld>
             <a:endParaRPr lang="es-UY" dirty="0"/>
           </a:p>
@@ -298,6 +650,10 @@
           <a:bodyPr/>
           <a:lstStyle/>
           <a:p>
+            <a:r>
+              <a:rPr lang="es-UY" smtClean="0"/>
+              <a:t>PROYECTO DE GRADO MDVRP</a:t>
+            </a:r>
             <a:endParaRPr lang="es-UY" dirty="0"/>
           </a:p>
         </p:txBody>
@@ -446,10 +802,9 @@
           <a:bodyPr/>
           <a:lstStyle/>
           <a:p>
-            <a:fld id="{12CBEF13-57F1-471C-ABF2-505306D08CB7}" type="datetimeFigureOut">
+            <a:fld id="{AB4C50C7-FB15-4BE5-9149-CFCE05CA85F1}" type="datetime1">
               <a:rPr lang="es-UY" smtClean="0"/>
-              <a:pPr/>
-              <a:t>11/12/2015</a:t>
+              <a:t>2/3/2016</a:t>
             </a:fld>
             <a:endParaRPr lang="es-UY" dirty="0"/>
           </a:p>
@@ -470,6 +825,10 @@
           <a:bodyPr/>
           <a:lstStyle/>
           <a:p>
+            <a:r>
+              <a:rPr lang="es-UY" smtClean="0"/>
+              <a:t>PROYECTO DE GRADO MDVRP</a:t>
+            </a:r>
             <a:endParaRPr lang="es-UY" dirty="0"/>
           </a:p>
         </p:txBody>
@@ -628,10 +987,9 @@
           <a:bodyPr/>
           <a:lstStyle/>
           <a:p>
-            <a:fld id="{12CBEF13-57F1-471C-ABF2-505306D08CB7}" type="datetimeFigureOut">
+            <a:fld id="{87BEE61C-D774-4979-9CF6-CF99080150AD}" type="datetime1">
               <a:rPr lang="es-UY" smtClean="0"/>
-              <a:pPr/>
-              <a:t>11/12/2015</a:t>
+              <a:t>2/3/2016</a:t>
             </a:fld>
             <a:endParaRPr lang="es-UY" dirty="0"/>
           </a:p>
@@ -652,6 +1010,10 @@
           <a:bodyPr/>
           <a:lstStyle/>
           <a:p>
+            <a:r>
+              <a:rPr lang="es-UY" smtClean="0"/>
+              <a:t>PROYECTO DE GRADO MDVRP</a:t>
+            </a:r>
             <a:endParaRPr lang="es-UY" dirty="0"/>
           </a:p>
         </p:txBody>
@@ -800,10 +1162,9 @@
           <a:bodyPr/>
           <a:lstStyle/>
           <a:p>
-            <a:fld id="{12CBEF13-57F1-471C-ABF2-505306D08CB7}" type="datetimeFigureOut">
+            <a:fld id="{3E34E2CF-7AE8-4345-A940-B5A0E4CCAF3C}" type="datetime1">
               <a:rPr lang="es-UY" smtClean="0"/>
-              <a:pPr/>
-              <a:t>11/12/2015</a:t>
+              <a:t>2/3/2016</a:t>
             </a:fld>
             <a:endParaRPr lang="es-UY" dirty="0"/>
           </a:p>
@@ -824,6 +1185,10 @@
           <a:bodyPr/>
           <a:lstStyle/>
           <a:p>
+            <a:r>
+              <a:rPr lang="es-UY" smtClean="0"/>
+              <a:t>PROYECTO DE GRADO MDVRP</a:t>
+            </a:r>
             <a:endParaRPr lang="es-UY" dirty="0"/>
           </a:p>
         </p:txBody>
@@ -1048,10 +1413,9 @@
           <a:bodyPr/>
           <a:lstStyle/>
           <a:p>
-            <a:fld id="{12CBEF13-57F1-471C-ABF2-505306D08CB7}" type="datetimeFigureOut">
+            <a:fld id="{8AB4D563-BDD0-4D84-A89F-FE1CA5C88538}" type="datetime1">
               <a:rPr lang="es-UY" smtClean="0"/>
-              <a:pPr/>
-              <a:t>11/12/2015</a:t>
+              <a:t>2/3/2016</a:t>
             </a:fld>
             <a:endParaRPr lang="es-UY" dirty="0"/>
           </a:p>
@@ -1072,6 +1436,10 @@
           <a:bodyPr/>
           <a:lstStyle/>
           <a:p>
+            <a:r>
+              <a:rPr lang="es-UY" smtClean="0"/>
+              <a:t>PROYECTO DE GRADO MDVRP</a:t>
+            </a:r>
             <a:endParaRPr lang="es-UY" dirty="0"/>
           </a:p>
         </p:txBody>
@@ -1282,10 +1650,9 @@
           <a:bodyPr/>
           <a:lstStyle/>
           <a:p>
-            <a:fld id="{12CBEF13-57F1-471C-ABF2-505306D08CB7}" type="datetimeFigureOut">
+            <a:fld id="{35F11D3E-9A11-4BD4-AA7D-A38166901F2F}" type="datetime1">
               <a:rPr lang="es-UY" smtClean="0"/>
-              <a:pPr/>
-              <a:t>11/12/2015</a:t>
+              <a:t>2/3/2016</a:t>
             </a:fld>
             <a:endParaRPr lang="es-UY" dirty="0"/>
           </a:p>
@@ -1306,6 +1673,10 @@
           <a:bodyPr/>
           <a:lstStyle/>
           <a:p>
+            <a:r>
+              <a:rPr lang="es-UY" smtClean="0"/>
+              <a:t>PROYECTO DE GRADO MDVRP</a:t>
+            </a:r>
             <a:endParaRPr lang="es-UY" dirty="0"/>
           </a:p>
         </p:txBody>
@@ -1651,10 +2022,9 @@
           <a:bodyPr/>
           <a:lstStyle/>
           <a:p>
-            <a:fld id="{12CBEF13-57F1-471C-ABF2-505306D08CB7}" type="datetimeFigureOut">
+            <a:fld id="{38C2D8CF-7D30-4D25-96EC-85D5D338A770}" type="datetime1">
               <a:rPr lang="es-UY" smtClean="0"/>
-              <a:pPr/>
-              <a:t>11/12/2015</a:t>
+              <a:t>2/3/2016</a:t>
             </a:fld>
             <a:endParaRPr lang="es-UY" dirty="0"/>
           </a:p>
@@ -1675,6 +2045,10 @@
           <a:bodyPr/>
           <a:lstStyle/>
           <a:p>
+            <a:r>
+              <a:rPr lang="es-UY" smtClean="0"/>
+              <a:t>PROYECTO DE GRADO MDVRP</a:t>
+            </a:r>
             <a:endParaRPr lang="es-UY" dirty="0"/>
           </a:p>
         </p:txBody>
@@ -1771,10 +2145,9 @@
           <a:bodyPr/>
           <a:lstStyle/>
           <a:p>
-            <a:fld id="{12CBEF13-57F1-471C-ABF2-505306D08CB7}" type="datetimeFigureOut">
+            <a:fld id="{EE895018-BCF9-4AC0-A061-C1B7F4A17B36}" type="datetime1">
               <a:rPr lang="es-UY" smtClean="0"/>
-              <a:pPr/>
-              <a:t>11/12/2015</a:t>
+              <a:t>2/3/2016</a:t>
             </a:fld>
             <a:endParaRPr lang="es-UY" dirty="0"/>
           </a:p>
@@ -1795,6 +2168,10 @@
           <a:bodyPr/>
           <a:lstStyle/>
           <a:p>
+            <a:r>
+              <a:rPr lang="es-UY" smtClean="0"/>
+              <a:t>PROYECTO DE GRADO MDVRP</a:t>
+            </a:r>
             <a:endParaRPr lang="es-UY" dirty="0"/>
           </a:p>
         </p:txBody>
@@ -1868,10 +2245,9 @@
           <a:bodyPr/>
           <a:lstStyle/>
           <a:p>
-            <a:fld id="{12CBEF13-57F1-471C-ABF2-505306D08CB7}" type="datetimeFigureOut">
+            <a:fld id="{E06DB131-9C1D-4789-9E51-6090840BD3F1}" type="datetime1">
               <a:rPr lang="es-UY" smtClean="0"/>
-              <a:pPr/>
-              <a:t>11/12/2015</a:t>
+              <a:t>2/3/2016</a:t>
             </a:fld>
             <a:endParaRPr lang="es-UY" dirty="0"/>
           </a:p>
@@ -1892,6 +2268,10 @@
           <a:bodyPr/>
           <a:lstStyle/>
           <a:p>
+            <a:r>
+              <a:rPr lang="es-UY" smtClean="0"/>
+              <a:t>PROYECTO DE GRADO MDVRP</a:t>
+            </a:r>
             <a:endParaRPr lang="es-UY" dirty="0"/>
           </a:p>
         </p:txBody>
@@ -2147,10 +2527,9 @@
           <a:bodyPr/>
           <a:lstStyle/>
           <a:p>
-            <a:fld id="{12CBEF13-57F1-471C-ABF2-505306D08CB7}" type="datetimeFigureOut">
+            <a:fld id="{658E9711-1BD8-4D4E-AD91-56E226FB5D73}" type="datetime1">
               <a:rPr lang="es-UY" smtClean="0"/>
-              <a:pPr/>
-              <a:t>11/12/2015</a:t>
+              <a:t>2/3/2016</a:t>
             </a:fld>
             <a:endParaRPr lang="es-UY" dirty="0"/>
           </a:p>
@@ -2171,6 +2550,10 @@
           <a:bodyPr/>
           <a:lstStyle/>
           <a:p>
+            <a:r>
+              <a:rPr lang="es-UY" smtClean="0"/>
+              <a:t>PROYECTO DE GRADO MDVRP</a:t>
+            </a:r>
             <a:endParaRPr lang="es-UY" dirty="0"/>
           </a:p>
         </p:txBody>
@@ -2402,10 +2785,9 @@
           <a:bodyPr/>
           <a:lstStyle/>
           <a:p>
-            <a:fld id="{12CBEF13-57F1-471C-ABF2-505306D08CB7}" type="datetimeFigureOut">
+            <a:fld id="{78CF6C72-D3BB-48EE-9EE2-B25D56E36383}" type="datetime1">
               <a:rPr lang="es-UY" smtClean="0"/>
-              <a:pPr/>
-              <a:t>11/12/2015</a:t>
+              <a:t>2/3/2016</a:t>
             </a:fld>
             <a:endParaRPr lang="es-UY" dirty="0"/>
           </a:p>
@@ -2426,6 +2808,10 @@
           <a:bodyPr/>
           <a:lstStyle/>
           <a:p>
+            <a:r>
+              <a:rPr lang="es-UY" smtClean="0"/>
+              <a:t>PROYECTO DE GRADO MDVRP</a:t>
+            </a:r>
             <a:endParaRPr lang="es-UY" dirty="0"/>
           </a:p>
         </p:txBody>
@@ -2471,7 +2857,7 @@
 <p:sldMaster xmlns:a="http://schemas.openxmlformats.org/drawingml/2006/main" xmlns:r="http://schemas.openxmlformats.org/officeDocument/2006/relationships" xmlns:p="http://schemas.openxmlformats.org/presentationml/2006/main">
   <p:cSld>
     <p:bg>
-      <p:bgRef idx="1001">
+      <p:bgRef idx="1003">
         <a:schemeClr val="bg1"/>
       </p:bgRef>
     </p:bg>
@@ -2617,10 +3003,9 @@
             </a:lvl1pPr>
           </a:lstStyle>
           <a:p>
-            <a:fld id="{12CBEF13-57F1-471C-ABF2-505306D08CB7}" type="datetimeFigureOut">
+            <a:fld id="{3C826EB5-6474-406D-9F79-3B3434EBC48B}" type="datetime1">
               <a:rPr lang="es-UY" smtClean="0"/>
-              <a:pPr/>
-              <a:t>11/12/2015</a:t>
+              <a:t>2/3/2016</a:t>
             </a:fld>
             <a:endParaRPr lang="es-UY" dirty="0"/>
           </a:p>
@@ -2659,6 +3044,10 @@
             </a:lvl1pPr>
           </a:lstStyle>
           <a:p>
+            <a:r>
+              <a:rPr lang="es-UY" smtClean="0"/>
+              <a:t>PROYECTO DE GRADO MDVRP</a:t>
+            </a:r>
             <a:endParaRPr lang="es-UY" dirty="0"/>
           </a:p>
         </p:txBody>
@@ -2726,6 +3115,7 @@
     <p:sldLayoutId id="2147483658" r:id="rId10"/>
     <p:sldLayoutId id="2147483659" r:id="rId11"/>
   </p:sldLayoutIdLst>
+  <p:hf hdr="0" dt="0"/>
   <p:txStyles>
     <p:titleStyle>
       <a:lvl1pPr algn="l" defTabSz="914400" rtl="0" eaLnBrk="1" latinLnBrk="0" hangingPunct="1">
@@ -3012,6 +3402,14 @@
 <file path=ppt/slides/slide1.xml><?xml version="1.0" encoding="utf-8"?>
 <p:sld xmlns:a="http://schemas.openxmlformats.org/drawingml/2006/main" xmlns:r="http://schemas.openxmlformats.org/officeDocument/2006/relationships" xmlns:p="http://schemas.openxmlformats.org/presentationml/2006/main">
   <p:cSld>
+    <p:bg>
+      <p:bgPr>
+        <a:solidFill>
+          <a:schemeClr val="bg1"/>
+        </a:solidFill>
+        <a:effectLst/>
+      </p:bgPr>
+    </p:bg>
     <p:spTree>
       <p:nvGrpSpPr>
         <p:cNvPr id="1" name=""/>
@@ -3256,6 +3654,53 @@
           </a:ln>
         </p:spPr>
       </p:pic>
+      <p:sp>
+        <p:nvSpPr>
+          <p:cNvPr id="6" name="5 Marcador de pie de página"/>
+          <p:cNvSpPr>
+            <a:spLocks noGrp="1"/>
+          </p:cNvSpPr>
+          <p:nvPr>
+            <p:ph type="ftr" sz="quarter" idx="11"/>
+          </p:nvPr>
+        </p:nvSpPr>
+        <p:spPr/>
+        <p:txBody>
+          <a:bodyPr/>
+          <a:lstStyle/>
+          <a:p>
+            <a:r>
+              <a:rPr lang="es-UY" smtClean="0"/>
+              <a:t>PROYECTO DE GRADO MDVRP</a:t>
+            </a:r>
+            <a:endParaRPr lang="es-UY" dirty="0"/>
+          </a:p>
+        </p:txBody>
+      </p:sp>
+      <p:sp>
+        <p:nvSpPr>
+          <p:cNvPr id="7" name="6 Marcador de número de diapositiva"/>
+          <p:cNvSpPr>
+            <a:spLocks noGrp="1"/>
+          </p:cNvSpPr>
+          <p:nvPr>
+            <p:ph type="sldNum" sz="quarter" idx="12"/>
+          </p:nvPr>
+        </p:nvSpPr>
+        <p:spPr/>
+        <p:txBody>
+          <a:bodyPr/>
+          <a:lstStyle/>
+          <a:p>
+            <a:fld id="{D70CDD41-C5AA-403A-9E3F-13D09751A68A}" type="slidenum">
+              <a:rPr lang="es-UY" smtClean="0"/>
+              <a:pPr/>
+              <a:t>10</a:t>
+            </a:fld>
+            <a:endParaRPr lang="es-UY" dirty="0"/>
+          </a:p>
+        </p:txBody>
+      </p:sp>
     </p:spTree>
     <p:extLst>
       <p:ext uri="{BB962C8B-B14F-4D97-AF65-F5344CB8AC3E}">
@@ -3447,6 +3892,53 @@
           </a:ln>
         </p:spPr>
       </p:pic>
+      <p:sp>
+        <p:nvSpPr>
+          <p:cNvPr id="5" name="4 Marcador de pie de página"/>
+          <p:cNvSpPr>
+            <a:spLocks noGrp="1"/>
+          </p:cNvSpPr>
+          <p:nvPr>
+            <p:ph type="ftr" sz="quarter" idx="11"/>
+          </p:nvPr>
+        </p:nvSpPr>
+        <p:spPr/>
+        <p:txBody>
+          <a:bodyPr/>
+          <a:lstStyle/>
+          <a:p>
+            <a:r>
+              <a:rPr lang="es-UY" smtClean="0"/>
+              <a:t>PROYECTO DE GRADO MDVRP</a:t>
+            </a:r>
+            <a:endParaRPr lang="es-UY" dirty="0"/>
+          </a:p>
+        </p:txBody>
+      </p:sp>
+      <p:sp>
+        <p:nvSpPr>
+          <p:cNvPr id="6" name="5 Marcador de número de diapositiva"/>
+          <p:cNvSpPr>
+            <a:spLocks noGrp="1"/>
+          </p:cNvSpPr>
+          <p:nvPr>
+            <p:ph type="sldNum" sz="quarter" idx="12"/>
+          </p:nvPr>
+        </p:nvSpPr>
+        <p:spPr/>
+        <p:txBody>
+          <a:bodyPr/>
+          <a:lstStyle/>
+          <a:p>
+            <a:fld id="{D70CDD41-C5AA-403A-9E3F-13D09751A68A}" type="slidenum">
+              <a:rPr lang="es-UY" smtClean="0"/>
+              <a:pPr/>
+              <a:t>11</a:t>
+            </a:fld>
+            <a:endParaRPr lang="es-UY" dirty="0"/>
+          </a:p>
+        </p:txBody>
+      </p:sp>
     </p:spTree>
     <p:extLst>
       <p:ext uri="{BB962C8B-B14F-4D97-AF65-F5344CB8AC3E}">
@@ -3506,22 +3998,14 @@
             </a:r>
             <a:r>
               <a:rPr lang="es-UY" dirty="0" smtClean="0"/>
-              <a:t>Diseños y algoritmos </a:t>
-            </a:r>
-            <a:r>
-              <a:rPr lang="es-UY" dirty="0" smtClean="0"/>
-              <a:t>Postoptimización</a:t>
-            </a:r>
-            <a:r>
-              <a:rPr lang="es-UY" dirty="0" smtClean="0"/>
-              <a:t>.</a:t>
+              <a:t>Diseños y algoritmos Postoptimización.</a:t>
             </a:r>
             <a:endParaRPr lang="es-UY" dirty="0"/>
           </a:p>
         </p:txBody>
       </p:sp>
-      <mc:AlternateContent xmlns:mc="http://schemas.openxmlformats.org/markup-compatibility/2006">
-        <mc:Choice xmlns:a14="http://schemas.microsoft.com/office/drawing/2010/main" Requires="a14">
+      <mc:AlternateContent xmlns:mc="http://schemas.openxmlformats.org/markup-compatibility/2006" xmlns:a14="http://schemas.microsoft.com/office/drawing/2010/main">
+        <mc:Choice Requires="a14">
           <p:sp>
             <p:nvSpPr>
               <p:cNvPr id="3" name="Content Placeholder 2"/>
@@ -3563,15 +4047,7 @@
                 </a:pPr>
                 <a:r>
                   <a:rPr lang="es-ES" dirty="0"/>
-                  <a:t>Consiste en eliminar λ arcos (camino entre dos clientes consecutivos) de la solución (λ &gt; 1) y reconectar los λ segmentos restantes. Una solución se dice λ-óptima si no puede ser mejorada utilizando λ-intercambios. La solución permite configurar el parámetro “Lambda-</a:t>
-                </a:r>
-                <a:r>
-                  <a:rPr lang="es-ES" dirty="0"/>
-                  <a:t>Opt</a:t>
-                </a:r>
-                <a:r>
-                  <a:rPr lang="es-ES" dirty="0"/>
-                  <a:t>” que por defecto viene con el valor 3.</a:t>
+                  <a:t>Consiste en eliminar λ arcos (camino entre dos clientes consecutivos) de la solución (λ &gt; 1) y reconectar los λ segmentos restantes. Una solución se dice λ-óptima si no puede ser mejorada utilizando λ-intercambios. La solución permite configurar el parámetro “Lambda-Opt” que por defecto viene con el valor 3.</a:t>
                 </a:r>
                 <a:endParaRPr lang="es-UY" dirty="0"/>
               </a:p>
@@ -4616,7 +5092,7 @@
             </p:txBody>
           </p:sp>
         </mc:Choice>
-        <mc:Fallback>
+        <mc:Fallback xmlns="">
           <p:sp>
             <p:nvSpPr>
               <p:cNvPr id="3" name="Content Placeholder 2"/>
@@ -4654,6 +5130,53 @@
           </p:sp>
         </mc:Fallback>
       </mc:AlternateContent>
+      <p:sp>
+        <p:nvSpPr>
+          <p:cNvPr id="4" name="3 Marcador de pie de página"/>
+          <p:cNvSpPr>
+            <a:spLocks noGrp="1"/>
+          </p:cNvSpPr>
+          <p:nvPr>
+            <p:ph type="ftr" sz="quarter" idx="11"/>
+          </p:nvPr>
+        </p:nvSpPr>
+        <p:spPr/>
+        <p:txBody>
+          <a:bodyPr/>
+          <a:lstStyle/>
+          <a:p>
+            <a:r>
+              <a:rPr lang="es-UY" smtClean="0"/>
+              <a:t>PROYECTO DE GRADO MDVRP</a:t>
+            </a:r>
+            <a:endParaRPr lang="es-UY" dirty="0"/>
+          </a:p>
+        </p:txBody>
+      </p:sp>
+      <p:sp>
+        <p:nvSpPr>
+          <p:cNvPr id="5" name="4 Marcador de número de diapositiva"/>
+          <p:cNvSpPr>
+            <a:spLocks noGrp="1"/>
+          </p:cNvSpPr>
+          <p:nvPr>
+            <p:ph type="sldNum" sz="quarter" idx="12"/>
+          </p:nvPr>
+        </p:nvSpPr>
+        <p:spPr/>
+        <p:txBody>
+          <a:bodyPr/>
+          <a:lstStyle/>
+          <a:p>
+            <a:fld id="{D70CDD41-C5AA-403A-9E3F-13D09751A68A}" type="slidenum">
+              <a:rPr lang="es-UY" smtClean="0"/>
+              <a:pPr/>
+              <a:t>12</a:t>
+            </a:fld>
+            <a:endParaRPr lang="es-UY" dirty="0"/>
+          </a:p>
+        </p:txBody>
+      </p:sp>
     </p:spTree>
     <p:extLst>
       <p:ext uri="{BB962C8B-B14F-4D97-AF65-F5344CB8AC3E}">
@@ -4755,15 +5278,7 @@
             </a:r>
             <a:r>
               <a:rPr lang="es-ES" dirty="0" smtClean="0"/>
-              <a:t>con swing y </a:t>
-            </a:r>
-            <a:r>
-              <a:rPr lang="es-ES" dirty="0" smtClean="0"/>
-              <a:t>awt</a:t>
-            </a:r>
-            <a:r>
-              <a:rPr lang="es-ES" dirty="0" smtClean="0"/>
-              <a:t>. La </a:t>
+              <a:t>con swing y awt. La </a:t>
             </a:r>
             <a:r>
               <a:rPr lang="es-ES" dirty="0"/>
@@ -4809,20 +5324,59 @@
             </a:r>
             <a:r>
               <a:rPr lang="es-ES" dirty="0"/>
-              <a:t>en los </a:t>
-            </a:r>
-            <a:r>
-              <a:rPr lang="es-ES" dirty="0"/>
-              <a:t>javadocs</a:t>
-            </a:r>
-            <a:r>
-              <a:rPr lang="es-ES" dirty="0"/>
-              <a:t> de la </a:t>
+              <a:t>en los javadocs de la </a:t>
             </a:r>
             <a:r>
               <a:rPr lang="es-ES" dirty="0" smtClean="0"/>
               <a:t>aplicación así como en el documento final.</a:t>
             </a:r>
+            <a:endParaRPr lang="es-UY" dirty="0"/>
+          </a:p>
+        </p:txBody>
+      </p:sp>
+      <p:sp>
+        <p:nvSpPr>
+          <p:cNvPr id="4" name="3 Marcador de pie de página"/>
+          <p:cNvSpPr>
+            <a:spLocks noGrp="1"/>
+          </p:cNvSpPr>
+          <p:nvPr>
+            <p:ph type="ftr" sz="quarter" idx="11"/>
+          </p:nvPr>
+        </p:nvSpPr>
+        <p:spPr/>
+        <p:txBody>
+          <a:bodyPr/>
+          <a:lstStyle/>
+          <a:p>
+            <a:r>
+              <a:rPr lang="es-UY" smtClean="0"/>
+              <a:t>PROYECTO DE GRADO MDVRP</a:t>
+            </a:r>
+            <a:endParaRPr lang="es-UY" dirty="0"/>
+          </a:p>
+        </p:txBody>
+      </p:sp>
+      <p:sp>
+        <p:nvSpPr>
+          <p:cNvPr id="5" name="4 Marcador de número de diapositiva"/>
+          <p:cNvSpPr>
+            <a:spLocks noGrp="1"/>
+          </p:cNvSpPr>
+          <p:nvPr>
+            <p:ph type="sldNum" sz="quarter" idx="12"/>
+          </p:nvPr>
+        </p:nvSpPr>
+        <p:spPr/>
+        <p:txBody>
+          <a:bodyPr/>
+          <a:lstStyle/>
+          <a:p>
+            <a:fld id="{D70CDD41-C5AA-403A-9E3F-13D09751A68A}" type="slidenum">
+              <a:rPr lang="es-UY" smtClean="0"/>
+              <a:pPr/>
+              <a:t>13</a:t>
+            </a:fld>
             <a:endParaRPr lang="es-UY" dirty="0"/>
           </a:p>
         </p:txBody>
@@ -4876,23 +5430,7 @@
           <a:p>
             <a:r>
               <a:rPr lang="en-US" dirty="0" smtClean="0"/>
-              <a:t>MDVRP- </a:t>
-            </a:r>
-            <a:r>
-              <a:rPr lang="en-US" dirty="0" smtClean="0"/>
-              <a:t>Solución</a:t>
-            </a:r>
-            <a:r>
-              <a:rPr lang="en-US" dirty="0" smtClean="0"/>
-              <a:t>, </a:t>
-            </a:r>
-            <a:r>
-              <a:rPr lang="en-US" dirty="0" smtClean="0"/>
-              <a:t>implementación</a:t>
-            </a:r>
-            <a:r>
-              <a:rPr lang="en-US" dirty="0" smtClean="0"/>
-              <a:t>. </a:t>
+              <a:t>MDVRP- Solución, implementación. </a:t>
             </a:r>
             <a:r>
               <a:rPr lang="en-US" dirty="0"/>
@@ -4903,23 +5441,7 @@
             </a:br>
             <a:r>
               <a:rPr lang="en-US" dirty="0" smtClean="0"/>
-              <a:t>Aplicación</a:t>
-            </a:r>
-            <a:r>
-              <a:rPr lang="en-US" dirty="0" smtClean="0"/>
-              <a:t> </a:t>
-            </a:r>
-            <a:r>
-              <a:rPr lang="en-US" dirty="0" smtClean="0"/>
-              <a:t>y </a:t>
-            </a:r>
-            <a:r>
-              <a:rPr lang="en-US" dirty="0" smtClean="0"/>
-              <a:t>Micelaneos</a:t>
-            </a:r>
-            <a:r>
-              <a:rPr lang="en-US" dirty="0" smtClean="0"/>
-              <a:t>.</a:t>
+              <a:t>Aplicación y Micelaneos.</a:t>
             </a:r>
             <a:endParaRPr lang="es-UY" dirty="0"/>
           </a:p>
@@ -4951,6 +5473,53 @@
           </a:prstGeom>
         </p:spPr>
       </p:pic>
+      <p:sp>
+        <p:nvSpPr>
+          <p:cNvPr id="3" name="2 Marcador de pie de página"/>
+          <p:cNvSpPr>
+            <a:spLocks noGrp="1"/>
+          </p:cNvSpPr>
+          <p:nvPr>
+            <p:ph type="ftr" sz="quarter" idx="11"/>
+          </p:nvPr>
+        </p:nvSpPr>
+        <p:spPr/>
+        <p:txBody>
+          <a:bodyPr/>
+          <a:lstStyle/>
+          <a:p>
+            <a:r>
+              <a:rPr lang="es-UY" smtClean="0"/>
+              <a:t>PROYECTO DE GRADO MDVRP</a:t>
+            </a:r>
+            <a:endParaRPr lang="es-UY" dirty="0"/>
+          </a:p>
+        </p:txBody>
+      </p:sp>
+      <p:sp>
+        <p:nvSpPr>
+          <p:cNvPr id="5" name="4 Marcador de número de diapositiva"/>
+          <p:cNvSpPr>
+            <a:spLocks noGrp="1"/>
+          </p:cNvSpPr>
+          <p:nvPr>
+            <p:ph type="sldNum" sz="quarter" idx="12"/>
+          </p:nvPr>
+        </p:nvSpPr>
+        <p:spPr/>
+        <p:txBody>
+          <a:bodyPr/>
+          <a:lstStyle/>
+          <a:p>
+            <a:fld id="{D70CDD41-C5AA-403A-9E3F-13D09751A68A}" type="slidenum">
+              <a:rPr lang="es-UY" smtClean="0"/>
+              <a:pPr/>
+              <a:t>14</a:t>
+            </a:fld>
+            <a:endParaRPr lang="es-UY" dirty="0"/>
+          </a:p>
+        </p:txBody>
+      </p:sp>
     </p:spTree>
     <p:extLst>
       <p:ext uri="{BB962C8B-B14F-4D97-AF65-F5344CB8AC3E}">
@@ -5096,7 +5665,7 @@
         </p:blipFill>
         <p:spPr bwMode="auto">
           <a:xfrm>
-            <a:off x="1026016" y="3181082"/>
+            <a:off x="1026016" y="2846231"/>
             <a:ext cx="9616261" cy="2871986"/>
           </a:xfrm>
           <a:prstGeom prst="rect">
@@ -5150,7 +5719,7 @@
         </p:blipFill>
         <p:spPr bwMode="auto">
           <a:xfrm>
-            <a:off x="5585959" y="6210836"/>
+            <a:off x="5585959" y="5760072"/>
             <a:ext cx="876300" cy="523875"/>
           </a:xfrm>
           <a:prstGeom prst="rect">
@@ -5189,7 +5758,7 @@
         </p:nvSpPr>
         <p:spPr>
           <a:xfrm>
-            <a:off x="1026016" y="1771276"/>
+            <a:off x="1026016" y="1774691"/>
             <a:ext cx="9174051" cy="1200329"/>
           </a:xfrm>
           <a:prstGeom prst="rect">
@@ -5214,6 +5783,53 @@
               <a:rPr lang="es-ES" dirty="0" smtClean="0"/>
               <a:t>completo.</a:t>
             </a:r>
+            <a:endParaRPr lang="es-UY" dirty="0"/>
+          </a:p>
+        </p:txBody>
+      </p:sp>
+      <p:sp>
+        <p:nvSpPr>
+          <p:cNvPr id="5" name="4 Marcador de pie de página"/>
+          <p:cNvSpPr>
+            <a:spLocks noGrp="1"/>
+          </p:cNvSpPr>
+          <p:nvPr>
+            <p:ph type="ftr" sz="quarter" idx="11"/>
+          </p:nvPr>
+        </p:nvSpPr>
+        <p:spPr/>
+        <p:txBody>
+          <a:bodyPr/>
+          <a:lstStyle/>
+          <a:p>
+            <a:r>
+              <a:rPr lang="es-UY" smtClean="0"/>
+              <a:t>PROYECTO DE GRADO MDVRP</a:t>
+            </a:r>
+            <a:endParaRPr lang="es-UY" dirty="0"/>
+          </a:p>
+        </p:txBody>
+      </p:sp>
+      <p:sp>
+        <p:nvSpPr>
+          <p:cNvPr id="6" name="5 Marcador de número de diapositiva"/>
+          <p:cNvSpPr>
+            <a:spLocks noGrp="1"/>
+          </p:cNvSpPr>
+          <p:nvPr>
+            <p:ph type="sldNum" sz="quarter" idx="12"/>
+          </p:nvPr>
+        </p:nvSpPr>
+        <p:spPr/>
+        <p:txBody>
+          <a:bodyPr/>
+          <a:lstStyle/>
+          <a:p>
+            <a:fld id="{D70CDD41-C5AA-403A-9E3F-13D09751A68A}" type="slidenum">
+              <a:rPr lang="es-UY" smtClean="0"/>
+              <a:pPr/>
+              <a:t>15</a:t>
+            </a:fld>
             <a:endParaRPr lang="es-UY" dirty="0"/>
           </a:p>
         </p:txBody>
@@ -5309,6 +5925,53 @@
           </a:extLst>
         </p:spPr>
       </p:pic>
+      <p:sp>
+        <p:nvSpPr>
+          <p:cNvPr id="2" name="1 Marcador de pie de página"/>
+          <p:cNvSpPr>
+            <a:spLocks noGrp="1"/>
+          </p:cNvSpPr>
+          <p:nvPr>
+            <p:ph type="ftr" sz="quarter" idx="11"/>
+          </p:nvPr>
+        </p:nvSpPr>
+        <p:spPr/>
+        <p:txBody>
+          <a:bodyPr/>
+          <a:lstStyle/>
+          <a:p>
+            <a:r>
+              <a:rPr lang="es-UY" smtClean="0"/>
+              <a:t>PROYECTO DE GRADO MDVRP</a:t>
+            </a:r>
+            <a:endParaRPr lang="es-UY" dirty="0"/>
+          </a:p>
+        </p:txBody>
+      </p:sp>
+      <p:sp>
+        <p:nvSpPr>
+          <p:cNvPr id="3" name="2 Marcador de número de diapositiva"/>
+          <p:cNvSpPr>
+            <a:spLocks noGrp="1"/>
+          </p:cNvSpPr>
+          <p:nvPr>
+            <p:ph type="sldNum" sz="quarter" idx="12"/>
+          </p:nvPr>
+        </p:nvSpPr>
+        <p:spPr/>
+        <p:txBody>
+          <a:bodyPr/>
+          <a:lstStyle/>
+          <a:p>
+            <a:fld id="{D70CDD41-C5AA-403A-9E3F-13D09751A68A}" type="slidenum">
+              <a:rPr lang="es-UY" smtClean="0"/>
+              <a:pPr/>
+              <a:t>16</a:t>
+            </a:fld>
+            <a:endParaRPr lang="es-UY" dirty="0"/>
+          </a:p>
+        </p:txBody>
+      </p:sp>
     </p:spTree>
     <p:extLst>
       <p:ext uri="{BB962C8B-B14F-4D97-AF65-F5344CB8AC3E}">
@@ -5418,34 +6081,14 @@
             <a:pPr lvl="1"/>
             <a:r>
               <a:rPr lang="es-ES" dirty="0" smtClean="0"/>
-              <a:t>Permite </a:t>
-            </a:r>
+              <a:t>Permite parametrizar el numero de clientes y depósitos.</a:t>
+            </a:r>
+          </a:p>
+          <a:p>
+            <a:pPr lvl="1"/>
             <a:r>
               <a:rPr lang="es-ES" dirty="0" smtClean="0"/>
-              <a:t>parametrizar el numero de clientes y depósitos.</a:t>
-            </a:r>
-          </a:p>
-          <a:p>
-            <a:pPr lvl="1"/>
-            <a:r>
-              <a:rPr lang="es-ES" dirty="0" smtClean="0"/>
-              <a:t>Demanda de clientes (</a:t>
-            </a:r>
-            <a:r>
-              <a:rPr lang="es-ES" dirty="0" smtClean="0"/>
-              <a:t>v.a.</a:t>
-            </a:r>
-            <a:r>
-              <a:rPr lang="es-ES" dirty="0" smtClean="0"/>
-              <a:t> uniforme en un Intervalo (</a:t>
-            </a:r>
-            <a:r>
-              <a:rPr lang="es-ES" dirty="0" smtClean="0"/>
-              <a:t>a,b</a:t>
-            </a:r>
-            <a:r>
-              <a:rPr lang="es-ES" dirty="0" smtClean="0"/>
-              <a:t>))</a:t>
+              <a:t>Demanda de clientes (v.a. uniforme en un Intervalo (a,b))</a:t>
             </a:r>
           </a:p>
           <a:p>
@@ -5470,44 +6113,15 @@
             <a:pPr lvl="2"/>
             <a:r>
               <a:rPr lang="es-ES" dirty="0" smtClean="0"/>
-              <a:t>Puede sobrepasar la demanda de los clientes en un porcentaje dado (10%, 20%... </a:t>
-            </a:r>
+              <a:t>Puede sobrepasar la demanda de los clientes en un porcentaje dado (10%, 20%... Etc).</a:t>
+            </a:r>
+          </a:p>
+          <a:p>
+            <a:pPr lvl="1"/>
             <a:r>
               <a:rPr lang="es-ES" dirty="0" smtClean="0"/>
-              <a:t>Etc</a:t>
-            </a:r>
-            <a:r>
-              <a:rPr lang="es-ES" dirty="0" smtClean="0"/>
-              <a:t>).</a:t>
-            </a:r>
-          </a:p>
-          <a:p>
-            <a:pPr lvl="1"/>
-            <a:r>
-              <a:rPr lang="es-ES" dirty="0" smtClean="0"/>
-              <a:t>Con la misma </a:t>
-            </a:r>
-            <a:r>
-              <a:rPr lang="es-ES" dirty="0" smtClean="0"/>
-              <a:t>semilla </a:t>
-            </a:r>
-            <a:r>
-              <a:rPr lang="es-ES" dirty="0" smtClean="0"/>
-              <a:t>pueden existir varios juegos de datos </a:t>
-            </a:r>
-            <a:r>
-              <a:rPr lang="es-ES" dirty="0" smtClean="0"/>
-              <a:t>donde solo </a:t>
-            </a:r>
-            <a:r>
-              <a:rPr lang="es-ES" dirty="0" smtClean="0"/>
-              <a:t>varia la demanda de los </a:t>
-            </a:r>
-            <a:r>
-              <a:rPr lang="es-ES" dirty="0" smtClean="0"/>
-              <a:t>depósitos.</a:t>
-            </a:r>
-            <a:endParaRPr lang="es-ES" dirty="0" smtClean="0"/>
+              <a:t>Con la misma semilla pueden existir varios juegos de datos donde solo varia la demanda de los depósitos.</a:t>
+            </a:r>
           </a:p>
           <a:p>
             <a:pPr lvl="1"/>
@@ -5520,6 +6134,53 @@
             <a:pPr marL="457200" lvl="1" indent="0">
               <a:buNone/>
             </a:pPr>
+            <a:endParaRPr lang="es-UY" dirty="0"/>
+          </a:p>
+        </p:txBody>
+      </p:sp>
+      <p:sp>
+        <p:nvSpPr>
+          <p:cNvPr id="4" name="3 Marcador de pie de página"/>
+          <p:cNvSpPr>
+            <a:spLocks noGrp="1"/>
+          </p:cNvSpPr>
+          <p:nvPr>
+            <p:ph type="ftr" sz="quarter" idx="11"/>
+          </p:nvPr>
+        </p:nvSpPr>
+        <p:spPr/>
+        <p:txBody>
+          <a:bodyPr/>
+          <a:lstStyle/>
+          <a:p>
+            <a:r>
+              <a:rPr lang="es-UY" smtClean="0"/>
+              <a:t>PROYECTO DE GRADO MDVRP</a:t>
+            </a:r>
+            <a:endParaRPr lang="es-UY" dirty="0"/>
+          </a:p>
+        </p:txBody>
+      </p:sp>
+      <p:sp>
+        <p:nvSpPr>
+          <p:cNvPr id="5" name="4 Marcador de número de diapositiva"/>
+          <p:cNvSpPr>
+            <a:spLocks noGrp="1"/>
+          </p:cNvSpPr>
+          <p:nvPr>
+            <p:ph type="sldNum" sz="quarter" idx="12"/>
+          </p:nvPr>
+        </p:nvSpPr>
+        <p:spPr/>
+        <p:txBody>
+          <a:bodyPr/>
+          <a:lstStyle/>
+          <a:p>
+            <a:fld id="{D70CDD41-C5AA-403A-9E3F-13D09751A68A}" type="slidenum">
+              <a:rPr lang="es-UY" smtClean="0"/>
+              <a:pPr/>
+              <a:t>17</a:t>
+            </a:fld>
             <a:endParaRPr lang="es-UY" dirty="0"/>
           </a:p>
         </p:txBody>
@@ -5613,27 +6274,14 @@
           <a:p>
             <a:r>
               <a:rPr lang="es-UY" dirty="0" smtClean="0"/>
-              <a:t>A:  Ejemplo de </a:t>
-            </a:r>
+              <a:t>A:  Ejemplo de TSPLib (cap. de depósitos modificada) </a:t>
+            </a:r>
+          </a:p>
+          <a:p>
             <a:r>
               <a:rPr lang="es-UY" dirty="0" smtClean="0"/>
-              <a:t>TSPLib</a:t>
-            </a:r>
-            <a:r>
-              <a:rPr lang="es-UY" dirty="0" smtClean="0"/>
-              <a:t> (cap. de depósitos modificada) </a:t>
-            </a:r>
-          </a:p>
-          <a:p>
-            <a:r>
-              <a:rPr lang="es-UY" dirty="0" smtClean="0"/>
-              <a:t>B:  Depósitos con = </a:t>
-            </a:r>
-            <a:r>
-              <a:rPr lang="es-UY" dirty="0" smtClean="0"/>
-              <a:t>cap</a:t>
-            </a:r>
-            <a:endParaRPr lang="es-UY" dirty="0" smtClean="0"/>
+              <a:t>B:  Depósitos con = cap</a:t>
+            </a:r>
           </a:p>
           <a:p>
             <a:pPr lvl="1"/>
@@ -5681,11 +6329,7 @@
             </a:r>
             <a:r>
               <a:rPr lang="es-UY" dirty="0" smtClean="0"/>
-              <a:t> </a:t>
-            </a:r>
-            <a:r>
-              <a:rPr lang="es-UY" dirty="0" smtClean="0"/>
-              <a:t>cap</a:t>
+              <a:t> cap</a:t>
             </a:r>
             <a:endParaRPr lang="en-US" dirty="0"/>
           </a:p>
@@ -5784,6 +6428,53 @@
           </a:prstGeom>
         </p:spPr>
       </p:pic>
+      <p:sp>
+        <p:nvSpPr>
+          <p:cNvPr id="5" name="4 Marcador de pie de página"/>
+          <p:cNvSpPr>
+            <a:spLocks noGrp="1"/>
+          </p:cNvSpPr>
+          <p:nvPr>
+            <p:ph type="ftr" sz="quarter" idx="11"/>
+          </p:nvPr>
+        </p:nvSpPr>
+        <p:spPr/>
+        <p:txBody>
+          <a:bodyPr/>
+          <a:lstStyle/>
+          <a:p>
+            <a:r>
+              <a:rPr lang="es-UY" smtClean="0"/>
+              <a:t>PROYECTO DE GRADO MDVRP</a:t>
+            </a:r>
+            <a:endParaRPr lang="es-UY" dirty="0"/>
+          </a:p>
+        </p:txBody>
+      </p:sp>
+      <p:sp>
+        <p:nvSpPr>
+          <p:cNvPr id="8" name="7 Marcador de número de diapositiva"/>
+          <p:cNvSpPr>
+            <a:spLocks noGrp="1"/>
+          </p:cNvSpPr>
+          <p:nvPr>
+            <p:ph type="sldNum" sz="quarter" idx="12"/>
+          </p:nvPr>
+        </p:nvSpPr>
+        <p:spPr/>
+        <p:txBody>
+          <a:bodyPr/>
+          <a:lstStyle/>
+          <a:p>
+            <a:fld id="{D70CDD41-C5AA-403A-9E3F-13D09751A68A}" type="slidenum">
+              <a:rPr lang="es-UY" smtClean="0"/>
+              <a:pPr/>
+              <a:t>18</a:t>
+            </a:fld>
+            <a:endParaRPr lang="es-UY" dirty="0"/>
+          </a:p>
+        </p:txBody>
+      </p:sp>
     </p:spTree>
     <p:extLst>
       <p:ext uri="{BB962C8B-B14F-4D97-AF65-F5344CB8AC3E}">
@@ -5947,17 +6638,60 @@
             <a:pPr lvl="2"/>
             <a:r>
               <a:rPr lang="es-UY" dirty="0" smtClean="0"/>
-              <a:t>Permite </a:t>
-            </a:r>
-            <a:r>
-              <a:rPr lang="es-UY" dirty="0" smtClean="0"/>
-              <a:t>cuantificar el impacto cuando los depósitos no pueden cubrir las demandas de los clientes.</a:t>
+              <a:t>Permite cuantificar el impacto cuando los depósitos no pueden cubrir las demandas de los clientes.</a:t>
             </a:r>
           </a:p>
           <a:p>
             <a:pPr marL="457200" lvl="1" indent="0">
               <a:buNone/>
             </a:pPr>
+            <a:endParaRPr lang="es-UY" dirty="0"/>
+          </a:p>
+        </p:txBody>
+      </p:sp>
+      <p:sp>
+        <p:nvSpPr>
+          <p:cNvPr id="4" name="3 Marcador de pie de página"/>
+          <p:cNvSpPr>
+            <a:spLocks noGrp="1"/>
+          </p:cNvSpPr>
+          <p:nvPr>
+            <p:ph type="ftr" sz="quarter" idx="11"/>
+          </p:nvPr>
+        </p:nvSpPr>
+        <p:spPr/>
+        <p:txBody>
+          <a:bodyPr/>
+          <a:lstStyle/>
+          <a:p>
+            <a:r>
+              <a:rPr lang="es-UY" smtClean="0"/>
+              <a:t>PROYECTO DE GRADO MDVRP</a:t>
+            </a:r>
+            <a:endParaRPr lang="es-UY" dirty="0"/>
+          </a:p>
+        </p:txBody>
+      </p:sp>
+      <p:sp>
+        <p:nvSpPr>
+          <p:cNvPr id="5" name="4 Marcador de número de diapositiva"/>
+          <p:cNvSpPr>
+            <a:spLocks noGrp="1"/>
+          </p:cNvSpPr>
+          <p:nvPr>
+            <p:ph type="sldNum" sz="quarter" idx="12"/>
+          </p:nvPr>
+        </p:nvSpPr>
+        <p:spPr/>
+        <p:txBody>
+          <a:bodyPr/>
+          <a:lstStyle/>
+          <a:p>
+            <a:fld id="{D70CDD41-C5AA-403A-9E3F-13D09751A68A}" type="slidenum">
+              <a:rPr lang="es-UY" smtClean="0"/>
+              <a:pPr/>
+              <a:t>19</a:t>
+            </a:fld>
             <a:endParaRPr lang="es-UY" dirty="0"/>
           </a:p>
         </p:txBody>
@@ -6068,6 +6802,53 @@
           </a:p>
           <a:p>
             <a:endParaRPr lang="en-US" sz="2800" dirty="0"/>
+          </a:p>
+        </p:txBody>
+      </p:sp>
+      <p:sp>
+        <p:nvSpPr>
+          <p:cNvPr id="4" name="3 Marcador de pie de página"/>
+          <p:cNvSpPr>
+            <a:spLocks noGrp="1"/>
+          </p:cNvSpPr>
+          <p:nvPr>
+            <p:ph type="ftr" sz="quarter" idx="11"/>
+          </p:nvPr>
+        </p:nvSpPr>
+        <p:spPr/>
+        <p:txBody>
+          <a:bodyPr/>
+          <a:lstStyle/>
+          <a:p>
+            <a:r>
+              <a:rPr lang="es-UY" smtClean="0"/>
+              <a:t>PROYECTO DE GRADO MDVRP</a:t>
+            </a:r>
+            <a:endParaRPr lang="es-UY" dirty="0"/>
+          </a:p>
+        </p:txBody>
+      </p:sp>
+      <p:sp>
+        <p:nvSpPr>
+          <p:cNvPr id="5" name="4 Marcador de número de diapositiva"/>
+          <p:cNvSpPr>
+            <a:spLocks noGrp="1"/>
+          </p:cNvSpPr>
+          <p:nvPr>
+            <p:ph type="sldNum" sz="quarter" idx="12"/>
+          </p:nvPr>
+        </p:nvSpPr>
+        <p:spPr/>
+        <p:txBody>
+          <a:bodyPr/>
+          <a:lstStyle/>
+          <a:p>
+            <a:fld id="{D70CDD41-C5AA-403A-9E3F-13D09751A68A}" type="slidenum">
+              <a:rPr lang="es-UY" smtClean="0"/>
+              <a:pPr/>
+              <a:t>2</a:t>
+            </a:fld>
+            <a:endParaRPr lang="es-UY" dirty="0"/>
           </a:p>
         </p:txBody>
       </p:sp>
@@ -7486,7 +8267,53 @@
               <a:rPr lang="es-UY" sz="2200" dirty="0"/>
               <a:t>toma como base el algoritmo de urgencia con capacidades.</a:t>
             </a:r>
-            <a:endParaRPr lang="es-UY" sz="2200" dirty="0"/>
+          </a:p>
+        </p:txBody>
+      </p:sp>
+      <p:sp>
+        <p:nvSpPr>
+          <p:cNvPr id="3" name="2 Marcador de pie de página"/>
+          <p:cNvSpPr>
+            <a:spLocks noGrp="1"/>
+          </p:cNvSpPr>
+          <p:nvPr>
+            <p:ph type="ftr" sz="quarter" idx="11"/>
+          </p:nvPr>
+        </p:nvSpPr>
+        <p:spPr/>
+        <p:txBody>
+          <a:bodyPr/>
+          <a:lstStyle/>
+          <a:p>
+            <a:r>
+              <a:rPr lang="es-UY" smtClean="0"/>
+              <a:t>PROYECTO DE GRADO MDVRP</a:t>
+            </a:r>
+            <a:endParaRPr lang="es-UY" dirty="0"/>
+          </a:p>
+        </p:txBody>
+      </p:sp>
+      <p:sp>
+        <p:nvSpPr>
+          <p:cNvPr id="6" name="5 Marcador de número de diapositiva"/>
+          <p:cNvSpPr>
+            <a:spLocks noGrp="1"/>
+          </p:cNvSpPr>
+          <p:nvPr>
+            <p:ph type="sldNum" sz="quarter" idx="12"/>
+          </p:nvPr>
+        </p:nvSpPr>
+        <p:spPr/>
+        <p:txBody>
+          <a:bodyPr/>
+          <a:lstStyle/>
+          <a:p>
+            <a:fld id="{D70CDD41-C5AA-403A-9E3F-13D09751A68A}" type="slidenum">
+              <a:rPr lang="es-UY" smtClean="0"/>
+              <a:pPr/>
+              <a:t>20</a:t>
+            </a:fld>
+            <a:endParaRPr lang="es-UY" dirty="0"/>
           </a:p>
         </p:txBody>
       </p:sp>
@@ -7672,6 +8499,53 @@
           </a:p>
         </p:txBody>
       </p:sp>
+      <p:sp>
+        <p:nvSpPr>
+          <p:cNvPr id="4" name="3 Marcador de pie de página"/>
+          <p:cNvSpPr>
+            <a:spLocks noGrp="1"/>
+          </p:cNvSpPr>
+          <p:nvPr>
+            <p:ph type="ftr" sz="quarter" idx="11"/>
+          </p:nvPr>
+        </p:nvSpPr>
+        <p:spPr/>
+        <p:txBody>
+          <a:bodyPr/>
+          <a:lstStyle/>
+          <a:p>
+            <a:r>
+              <a:rPr lang="es-UY" smtClean="0"/>
+              <a:t>PROYECTO DE GRADO MDVRP</a:t>
+            </a:r>
+            <a:endParaRPr lang="es-UY" dirty="0"/>
+          </a:p>
+        </p:txBody>
+      </p:sp>
+      <p:sp>
+        <p:nvSpPr>
+          <p:cNvPr id="5" name="4 Marcador de número de diapositiva"/>
+          <p:cNvSpPr>
+            <a:spLocks noGrp="1"/>
+          </p:cNvSpPr>
+          <p:nvPr>
+            <p:ph type="sldNum" sz="quarter" idx="12"/>
+          </p:nvPr>
+        </p:nvSpPr>
+        <p:spPr/>
+        <p:txBody>
+          <a:bodyPr/>
+          <a:lstStyle/>
+          <a:p>
+            <a:fld id="{D70CDD41-C5AA-403A-9E3F-13D09751A68A}" type="slidenum">
+              <a:rPr lang="es-UY" smtClean="0"/>
+              <a:pPr/>
+              <a:t>21</a:t>
+            </a:fld>
+            <a:endParaRPr lang="es-UY" dirty="0"/>
+          </a:p>
+        </p:txBody>
+      </p:sp>
     </p:spTree>
     <p:extLst>
       <p:ext uri="{BB962C8B-B14F-4D97-AF65-F5344CB8AC3E}">
@@ -7767,11 +8641,7 @@
             </a:r>
             <a:r>
               <a:rPr lang="es-ES" dirty="0" smtClean="0"/>
-              <a:t>ejecutar algoritmos </a:t>
-            </a:r>
-            <a:r>
-              <a:rPr lang="es-ES" dirty="0" smtClean="0"/>
-              <a:t>de </a:t>
+              <a:t>ejecutar algoritmos de </a:t>
             </a:r>
             <a:r>
               <a:rPr lang="es-ES" dirty="0"/>
@@ -7785,29 +8655,8 @@
           <a:p>
             <a:r>
               <a:rPr lang="es-ES" dirty="0" smtClean="0"/>
-              <a:t>Por otro lado se </a:t>
-            </a:r>
-            <a:r>
-              <a:rPr lang="es-ES" dirty="0" smtClean="0"/>
-              <a:t>detectó, analizó </a:t>
-            </a:r>
-            <a:r>
-              <a:rPr lang="es-ES" dirty="0" smtClean="0"/>
-              <a:t>y se </a:t>
-            </a:r>
-            <a:r>
-              <a:rPr lang="es-ES" dirty="0" smtClean="0"/>
-              <a:t>trabajó </a:t>
-            </a:r>
-            <a:r>
-              <a:rPr lang="es-ES" dirty="0" smtClean="0"/>
-              <a:t>en algoritmos para un problema particular en la asignación. Los clientes </a:t>
-            </a:r>
-            <a:r>
-              <a:rPr lang="es-ES" dirty="0" smtClean="0"/>
-              <a:t>enajenados.</a:t>
-            </a:r>
-            <a:endParaRPr lang="es-ES" dirty="0" smtClean="0"/>
+              <a:t>Por otro lado se detectó, analizó y se trabajó en algoritmos para un problema particular en la asignación. Los clientes enajenados.</a:t>
+            </a:r>
           </a:p>
           <a:p>
             <a:pPr marL="0" indent="0">
@@ -7816,6 +8665,53 @@
             <a:endParaRPr lang="es-UY" dirty="0"/>
           </a:p>
           <a:p>
+            <a:endParaRPr lang="es-UY" dirty="0"/>
+          </a:p>
+        </p:txBody>
+      </p:sp>
+      <p:sp>
+        <p:nvSpPr>
+          <p:cNvPr id="4" name="3 Marcador de pie de página"/>
+          <p:cNvSpPr>
+            <a:spLocks noGrp="1"/>
+          </p:cNvSpPr>
+          <p:nvPr>
+            <p:ph type="ftr" sz="quarter" idx="11"/>
+          </p:nvPr>
+        </p:nvSpPr>
+        <p:spPr/>
+        <p:txBody>
+          <a:bodyPr/>
+          <a:lstStyle/>
+          <a:p>
+            <a:r>
+              <a:rPr lang="es-UY" smtClean="0"/>
+              <a:t>PROYECTO DE GRADO MDVRP</a:t>
+            </a:r>
+            <a:endParaRPr lang="es-UY" dirty="0"/>
+          </a:p>
+        </p:txBody>
+      </p:sp>
+      <p:sp>
+        <p:nvSpPr>
+          <p:cNvPr id="5" name="4 Marcador de número de diapositiva"/>
+          <p:cNvSpPr>
+            <a:spLocks noGrp="1"/>
+          </p:cNvSpPr>
+          <p:nvPr>
+            <p:ph type="sldNum" sz="quarter" idx="12"/>
+          </p:nvPr>
+        </p:nvSpPr>
+        <p:spPr/>
+        <p:txBody>
+          <a:bodyPr/>
+          <a:lstStyle/>
+          <a:p>
+            <a:fld id="{D70CDD41-C5AA-403A-9E3F-13D09751A68A}" type="slidenum">
+              <a:rPr lang="es-UY" smtClean="0"/>
+              <a:pPr/>
+              <a:t>22</a:t>
+            </a:fld>
             <a:endParaRPr lang="es-UY" dirty="0"/>
           </a:p>
         </p:txBody>
@@ -7919,30 +8815,14 @@
             <a:pPr lvl="1"/>
             <a:r>
               <a:rPr lang="es-ES" dirty="0" smtClean="0"/>
-              <a:t>El proyecto se </a:t>
-            </a:r>
+              <a:t>El proyecto se enfocó en MDVRP con capacidades siendo necesario efectuar ciertas modificaciones para otras variantes de MDVRP (con ventanas de tiempo, periodicidad, flota heterogénea).</a:t>
+            </a:r>
+          </a:p>
+          <a:p>
+            <a:pPr lvl="1"/>
             <a:r>
               <a:rPr lang="es-ES" dirty="0" smtClean="0"/>
-              <a:t>enfocó </a:t>
-            </a:r>
-            <a:r>
-              <a:rPr lang="es-ES" dirty="0" smtClean="0"/>
-              <a:t>en MDVRP con capacidades siendo necesario efectuar ciertas modificaciones para otras variantes de MDVRP (con ventanas de tiempo, periodicidad, flota heterogénea).</a:t>
-            </a:r>
-          </a:p>
-          <a:p>
-            <a:pPr lvl="1"/>
-            <a:r>
-              <a:rPr lang="es-ES" dirty="0" smtClean="0"/>
-              <a:t>Utilización de coordenadas geográficas para otros problemas de </a:t>
-            </a:r>
-            <a:r>
-              <a:rPr lang="es-ES" dirty="0" smtClean="0"/>
-              <a:t>MDVRP permitiendo </a:t>
-            </a:r>
-            <a:r>
-              <a:rPr lang="es-ES" dirty="0" smtClean="0"/>
-              <a:t>nuevos formatos de entrada que no sean los del standard de TSPLIB.</a:t>
+              <a:t>Utilización de coordenadas geográficas para otros problemas de MDVRP permitiendo nuevos formatos de entrada que no sean los del standard de TSPLIB.</a:t>
             </a:r>
           </a:p>
           <a:p>
@@ -7962,12 +8842,13 @@
             <a:pPr lvl="1"/>
             <a:r>
               <a:rPr lang="es-ES" dirty="0" smtClean="0"/>
-              <a:t>Profundizar en la retroalimentación entre etapas para encontrar mejores </a:t>
-            </a:r>
-            <a:r>
-              <a:rPr lang="es-ES" dirty="0" smtClean="0"/>
-              <a:t>rutas.</a:t>
-            </a:r>
+              <a:t>Profundizar en la retroalimentación entre etapas para encontrar mejores rutas.</a:t>
+            </a:r>
+          </a:p>
+          <a:p>
+            <a:endParaRPr lang="es-ES" dirty="0"/>
+          </a:p>
+          <a:p>
             <a:endParaRPr lang="es-ES" dirty="0" smtClean="0"/>
           </a:p>
           <a:p>
@@ -7976,11 +8857,52 @@
           <a:p>
             <a:endParaRPr lang="es-ES" dirty="0" smtClean="0"/>
           </a:p>
-          <a:p>
-            <a:endParaRPr lang="es-ES" dirty="0"/>
-          </a:p>
-          <a:p>
-            <a:endParaRPr lang="es-ES" dirty="0" smtClean="0"/>
+        </p:txBody>
+      </p:sp>
+      <p:sp>
+        <p:nvSpPr>
+          <p:cNvPr id="4" name="3 Marcador de pie de página"/>
+          <p:cNvSpPr>
+            <a:spLocks noGrp="1"/>
+          </p:cNvSpPr>
+          <p:nvPr>
+            <p:ph type="ftr" sz="quarter" idx="11"/>
+          </p:nvPr>
+        </p:nvSpPr>
+        <p:spPr/>
+        <p:txBody>
+          <a:bodyPr/>
+          <a:lstStyle/>
+          <a:p>
+            <a:r>
+              <a:rPr lang="es-UY" smtClean="0"/>
+              <a:t>PROYECTO DE GRADO MDVRP</a:t>
+            </a:r>
+            <a:endParaRPr lang="es-UY" dirty="0"/>
+          </a:p>
+        </p:txBody>
+      </p:sp>
+      <p:sp>
+        <p:nvSpPr>
+          <p:cNvPr id="5" name="4 Marcador de número de diapositiva"/>
+          <p:cNvSpPr>
+            <a:spLocks noGrp="1"/>
+          </p:cNvSpPr>
+          <p:nvPr>
+            <p:ph type="sldNum" sz="quarter" idx="12"/>
+          </p:nvPr>
+        </p:nvSpPr>
+        <p:spPr/>
+        <p:txBody>
+          <a:bodyPr/>
+          <a:lstStyle/>
+          <a:p>
+            <a:fld id="{D70CDD41-C5AA-403A-9E3F-13D09751A68A}" type="slidenum">
+              <a:rPr lang="es-UY" smtClean="0"/>
+              <a:pPr/>
+              <a:t>23</a:t>
+            </a:fld>
+            <a:endParaRPr lang="es-UY" dirty="0"/>
           </a:p>
         </p:txBody>
       </p:sp>
@@ -8150,6 +9072,53 @@
               <a:rPr lang="es-ES" dirty="0" smtClean="0"/>
               <a:t>Otras variantes en los problemas de vehículos</a:t>
             </a:r>
+          </a:p>
+        </p:txBody>
+      </p:sp>
+      <p:sp>
+        <p:nvSpPr>
+          <p:cNvPr id="4" name="3 Marcador de pie de página"/>
+          <p:cNvSpPr>
+            <a:spLocks noGrp="1"/>
+          </p:cNvSpPr>
+          <p:nvPr>
+            <p:ph type="ftr" sz="quarter" idx="11"/>
+          </p:nvPr>
+        </p:nvSpPr>
+        <p:spPr/>
+        <p:txBody>
+          <a:bodyPr/>
+          <a:lstStyle/>
+          <a:p>
+            <a:r>
+              <a:rPr lang="es-UY" smtClean="0"/>
+              <a:t>PROYECTO DE GRADO MDVRP</a:t>
+            </a:r>
+            <a:endParaRPr lang="es-UY" dirty="0"/>
+          </a:p>
+        </p:txBody>
+      </p:sp>
+      <p:sp>
+        <p:nvSpPr>
+          <p:cNvPr id="5" name="4 Marcador de número de diapositiva"/>
+          <p:cNvSpPr>
+            <a:spLocks noGrp="1"/>
+          </p:cNvSpPr>
+          <p:nvPr>
+            <p:ph type="sldNum" sz="quarter" idx="12"/>
+          </p:nvPr>
+        </p:nvSpPr>
+        <p:spPr/>
+        <p:txBody>
+          <a:bodyPr/>
+          <a:lstStyle/>
+          <a:p>
+            <a:fld id="{D70CDD41-C5AA-403A-9E3F-13D09751A68A}" type="slidenum">
+              <a:rPr lang="es-UY" smtClean="0"/>
+              <a:pPr/>
+              <a:t>3</a:t>
+            </a:fld>
+            <a:endParaRPr lang="es-UY" dirty="0"/>
           </a:p>
         </p:txBody>
       </p:sp>
@@ -8516,6 +9485,53 @@
           </a:p>
         </p:txBody>
       </p:sp>
+      <p:sp>
+        <p:nvSpPr>
+          <p:cNvPr id="4" name="3 Marcador de pie de página"/>
+          <p:cNvSpPr>
+            <a:spLocks noGrp="1"/>
+          </p:cNvSpPr>
+          <p:nvPr>
+            <p:ph type="ftr" sz="quarter" idx="11"/>
+          </p:nvPr>
+        </p:nvSpPr>
+        <p:spPr/>
+        <p:txBody>
+          <a:bodyPr/>
+          <a:lstStyle/>
+          <a:p>
+            <a:r>
+              <a:rPr lang="es-UY" smtClean="0"/>
+              <a:t>PROYECTO DE GRADO MDVRP</a:t>
+            </a:r>
+            <a:endParaRPr lang="es-UY" dirty="0"/>
+          </a:p>
+        </p:txBody>
+      </p:sp>
+      <p:sp>
+        <p:nvSpPr>
+          <p:cNvPr id="6" name="5 Marcador de número de diapositiva"/>
+          <p:cNvSpPr>
+            <a:spLocks noGrp="1"/>
+          </p:cNvSpPr>
+          <p:nvPr>
+            <p:ph type="sldNum" sz="quarter" idx="12"/>
+          </p:nvPr>
+        </p:nvSpPr>
+        <p:spPr/>
+        <p:txBody>
+          <a:bodyPr/>
+          <a:lstStyle/>
+          <a:p>
+            <a:fld id="{D70CDD41-C5AA-403A-9E3F-13D09751A68A}" type="slidenum">
+              <a:rPr lang="es-UY" smtClean="0"/>
+              <a:pPr/>
+              <a:t>4</a:t>
+            </a:fld>
+            <a:endParaRPr lang="es-UY" dirty="0"/>
+          </a:p>
+        </p:txBody>
+      </p:sp>
     </p:spTree>
     <p:extLst>
       <p:ext uri="{BB962C8B-B14F-4D97-AF65-F5344CB8AC3E}">
@@ -8772,6 +9788,53 @@
                 </a:schemeClr>
               </a:solidFill>
             </a:endParaRPr>
+          </a:p>
+        </p:txBody>
+      </p:sp>
+      <p:sp>
+        <p:nvSpPr>
+          <p:cNvPr id="4" name="3 Marcador de pie de página"/>
+          <p:cNvSpPr>
+            <a:spLocks noGrp="1"/>
+          </p:cNvSpPr>
+          <p:nvPr>
+            <p:ph type="ftr" sz="quarter" idx="11"/>
+          </p:nvPr>
+        </p:nvSpPr>
+        <p:spPr/>
+        <p:txBody>
+          <a:bodyPr/>
+          <a:lstStyle/>
+          <a:p>
+            <a:r>
+              <a:rPr lang="es-UY" smtClean="0"/>
+              <a:t>PROYECTO DE GRADO MDVRP</a:t>
+            </a:r>
+            <a:endParaRPr lang="es-UY" dirty="0"/>
+          </a:p>
+        </p:txBody>
+      </p:sp>
+      <p:sp>
+        <p:nvSpPr>
+          <p:cNvPr id="5" name="4 Marcador de número de diapositiva"/>
+          <p:cNvSpPr>
+            <a:spLocks noGrp="1"/>
+          </p:cNvSpPr>
+          <p:nvPr>
+            <p:ph type="sldNum" sz="quarter" idx="12"/>
+          </p:nvPr>
+        </p:nvSpPr>
+        <p:spPr/>
+        <p:txBody>
+          <a:bodyPr/>
+          <a:lstStyle/>
+          <a:p>
+            <a:fld id="{D70CDD41-C5AA-403A-9E3F-13D09751A68A}" type="slidenum">
+              <a:rPr lang="es-UY" smtClean="0"/>
+              <a:pPr/>
+              <a:t>5</a:t>
+            </a:fld>
+            <a:endParaRPr lang="es-UY" dirty="0"/>
           </a:p>
         </p:txBody>
       </p:sp>
@@ -8884,11 +9947,7 @@
           <a:p>
             <a:r>
               <a:rPr lang="es-ES" dirty="0" smtClean="0"/>
-              <a:t>La solución del problema de MDVRP se </a:t>
-            </a:r>
-            <a:r>
-              <a:rPr lang="es-ES" dirty="0" smtClean="0"/>
-              <a:t>basó </a:t>
+              <a:t>La solución del problema de MDVRP se basó </a:t>
             </a:r>
             <a:r>
               <a:rPr lang="es-ES" dirty="0"/>
@@ -8956,7 +10015,7 @@
         </p:blipFill>
         <p:spPr>
           <a:xfrm>
-            <a:off x="1169931" y="5200253"/>
+            <a:off x="1169931" y="4762371"/>
             <a:ext cx="9852137" cy="1657747"/>
           </a:xfrm>
           <a:prstGeom prst="rect">
@@ -8964,6 +10023,53 @@
           </a:prstGeom>
         </p:spPr>
       </p:pic>
+      <p:sp>
+        <p:nvSpPr>
+          <p:cNvPr id="4" name="3 Marcador de pie de página"/>
+          <p:cNvSpPr>
+            <a:spLocks noGrp="1"/>
+          </p:cNvSpPr>
+          <p:nvPr>
+            <p:ph type="ftr" sz="quarter" idx="11"/>
+          </p:nvPr>
+        </p:nvSpPr>
+        <p:spPr/>
+        <p:txBody>
+          <a:bodyPr/>
+          <a:lstStyle/>
+          <a:p>
+            <a:r>
+              <a:rPr lang="es-UY" smtClean="0"/>
+              <a:t>PROYECTO DE GRADO MDVRP</a:t>
+            </a:r>
+            <a:endParaRPr lang="es-UY" dirty="0"/>
+          </a:p>
+        </p:txBody>
+      </p:sp>
+      <p:sp>
+        <p:nvSpPr>
+          <p:cNvPr id="5" name="4 Marcador de número de diapositiva"/>
+          <p:cNvSpPr>
+            <a:spLocks noGrp="1"/>
+          </p:cNvSpPr>
+          <p:nvPr>
+            <p:ph type="sldNum" sz="quarter" idx="12"/>
+          </p:nvPr>
+        </p:nvSpPr>
+        <p:spPr/>
+        <p:txBody>
+          <a:bodyPr/>
+          <a:lstStyle/>
+          <a:p>
+            <a:fld id="{D70CDD41-C5AA-403A-9E3F-13D09751A68A}" type="slidenum">
+              <a:rPr lang="es-UY" smtClean="0"/>
+              <a:pPr/>
+              <a:t>6</a:t>
+            </a:fld>
+            <a:endParaRPr lang="es-UY" dirty="0"/>
+          </a:p>
+        </p:txBody>
+      </p:sp>
     </p:spTree>
     <p:extLst>
       <p:ext uri="{BB962C8B-B14F-4D97-AF65-F5344CB8AC3E}">
@@ -9146,6 +10252,53 @@
           </a:p>
           <a:p>
             <a:endParaRPr lang="en-US" dirty="0" smtClean="0"/>
+          </a:p>
+        </p:txBody>
+      </p:sp>
+      <p:sp>
+        <p:nvSpPr>
+          <p:cNvPr id="4" name="3 Marcador de pie de página"/>
+          <p:cNvSpPr>
+            <a:spLocks noGrp="1"/>
+          </p:cNvSpPr>
+          <p:nvPr>
+            <p:ph type="ftr" sz="quarter" idx="11"/>
+          </p:nvPr>
+        </p:nvSpPr>
+        <p:spPr/>
+        <p:txBody>
+          <a:bodyPr/>
+          <a:lstStyle/>
+          <a:p>
+            <a:r>
+              <a:rPr lang="es-UY" smtClean="0"/>
+              <a:t>PROYECTO DE GRADO MDVRP</a:t>
+            </a:r>
+            <a:endParaRPr lang="es-UY" dirty="0"/>
+          </a:p>
+        </p:txBody>
+      </p:sp>
+      <p:sp>
+        <p:nvSpPr>
+          <p:cNvPr id="5" name="4 Marcador de número de diapositiva"/>
+          <p:cNvSpPr>
+            <a:spLocks noGrp="1"/>
+          </p:cNvSpPr>
+          <p:nvPr>
+            <p:ph type="sldNum" sz="quarter" idx="12"/>
+          </p:nvPr>
+        </p:nvSpPr>
+        <p:spPr/>
+        <p:txBody>
+          <a:bodyPr/>
+          <a:lstStyle/>
+          <a:p>
+            <a:fld id="{D70CDD41-C5AA-403A-9E3F-13D09751A68A}" type="slidenum">
+              <a:rPr lang="es-UY" smtClean="0"/>
+              <a:pPr/>
+              <a:t>7</a:t>
+            </a:fld>
+            <a:endParaRPr lang="es-UY" dirty="0"/>
           </a:p>
         </p:txBody>
       </p:sp>
@@ -9758,6 +10911,53 @@
           </p:sp>
         </mc:Fallback>
       </mc:AlternateContent>
+      <p:sp>
+        <p:nvSpPr>
+          <p:cNvPr id="4" name="3 Marcador de pie de página"/>
+          <p:cNvSpPr>
+            <a:spLocks noGrp="1"/>
+          </p:cNvSpPr>
+          <p:nvPr>
+            <p:ph type="ftr" sz="quarter" idx="11"/>
+          </p:nvPr>
+        </p:nvSpPr>
+        <p:spPr/>
+        <p:txBody>
+          <a:bodyPr/>
+          <a:lstStyle/>
+          <a:p>
+            <a:r>
+              <a:rPr lang="es-UY" smtClean="0"/>
+              <a:t>PROYECTO DE GRADO MDVRP</a:t>
+            </a:r>
+            <a:endParaRPr lang="es-UY" dirty="0"/>
+          </a:p>
+        </p:txBody>
+      </p:sp>
+      <p:sp>
+        <p:nvSpPr>
+          <p:cNvPr id="5" name="4 Marcador de número de diapositiva"/>
+          <p:cNvSpPr>
+            <a:spLocks noGrp="1"/>
+          </p:cNvSpPr>
+          <p:nvPr>
+            <p:ph type="sldNum" sz="quarter" idx="12"/>
+          </p:nvPr>
+        </p:nvSpPr>
+        <p:spPr/>
+        <p:txBody>
+          <a:bodyPr/>
+          <a:lstStyle/>
+          <a:p>
+            <a:fld id="{D70CDD41-C5AA-403A-9E3F-13D09751A68A}" type="slidenum">
+              <a:rPr lang="es-UY" smtClean="0"/>
+              <a:pPr/>
+              <a:t>8</a:t>
+            </a:fld>
+            <a:endParaRPr lang="es-UY" dirty="0"/>
+          </a:p>
+        </p:txBody>
+      </p:sp>
     </p:spTree>
     <p:extLst>
       <p:ext uri="{BB962C8B-B14F-4D97-AF65-F5344CB8AC3E}">
@@ -9829,7 +11029,7 @@
         </p:spPr>
         <p:txBody>
           <a:bodyPr>
-            <a:normAutofit/>
+            <a:normAutofit lnSpcReduction="10000"/>
           </a:bodyPr>
           <a:lstStyle/>
           <a:p>
@@ -9840,8 +11040,14 @@
             </a:r>
           </a:p>
           <a:p>
-            <a:pPr lvl="0"/>
-            <a:endParaRPr lang="es-UY" dirty="0" smtClean="0"/>
+            <a:pPr marL="0" lvl="0" indent="0">
+              <a:buNone/>
+            </a:pPr>
+            <a:r>
+              <a:rPr lang="es-UY" sz="2000" i="1" dirty="0" smtClean="0"/>
+              <a:t>Estos algoritmos fueron desarrollados como parte del proyecto de grado a modo de intentar crear una mejor solución para el problema planteado.</a:t>
+            </a:r>
+            <a:endParaRPr lang="es-UY" sz="2000" i="1" dirty="0" smtClean="0"/>
           </a:p>
           <a:p>
             <a:pPr lvl="1"/>
@@ -9895,6 +11101,53 @@
               <a:buNone/>
             </a:pPr>
             <a:endParaRPr lang="es-UY" dirty="0" smtClean="0"/>
+          </a:p>
+        </p:txBody>
+      </p:sp>
+      <p:sp>
+        <p:nvSpPr>
+          <p:cNvPr id="4" name="3 Marcador de pie de página"/>
+          <p:cNvSpPr>
+            <a:spLocks noGrp="1"/>
+          </p:cNvSpPr>
+          <p:nvPr>
+            <p:ph type="ftr" sz="quarter" idx="11"/>
+          </p:nvPr>
+        </p:nvSpPr>
+        <p:spPr/>
+        <p:txBody>
+          <a:bodyPr/>
+          <a:lstStyle/>
+          <a:p>
+            <a:r>
+              <a:rPr lang="es-UY" smtClean="0"/>
+              <a:t>PROYECTO DE GRADO MDVRP</a:t>
+            </a:r>
+            <a:endParaRPr lang="es-UY" dirty="0"/>
+          </a:p>
+        </p:txBody>
+      </p:sp>
+      <p:sp>
+        <p:nvSpPr>
+          <p:cNvPr id="5" name="4 Marcador de número de diapositiva"/>
+          <p:cNvSpPr>
+            <a:spLocks noGrp="1"/>
+          </p:cNvSpPr>
+          <p:nvPr>
+            <p:ph type="sldNum" sz="quarter" idx="12"/>
+          </p:nvPr>
+        </p:nvSpPr>
+        <p:spPr/>
+        <p:txBody>
+          <a:bodyPr/>
+          <a:lstStyle/>
+          <a:p>
+            <a:fld id="{D70CDD41-C5AA-403A-9E3F-13D09751A68A}" type="slidenum">
+              <a:rPr lang="es-UY" smtClean="0"/>
+              <a:pPr/>
+              <a:t>9</a:t>
+            </a:fld>
+            <a:endParaRPr lang="es-UY" dirty="0"/>
           </a:p>
         </p:txBody>
       </p:sp>
@@ -10166,8 +11419,293 @@
   <a:extraClrSchemeLst/>
   <a:extLst>
     <a:ext uri="{05A4C25C-085E-4340-85A3-A5531E510DB2}">
-      <thm15:themeFamily xmlns="" xmlns:thm15="http://schemas.microsoft.com/office/thememl/2012/main" name="Office Theme" id="{62F939B6-93AF-4DB8-9C6B-D6C7DFDC589F}" vid="{4A3C46E8-61CC-4603-A589-7422A47A8E4A}"/>
+      <thm15:themeFamily xmlns:thm15="http://schemas.microsoft.com/office/thememl/2012/main" xmlns="" name="Office Theme" id="{62F939B6-93AF-4DB8-9C6B-D6C7DFDC589F}" vid="{4A3C46E8-61CC-4603-A589-7422A47A8E4A}"/>
     </a:ext>
   </a:extLst>
 </a:theme>
+</file>
+
+<file path=ppt/theme/theme2.xml><?xml version="1.0" encoding="utf-8"?>
+<a:theme xmlns:a="http://schemas.openxmlformats.org/drawingml/2006/main" name="Tema de Office">
+  <a:themeElements>
+    <a:clrScheme name="Office">
+      <a:dk1>
+        <a:sysClr val="windowText" lastClr="000000"/>
+      </a:dk1>
+      <a:lt1>
+        <a:sysClr val="window" lastClr="FFFFFF"/>
+      </a:lt1>
+      <a:dk2>
+        <a:srgbClr val="1F497D"/>
+      </a:dk2>
+      <a:lt2>
+        <a:srgbClr val="EEECE1"/>
+      </a:lt2>
+      <a:accent1>
+        <a:srgbClr val="4F81BD"/>
+      </a:accent1>
+      <a:accent2>
+        <a:srgbClr val="C0504D"/>
+      </a:accent2>
+      <a:accent3>
+        <a:srgbClr val="9BBB59"/>
+      </a:accent3>
+      <a:accent4>
+        <a:srgbClr val="8064A2"/>
+      </a:accent4>
+      <a:accent5>
+        <a:srgbClr val="4BACC6"/>
+      </a:accent5>
+      <a:accent6>
+        <a:srgbClr val="F79646"/>
+      </a:accent6>
+      <a:hlink>
+        <a:srgbClr val="0000FF"/>
+      </a:hlink>
+      <a:folHlink>
+        <a:srgbClr val="800080"/>
+      </a:folHlink>
+    </a:clrScheme>
+    <a:fontScheme name="Office">
+      <a:majorFont>
+        <a:latin typeface="Calibri"/>
+        <a:ea typeface=""/>
+        <a:cs typeface=""/>
+        <a:font script="Jpan" typeface="ＭＳ Ｐゴシック"/>
+        <a:font script="Hang" typeface="맑은 고딕"/>
+        <a:font script="Hans" typeface="宋体"/>
+        <a:font script="Hant" typeface="新細明體"/>
+        <a:font script="Arab" typeface="Times New Roman"/>
+        <a:font script="Hebr" typeface="Times New Roman"/>
+        <a:font script="Thai" typeface="Angsana New"/>
+        <a:font script="Ethi" typeface="Nyala"/>
+        <a:font script="Beng" typeface="Vrinda"/>
+        <a:font script="Gujr" typeface="Shruti"/>
+        <a:font script="Khmr" typeface="MoolBoran"/>
+        <a:font script="Knda" typeface="Tunga"/>
+        <a:font script="Guru" typeface="Raavi"/>
+        <a:font script="Cans" typeface="Euphemia"/>
+        <a:font script="Cher" typeface="Plantagenet Cherokee"/>
+        <a:font script="Yiii" typeface="Microsoft Yi Baiti"/>
+        <a:font script="Tibt" typeface="Microsoft Himalaya"/>
+        <a:font script="Thaa" typeface="MV Boli"/>
+        <a:font script="Deva" typeface="Mangal"/>
+        <a:font script="Telu" typeface="Gautami"/>
+        <a:font script="Taml" typeface="Latha"/>
+        <a:font script="Syrc" typeface="Estrangelo Edessa"/>
+        <a:font script="Orya" typeface="Kalinga"/>
+        <a:font script="Mlym" typeface="Kartika"/>
+        <a:font script="Laoo" typeface="DokChampa"/>
+        <a:font script="Sinh" typeface="Iskoola Pota"/>
+        <a:font script="Mong" typeface="Mongolian Baiti"/>
+        <a:font script="Viet" typeface="Times New Roman"/>
+        <a:font script="Uigh" typeface="Microsoft Uighur"/>
+        <a:font script="Geor" typeface="Sylfaen"/>
+      </a:majorFont>
+      <a:minorFont>
+        <a:latin typeface="Calibri"/>
+        <a:ea typeface=""/>
+        <a:cs typeface=""/>
+        <a:font script="Jpan" typeface="ＭＳ Ｐゴシック"/>
+        <a:font script="Hang" typeface="맑은 고딕"/>
+        <a:font script="Hans" typeface="宋体"/>
+        <a:font script="Hant" typeface="新細明體"/>
+        <a:font script="Arab" typeface="Arial"/>
+        <a:font script="Hebr" typeface="Arial"/>
+        <a:font script="Thai" typeface="Cordia New"/>
+        <a:font script="Ethi" typeface="Nyala"/>
+        <a:font script="Beng" typeface="Vrinda"/>
+        <a:font script="Gujr" typeface="Shruti"/>
+        <a:font script="Khmr" typeface="DaunPenh"/>
+        <a:font script="Knda" typeface="Tunga"/>
+        <a:font script="Guru" typeface="Raavi"/>
+        <a:font script="Cans" typeface="Euphemia"/>
+        <a:font script="Cher" typeface="Plantagenet Cherokee"/>
+        <a:font script="Yiii" typeface="Microsoft Yi Baiti"/>
+        <a:font script="Tibt" typeface="Microsoft Himalaya"/>
+        <a:font script="Thaa" typeface="MV Boli"/>
+        <a:font script="Deva" typeface="Mangal"/>
+        <a:font script="Telu" typeface="Gautami"/>
+        <a:font script="Taml" typeface="Latha"/>
+        <a:font script="Syrc" typeface="Estrangelo Edessa"/>
+        <a:font script="Orya" typeface="Kalinga"/>
+        <a:font script="Mlym" typeface="Kartika"/>
+        <a:font script="Laoo" typeface="DokChampa"/>
+        <a:font script="Sinh" typeface="Iskoola Pota"/>
+        <a:font script="Mong" typeface="Mongolian Baiti"/>
+        <a:font script="Viet" typeface="Arial"/>
+        <a:font script="Uigh" typeface="Microsoft Uighur"/>
+        <a:font script="Geor" typeface="Sylfaen"/>
+      </a:minorFont>
+    </a:fontScheme>
+    <a:fmtScheme name="Office">
+      <a:fillStyleLst>
+        <a:solidFill>
+          <a:schemeClr val="phClr"/>
+        </a:solidFill>
+        <a:gradFill rotWithShape="1">
+          <a:gsLst>
+            <a:gs pos="0">
+              <a:schemeClr val="phClr">
+                <a:tint val="50000"/>
+                <a:satMod val="300000"/>
+              </a:schemeClr>
+            </a:gs>
+            <a:gs pos="35000">
+              <a:schemeClr val="phClr">
+                <a:tint val="37000"/>
+                <a:satMod val="300000"/>
+              </a:schemeClr>
+            </a:gs>
+            <a:gs pos="100000">
+              <a:schemeClr val="phClr">
+                <a:tint val="15000"/>
+                <a:satMod val="350000"/>
+              </a:schemeClr>
+            </a:gs>
+          </a:gsLst>
+          <a:lin ang="16200000" scaled="1"/>
+        </a:gradFill>
+        <a:gradFill rotWithShape="1">
+          <a:gsLst>
+            <a:gs pos="0">
+              <a:schemeClr val="phClr">
+                <a:shade val="51000"/>
+                <a:satMod val="130000"/>
+              </a:schemeClr>
+            </a:gs>
+            <a:gs pos="80000">
+              <a:schemeClr val="phClr">
+                <a:shade val="93000"/>
+                <a:satMod val="130000"/>
+              </a:schemeClr>
+            </a:gs>
+            <a:gs pos="100000">
+              <a:schemeClr val="phClr">
+                <a:shade val="94000"/>
+                <a:satMod val="135000"/>
+              </a:schemeClr>
+            </a:gs>
+          </a:gsLst>
+          <a:lin ang="16200000" scaled="0"/>
+        </a:gradFill>
+      </a:fillStyleLst>
+      <a:lnStyleLst>
+        <a:ln w="9525" cap="flat" cmpd="sng" algn="ctr">
+          <a:solidFill>
+            <a:schemeClr val="phClr">
+              <a:shade val="95000"/>
+              <a:satMod val="105000"/>
+            </a:schemeClr>
+          </a:solidFill>
+          <a:prstDash val="solid"/>
+        </a:ln>
+        <a:ln w="25400" cap="flat" cmpd="sng" algn="ctr">
+          <a:solidFill>
+            <a:schemeClr val="phClr"/>
+          </a:solidFill>
+          <a:prstDash val="solid"/>
+        </a:ln>
+        <a:ln w="38100" cap="flat" cmpd="sng" algn="ctr">
+          <a:solidFill>
+            <a:schemeClr val="phClr"/>
+          </a:solidFill>
+          <a:prstDash val="solid"/>
+        </a:ln>
+      </a:lnStyleLst>
+      <a:effectStyleLst>
+        <a:effectStyle>
+          <a:effectLst>
+            <a:outerShdw blurRad="40000" dist="20000" dir="5400000" rotWithShape="0">
+              <a:srgbClr val="000000">
+                <a:alpha val="38000"/>
+              </a:srgbClr>
+            </a:outerShdw>
+          </a:effectLst>
+        </a:effectStyle>
+        <a:effectStyle>
+          <a:effectLst>
+            <a:outerShdw blurRad="40000" dist="23000" dir="5400000" rotWithShape="0">
+              <a:srgbClr val="000000">
+                <a:alpha val="35000"/>
+              </a:srgbClr>
+            </a:outerShdw>
+          </a:effectLst>
+        </a:effectStyle>
+        <a:effectStyle>
+          <a:effectLst>
+            <a:outerShdw blurRad="40000" dist="23000" dir="5400000" rotWithShape="0">
+              <a:srgbClr val="000000">
+                <a:alpha val="35000"/>
+              </a:srgbClr>
+            </a:outerShdw>
+          </a:effectLst>
+          <a:scene3d>
+            <a:camera prst="orthographicFront">
+              <a:rot lat="0" lon="0" rev="0"/>
+            </a:camera>
+            <a:lightRig rig="threePt" dir="t">
+              <a:rot lat="0" lon="0" rev="1200000"/>
+            </a:lightRig>
+          </a:scene3d>
+          <a:sp3d>
+            <a:bevelT w="63500" h="25400"/>
+          </a:sp3d>
+        </a:effectStyle>
+      </a:effectStyleLst>
+      <a:bgFillStyleLst>
+        <a:solidFill>
+          <a:schemeClr val="phClr"/>
+        </a:solidFill>
+        <a:gradFill rotWithShape="1">
+          <a:gsLst>
+            <a:gs pos="0">
+              <a:schemeClr val="phClr">
+                <a:tint val="40000"/>
+                <a:satMod val="350000"/>
+              </a:schemeClr>
+            </a:gs>
+            <a:gs pos="40000">
+              <a:schemeClr val="phClr">
+                <a:tint val="45000"/>
+                <a:shade val="99000"/>
+                <a:satMod val="350000"/>
+              </a:schemeClr>
+            </a:gs>
+            <a:gs pos="100000">
+              <a:schemeClr val="phClr">
+                <a:shade val="20000"/>
+                <a:satMod val="255000"/>
+              </a:schemeClr>
+            </a:gs>
+          </a:gsLst>
+          <a:path path="circle">
+            <a:fillToRect l="50000" t="-80000" r="50000" b="180000"/>
+          </a:path>
+        </a:gradFill>
+        <a:gradFill rotWithShape="1">
+          <a:gsLst>
+            <a:gs pos="0">
+              <a:schemeClr val="phClr">
+                <a:tint val="80000"/>
+                <a:satMod val="300000"/>
+              </a:schemeClr>
+            </a:gs>
+            <a:gs pos="100000">
+              <a:schemeClr val="phClr">
+                <a:shade val="30000"/>
+                <a:satMod val="200000"/>
+              </a:schemeClr>
+            </a:gs>
+          </a:gsLst>
+          <a:path path="circle">
+            <a:fillToRect l="50000" t="50000" r="50000" b="50000"/>
+          </a:path>
+        </a:gradFill>
+      </a:bgFillStyleLst>
+    </a:fmtScheme>
+  </a:themeElements>
+  <a:objectDefaults/>
+  <a:extraClrSchemeLst/>
+</a:theme>
 </file>
--- a/Version/Documentación/MDVRP.pptx
+++ b/Version/Documentación/MDVRP.pptx
@@ -131,7 +131,7 @@
   </p:defaultTextStyle>
   <p:extLst>
     <p:ext uri="{EFAFB233-063F-42B5-8137-9DF3F51BA10A}">
-      <p15:sldGuideLst xmlns:p15="http://schemas.microsoft.com/office/powerpoint/2012/main" xmlns="">
+      <p15:sldGuideLst xmlns="" xmlns:p15="http://schemas.microsoft.com/office/powerpoint/2012/main">
         <p15:guide id="1" orient="horz" pos="2160">
           <p15:clr>
             <a:srgbClr val="A4A3A4"/>
@@ -230,7 +230,7 @@
           <a:p>
             <a:fld id="{E441C709-FB2F-4CC7-81C5-61B9A29F5D38}" type="datetimeFigureOut">
               <a:rPr lang="es-UY" smtClean="0"/>
-              <a:t>2/3/2016</a:t>
+              <a:t>10/3/2016</a:t>
             </a:fld>
             <a:endParaRPr lang="es-UY"/>
           </a:p>
@@ -629,7 +629,7 @@
           <a:p>
             <a:fld id="{E2BCF013-7104-4F97-A548-A8F54504BD42}" type="datetime1">
               <a:rPr lang="es-UY" smtClean="0"/>
-              <a:t>2/3/2016</a:t>
+              <a:t>10/3/2016</a:t>
             </a:fld>
             <a:endParaRPr lang="es-UY" dirty="0"/>
           </a:p>
@@ -804,7 +804,7 @@
           <a:p>
             <a:fld id="{AB4C50C7-FB15-4BE5-9149-CFCE05CA85F1}" type="datetime1">
               <a:rPr lang="es-UY" smtClean="0"/>
-              <a:t>2/3/2016</a:t>
+              <a:t>10/3/2016</a:t>
             </a:fld>
             <a:endParaRPr lang="es-UY" dirty="0"/>
           </a:p>
@@ -989,7 +989,7 @@
           <a:p>
             <a:fld id="{87BEE61C-D774-4979-9CF6-CF99080150AD}" type="datetime1">
               <a:rPr lang="es-UY" smtClean="0"/>
-              <a:t>2/3/2016</a:t>
+              <a:t>10/3/2016</a:t>
             </a:fld>
             <a:endParaRPr lang="es-UY" dirty="0"/>
           </a:p>
@@ -1164,7 +1164,7 @@
           <a:p>
             <a:fld id="{3E34E2CF-7AE8-4345-A940-B5A0E4CCAF3C}" type="datetime1">
               <a:rPr lang="es-UY" smtClean="0"/>
-              <a:t>2/3/2016</a:t>
+              <a:t>10/3/2016</a:t>
             </a:fld>
             <a:endParaRPr lang="es-UY" dirty="0"/>
           </a:p>
@@ -1415,7 +1415,7 @@
           <a:p>
             <a:fld id="{8AB4D563-BDD0-4D84-A89F-FE1CA5C88538}" type="datetime1">
               <a:rPr lang="es-UY" smtClean="0"/>
-              <a:t>2/3/2016</a:t>
+              <a:t>10/3/2016</a:t>
             </a:fld>
             <a:endParaRPr lang="es-UY" dirty="0"/>
           </a:p>
@@ -1652,7 +1652,7 @@
           <a:p>
             <a:fld id="{35F11D3E-9A11-4BD4-AA7D-A38166901F2F}" type="datetime1">
               <a:rPr lang="es-UY" smtClean="0"/>
-              <a:t>2/3/2016</a:t>
+              <a:t>10/3/2016</a:t>
             </a:fld>
             <a:endParaRPr lang="es-UY" dirty="0"/>
           </a:p>
@@ -2024,7 +2024,7 @@
           <a:p>
             <a:fld id="{38C2D8CF-7D30-4D25-96EC-85D5D338A770}" type="datetime1">
               <a:rPr lang="es-UY" smtClean="0"/>
-              <a:t>2/3/2016</a:t>
+              <a:t>10/3/2016</a:t>
             </a:fld>
             <a:endParaRPr lang="es-UY" dirty="0"/>
           </a:p>
@@ -2147,7 +2147,7 @@
           <a:p>
             <a:fld id="{EE895018-BCF9-4AC0-A061-C1B7F4A17B36}" type="datetime1">
               <a:rPr lang="es-UY" smtClean="0"/>
-              <a:t>2/3/2016</a:t>
+              <a:t>10/3/2016</a:t>
             </a:fld>
             <a:endParaRPr lang="es-UY" dirty="0"/>
           </a:p>
@@ -2247,7 +2247,7 @@
           <a:p>
             <a:fld id="{E06DB131-9C1D-4789-9E51-6090840BD3F1}" type="datetime1">
               <a:rPr lang="es-UY" smtClean="0"/>
-              <a:t>2/3/2016</a:t>
+              <a:t>10/3/2016</a:t>
             </a:fld>
             <a:endParaRPr lang="es-UY" dirty="0"/>
           </a:p>
@@ -2529,7 +2529,7 @@
           <a:p>
             <a:fld id="{658E9711-1BD8-4D4E-AD91-56E226FB5D73}" type="datetime1">
               <a:rPr lang="es-UY" smtClean="0"/>
-              <a:t>2/3/2016</a:t>
+              <a:t>10/3/2016</a:t>
             </a:fld>
             <a:endParaRPr lang="es-UY" dirty="0"/>
           </a:p>
@@ -2787,7 +2787,7 @@
           <a:p>
             <a:fld id="{78CF6C72-D3BB-48EE-9EE2-B25D56E36383}" type="datetime1">
               <a:rPr lang="es-UY" smtClean="0"/>
-              <a:t>2/3/2016</a:t>
+              <a:t>10/3/2016</a:t>
             </a:fld>
             <a:endParaRPr lang="es-UY" dirty="0"/>
           </a:p>
@@ -3005,7 +3005,7 @@
           <a:p>
             <a:fld id="{3C826EB5-6474-406D-9F79-3B3434EBC48B}" type="datetime1">
               <a:rPr lang="es-UY" smtClean="0"/>
-              <a:t>2/3/2016</a:t>
+              <a:t>10/3/2016</a:t>
             </a:fld>
             <a:endParaRPr lang="es-UY" dirty="0"/>
           </a:p>
@@ -8427,19 +8427,15 @@
           <a:p>
             <a:r>
               <a:rPr lang="es-ES" dirty="0"/>
-              <a:t>El algoritmo de asignación Enajenados Lento </a:t>
-            </a:r>
-            <a:r>
-              <a:rPr lang="es-ES" dirty="0" smtClean="0"/>
-              <a:t>AEL(con </a:t>
-            </a:r>
-            <a:r>
-              <a:rPr lang="es-ES" dirty="0"/>
-              <a:t>intercambio entre depósitos) </a:t>
-            </a:r>
-            <a:r>
-              <a:rPr lang="es-ES" dirty="0" smtClean="0"/>
-              <a:t>demoró </a:t>
+              <a:t>El algoritmo de asignación Enajenados </a:t>
+            </a:r>
+            <a:r>
+              <a:rPr lang="es-ES"/>
+              <a:t>Lento </a:t>
+            </a:r>
+            <a:r>
+              <a:rPr lang="es-ES" smtClean="0"/>
+              <a:t>AEL demoró </a:t>
             </a:r>
             <a:r>
               <a:rPr lang="es-ES" dirty="0"/>
@@ -11047,7 +11043,6 @@
               <a:rPr lang="es-UY" sz="2000" i="1" dirty="0" smtClean="0"/>
               <a:t>Estos algoritmos fueron desarrollados como parte del proyecto de grado a modo de intentar crear una mejor solución para el problema planteado.</a:t>
             </a:r>
-            <a:endParaRPr lang="es-UY" sz="2000" i="1" dirty="0" smtClean="0"/>
           </a:p>
           <a:p>
             <a:pPr lvl="1"/>
@@ -11419,7 +11414,7 @@
   <a:extraClrSchemeLst/>
   <a:extLst>
     <a:ext uri="{05A4C25C-085E-4340-85A3-A5531E510DB2}">
-      <thm15:themeFamily xmlns:thm15="http://schemas.microsoft.com/office/thememl/2012/main" xmlns="" name="Office Theme" id="{62F939B6-93AF-4DB8-9C6B-D6C7DFDC589F}" vid="{4A3C46E8-61CC-4603-A589-7422A47A8E4A}"/>
+      <thm15:themeFamily xmlns="" xmlns:thm15="http://schemas.microsoft.com/office/thememl/2012/main" name="Office Theme" id="{62F939B6-93AF-4DB8-9C6B-D6C7DFDC589F}" vid="{4A3C46E8-61CC-4603-A589-7422A47A8E4A}"/>
     </a:ext>
   </a:extLst>
 </a:theme>

--- a/Version/Documentación/MDVRP.pptx
+++ b/Version/Documentación/MDVRP.pptx
@@ -131,7 +131,7 @@
   </p:defaultTextStyle>
   <p:extLst>
     <p:ext uri="{EFAFB233-063F-42B5-8137-9DF3F51BA10A}">
-      <p15:sldGuideLst xmlns="" xmlns:p15="http://schemas.microsoft.com/office/powerpoint/2012/main">
+      <p15:sldGuideLst xmlns:p15="http://schemas.microsoft.com/office/powerpoint/2012/main" xmlns="">
         <p15:guide id="1" orient="horz" pos="2160">
           <p15:clr>
             <a:srgbClr val="A4A3A4"/>
@@ -230,7 +230,8 @@
           <a:p>
             <a:fld id="{E441C709-FB2F-4CC7-81C5-61B9A29F5D38}" type="datetimeFigureOut">
               <a:rPr lang="es-UY" smtClean="0"/>
-              <a:t>10/3/2016</a:t>
+              <a:pPr/>
+              <a:t>10/03/2016</a:t>
             </a:fld>
             <a:endParaRPr lang="es-UY"/>
           </a:p>
@@ -389,6 +390,7 @@
           <a:p>
             <a:fld id="{1F49CF60-DD61-4562-908C-64BBF29FBEEB}" type="slidenum">
               <a:rPr lang="es-UY" smtClean="0"/>
+              <a:pPr/>
               <a:t>‹Nº›</a:t>
             </a:fld>
             <a:endParaRPr lang="es-UY"/>
@@ -398,7 +400,7 @@
     </p:spTree>
     <p:extLst>
       <p:ext uri="{BB962C8B-B14F-4D97-AF65-F5344CB8AC3E}">
-        <p14:creationId xmlns:p14="http://schemas.microsoft.com/office/powerpoint/2010/main" val="3317011497"/>
+        <p14:creationId xmlns:p14="http://schemas.microsoft.com/office/powerpoint/2010/main" xmlns="" val="3317011497"/>
       </p:ext>
     </p:extLst>
   </p:cSld>
@@ -629,7 +631,8 @@
           <a:p>
             <a:fld id="{E2BCF013-7104-4F97-A548-A8F54504BD42}" type="datetime1">
               <a:rPr lang="es-UY" smtClean="0"/>
-              <a:t>10/3/2016</a:t>
+              <a:pPr/>
+              <a:t>10/03/2016</a:t>
             </a:fld>
             <a:endParaRPr lang="es-UY" dirty="0"/>
           </a:p>
@@ -685,7 +688,7 @@
     </p:spTree>
     <p:extLst>
       <p:ext uri="{BB962C8B-B14F-4D97-AF65-F5344CB8AC3E}">
-        <p14:creationId xmlns:p14="http://schemas.microsoft.com/office/powerpoint/2010/main" val="1800324636"/>
+        <p14:creationId xmlns:p14="http://schemas.microsoft.com/office/powerpoint/2010/main" xmlns="" val="1800324636"/>
       </p:ext>
     </p:extLst>
   </p:cSld>
@@ -804,7 +807,8 @@
           <a:p>
             <a:fld id="{AB4C50C7-FB15-4BE5-9149-CFCE05CA85F1}" type="datetime1">
               <a:rPr lang="es-UY" smtClean="0"/>
-              <a:t>10/3/2016</a:t>
+              <a:pPr/>
+              <a:t>10/03/2016</a:t>
             </a:fld>
             <a:endParaRPr lang="es-UY" dirty="0"/>
           </a:p>
@@ -860,7 +864,7 @@
     </p:spTree>
     <p:extLst>
       <p:ext uri="{BB962C8B-B14F-4D97-AF65-F5344CB8AC3E}">
-        <p14:creationId xmlns:p14="http://schemas.microsoft.com/office/powerpoint/2010/main" val="1940323932"/>
+        <p14:creationId xmlns:p14="http://schemas.microsoft.com/office/powerpoint/2010/main" xmlns="" val="1940323932"/>
       </p:ext>
     </p:extLst>
   </p:cSld>
@@ -989,7 +993,8 @@
           <a:p>
             <a:fld id="{87BEE61C-D774-4979-9CF6-CF99080150AD}" type="datetime1">
               <a:rPr lang="es-UY" smtClean="0"/>
-              <a:t>10/3/2016</a:t>
+              <a:pPr/>
+              <a:t>10/03/2016</a:t>
             </a:fld>
             <a:endParaRPr lang="es-UY" dirty="0"/>
           </a:p>
@@ -1045,7 +1050,7 @@
     </p:spTree>
     <p:extLst>
       <p:ext uri="{BB962C8B-B14F-4D97-AF65-F5344CB8AC3E}">
-        <p14:creationId xmlns:p14="http://schemas.microsoft.com/office/powerpoint/2010/main" val="1548632625"/>
+        <p14:creationId xmlns:p14="http://schemas.microsoft.com/office/powerpoint/2010/main" xmlns="" val="1548632625"/>
       </p:ext>
     </p:extLst>
   </p:cSld>
@@ -1164,7 +1169,8 @@
           <a:p>
             <a:fld id="{3E34E2CF-7AE8-4345-A940-B5A0E4CCAF3C}" type="datetime1">
               <a:rPr lang="es-UY" smtClean="0"/>
-              <a:t>10/3/2016</a:t>
+              <a:pPr/>
+              <a:t>10/03/2016</a:t>
             </a:fld>
             <a:endParaRPr lang="es-UY" dirty="0"/>
           </a:p>
@@ -1220,7 +1226,7 @@
     </p:spTree>
     <p:extLst>
       <p:ext uri="{BB962C8B-B14F-4D97-AF65-F5344CB8AC3E}">
-        <p14:creationId xmlns:p14="http://schemas.microsoft.com/office/powerpoint/2010/main" val="2145894211"/>
+        <p14:creationId xmlns:p14="http://schemas.microsoft.com/office/powerpoint/2010/main" xmlns="" val="2145894211"/>
       </p:ext>
     </p:extLst>
   </p:cSld>
@@ -1415,7 +1421,8 @@
           <a:p>
             <a:fld id="{8AB4D563-BDD0-4D84-A89F-FE1CA5C88538}" type="datetime1">
               <a:rPr lang="es-UY" smtClean="0"/>
-              <a:t>10/3/2016</a:t>
+              <a:pPr/>
+              <a:t>10/03/2016</a:t>
             </a:fld>
             <a:endParaRPr lang="es-UY" dirty="0"/>
           </a:p>
@@ -1471,7 +1478,7 @@
     </p:spTree>
     <p:extLst>
       <p:ext uri="{BB962C8B-B14F-4D97-AF65-F5344CB8AC3E}">
-        <p14:creationId xmlns:p14="http://schemas.microsoft.com/office/powerpoint/2010/main" val="1855487141"/>
+        <p14:creationId xmlns:p14="http://schemas.microsoft.com/office/powerpoint/2010/main" xmlns="" val="1855487141"/>
       </p:ext>
     </p:extLst>
   </p:cSld>
@@ -1652,7 +1659,8 @@
           <a:p>
             <a:fld id="{35F11D3E-9A11-4BD4-AA7D-A38166901F2F}" type="datetime1">
               <a:rPr lang="es-UY" smtClean="0"/>
-              <a:t>10/3/2016</a:t>
+              <a:pPr/>
+              <a:t>10/03/2016</a:t>
             </a:fld>
             <a:endParaRPr lang="es-UY" dirty="0"/>
           </a:p>
@@ -1708,7 +1716,7 @@
     </p:spTree>
     <p:extLst>
       <p:ext uri="{BB962C8B-B14F-4D97-AF65-F5344CB8AC3E}">
-        <p14:creationId xmlns:p14="http://schemas.microsoft.com/office/powerpoint/2010/main" val="342578913"/>
+        <p14:creationId xmlns:p14="http://schemas.microsoft.com/office/powerpoint/2010/main" xmlns="" val="342578913"/>
       </p:ext>
     </p:extLst>
   </p:cSld>
@@ -2024,7 +2032,8 @@
           <a:p>
             <a:fld id="{38C2D8CF-7D30-4D25-96EC-85D5D338A770}" type="datetime1">
               <a:rPr lang="es-UY" smtClean="0"/>
-              <a:t>10/3/2016</a:t>
+              <a:pPr/>
+              <a:t>10/03/2016</a:t>
             </a:fld>
             <a:endParaRPr lang="es-UY" dirty="0"/>
           </a:p>
@@ -2080,7 +2089,7 @@
     </p:spTree>
     <p:extLst>
       <p:ext uri="{BB962C8B-B14F-4D97-AF65-F5344CB8AC3E}">
-        <p14:creationId xmlns:p14="http://schemas.microsoft.com/office/powerpoint/2010/main" val="1368018162"/>
+        <p14:creationId xmlns:p14="http://schemas.microsoft.com/office/powerpoint/2010/main" xmlns="" val="1368018162"/>
       </p:ext>
     </p:extLst>
   </p:cSld>
@@ -2147,7 +2156,8 @@
           <a:p>
             <a:fld id="{EE895018-BCF9-4AC0-A061-C1B7F4A17B36}" type="datetime1">
               <a:rPr lang="es-UY" smtClean="0"/>
-              <a:t>10/3/2016</a:t>
+              <a:pPr/>
+              <a:t>10/03/2016</a:t>
             </a:fld>
             <a:endParaRPr lang="es-UY" dirty="0"/>
           </a:p>
@@ -2203,7 +2213,7 @@
     </p:spTree>
     <p:extLst>
       <p:ext uri="{BB962C8B-B14F-4D97-AF65-F5344CB8AC3E}">
-        <p14:creationId xmlns:p14="http://schemas.microsoft.com/office/powerpoint/2010/main" val="1041575951"/>
+        <p14:creationId xmlns:p14="http://schemas.microsoft.com/office/powerpoint/2010/main" xmlns="" val="1041575951"/>
       </p:ext>
     </p:extLst>
   </p:cSld>
@@ -2247,7 +2257,8 @@
           <a:p>
             <a:fld id="{E06DB131-9C1D-4789-9E51-6090840BD3F1}" type="datetime1">
               <a:rPr lang="es-UY" smtClean="0"/>
-              <a:t>10/3/2016</a:t>
+              <a:pPr/>
+              <a:t>10/03/2016</a:t>
             </a:fld>
             <a:endParaRPr lang="es-UY" dirty="0"/>
           </a:p>
@@ -2303,7 +2314,7 @@
     </p:spTree>
     <p:extLst>
       <p:ext uri="{BB962C8B-B14F-4D97-AF65-F5344CB8AC3E}">
-        <p14:creationId xmlns:p14="http://schemas.microsoft.com/office/powerpoint/2010/main" val="1665225720"/>
+        <p14:creationId xmlns:p14="http://schemas.microsoft.com/office/powerpoint/2010/main" xmlns="" val="1665225720"/>
       </p:ext>
     </p:extLst>
   </p:cSld>
@@ -2529,7 +2540,8 @@
           <a:p>
             <a:fld id="{658E9711-1BD8-4D4E-AD91-56E226FB5D73}" type="datetime1">
               <a:rPr lang="es-UY" smtClean="0"/>
-              <a:t>10/3/2016</a:t>
+              <a:pPr/>
+              <a:t>10/03/2016</a:t>
             </a:fld>
             <a:endParaRPr lang="es-UY" dirty="0"/>
           </a:p>
@@ -2585,7 +2597,7 @@
     </p:spTree>
     <p:extLst>
       <p:ext uri="{BB962C8B-B14F-4D97-AF65-F5344CB8AC3E}">
-        <p14:creationId xmlns:p14="http://schemas.microsoft.com/office/powerpoint/2010/main" val="3001086387"/>
+        <p14:creationId xmlns:p14="http://schemas.microsoft.com/office/powerpoint/2010/main" xmlns="" val="3001086387"/>
       </p:ext>
     </p:extLst>
   </p:cSld>
@@ -2787,7 +2799,8 @@
           <a:p>
             <a:fld id="{78CF6C72-D3BB-48EE-9EE2-B25D56E36383}" type="datetime1">
               <a:rPr lang="es-UY" smtClean="0"/>
-              <a:t>10/3/2016</a:t>
+              <a:pPr/>
+              <a:t>10/03/2016</a:t>
             </a:fld>
             <a:endParaRPr lang="es-UY" dirty="0"/>
           </a:p>
@@ -2843,7 +2856,7 @@
     </p:spTree>
     <p:extLst>
       <p:ext uri="{BB962C8B-B14F-4D97-AF65-F5344CB8AC3E}">
-        <p14:creationId xmlns:p14="http://schemas.microsoft.com/office/powerpoint/2010/main" val="2981024950"/>
+        <p14:creationId xmlns:p14="http://schemas.microsoft.com/office/powerpoint/2010/main" xmlns="" val="2981024950"/>
       </p:ext>
     </p:extLst>
   </p:cSld>
@@ -3005,7 +3018,8 @@
           <a:p>
             <a:fld id="{3C826EB5-6474-406D-9F79-3B3434EBC48B}" type="datetime1">
               <a:rPr lang="es-UY" smtClean="0"/>
-              <a:t>10/3/2016</a:t>
+              <a:pPr/>
+              <a:t>10/03/2016</a:t>
             </a:fld>
             <a:endParaRPr lang="es-UY" dirty="0"/>
           </a:p>
@@ -3097,7 +3111,7 @@
     </p:spTree>
     <p:extLst>
       <p:ext uri="{BB962C8B-B14F-4D97-AF65-F5344CB8AC3E}">
-        <p14:creationId xmlns:p14="http://schemas.microsoft.com/office/powerpoint/2010/main" val="3792479199"/>
+        <p14:creationId xmlns:p14="http://schemas.microsoft.com/office/powerpoint/2010/main" xmlns="" val="3792479199"/>
       </p:ext>
     </p:extLst>
   </p:cSld>
@@ -3436,7 +3450,7 @@
           <a:blip r:embed="rId2" cstate="print">
             <a:extLst>
               <a:ext uri="{28A0092B-C50C-407E-A947-70E740481C1C}">
-                <a14:useLocalDpi xmlns:a14="http://schemas.microsoft.com/office/drawing/2010/main" val="0"/>
+                <a14:useLocalDpi xmlns:a14="http://schemas.microsoft.com/office/drawing/2010/main" xmlns="" val="0"/>
               </a:ext>
             </a:extLst>
           </a:blip>
@@ -3460,14 +3474,14 @@
           <a:effectLst/>
           <a:extLst>
             <a:ext uri="{909E8E84-426E-40DD-AFC4-6F175D3DCCD1}">
-              <a14:hiddenFill xmlns:a14="http://schemas.microsoft.com/office/drawing/2010/main">
+              <a14:hiddenFill xmlns:a14="http://schemas.microsoft.com/office/drawing/2010/main" xmlns="">
                 <a:solidFill>
                   <a:schemeClr val="accent1"/>
                 </a:solidFill>
               </a14:hiddenFill>
             </a:ext>
             <a:ext uri="{91240B29-F687-4F45-9708-019B960494DF}">
-              <a14:hiddenLine xmlns:a14="http://schemas.microsoft.com/office/drawing/2010/main" w="9525">
+              <a14:hiddenLine xmlns:a14="http://schemas.microsoft.com/office/drawing/2010/main" xmlns="" w="9525">
                 <a:solidFill>
                   <a:schemeClr val="tx1"/>
                 </a:solidFill>
@@ -3477,7 +3491,7 @@
               </a14:hiddenLine>
             </a:ext>
             <a:ext uri="{AF507438-7753-43E0-B8FC-AC1667EBCBE1}">
-              <a14:hiddenEffects xmlns:a14="http://schemas.microsoft.com/office/drawing/2010/main">
+              <a14:hiddenEffects xmlns:a14="http://schemas.microsoft.com/office/drawing/2010/main" xmlns="">
                 <a:effectLst>
                   <a:outerShdw dist="35921" dir="2700000" algn="ctr" rotWithShape="0">
                     <a:schemeClr val="bg2"/>
@@ -3491,7 +3505,7 @@
     </p:spTree>
     <p:extLst>
       <p:ext uri="{BB962C8B-B14F-4D97-AF65-F5344CB8AC3E}">
-        <p14:creationId xmlns:p14="http://schemas.microsoft.com/office/powerpoint/2010/main" val="3082453553"/>
+        <p14:creationId xmlns:p14="http://schemas.microsoft.com/office/powerpoint/2010/main" xmlns="" val="3082453553"/>
       </p:ext>
     </p:extLst>
   </p:cSld>
@@ -3598,7 +3612,7 @@
           <a:blip r:embed="rId2" cstate="print">
             <a:extLst>
               <a:ext uri="{28A0092B-C50C-407E-A947-70E740481C1C}">
-                <a14:useLocalDpi xmlns:a14="http://schemas.microsoft.com/office/drawing/2010/main" val="0"/>
+                <a14:useLocalDpi xmlns:a14="http://schemas.microsoft.com/office/drawing/2010/main" xmlns="" val="0"/>
               </a:ext>
             </a:extLst>
           </a:blip>
@@ -3631,7 +3645,7 @@
           <a:blip r:embed="rId3" cstate="print">
             <a:extLst>
               <a:ext uri="{28A0092B-C50C-407E-A947-70E740481C1C}">
-                <a14:useLocalDpi xmlns:a14="http://schemas.microsoft.com/office/drawing/2010/main" val="0"/>
+                <a14:useLocalDpi xmlns:a14="http://schemas.microsoft.com/office/drawing/2010/main" xmlns="" val="0"/>
               </a:ext>
             </a:extLst>
           </a:blip>
@@ -3704,7 +3718,7 @@
     </p:spTree>
     <p:extLst>
       <p:ext uri="{BB962C8B-B14F-4D97-AF65-F5344CB8AC3E}">
-        <p14:creationId xmlns:p14="http://schemas.microsoft.com/office/powerpoint/2010/main" val="2486798970"/>
+        <p14:creationId xmlns:p14="http://schemas.microsoft.com/office/powerpoint/2010/main" xmlns="" val="2486798970"/>
       </p:ext>
     </p:extLst>
   </p:cSld>
@@ -3869,7 +3883,7 @@
           <a:blip r:embed="rId2" cstate="print">
             <a:extLst>
               <a:ext uri="{28A0092B-C50C-407E-A947-70E740481C1C}">
-                <a14:useLocalDpi xmlns:a14="http://schemas.microsoft.com/office/drawing/2010/main" val="0"/>
+                <a14:useLocalDpi xmlns:a14="http://schemas.microsoft.com/office/drawing/2010/main" xmlns="" val="0"/>
               </a:ext>
             </a:extLst>
           </a:blip>
@@ -3942,7 +3956,7 @@
     </p:spTree>
     <p:extLst>
       <p:ext uri="{BB962C8B-B14F-4D97-AF65-F5344CB8AC3E}">
-        <p14:creationId xmlns:p14="http://schemas.microsoft.com/office/powerpoint/2010/main" val="2225859691"/>
+        <p14:creationId xmlns:p14="http://schemas.microsoft.com/office/powerpoint/2010/main" xmlns="" val="2225859691"/>
       </p:ext>
     </p:extLst>
   </p:cSld>
@@ -4004,8 +4018,8 @@
           </a:p>
         </p:txBody>
       </p:sp>
-      <mc:AlternateContent xmlns:mc="http://schemas.openxmlformats.org/markup-compatibility/2006" xmlns:a14="http://schemas.microsoft.com/office/drawing/2010/main">
-        <mc:Choice Requires="a14">
+      <mc:AlternateContent xmlns:mc="http://schemas.openxmlformats.org/markup-compatibility/2006">
+        <mc:Choice xmlns:a14="http://schemas.microsoft.com/office/drawing/2010/main" xmlns="" Requires="a14">
           <p:sp>
             <p:nvSpPr>
               <p:cNvPr id="3" name="Content Placeholder 2"/>
@@ -5092,7 +5106,7 @@
             </p:txBody>
           </p:sp>
         </mc:Choice>
-        <mc:Fallback xmlns="">
+        <mc:Fallback>
           <p:sp>
             <p:nvSpPr>
               <p:cNvPr id="3" name="Content Placeholder 2"/>
@@ -5109,7 +5123,7 @@
                 <a:ext cx="10515600" cy="4351338"/>
               </a:xfrm>
               <a:blipFill rotWithShape="1">
-                <a:blip r:embed="rId2"/>
+                <a:blip r:embed="rId2" cstate="print"/>
                 <a:stretch>
                   <a:fillRect l="-696" t="-2801"/>
                 </a:stretch>
@@ -5180,7 +5194,7 @@
     </p:spTree>
     <p:extLst>
       <p:ext uri="{BB962C8B-B14F-4D97-AF65-F5344CB8AC3E}">
-        <p14:creationId xmlns:p14="http://schemas.microsoft.com/office/powerpoint/2010/main" val="144818206"/>
+        <p14:creationId xmlns:p14="http://schemas.microsoft.com/office/powerpoint/2010/main" xmlns="" val="144818206"/>
       </p:ext>
     </p:extLst>
   </p:cSld>
@@ -5384,7 +5398,7 @@
     </p:spTree>
     <p:extLst>
       <p:ext uri="{BB962C8B-B14F-4D97-AF65-F5344CB8AC3E}">
-        <p14:creationId xmlns:p14="http://schemas.microsoft.com/office/powerpoint/2010/main" val="65839140"/>
+        <p14:creationId xmlns:p14="http://schemas.microsoft.com/office/powerpoint/2010/main" xmlns="" val="65839140"/>
       </p:ext>
     </p:extLst>
   </p:cSld>
@@ -5523,7 +5537,7 @@
     </p:spTree>
     <p:extLst>
       <p:ext uri="{BB962C8B-B14F-4D97-AF65-F5344CB8AC3E}">
-        <p14:creationId xmlns:p14="http://schemas.microsoft.com/office/powerpoint/2010/main" val="447812816"/>
+        <p14:creationId xmlns:p14="http://schemas.microsoft.com/office/powerpoint/2010/main" xmlns="" val="447812816"/>
       </p:ext>
     </p:extLst>
   </p:cSld>
@@ -5654,7 +5668,7 @@
           <a:blip r:embed="rId2" cstate="print">
             <a:extLst>
               <a:ext uri="{28A0092B-C50C-407E-A947-70E740481C1C}">
-                <a14:useLocalDpi xmlns:a14="http://schemas.microsoft.com/office/drawing/2010/main" val="0"/>
+                <a14:useLocalDpi xmlns:a14="http://schemas.microsoft.com/office/drawing/2010/main" xmlns="" val="0"/>
               </a:ext>
             </a:extLst>
           </a:blip>
@@ -5677,14 +5691,14 @@
           </a:ln>
           <a:extLst>
             <a:ext uri="{909E8E84-426E-40DD-AFC4-6F175D3DCCD1}">
-              <a14:hiddenFill xmlns:a14="http://schemas.microsoft.com/office/drawing/2010/main">
+              <a14:hiddenFill xmlns:a14="http://schemas.microsoft.com/office/drawing/2010/main" xmlns="">
                 <a:solidFill>
                   <a:schemeClr val="accent1"/>
                 </a:solidFill>
               </a14:hiddenFill>
             </a:ext>
             <a:ext uri="{91240B29-F687-4F45-9708-019B960494DF}">
-              <a14:hiddenLine xmlns:a14="http://schemas.microsoft.com/office/drawing/2010/main" w="9525">
+              <a14:hiddenLine xmlns:a14="http://schemas.microsoft.com/office/drawing/2010/main" xmlns="" w="9525">
                 <a:solidFill>
                   <a:schemeClr val="tx1"/>
                 </a:solidFill>
@@ -5708,7 +5722,7 @@
           <a:blip r:embed="rId3" cstate="print">
             <a:extLst>
               <a:ext uri="{28A0092B-C50C-407E-A947-70E740481C1C}">
-                <a14:useLocalDpi xmlns:a14="http://schemas.microsoft.com/office/drawing/2010/main" val="0"/>
+                <a14:useLocalDpi xmlns:a14="http://schemas.microsoft.com/office/drawing/2010/main" xmlns="" val="0"/>
               </a:ext>
             </a:extLst>
           </a:blip>
@@ -5731,14 +5745,14 @@
           </a:ln>
           <a:extLst>
             <a:ext uri="{909E8E84-426E-40DD-AFC4-6F175D3DCCD1}">
-              <a14:hiddenFill xmlns:a14="http://schemas.microsoft.com/office/drawing/2010/main">
+              <a14:hiddenFill xmlns:a14="http://schemas.microsoft.com/office/drawing/2010/main" xmlns="">
                 <a:solidFill>
                   <a:schemeClr val="accent1"/>
                 </a:solidFill>
               </a14:hiddenFill>
             </a:ext>
             <a:ext uri="{91240B29-F687-4F45-9708-019B960494DF}">
-              <a14:hiddenLine xmlns:a14="http://schemas.microsoft.com/office/drawing/2010/main" w="9525">
+              <a14:hiddenLine xmlns:a14="http://schemas.microsoft.com/office/drawing/2010/main" xmlns="" w="9525">
                 <a:solidFill>
                   <a:schemeClr val="tx1"/>
                 </a:solidFill>
@@ -5837,7 +5851,7 @@
     </p:spTree>
     <p:extLst>
       <p:ext uri="{BB962C8B-B14F-4D97-AF65-F5344CB8AC3E}">
-        <p14:creationId xmlns:p14="http://schemas.microsoft.com/office/powerpoint/2010/main" val="351678416"/>
+        <p14:creationId xmlns:p14="http://schemas.microsoft.com/office/powerpoint/2010/main" xmlns="" val="351678416"/>
       </p:ext>
     </p:extLst>
   </p:cSld>
@@ -5883,7 +5897,7 @@
           <a:blip r:embed="rId2" cstate="print">
             <a:extLst>
               <a:ext uri="{28A0092B-C50C-407E-A947-70E740481C1C}">
-                <a14:useLocalDpi xmlns:a14="http://schemas.microsoft.com/office/drawing/2010/main" val="0"/>
+                <a14:useLocalDpi xmlns:a14="http://schemas.microsoft.com/office/drawing/2010/main" xmlns="" val="0"/>
               </a:ext>
             </a:extLst>
           </a:blip>
@@ -5906,14 +5920,14 @@
           </a:ln>
           <a:extLst>
             <a:ext uri="{909E8E84-426E-40DD-AFC4-6F175D3DCCD1}">
-              <a14:hiddenFill xmlns:a14="http://schemas.microsoft.com/office/drawing/2010/main">
+              <a14:hiddenFill xmlns:a14="http://schemas.microsoft.com/office/drawing/2010/main" xmlns="">
                 <a:solidFill>
                   <a:schemeClr val="accent1"/>
                 </a:solidFill>
               </a14:hiddenFill>
             </a:ext>
             <a:ext uri="{91240B29-F687-4F45-9708-019B960494DF}">
-              <a14:hiddenLine xmlns:a14="http://schemas.microsoft.com/office/drawing/2010/main" w="9525">
+              <a14:hiddenLine xmlns:a14="http://schemas.microsoft.com/office/drawing/2010/main" xmlns="" w="9525">
                 <a:solidFill>
                   <a:schemeClr val="tx1"/>
                 </a:solidFill>
@@ -5975,7 +5989,7 @@
     </p:spTree>
     <p:extLst>
       <p:ext uri="{BB962C8B-B14F-4D97-AF65-F5344CB8AC3E}">
-        <p14:creationId xmlns:p14="http://schemas.microsoft.com/office/powerpoint/2010/main" val="4262687040"/>
+        <p14:creationId xmlns:p14="http://schemas.microsoft.com/office/powerpoint/2010/main" xmlns="" val="4262687040"/>
       </p:ext>
     </p:extLst>
   </p:cSld>
@@ -6188,7 +6202,7 @@
     </p:spTree>
     <p:extLst>
       <p:ext uri="{BB962C8B-B14F-4D97-AF65-F5344CB8AC3E}">
-        <p14:creationId xmlns:p14="http://schemas.microsoft.com/office/powerpoint/2010/main" val="2902674493"/>
+        <p14:creationId xmlns:p14="http://schemas.microsoft.com/office/powerpoint/2010/main" xmlns="" val="2902674493"/>
       </p:ext>
     </p:extLst>
   </p:cSld>
@@ -6478,7 +6492,7 @@
     </p:spTree>
     <p:extLst>
       <p:ext uri="{BB962C8B-B14F-4D97-AF65-F5344CB8AC3E}">
-        <p14:creationId xmlns:p14="http://schemas.microsoft.com/office/powerpoint/2010/main" val="456700873"/>
+        <p14:creationId xmlns:p14="http://schemas.microsoft.com/office/powerpoint/2010/main" xmlns="" val="456700873"/>
       </p:ext>
     </p:extLst>
   </p:cSld>
@@ -6699,7 +6713,7 @@
     </p:spTree>
     <p:extLst>
       <p:ext uri="{BB962C8B-B14F-4D97-AF65-F5344CB8AC3E}">
-        <p14:creationId xmlns:p14="http://schemas.microsoft.com/office/powerpoint/2010/main" val="480149947"/>
+        <p14:creationId xmlns:p14="http://schemas.microsoft.com/office/powerpoint/2010/main" xmlns="" val="480149947"/>
       </p:ext>
     </p:extLst>
   </p:cSld>
@@ -6855,7 +6869,7 @@
     </p:spTree>
     <p:extLst>
       <p:ext uri="{BB962C8B-B14F-4D97-AF65-F5344CB8AC3E}">
-        <p14:creationId xmlns:p14="http://schemas.microsoft.com/office/powerpoint/2010/main" val="1616332234"/>
+        <p14:creationId xmlns:p14="http://schemas.microsoft.com/office/powerpoint/2010/main" xmlns="" val="1616332234"/>
       </p:ext>
     </p:extLst>
   </p:cSld>
@@ -6927,7 +6941,7 @@
             <p:ph idx="1"/>
             <p:extLst>
               <p:ext uri="{D42A27DB-BD31-4B8C-83A1-F6EECF244321}">
-                <p14:modId xmlns:p14="http://schemas.microsoft.com/office/powerpoint/2010/main" val="744842571"/>
+                <p14:modId xmlns:p14="http://schemas.microsoft.com/office/powerpoint/2010/main" xmlns="" val="744842571"/>
               </p:ext>
             </p:extLst>
           </p:nvPr>
@@ -8320,7 +8334,7 @@
     </p:spTree>
     <p:extLst>
       <p:ext uri="{BB962C8B-B14F-4D97-AF65-F5344CB8AC3E}">
-        <p14:creationId xmlns:p14="http://schemas.microsoft.com/office/powerpoint/2010/main" val="3046759313"/>
+        <p14:creationId xmlns:p14="http://schemas.microsoft.com/office/powerpoint/2010/main" xmlns="" val="3046759313"/>
       </p:ext>
     </p:extLst>
   </p:cSld>
@@ -8545,7 +8559,7 @@
     </p:spTree>
     <p:extLst>
       <p:ext uri="{BB962C8B-B14F-4D97-AF65-F5344CB8AC3E}">
-        <p14:creationId xmlns:p14="http://schemas.microsoft.com/office/powerpoint/2010/main" val="3364224153"/>
+        <p14:creationId xmlns:p14="http://schemas.microsoft.com/office/powerpoint/2010/main" xmlns="" val="3364224153"/>
       </p:ext>
     </p:extLst>
   </p:cSld>
@@ -8715,7 +8729,7 @@
     </p:spTree>
     <p:extLst>
       <p:ext uri="{BB962C8B-B14F-4D97-AF65-F5344CB8AC3E}">
-        <p14:creationId xmlns:p14="http://schemas.microsoft.com/office/powerpoint/2010/main" val="2516212354"/>
+        <p14:creationId xmlns:p14="http://schemas.microsoft.com/office/powerpoint/2010/main" xmlns="" val="2516212354"/>
       </p:ext>
     </p:extLst>
   </p:cSld>
@@ -8905,7 +8919,7 @@
     </p:spTree>
     <p:extLst>
       <p:ext uri="{BB962C8B-B14F-4D97-AF65-F5344CB8AC3E}">
-        <p14:creationId xmlns:p14="http://schemas.microsoft.com/office/powerpoint/2010/main" val="2295583179"/>
+        <p14:creationId xmlns:p14="http://schemas.microsoft.com/office/powerpoint/2010/main" xmlns="" val="2295583179"/>
       </p:ext>
     </p:extLst>
   </p:cSld>
@@ -9121,7 +9135,7 @@
     </p:spTree>
     <p:extLst>
       <p:ext uri="{BB962C8B-B14F-4D97-AF65-F5344CB8AC3E}">
-        <p14:creationId xmlns:p14="http://schemas.microsoft.com/office/powerpoint/2010/main" val="3809995992"/>
+        <p14:creationId xmlns:p14="http://schemas.microsoft.com/office/powerpoint/2010/main" xmlns="" val="3809995992"/>
       </p:ext>
     </p:extLst>
   </p:cSld>
@@ -9224,7 +9238,7 @@
         </p:spPr>
         <p:txBody>
           <a:bodyPr vert="horz" lIns="91440" tIns="45720" rIns="91440" bIns="45720" rtlCol="0">
-            <a:normAutofit fontScale="85000" lnSpcReduction="20000"/>
+            <a:normAutofit fontScale="92500" lnSpcReduction="20000"/>
           </a:bodyPr>
           <a:lstStyle/>
           <a:p>
@@ -9353,23 +9367,11 @@
             </a:pPr>
             <a:r>
               <a:rPr lang="es-ES" sz="2800" dirty="0" smtClean="0"/>
-              <a:t>Heurísticas para MDVRP</a:t>
-            </a:r>
-          </a:p>
-          <a:p>
-            <a:pPr marL="685800" lvl="2" indent="-228600">
-              <a:lnSpc>
-                <a:spcPct val="90000"/>
-              </a:lnSpc>
-              <a:spcBef>
-                <a:spcPts val="1000"/>
-              </a:spcBef>
-              <a:buFont typeface="Arial" panose="020B0604020202020204" pitchFamily="34" charset="0"/>
-              <a:buChar char="•"/>
-            </a:pPr>
+              <a:t>Heurísticas </a:t>
+            </a:r>
             <a:r>
               <a:rPr lang="es-ES" sz="2800" dirty="0" smtClean="0"/>
-              <a:t>Heurísticas para MDVRP</a:t>
+              <a:t>para MDVRP</a:t>
             </a:r>
           </a:p>
           <a:p>
@@ -9531,7 +9533,7 @@
     </p:spTree>
     <p:extLst>
       <p:ext uri="{BB962C8B-B14F-4D97-AF65-F5344CB8AC3E}">
-        <p14:creationId xmlns:p14="http://schemas.microsoft.com/office/powerpoint/2010/main" val="3030859268"/>
+        <p14:creationId xmlns:p14="http://schemas.microsoft.com/office/powerpoint/2010/main" xmlns="" val="3030859268"/>
       </p:ext>
     </p:extLst>
   </p:cSld>
@@ -9609,7 +9611,7 @@
             </a:r>
           </a:p>
           <a:p>
-            <a:pPr lvl="1"/>
+            <a:pPr lvl="1" algn="just"/>
             <a:r>
               <a:rPr lang="es-ES" dirty="0" smtClean="0"/>
               <a:t>Implementar una </a:t>
@@ -9637,7 +9639,7 @@
             <a:endParaRPr lang="es-ES" dirty="0" smtClean="0"/>
           </a:p>
           <a:p>
-            <a:pPr lvl="1"/>
+            <a:pPr lvl="1" algn="just"/>
             <a:r>
               <a:rPr lang="es-ES" dirty="0" smtClean="0"/>
               <a:t>Crear </a:t>
@@ -9653,6 +9655,7 @@
             <a:endParaRPr lang="en-US" dirty="0" smtClean="0"/>
           </a:p>
           <a:p>
+            <a:pPr algn="just"/>
             <a:r>
               <a:rPr lang="es-UY" dirty="0" smtClean="0"/>
               <a:t>Características</a:t>
@@ -9676,7 +9679,7 @@
             <a:endParaRPr lang="en-US" dirty="0" smtClean="0"/>
           </a:p>
           <a:p>
-            <a:pPr lvl="1"/>
+            <a:pPr lvl="1" algn="just"/>
             <a:r>
               <a:rPr lang="es-ES" dirty="0" smtClean="0"/>
               <a:t>Compatibilidad de datos de entrada con los formatos de TSPLib.</a:t>
@@ -9684,7 +9687,7 @@
             <a:endParaRPr lang="en-US" dirty="0" smtClean="0"/>
           </a:p>
           <a:p>
-            <a:pPr lvl="1"/>
+            <a:pPr lvl="1" algn="just"/>
             <a:r>
               <a:rPr lang="es-UY" dirty="0" smtClean="0"/>
               <a:t>Permitir agregar </a:t>
@@ -9708,7 +9711,7 @@
             <a:endParaRPr lang="en-US" dirty="0" smtClean="0"/>
           </a:p>
           <a:p>
-            <a:pPr lvl="1"/>
+            <a:pPr lvl="1" algn="just"/>
             <a:r>
               <a:rPr lang="es-UY" dirty="0"/>
               <a:t>Los algoritmos y soluciones deben ser parametrizables permitiendo restringir el número de iteraciones, tiempo de corrida o rango de mejoras</a:t>
@@ -9720,7 +9723,7 @@
             <a:endParaRPr lang="en-US" dirty="0" smtClean="0"/>
           </a:p>
           <a:p>
-            <a:pPr lvl="1"/>
+            <a:pPr lvl="1" algn="just"/>
             <a:r>
               <a:rPr lang="es-UY" dirty="0"/>
               <a:t>Se debe manejar una holgura en los depósitos que permita cierta flexibilidad en la capacidad máxima del depósito (oferta del depósito</a:t>
@@ -9731,7 +9734,7 @@
             </a:r>
           </a:p>
           <a:p>
-            <a:pPr lvl="1"/>
+            <a:pPr lvl="1" algn="just"/>
             <a:r>
               <a:rPr lang="es-ES" dirty="0"/>
               <a:t>E</a:t>
@@ -9742,7 +9745,7 @@
             </a:r>
           </a:p>
           <a:p>
-            <a:pPr lvl="2"/>
+            <a:pPr lvl="2" algn="just"/>
             <a:r>
               <a:rPr lang="es-ES" dirty="0" smtClean="0"/>
               <a:t>Resultado: la </a:t>
@@ -9757,14 +9760,14 @@
             </a:r>
           </a:p>
           <a:p>
-            <a:pPr lvl="2"/>
+            <a:pPr lvl="2" algn="just"/>
             <a:r>
               <a:rPr lang="es-ES" dirty="0" smtClean="0"/>
               <a:t>Zonificación: Delimitar las zonas de cada deposito.</a:t>
             </a:r>
           </a:p>
           <a:p>
-            <a:pPr lvl="2"/>
+            <a:pPr lvl="2" algn="just"/>
             <a:r>
               <a:rPr lang="es-ES" dirty="0" smtClean="0"/>
               <a:t>Visibilidad: Resaltar objetos y permitir zoom.</a:t>
@@ -9772,7 +9775,7 @@
             <a:endParaRPr lang="en-US" dirty="0" smtClean="0"/>
           </a:p>
           <a:p>
-            <a:pPr lvl="1"/>
+            <a:pPr lvl="1" algn="just"/>
             <a:r>
               <a:rPr lang="es-UY" dirty="0" smtClean="0"/>
               <a:t>Permitir ver los cambios en cada iteración para analizar el algoritmo.</a:t>
@@ -9837,7 +9840,7 @@
     </p:spTree>
     <p:extLst>
       <p:ext uri="{BB962C8B-B14F-4D97-AF65-F5344CB8AC3E}">
-        <p14:creationId xmlns:p14="http://schemas.microsoft.com/office/powerpoint/2010/main" val="3204008851"/>
+        <p14:creationId xmlns:p14="http://schemas.microsoft.com/office/powerpoint/2010/main" xmlns="" val="3204008851"/>
       </p:ext>
     </p:extLst>
   </p:cSld>
@@ -9941,6 +9944,7 @@
           </a:bodyPr>
           <a:lstStyle/>
           <a:p>
+            <a:pPr algn="just"/>
             <a:r>
               <a:rPr lang="es-ES" dirty="0" smtClean="0"/>
               <a:t>La solución del problema de MDVRP se basó </a:t>
@@ -9963,6 +9967,7 @@
             </a:r>
           </a:p>
           <a:p>
+            <a:pPr algn="just"/>
             <a:r>
               <a:rPr lang="es-ES" dirty="0" smtClean="0"/>
               <a:t>Basados en las publicaciones, se identificaron 4 </a:t>
@@ -10069,7 +10074,7 @@
     </p:spTree>
     <p:extLst>
       <p:ext uri="{BB962C8B-B14F-4D97-AF65-F5344CB8AC3E}">
-        <p14:creationId xmlns:p14="http://schemas.microsoft.com/office/powerpoint/2010/main" val="4281177176"/>
+        <p14:creationId xmlns:p14="http://schemas.microsoft.com/office/powerpoint/2010/main" xmlns="" val="4281177176"/>
       </p:ext>
     </p:extLst>
   </p:cSld>
@@ -10301,7 +10306,7 @@
     </p:spTree>
     <p:extLst>
       <p:ext uri="{BB962C8B-B14F-4D97-AF65-F5344CB8AC3E}">
-        <p14:creationId xmlns:p14="http://schemas.microsoft.com/office/powerpoint/2010/main" val="3043282378"/>
+        <p14:creationId xmlns:p14="http://schemas.microsoft.com/office/powerpoint/2010/main" xmlns="" val="3043282378"/>
       </p:ext>
     </p:extLst>
   </p:cSld>
@@ -10360,8 +10365,8 @@
           </a:p>
         </p:txBody>
       </p:sp>
-      <mc:AlternateContent xmlns:mc="http://schemas.openxmlformats.org/markup-compatibility/2006" xmlns:a14="http://schemas.microsoft.com/office/drawing/2010/main">
-        <mc:Choice Requires="a14">
+      <mc:AlternateContent xmlns:mc="http://schemas.openxmlformats.org/markup-compatibility/2006">
+        <mc:Choice xmlns:a14="http://schemas.microsoft.com/office/drawing/2010/main" xmlns="" Requires="a14">
           <p:sp>
             <p:nvSpPr>
               <p:cNvPr id="3" name="Content Placeholder 2"/>
@@ -10869,7 +10874,7 @@
             </p:txBody>
           </p:sp>
         </mc:Choice>
-        <mc:Fallback xmlns="">
+        <mc:Fallback>
           <p:sp>
             <p:nvSpPr>
               <p:cNvPr id="3" name="Content Placeholder 2"/>
@@ -10957,7 +10962,7 @@
     </p:spTree>
     <p:extLst>
       <p:ext uri="{BB962C8B-B14F-4D97-AF65-F5344CB8AC3E}">
-        <p14:creationId xmlns:p14="http://schemas.microsoft.com/office/powerpoint/2010/main" val="1412467103"/>
+        <p14:creationId xmlns:p14="http://schemas.microsoft.com/office/powerpoint/2010/main" xmlns="" val="1412467103"/>
       </p:ext>
     </p:extLst>
   </p:cSld>
@@ -11149,7 +11154,7 @@
     </p:spTree>
     <p:extLst>
       <p:ext uri="{BB962C8B-B14F-4D97-AF65-F5344CB8AC3E}">
-        <p14:creationId xmlns:p14="http://schemas.microsoft.com/office/powerpoint/2010/main" val="2766999817"/>
+        <p14:creationId xmlns:p14="http://schemas.microsoft.com/office/powerpoint/2010/main" xmlns="" val="2766999817"/>
       </p:ext>
     </p:extLst>
   </p:cSld>
@@ -11414,7 +11419,7 @@
   <a:extraClrSchemeLst/>
   <a:extLst>
     <a:ext uri="{05A4C25C-085E-4340-85A3-A5531E510DB2}">
-      <thm15:themeFamily xmlns="" xmlns:thm15="http://schemas.microsoft.com/office/thememl/2012/main" name="Office Theme" id="{62F939B6-93AF-4DB8-9C6B-D6C7DFDC589F}" vid="{4A3C46E8-61CC-4603-A589-7422A47A8E4A}"/>
+      <thm15:themeFamily xmlns:thm15="http://schemas.microsoft.com/office/thememl/2012/main" xmlns="" name="Office Theme" id="{62F939B6-93AF-4DB8-9C6B-D6C7DFDC589F}" vid="{4A3C46E8-61CC-4603-A589-7422A47A8E4A}"/>
     </a:ext>
   </a:extLst>
 </a:theme>
